--- a/docs/interim-presen/interim_hagihara.pptx
+++ b/docs/interim-presen/interim_hagihara.pptx
@@ -2,17 +2,28 @@
 <file path=ppt/presentation.xml><?xml version="1.0" encoding="utf-8"?>
 <p:presentation xmlns:a="http://schemas.openxmlformats.org/drawingml/2006/main" xmlns:r="http://schemas.openxmlformats.org/officeDocument/2006/relationships" xmlns:p="http://schemas.openxmlformats.org/presentationml/2006/main" saveSubsetFonts="1" autoCompressPictures="0">
   <p:sldMasterIdLst>
-    <p:sldMasterId id="2147483660" r:id="rId1"/>
+    <p:sldMasterId id="2147483668" r:id="rId1"/>
   </p:sldMasterIdLst>
   <p:notesMasterIdLst>
-    <p:notesMasterId r:id="rId5"/>
+    <p:notesMasterId r:id="rId16"/>
   </p:notesMasterIdLst>
   <p:sldIdLst>
     <p:sldId id="256" r:id="rId2"/>
     <p:sldId id="257" r:id="rId3"/>
-    <p:sldId id="258" r:id="rId4"/>
+    <p:sldId id="259" r:id="rId4"/>
+    <p:sldId id="258" r:id="rId5"/>
+    <p:sldId id="260" r:id="rId6"/>
+    <p:sldId id="261" r:id="rId7"/>
+    <p:sldId id="262" r:id="rId8"/>
+    <p:sldId id="263" r:id="rId9"/>
+    <p:sldId id="264" r:id="rId10"/>
+    <p:sldId id="265" r:id="rId11"/>
+    <p:sldId id="266" r:id="rId12"/>
+    <p:sldId id="267" r:id="rId13"/>
+    <p:sldId id="268" r:id="rId14"/>
+    <p:sldId id="269" r:id="rId15"/>
   </p:sldIdLst>
-  <p:sldSz cx="9144000" cy="6858000" type="screen4x3"/>
+  <p:sldSz cx="12192000" cy="6858000"/>
   <p:notesSz cx="6858000" cy="9144000"/>
   <p:defaultTextStyle>
     <a:defPPr>
@@ -109,6 +120,11 @@
       </a:defRPr>
     </a:lvl9pPr>
   </p:defaultTextStyle>
+  <p:extLst>
+    <p:ext uri="{EFAFB233-063F-42B5-8137-9DF3F51BA10A}">
+      <p15:sldGuideLst xmlns:p15="http://schemas.microsoft.com/office/powerpoint/2012/main"/>
+    </p:ext>
+  </p:extLst>
 </p:presentation>
 </file>
 
@@ -194,7 +210,7 @@
           <a:p>
             <a:fld id="{B4646E02-4AB7-8D40-B256-3920728DD310}" type="datetimeFigureOut">
               <a:rPr kumimoji="1" lang="ja-JP" altLang="en-US" smtClean="0"/>
-              <a:t>2017/10/5</a:t>
+              <a:t>2017/10/12</a:t>
             </a:fld>
             <a:endParaRPr kumimoji="1" lang="ja-JP" altLang="en-US"/>
           </a:p>
@@ -212,8 +228,8 @@
         </p:nvSpPr>
         <p:spPr>
           <a:xfrm>
-            <a:off x="1371600" y="1143000"/>
-            <a:ext cx="4114800" cy="3086100"/>
+            <a:off x="685800" y="1143000"/>
+            <a:ext cx="5486400" cy="3086100"/>
           </a:xfrm>
           <a:prstGeom prst="rect">
             <a:avLst/>
@@ -494,6 +510,174 @@
 </p:notesMaster>
 </file>
 
+<file path=ppt/notesSlides/notesSlide1.xml><?xml version="1.0" encoding="utf-8"?>
+<p:notes xmlns:a="http://schemas.openxmlformats.org/drawingml/2006/main" xmlns:r="http://schemas.openxmlformats.org/officeDocument/2006/relationships" xmlns:p="http://schemas.openxmlformats.org/presentationml/2006/main">
+  <p:cSld>
+    <p:spTree>
+      <p:nvGrpSpPr>
+        <p:cNvPr id="1" name=""/>
+        <p:cNvGrpSpPr/>
+        <p:nvPr/>
+      </p:nvGrpSpPr>
+      <p:grpSpPr>
+        <a:xfrm>
+          <a:off x="0" y="0"/>
+          <a:ext cx="0" cy="0"/>
+          <a:chOff x="0" y="0"/>
+          <a:chExt cx="0" cy="0"/>
+        </a:xfrm>
+      </p:grpSpPr>
+      <p:sp>
+        <p:nvSpPr>
+          <p:cNvPr id="2" name="スライド イメージ プレースホルダー 1"/>
+          <p:cNvSpPr>
+            <a:spLocks noGrp="1" noRot="1" noChangeAspect="1"/>
+          </p:cNvSpPr>
+          <p:nvPr>
+            <p:ph type="sldImg"/>
+          </p:nvPr>
+        </p:nvSpPr>
+        <p:spPr/>
+      </p:sp>
+      <p:sp>
+        <p:nvSpPr>
+          <p:cNvPr id="3" name="ノート プレースホルダー 2"/>
+          <p:cNvSpPr>
+            <a:spLocks noGrp="1"/>
+          </p:cNvSpPr>
+          <p:nvPr>
+            <p:ph type="body" idx="1"/>
+          </p:nvPr>
+        </p:nvSpPr>
+        <p:spPr/>
+        <p:txBody>
+          <a:bodyPr/>
+          <a:lstStyle/>
+          <a:p>
+            <a:endParaRPr kumimoji="1" lang="ja-JP" altLang="en-US" dirty="0"/>
+          </a:p>
+        </p:txBody>
+      </p:sp>
+      <p:sp>
+        <p:nvSpPr>
+          <p:cNvPr id="4" name="スライド番号プレースホルダー 3"/>
+          <p:cNvSpPr>
+            <a:spLocks noGrp="1"/>
+          </p:cNvSpPr>
+          <p:nvPr>
+            <p:ph type="sldNum" sz="quarter" idx="10"/>
+          </p:nvPr>
+        </p:nvSpPr>
+        <p:spPr/>
+        <p:txBody>
+          <a:bodyPr/>
+          <a:lstStyle/>
+          <a:p>
+            <a:fld id="{F78381A3-C678-7B48-BA42-399B1155E4C3}" type="slidenum">
+              <a:rPr kumimoji="1" lang="ja-JP" altLang="en-US" smtClean="0"/>
+              <a:t>6</a:t>
+            </a:fld>
+            <a:endParaRPr kumimoji="1" lang="ja-JP" altLang="en-US"/>
+          </a:p>
+        </p:txBody>
+      </p:sp>
+    </p:spTree>
+    <p:extLst>
+      <p:ext uri="{BB962C8B-B14F-4D97-AF65-F5344CB8AC3E}">
+        <p14:creationId xmlns:p14="http://schemas.microsoft.com/office/powerpoint/2010/main" val="741855104"/>
+      </p:ext>
+    </p:extLst>
+  </p:cSld>
+  <p:clrMapOvr>
+    <a:masterClrMapping/>
+  </p:clrMapOvr>
+</p:notes>
+</file>
+
+<file path=ppt/notesSlides/notesSlide2.xml><?xml version="1.0" encoding="utf-8"?>
+<p:notes xmlns:a="http://schemas.openxmlformats.org/drawingml/2006/main" xmlns:r="http://schemas.openxmlformats.org/officeDocument/2006/relationships" xmlns:p="http://schemas.openxmlformats.org/presentationml/2006/main">
+  <p:cSld>
+    <p:spTree>
+      <p:nvGrpSpPr>
+        <p:cNvPr id="1" name=""/>
+        <p:cNvGrpSpPr/>
+        <p:nvPr/>
+      </p:nvGrpSpPr>
+      <p:grpSpPr>
+        <a:xfrm>
+          <a:off x="0" y="0"/>
+          <a:ext cx="0" cy="0"/>
+          <a:chOff x="0" y="0"/>
+          <a:chExt cx="0" cy="0"/>
+        </a:xfrm>
+      </p:grpSpPr>
+      <p:sp>
+        <p:nvSpPr>
+          <p:cNvPr id="2" name="スライド イメージ プレースホルダー 1"/>
+          <p:cNvSpPr>
+            <a:spLocks noGrp="1" noRot="1" noChangeAspect="1"/>
+          </p:cNvSpPr>
+          <p:nvPr>
+            <p:ph type="sldImg"/>
+          </p:nvPr>
+        </p:nvSpPr>
+        <p:spPr/>
+      </p:sp>
+      <p:sp>
+        <p:nvSpPr>
+          <p:cNvPr id="3" name="ノート プレースホルダー 2"/>
+          <p:cNvSpPr>
+            <a:spLocks noGrp="1"/>
+          </p:cNvSpPr>
+          <p:nvPr>
+            <p:ph type="body" idx="1"/>
+          </p:nvPr>
+        </p:nvSpPr>
+        <p:spPr/>
+        <p:txBody>
+          <a:bodyPr/>
+          <a:lstStyle/>
+          <a:p>
+            <a:endParaRPr kumimoji="1" lang="ja-JP" altLang="en-US" dirty="0"/>
+          </a:p>
+        </p:txBody>
+      </p:sp>
+      <p:sp>
+        <p:nvSpPr>
+          <p:cNvPr id="4" name="スライド番号プレースホルダー 3"/>
+          <p:cNvSpPr>
+            <a:spLocks noGrp="1"/>
+          </p:cNvSpPr>
+          <p:nvPr>
+            <p:ph type="sldNum" sz="quarter" idx="10"/>
+          </p:nvPr>
+        </p:nvSpPr>
+        <p:spPr/>
+        <p:txBody>
+          <a:bodyPr/>
+          <a:lstStyle/>
+          <a:p>
+            <a:fld id="{F78381A3-C678-7B48-BA42-399B1155E4C3}" type="slidenum">
+              <a:rPr kumimoji="1" lang="ja-JP" altLang="en-US" smtClean="0"/>
+              <a:t>7</a:t>
+            </a:fld>
+            <a:endParaRPr kumimoji="1" lang="ja-JP" altLang="en-US"/>
+          </a:p>
+        </p:txBody>
+      </p:sp>
+    </p:spTree>
+    <p:extLst>
+      <p:ext uri="{BB962C8B-B14F-4D97-AF65-F5344CB8AC3E}">
+        <p14:creationId xmlns:p14="http://schemas.microsoft.com/office/powerpoint/2010/main" val="72128565"/>
+      </p:ext>
+    </p:extLst>
+  </p:cSld>
+  <p:clrMapOvr>
+    <a:masterClrMapping/>
+  </p:clrMapOvr>
+</p:notes>
+</file>
+
 <file path=ppt/slideLayouts/slideLayout1.xml><?xml version="1.0" encoding="utf-8"?>
 <p:sldLayout xmlns:a="http://schemas.openxmlformats.org/drawingml/2006/main" xmlns:r="http://schemas.openxmlformats.org/officeDocument/2006/relationships" xmlns:p="http://schemas.openxmlformats.org/presentationml/2006/main" type="title" preserve="1">
   <p:cSld name="タイトル スライド">
@@ -513,54 +697,6 @@
       </p:grpSpPr>
       <p:sp>
         <p:nvSpPr>
-          <p:cNvPr id="7" name="正方形/長方形 6"/>
-          <p:cNvSpPr/>
-          <p:nvPr userDrawn="1"/>
-        </p:nvSpPr>
-        <p:spPr>
-          <a:xfrm>
-            <a:off x="0" y="4539632"/>
-            <a:ext cx="9144000" cy="2318368"/>
-          </a:xfrm>
-          <a:prstGeom prst="rect">
-            <a:avLst/>
-          </a:prstGeom>
-          <a:solidFill>
-            <a:schemeClr val="accent1">
-              <a:lumMod val="75000"/>
-            </a:schemeClr>
-          </a:solidFill>
-          <a:ln>
-            <a:noFill/>
-          </a:ln>
-        </p:spPr>
-        <p:style>
-          <a:lnRef idx="2">
-            <a:schemeClr val="accent1">
-              <a:shade val="50000"/>
-            </a:schemeClr>
-          </a:lnRef>
-          <a:fillRef idx="1">
-            <a:schemeClr val="accent1"/>
-          </a:fillRef>
-          <a:effectRef idx="0">
-            <a:schemeClr val="accent1"/>
-          </a:effectRef>
-          <a:fontRef idx="minor">
-            <a:schemeClr val="lt1"/>
-          </a:fontRef>
-        </p:style>
-        <p:txBody>
-          <a:bodyPr rtlCol="0" anchor="ctr"/>
-          <a:lstStyle/>
-          <a:p>
-            <a:pPr algn="ctr"/>
-            <a:endParaRPr kumimoji="1" lang="ja-JP" altLang="en-US"/>
-          </a:p>
-        </p:txBody>
-      </p:sp>
-      <p:sp>
-        <p:nvSpPr>
           <p:cNvPr id="2" name="Title 1"/>
           <p:cNvSpPr>
             <a:spLocks noGrp="1"/>
@@ -571,17 +707,15 @@
         </p:nvSpPr>
         <p:spPr>
           <a:xfrm>
-            <a:off x="685800" y="1122363"/>
-            <a:ext cx="7772400" cy="2387600"/>
+            <a:off x="1524000" y="1142028"/>
+            <a:ext cx="9144000" cy="2387600"/>
           </a:xfrm>
         </p:spPr>
         <p:txBody>
-          <a:bodyPr anchor="ctr">
-            <a:normAutofit/>
-          </a:bodyPr>
+          <a:bodyPr anchor="b"/>
           <a:lstStyle>
             <a:lvl1pPr algn="ctr">
-              <a:defRPr sz="4400"/>
+              <a:defRPr sz="6000"/>
             </a:lvl1pPr>
           </a:lstStyle>
           <a:p>
@@ -605,20 +739,16 @@
         </p:nvSpPr>
         <p:spPr>
           <a:xfrm>
-            <a:off x="1143000" y="4870935"/>
-            <a:ext cx="6858000" cy="1655762"/>
+            <a:off x="1524000" y="3602038"/>
+            <a:ext cx="9144000" cy="1655762"/>
           </a:xfrm>
         </p:spPr>
         <p:txBody>
-          <a:bodyPr anchor="ctr"/>
+          <a:bodyPr/>
           <a:lstStyle>
             <a:lvl1pPr marL="0" indent="0" algn="ctr">
               <a:buNone/>
-              <a:defRPr sz="2400">
-                <a:solidFill>
-                  <a:schemeClr val="bg1"/>
-                </a:solidFill>
-              </a:defRPr>
+              <a:defRPr sz="2400"/>
             </a:lvl1pPr>
             <a:lvl2pPr marL="457200" indent="0" algn="ctr">
               <a:buNone/>
@@ -655,38 +785,78 @@
           </a:lstStyle>
           <a:p>
             <a:r>
-              <a:rPr lang="ja-JP" altLang="en-US" dirty="0" smtClean="0"/>
+              <a:rPr lang="ja-JP" altLang="en-US" smtClean="0"/>
               <a:t>マスター サブタイトルの書式設定</a:t>
             </a:r>
             <a:endParaRPr lang="en-US" dirty="0"/>
           </a:p>
         </p:txBody>
       </p:sp>
-    </p:spTree>
-  </p:cSld>
-  <p:clrMapOvr>
-    <a:masterClrMapping/>
-  </p:clrMapOvr>
-</p:sldLayout>
-</file>
-
-<file path=ppt/slideLayouts/slideLayout2.xml><?xml version="1.0" encoding="utf-8"?>
-<p:sldLayout xmlns:a="http://schemas.openxmlformats.org/drawingml/2006/main" xmlns:r="http://schemas.openxmlformats.org/officeDocument/2006/relationships" xmlns:p="http://schemas.openxmlformats.org/presentationml/2006/main" type="obj" preserve="1">
-  <p:cSld name="タイトルとコンテンツ">
-    <p:spTree>
-      <p:nvGrpSpPr>
-        <p:cNvPr id="1" name=""/>
-        <p:cNvGrpSpPr/>
-        <p:nvPr/>
-      </p:nvGrpSpPr>
-      <p:grpSpPr>
-        <a:xfrm>
-          <a:off x="0" y="0"/>
-          <a:ext cx="0" cy="0"/>
-          <a:chOff x="0" y="0"/>
-          <a:chExt cx="0" cy="0"/>
-        </a:xfrm>
-      </p:grpSpPr>
+      <p:sp>
+        <p:nvSpPr>
+          <p:cNvPr id="4" name="Date Placeholder 3"/>
+          <p:cNvSpPr>
+            <a:spLocks noGrp="1"/>
+          </p:cNvSpPr>
+          <p:nvPr>
+            <p:ph type="dt" sz="half" idx="10"/>
+          </p:nvPr>
+        </p:nvSpPr>
+        <p:spPr/>
+        <p:txBody>
+          <a:bodyPr/>
+          <a:lstStyle/>
+          <a:p>
+            <a:fld id="{C764DE79-268F-4C1A-8933-263129D2AF90}" type="datetimeFigureOut">
+              <a:rPr lang="en-US" dirty="0"/>
+              <a:t>10/12/17</a:t>
+            </a:fld>
+            <a:endParaRPr lang="en-US" dirty="0"/>
+          </a:p>
+        </p:txBody>
+      </p:sp>
+      <p:sp>
+        <p:nvSpPr>
+          <p:cNvPr id="5" name="Footer Placeholder 4"/>
+          <p:cNvSpPr>
+            <a:spLocks noGrp="1"/>
+          </p:cNvSpPr>
+          <p:nvPr>
+            <p:ph type="ftr" sz="quarter" idx="11"/>
+          </p:nvPr>
+        </p:nvSpPr>
+        <p:spPr/>
+        <p:txBody>
+          <a:bodyPr/>
+          <a:lstStyle/>
+          <a:p>
+            <a:endParaRPr lang="en-US" dirty="0"/>
+          </a:p>
+        </p:txBody>
+      </p:sp>
+      <p:sp>
+        <p:nvSpPr>
+          <p:cNvPr id="6" name="Slide Number Placeholder 5"/>
+          <p:cNvSpPr>
+            <a:spLocks noGrp="1"/>
+          </p:cNvSpPr>
+          <p:nvPr>
+            <p:ph type="sldNum" sz="quarter" idx="12"/>
+          </p:nvPr>
+        </p:nvSpPr>
+        <p:spPr/>
+        <p:txBody>
+          <a:bodyPr/>
+          <a:lstStyle/>
+          <a:p>
+            <a:fld id="{48F63A3B-78C7-47BE-AE5E-E10140E04643}" type="slidenum">
+              <a:rPr lang="en-US" dirty="0"/>
+              <a:t>‹#›</a:t>
+            </a:fld>
+            <a:endParaRPr lang="en-US" dirty="0"/>
+          </a:p>
+        </p:txBody>
+      </p:sp>
       <p:sp>
         <p:nvSpPr>
           <p:cNvPr id="7" name="正方形/長方形 6"/>
@@ -695,8 +865,8 @@
         </p:nvSpPr>
         <p:spPr>
           <a:xfrm>
-            <a:off x="0" y="0"/>
-            <a:ext cx="9144000" cy="1002049"/>
+            <a:off x="0" y="4539632"/>
+            <a:ext cx="12192000" cy="2318368"/>
           </a:xfrm>
           <a:prstGeom prst="rect">
             <a:avLst/>
@@ -731,7 +901,87 @@
           <a:lstStyle/>
           <a:p>
             <a:pPr algn="ctr"/>
-            <a:endParaRPr kumimoji="1" lang="ja-JP" altLang="en-US"/>
+            <a:endParaRPr kumimoji="1" lang="ja-JP" altLang="en-US" sz="1800"/>
+          </a:p>
+        </p:txBody>
+      </p:sp>
+    </p:spTree>
+  </p:cSld>
+  <p:clrMapOvr>
+    <a:masterClrMapping/>
+  </p:clrMapOvr>
+  <p:timing>
+    <p:tnLst>
+      <p:par>
+        <p:cTn id="1" dur="indefinite" restart="never" nodeType="tmRoot"/>
+      </p:par>
+    </p:tnLst>
+  </p:timing>
+</p:sldLayout>
+</file>
+
+<file path=ppt/slideLayouts/slideLayout2.xml><?xml version="1.0" encoding="utf-8"?>
+<p:sldLayout xmlns:a="http://schemas.openxmlformats.org/drawingml/2006/main" xmlns:r="http://schemas.openxmlformats.org/officeDocument/2006/relationships" xmlns:p="http://schemas.openxmlformats.org/presentationml/2006/main" type="obj" preserve="1">
+  <p:cSld name="タイトルとコンテンツ">
+    <p:spTree>
+      <p:nvGrpSpPr>
+        <p:cNvPr id="1" name=""/>
+        <p:cNvGrpSpPr/>
+        <p:nvPr/>
+      </p:nvGrpSpPr>
+      <p:grpSpPr>
+        <a:xfrm>
+          <a:off x="0" y="0"/>
+          <a:ext cx="0" cy="0"/>
+          <a:chOff x="0" y="0"/>
+          <a:chExt cx="0" cy="0"/>
+        </a:xfrm>
+      </p:grpSpPr>
+      <p:sp>
+        <p:nvSpPr>
+          <p:cNvPr id="7" name="正方形/長方形 6"/>
+          <p:cNvSpPr/>
+          <p:nvPr userDrawn="1"/>
+        </p:nvSpPr>
+        <p:spPr>
+          <a:xfrm>
+            <a:off x="0" y="1"/>
+            <a:ext cx="12192000" cy="1002049"/>
+          </a:xfrm>
+          <a:prstGeom prst="rect">
+            <a:avLst/>
+          </a:prstGeom>
+          <a:solidFill>
+            <a:schemeClr val="accent1">
+              <a:lumMod val="75000"/>
+            </a:schemeClr>
+          </a:solidFill>
+          <a:ln>
+            <a:noFill/>
+          </a:ln>
+        </p:spPr>
+        <p:style>
+          <a:lnRef idx="2">
+            <a:schemeClr val="accent1">
+              <a:shade val="50000"/>
+            </a:schemeClr>
+          </a:lnRef>
+          <a:fillRef idx="1">
+            <a:schemeClr val="accent1"/>
+          </a:fillRef>
+          <a:effectRef idx="0">
+            <a:schemeClr val="accent1"/>
+          </a:effectRef>
+          <a:fontRef idx="minor">
+            <a:schemeClr val="lt1"/>
+          </a:fontRef>
+        </p:style>
+        <p:txBody>
+          <a:bodyPr rtlCol="0" anchor="ctr"/>
+          <a:lstStyle/>
+          <a:p>
+            <a:pPr algn="ctr"/>
+            <a:endParaRPr kumimoji="1" lang="ja-JP" altLang="en-US" sz="1800"/>
           </a:p>
         </p:txBody>
       </p:sp>
@@ -745,14 +995,19 @@
             <p:ph type="title"/>
           </p:nvPr>
         </p:nvSpPr>
-        <p:spPr/>
+        <p:spPr>
+          <a:xfrm>
+            <a:off x="838200" y="182562"/>
+            <a:ext cx="10515600" cy="636925"/>
+          </a:xfrm>
+        </p:spPr>
         <p:txBody>
           <a:bodyPr>
-            <a:normAutofit/>
+            <a:noAutofit/>
           </a:bodyPr>
           <a:lstStyle>
             <a:lvl1pPr algn="ctr">
-              <a:defRPr sz="3200">
+              <a:defRPr sz="3600" b="1">
                 <a:solidFill>
                   <a:schemeClr val="bg1"/>
                 </a:solidFill>
@@ -778,39 +1033,51 @@
             <p:ph idx="1"/>
           </p:nvPr>
         </p:nvSpPr>
-        <p:spPr/>
+        <p:spPr>
+          <a:xfrm>
+            <a:off x="838200" y="1184611"/>
+            <a:ext cx="10515600" cy="4351338"/>
+          </a:xfrm>
+        </p:spPr>
         <p:txBody>
-          <a:bodyPr/>
+          <a:bodyPr>
+            <a:noAutofit/>
+          </a:bodyPr>
           <a:lstStyle>
             <a:lvl1pPr>
-              <a:lnSpc>
-                <a:spcPct val="150000"/>
-              </a:lnSpc>
-              <a:defRPr sz="2800"/>
+              <a:defRPr sz="3200">
+                <a:latin typeface="Meiryo" charset="-128"/>
+                <a:ea typeface="Meiryo" charset="-128"/>
+                <a:cs typeface="Meiryo" charset="-128"/>
+              </a:defRPr>
             </a:lvl1pPr>
             <a:lvl2pPr>
-              <a:lnSpc>
-                <a:spcPct val="150000"/>
-              </a:lnSpc>
-              <a:defRPr/>
+              <a:defRPr sz="2800">
+                <a:latin typeface="Meiryo" charset="-128"/>
+                <a:ea typeface="Meiryo" charset="-128"/>
+                <a:cs typeface="Meiryo" charset="-128"/>
+              </a:defRPr>
             </a:lvl2pPr>
             <a:lvl3pPr>
-              <a:lnSpc>
-                <a:spcPct val="150000"/>
-              </a:lnSpc>
-              <a:defRPr/>
+              <a:defRPr sz="2400">
+                <a:latin typeface="Meiryo" charset="-128"/>
+                <a:ea typeface="Meiryo" charset="-128"/>
+                <a:cs typeface="Meiryo" charset="-128"/>
+              </a:defRPr>
             </a:lvl3pPr>
             <a:lvl4pPr>
-              <a:lnSpc>
-                <a:spcPct val="150000"/>
-              </a:lnSpc>
-              <a:defRPr/>
+              <a:defRPr sz="2000">
+                <a:latin typeface="Meiryo" charset="-128"/>
+                <a:ea typeface="Meiryo" charset="-128"/>
+                <a:cs typeface="Meiryo" charset="-128"/>
+              </a:defRPr>
             </a:lvl4pPr>
             <a:lvl5pPr>
-              <a:lnSpc>
-                <a:spcPct val="150000"/>
-              </a:lnSpc>
-              <a:defRPr/>
+              <a:defRPr sz="2000">
+                <a:latin typeface="Meiryo" charset="-128"/>
+                <a:ea typeface="Meiryo" charset="-128"/>
+                <a:cs typeface="Meiryo" charset="-128"/>
+              </a:defRPr>
             </a:lvl5pPr>
           </a:lstStyle>
           <a:p>
@@ -900,7 +1167,7 @@
           <a:p>
             <a:fld id="{FEADE02B-27BC-6D48-8820-5A877B98ECB7}" type="datetimeFigureOut">
               <a:rPr kumimoji="1" lang="ja-JP" altLang="en-US" smtClean="0"/>
-              <a:t>2017/10/5</a:t>
+              <a:t>2017/10/12</a:t>
             </a:fld>
             <a:endParaRPr kumimoji="1" lang="ja-JP" altLang="en-US"/>
           </a:p>
@@ -982,14 +1249,102 @@
       </p:grpSpPr>
       <p:sp>
         <p:nvSpPr>
+          <p:cNvPr id="2" name="Title 1"/>
+          <p:cNvSpPr>
+            <a:spLocks noGrp="1"/>
+          </p:cNvSpPr>
+          <p:nvPr>
+            <p:ph type="title"/>
+          </p:nvPr>
+        </p:nvSpPr>
+        <p:spPr/>
+        <p:txBody>
+          <a:bodyPr/>
+          <a:lstStyle/>
+          <a:p>
+            <a:r>
+              <a:rPr lang="ja-JP" altLang="en-US" smtClean="0"/>
+              <a:t>マスター タイトルの書式設定</a:t>
+            </a:r>
+            <a:endParaRPr lang="en-US" dirty="0"/>
+          </a:p>
+        </p:txBody>
+      </p:sp>
+      <p:sp>
+        <p:nvSpPr>
+          <p:cNvPr id="3" name="Date Placeholder 2"/>
+          <p:cNvSpPr>
+            <a:spLocks noGrp="1"/>
+          </p:cNvSpPr>
+          <p:nvPr>
+            <p:ph type="dt" sz="half" idx="10"/>
+          </p:nvPr>
+        </p:nvSpPr>
+        <p:spPr/>
+        <p:txBody>
+          <a:bodyPr/>
+          <a:lstStyle/>
+          <a:p>
+            <a:fld id="{C764DE79-268F-4C1A-8933-263129D2AF90}" type="datetimeFigureOut">
+              <a:rPr lang="en-US" dirty="0"/>
+              <a:t>10/12/17</a:t>
+            </a:fld>
+            <a:endParaRPr lang="en-US" dirty="0"/>
+          </a:p>
+        </p:txBody>
+      </p:sp>
+      <p:sp>
+        <p:nvSpPr>
+          <p:cNvPr id="4" name="Footer Placeholder 3"/>
+          <p:cNvSpPr>
+            <a:spLocks noGrp="1"/>
+          </p:cNvSpPr>
+          <p:nvPr>
+            <p:ph type="ftr" sz="quarter" idx="11"/>
+          </p:nvPr>
+        </p:nvSpPr>
+        <p:spPr/>
+        <p:txBody>
+          <a:bodyPr/>
+          <a:lstStyle/>
+          <a:p>
+            <a:endParaRPr lang="en-US" dirty="0"/>
+          </a:p>
+        </p:txBody>
+      </p:sp>
+      <p:sp>
+        <p:nvSpPr>
+          <p:cNvPr id="5" name="Slide Number Placeholder 4"/>
+          <p:cNvSpPr>
+            <a:spLocks noGrp="1"/>
+          </p:cNvSpPr>
+          <p:nvPr>
+            <p:ph type="sldNum" sz="quarter" idx="12"/>
+          </p:nvPr>
+        </p:nvSpPr>
+        <p:spPr/>
+        <p:txBody>
+          <a:bodyPr/>
+          <a:lstStyle/>
+          <a:p>
+            <a:fld id="{48F63A3B-78C7-47BE-AE5E-E10140E04643}" type="slidenum">
+              <a:rPr lang="en-US" dirty="0"/>
+              <a:t>‹#›</a:t>
+            </a:fld>
+            <a:endParaRPr lang="en-US" dirty="0"/>
+          </a:p>
+        </p:txBody>
+      </p:sp>
+      <p:sp>
+        <p:nvSpPr>
           <p:cNvPr id="6" name="正方形/長方形 5"/>
           <p:cNvSpPr/>
           <p:nvPr userDrawn="1"/>
         </p:nvSpPr>
         <p:spPr>
           <a:xfrm>
-            <a:off x="0" y="0"/>
-            <a:ext cx="9144000" cy="1002049"/>
+            <a:off x="0" y="1"/>
+            <a:ext cx="12192000" cy="1002049"/>
           </a:xfrm>
           <a:prstGeom prst="rect">
             <a:avLst/>
@@ -1024,40 +1379,7 @@
           <a:lstStyle/>
           <a:p>
             <a:pPr algn="ctr"/>
-            <a:endParaRPr kumimoji="1" lang="ja-JP" altLang="en-US"/>
-          </a:p>
-        </p:txBody>
-      </p:sp>
-      <p:sp>
-        <p:nvSpPr>
-          <p:cNvPr id="2" name="Title 1"/>
-          <p:cNvSpPr>
-            <a:spLocks noGrp="1"/>
-          </p:cNvSpPr>
-          <p:nvPr>
-            <p:ph type="title"/>
-          </p:nvPr>
-        </p:nvSpPr>
-        <p:spPr/>
-        <p:txBody>
-          <a:bodyPr>
-            <a:normAutofit/>
-          </a:bodyPr>
-          <a:lstStyle>
-            <a:lvl1pPr algn="ctr">
-              <a:defRPr sz="3200">
-                <a:solidFill>
-                  <a:schemeClr val="bg1"/>
-                </a:solidFill>
-              </a:defRPr>
-            </a:lvl1pPr>
-          </a:lstStyle>
-          <a:p>
-            <a:r>
-              <a:rPr lang="ja-JP" altLang="en-US" dirty="0" smtClean="0"/>
-              <a:t>マスター タイトルの書式設定</a:t>
-            </a:r>
-            <a:endParaRPr lang="en-US" dirty="0"/>
+            <a:endParaRPr kumimoji="1" lang="ja-JP" altLang="en-US" sz="1800"/>
           </a:p>
         </p:txBody>
       </p:sp>
@@ -1066,117 +1388,13 @@
   <p:clrMapOvr>
     <a:masterClrMapping/>
   </p:clrMapOvr>
-</p:sldLayout>
-</file>
-
-<file path=ppt/slideLayouts/slideLayout4.xml><?xml version="1.0" encoding="utf-8"?>
-<p:sldLayout xmlns:a="http://schemas.openxmlformats.org/drawingml/2006/main" xmlns:r="http://schemas.openxmlformats.org/officeDocument/2006/relationships" xmlns:p="http://schemas.openxmlformats.org/presentationml/2006/main" preserve="1">
-  <p:cSld name="白紙">
-    <p:spTree>
-      <p:nvGrpSpPr>
-        <p:cNvPr id="1" name=""/>
-        <p:cNvGrpSpPr/>
-        <p:nvPr/>
-      </p:nvGrpSpPr>
-      <p:grpSpPr>
-        <a:xfrm>
-          <a:off x="0" y="0"/>
-          <a:ext cx="0" cy="0"/>
-          <a:chOff x="0" y="0"/>
-          <a:chExt cx="0" cy="0"/>
-        </a:xfrm>
-      </p:grpSpPr>
-      <p:sp>
-        <p:nvSpPr>
-          <p:cNvPr id="7" name="正方形/長方形 6"/>
-          <p:cNvSpPr/>
-          <p:nvPr userDrawn="1"/>
-        </p:nvSpPr>
-        <p:spPr>
-          <a:xfrm>
-            <a:off x="0" y="1981018"/>
-            <a:ext cx="9144000" cy="2318368"/>
-          </a:xfrm>
-          <a:prstGeom prst="rect">
-            <a:avLst/>
-          </a:prstGeom>
-          <a:solidFill>
-            <a:schemeClr val="accent1">
-              <a:lumMod val="75000"/>
-            </a:schemeClr>
-          </a:solidFill>
-          <a:ln>
-            <a:noFill/>
-          </a:ln>
-        </p:spPr>
-        <p:style>
-          <a:lnRef idx="2">
-            <a:schemeClr val="accent1">
-              <a:shade val="50000"/>
-            </a:schemeClr>
-          </a:lnRef>
-          <a:fillRef idx="1">
-            <a:schemeClr val="accent1"/>
-          </a:fillRef>
-          <a:effectRef idx="0">
-            <a:schemeClr val="accent1"/>
-          </a:effectRef>
-          <a:fontRef idx="minor">
-            <a:schemeClr val="lt1"/>
-          </a:fontRef>
-        </p:style>
-        <p:txBody>
-          <a:bodyPr rtlCol="0" anchor="ctr"/>
-          <a:lstStyle/>
-          <a:p>
-            <a:pPr algn="ctr"/>
-            <a:endParaRPr kumimoji="1" lang="ja-JP" altLang="en-US"/>
-          </a:p>
-        </p:txBody>
-      </p:sp>
-      <p:sp>
-        <p:nvSpPr>
-          <p:cNvPr id="6" name="タイトル 5"/>
-          <p:cNvSpPr>
-            <a:spLocks noGrp="1"/>
-          </p:cNvSpPr>
-          <p:nvPr>
-            <p:ph type="title"/>
-          </p:nvPr>
-        </p:nvSpPr>
-        <p:spPr>
-          <a:xfrm>
-            <a:off x="628650" y="2736093"/>
-            <a:ext cx="7886700" cy="808218"/>
-          </a:xfrm>
-        </p:spPr>
-        <p:txBody>
-          <a:bodyPr>
-            <a:normAutofit/>
-          </a:bodyPr>
-          <a:lstStyle>
-            <a:lvl1pPr algn="ctr">
-              <a:defRPr sz="4000">
-                <a:solidFill>
-                  <a:schemeClr val="bg1"/>
-                </a:solidFill>
-              </a:defRPr>
-            </a:lvl1pPr>
-          </a:lstStyle>
-          <a:p>
-            <a:r>
-              <a:rPr kumimoji="1" lang="ja-JP" altLang="en-US" dirty="0" smtClean="0"/>
-              <a:t>マスター タイトルの書式設定</a:t>
-            </a:r>
-            <a:endParaRPr kumimoji="1" lang="ja-JP" altLang="en-US" dirty="0"/>
-          </a:p>
-        </p:txBody>
-      </p:sp>
-    </p:spTree>
-  </p:cSld>
-  <p:clrMapOvr>
-    <a:masterClrMapping/>
-  </p:clrMapOvr>
+  <p:timing>
+    <p:tnLst>
+      <p:par>
+        <p:cTn id="1" dur="indefinite" restart="never" nodeType="tmRoot"/>
+      </p:par>
+    </p:tnLst>
+  </p:timing>
 </p:sldLayout>
 </file>
 
@@ -1214,8 +1432,8 @@
         </p:nvSpPr>
         <p:spPr>
           <a:xfrm>
-            <a:off x="628650" y="146642"/>
-            <a:ext cx="7886700" cy="808218"/>
+            <a:off x="838200" y="365125"/>
+            <a:ext cx="10515600" cy="1325563"/>
           </a:xfrm>
           <a:prstGeom prst="rect">
             <a:avLst/>
@@ -1247,8 +1465,8 @@
         </p:nvSpPr>
         <p:spPr>
           <a:xfrm>
-            <a:off x="628650" y="1173345"/>
-            <a:ext cx="7886700" cy="5011710"/>
+            <a:off x="838200" y="1825625"/>
+            <a:ext cx="10515600" cy="4351338"/>
           </a:xfrm>
           <a:prstGeom prst="rect">
             <a:avLst/>
@@ -1341,8 +1559,8 @@
         </p:nvSpPr>
         <p:spPr>
           <a:xfrm>
-            <a:off x="628650" y="6356351"/>
-            <a:ext cx="2057400" cy="365125"/>
+            <a:off x="838200" y="6356350"/>
+            <a:ext cx="2743200" cy="365125"/>
           </a:xfrm>
           <a:prstGeom prst="rect">
             <a:avLst/>
@@ -1364,7 +1582,7 @@
           <a:p>
             <a:fld id="{FEADE02B-27BC-6D48-8820-5A877B98ECB7}" type="datetimeFigureOut">
               <a:rPr kumimoji="1" lang="ja-JP" altLang="en-US" smtClean="0"/>
-              <a:t>2017/10/5</a:t>
+              <a:t>2017/10/12</a:t>
             </a:fld>
             <a:endParaRPr kumimoji="1" lang="ja-JP" altLang="en-US"/>
           </a:p>
@@ -1382,8 +1600,8 @@
         </p:nvSpPr>
         <p:spPr>
           <a:xfrm>
-            <a:off x="3028950" y="6356351"/>
-            <a:ext cx="3086100" cy="365125"/>
+            <a:off x="4038600" y="6356350"/>
+            <a:ext cx="4114800" cy="365125"/>
           </a:xfrm>
           <a:prstGeom prst="rect">
             <a:avLst/>
@@ -1419,8 +1637,8 @@
         </p:nvSpPr>
         <p:spPr>
           <a:xfrm>
-            <a:off x="6457950" y="6356351"/>
-            <a:ext cx="2057400" cy="365125"/>
+            <a:off x="8610600" y="6356350"/>
+            <a:ext cx="2743200" cy="365125"/>
           </a:xfrm>
           <a:prstGeom prst="rect">
             <a:avLst/>
@@ -1451,17 +1669,23 @@
     </p:spTree>
     <p:extLst>
       <p:ext uri="{BB962C8B-B14F-4D97-AF65-F5344CB8AC3E}">
-        <p14:creationId xmlns:p14="http://schemas.microsoft.com/office/powerpoint/2010/main" val="753150340"/>
+        <p14:creationId xmlns:p14="http://schemas.microsoft.com/office/powerpoint/2010/main" val="1773203531"/>
       </p:ext>
     </p:extLst>
   </p:cSld>
   <p:clrMap bg1="lt1" tx1="dk1" bg2="lt2" tx2="dk2" accent1="accent1" accent2="accent2" accent3="accent3" accent4="accent4" accent5="accent5" accent6="accent6" hlink="hlink" folHlink="folHlink"/>
   <p:sldLayoutIdLst>
-    <p:sldLayoutId id="2147483661" r:id="rId1"/>
-    <p:sldLayoutId id="2147483662" r:id="rId2"/>
-    <p:sldLayoutId id="2147483666" r:id="rId3"/>
-    <p:sldLayoutId id="2147483667" r:id="rId4"/>
+    <p:sldLayoutId id="2147483669" r:id="rId1"/>
+    <p:sldLayoutId id="2147483670" r:id="rId2"/>
+    <p:sldLayoutId id="2147483674" r:id="rId3"/>
   </p:sldLayoutIdLst>
+  <p:timing>
+    <p:tnLst>
+      <p:par>
+        <p:cTn id="1" dur="indefinite" restart="never" nodeType="tmRoot"/>
+      </p:par>
+    </p:tnLst>
+  </p:timing>
   <p:txStyles>
     <p:titleStyle>
       <a:lvl1pPr algn="l" defTabSz="914400" rtl="0" eaLnBrk="1" latinLnBrk="0" hangingPunct="1">
@@ -1472,12 +1696,9 @@
           <a:spcPct val="0"/>
         </a:spcBef>
         <a:buNone/>
-        <a:defRPr kumimoji="1" sz="4400" b="1" kern="1200">
+        <a:defRPr kumimoji="1" sz="4400" kern="1200">
           <a:solidFill>
-            <a:schemeClr val="tx1">
-              <a:lumMod val="85000"/>
-              <a:lumOff val="15000"/>
-            </a:schemeClr>
+            <a:schemeClr val="tx1"/>
           </a:solidFill>
           <a:latin typeface="Meiryo" charset="-128"/>
           <a:ea typeface="Meiryo" charset="-128"/>
@@ -1488,19 +1709,16 @@
     <p:bodyStyle>
       <a:lvl1pPr marL="228600" indent="-228600" algn="l" defTabSz="914400" rtl="0" eaLnBrk="1" latinLnBrk="0" hangingPunct="1">
         <a:lnSpc>
-          <a:spcPct val="100000"/>
+          <a:spcPct val="200000"/>
         </a:lnSpc>
         <a:spcBef>
           <a:spcPts val="1000"/>
         </a:spcBef>
         <a:buFont typeface="Arial" panose="020B0604020202020204" pitchFamily="34" charset="0"/>
         <a:buChar char="•"/>
-        <a:defRPr kumimoji="1" sz="3200" kern="1200">
+        <a:defRPr kumimoji="1" sz="4000" kern="1200">
           <a:solidFill>
-            <a:schemeClr val="tx1">
-              <a:lumMod val="85000"/>
-              <a:lumOff val="15000"/>
-            </a:schemeClr>
+            <a:schemeClr val="tx1"/>
           </a:solidFill>
           <a:latin typeface="Meiryo" charset="-128"/>
           <a:ea typeface="Meiryo" charset="-128"/>
@@ -1509,7 +1727,43 @@
       </a:lvl1pPr>
       <a:lvl2pPr marL="685800" indent="-228600" algn="l" defTabSz="914400" rtl="0" eaLnBrk="1" latinLnBrk="0" hangingPunct="1">
         <a:lnSpc>
-          <a:spcPct val="100000"/>
+          <a:spcPct val="200000"/>
+        </a:lnSpc>
+        <a:spcBef>
+          <a:spcPts val="500"/>
+        </a:spcBef>
+        <a:buFont typeface="Arial" panose="020B0604020202020204" pitchFamily="34" charset="0"/>
+        <a:buChar char="•"/>
+        <a:defRPr kumimoji="1" sz="3600" kern="1200">
+          <a:solidFill>
+            <a:schemeClr val="tx1"/>
+          </a:solidFill>
+          <a:latin typeface="+mn-lt"/>
+          <a:ea typeface="+mn-ea"/>
+          <a:cs typeface="+mn-cs"/>
+        </a:defRPr>
+      </a:lvl2pPr>
+      <a:lvl3pPr marL="1143000" indent="-228600" algn="l" defTabSz="914400" rtl="0" eaLnBrk="1" latinLnBrk="0" hangingPunct="1">
+        <a:lnSpc>
+          <a:spcPct val="200000"/>
+        </a:lnSpc>
+        <a:spcBef>
+          <a:spcPts val="500"/>
+        </a:spcBef>
+        <a:buFont typeface="Arial" panose="020B0604020202020204" pitchFamily="34" charset="0"/>
+        <a:buChar char="•"/>
+        <a:defRPr kumimoji="1" sz="3200" kern="1200">
+          <a:solidFill>
+            <a:schemeClr val="tx1"/>
+          </a:solidFill>
+          <a:latin typeface="+mn-lt"/>
+          <a:ea typeface="+mn-ea"/>
+          <a:cs typeface="+mn-cs"/>
+        </a:defRPr>
+      </a:lvl3pPr>
+      <a:lvl4pPr marL="1600200" indent="-228600" algn="l" defTabSz="914400" rtl="0" eaLnBrk="1" latinLnBrk="0" hangingPunct="1">
+        <a:lnSpc>
+          <a:spcPct val="200000"/>
         </a:lnSpc>
         <a:spcBef>
           <a:spcPts val="500"/>
@@ -1518,77 +1772,29 @@
         <a:buChar char="•"/>
         <a:defRPr kumimoji="1" sz="2800" kern="1200">
           <a:solidFill>
-            <a:schemeClr val="tx1">
-              <a:lumMod val="85000"/>
-              <a:lumOff val="15000"/>
-            </a:schemeClr>
+            <a:schemeClr val="tx1"/>
           </a:solidFill>
-          <a:latin typeface="Meiryo" charset="-128"/>
-          <a:ea typeface="Meiryo" charset="-128"/>
-          <a:cs typeface="Meiryo" charset="-128"/>
+          <a:latin typeface="+mn-lt"/>
+          <a:ea typeface="+mn-ea"/>
+          <a:cs typeface="+mn-cs"/>
         </a:defRPr>
-      </a:lvl2pPr>
-      <a:lvl3pPr marL="1143000" indent="-228600" algn="l" defTabSz="914400" rtl="0" eaLnBrk="1" latinLnBrk="0" hangingPunct="1">
+      </a:lvl4pPr>
+      <a:lvl5pPr marL="2057400" indent="-228600" algn="l" defTabSz="914400" rtl="0" eaLnBrk="1" latinLnBrk="0" hangingPunct="1">
         <a:lnSpc>
-          <a:spcPct val="100000"/>
+          <a:spcPct val="200000"/>
         </a:lnSpc>
         <a:spcBef>
           <a:spcPts val="500"/>
         </a:spcBef>
         <a:buFont typeface="Arial" panose="020B0604020202020204" pitchFamily="34" charset="0"/>
         <a:buChar char="•"/>
-        <a:defRPr kumimoji="1" sz="2400" kern="1200">
+        <a:defRPr kumimoji="1" sz="2800" kern="1200">
           <a:solidFill>
-            <a:schemeClr val="tx1">
-              <a:lumMod val="85000"/>
-              <a:lumOff val="15000"/>
-            </a:schemeClr>
+            <a:schemeClr val="tx1"/>
           </a:solidFill>
-          <a:latin typeface="Meiryo" charset="-128"/>
-          <a:ea typeface="Meiryo" charset="-128"/>
-          <a:cs typeface="Meiryo" charset="-128"/>
-        </a:defRPr>
-      </a:lvl3pPr>
-      <a:lvl4pPr marL="1600200" indent="-228600" algn="l" defTabSz="914400" rtl="0" eaLnBrk="1" latinLnBrk="0" hangingPunct="1">
-        <a:lnSpc>
-          <a:spcPct val="100000"/>
-        </a:lnSpc>
-        <a:spcBef>
-          <a:spcPts val="500"/>
-        </a:spcBef>
-        <a:buFont typeface="Arial" panose="020B0604020202020204" pitchFamily="34" charset="0"/>
-        <a:buChar char="•"/>
-        <a:defRPr kumimoji="1" sz="2000" kern="1200">
-          <a:solidFill>
-            <a:schemeClr val="tx1">
-              <a:lumMod val="85000"/>
-              <a:lumOff val="15000"/>
-            </a:schemeClr>
-          </a:solidFill>
-          <a:latin typeface="Meiryo" charset="-128"/>
-          <a:ea typeface="Meiryo" charset="-128"/>
-          <a:cs typeface="Meiryo" charset="-128"/>
-        </a:defRPr>
-      </a:lvl4pPr>
-      <a:lvl5pPr marL="2057400" indent="-228600" algn="l" defTabSz="914400" rtl="0" eaLnBrk="1" latinLnBrk="0" hangingPunct="1">
-        <a:lnSpc>
-          <a:spcPct val="100000"/>
-        </a:lnSpc>
-        <a:spcBef>
-          <a:spcPts val="500"/>
-        </a:spcBef>
-        <a:buFont typeface="Arial" panose="020B0604020202020204" pitchFamily="34" charset="0"/>
-        <a:buChar char="•"/>
-        <a:defRPr kumimoji="1" sz="2000" kern="1200">
-          <a:solidFill>
-            <a:schemeClr val="tx1">
-              <a:lumMod val="85000"/>
-              <a:lumOff val="15000"/>
-            </a:schemeClr>
-          </a:solidFill>
-          <a:latin typeface="Meiryo" charset="-128"/>
-          <a:ea typeface="Meiryo" charset="-128"/>
-          <a:cs typeface="Meiryo" charset="-128"/>
+          <a:latin typeface="+mn-lt"/>
+          <a:ea typeface="+mn-ea"/>
+          <a:cs typeface="+mn-cs"/>
         </a:defRPr>
       </a:lvl5pPr>
       <a:lvl6pPr marL="2514600" indent="-228600" algn="l" defTabSz="914400" rtl="0" eaLnBrk="1" latinLnBrk="0" hangingPunct="1">
@@ -1792,12 +1998,14 @@
         </p:nvSpPr>
         <p:spPr>
           <a:xfrm>
-            <a:off x="685799" y="1307029"/>
+            <a:off x="2209799" y="1548569"/>
             <a:ext cx="7772400" cy="2387600"/>
           </a:xfrm>
         </p:spPr>
         <p:txBody>
-          <a:bodyPr/>
+          <a:bodyPr>
+            <a:normAutofit fontScale="90000"/>
+          </a:bodyPr>
           <a:lstStyle/>
           <a:p>
             <a:pPr>
@@ -1834,10 +2042,15 @@
             <p:ph type="subTitle" idx="1"/>
           </p:nvPr>
         </p:nvSpPr>
-        <p:spPr/>
+        <p:spPr>
+          <a:xfrm>
+            <a:off x="1523999" y="4877242"/>
+            <a:ext cx="9144000" cy="1655762"/>
+          </a:xfrm>
+        </p:spPr>
         <p:txBody>
           <a:bodyPr>
-            <a:normAutofit fontScale="92500"/>
+            <a:normAutofit fontScale="85000" lnSpcReduction="20000"/>
           </a:bodyPr>
           <a:lstStyle/>
           <a:p>
@@ -1847,52 +2060,104 @@
               </a:lnSpc>
             </a:pPr>
             <a:r>
-              <a:rPr kumimoji="1" lang="ja-JP" altLang="en-US" dirty="0" smtClean="0"/>
+              <a:rPr kumimoji="1" lang="ja-JP" altLang="en-US" dirty="0" smtClean="0">
+                <a:solidFill>
+                  <a:schemeClr val="bg1"/>
+                </a:solidFill>
+              </a:rPr>
               <a:t>情報工学科 </a:t>
             </a:r>
             <a:r>
-              <a:rPr kumimoji="1" lang="en-US" altLang="ja-JP" dirty="0" smtClean="0"/>
+              <a:rPr kumimoji="1" lang="en-US" altLang="ja-JP" dirty="0" smtClean="0">
+                <a:solidFill>
+                  <a:schemeClr val="bg1"/>
+                </a:solidFill>
+              </a:rPr>
               <a:t>5</a:t>
             </a:r>
             <a:r>
-              <a:rPr kumimoji="1" lang="ja-JP" altLang="en-US" dirty="0" smtClean="0"/>
+              <a:rPr kumimoji="1" lang="ja-JP" altLang="en-US" dirty="0" smtClean="0">
+                <a:solidFill>
+                  <a:schemeClr val="bg1"/>
+                </a:solidFill>
+              </a:rPr>
               <a:t>年 </a:t>
             </a:r>
             <a:r>
-              <a:rPr kumimoji="1" lang="en-US" altLang="ja-JP" dirty="0" smtClean="0"/>
+              <a:rPr kumimoji="1" lang="en-US" altLang="ja-JP" dirty="0" smtClean="0">
+                <a:solidFill>
+                  <a:schemeClr val="bg1"/>
+                </a:solidFill>
+              </a:rPr>
               <a:t>32</a:t>
             </a:r>
             <a:r>
-              <a:rPr lang="ja-JP" altLang="en-US" dirty="0" smtClean="0"/>
+              <a:rPr lang="ja-JP" altLang="en-US" dirty="0" smtClean="0">
+                <a:solidFill>
+                  <a:schemeClr val="bg1"/>
+                </a:solidFill>
+              </a:rPr>
               <a:t>番</a:t>
             </a:r>
             <a:r>
-              <a:rPr lang="en-US" altLang="ja-JP" dirty="0" smtClean="0"/>
+              <a:rPr lang="en-US" altLang="ja-JP" dirty="0" smtClean="0">
+                <a:solidFill>
+                  <a:schemeClr val="bg1"/>
+                </a:solidFill>
+              </a:rPr>
               <a:t/>
             </a:r>
             <a:br>
-              <a:rPr lang="en-US" altLang="ja-JP" dirty="0" smtClean="0"/>
+              <a:rPr lang="en-US" altLang="ja-JP" dirty="0" smtClean="0">
+                <a:solidFill>
+                  <a:schemeClr val="bg1"/>
+                </a:solidFill>
+              </a:rPr>
             </a:br>
             <a:r>
-              <a:rPr lang="ja-JP" altLang="en-US" sz="2800" b="1" dirty="0" smtClean="0"/>
+              <a:rPr lang="ja-JP" altLang="en-US" sz="2800" b="1" dirty="0">
+                <a:solidFill>
+                  <a:schemeClr val="bg1"/>
+                </a:solidFill>
+              </a:rPr>
               <a:t>萩原 涼介</a:t>
             </a:r>
-            <a:endParaRPr lang="en-US" altLang="ja-JP" b="1" dirty="0"/>
-          </a:p>
-          <a:p>
-            <a:r>
-              <a:rPr lang="ja-JP" altLang="en-US" dirty="0" smtClean="0"/>
+            <a:endParaRPr lang="en-US" altLang="ja-JP" b="1" dirty="0">
+              <a:solidFill>
+                <a:schemeClr val="bg1"/>
+              </a:solidFill>
+            </a:endParaRPr>
+          </a:p>
+          <a:p>
+            <a:r>
+              <a:rPr lang="ja-JP" altLang="en-US" dirty="0" smtClean="0">
+                <a:solidFill>
+                  <a:schemeClr val="bg1"/>
+                </a:solidFill>
+              </a:rPr>
               <a:t>（指導教員</a:t>
             </a:r>
             <a:r>
-              <a:rPr lang="en-US" altLang="ja-JP" dirty="0" smtClean="0"/>
+              <a:rPr lang="en-US" altLang="ja-JP" dirty="0" smtClean="0">
+                <a:solidFill>
+                  <a:schemeClr val="bg1"/>
+                </a:solidFill>
+              </a:rPr>
               <a:t>: </a:t>
             </a:r>
             <a:r>
-              <a:rPr lang="ja-JP" altLang="en-US" dirty="0" smtClean="0"/>
+              <a:rPr lang="ja-JP" altLang="en-US" dirty="0" smtClean="0">
+                <a:solidFill>
+                  <a:schemeClr val="bg1"/>
+                </a:solidFill>
+              </a:rPr>
               <a:t>藤田 一寿）</a:t>
             </a:r>
-            <a:endParaRPr kumimoji="1" lang="ja-JP" altLang="en-US" dirty="0"/>
+            <a:endParaRPr kumimoji="1" lang="ja-JP" altLang="en-US" dirty="0">
+              <a:solidFill>
+                <a:schemeClr val="bg1"/>
+              </a:solidFill>
+            </a:endParaRPr>
           </a:p>
         </p:txBody>
       </p:sp>
@@ -1904,7 +2169,7 @@
         </p:nvSpPr>
         <p:spPr>
           <a:xfrm>
-            <a:off x="3401647" y="937697"/>
+            <a:off x="4925650" y="937697"/>
             <a:ext cx="2340705" cy="369332"/>
           </a:xfrm>
           <a:prstGeom prst="rect">
@@ -1919,14 +2184,14 @@
           <a:lstStyle/>
           <a:p>
             <a:r>
-              <a:rPr kumimoji="1" lang="ja-JP" altLang="en-US" dirty="0" smtClean="0">
+              <a:rPr lang="ja-JP" altLang="en-US" dirty="0">
                 <a:latin typeface="Meiryo" charset="-128"/>
                 <a:ea typeface="Meiryo" charset="-128"/>
                 <a:cs typeface="Meiryo" charset="-128"/>
               </a:rPr>
               <a:t>卒業研究 予備審査会</a:t>
             </a:r>
-            <a:endParaRPr kumimoji="1" lang="ja-JP" altLang="en-US" dirty="0">
+            <a:endParaRPr lang="ja-JP" altLang="en-US" dirty="0">
               <a:latin typeface="Meiryo" charset="-128"/>
               <a:ea typeface="Meiryo" charset="-128"/>
               <a:cs typeface="Meiryo" charset="-128"/>
@@ -1942,7 +2207,7 @@
         </p:nvCxnSpPr>
         <p:spPr>
           <a:xfrm>
-            <a:off x="3401647" y="1294216"/>
+            <a:off x="4925650" y="1294219"/>
             <a:ext cx="2340705" cy="12813"/>
           </a:xfrm>
           <a:prstGeom prst="line">
@@ -1965,10 +2230,2064 @@
           </a:fontRef>
         </p:style>
       </p:cxnSp>
+      <p:sp>
+        <p:nvSpPr>
+          <p:cNvPr id="5" name="テキスト ボックス 4"/>
+          <p:cNvSpPr txBox="1"/>
+          <p:nvPr/>
+        </p:nvSpPr>
+        <p:spPr>
+          <a:xfrm>
+            <a:off x="327877" y="269695"/>
+            <a:ext cx="620683" cy="369332"/>
+          </a:xfrm>
+          <a:prstGeom prst="rect">
+            <a:avLst/>
+          </a:prstGeom>
+          <a:noFill/>
+        </p:spPr>
+        <p:txBody>
+          <a:bodyPr wrap="none" rtlCol="0">
+            <a:spAutoFit/>
+          </a:bodyPr>
+          <a:lstStyle/>
+          <a:p>
+            <a:r>
+              <a:rPr lang="en-US" altLang="ja-JP" dirty="0"/>
+              <a:t>A-07</a:t>
+            </a:r>
+            <a:endParaRPr lang="ja-JP" altLang="en-US" dirty="0"/>
+          </a:p>
+        </p:txBody>
+      </p:sp>
     </p:spTree>
     <p:extLst>
       <p:ext uri="{BB962C8B-B14F-4D97-AF65-F5344CB8AC3E}">
         <p14:creationId xmlns:p14="http://schemas.microsoft.com/office/powerpoint/2010/main" val="76914611"/>
+      </p:ext>
+    </p:extLst>
+  </p:cSld>
+  <p:clrMapOvr>
+    <a:masterClrMapping/>
+  </p:clrMapOvr>
+  <p:timing>
+    <p:tnLst>
+      <p:par>
+        <p:cTn id="1" dur="indefinite" restart="never" nodeType="tmRoot"/>
+      </p:par>
+    </p:tnLst>
+  </p:timing>
+</p:sld>
+</file>
+
+<file path=ppt/slides/slide10.xml><?xml version="1.0" encoding="utf-8"?>
+<p:sld xmlns:a="http://schemas.openxmlformats.org/drawingml/2006/main" xmlns:r="http://schemas.openxmlformats.org/officeDocument/2006/relationships" xmlns:p="http://schemas.openxmlformats.org/presentationml/2006/main">
+  <p:cSld>
+    <p:spTree>
+      <p:nvGrpSpPr>
+        <p:cNvPr id="1" name=""/>
+        <p:cNvGrpSpPr/>
+        <p:nvPr/>
+      </p:nvGrpSpPr>
+      <p:grpSpPr>
+        <a:xfrm>
+          <a:off x="0" y="0"/>
+          <a:ext cx="0" cy="0"/>
+          <a:chOff x="0" y="0"/>
+          <a:chExt cx="0" cy="0"/>
+        </a:xfrm>
+      </p:grpSpPr>
+      <p:sp>
+        <p:nvSpPr>
+          <p:cNvPr id="2" name="タイトル 1"/>
+          <p:cNvSpPr>
+            <a:spLocks noGrp="1"/>
+          </p:cNvSpPr>
+          <p:nvPr>
+            <p:ph type="title"/>
+          </p:nvPr>
+        </p:nvSpPr>
+        <p:spPr/>
+        <p:txBody>
+          <a:bodyPr/>
+          <a:lstStyle/>
+          <a:p>
+            <a:r>
+              <a:rPr kumimoji="1" lang="en-US" altLang="ja-JP" dirty="0" smtClean="0"/>
+              <a:t>2</a:t>
+            </a:r>
+            <a:r>
+              <a:rPr kumimoji="1" lang="ja-JP" altLang="en-US" dirty="0" smtClean="0"/>
+              <a:t>次元におけるクラスタリング結果</a:t>
+            </a:r>
+            <a:endParaRPr kumimoji="1" lang="ja-JP" altLang="en-US" dirty="0"/>
+          </a:p>
+        </p:txBody>
+      </p:sp>
+      <p:graphicFrame>
+        <p:nvGraphicFramePr>
+          <p:cNvPr id="4" name="表 3"/>
+          <p:cNvGraphicFramePr>
+            <a:graphicFrameLocks noGrp="1"/>
+          </p:cNvGraphicFramePr>
+          <p:nvPr>
+            <p:extLst>
+              <p:ext uri="{D42A27DB-BD31-4B8C-83A1-F6EECF244321}">
+                <p14:modId xmlns:p14="http://schemas.microsoft.com/office/powerpoint/2010/main" val="1318523074"/>
+              </p:ext>
+            </p:extLst>
+          </p:nvPr>
+        </p:nvGraphicFramePr>
+        <p:xfrm>
+          <a:off x="420415" y="1546810"/>
+          <a:ext cx="11351170" cy="2149991"/>
+        </p:xfrm>
+        <a:graphic>
+          <a:graphicData uri="http://schemas.openxmlformats.org/drawingml/2006/table">
+            <a:tbl>
+              <a:tblPr firstRow="1" bandRow="1">
+                <a:tableStyleId>{5C22544A-7EE6-4342-B048-85BDC9FD1C3A}</a:tableStyleId>
+              </a:tblPr>
+              <a:tblGrid>
+                <a:gridCol w="2270234"/>
+                <a:gridCol w="2270234"/>
+                <a:gridCol w="2270234"/>
+                <a:gridCol w="2270234"/>
+                <a:gridCol w="2270234"/>
+              </a:tblGrid>
+              <a:tr h="409903">
+                <a:tc>
+                  <a:txBody>
+                    <a:bodyPr/>
+                    <a:lstStyle/>
+                    <a:p>
+                      <a:pPr algn="ctr"/>
+                      <a:r>
+                        <a:rPr kumimoji="1" lang="ja-JP" altLang="en-US" b="0" dirty="0" smtClean="0">
+                          <a:latin typeface="Meiryo" charset="-128"/>
+                          <a:ea typeface="Meiryo" charset="-128"/>
+                          <a:cs typeface="Meiryo" charset="-128"/>
+                        </a:rPr>
+                        <a:t>分割停止規準</a:t>
+                      </a:r>
+                      <a:endParaRPr kumimoji="1" lang="ja-JP" altLang="en-US" b="0" dirty="0">
+                        <a:latin typeface="Meiryo" charset="-128"/>
+                        <a:ea typeface="Meiryo" charset="-128"/>
+                        <a:cs typeface="Meiryo" charset="-128"/>
+                      </a:endParaRPr>
+                    </a:p>
+                  </a:txBody>
+                  <a:tcPr anchor="ctr"/>
+                </a:tc>
+                <a:tc>
+                  <a:txBody>
+                    <a:bodyPr/>
+                    <a:lstStyle/>
+                    <a:p>
+                      <a:pPr marL="0" marR="0" indent="0" algn="ctr" defTabSz="914400" rtl="0" eaLnBrk="1" fontAlgn="auto" latinLnBrk="0" hangingPunct="1">
+                        <a:lnSpc>
+                          <a:spcPct val="100000"/>
+                        </a:lnSpc>
+                        <a:spcBef>
+                          <a:spcPts val="0"/>
+                        </a:spcBef>
+                        <a:spcAft>
+                          <a:spcPts val="0"/>
+                        </a:spcAft>
+                        <a:buClrTx/>
+                        <a:buSzTx/>
+                        <a:buFontTx/>
+                        <a:buNone/>
+                        <a:tabLst/>
+                        <a:defRPr/>
+                      </a:pPr>
+                      <a:r>
+                        <a:rPr kumimoji="1" lang="ja-JP" altLang="en-US" b="0" dirty="0" smtClean="0">
+                          <a:latin typeface="Meiryo" charset="-128"/>
+                          <a:ea typeface="Meiryo" charset="-128"/>
+                          <a:cs typeface="Meiryo" charset="-128"/>
+                        </a:rPr>
+                        <a:t>クラスタ数</a:t>
+                      </a:r>
+                      <a:r>
+                        <a:rPr kumimoji="1" lang="en-US" altLang="ja-JP" b="0" dirty="0" smtClean="0">
+                          <a:latin typeface="Meiryo" charset="-128"/>
+                          <a:ea typeface="Meiryo" charset="-128"/>
+                          <a:cs typeface="Meiryo" charset="-128"/>
+                        </a:rPr>
+                        <a:t> (</a:t>
+                      </a:r>
+                      <a:r>
+                        <a:rPr kumimoji="1" lang="ja-JP" altLang="en-US" b="0" dirty="0" smtClean="0">
+                          <a:latin typeface="Meiryo" charset="-128"/>
+                          <a:ea typeface="Meiryo" charset="-128"/>
+                          <a:cs typeface="Meiryo" charset="-128"/>
+                        </a:rPr>
+                        <a:t>分散）</a:t>
+                      </a:r>
+                    </a:p>
+                  </a:txBody>
+                  <a:tcPr anchor="ctr"/>
+                </a:tc>
+                <a:tc>
+                  <a:txBody>
+                    <a:bodyPr/>
+                    <a:lstStyle/>
+                    <a:p>
+                      <a:pPr algn="ctr"/>
+                      <a:r>
+                        <a:rPr kumimoji="1" lang="en-US" altLang="ja-JP" b="0" dirty="0" smtClean="0">
+                          <a:latin typeface="Meiryo" charset="-128"/>
+                          <a:ea typeface="Meiryo" charset="-128"/>
+                          <a:cs typeface="Meiryo" charset="-128"/>
+                        </a:rPr>
+                        <a:t>ARI</a:t>
+                      </a:r>
+                      <a:endParaRPr kumimoji="1" lang="ja-JP" altLang="en-US" b="0" dirty="0">
+                        <a:latin typeface="Meiryo" charset="-128"/>
+                        <a:ea typeface="Meiryo" charset="-128"/>
+                        <a:cs typeface="Meiryo" charset="-128"/>
+                      </a:endParaRPr>
+                    </a:p>
+                  </a:txBody>
+                  <a:tcPr anchor="ctr"/>
+                </a:tc>
+                <a:tc>
+                  <a:txBody>
+                    <a:bodyPr/>
+                    <a:lstStyle/>
+                    <a:p>
+                      <a:pPr algn="ctr"/>
+                      <a:r>
+                        <a:rPr kumimoji="1" lang="en-US" altLang="ja-JP" b="0" dirty="0" smtClean="0">
+                          <a:latin typeface="Meiryo" charset="-128"/>
+                          <a:ea typeface="Meiryo" charset="-128"/>
+                          <a:cs typeface="Meiryo" charset="-128"/>
+                        </a:rPr>
+                        <a:t>NMI</a:t>
+                      </a:r>
+                      <a:endParaRPr kumimoji="1" lang="ja-JP" altLang="en-US" b="0" dirty="0">
+                        <a:latin typeface="Meiryo" charset="-128"/>
+                        <a:ea typeface="Meiryo" charset="-128"/>
+                        <a:cs typeface="Meiryo" charset="-128"/>
+                      </a:endParaRPr>
+                    </a:p>
+                  </a:txBody>
+                  <a:tcPr anchor="ctr"/>
+                </a:tc>
+                <a:tc>
+                  <a:txBody>
+                    <a:bodyPr/>
+                    <a:lstStyle/>
+                    <a:p>
+                      <a:pPr algn="ctr"/>
+                      <a:r>
+                        <a:rPr kumimoji="1" lang="en-US" altLang="ja-JP" b="0" dirty="0" smtClean="0">
+                          <a:latin typeface="Meiryo" charset="-128"/>
+                          <a:ea typeface="Meiryo" charset="-128"/>
+                          <a:cs typeface="Meiryo" charset="-128"/>
+                        </a:rPr>
+                        <a:t>Purity</a:t>
+                      </a:r>
+                      <a:endParaRPr kumimoji="1" lang="ja-JP" altLang="en-US" b="0" dirty="0">
+                        <a:latin typeface="Meiryo" charset="-128"/>
+                        <a:ea typeface="Meiryo" charset="-128"/>
+                        <a:cs typeface="Meiryo" charset="-128"/>
+                      </a:endParaRPr>
+                    </a:p>
+                  </a:txBody>
+                  <a:tcPr anchor="ctr"/>
+                </a:tc>
+              </a:tr>
+              <a:tr h="435022">
+                <a:tc>
+                  <a:txBody>
+                    <a:bodyPr/>
+                    <a:lstStyle/>
+                    <a:p>
+                      <a:pPr algn="ctr"/>
+                      <a:r>
+                        <a:rPr kumimoji="1" lang="en-US" altLang="ja-JP" b="0" dirty="0" smtClean="0">
+                          <a:latin typeface="Meiryo" charset="-128"/>
+                          <a:ea typeface="Meiryo" charset="-128"/>
+                          <a:cs typeface="Meiryo" charset="-128"/>
+                        </a:rPr>
+                        <a:t>BIC</a:t>
+                      </a:r>
+                      <a:endParaRPr kumimoji="1" lang="ja-JP" altLang="en-US" b="0" dirty="0">
+                        <a:latin typeface="Meiryo" charset="-128"/>
+                        <a:ea typeface="Meiryo" charset="-128"/>
+                        <a:cs typeface="Meiryo" charset="-128"/>
+                      </a:endParaRPr>
+                    </a:p>
+                  </a:txBody>
+                  <a:tcPr anchor="ctr"/>
+                </a:tc>
+                <a:tc>
+                  <a:txBody>
+                    <a:bodyPr/>
+                    <a:lstStyle/>
+                    <a:p>
+                      <a:pPr algn="ctr"/>
+                      <a:r>
+                        <a:rPr kumimoji="1" lang="en-US" altLang="ja-JP" b="0" dirty="0" smtClean="0">
+                          <a:latin typeface="Meiryo" charset="-128"/>
+                          <a:ea typeface="Meiryo" charset="-128"/>
+                          <a:cs typeface="Meiryo" charset="-128"/>
+                        </a:rPr>
+                        <a:t>4.58 (0.9836)</a:t>
+                      </a:r>
+                      <a:endParaRPr kumimoji="1" lang="ja-JP" altLang="en-US" b="0" dirty="0">
+                        <a:latin typeface="Meiryo" charset="-128"/>
+                        <a:ea typeface="Meiryo" charset="-128"/>
+                        <a:cs typeface="Meiryo" charset="-128"/>
+                      </a:endParaRPr>
+                    </a:p>
+                  </a:txBody>
+                  <a:tcPr anchor="ctr"/>
+                </a:tc>
+                <a:tc>
+                  <a:txBody>
+                    <a:bodyPr/>
+                    <a:lstStyle/>
+                    <a:p>
+                      <a:pPr algn="ctr"/>
+                      <a:r>
+                        <a:rPr kumimoji="1" lang="en-US" altLang="ja-JP" b="0" dirty="0" smtClean="0">
+                          <a:latin typeface="Meiryo" charset="-128"/>
+                          <a:ea typeface="Meiryo" charset="-128"/>
+                          <a:cs typeface="Meiryo" charset="-128"/>
+                        </a:rPr>
+                        <a:t>0.84458792</a:t>
+                      </a:r>
+                      <a:endParaRPr kumimoji="1" lang="ja-JP" altLang="en-US" b="0" dirty="0">
+                        <a:latin typeface="Meiryo" charset="-128"/>
+                        <a:ea typeface="Meiryo" charset="-128"/>
+                        <a:cs typeface="Meiryo" charset="-128"/>
+                      </a:endParaRPr>
+                    </a:p>
+                  </a:txBody>
+                  <a:tcPr anchor="ctr"/>
+                </a:tc>
+                <a:tc>
+                  <a:txBody>
+                    <a:bodyPr/>
+                    <a:lstStyle/>
+                    <a:p>
+                      <a:pPr algn="ctr"/>
+                      <a:r>
+                        <a:rPr kumimoji="1" lang="en-US" altLang="ja-JP" b="0" dirty="0" smtClean="0">
+                          <a:latin typeface="Meiryo" charset="-128"/>
+                          <a:ea typeface="Meiryo" charset="-128"/>
+                          <a:cs typeface="Meiryo" charset="-128"/>
+                        </a:rPr>
+                        <a:t>0.88281495</a:t>
+                      </a:r>
+                      <a:endParaRPr kumimoji="1" lang="ja-JP" altLang="en-US" b="0" dirty="0">
+                        <a:latin typeface="Meiryo" charset="-128"/>
+                        <a:ea typeface="Meiryo" charset="-128"/>
+                        <a:cs typeface="Meiryo" charset="-128"/>
+                      </a:endParaRPr>
+                    </a:p>
+                  </a:txBody>
+                  <a:tcPr anchor="ctr"/>
+                </a:tc>
+                <a:tc>
+                  <a:txBody>
+                    <a:bodyPr/>
+                    <a:lstStyle/>
+                    <a:p>
+                      <a:pPr algn="ctr"/>
+                      <a:r>
+                        <a:rPr kumimoji="1" lang="en-US" altLang="ja-JP" b="0" dirty="0" smtClean="0">
+                          <a:latin typeface="Meiryo" charset="-128"/>
+                          <a:ea typeface="Meiryo" charset="-128"/>
+                          <a:cs typeface="Meiryo" charset="-128"/>
+                        </a:rPr>
+                        <a:t>0.84458792</a:t>
+                      </a:r>
+                      <a:endParaRPr kumimoji="1" lang="ja-JP" altLang="en-US" b="0" dirty="0">
+                        <a:latin typeface="Meiryo" charset="-128"/>
+                        <a:ea typeface="Meiryo" charset="-128"/>
+                        <a:cs typeface="Meiryo" charset="-128"/>
+                      </a:endParaRPr>
+                    </a:p>
+                  </a:txBody>
+                  <a:tcPr anchor="ctr"/>
+                </a:tc>
+              </a:tr>
+              <a:tr h="435022">
+                <a:tc>
+                  <a:txBody>
+                    <a:bodyPr/>
+                    <a:lstStyle/>
+                    <a:p>
+                      <a:pPr algn="ctr"/>
+                      <a:r>
+                        <a:rPr kumimoji="1" lang="en-US" altLang="ja-JP" b="0" dirty="0" err="1" smtClean="0">
+                          <a:latin typeface="Meiryo" charset="-128"/>
+                          <a:ea typeface="Meiryo" charset="-128"/>
+                          <a:cs typeface="Meiryo" charset="-128"/>
+                        </a:rPr>
+                        <a:t>cAIC</a:t>
+                      </a:r>
+                      <a:endParaRPr kumimoji="1" lang="ja-JP" altLang="en-US" b="0" dirty="0">
+                        <a:latin typeface="Meiryo" charset="-128"/>
+                        <a:ea typeface="Meiryo" charset="-128"/>
+                        <a:cs typeface="Meiryo" charset="-128"/>
+                      </a:endParaRPr>
+                    </a:p>
+                  </a:txBody>
+                  <a:tcPr anchor="ctr"/>
+                </a:tc>
+                <a:tc>
+                  <a:txBody>
+                    <a:bodyPr/>
+                    <a:lstStyle/>
+                    <a:p>
+                      <a:pPr algn="ctr"/>
+                      <a:r>
+                        <a:rPr kumimoji="1" lang="en-US" altLang="ja-JP" b="0" dirty="0" smtClean="0">
+                          <a:latin typeface="Meiryo" charset="-128"/>
+                          <a:ea typeface="Meiryo" charset="-128"/>
+                          <a:cs typeface="Meiryo" charset="-128"/>
+                        </a:rPr>
+                        <a:t>4.55 (0.6475)</a:t>
+                      </a:r>
+                      <a:endParaRPr kumimoji="1" lang="ja-JP" altLang="en-US" b="0" dirty="0">
+                        <a:latin typeface="Meiryo" charset="-128"/>
+                        <a:ea typeface="Meiryo" charset="-128"/>
+                        <a:cs typeface="Meiryo" charset="-128"/>
+                      </a:endParaRPr>
+                    </a:p>
+                  </a:txBody>
+                  <a:tcPr anchor="ctr"/>
+                </a:tc>
+                <a:tc>
+                  <a:txBody>
+                    <a:bodyPr/>
+                    <a:lstStyle/>
+                    <a:p>
+                      <a:pPr algn="ctr"/>
+                      <a:r>
+                        <a:rPr kumimoji="1" lang="en-US" altLang="ja-JP" b="0" dirty="0" smtClean="0">
+                          <a:latin typeface="Meiryo" charset="-128"/>
+                          <a:ea typeface="Meiryo" charset="-128"/>
+                          <a:cs typeface="Meiryo" charset="-128"/>
+                        </a:rPr>
+                        <a:t>0.85329139</a:t>
+                      </a:r>
+                      <a:endParaRPr kumimoji="1" lang="ja-JP" altLang="en-US" b="0" dirty="0">
+                        <a:latin typeface="Meiryo" charset="-128"/>
+                        <a:ea typeface="Meiryo" charset="-128"/>
+                        <a:cs typeface="Meiryo" charset="-128"/>
+                      </a:endParaRPr>
+                    </a:p>
+                  </a:txBody>
+                  <a:tcPr anchor="ctr"/>
+                </a:tc>
+                <a:tc>
+                  <a:txBody>
+                    <a:bodyPr/>
+                    <a:lstStyle/>
+                    <a:p>
+                      <a:pPr algn="ctr"/>
+                      <a:r>
+                        <a:rPr kumimoji="1" lang="en-US" altLang="ja-JP" b="0" dirty="0" smtClean="0">
+                          <a:latin typeface="Meiryo" charset="-128"/>
+                          <a:ea typeface="Meiryo" charset="-128"/>
+                          <a:cs typeface="Meiryo" charset="-128"/>
+                        </a:rPr>
+                        <a:t>0.89992544</a:t>
+                      </a:r>
+                      <a:endParaRPr kumimoji="1" lang="ja-JP" altLang="en-US" b="0" dirty="0">
+                        <a:latin typeface="Meiryo" charset="-128"/>
+                        <a:ea typeface="Meiryo" charset="-128"/>
+                        <a:cs typeface="Meiryo" charset="-128"/>
+                      </a:endParaRPr>
+                    </a:p>
+                  </a:txBody>
+                  <a:tcPr anchor="ctr"/>
+                </a:tc>
+                <a:tc>
+                  <a:txBody>
+                    <a:bodyPr/>
+                    <a:lstStyle/>
+                    <a:p>
+                      <a:pPr algn="ctr"/>
+                      <a:r>
+                        <a:rPr kumimoji="1" lang="en-US" altLang="ja-JP" b="0" dirty="0" smtClean="0">
+                          <a:latin typeface="Meiryo" charset="-128"/>
+                          <a:ea typeface="Meiryo" charset="-128"/>
+                          <a:cs typeface="Meiryo" charset="-128"/>
+                        </a:rPr>
+                        <a:t>0.85329139</a:t>
+                      </a:r>
+                      <a:endParaRPr kumimoji="1" lang="ja-JP" altLang="en-US" b="0" dirty="0">
+                        <a:latin typeface="Meiryo" charset="-128"/>
+                        <a:ea typeface="Meiryo" charset="-128"/>
+                        <a:cs typeface="Meiryo" charset="-128"/>
+                      </a:endParaRPr>
+                    </a:p>
+                  </a:txBody>
+                  <a:tcPr anchor="ctr"/>
+                </a:tc>
+              </a:tr>
+              <a:tr h="435022">
+                <a:tc>
+                  <a:txBody>
+                    <a:bodyPr/>
+                    <a:lstStyle/>
+                    <a:p>
+                      <a:pPr algn="ctr"/>
+                      <a:r>
+                        <a:rPr kumimoji="1" lang="en-US" altLang="ja-JP" b="0" dirty="0" smtClean="0">
+                          <a:latin typeface="Meiryo" charset="-128"/>
+                          <a:ea typeface="Meiryo" charset="-128"/>
+                          <a:cs typeface="Meiryo" charset="-128"/>
+                        </a:rPr>
+                        <a:t>AIC</a:t>
+                      </a:r>
+                      <a:endParaRPr kumimoji="1" lang="ja-JP" altLang="en-US" b="0" dirty="0">
+                        <a:latin typeface="Meiryo" charset="-128"/>
+                        <a:ea typeface="Meiryo" charset="-128"/>
+                        <a:cs typeface="Meiryo" charset="-128"/>
+                      </a:endParaRPr>
+                    </a:p>
+                  </a:txBody>
+                  <a:tcPr anchor="ctr"/>
+                </a:tc>
+                <a:tc>
+                  <a:txBody>
+                    <a:bodyPr/>
+                    <a:lstStyle/>
+                    <a:p>
+                      <a:pPr algn="ctr"/>
+                      <a:r>
+                        <a:rPr kumimoji="1" lang="en-US" altLang="ja-JP" b="0" dirty="0" smtClean="0">
+                          <a:latin typeface="Meiryo" charset="-128"/>
+                          <a:ea typeface="Meiryo" charset="-128"/>
+                          <a:cs typeface="Meiryo" charset="-128"/>
+                        </a:rPr>
+                        <a:t>4.69 (3.8739)</a:t>
+                      </a:r>
+                      <a:endParaRPr kumimoji="1" lang="ja-JP" altLang="en-US" b="0" dirty="0">
+                        <a:latin typeface="Meiryo" charset="-128"/>
+                        <a:ea typeface="Meiryo" charset="-128"/>
+                        <a:cs typeface="Meiryo" charset="-128"/>
+                      </a:endParaRPr>
+                    </a:p>
+                  </a:txBody>
+                  <a:tcPr anchor="ctr"/>
+                </a:tc>
+                <a:tc>
+                  <a:txBody>
+                    <a:bodyPr/>
+                    <a:lstStyle/>
+                    <a:p>
+                      <a:pPr algn="ctr"/>
+                      <a:r>
+                        <a:rPr kumimoji="1" lang="en-US" altLang="ja-JP" b="0" dirty="0" smtClean="0">
+                          <a:latin typeface="Meiryo" charset="-128"/>
+                          <a:ea typeface="Meiryo" charset="-128"/>
+                          <a:cs typeface="Meiryo" charset="-128"/>
+                        </a:rPr>
+                        <a:t>0.83642236</a:t>
+                      </a:r>
+                      <a:endParaRPr kumimoji="1" lang="ja-JP" altLang="en-US" b="0" dirty="0">
+                        <a:latin typeface="Meiryo" charset="-128"/>
+                        <a:ea typeface="Meiryo" charset="-128"/>
+                        <a:cs typeface="Meiryo" charset="-128"/>
+                      </a:endParaRPr>
+                    </a:p>
+                  </a:txBody>
+                  <a:tcPr anchor="ctr"/>
+                </a:tc>
+                <a:tc>
+                  <a:txBody>
+                    <a:bodyPr/>
+                    <a:lstStyle/>
+                    <a:p>
+                      <a:pPr algn="ctr"/>
+                      <a:r>
+                        <a:rPr kumimoji="1" lang="en-US" altLang="ja-JP" b="0" dirty="0" smtClean="0">
+                          <a:latin typeface="Meiryo" charset="-128"/>
+                          <a:ea typeface="Meiryo" charset="-128"/>
+                          <a:cs typeface="Meiryo" charset="-128"/>
+                        </a:rPr>
+                        <a:t>0.88147442</a:t>
+                      </a:r>
+                      <a:endParaRPr kumimoji="1" lang="ja-JP" altLang="en-US" b="0" dirty="0">
+                        <a:latin typeface="Meiryo" charset="-128"/>
+                        <a:ea typeface="Meiryo" charset="-128"/>
+                        <a:cs typeface="Meiryo" charset="-128"/>
+                      </a:endParaRPr>
+                    </a:p>
+                  </a:txBody>
+                  <a:tcPr anchor="ctr"/>
+                </a:tc>
+                <a:tc>
+                  <a:txBody>
+                    <a:bodyPr/>
+                    <a:lstStyle/>
+                    <a:p>
+                      <a:pPr algn="ctr"/>
+                      <a:r>
+                        <a:rPr kumimoji="1" lang="en-US" altLang="ja-JP" b="0" dirty="0" smtClean="0">
+                          <a:latin typeface="Meiryo" charset="-128"/>
+                          <a:ea typeface="Meiryo" charset="-128"/>
+                          <a:cs typeface="Meiryo" charset="-128"/>
+                        </a:rPr>
+                        <a:t>0.83642236</a:t>
+                      </a:r>
+                      <a:endParaRPr kumimoji="1" lang="ja-JP" altLang="en-US" b="0" dirty="0">
+                        <a:latin typeface="Meiryo" charset="-128"/>
+                        <a:ea typeface="Meiryo" charset="-128"/>
+                        <a:cs typeface="Meiryo" charset="-128"/>
+                      </a:endParaRPr>
+                    </a:p>
+                  </a:txBody>
+                  <a:tcPr anchor="ctr"/>
+                </a:tc>
+              </a:tr>
+              <a:tr h="435022">
+                <a:tc>
+                  <a:txBody>
+                    <a:bodyPr/>
+                    <a:lstStyle/>
+                    <a:p>
+                      <a:pPr algn="ctr"/>
+                      <a:r>
+                        <a:rPr kumimoji="1" lang="ja-JP" altLang="en-US" b="0" dirty="0" smtClean="0">
+                          <a:latin typeface="Meiryo" charset="-128"/>
+                          <a:ea typeface="Meiryo" charset="-128"/>
+                          <a:cs typeface="Meiryo" charset="-128"/>
+                        </a:rPr>
+                        <a:t>対数尤度関数</a:t>
+                      </a:r>
+                      <a:endParaRPr kumimoji="1" lang="en-US" altLang="ja-JP" b="0" dirty="0" smtClean="0">
+                        <a:latin typeface="Meiryo" charset="-128"/>
+                        <a:ea typeface="Meiryo" charset="-128"/>
+                        <a:cs typeface="Meiryo" charset="-128"/>
+                      </a:endParaRPr>
+                    </a:p>
+                  </a:txBody>
+                  <a:tcPr anchor="ctr"/>
+                </a:tc>
+                <a:tc>
+                  <a:txBody>
+                    <a:bodyPr/>
+                    <a:lstStyle/>
+                    <a:p>
+                      <a:pPr algn="ctr"/>
+                      <a:r>
+                        <a:rPr kumimoji="1" lang="en-US" altLang="ja-JP" b="0" dirty="0" smtClean="0">
+                          <a:latin typeface="Meiryo" charset="-128"/>
+                          <a:ea typeface="Meiryo" charset="-128"/>
+                          <a:cs typeface="Meiryo" charset="-128"/>
+                        </a:rPr>
+                        <a:t>5.32 (10.236)</a:t>
+                      </a:r>
+                      <a:endParaRPr kumimoji="1" lang="ja-JP" altLang="en-US" b="0" dirty="0">
+                        <a:latin typeface="Meiryo" charset="-128"/>
+                        <a:ea typeface="Meiryo" charset="-128"/>
+                        <a:cs typeface="Meiryo" charset="-128"/>
+                      </a:endParaRPr>
+                    </a:p>
+                  </a:txBody>
+                  <a:tcPr anchor="ctr"/>
+                </a:tc>
+                <a:tc>
+                  <a:txBody>
+                    <a:bodyPr/>
+                    <a:lstStyle/>
+                    <a:p>
+                      <a:pPr algn="ctr"/>
+                      <a:r>
+                        <a:rPr kumimoji="1" lang="en-US" altLang="ja-JP" b="0" dirty="0" smtClean="0">
+                          <a:latin typeface="Meiryo" charset="-128"/>
+                          <a:ea typeface="Meiryo" charset="-128"/>
+                          <a:cs typeface="Meiryo" charset="-128"/>
+                        </a:rPr>
+                        <a:t>0.85699618</a:t>
+                      </a:r>
+                      <a:endParaRPr kumimoji="1" lang="ja-JP" altLang="en-US" b="0" dirty="0">
+                        <a:latin typeface="Meiryo" charset="-128"/>
+                        <a:ea typeface="Meiryo" charset="-128"/>
+                        <a:cs typeface="Meiryo" charset="-128"/>
+                      </a:endParaRPr>
+                    </a:p>
+                  </a:txBody>
+                  <a:tcPr anchor="ctr"/>
+                </a:tc>
+                <a:tc>
+                  <a:txBody>
+                    <a:bodyPr/>
+                    <a:lstStyle/>
+                    <a:p>
+                      <a:pPr algn="ctr"/>
+                      <a:r>
+                        <a:rPr kumimoji="1" lang="en-US" altLang="ja-JP" b="0" dirty="0" smtClean="0">
+                          <a:latin typeface="Meiryo" charset="-128"/>
+                          <a:ea typeface="Meiryo" charset="-128"/>
+                          <a:cs typeface="Meiryo" charset="-128"/>
+                        </a:rPr>
+                        <a:t>0.91572100</a:t>
+                      </a:r>
+                      <a:endParaRPr kumimoji="1" lang="ja-JP" altLang="en-US" b="0" dirty="0">
+                        <a:latin typeface="Meiryo" charset="-128"/>
+                        <a:ea typeface="Meiryo" charset="-128"/>
+                        <a:cs typeface="Meiryo" charset="-128"/>
+                      </a:endParaRPr>
+                    </a:p>
+                  </a:txBody>
+                  <a:tcPr anchor="ctr"/>
+                </a:tc>
+                <a:tc>
+                  <a:txBody>
+                    <a:bodyPr/>
+                    <a:lstStyle/>
+                    <a:p>
+                      <a:pPr algn="ctr"/>
+                      <a:r>
+                        <a:rPr kumimoji="1" lang="en-US" altLang="ja-JP" b="0" dirty="0" smtClean="0">
+                          <a:latin typeface="Meiryo" charset="-128"/>
+                          <a:ea typeface="Meiryo" charset="-128"/>
+                          <a:cs typeface="Meiryo" charset="-128"/>
+                        </a:rPr>
+                        <a:t>0.85699618</a:t>
+                      </a:r>
+                      <a:endParaRPr kumimoji="1" lang="ja-JP" altLang="en-US" b="0" dirty="0">
+                        <a:latin typeface="Meiryo" charset="-128"/>
+                        <a:ea typeface="Meiryo" charset="-128"/>
+                        <a:cs typeface="Meiryo" charset="-128"/>
+                      </a:endParaRPr>
+                    </a:p>
+                  </a:txBody>
+                  <a:tcPr anchor="ctr"/>
+                </a:tc>
+              </a:tr>
+            </a:tbl>
+          </a:graphicData>
+        </a:graphic>
+      </p:graphicFrame>
+      <p:sp>
+        <p:nvSpPr>
+          <p:cNvPr id="8" name="テキスト ボックス 7"/>
+          <p:cNvSpPr txBox="1"/>
+          <p:nvPr/>
+        </p:nvSpPr>
+        <p:spPr>
+          <a:xfrm>
+            <a:off x="3975066" y="1199649"/>
+            <a:ext cx="4241867" cy="369332"/>
+          </a:xfrm>
+          <a:prstGeom prst="rect">
+            <a:avLst/>
+          </a:prstGeom>
+          <a:noFill/>
+        </p:spPr>
+        <p:txBody>
+          <a:bodyPr wrap="none" rtlCol="0">
+            <a:spAutoFit/>
+          </a:bodyPr>
+          <a:lstStyle/>
+          <a:p>
+            <a:r>
+              <a:rPr kumimoji="1" lang="ja-JP" altLang="en-US" dirty="0" smtClean="0">
+                <a:latin typeface="Meiryo" charset="-128"/>
+                <a:ea typeface="Meiryo" charset="-128"/>
+                <a:cs typeface="Meiryo" charset="-128"/>
+              </a:rPr>
+              <a:t>表</a:t>
+            </a:r>
+            <a:r>
+              <a:rPr lang="en-US" altLang="ja-JP" dirty="0" smtClean="0">
+                <a:latin typeface="Meiryo" charset="-128"/>
+                <a:ea typeface="Meiryo" charset="-128"/>
+                <a:cs typeface="Meiryo" charset="-128"/>
+              </a:rPr>
+              <a:t>1 2</a:t>
+            </a:r>
+            <a:r>
+              <a:rPr lang="ja-JP" altLang="en-US" dirty="0" smtClean="0">
+                <a:latin typeface="Meiryo" charset="-128"/>
+                <a:ea typeface="Meiryo" charset="-128"/>
+                <a:cs typeface="Meiryo" charset="-128"/>
+              </a:rPr>
+              <a:t>次元空間におけるクラスタリング</a:t>
+            </a:r>
+            <a:endParaRPr kumimoji="1" lang="ja-JP" altLang="en-US" dirty="0">
+              <a:latin typeface="Meiryo" charset="-128"/>
+              <a:ea typeface="Meiryo" charset="-128"/>
+              <a:cs typeface="Meiryo" charset="-128"/>
+            </a:endParaRPr>
+          </a:p>
+        </p:txBody>
+      </p:sp>
+      <p:sp>
+        <p:nvSpPr>
+          <p:cNvPr id="11" name="コンテンツ プレースホルダー 2"/>
+          <p:cNvSpPr>
+            <a:spLocks noGrp="1"/>
+          </p:cNvSpPr>
+          <p:nvPr>
+            <p:ph idx="1"/>
+          </p:nvPr>
+        </p:nvSpPr>
+        <p:spPr>
+          <a:xfrm>
+            <a:off x="838200" y="4073265"/>
+            <a:ext cx="10515600" cy="2443148"/>
+          </a:xfrm>
+        </p:spPr>
+        <p:txBody>
+          <a:bodyPr/>
+          <a:lstStyle/>
+          <a:p>
+            <a:pPr>
+              <a:lnSpc>
+                <a:spcPct val="150000"/>
+              </a:lnSpc>
+              <a:spcBef>
+                <a:spcPts val="0"/>
+              </a:spcBef>
+            </a:pPr>
+            <a:r>
+              <a:rPr kumimoji="1" lang="en-US" altLang="ja-JP" dirty="0" smtClean="0"/>
+              <a:t>BIC</a:t>
+            </a:r>
+            <a:r>
+              <a:rPr kumimoji="1" lang="ja-JP" altLang="en-US" dirty="0" smtClean="0"/>
+              <a:t>と</a:t>
+            </a:r>
+            <a:r>
+              <a:rPr kumimoji="1" lang="en-US" altLang="ja-JP" dirty="0" err="1" smtClean="0"/>
+              <a:t>cAIC</a:t>
+            </a:r>
+            <a:r>
+              <a:rPr kumimoji="1" lang="ja-JP" altLang="en-US" dirty="0" smtClean="0"/>
+              <a:t>に大きな差はない</a:t>
+            </a:r>
+            <a:endParaRPr kumimoji="1" lang="en-US" altLang="ja-JP" dirty="0" smtClean="0"/>
+          </a:p>
+          <a:p>
+            <a:pPr>
+              <a:lnSpc>
+                <a:spcPct val="150000"/>
+              </a:lnSpc>
+              <a:spcBef>
+                <a:spcPts val="0"/>
+              </a:spcBef>
+            </a:pPr>
+            <a:r>
+              <a:rPr lang="en-US" altLang="ja-JP" dirty="0" smtClean="0"/>
+              <a:t>AIC</a:t>
+            </a:r>
+            <a:r>
+              <a:rPr lang="ja-JP" altLang="en-US" dirty="0" smtClean="0"/>
+              <a:t>ではクラスタ数を過大に見積もることがある</a:t>
+            </a:r>
+            <a:endParaRPr lang="en-US" altLang="ja-JP" dirty="0" smtClean="0"/>
+          </a:p>
+          <a:p>
+            <a:pPr lvl="1">
+              <a:lnSpc>
+                <a:spcPct val="150000"/>
+              </a:lnSpc>
+              <a:spcBef>
+                <a:spcPts val="0"/>
+              </a:spcBef>
+            </a:pPr>
+            <a:r>
+              <a:rPr kumimoji="1" lang="ja-JP" altLang="en-US" dirty="0" smtClean="0"/>
+              <a:t>対数尤度関数を利用するよりは良い結果になっている</a:t>
+            </a:r>
+            <a:endParaRPr kumimoji="1" lang="ja-JP" altLang="en-US" dirty="0"/>
+          </a:p>
+        </p:txBody>
+      </p:sp>
+    </p:spTree>
+    <p:extLst>
+      <p:ext uri="{BB962C8B-B14F-4D97-AF65-F5344CB8AC3E}">
+        <p14:creationId xmlns:p14="http://schemas.microsoft.com/office/powerpoint/2010/main" val="297513584"/>
+      </p:ext>
+    </p:extLst>
+  </p:cSld>
+  <p:clrMapOvr>
+    <a:masterClrMapping/>
+  </p:clrMapOvr>
+  <p:timing>
+    <p:tnLst>
+      <p:par>
+        <p:cTn id="1" dur="indefinite" restart="never" nodeType="tmRoot"/>
+      </p:par>
+    </p:tnLst>
+  </p:timing>
+</p:sld>
+</file>
+
+<file path=ppt/slides/slide11.xml><?xml version="1.0" encoding="utf-8"?>
+<p:sld xmlns:a="http://schemas.openxmlformats.org/drawingml/2006/main" xmlns:r="http://schemas.openxmlformats.org/officeDocument/2006/relationships" xmlns:p="http://schemas.openxmlformats.org/presentationml/2006/main">
+  <p:cSld>
+    <p:spTree>
+      <p:nvGrpSpPr>
+        <p:cNvPr id="1" name=""/>
+        <p:cNvGrpSpPr/>
+        <p:nvPr/>
+      </p:nvGrpSpPr>
+      <p:grpSpPr>
+        <a:xfrm>
+          <a:off x="0" y="0"/>
+          <a:ext cx="0" cy="0"/>
+          <a:chOff x="0" y="0"/>
+          <a:chExt cx="0" cy="0"/>
+        </a:xfrm>
+      </p:grpSpPr>
+      <p:sp>
+        <p:nvSpPr>
+          <p:cNvPr id="2" name="タイトル 1"/>
+          <p:cNvSpPr>
+            <a:spLocks noGrp="1"/>
+          </p:cNvSpPr>
+          <p:nvPr>
+            <p:ph type="title"/>
+          </p:nvPr>
+        </p:nvSpPr>
+        <p:spPr/>
+        <p:txBody>
+          <a:bodyPr/>
+          <a:lstStyle/>
+          <a:p>
+            <a:r>
+              <a:rPr kumimoji="1" lang="en-US" altLang="ja-JP" dirty="0" smtClean="0"/>
+              <a:t>3</a:t>
+            </a:r>
+            <a:r>
+              <a:rPr kumimoji="1" lang="ja-JP" altLang="en-US" dirty="0" smtClean="0"/>
+              <a:t>次元におけるのクラスタリング結果</a:t>
+            </a:r>
+            <a:endParaRPr kumimoji="1" lang="ja-JP" altLang="en-US" dirty="0"/>
+          </a:p>
+        </p:txBody>
+      </p:sp>
+      <p:sp>
+        <p:nvSpPr>
+          <p:cNvPr id="3" name="コンテンツ プレースホルダー 2"/>
+          <p:cNvSpPr>
+            <a:spLocks noGrp="1"/>
+          </p:cNvSpPr>
+          <p:nvPr>
+            <p:ph idx="1"/>
+          </p:nvPr>
+        </p:nvSpPr>
+        <p:spPr>
+          <a:xfrm>
+            <a:off x="838200" y="4438388"/>
+            <a:ext cx="10515600" cy="1823038"/>
+          </a:xfrm>
+        </p:spPr>
+        <p:txBody>
+          <a:bodyPr/>
+          <a:lstStyle/>
+          <a:p>
+            <a:pPr>
+              <a:lnSpc>
+                <a:spcPct val="150000"/>
+              </a:lnSpc>
+              <a:spcBef>
+                <a:spcPts val="0"/>
+              </a:spcBef>
+            </a:pPr>
+            <a:r>
+              <a:rPr kumimoji="1" lang="en-US" altLang="ja-JP" dirty="0" smtClean="0"/>
+              <a:t>BIC</a:t>
+            </a:r>
+            <a:r>
+              <a:rPr kumimoji="1" lang="ja-JP" altLang="en-US" dirty="0" smtClean="0"/>
+              <a:t>を採用した場合の精度が上がっている</a:t>
+            </a:r>
+            <a:endParaRPr kumimoji="1" lang="en-US" altLang="ja-JP" dirty="0" smtClean="0"/>
+          </a:p>
+          <a:p>
+            <a:pPr>
+              <a:lnSpc>
+                <a:spcPct val="150000"/>
+              </a:lnSpc>
+              <a:spcBef>
+                <a:spcPts val="0"/>
+              </a:spcBef>
+            </a:pPr>
+            <a:r>
+              <a:rPr lang="en-US" altLang="ja-JP" dirty="0" smtClean="0"/>
+              <a:t>AIC</a:t>
+            </a:r>
+            <a:r>
+              <a:rPr lang="ja-JP" altLang="en-US" dirty="0" smtClean="0"/>
+              <a:t>を採用した場合も過大に見積もる問題は発生しない</a:t>
+            </a:r>
+            <a:endParaRPr kumimoji="1" lang="ja-JP" altLang="en-US" dirty="0"/>
+          </a:p>
+        </p:txBody>
+      </p:sp>
+      <p:graphicFrame>
+        <p:nvGraphicFramePr>
+          <p:cNvPr id="4" name="表 3"/>
+          <p:cNvGraphicFramePr>
+            <a:graphicFrameLocks noGrp="1"/>
+          </p:cNvGraphicFramePr>
+          <p:nvPr>
+            <p:extLst>
+              <p:ext uri="{D42A27DB-BD31-4B8C-83A1-F6EECF244321}">
+                <p14:modId xmlns:p14="http://schemas.microsoft.com/office/powerpoint/2010/main" val="1668979134"/>
+              </p:ext>
+            </p:extLst>
+          </p:nvPr>
+        </p:nvGraphicFramePr>
+        <p:xfrm>
+          <a:off x="420415" y="1553942"/>
+          <a:ext cx="11351170" cy="2149991"/>
+        </p:xfrm>
+        <a:graphic>
+          <a:graphicData uri="http://schemas.openxmlformats.org/drawingml/2006/table">
+            <a:tbl>
+              <a:tblPr firstRow="1" bandRow="1">
+                <a:tableStyleId>{5C22544A-7EE6-4342-B048-85BDC9FD1C3A}</a:tableStyleId>
+              </a:tblPr>
+              <a:tblGrid>
+                <a:gridCol w="2270234"/>
+                <a:gridCol w="2270234"/>
+                <a:gridCol w="2270234"/>
+                <a:gridCol w="2270234"/>
+                <a:gridCol w="2270234"/>
+              </a:tblGrid>
+              <a:tr h="409903">
+                <a:tc>
+                  <a:txBody>
+                    <a:bodyPr/>
+                    <a:lstStyle/>
+                    <a:p>
+                      <a:pPr algn="ctr"/>
+                      <a:r>
+                        <a:rPr kumimoji="1" lang="ja-JP" altLang="en-US" b="0" dirty="0" smtClean="0">
+                          <a:latin typeface="Meiryo" charset="-128"/>
+                          <a:ea typeface="Meiryo" charset="-128"/>
+                          <a:cs typeface="Meiryo" charset="-128"/>
+                        </a:rPr>
+                        <a:t>分割停止規準</a:t>
+                      </a:r>
+                      <a:endParaRPr kumimoji="1" lang="ja-JP" altLang="en-US" b="0" dirty="0">
+                        <a:latin typeface="Meiryo" charset="-128"/>
+                        <a:ea typeface="Meiryo" charset="-128"/>
+                        <a:cs typeface="Meiryo" charset="-128"/>
+                      </a:endParaRPr>
+                    </a:p>
+                  </a:txBody>
+                  <a:tcPr anchor="ctr"/>
+                </a:tc>
+                <a:tc>
+                  <a:txBody>
+                    <a:bodyPr/>
+                    <a:lstStyle/>
+                    <a:p>
+                      <a:pPr marL="0" marR="0" indent="0" algn="ctr" defTabSz="914400" rtl="0" eaLnBrk="1" fontAlgn="auto" latinLnBrk="0" hangingPunct="1">
+                        <a:lnSpc>
+                          <a:spcPct val="100000"/>
+                        </a:lnSpc>
+                        <a:spcBef>
+                          <a:spcPts val="0"/>
+                        </a:spcBef>
+                        <a:spcAft>
+                          <a:spcPts val="0"/>
+                        </a:spcAft>
+                        <a:buClrTx/>
+                        <a:buSzTx/>
+                        <a:buFontTx/>
+                        <a:buNone/>
+                        <a:tabLst/>
+                        <a:defRPr/>
+                      </a:pPr>
+                      <a:r>
+                        <a:rPr kumimoji="1" lang="ja-JP" altLang="en-US" b="0" dirty="0" smtClean="0">
+                          <a:latin typeface="Meiryo" charset="-128"/>
+                          <a:ea typeface="Meiryo" charset="-128"/>
+                          <a:cs typeface="Meiryo" charset="-128"/>
+                        </a:rPr>
+                        <a:t>クラスタ数</a:t>
+                      </a:r>
+                      <a:r>
+                        <a:rPr kumimoji="1" lang="en-US" altLang="ja-JP" b="0" dirty="0" smtClean="0">
+                          <a:latin typeface="Meiryo" charset="-128"/>
+                          <a:ea typeface="Meiryo" charset="-128"/>
+                          <a:cs typeface="Meiryo" charset="-128"/>
+                        </a:rPr>
+                        <a:t> (</a:t>
+                      </a:r>
+                      <a:r>
+                        <a:rPr kumimoji="1" lang="ja-JP" altLang="en-US" b="0" dirty="0" smtClean="0">
+                          <a:latin typeface="Meiryo" charset="-128"/>
+                          <a:ea typeface="Meiryo" charset="-128"/>
+                          <a:cs typeface="Meiryo" charset="-128"/>
+                        </a:rPr>
+                        <a:t>分散）</a:t>
+                      </a:r>
+                    </a:p>
+                  </a:txBody>
+                  <a:tcPr anchor="ctr"/>
+                </a:tc>
+                <a:tc>
+                  <a:txBody>
+                    <a:bodyPr/>
+                    <a:lstStyle/>
+                    <a:p>
+                      <a:pPr algn="ctr"/>
+                      <a:r>
+                        <a:rPr kumimoji="1" lang="en-US" altLang="ja-JP" b="0" dirty="0" smtClean="0">
+                          <a:latin typeface="Meiryo" charset="-128"/>
+                          <a:ea typeface="Meiryo" charset="-128"/>
+                          <a:cs typeface="Meiryo" charset="-128"/>
+                        </a:rPr>
+                        <a:t>ARI</a:t>
+                      </a:r>
+                      <a:endParaRPr kumimoji="1" lang="ja-JP" altLang="en-US" b="0" dirty="0">
+                        <a:latin typeface="Meiryo" charset="-128"/>
+                        <a:ea typeface="Meiryo" charset="-128"/>
+                        <a:cs typeface="Meiryo" charset="-128"/>
+                      </a:endParaRPr>
+                    </a:p>
+                  </a:txBody>
+                  <a:tcPr anchor="ctr"/>
+                </a:tc>
+                <a:tc>
+                  <a:txBody>
+                    <a:bodyPr/>
+                    <a:lstStyle/>
+                    <a:p>
+                      <a:pPr algn="ctr"/>
+                      <a:r>
+                        <a:rPr kumimoji="1" lang="en-US" altLang="ja-JP" b="0" dirty="0" smtClean="0">
+                          <a:latin typeface="Meiryo" charset="-128"/>
+                          <a:ea typeface="Meiryo" charset="-128"/>
+                          <a:cs typeface="Meiryo" charset="-128"/>
+                        </a:rPr>
+                        <a:t>NMI</a:t>
+                      </a:r>
+                      <a:endParaRPr kumimoji="1" lang="ja-JP" altLang="en-US" b="0" dirty="0">
+                        <a:latin typeface="Meiryo" charset="-128"/>
+                        <a:ea typeface="Meiryo" charset="-128"/>
+                        <a:cs typeface="Meiryo" charset="-128"/>
+                      </a:endParaRPr>
+                    </a:p>
+                  </a:txBody>
+                  <a:tcPr anchor="ctr"/>
+                </a:tc>
+                <a:tc>
+                  <a:txBody>
+                    <a:bodyPr/>
+                    <a:lstStyle/>
+                    <a:p>
+                      <a:pPr algn="ctr"/>
+                      <a:r>
+                        <a:rPr kumimoji="1" lang="en-US" altLang="ja-JP" b="0" dirty="0" smtClean="0">
+                          <a:latin typeface="Meiryo" charset="-128"/>
+                          <a:ea typeface="Meiryo" charset="-128"/>
+                          <a:cs typeface="Meiryo" charset="-128"/>
+                        </a:rPr>
+                        <a:t>Purity</a:t>
+                      </a:r>
+                      <a:endParaRPr kumimoji="1" lang="ja-JP" altLang="en-US" b="0" dirty="0">
+                        <a:latin typeface="Meiryo" charset="-128"/>
+                        <a:ea typeface="Meiryo" charset="-128"/>
+                        <a:cs typeface="Meiryo" charset="-128"/>
+                      </a:endParaRPr>
+                    </a:p>
+                  </a:txBody>
+                  <a:tcPr anchor="ctr"/>
+                </a:tc>
+              </a:tr>
+              <a:tr h="435022">
+                <a:tc>
+                  <a:txBody>
+                    <a:bodyPr/>
+                    <a:lstStyle/>
+                    <a:p>
+                      <a:pPr algn="ctr"/>
+                      <a:r>
+                        <a:rPr kumimoji="1" lang="en-US" altLang="ja-JP" b="0" dirty="0" smtClean="0">
+                          <a:latin typeface="Meiryo" charset="-128"/>
+                          <a:ea typeface="Meiryo" charset="-128"/>
+                          <a:cs typeface="Meiryo" charset="-128"/>
+                        </a:rPr>
+                        <a:t>BIC</a:t>
+                      </a:r>
+                      <a:endParaRPr kumimoji="1" lang="ja-JP" altLang="en-US" b="0" dirty="0">
+                        <a:latin typeface="Meiryo" charset="-128"/>
+                        <a:ea typeface="Meiryo" charset="-128"/>
+                        <a:cs typeface="Meiryo" charset="-128"/>
+                      </a:endParaRPr>
+                    </a:p>
+                  </a:txBody>
+                  <a:tcPr anchor="ctr"/>
+                </a:tc>
+                <a:tc>
+                  <a:txBody>
+                    <a:bodyPr/>
+                    <a:lstStyle/>
+                    <a:p>
+                      <a:pPr algn="ctr"/>
+                      <a:r>
+                        <a:rPr kumimoji="1" lang="en-US" altLang="ja-JP" b="0" dirty="0" smtClean="0">
+                          <a:latin typeface="Meiryo" charset="-128"/>
+                          <a:ea typeface="Meiryo" charset="-128"/>
+                          <a:cs typeface="Meiryo" charset="-128"/>
+                        </a:rPr>
+                        <a:t>4.95 (0.0669)</a:t>
+                      </a:r>
+                      <a:endParaRPr kumimoji="1" lang="ja-JP" altLang="en-US" b="0" dirty="0">
+                        <a:latin typeface="Meiryo" charset="-128"/>
+                        <a:ea typeface="Meiryo" charset="-128"/>
+                        <a:cs typeface="Meiryo" charset="-128"/>
+                      </a:endParaRPr>
+                    </a:p>
+                  </a:txBody>
+                  <a:tcPr anchor="ctr"/>
+                </a:tc>
+                <a:tc>
+                  <a:txBody>
+                    <a:bodyPr/>
+                    <a:lstStyle/>
+                    <a:p>
+                      <a:pPr algn="ctr"/>
+                      <a:r>
+                        <a:rPr kumimoji="1" lang="en-US" altLang="ja-JP" b="0" dirty="0" smtClean="0">
+                          <a:latin typeface="Meiryo" charset="-128"/>
+                          <a:ea typeface="Meiryo" charset="-128"/>
+                          <a:cs typeface="Meiryo" charset="-128"/>
+                        </a:rPr>
+                        <a:t>0.97179074</a:t>
+                      </a:r>
+                      <a:endParaRPr kumimoji="1" lang="ja-JP" altLang="en-US" b="0" dirty="0">
+                        <a:latin typeface="Meiryo" charset="-128"/>
+                        <a:ea typeface="Meiryo" charset="-128"/>
+                        <a:cs typeface="Meiryo" charset="-128"/>
+                      </a:endParaRPr>
+                    </a:p>
+                  </a:txBody>
+                  <a:tcPr anchor="ctr"/>
+                </a:tc>
+                <a:tc>
+                  <a:txBody>
+                    <a:bodyPr/>
+                    <a:lstStyle/>
+                    <a:p>
+                      <a:pPr algn="ctr"/>
+                      <a:r>
+                        <a:rPr kumimoji="1" lang="en-US" altLang="ja-JP" b="0" dirty="0" smtClean="0">
+                          <a:latin typeface="Meiryo" charset="-128"/>
+                          <a:ea typeface="Meiryo" charset="-128"/>
+                          <a:cs typeface="Meiryo" charset="-128"/>
+                        </a:rPr>
+                        <a:t>0.97913818</a:t>
+                      </a:r>
+                      <a:endParaRPr kumimoji="1" lang="ja-JP" altLang="en-US" b="0" dirty="0">
+                        <a:latin typeface="Meiryo" charset="-128"/>
+                        <a:ea typeface="Meiryo" charset="-128"/>
+                        <a:cs typeface="Meiryo" charset="-128"/>
+                      </a:endParaRPr>
+                    </a:p>
+                  </a:txBody>
+                  <a:tcPr anchor="ctr"/>
+                </a:tc>
+                <a:tc>
+                  <a:txBody>
+                    <a:bodyPr/>
+                    <a:lstStyle/>
+                    <a:p>
+                      <a:pPr algn="ctr"/>
+                      <a:r>
+                        <a:rPr kumimoji="1" lang="en-US" altLang="ja-JP" b="0" dirty="0" smtClean="0">
+                          <a:latin typeface="Meiryo" charset="-128"/>
+                          <a:ea typeface="Meiryo" charset="-128"/>
+                          <a:cs typeface="Meiryo" charset="-128"/>
+                        </a:rPr>
+                        <a:t>0.97179074</a:t>
+                      </a:r>
+                      <a:endParaRPr kumimoji="1" lang="ja-JP" altLang="en-US" b="0" dirty="0">
+                        <a:latin typeface="Meiryo" charset="-128"/>
+                        <a:ea typeface="Meiryo" charset="-128"/>
+                        <a:cs typeface="Meiryo" charset="-128"/>
+                      </a:endParaRPr>
+                    </a:p>
+                  </a:txBody>
+                  <a:tcPr anchor="ctr"/>
+                </a:tc>
+              </a:tr>
+              <a:tr h="435022">
+                <a:tc>
+                  <a:txBody>
+                    <a:bodyPr/>
+                    <a:lstStyle/>
+                    <a:p>
+                      <a:pPr algn="ctr"/>
+                      <a:r>
+                        <a:rPr kumimoji="1" lang="en-US" altLang="ja-JP" b="0" dirty="0" err="1" smtClean="0">
+                          <a:latin typeface="Meiryo" charset="-128"/>
+                          <a:ea typeface="Meiryo" charset="-128"/>
+                          <a:cs typeface="Meiryo" charset="-128"/>
+                        </a:rPr>
+                        <a:t>cAIC</a:t>
+                      </a:r>
+                      <a:endParaRPr kumimoji="1" lang="ja-JP" altLang="en-US" b="0" dirty="0">
+                        <a:latin typeface="Meiryo" charset="-128"/>
+                        <a:ea typeface="Meiryo" charset="-128"/>
+                        <a:cs typeface="Meiryo" charset="-128"/>
+                      </a:endParaRPr>
+                    </a:p>
+                  </a:txBody>
+                  <a:tcPr anchor="ctr"/>
+                </a:tc>
+                <a:tc>
+                  <a:txBody>
+                    <a:bodyPr/>
+                    <a:lstStyle/>
+                    <a:p>
+                      <a:pPr algn="ctr"/>
+                      <a:r>
+                        <a:rPr kumimoji="1" lang="en-US" altLang="ja-JP" b="0" dirty="0" smtClean="0">
+                          <a:latin typeface="Meiryo" charset="-128"/>
+                          <a:ea typeface="Meiryo" charset="-128"/>
+                          <a:cs typeface="Meiryo" charset="-128"/>
+                        </a:rPr>
+                        <a:t>4.92 (0.2313)</a:t>
+                      </a:r>
+                      <a:endParaRPr kumimoji="1" lang="ja-JP" altLang="en-US" b="0" dirty="0">
+                        <a:latin typeface="Meiryo" charset="-128"/>
+                        <a:ea typeface="Meiryo" charset="-128"/>
+                        <a:cs typeface="Meiryo" charset="-128"/>
+                      </a:endParaRPr>
+                    </a:p>
+                  </a:txBody>
+                  <a:tcPr anchor="ctr"/>
+                </a:tc>
+                <a:tc>
+                  <a:txBody>
+                    <a:bodyPr/>
+                    <a:lstStyle/>
+                    <a:p>
+                      <a:pPr algn="ctr"/>
+                      <a:r>
+                        <a:rPr kumimoji="1" lang="en-US" altLang="ja-JP" b="0" dirty="0" smtClean="0">
+                          <a:latin typeface="Meiryo" charset="-128"/>
+                          <a:ea typeface="Meiryo" charset="-128"/>
+                          <a:cs typeface="Meiryo" charset="-128"/>
+                        </a:rPr>
+                        <a:t>0.96312702</a:t>
+                      </a:r>
+                      <a:endParaRPr kumimoji="1" lang="ja-JP" altLang="en-US" b="0" dirty="0">
+                        <a:latin typeface="Meiryo" charset="-128"/>
+                        <a:ea typeface="Meiryo" charset="-128"/>
+                        <a:cs typeface="Meiryo" charset="-128"/>
+                      </a:endParaRPr>
+                    </a:p>
+                  </a:txBody>
+                  <a:tcPr anchor="ctr"/>
+                </a:tc>
+                <a:tc>
+                  <a:txBody>
+                    <a:bodyPr/>
+                    <a:lstStyle/>
+                    <a:p>
+                      <a:pPr algn="ctr"/>
+                      <a:r>
+                        <a:rPr kumimoji="1" lang="en-US" altLang="ja-JP" b="0" dirty="0" smtClean="0">
+                          <a:latin typeface="Meiryo" charset="-128"/>
+                          <a:ea typeface="Meiryo" charset="-128"/>
+                          <a:cs typeface="Meiryo" charset="-128"/>
+                        </a:rPr>
+                        <a:t>0.97023920</a:t>
+                      </a:r>
+                      <a:endParaRPr kumimoji="1" lang="ja-JP" altLang="en-US" b="0" dirty="0">
+                        <a:latin typeface="Meiryo" charset="-128"/>
+                        <a:ea typeface="Meiryo" charset="-128"/>
+                        <a:cs typeface="Meiryo" charset="-128"/>
+                      </a:endParaRPr>
+                    </a:p>
+                  </a:txBody>
+                  <a:tcPr anchor="ctr"/>
+                </a:tc>
+                <a:tc>
+                  <a:txBody>
+                    <a:bodyPr/>
+                    <a:lstStyle/>
+                    <a:p>
+                      <a:pPr algn="ctr"/>
+                      <a:r>
+                        <a:rPr kumimoji="1" lang="en-US" altLang="ja-JP" b="0" dirty="0" smtClean="0">
+                          <a:latin typeface="Meiryo" charset="-128"/>
+                          <a:ea typeface="Meiryo" charset="-128"/>
+                          <a:cs typeface="Meiryo" charset="-128"/>
+                        </a:rPr>
+                        <a:t>0.96312702</a:t>
+                      </a:r>
+                      <a:endParaRPr kumimoji="1" lang="ja-JP" altLang="en-US" b="0" dirty="0">
+                        <a:latin typeface="Meiryo" charset="-128"/>
+                        <a:ea typeface="Meiryo" charset="-128"/>
+                        <a:cs typeface="Meiryo" charset="-128"/>
+                      </a:endParaRPr>
+                    </a:p>
+                  </a:txBody>
+                  <a:tcPr anchor="ctr"/>
+                </a:tc>
+              </a:tr>
+              <a:tr h="435022">
+                <a:tc>
+                  <a:txBody>
+                    <a:bodyPr/>
+                    <a:lstStyle/>
+                    <a:p>
+                      <a:pPr algn="ctr"/>
+                      <a:r>
+                        <a:rPr kumimoji="1" lang="en-US" altLang="ja-JP" b="0" dirty="0" smtClean="0">
+                          <a:latin typeface="Meiryo" charset="-128"/>
+                          <a:ea typeface="Meiryo" charset="-128"/>
+                          <a:cs typeface="Meiryo" charset="-128"/>
+                        </a:rPr>
+                        <a:t>AIC</a:t>
+                      </a:r>
+                      <a:endParaRPr kumimoji="1" lang="ja-JP" altLang="en-US" b="0" dirty="0">
+                        <a:latin typeface="Meiryo" charset="-128"/>
+                        <a:ea typeface="Meiryo" charset="-128"/>
+                        <a:cs typeface="Meiryo" charset="-128"/>
+                      </a:endParaRPr>
+                    </a:p>
+                  </a:txBody>
+                  <a:tcPr anchor="ctr"/>
+                </a:tc>
+                <a:tc>
+                  <a:txBody>
+                    <a:bodyPr/>
+                    <a:lstStyle/>
+                    <a:p>
+                      <a:pPr algn="ctr"/>
+                      <a:r>
+                        <a:rPr kumimoji="1" lang="en-US" altLang="ja-JP" b="0" dirty="0" smtClean="0">
+                          <a:latin typeface="Meiryo" charset="-128"/>
+                          <a:ea typeface="Meiryo" charset="-128"/>
+                          <a:cs typeface="Meiryo" charset="-128"/>
+                        </a:rPr>
+                        <a:t>4.88 (0.1443)</a:t>
+                      </a:r>
+                      <a:endParaRPr kumimoji="1" lang="ja-JP" altLang="en-US" b="0" dirty="0">
+                        <a:latin typeface="Meiryo" charset="-128"/>
+                        <a:ea typeface="Meiryo" charset="-128"/>
+                        <a:cs typeface="Meiryo" charset="-128"/>
+                      </a:endParaRPr>
+                    </a:p>
+                  </a:txBody>
+                  <a:tcPr anchor="ctr"/>
+                </a:tc>
+                <a:tc>
+                  <a:txBody>
+                    <a:bodyPr/>
+                    <a:lstStyle/>
+                    <a:p>
+                      <a:pPr algn="ctr"/>
+                      <a:r>
+                        <a:rPr kumimoji="1" lang="en-US" altLang="ja-JP" b="0" dirty="0" smtClean="0">
+                          <a:latin typeface="Meiryo" charset="-128"/>
+                          <a:ea typeface="Meiryo" charset="-128"/>
+                          <a:cs typeface="Meiryo" charset="-128"/>
+                        </a:rPr>
+                        <a:t>0.95216819</a:t>
+                      </a:r>
+                      <a:endParaRPr kumimoji="1" lang="ja-JP" altLang="en-US" b="0" dirty="0">
+                        <a:latin typeface="Meiryo" charset="-128"/>
+                        <a:ea typeface="Meiryo" charset="-128"/>
+                        <a:cs typeface="Meiryo" charset="-128"/>
+                      </a:endParaRPr>
+                    </a:p>
+                  </a:txBody>
+                  <a:tcPr anchor="ctr"/>
+                </a:tc>
+                <a:tc>
+                  <a:txBody>
+                    <a:bodyPr/>
+                    <a:lstStyle/>
+                    <a:p>
+                      <a:pPr algn="ctr"/>
+                      <a:r>
+                        <a:rPr kumimoji="1" lang="en-US" altLang="ja-JP" b="0" dirty="0" smtClean="0">
+                          <a:latin typeface="Meiryo" charset="-128"/>
+                          <a:ea typeface="Meiryo" charset="-128"/>
+                          <a:cs typeface="Meiryo" charset="-128"/>
+                        </a:rPr>
+                        <a:t>0.96855698</a:t>
+                      </a:r>
+                      <a:endParaRPr kumimoji="1" lang="ja-JP" altLang="en-US" b="0" dirty="0">
+                        <a:latin typeface="Meiryo" charset="-128"/>
+                        <a:ea typeface="Meiryo" charset="-128"/>
+                        <a:cs typeface="Meiryo" charset="-128"/>
+                      </a:endParaRPr>
+                    </a:p>
+                  </a:txBody>
+                  <a:tcPr anchor="ctr"/>
+                </a:tc>
+                <a:tc>
+                  <a:txBody>
+                    <a:bodyPr/>
+                    <a:lstStyle/>
+                    <a:p>
+                      <a:pPr algn="ctr"/>
+                      <a:r>
+                        <a:rPr kumimoji="1" lang="en-US" altLang="ja-JP" b="0" dirty="0" smtClean="0">
+                          <a:latin typeface="Meiryo" charset="-128"/>
+                          <a:ea typeface="Meiryo" charset="-128"/>
+                          <a:cs typeface="Meiryo" charset="-128"/>
+                        </a:rPr>
+                        <a:t>0.95216819</a:t>
+                      </a:r>
+                      <a:endParaRPr kumimoji="1" lang="ja-JP" altLang="en-US" b="0" dirty="0">
+                        <a:latin typeface="Meiryo" charset="-128"/>
+                        <a:ea typeface="Meiryo" charset="-128"/>
+                        <a:cs typeface="Meiryo" charset="-128"/>
+                      </a:endParaRPr>
+                    </a:p>
+                  </a:txBody>
+                  <a:tcPr anchor="ctr"/>
+                </a:tc>
+              </a:tr>
+              <a:tr h="435022">
+                <a:tc>
+                  <a:txBody>
+                    <a:bodyPr/>
+                    <a:lstStyle/>
+                    <a:p>
+                      <a:pPr algn="ctr"/>
+                      <a:r>
+                        <a:rPr kumimoji="1" lang="ja-JP" altLang="en-US" b="0" dirty="0" smtClean="0">
+                          <a:latin typeface="Meiryo" charset="-128"/>
+                          <a:ea typeface="Meiryo" charset="-128"/>
+                          <a:cs typeface="Meiryo" charset="-128"/>
+                        </a:rPr>
+                        <a:t>対数尤度関数</a:t>
+                      </a:r>
+                      <a:endParaRPr kumimoji="1" lang="en-US" altLang="ja-JP" b="0" dirty="0" smtClean="0">
+                        <a:latin typeface="Meiryo" charset="-128"/>
+                        <a:ea typeface="Meiryo" charset="-128"/>
+                        <a:cs typeface="Meiryo" charset="-128"/>
+                      </a:endParaRPr>
+                    </a:p>
+                  </a:txBody>
+                  <a:tcPr anchor="ctr"/>
+                </a:tc>
+                <a:tc>
+                  <a:txBody>
+                    <a:bodyPr/>
+                    <a:lstStyle/>
+                    <a:p>
+                      <a:pPr algn="ctr"/>
+                      <a:r>
+                        <a:rPr kumimoji="1" lang="en-US" altLang="ja-JP" b="0" dirty="0" smtClean="0">
+                          <a:latin typeface="Meiryo" charset="-128"/>
+                          <a:ea typeface="Meiryo" charset="-128"/>
+                          <a:cs typeface="Meiryo" charset="-128"/>
+                        </a:rPr>
+                        <a:t>5.12 (4.1443)</a:t>
+                      </a:r>
+                      <a:endParaRPr kumimoji="1" lang="ja-JP" altLang="en-US" b="0" dirty="0">
+                        <a:latin typeface="Meiryo" charset="-128"/>
+                        <a:ea typeface="Meiryo" charset="-128"/>
+                        <a:cs typeface="Meiryo" charset="-128"/>
+                      </a:endParaRPr>
+                    </a:p>
+                  </a:txBody>
+                  <a:tcPr anchor="ctr"/>
+                </a:tc>
+                <a:tc>
+                  <a:txBody>
+                    <a:bodyPr/>
+                    <a:lstStyle/>
+                    <a:p>
+                      <a:pPr algn="ctr"/>
+                      <a:r>
+                        <a:rPr kumimoji="1" lang="en-US" altLang="ja-JP" b="0" dirty="0" smtClean="0">
+                          <a:latin typeface="Meiryo" charset="-128"/>
+                          <a:ea typeface="Meiryo" charset="-128"/>
+                          <a:cs typeface="Meiryo" charset="-128"/>
+                        </a:rPr>
+                        <a:t>0.95731637</a:t>
+                      </a:r>
+                      <a:endParaRPr kumimoji="1" lang="ja-JP" altLang="en-US" b="0" dirty="0">
+                        <a:latin typeface="Meiryo" charset="-128"/>
+                        <a:ea typeface="Meiryo" charset="-128"/>
+                        <a:cs typeface="Meiryo" charset="-128"/>
+                      </a:endParaRPr>
+                    </a:p>
+                  </a:txBody>
+                  <a:tcPr anchor="ctr"/>
+                </a:tc>
+                <a:tc>
+                  <a:txBody>
+                    <a:bodyPr/>
+                    <a:lstStyle/>
+                    <a:p>
+                      <a:pPr algn="ctr"/>
+                      <a:r>
+                        <a:rPr kumimoji="1" lang="en-US" altLang="ja-JP" b="0" dirty="0" smtClean="0">
+                          <a:latin typeface="Meiryo" charset="-128"/>
+                          <a:ea typeface="Meiryo" charset="-128"/>
+                          <a:cs typeface="Meiryo" charset="-128"/>
+                        </a:rPr>
+                        <a:t>0.96541468</a:t>
+                      </a:r>
+                      <a:endParaRPr kumimoji="1" lang="ja-JP" altLang="en-US" b="0" dirty="0">
+                        <a:latin typeface="Meiryo" charset="-128"/>
+                        <a:ea typeface="Meiryo" charset="-128"/>
+                        <a:cs typeface="Meiryo" charset="-128"/>
+                      </a:endParaRPr>
+                    </a:p>
+                  </a:txBody>
+                  <a:tcPr anchor="ctr"/>
+                </a:tc>
+                <a:tc>
+                  <a:txBody>
+                    <a:bodyPr/>
+                    <a:lstStyle/>
+                    <a:p>
+                      <a:pPr algn="ctr"/>
+                      <a:r>
+                        <a:rPr kumimoji="1" lang="en-US" altLang="ja-JP" b="0" dirty="0" smtClean="0">
+                          <a:latin typeface="Meiryo" charset="-128"/>
+                          <a:ea typeface="Meiryo" charset="-128"/>
+                          <a:cs typeface="Meiryo" charset="-128"/>
+                        </a:rPr>
+                        <a:t>0.95731637</a:t>
+                      </a:r>
+                      <a:endParaRPr kumimoji="1" lang="ja-JP" altLang="en-US" b="0" dirty="0">
+                        <a:latin typeface="Meiryo" charset="-128"/>
+                        <a:ea typeface="Meiryo" charset="-128"/>
+                        <a:cs typeface="Meiryo" charset="-128"/>
+                      </a:endParaRPr>
+                    </a:p>
+                  </a:txBody>
+                  <a:tcPr anchor="ctr"/>
+                </a:tc>
+              </a:tr>
+            </a:tbl>
+          </a:graphicData>
+        </a:graphic>
+      </p:graphicFrame>
+      <p:sp>
+        <p:nvSpPr>
+          <p:cNvPr id="5" name="テキスト ボックス 4"/>
+          <p:cNvSpPr txBox="1"/>
+          <p:nvPr/>
+        </p:nvSpPr>
+        <p:spPr>
+          <a:xfrm>
+            <a:off x="3975065" y="1184610"/>
+            <a:ext cx="4241867" cy="369332"/>
+          </a:xfrm>
+          <a:prstGeom prst="rect">
+            <a:avLst/>
+          </a:prstGeom>
+          <a:noFill/>
+        </p:spPr>
+        <p:txBody>
+          <a:bodyPr wrap="none" rtlCol="0">
+            <a:spAutoFit/>
+          </a:bodyPr>
+          <a:lstStyle/>
+          <a:p>
+            <a:r>
+              <a:rPr kumimoji="1" lang="ja-JP" altLang="en-US" dirty="0" smtClean="0">
+                <a:latin typeface="Meiryo" charset="-128"/>
+                <a:ea typeface="Meiryo" charset="-128"/>
+                <a:cs typeface="Meiryo" charset="-128"/>
+              </a:rPr>
+              <a:t>表</a:t>
+            </a:r>
+            <a:r>
+              <a:rPr lang="en-US" altLang="ja-JP" dirty="0" smtClean="0">
+                <a:latin typeface="Meiryo" charset="-128"/>
+                <a:ea typeface="Meiryo" charset="-128"/>
+                <a:cs typeface="Meiryo" charset="-128"/>
+              </a:rPr>
+              <a:t>2 3</a:t>
+            </a:r>
+            <a:r>
+              <a:rPr lang="ja-JP" altLang="en-US" dirty="0" smtClean="0">
+                <a:latin typeface="Meiryo" charset="-128"/>
+                <a:ea typeface="Meiryo" charset="-128"/>
+                <a:cs typeface="Meiryo" charset="-128"/>
+              </a:rPr>
+              <a:t>次元空間におけるクラスタリング</a:t>
+            </a:r>
+            <a:endParaRPr kumimoji="1" lang="ja-JP" altLang="en-US" dirty="0">
+              <a:latin typeface="Meiryo" charset="-128"/>
+              <a:ea typeface="Meiryo" charset="-128"/>
+              <a:cs typeface="Meiryo" charset="-128"/>
+            </a:endParaRPr>
+          </a:p>
+        </p:txBody>
+      </p:sp>
+    </p:spTree>
+    <p:extLst>
+      <p:ext uri="{BB962C8B-B14F-4D97-AF65-F5344CB8AC3E}">
+        <p14:creationId xmlns:p14="http://schemas.microsoft.com/office/powerpoint/2010/main" val="461006453"/>
+      </p:ext>
+    </p:extLst>
+  </p:cSld>
+  <p:clrMapOvr>
+    <a:masterClrMapping/>
+  </p:clrMapOvr>
+  <p:timing>
+    <p:tnLst>
+      <p:par>
+        <p:cTn id="1" dur="indefinite" restart="never" nodeType="tmRoot"/>
+      </p:par>
+    </p:tnLst>
+  </p:timing>
+</p:sld>
+</file>
+
+<file path=ppt/slides/slide12.xml><?xml version="1.0" encoding="utf-8"?>
+<p:sld xmlns:a="http://schemas.openxmlformats.org/drawingml/2006/main" xmlns:r="http://schemas.openxmlformats.org/officeDocument/2006/relationships" xmlns:p="http://schemas.openxmlformats.org/presentationml/2006/main">
+  <p:cSld>
+    <p:spTree>
+      <p:nvGrpSpPr>
+        <p:cNvPr id="1" name=""/>
+        <p:cNvGrpSpPr/>
+        <p:nvPr/>
+      </p:nvGrpSpPr>
+      <p:grpSpPr>
+        <a:xfrm>
+          <a:off x="0" y="0"/>
+          <a:ext cx="0" cy="0"/>
+          <a:chOff x="0" y="0"/>
+          <a:chExt cx="0" cy="0"/>
+        </a:xfrm>
+      </p:grpSpPr>
+      <p:sp>
+        <p:nvSpPr>
+          <p:cNvPr id="2" name="タイトル 1"/>
+          <p:cNvSpPr>
+            <a:spLocks noGrp="1"/>
+          </p:cNvSpPr>
+          <p:nvPr>
+            <p:ph type="title"/>
+          </p:nvPr>
+        </p:nvSpPr>
+        <p:spPr/>
+        <p:txBody>
+          <a:bodyPr/>
+          <a:lstStyle/>
+          <a:p>
+            <a:r>
+              <a:rPr kumimoji="1" lang="ja-JP" altLang="en-US" dirty="0" smtClean="0"/>
+              <a:t>まとめ</a:t>
+            </a:r>
+            <a:endParaRPr kumimoji="1" lang="ja-JP" altLang="en-US" dirty="0"/>
+          </a:p>
+        </p:txBody>
+      </p:sp>
+      <p:sp>
+        <p:nvSpPr>
+          <p:cNvPr id="3" name="コンテンツ プレースホルダー 2"/>
+          <p:cNvSpPr>
+            <a:spLocks noGrp="1"/>
+          </p:cNvSpPr>
+          <p:nvPr>
+            <p:ph idx="1"/>
+          </p:nvPr>
+        </p:nvSpPr>
+        <p:spPr>
+          <a:xfrm>
+            <a:off x="838200" y="1184611"/>
+            <a:ext cx="10515600" cy="5363334"/>
+          </a:xfrm>
+        </p:spPr>
+        <p:txBody>
+          <a:bodyPr anchor="ctr"/>
+          <a:lstStyle/>
+          <a:p>
+            <a:pPr>
+              <a:lnSpc>
+                <a:spcPct val="150000"/>
+              </a:lnSpc>
+            </a:pPr>
+            <a:r>
+              <a:rPr lang="ja-JP" altLang="en-US" dirty="0" smtClean="0"/>
+              <a:t>混合等方</a:t>
+            </a:r>
+            <a:r>
+              <a:rPr lang="en-US" altLang="ja-JP" dirty="0" smtClean="0"/>
+              <a:t>Gauss</a:t>
+            </a:r>
+            <a:r>
+              <a:rPr lang="ja-JP" altLang="en-US" dirty="0" smtClean="0"/>
+              <a:t>分布は</a:t>
+            </a:r>
+            <a:r>
+              <a:rPr lang="en-US" altLang="ja-JP" b="1" dirty="0" smtClean="0"/>
+              <a:t>BIC</a:t>
+            </a:r>
+            <a:r>
+              <a:rPr lang="ja-JP" altLang="en-US" b="1" dirty="0" smtClean="0"/>
+              <a:t>を採用する</a:t>
+            </a:r>
+            <a:r>
+              <a:rPr lang="ja-JP" altLang="en-US" dirty="0" smtClean="0"/>
+              <a:t>ことで</a:t>
+            </a:r>
+            <a:r>
+              <a:rPr lang="en-US" altLang="ja-JP" dirty="0" smtClean="0"/>
+              <a:t/>
+            </a:r>
+            <a:br>
+              <a:rPr lang="en-US" altLang="ja-JP" dirty="0" smtClean="0"/>
+            </a:br>
+            <a:r>
+              <a:rPr lang="en-US" altLang="ja-JP" dirty="0" smtClean="0"/>
+              <a:t>		</a:t>
+            </a:r>
+            <a:r>
+              <a:rPr lang="ja-JP" altLang="en-US" dirty="0" smtClean="0"/>
+              <a:t>適切にクラスタリングを行うことができる</a:t>
+            </a:r>
+            <a:endParaRPr lang="en-US" altLang="ja-JP" dirty="0" smtClean="0"/>
+          </a:p>
+          <a:p>
+            <a:r>
+              <a:rPr lang="ja-JP" altLang="en-US" dirty="0" smtClean="0"/>
+              <a:t>今後の課題</a:t>
+            </a:r>
+            <a:endParaRPr lang="en-US" altLang="ja-JP" dirty="0"/>
+          </a:p>
+          <a:p>
+            <a:pPr lvl="1">
+              <a:buFont typeface="Wingdings" charset="2"/>
+              <a:buChar char="Ø"/>
+            </a:pPr>
+            <a:r>
+              <a:rPr kumimoji="1" lang="ja-JP" altLang="en-US" dirty="0" smtClean="0"/>
+              <a:t> </a:t>
+            </a:r>
+            <a:r>
+              <a:rPr kumimoji="1" lang="en-US" altLang="ja-JP" dirty="0" smtClean="0"/>
+              <a:t>AIC, </a:t>
+            </a:r>
+            <a:r>
+              <a:rPr kumimoji="1" lang="en-US" altLang="ja-JP" dirty="0" err="1" smtClean="0"/>
+              <a:t>cAIC</a:t>
+            </a:r>
+            <a:r>
+              <a:rPr kumimoji="1" lang="en-US" altLang="ja-JP" dirty="0" smtClean="0"/>
+              <a:t>, BIC</a:t>
+            </a:r>
+            <a:r>
+              <a:rPr kumimoji="1" lang="ja-JP" altLang="en-US" dirty="0" smtClean="0"/>
+              <a:t>以外の情報量規準を用いたクラスタリング</a:t>
+            </a:r>
+            <a:endParaRPr kumimoji="1" lang="en-US" altLang="ja-JP" dirty="0" smtClean="0"/>
+          </a:p>
+          <a:p>
+            <a:pPr lvl="1">
+              <a:buFont typeface="Wingdings" charset="2"/>
+              <a:buChar char="Ø"/>
+            </a:pPr>
+            <a:r>
+              <a:rPr lang="ja-JP" altLang="en-US" dirty="0" smtClean="0"/>
+              <a:t>クラスタリング対象のデータを変更する</a:t>
+            </a:r>
+            <a:endParaRPr kumimoji="1" lang="ja-JP" altLang="en-US" dirty="0"/>
+          </a:p>
+        </p:txBody>
+      </p:sp>
+    </p:spTree>
+    <p:extLst>
+      <p:ext uri="{BB962C8B-B14F-4D97-AF65-F5344CB8AC3E}">
+        <p14:creationId xmlns:p14="http://schemas.microsoft.com/office/powerpoint/2010/main" val="2139596300"/>
+      </p:ext>
+    </p:extLst>
+  </p:cSld>
+  <p:clrMapOvr>
+    <a:masterClrMapping/>
+  </p:clrMapOvr>
+  <p:timing>
+    <p:tnLst>
+      <p:par>
+        <p:cTn id="1" dur="indefinite" restart="never" nodeType="tmRoot"/>
+      </p:par>
+    </p:tnLst>
+  </p:timing>
+</p:sld>
+</file>
+
+<file path=ppt/slides/slide13.xml><?xml version="1.0" encoding="utf-8"?>
+<p:sld xmlns:a="http://schemas.openxmlformats.org/drawingml/2006/main" xmlns:r="http://schemas.openxmlformats.org/officeDocument/2006/relationships" xmlns:p="http://schemas.openxmlformats.org/presentationml/2006/main">
+  <p:cSld>
+    <p:spTree>
+      <p:nvGrpSpPr>
+        <p:cNvPr id="1" name=""/>
+        <p:cNvGrpSpPr/>
+        <p:nvPr/>
+      </p:nvGrpSpPr>
+      <p:grpSpPr>
+        <a:xfrm>
+          <a:off x="0" y="0"/>
+          <a:ext cx="0" cy="0"/>
+          <a:chOff x="0" y="0"/>
+          <a:chExt cx="0" cy="0"/>
+        </a:xfrm>
+      </p:grpSpPr>
+      <p:sp>
+        <p:nvSpPr>
+          <p:cNvPr id="2" name="タイトル 1"/>
+          <p:cNvSpPr>
+            <a:spLocks noGrp="1"/>
+          </p:cNvSpPr>
+          <p:nvPr>
+            <p:ph type="title"/>
+          </p:nvPr>
+        </p:nvSpPr>
+        <p:spPr>
+          <a:xfrm>
+            <a:off x="922283" y="3356686"/>
+            <a:ext cx="10515600" cy="636925"/>
+          </a:xfrm>
+        </p:spPr>
+        <p:txBody>
+          <a:bodyPr/>
+          <a:lstStyle/>
+          <a:p>
+            <a:r>
+              <a:rPr kumimoji="1" lang="en-US" altLang="ja-JP" smtClean="0">
+                <a:solidFill>
+                  <a:schemeClr val="tx1">
+                    <a:lumMod val="85000"/>
+                    <a:lumOff val="15000"/>
+                  </a:schemeClr>
+                </a:solidFill>
+              </a:rPr>
+              <a:t>Appendix</a:t>
+            </a:r>
+            <a:endParaRPr kumimoji="1" lang="ja-JP" altLang="en-US" dirty="0">
+              <a:solidFill>
+                <a:schemeClr val="tx1">
+                  <a:lumMod val="85000"/>
+                  <a:lumOff val="15000"/>
+                </a:schemeClr>
+              </a:solidFill>
+            </a:endParaRPr>
+          </a:p>
+        </p:txBody>
+      </p:sp>
+    </p:spTree>
+    <p:extLst>
+      <p:ext uri="{BB962C8B-B14F-4D97-AF65-F5344CB8AC3E}">
+        <p14:creationId xmlns:p14="http://schemas.microsoft.com/office/powerpoint/2010/main" val="647820641"/>
+      </p:ext>
+    </p:extLst>
+  </p:cSld>
+  <p:clrMapOvr>
+    <a:masterClrMapping/>
+  </p:clrMapOvr>
+  <p:timing>
+    <p:tnLst>
+      <p:par>
+        <p:cTn id="1" dur="indefinite" restart="never" nodeType="tmRoot"/>
+      </p:par>
+    </p:tnLst>
+  </p:timing>
+</p:sld>
+</file>
+
+<file path=ppt/slides/slide14.xml><?xml version="1.0" encoding="utf-8"?>
+<p:sld xmlns:a="http://schemas.openxmlformats.org/drawingml/2006/main" xmlns:r="http://schemas.openxmlformats.org/officeDocument/2006/relationships" xmlns:p="http://schemas.openxmlformats.org/presentationml/2006/main">
+  <p:cSld>
+    <p:spTree>
+      <p:nvGrpSpPr>
+        <p:cNvPr id="1" name=""/>
+        <p:cNvGrpSpPr/>
+        <p:nvPr/>
+      </p:nvGrpSpPr>
+      <p:grpSpPr>
+        <a:xfrm>
+          <a:off x="0" y="0"/>
+          <a:ext cx="0" cy="0"/>
+          <a:chOff x="0" y="0"/>
+          <a:chExt cx="0" cy="0"/>
+        </a:xfrm>
+      </p:grpSpPr>
+      <p:sp>
+        <p:nvSpPr>
+          <p:cNvPr id="2" name="タイトル 1"/>
+          <p:cNvSpPr>
+            <a:spLocks noGrp="1"/>
+          </p:cNvSpPr>
+          <p:nvPr>
+            <p:ph type="title"/>
+          </p:nvPr>
+        </p:nvSpPr>
+        <p:spPr/>
+        <p:txBody>
+          <a:bodyPr/>
+          <a:lstStyle/>
+          <a:p>
+            <a:r>
+              <a:rPr kumimoji="1" lang="en-US" altLang="ja-JP" dirty="0" smtClean="0"/>
+              <a:t>Appendix</a:t>
+            </a:r>
+            <a:endParaRPr kumimoji="1" lang="ja-JP" altLang="en-US" dirty="0"/>
+          </a:p>
+        </p:txBody>
+      </p:sp>
+      <p:sp>
+        <p:nvSpPr>
+          <p:cNvPr id="3" name="コンテンツ プレースホルダー 2"/>
+          <p:cNvSpPr>
+            <a:spLocks noGrp="1"/>
+          </p:cNvSpPr>
+          <p:nvPr>
+            <p:ph idx="1"/>
+          </p:nvPr>
+        </p:nvSpPr>
+        <p:spPr>
+          <a:xfrm>
+            <a:off x="838200" y="1184610"/>
+            <a:ext cx="10515600" cy="5394866"/>
+          </a:xfrm>
+        </p:spPr>
+        <p:txBody>
+          <a:bodyPr/>
+          <a:lstStyle/>
+          <a:p>
+            <a:pPr marL="0" marR="0" lvl="0" indent="0" defTabSz="914400" eaLnBrk="1" fontAlgn="auto" latinLnBrk="0" hangingPunct="1">
+              <a:lnSpc>
+                <a:spcPct val="100000"/>
+              </a:lnSpc>
+              <a:spcBef>
+                <a:spcPts val="0"/>
+              </a:spcBef>
+              <a:spcAft>
+                <a:spcPts val="0"/>
+              </a:spcAft>
+              <a:buClrTx/>
+              <a:buSzTx/>
+              <a:buFontTx/>
+              <a:buNone/>
+              <a:tabLst/>
+              <a:defRPr/>
+            </a:pPr>
+            <a:endParaRPr kumimoji="1" lang="ja-JP" altLang="en-US" dirty="0"/>
+          </a:p>
+        </p:txBody>
+      </p:sp>
+    </p:spTree>
+    <p:extLst>
+      <p:ext uri="{BB962C8B-B14F-4D97-AF65-F5344CB8AC3E}">
+        <p14:creationId xmlns:p14="http://schemas.microsoft.com/office/powerpoint/2010/main" val="1723619600"/>
       </p:ext>
     </p:extLst>
   </p:cSld>
@@ -2014,12 +4333,14 @@
         </p:nvSpPr>
         <p:spPr/>
         <p:txBody>
-          <a:bodyPr/>
+          <a:bodyPr>
+            <a:normAutofit/>
+          </a:bodyPr>
           <a:lstStyle/>
           <a:p>
             <a:r>
               <a:rPr kumimoji="1" lang="ja-JP" altLang="en-US" dirty="0" smtClean="0"/>
-              <a:t>研究背景</a:t>
+              <a:t>背景</a:t>
             </a:r>
             <a:endParaRPr kumimoji="1" lang="ja-JP" altLang="en-US" dirty="0"/>
           </a:p>
@@ -2037,14 +4358,234 @@
         </p:nvSpPr>
         <p:spPr>
           <a:xfrm>
-            <a:off x="628650" y="1319994"/>
-            <a:ext cx="7886700" cy="2130572"/>
+            <a:off x="165538" y="998483"/>
+            <a:ext cx="10515600" cy="5859517"/>
           </a:xfrm>
         </p:spPr>
         <p:txBody>
-          <a:bodyPr>
+          <a:bodyPr anchor="ctr">
             <a:normAutofit/>
           </a:bodyPr>
+          <a:lstStyle/>
+          <a:p>
+            <a:pPr marL="0" indent="0">
+              <a:spcBef>
+                <a:spcPts val="0"/>
+              </a:spcBef>
+              <a:buNone/>
+            </a:pPr>
+            <a:r>
+              <a:rPr kumimoji="1" lang="ja-JP" altLang="en-US" b="1" dirty="0" smtClean="0"/>
+              <a:t>クラスタリング</a:t>
+            </a:r>
+            <a:endParaRPr kumimoji="1" lang="en-US" altLang="ja-JP" b="1" dirty="0" smtClean="0"/>
+          </a:p>
+          <a:p>
+            <a:pPr>
+              <a:spcBef>
+                <a:spcPts val="0"/>
+              </a:spcBef>
+              <a:buFont typeface="Wingdings" charset="2"/>
+              <a:buChar char="u"/>
+            </a:pPr>
+            <a:r>
+              <a:rPr lang="ja-JP" altLang="en-US" dirty="0"/>
+              <a:t> </a:t>
+            </a:r>
+            <a:r>
+              <a:rPr lang="ja-JP" altLang="en-US" dirty="0" smtClean="0"/>
+              <a:t>データを任意の数のクラスタにわける手法</a:t>
+            </a:r>
+            <a:endParaRPr lang="en-US" altLang="ja-JP" dirty="0" smtClean="0"/>
+          </a:p>
+          <a:p>
+            <a:pPr>
+              <a:spcBef>
+                <a:spcPts val="0"/>
+              </a:spcBef>
+              <a:buFont typeface="Wingdings" charset="2"/>
+              <a:buChar char="u"/>
+            </a:pPr>
+            <a:r>
+              <a:rPr lang="ja-JP" altLang="en-US" dirty="0"/>
+              <a:t> </a:t>
+            </a:r>
+            <a:r>
+              <a:rPr lang="ja-JP" altLang="en-US" dirty="0" smtClean="0"/>
+              <a:t>データ解析・画像処理などで利用</a:t>
+            </a:r>
+            <a:endParaRPr lang="en-US" altLang="ja-JP" dirty="0" smtClean="0"/>
+          </a:p>
+          <a:p>
+            <a:pPr>
+              <a:spcBef>
+                <a:spcPts val="0"/>
+              </a:spcBef>
+              <a:buFont typeface="Wingdings" charset="2"/>
+              <a:buChar char="u"/>
+            </a:pPr>
+            <a:r>
+              <a:rPr lang="ja-JP" altLang="en-US" dirty="0"/>
+              <a:t> </a:t>
+            </a:r>
+            <a:r>
+              <a:rPr lang="en-US" altLang="ja-JP" b="1" i="1" dirty="0" smtClean="0">
+                <a:latin typeface="Times New Roman" charset="0"/>
+                <a:ea typeface="Times New Roman" charset="0"/>
+                <a:cs typeface="Times New Roman" charset="0"/>
+              </a:rPr>
+              <a:t>k</a:t>
+            </a:r>
+            <a:r>
+              <a:rPr lang="en-US" altLang="ja-JP" b="1" dirty="0" smtClean="0">
+                <a:latin typeface="Times New Roman" charset="0"/>
+                <a:ea typeface="Times New Roman" charset="0"/>
+                <a:cs typeface="Times New Roman" charset="0"/>
+              </a:rPr>
+              <a:t>-means</a:t>
+            </a:r>
+            <a:r>
+              <a:rPr lang="ja-JP" altLang="en-US" b="1" dirty="0" smtClean="0"/>
+              <a:t>ではクラスタ数を事前に決める必要</a:t>
+            </a:r>
+            <a:endParaRPr lang="en-US" altLang="ja-JP" b="1" dirty="0" smtClean="0"/>
+          </a:p>
+          <a:p>
+            <a:pPr marL="0" indent="0">
+              <a:spcBef>
+                <a:spcPts val="0"/>
+              </a:spcBef>
+              <a:buNone/>
+            </a:pPr>
+            <a:r>
+              <a:rPr kumimoji="1" lang="ja-JP" altLang="en-US" dirty="0" smtClean="0"/>
+              <a:t>⇒ クラスタ数が未知の場合「</a:t>
+            </a:r>
+            <a:r>
+              <a:rPr kumimoji="1" lang="ja-JP" altLang="en-US" b="1" dirty="0" smtClean="0"/>
+              <a:t>クラスタ数推定</a:t>
+            </a:r>
+            <a:r>
+              <a:rPr kumimoji="1" lang="ja-JP" altLang="en-US" dirty="0" smtClean="0"/>
+              <a:t>」</a:t>
+            </a:r>
+            <a:endParaRPr kumimoji="1" lang="ja-JP" altLang="en-US" dirty="0"/>
+          </a:p>
+        </p:txBody>
+      </p:sp>
+      <p:pic>
+        <p:nvPicPr>
+          <p:cNvPr id="4" name="図 3"/>
+          <p:cNvPicPr>
+            <a:picLocks noChangeAspect="1"/>
+          </p:cNvPicPr>
+          <p:nvPr/>
+        </p:nvPicPr>
+        <p:blipFill>
+          <a:blip r:embed="rId2">
+            <a:extLst>
+              <a:ext uri="{28A0092B-C50C-407E-A947-70E740481C1C}">
+                <a14:useLocalDpi xmlns:a14="http://schemas.microsoft.com/office/drawing/2010/main" val="0"/>
+              </a:ext>
+            </a:extLst>
+          </a:blip>
+          <a:stretch>
+            <a:fillRect/>
+          </a:stretch>
+        </p:blipFill>
+        <p:spPr>
+          <a:xfrm>
+            <a:off x="8490308" y="1646323"/>
+            <a:ext cx="3701692" cy="2776269"/>
+          </a:xfrm>
+          <a:prstGeom prst="rect">
+            <a:avLst/>
+          </a:prstGeom>
+        </p:spPr>
+      </p:pic>
+    </p:spTree>
+    <p:extLst>
+      <p:ext uri="{BB962C8B-B14F-4D97-AF65-F5344CB8AC3E}">
+        <p14:creationId xmlns:p14="http://schemas.microsoft.com/office/powerpoint/2010/main" val="1377184672"/>
+      </p:ext>
+    </p:extLst>
+  </p:cSld>
+  <p:clrMapOvr>
+    <a:masterClrMapping/>
+  </p:clrMapOvr>
+  <p:timing>
+    <p:tnLst>
+      <p:par>
+        <p:cTn id="1" dur="indefinite" restart="never" nodeType="tmRoot"/>
+      </p:par>
+    </p:tnLst>
+  </p:timing>
+</p:sld>
+</file>
+
+<file path=ppt/slides/slide3.xml><?xml version="1.0" encoding="utf-8"?>
+<p:sld xmlns:a="http://schemas.openxmlformats.org/drawingml/2006/main" xmlns:r="http://schemas.openxmlformats.org/officeDocument/2006/relationships" xmlns:p="http://schemas.openxmlformats.org/presentationml/2006/main">
+  <p:cSld>
+    <p:spTree>
+      <p:nvGrpSpPr>
+        <p:cNvPr id="1" name=""/>
+        <p:cNvGrpSpPr/>
+        <p:nvPr/>
+      </p:nvGrpSpPr>
+      <p:grpSpPr>
+        <a:xfrm>
+          <a:off x="0" y="0"/>
+          <a:ext cx="0" cy="0"/>
+          <a:chOff x="0" y="0"/>
+          <a:chExt cx="0" cy="0"/>
+        </a:xfrm>
+      </p:grpSpPr>
+      <p:sp>
+        <p:nvSpPr>
+          <p:cNvPr id="2" name="タイトル 1"/>
+          <p:cNvSpPr>
+            <a:spLocks noGrp="1"/>
+          </p:cNvSpPr>
+          <p:nvPr>
+            <p:ph type="title"/>
+          </p:nvPr>
+        </p:nvSpPr>
+        <p:spPr>
+          <a:xfrm>
+            <a:off x="838200" y="193072"/>
+            <a:ext cx="10515600" cy="636925"/>
+          </a:xfrm>
+        </p:spPr>
+        <p:txBody>
+          <a:bodyPr/>
+          <a:lstStyle/>
+          <a:p>
+            <a:r>
+              <a:rPr kumimoji="1" lang="ja-JP" altLang="en-US" dirty="0" smtClean="0"/>
+              <a:t>背景</a:t>
+            </a:r>
+            <a:endParaRPr kumimoji="1" lang="ja-JP" altLang="en-US" dirty="0"/>
+          </a:p>
+        </p:txBody>
+      </p:sp>
+      <p:sp>
+        <p:nvSpPr>
+          <p:cNvPr id="3" name="コンテンツ プレースホルダー 2"/>
+          <p:cNvSpPr>
+            <a:spLocks noGrp="1"/>
+          </p:cNvSpPr>
+          <p:nvPr>
+            <p:ph idx="1"/>
+          </p:nvPr>
+        </p:nvSpPr>
+        <p:spPr>
+          <a:xfrm>
+            <a:off x="252247" y="1184611"/>
+            <a:ext cx="11540359" cy="3009018"/>
+          </a:xfrm>
+        </p:spPr>
+        <p:txBody>
+          <a:bodyPr/>
           <a:lstStyle/>
           <a:p>
             <a:pPr marL="0" marR="0" lvl="0" indent="0" defTabSz="914400" eaLnBrk="1" fontAlgn="auto" latinLnBrk="0" hangingPunct="1">
@@ -2062,13 +4603,25 @@
               <a:defRPr/>
             </a:pPr>
             <a:r>
-              <a:rPr kumimoji="1" lang="ja-JP" altLang="en-US" sz="2800" b="1" dirty="0" smtClean="0"/>
-              <a:t>クラスタリング</a:t>
-            </a:r>
-            <a:endParaRPr lang="en-US" altLang="ja-JP" sz="2800" b="1" dirty="0" smtClean="0"/>
-          </a:p>
-          <a:p>
-            <a:pPr marL="0" marR="0" lvl="0" indent="0" defTabSz="914400" eaLnBrk="1" fontAlgn="auto" latinLnBrk="0" hangingPunct="1">
+              <a:rPr kumimoji="1" lang="ja-JP" altLang="en-US" dirty="0" smtClean="0"/>
+              <a:t>クラスタ数推定・クラスタリングを行う手法 </a:t>
+            </a:r>
+            <a:r>
+              <a:rPr lang="en-US" altLang="ja-JP" dirty="0" smtClean="0"/>
+              <a:t>”</a:t>
+            </a:r>
+            <a:r>
+              <a:rPr lang="en-US" altLang="ja-JP" b="1" dirty="0" smtClean="0"/>
+              <a:t>X-means</a:t>
+            </a:r>
+            <a:r>
+              <a:rPr lang="en-US" altLang="ja-JP" dirty="0" smtClean="0"/>
+              <a:t>”</a:t>
+            </a:r>
+            <a:endParaRPr kumimoji="1" lang="en-US" altLang="ja-JP" dirty="0" smtClean="0"/>
+          </a:p>
+          <a:p>
+            <a:pPr marR="0" lvl="0" defTabSz="914400" eaLnBrk="1" fontAlgn="auto" latinLnBrk="0" hangingPunct="1">
               <a:spcBef>
                 <a:spcPts val="0"/>
               </a:spcBef>
@@ -2077,19 +4630,27 @@
               </a:spcAft>
               <a:buClrTx/>
               <a:buSzTx/>
-              <a:buFontTx/>
-              <a:buNone/>
+              <a:buFont typeface="Wingdings" charset="2"/>
+              <a:buChar char="u"/>
               <a:tabLst/>
               <a:defRPr/>
             </a:pPr>
             <a:r>
-              <a:rPr lang="ja-JP" altLang="en-US" sz="2800" dirty="0" smtClean="0"/>
-              <a:t>  データを任意のクラスタに分ける手法</a:t>
-            </a:r>
-            <a:endParaRPr lang="en-US" altLang="ja-JP" sz="2800" dirty="0" smtClean="0"/>
-          </a:p>
-          <a:p>
-            <a:pPr marL="0" marR="0" lvl="0" indent="0" defTabSz="914400" eaLnBrk="1" fontAlgn="auto" latinLnBrk="0" hangingPunct="1">
+              <a:rPr lang="ja-JP" altLang="en-US" dirty="0" smtClean="0"/>
+              <a:t> データが混合等方</a:t>
+            </a:r>
+            <a:r>
+              <a:rPr lang="en-US" altLang="ja-JP" dirty="0" smtClean="0"/>
+              <a:t>Gauss</a:t>
+            </a:r>
+            <a:r>
+              <a:rPr lang="ja-JP" altLang="en-US" dirty="0" smtClean="0"/>
+              <a:t>分布から生成されたと想定</a:t>
+            </a:r>
+            <a:endParaRPr lang="en-US" altLang="ja-JP" dirty="0" smtClean="0"/>
+          </a:p>
+          <a:p>
+            <a:pPr marR="0" lvl="0" defTabSz="914400" eaLnBrk="1" fontAlgn="auto" latinLnBrk="0" hangingPunct="1">
               <a:spcBef>
                 <a:spcPts val="0"/>
               </a:spcBef>
@@ -2098,36 +4659,44 @@
               </a:spcAft>
               <a:buClrTx/>
               <a:buSzTx/>
-              <a:buFontTx/>
-              <a:buNone/>
+              <a:buFont typeface="Wingdings" charset="2"/>
+              <a:buChar char="u"/>
               <a:tabLst/>
               <a:defRPr/>
             </a:pPr>
             <a:r>
-              <a:rPr kumimoji="1" lang="ja-JP" altLang="en-US" sz="2800" dirty="0" smtClean="0"/>
-              <a:t>  データ解析・画像処理など様々な分野で活用</a:t>
-            </a:r>
-            <a:endParaRPr kumimoji="1" lang="en-US" altLang="ja-JP" sz="2800" dirty="0" smtClean="0"/>
+              <a:rPr lang="ja-JP" altLang="en-US" dirty="0" smtClean="0"/>
+              <a:t> </a:t>
+            </a:r>
+            <a:r>
+              <a:rPr lang="ja-JP" altLang="en-US" b="1" dirty="0" smtClean="0"/>
+              <a:t>情報量規準</a:t>
+            </a:r>
+            <a:r>
+              <a:rPr lang="ja-JP" altLang="en-US" dirty="0" smtClean="0"/>
+              <a:t>と呼ばれる指標によりクラスタ数推定</a:t>
+            </a:r>
+            <a:endParaRPr kumimoji="1" lang="ja-JP" altLang="en-US" dirty="0"/>
           </a:p>
         </p:txBody>
       </p:sp>
       <p:sp>
         <p:nvSpPr>
-          <p:cNvPr id="4" name="下矢印 3"/>
+          <p:cNvPr id="4" name="正方形/長方形 3"/>
           <p:cNvSpPr/>
           <p:nvPr/>
         </p:nvSpPr>
         <p:spPr>
           <a:xfrm>
-            <a:off x="4343400" y="3450566"/>
-            <a:ext cx="457200" cy="595223"/>
+            <a:off x="0" y="4390587"/>
+            <a:ext cx="12192000" cy="2309757"/>
           </a:xfrm>
-          <a:prstGeom prst="downArrow">
+          <a:prstGeom prst="rect">
             <a:avLst/>
           </a:prstGeom>
           <a:solidFill>
-            <a:schemeClr val="accent1">
-              <a:lumMod val="75000"/>
+            <a:schemeClr val="bg2">
+              <a:lumMod val="90000"/>
             </a:schemeClr>
           </a:solidFill>
           <a:ln>
@@ -2154,8 +4723,1597 @@
           <a:bodyPr rtlCol="0" anchor="ctr"/>
           <a:lstStyle/>
           <a:p>
-            <a:pPr algn="ctr"/>
-            <a:endParaRPr kumimoji="1" lang="ja-JP" altLang="en-US"/>
+            <a:pPr algn="ctr">
+              <a:lnSpc>
+                <a:spcPct val="150000"/>
+              </a:lnSpc>
+            </a:pPr>
+            <a:r>
+              <a:rPr kumimoji="1" lang="ja-JP" altLang="en-US" sz="2800" b="1" dirty="0" smtClean="0">
+                <a:solidFill>
+                  <a:schemeClr val="accent1">
+                    <a:lumMod val="75000"/>
+                  </a:schemeClr>
+                </a:solidFill>
+                <a:latin typeface="Meiryo" charset="-128"/>
+                <a:ea typeface="Meiryo" charset="-128"/>
+                <a:cs typeface="Meiryo" charset="-128"/>
+              </a:rPr>
+              <a:t>情報量規準</a:t>
+            </a:r>
+            <a:endParaRPr kumimoji="1" lang="en-US" altLang="ja-JP" sz="2800" b="1" dirty="0" smtClean="0">
+              <a:solidFill>
+                <a:schemeClr val="accent1">
+                  <a:lumMod val="75000"/>
+                </a:schemeClr>
+              </a:solidFill>
+              <a:latin typeface="Meiryo" charset="-128"/>
+              <a:ea typeface="Meiryo" charset="-128"/>
+              <a:cs typeface="Meiryo" charset="-128"/>
+            </a:endParaRPr>
+          </a:p>
+          <a:p>
+            <a:pPr algn="ctr">
+              <a:lnSpc>
+                <a:spcPct val="150000"/>
+              </a:lnSpc>
+            </a:pPr>
+            <a:r>
+              <a:rPr kumimoji="1" lang="ja-JP" altLang="en-US" sz="2800" b="1" dirty="0" smtClean="0">
+                <a:solidFill>
+                  <a:schemeClr val="tx1">
+                    <a:lumMod val="75000"/>
+                    <a:lumOff val="25000"/>
+                  </a:schemeClr>
+                </a:solidFill>
+                <a:latin typeface="Meiryo" charset="-128"/>
+                <a:ea typeface="Meiryo" charset="-128"/>
+                <a:cs typeface="Meiryo" charset="-128"/>
+              </a:rPr>
+              <a:t>想定した確率分布（モデル）とデータの当てはまりの良さを表す指標</a:t>
+            </a:r>
+            <a:endParaRPr kumimoji="1" lang="en-US" altLang="ja-JP" sz="2800" b="1" dirty="0" smtClean="0">
+              <a:solidFill>
+                <a:schemeClr val="tx1">
+                  <a:lumMod val="75000"/>
+                  <a:lumOff val="25000"/>
+                </a:schemeClr>
+              </a:solidFill>
+              <a:latin typeface="Meiryo" charset="-128"/>
+              <a:ea typeface="Meiryo" charset="-128"/>
+              <a:cs typeface="Meiryo" charset="-128"/>
+            </a:endParaRPr>
+          </a:p>
+        </p:txBody>
+      </p:sp>
+    </p:spTree>
+    <p:extLst>
+      <p:ext uri="{BB962C8B-B14F-4D97-AF65-F5344CB8AC3E}">
+        <p14:creationId xmlns:p14="http://schemas.microsoft.com/office/powerpoint/2010/main" val="2087143949"/>
+      </p:ext>
+    </p:extLst>
+  </p:cSld>
+  <p:clrMapOvr>
+    <a:masterClrMapping/>
+  </p:clrMapOvr>
+  <p:timing>
+    <p:tnLst>
+      <p:par>
+        <p:cTn id="1" dur="indefinite" restart="never" nodeType="tmRoot"/>
+      </p:par>
+    </p:tnLst>
+  </p:timing>
+</p:sld>
+</file>
+
+<file path=ppt/slides/slide4.xml><?xml version="1.0" encoding="utf-8"?>
+<p:sld xmlns:a="http://schemas.openxmlformats.org/drawingml/2006/main" xmlns:r="http://schemas.openxmlformats.org/officeDocument/2006/relationships" xmlns:p="http://schemas.openxmlformats.org/presentationml/2006/main">
+  <p:cSld>
+    <p:spTree>
+      <p:nvGrpSpPr>
+        <p:cNvPr id="1" name=""/>
+        <p:cNvGrpSpPr/>
+        <p:nvPr/>
+      </p:nvGrpSpPr>
+      <p:grpSpPr>
+        <a:xfrm>
+          <a:off x="0" y="0"/>
+          <a:ext cx="0" cy="0"/>
+          <a:chOff x="0" y="0"/>
+          <a:chExt cx="0" cy="0"/>
+        </a:xfrm>
+      </p:grpSpPr>
+      <p:sp>
+        <p:nvSpPr>
+          <p:cNvPr id="2" name="タイトル 1"/>
+          <p:cNvSpPr>
+            <a:spLocks noGrp="1"/>
+          </p:cNvSpPr>
+          <p:nvPr>
+            <p:ph type="title"/>
+          </p:nvPr>
+        </p:nvSpPr>
+        <p:spPr/>
+        <p:txBody>
+          <a:bodyPr/>
+          <a:lstStyle/>
+          <a:p>
+            <a:r>
+              <a:rPr lang="ja-JP" altLang="en-US" dirty="0" smtClean="0"/>
+              <a:t>目的</a:t>
+            </a:r>
+            <a:endParaRPr kumimoji="1" lang="ja-JP" altLang="en-US" dirty="0"/>
+          </a:p>
+        </p:txBody>
+      </p:sp>
+      <p:sp>
+        <p:nvSpPr>
+          <p:cNvPr id="3" name="コンテンツ プレースホルダー 2"/>
+          <p:cNvSpPr>
+            <a:spLocks noGrp="1"/>
+          </p:cNvSpPr>
+          <p:nvPr>
+            <p:ph idx="1"/>
+          </p:nvPr>
+        </p:nvSpPr>
+        <p:spPr>
+          <a:xfrm>
+            <a:off x="838200" y="1815232"/>
+            <a:ext cx="10515600" cy="4351338"/>
+          </a:xfrm>
+        </p:spPr>
+        <p:txBody>
+          <a:bodyPr anchor="ctr"/>
+          <a:lstStyle/>
+          <a:p>
+            <a:pPr marL="0" indent="0" algn="ctr">
+              <a:spcBef>
+                <a:spcPts val="0"/>
+              </a:spcBef>
+              <a:buNone/>
+            </a:pPr>
+            <a:r>
+              <a:rPr lang="ja-JP" altLang="en-US" sz="3600" b="1" dirty="0" smtClean="0"/>
+              <a:t>どの情報量規準</a:t>
+            </a:r>
+            <a:r>
+              <a:rPr lang="ja-JP" altLang="en-US" sz="3600" dirty="0" smtClean="0"/>
+              <a:t>が</a:t>
+            </a:r>
+            <a:r>
+              <a:rPr lang="en-US" altLang="ja-JP" sz="3600" dirty="0" smtClean="0"/>
+              <a:t/>
+            </a:r>
+            <a:br>
+              <a:rPr lang="en-US" altLang="ja-JP" sz="3600" dirty="0" smtClean="0"/>
+            </a:br>
+            <a:r>
+              <a:rPr lang="ja-JP" altLang="en-US" sz="3600" b="1" dirty="0" smtClean="0"/>
+              <a:t>どのようなデータに対して最適か</a:t>
+            </a:r>
+            <a:r>
+              <a:rPr lang="ja-JP" altLang="en-US" sz="3600" dirty="0" smtClean="0"/>
+              <a:t>明らかにする</a:t>
+            </a:r>
+            <a:endParaRPr kumimoji="1" lang="ja-JP" altLang="en-US" sz="3600" dirty="0"/>
+          </a:p>
+        </p:txBody>
+      </p:sp>
+    </p:spTree>
+    <p:extLst>
+      <p:ext uri="{BB962C8B-B14F-4D97-AF65-F5344CB8AC3E}">
+        <p14:creationId xmlns:p14="http://schemas.microsoft.com/office/powerpoint/2010/main" val="2095859735"/>
+      </p:ext>
+    </p:extLst>
+  </p:cSld>
+  <p:clrMapOvr>
+    <a:masterClrMapping/>
+  </p:clrMapOvr>
+  <p:timing>
+    <p:tnLst>
+      <p:par>
+        <p:cTn id="1" dur="indefinite" restart="never" nodeType="tmRoot"/>
+      </p:par>
+    </p:tnLst>
+  </p:timing>
+</p:sld>
+</file>
+
+<file path=ppt/slides/slide5.xml><?xml version="1.0" encoding="utf-8"?>
+<p:sld xmlns:a="http://schemas.openxmlformats.org/drawingml/2006/main" xmlns:r="http://schemas.openxmlformats.org/officeDocument/2006/relationships" xmlns:p="http://schemas.openxmlformats.org/presentationml/2006/main">
+  <p:cSld>
+    <p:spTree>
+      <p:nvGrpSpPr>
+        <p:cNvPr id="1" name=""/>
+        <p:cNvGrpSpPr/>
+        <p:nvPr/>
+      </p:nvGrpSpPr>
+      <p:grpSpPr>
+        <a:xfrm>
+          <a:off x="0" y="0"/>
+          <a:ext cx="0" cy="0"/>
+          <a:chOff x="0" y="0"/>
+          <a:chExt cx="0" cy="0"/>
+        </a:xfrm>
+      </p:grpSpPr>
+      <p:sp>
+        <p:nvSpPr>
+          <p:cNvPr id="2" name="タイトル 1"/>
+          <p:cNvSpPr>
+            <a:spLocks noGrp="1"/>
+          </p:cNvSpPr>
+          <p:nvPr>
+            <p:ph type="title"/>
+          </p:nvPr>
+        </p:nvSpPr>
+        <p:spPr/>
+        <p:txBody>
+          <a:bodyPr/>
+          <a:lstStyle/>
+          <a:p>
+            <a:r>
+              <a:rPr lang="en-US" altLang="ja-JP" i="1" dirty="0"/>
+              <a:t>k</a:t>
+            </a:r>
+            <a:r>
+              <a:rPr kumimoji="1" lang="en-US" altLang="ja-JP" dirty="0" smtClean="0"/>
+              <a:t>-means</a:t>
+            </a:r>
+            <a:endParaRPr kumimoji="1" lang="ja-JP" altLang="en-US" dirty="0"/>
+          </a:p>
+        </p:txBody>
+      </p:sp>
+      <p:pic>
+        <p:nvPicPr>
+          <p:cNvPr id="4" name="コンテンツ プレースホルダー 3"/>
+          <p:cNvPicPr>
+            <a:picLocks noGrp="1" noChangeAspect="1"/>
+          </p:cNvPicPr>
+          <p:nvPr>
+            <p:ph idx="1"/>
+          </p:nvPr>
+        </p:nvPicPr>
+        <p:blipFill>
+          <a:blip r:embed="rId2"/>
+          <a:stretch>
+            <a:fillRect/>
+          </a:stretch>
+        </p:blipFill>
+        <p:spPr>
+          <a:xfrm>
+            <a:off x="1849821" y="1186457"/>
+            <a:ext cx="8492358" cy="2437156"/>
+          </a:xfrm>
+          <a:prstGeom prst="rect">
+            <a:avLst/>
+          </a:prstGeom>
+        </p:spPr>
+      </p:pic>
+      <p:sp>
+        <p:nvSpPr>
+          <p:cNvPr id="5" name="テキスト ボックス 4"/>
+          <p:cNvSpPr txBox="1"/>
+          <p:nvPr/>
+        </p:nvSpPr>
+        <p:spPr>
+          <a:xfrm>
+            <a:off x="428297" y="3882131"/>
+            <a:ext cx="11610871" cy="2677656"/>
+          </a:xfrm>
+          <a:prstGeom prst="rect">
+            <a:avLst/>
+          </a:prstGeom>
+          <a:noFill/>
+        </p:spPr>
+        <p:txBody>
+          <a:bodyPr wrap="none" rtlCol="0">
+            <a:spAutoFit/>
+          </a:bodyPr>
+          <a:lstStyle/>
+          <a:p>
+            <a:pPr marL="514350" indent="-514350">
+              <a:lnSpc>
+                <a:spcPct val="150000"/>
+              </a:lnSpc>
+              <a:buAutoNum type="alphaLcParenBoth"/>
+            </a:pPr>
+            <a:r>
+              <a:rPr kumimoji="1" lang="ja-JP" altLang="en-US" sz="2800" dirty="0" smtClean="0">
+                <a:latin typeface="Meiryo" charset="-128"/>
+                <a:ea typeface="Meiryo" charset="-128"/>
+                <a:cs typeface="Meiryo" charset="-128"/>
+              </a:rPr>
+              <a:t> セントロイドの初期値を選ぶ</a:t>
+            </a:r>
+            <a:endParaRPr kumimoji="1" lang="en-US" altLang="ja-JP" sz="2800" dirty="0" smtClean="0">
+              <a:latin typeface="Meiryo" charset="-128"/>
+              <a:ea typeface="Meiryo" charset="-128"/>
+              <a:cs typeface="Meiryo" charset="-128"/>
+            </a:endParaRPr>
+          </a:p>
+          <a:p>
+            <a:pPr marL="514350" indent="-514350">
+              <a:lnSpc>
+                <a:spcPct val="150000"/>
+              </a:lnSpc>
+              <a:buAutoNum type="alphaLcParenBoth"/>
+            </a:pPr>
+            <a:r>
+              <a:rPr kumimoji="1" lang="ja-JP" altLang="en-US" sz="2800" dirty="0" smtClean="0">
+                <a:latin typeface="Meiryo" charset="-128"/>
+                <a:ea typeface="Meiryo" charset="-128"/>
+                <a:cs typeface="Meiryo" charset="-128"/>
+              </a:rPr>
+              <a:t> セントロイドを固定し，</a:t>
+            </a:r>
+            <a:r>
+              <a:rPr kumimoji="1" lang="ja-JP" altLang="en-US" sz="2800" b="1" dirty="0" smtClean="0">
+                <a:latin typeface="Meiryo" charset="-128"/>
+                <a:ea typeface="Meiryo" charset="-128"/>
+                <a:cs typeface="Meiryo" charset="-128"/>
+              </a:rPr>
+              <a:t>最も近いセントロイドにデータを割り当て</a:t>
+            </a:r>
+            <a:endParaRPr kumimoji="1" lang="en-US" altLang="ja-JP" sz="2800" b="1" dirty="0" smtClean="0">
+              <a:latin typeface="Meiryo" charset="-128"/>
+              <a:ea typeface="Meiryo" charset="-128"/>
+              <a:cs typeface="Meiryo" charset="-128"/>
+            </a:endParaRPr>
+          </a:p>
+          <a:p>
+            <a:pPr marL="514350" indent="-514350">
+              <a:lnSpc>
+                <a:spcPct val="150000"/>
+              </a:lnSpc>
+              <a:buAutoNum type="alphaLcParenBoth"/>
+            </a:pPr>
+            <a:r>
+              <a:rPr lang="ja-JP" altLang="en-US" sz="2800" dirty="0">
+                <a:latin typeface="Meiryo" charset="-128"/>
+                <a:ea typeface="Meiryo" charset="-128"/>
+                <a:cs typeface="Meiryo" charset="-128"/>
+              </a:rPr>
+              <a:t> </a:t>
+            </a:r>
+            <a:r>
+              <a:rPr lang="ja-JP" altLang="en-US" sz="2800" dirty="0" smtClean="0">
+                <a:latin typeface="Meiryo" charset="-128"/>
+                <a:ea typeface="Meiryo" charset="-128"/>
+                <a:cs typeface="Meiryo" charset="-128"/>
+              </a:rPr>
+              <a:t>割り当てられた</a:t>
+            </a:r>
+            <a:r>
+              <a:rPr lang="ja-JP" altLang="en-US" sz="2800" b="1" dirty="0" smtClean="0">
+                <a:latin typeface="Meiryo" charset="-128"/>
+                <a:ea typeface="Meiryo" charset="-128"/>
+                <a:cs typeface="Meiryo" charset="-128"/>
+              </a:rPr>
+              <a:t>データの重心にセントロイドを移動</a:t>
+            </a:r>
+            <a:endParaRPr lang="en-US" altLang="ja-JP" sz="2800" b="1" dirty="0" smtClean="0">
+              <a:latin typeface="Meiryo" charset="-128"/>
+              <a:ea typeface="Meiryo" charset="-128"/>
+              <a:cs typeface="Meiryo" charset="-128"/>
+            </a:endParaRPr>
+          </a:p>
+          <a:p>
+            <a:pPr>
+              <a:lnSpc>
+                <a:spcPct val="150000"/>
+              </a:lnSpc>
+            </a:pPr>
+            <a:r>
+              <a:rPr lang="en-US" altLang="ja-JP" sz="2800" dirty="0" smtClean="0">
+                <a:latin typeface="Meiryo" charset="-128"/>
+                <a:ea typeface="Meiryo" charset="-128"/>
+                <a:cs typeface="Meiryo" charset="-128"/>
+              </a:rPr>
+              <a:t>(*) </a:t>
+            </a:r>
+            <a:r>
+              <a:rPr lang="ja-JP" altLang="en-US" sz="2800" dirty="0" smtClean="0">
+                <a:latin typeface="Meiryo" charset="-128"/>
+                <a:ea typeface="Meiryo" charset="-128"/>
+                <a:cs typeface="Meiryo" charset="-128"/>
+              </a:rPr>
+              <a:t>再割り当てが起こらなくなるまで</a:t>
+            </a:r>
+            <a:r>
+              <a:rPr lang="en-US" altLang="ja-JP" sz="2800" dirty="0" smtClean="0">
+                <a:latin typeface="Meiryo" charset="-128"/>
+                <a:ea typeface="Meiryo" charset="-128"/>
+                <a:cs typeface="Meiryo" charset="-128"/>
+              </a:rPr>
+              <a:t> (b), </a:t>
+            </a:r>
+            <a:r>
+              <a:rPr lang="de-DE" altLang="ja-JP" sz="2800" dirty="0" smtClean="0">
+                <a:latin typeface="Meiryo" charset="-128"/>
+                <a:ea typeface="Meiryo" charset="-128"/>
+                <a:cs typeface="Meiryo" charset="-128"/>
+              </a:rPr>
+              <a:t>(c)</a:t>
+            </a:r>
+            <a:r>
+              <a:rPr lang="ja-JP" altLang="en-US" sz="2800" dirty="0" smtClean="0">
+                <a:latin typeface="Meiryo" charset="-128"/>
+                <a:ea typeface="Meiryo" charset="-128"/>
+                <a:cs typeface="Meiryo" charset="-128"/>
+              </a:rPr>
+              <a:t>を繰り返す</a:t>
+            </a:r>
+            <a:endParaRPr kumimoji="1" lang="ja-JP" altLang="en-US" sz="2800" dirty="0">
+              <a:latin typeface="Meiryo" charset="-128"/>
+              <a:ea typeface="Meiryo" charset="-128"/>
+              <a:cs typeface="Meiryo" charset="-128"/>
+            </a:endParaRPr>
+          </a:p>
+        </p:txBody>
+      </p:sp>
+    </p:spTree>
+    <p:extLst>
+      <p:ext uri="{BB962C8B-B14F-4D97-AF65-F5344CB8AC3E}">
+        <p14:creationId xmlns:p14="http://schemas.microsoft.com/office/powerpoint/2010/main" val="887420006"/>
+      </p:ext>
+    </p:extLst>
+  </p:cSld>
+  <p:clrMapOvr>
+    <a:masterClrMapping/>
+  </p:clrMapOvr>
+  <p:timing>
+    <p:tnLst>
+      <p:par>
+        <p:cTn id="1" dur="indefinite" restart="never" nodeType="tmRoot"/>
+      </p:par>
+    </p:tnLst>
+  </p:timing>
+</p:sld>
+</file>
+
+<file path=ppt/slides/slide6.xml><?xml version="1.0" encoding="utf-8"?>
+<p:sld xmlns:a="http://schemas.openxmlformats.org/drawingml/2006/main" xmlns:r="http://schemas.openxmlformats.org/officeDocument/2006/relationships" xmlns:p="http://schemas.openxmlformats.org/presentationml/2006/main">
+  <p:cSld>
+    <p:spTree>
+      <p:nvGrpSpPr>
+        <p:cNvPr id="1" name=""/>
+        <p:cNvGrpSpPr/>
+        <p:nvPr/>
+      </p:nvGrpSpPr>
+      <p:grpSpPr>
+        <a:xfrm>
+          <a:off x="0" y="0"/>
+          <a:ext cx="0" cy="0"/>
+          <a:chOff x="0" y="0"/>
+          <a:chExt cx="0" cy="0"/>
+        </a:xfrm>
+      </p:grpSpPr>
+      <p:sp>
+        <p:nvSpPr>
+          <p:cNvPr id="2" name="タイトル 1"/>
+          <p:cNvSpPr>
+            <a:spLocks noGrp="1"/>
+          </p:cNvSpPr>
+          <p:nvPr>
+            <p:ph type="title"/>
+          </p:nvPr>
+        </p:nvSpPr>
+        <p:spPr/>
+        <p:txBody>
+          <a:bodyPr/>
+          <a:lstStyle/>
+          <a:p>
+            <a:r>
+              <a:rPr lang="en-US" altLang="ja-JP" dirty="0" smtClean="0"/>
+              <a:t>X-means</a:t>
+            </a:r>
+            <a:endParaRPr kumimoji="1" lang="ja-JP" altLang="en-US" dirty="0"/>
+          </a:p>
+        </p:txBody>
+      </p:sp>
+      <p:sp>
+        <p:nvSpPr>
+          <p:cNvPr id="126" name="正方形/長方形 125"/>
+          <p:cNvSpPr/>
+          <p:nvPr/>
+        </p:nvSpPr>
+        <p:spPr>
+          <a:xfrm>
+            <a:off x="0" y="1587063"/>
+            <a:ext cx="12349655" cy="4524315"/>
+          </a:xfrm>
+          <a:prstGeom prst="rect">
+            <a:avLst/>
+          </a:prstGeom>
+        </p:spPr>
+        <p:txBody>
+          <a:bodyPr wrap="square">
+            <a:spAutoFit/>
+          </a:bodyPr>
+          <a:lstStyle/>
+          <a:p>
+            <a:pPr>
+              <a:lnSpc>
+                <a:spcPct val="150000"/>
+              </a:lnSpc>
+            </a:pPr>
+            <a:r>
+              <a:rPr lang="en-US" altLang="ja-JP" sz="2400" dirty="0" smtClean="0">
+                <a:latin typeface="Meiryo" charset="-128"/>
+                <a:ea typeface="Meiryo" charset="-128"/>
+                <a:cs typeface="Meiryo" charset="-128"/>
+              </a:rPr>
+              <a:t>(1) </a:t>
+            </a:r>
+            <a:r>
+              <a:rPr lang="ja-JP" altLang="en-US" sz="2400" dirty="0" smtClean="0">
+                <a:latin typeface="Meiryo" charset="-128"/>
+                <a:ea typeface="Meiryo" charset="-128"/>
+                <a:cs typeface="Meiryo" charset="-128"/>
+              </a:rPr>
+              <a:t>クラスタ数</a:t>
+            </a:r>
+            <a:r>
+              <a:rPr lang="en-US" altLang="ja-JP" sz="2400" dirty="0" smtClean="0">
+                <a:latin typeface="Meiryo" charset="-128"/>
+                <a:ea typeface="Meiryo" charset="-128"/>
+                <a:cs typeface="Meiryo" charset="-128"/>
+              </a:rPr>
+              <a:t> </a:t>
+            </a:r>
+            <a:r>
+              <a:rPr lang="ja-JP" altLang="en-US" sz="2400" i="1" dirty="0" smtClean="0">
+                <a:latin typeface="Times New Roman" charset="0"/>
+                <a:ea typeface="Times New Roman" charset="0"/>
+                <a:cs typeface="Times New Roman" charset="0"/>
+              </a:rPr>
+              <a:t>k</a:t>
+            </a:r>
+            <a:r>
+              <a:rPr lang="en-US" altLang="ja-JP" sz="2400" i="1" dirty="0" smtClean="0">
+                <a:latin typeface="Times New Roman" charset="0"/>
+                <a:ea typeface="Times New Roman" charset="0"/>
+                <a:cs typeface="Times New Roman" charset="0"/>
+              </a:rPr>
+              <a:t> </a:t>
+            </a:r>
+            <a:r>
+              <a:rPr lang="ja-JP" altLang="en-US" sz="2400" dirty="0" smtClean="0">
+                <a:latin typeface="Meiryo" charset="-128"/>
+                <a:ea typeface="Meiryo" charset="-128"/>
+                <a:cs typeface="Meiryo" charset="-128"/>
+              </a:rPr>
+              <a:t>を</a:t>
+            </a:r>
+            <a:r>
+              <a:rPr lang="ja-JP" altLang="en-US" sz="2400" dirty="0">
+                <a:latin typeface="Meiryo" charset="-128"/>
+                <a:ea typeface="Meiryo" charset="-128"/>
+                <a:cs typeface="Meiryo" charset="-128"/>
+              </a:rPr>
+              <a:t>初期化する (通常</a:t>
+            </a:r>
+            <a:r>
+              <a:rPr lang="ja-JP" altLang="en-US" sz="2400" dirty="0" smtClean="0">
+                <a:latin typeface="Meiryo" charset="-128"/>
+                <a:ea typeface="Meiryo" charset="-128"/>
+                <a:cs typeface="Meiryo" charset="-128"/>
+              </a:rPr>
+              <a:t>は</a:t>
+            </a:r>
+            <a:r>
+              <a:rPr lang="en-US" altLang="ja-JP" sz="2400" dirty="0" smtClean="0">
+                <a:latin typeface="Meiryo" charset="-128"/>
+                <a:ea typeface="Meiryo" charset="-128"/>
+                <a:cs typeface="Meiryo" charset="-128"/>
+              </a:rPr>
+              <a:t> </a:t>
+            </a:r>
+            <a:r>
+              <a:rPr lang="ja-JP" altLang="en-US" sz="2400" i="1" dirty="0" smtClean="0">
+                <a:latin typeface="Times New Roman" charset="0"/>
+                <a:ea typeface="Times New Roman" charset="0"/>
+                <a:cs typeface="Times New Roman" charset="0"/>
+              </a:rPr>
+              <a:t>k</a:t>
+            </a:r>
+            <a:r>
+              <a:rPr lang="en-US" altLang="ja-JP" sz="2400" i="1" dirty="0" smtClean="0">
+                <a:latin typeface="Times New Roman" charset="0"/>
+                <a:ea typeface="Times New Roman" charset="0"/>
+                <a:cs typeface="Times New Roman" charset="0"/>
+              </a:rPr>
+              <a:t> </a:t>
+            </a:r>
+            <a:r>
+              <a:rPr lang="ja-JP" altLang="en-US" sz="2400" dirty="0" smtClean="0">
+                <a:latin typeface="Times New Roman" charset="0"/>
+                <a:ea typeface="Times New Roman" charset="0"/>
+                <a:cs typeface="Times New Roman" charset="0"/>
+              </a:rPr>
+              <a:t>=</a:t>
+            </a:r>
+            <a:r>
+              <a:rPr lang="en-US" altLang="ja-JP" sz="2400" dirty="0" smtClean="0">
+                <a:latin typeface="Times New Roman" charset="0"/>
+                <a:ea typeface="Times New Roman" charset="0"/>
+                <a:cs typeface="Times New Roman" charset="0"/>
+              </a:rPr>
+              <a:t> </a:t>
+            </a:r>
+            <a:r>
+              <a:rPr lang="ja-JP" altLang="en-US" sz="2400" dirty="0" smtClean="0">
+                <a:latin typeface="Times New Roman" charset="0"/>
+                <a:ea typeface="Times New Roman" charset="0"/>
+                <a:cs typeface="Times New Roman" charset="0"/>
+              </a:rPr>
+              <a:t>2</a:t>
+            </a:r>
+            <a:r>
+              <a:rPr lang="ja-JP" altLang="en-US" sz="2400" dirty="0" smtClean="0">
+                <a:latin typeface="Meiryo" charset="-128"/>
+                <a:ea typeface="Meiryo" charset="-128"/>
+                <a:cs typeface="Meiryo" charset="-128"/>
+              </a:rPr>
+              <a:t>) ．</a:t>
+            </a:r>
+            <a:endParaRPr lang="en-US" altLang="ja-JP" sz="2400" dirty="0" smtClean="0">
+              <a:latin typeface="Meiryo" charset="-128"/>
+              <a:ea typeface="Meiryo" charset="-128"/>
+              <a:cs typeface="Meiryo" charset="-128"/>
+            </a:endParaRPr>
+          </a:p>
+          <a:p>
+            <a:pPr>
+              <a:lnSpc>
+                <a:spcPct val="150000"/>
+              </a:lnSpc>
+            </a:pPr>
+            <a:r>
+              <a:rPr lang="en-US" altLang="ja-JP" sz="2400" dirty="0" smtClean="0">
+                <a:latin typeface="Meiryo" charset="-128"/>
+                <a:ea typeface="Meiryo" charset="-128"/>
+                <a:cs typeface="Meiryo" charset="-128"/>
+              </a:rPr>
+              <a:t>(2)</a:t>
+            </a:r>
+            <a:r>
+              <a:rPr lang="en-US" altLang="ja-JP" sz="2400" i="1" dirty="0" smtClean="0">
+                <a:latin typeface="Meiryo" charset="-128"/>
+                <a:ea typeface="Meiryo" charset="-128"/>
+                <a:cs typeface="Meiryo" charset="-128"/>
+              </a:rPr>
+              <a:t> </a:t>
+            </a:r>
+            <a:r>
+              <a:rPr lang="ja-JP" altLang="en-US" sz="2400" i="1" dirty="0" smtClean="0">
+                <a:latin typeface="Meiryo" charset="-128"/>
+                <a:ea typeface="Meiryo" charset="-128"/>
+                <a:cs typeface="Meiryo" charset="-128"/>
+              </a:rPr>
+              <a:t>k</a:t>
+            </a:r>
+            <a:r>
+              <a:rPr lang="ja-JP" altLang="en-US" sz="2400" dirty="0" smtClean="0">
+                <a:latin typeface="Meiryo" charset="-128"/>
+                <a:ea typeface="Meiryo" charset="-128"/>
+                <a:cs typeface="Meiryo" charset="-128"/>
+              </a:rPr>
+              <a:t>-means</a:t>
+            </a:r>
+            <a:r>
+              <a:rPr lang="en-US" altLang="ja-JP" sz="2400" dirty="0" smtClean="0">
+                <a:latin typeface="Meiryo" charset="-128"/>
+                <a:ea typeface="Meiryo" charset="-128"/>
+                <a:cs typeface="Meiryo" charset="-128"/>
+              </a:rPr>
+              <a:t> </a:t>
+            </a:r>
+            <a:r>
+              <a:rPr lang="ja-JP" altLang="en-US" sz="2400" dirty="0" smtClean="0">
+                <a:latin typeface="Meiryo" charset="-128"/>
+                <a:ea typeface="Meiryo" charset="-128"/>
+                <a:cs typeface="Meiryo" charset="-128"/>
+              </a:rPr>
+              <a:t>を</a:t>
+            </a:r>
+            <a:r>
+              <a:rPr lang="ja-JP" altLang="en-US" sz="2400" dirty="0">
+                <a:latin typeface="Meiryo" charset="-128"/>
+                <a:ea typeface="Meiryo" charset="-128"/>
+                <a:cs typeface="Meiryo" charset="-128"/>
+              </a:rPr>
+              <a:t>実行</a:t>
+            </a:r>
+            <a:r>
+              <a:rPr lang="ja-JP" altLang="en-US" sz="2400" dirty="0" smtClean="0">
+                <a:latin typeface="Meiryo" charset="-128"/>
+                <a:ea typeface="Meiryo" charset="-128"/>
+                <a:cs typeface="Meiryo" charset="-128"/>
+              </a:rPr>
+              <a:t>する．</a:t>
+            </a:r>
+            <a:endParaRPr lang="en-US" altLang="ja-JP" sz="2400" dirty="0" smtClean="0">
+              <a:latin typeface="Meiryo" charset="-128"/>
+              <a:ea typeface="Meiryo" charset="-128"/>
+              <a:cs typeface="Meiryo" charset="-128"/>
+            </a:endParaRPr>
+          </a:p>
+          <a:p>
+            <a:pPr>
+              <a:lnSpc>
+                <a:spcPct val="150000"/>
+              </a:lnSpc>
+            </a:pPr>
+            <a:r>
+              <a:rPr lang="en-US" altLang="ja-JP" sz="2400" dirty="0" smtClean="0">
+                <a:latin typeface="Meiryo" charset="-128"/>
+                <a:ea typeface="Meiryo" charset="-128"/>
+                <a:cs typeface="Meiryo" charset="-128"/>
+              </a:rPr>
+              <a:t>(3) </a:t>
+            </a:r>
+            <a:r>
+              <a:rPr lang="ja-JP" altLang="en-US" sz="2400" dirty="0" smtClean="0">
+                <a:latin typeface="Meiryo" charset="-128"/>
+                <a:ea typeface="Meiryo" charset="-128"/>
+                <a:cs typeface="Meiryo" charset="-128"/>
+              </a:rPr>
+              <a:t>次</a:t>
+            </a:r>
+            <a:r>
+              <a:rPr lang="ja-JP" altLang="en-US" sz="2400" dirty="0">
+                <a:latin typeface="Meiryo" charset="-128"/>
+                <a:ea typeface="Meiryo" charset="-128"/>
+                <a:cs typeface="Meiryo" charset="-128"/>
+              </a:rPr>
+              <a:t>の処理</a:t>
+            </a:r>
+            <a:r>
+              <a:rPr lang="ja-JP" altLang="en-US" sz="2400" dirty="0" smtClean="0">
+                <a:latin typeface="Meiryo" charset="-128"/>
+                <a:ea typeface="Meiryo" charset="-128"/>
+                <a:cs typeface="Meiryo" charset="-128"/>
+              </a:rPr>
+              <a:t>を</a:t>
+            </a:r>
+            <a:r>
+              <a:rPr lang="en-US" altLang="ja-JP" sz="2400" dirty="0" smtClean="0">
+                <a:latin typeface="Meiryo" charset="-128"/>
+                <a:ea typeface="Meiryo" charset="-128"/>
+                <a:cs typeface="Meiryo" charset="-128"/>
+              </a:rPr>
+              <a:t> </a:t>
+            </a:r>
+            <a:r>
+              <a:rPr lang="ja-JP" altLang="en-US" sz="2400" i="1" dirty="0" smtClean="0">
+                <a:latin typeface="Times New Roman" charset="0"/>
+                <a:ea typeface="Times New Roman" charset="0"/>
+                <a:cs typeface="Times New Roman" charset="0"/>
+              </a:rPr>
+              <a:t>j</a:t>
+            </a:r>
+            <a:r>
+              <a:rPr lang="en-US" altLang="ja-JP" sz="2400" i="1" dirty="0" smtClean="0">
+                <a:latin typeface="Times New Roman" charset="0"/>
+                <a:ea typeface="Times New Roman" charset="0"/>
+                <a:cs typeface="Times New Roman" charset="0"/>
+              </a:rPr>
+              <a:t> </a:t>
+            </a:r>
+            <a:r>
+              <a:rPr lang="ja-JP" altLang="en-US" sz="2400" dirty="0" smtClean="0">
+                <a:latin typeface="Times New Roman" charset="0"/>
+                <a:ea typeface="Times New Roman" charset="0"/>
+                <a:cs typeface="Times New Roman" charset="0"/>
+              </a:rPr>
+              <a:t>=</a:t>
+            </a:r>
+            <a:r>
+              <a:rPr lang="en-US" altLang="ja-JP" sz="2400" dirty="0" smtClean="0">
+                <a:latin typeface="Times New Roman" charset="0"/>
+                <a:ea typeface="Times New Roman" charset="0"/>
+                <a:cs typeface="Times New Roman" charset="0"/>
+              </a:rPr>
+              <a:t> </a:t>
+            </a:r>
+            <a:r>
+              <a:rPr lang="ja-JP" altLang="en-US" sz="2400" dirty="0" smtClean="0">
+                <a:latin typeface="Times New Roman" charset="0"/>
+                <a:ea typeface="Times New Roman" charset="0"/>
+                <a:cs typeface="Times New Roman" charset="0"/>
+              </a:rPr>
+              <a:t>1</a:t>
+            </a:r>
+            <a:r>
+              <a:rPr lang="en-US" altLang="ja-JP" sz="2400" dirty="0" smtClean="0">
+                <a:latin typeface="Times New Roman" charset="0"/>
+                <a:ea typeface="Times New Roman" charset="0"/>
+                <a:cs typeface="Times New Roman" charset="0"/>
+              </a:rPr>
+              <a:t> </a:t>
+            </a:r>
+            <a:r>
+              <a:rPr lang="ja-JP" altLang="en-US" sz="2400" dirty="0" smtClean="0">
+                <a:latin typeface="Meiryo" charset="-128"/>
+                <a:ea typeface="Meiryo" charset="-128"/>
+                <a:cs typeface="Meiryo" charset="-128"/>
+              </a:rPr>
+              <a:t>から</a:t>
+            </a:r>
+            <a:r>
+              <a:rPr lang="en-US" altLang="ja-JP" sz="2400" dirty="0" smtClean="0">
+                <a:latin typeface="Meiryo" charset="-128"/>
+                <a:ea typeface="Meiryo" charset="-128"/>
+                <a:cs typeface="Meiryo" charset="-128"/>
+              </a:rPr>
+              <a:t> </a:t>
+            </a:r>
+            <a:r>
+              <a:rPr lang="ja-JP" altLang="en-US" sz="2400" i="1" dirty="0" smtClean="0">
+                <a:latin typeface="Times New Roman" charset="0"/>
+                <a:ea typeface="Times New Roman" charset="0"/>
+                <a:cs typeface="Times New Roman" charset="0"/>
+              </a:rPr>
+              <a:t>j</a:t>
+            </a:r>
+            <a:r>
+              <a:rPr lang="en-US" altLang="ja-JP" sz="2400" dirty="0" smtClean="0">
+                <a:latin typeface="Times New Roman" charset="0"/>
+                <a:ea typeface="Times New Roman" charset="0"/>
+                <a:cs typeface="Times New Roman" charset="0"/>
+              </a:rPr>
+              <a:t> </a:t>
+            </a:r>
+            <a:r>
+              <a:rPr lang="ja-JP" altLang="en-US" sz="2400" dirty="0" smtClean="0">
+                <a:latin typeface="Times New Roman" charset="0"/>
+                <a:ea typeface="Times New Roman" charset="0"/>
+                <a:cs typeface="Times New Roman" charset="0"/>
+              </a:rPr>
+              <a:t>=</a:t>
+            </a:r>
+            <a:r>
+              <a:rPr lang="en-US" altLang="ja-JP" sz="2400" dirty="0" smtClean="0">
+                <a:latin typeface="Times New Roman" charset="0"/>
+                <a:ea typeface="Times New Roman" charset="0"/>
+                <a:cs typeface="Times New Roman" charset="0"/>
+              </a:rPr>
+              <a:t> </a:t>
+            </a:r>
+            <a:r>
+              <a:rPr lang="ja-JP" altLang="en-US" sz="2400" i="1" dirty="0" smtClean="0">
+                <a:latin typeface="Times New Roman" charset="0"/>
+                <a:ea typeface="Times New Roman" charset="0"/>
+                <a:cs typeface="Times New Roman" charset="0"/>
+              </a:rPr>
+              <a:t>k</a:t>
+            </a:r>
+            <a:r>
+              <a:rPr lang="en-US" altLang="ja-JP" sz="2400" i="1" dirty="0" smtClean="0">
+                <a:latin typeface="Times New Roman" charset="0"/>
+                <a:ea typeface="Times New Roman" charset="0"/>
+                <a:cs typeface="Times New Roman" charset="0"/>
+              </a:rPr>
+              <a:t> </a:t>
+            </a:r>
+            <a:r>
+              <a:rPr lang="ja-JP" altLang="en-US" sz="2400" dirty="0" smtClean="0">
+                <a:latin typeface="Meiryo" charset="-128"/>
+                <a:ea typeface="Meiryo" charset="-128"/>
+                <a:cs typeface="Meiryo" charset="-128"/>
+              </a:rPr>
+              <a:t>まで繰り返す．</a:t>
+            </a:r>
+            <a:endParaRPr lang="en-US" altLang="ja-JP" sz="2400" dirty="0" smtClean="0">
+              <a:latin typeface="Meiryo" charset="-128"/>
+              <a:ea typeface="Meiryo" charset="-128"/>
+              <a:cs typeface="Meiryo" charset="-128"/>
+            </a:endParaRPr>
+          </a:p>
+          <a:p>
+            <a:pPr>
+              <a:lnSpc>
+                <a:spcPct val="150000"/>
+              </a:lnSpc>
+            </a:pPr>
+            <a:r>
+              <a:rPr lang="en-US" altLang="ja-JP" sz="2400" dirty="0">
+                <a:latin typeface="Meiryo" charset="-128"/>
+                <a:ea typeface="Meiryo" charset="-128"/>
+                <a:cs typeface="Meiryo" charset="-128"/>
+              </a:rPr>
+              <a:t>	</a:t>
+            </a:r>
+            <a:r>
+              <a:rPr lang="en-US" altLang="ja-JP" sz="2400" dirty="0" smtClean="0">
+                <a:latin typeface="Meiryo" charset="-128"/>
+                <a:ea typeface="Meiryo" charset="-128"/>
+                <a:cs typeface="Meiryo" charset="-128"/>
+              </a:rPr>
+              <a:t>(a) </a:t>
+            </a:r>
+            <a:r>
+              <a:rPr lang="ja-JP" altLang="en-US" sz="2400" dirty="0" smtClean="0">
+                <a:latin typeface="Meiryo" charset="-128"/>
+                <a:ea typeface="Meiryo" charset="-128"/>
+                <a:cs typeface="Meiryo" charset="-128"/>
+              </a:rPr>
+              <a:t>クラスタ</a:t>
+            </a:r>
+            <a:r>
+              <a:rPr lang="en-US" altLang="ja-JP" sz="2400" dirty="0" smtClean="0">
+                <a:latin typeface="Meiryo" charset="-128"/>
+                <a:ea typeface="Meiryo" charset="-128"/>
+                <a:cs typeface="Meiryo" charset="-128"/>
+              </a:rPr>
+              <a:t> </a:t>
+            </a:r>
+            <a:r>
+              <a:rPr lang="ja-JP" altLang="en-US" sz="2400" i="1" dirty="0" smtClean="0">
+                <a:latin typeface="Times New Roman" charset="0"/>
+                <a:ea typeface="Times New Roman" charset="0"/>
+                <a:cs typeface="Times New Roman" charset="0"/>
+              </a:rPr>
+              <a:t>j</a:t>
+            </a:r>
+            <a:r>
+              <a:rPr lang="en-US" altLang="ja-JP" sz="2400" dirty="0" smtClean="0">
+                <a:latin typeface="Times New Roman" charset="0"/>
+                <a:ea typeface="Times New Roman" charset="0"/>
+                <a:cs typeface="Times New Roman" charset="0"/>
+              </a:rPr>
+              <a:t> </a:t>
+            </a:r>
+            <a:r>
+              <a:rPr lang="ja-JP" altLang="en-US" sz="2400" dirty="0" smtClean="0">
+                <a:latin typeface="Meiryo" charset="-128"/>
+                <a:ea typeface="Meiryo" charset="-128"/>
+                <a:cs typeface="Meiryo" charset="-128"/>
+              </a:rPr>
+              <a:t>の</a:t>
+            </a:r>
+            <a:r>
+              <a:rPr lang="en-US" altLang="ja-JP" sz="2400" dirty="0" smtClean="0">
+                <a:latin typeface="Meiryo" charset="-128"/>
+                <a:ea typeface="Meiryo" charset="-128"/>
+                <a:cs typeface="Meiryo" charset="-128"/>
+              </a:rPr>
+              <a:t> </a:t>
+            </a:r>
+            <a:r>
+              <a:rPr lang="ja-JP" altLang="en-US" sz="2400" dirty="0" smtClean="0">
+                <a:latin typeface="Meiryo" charset="-128"/>
+                <a:ea typeface="Meiryo" charset="-128"/>
+                <a:cs typeface="Meiryo" charset="-128"/>
+              </a:rPr>
+              <a:t>BIC</a:t>
+            </a:r>
+            <a:r>
+              <a:rPr lang="ja-JP" altLang="en-US" sz="2400" baseline="-25000" dirty="0" smtClean="0">
+                <a:latin typeface="Meiryo" charset="-128"/>
+                <a:ea typeface="Meiryo" charset="-128"/>
+                <a:cs typeface="Meiryo" charset="-128"/>
+              </a:rPr>
+              <a:t>j</a:t>
+            </a:r>
+            <a:r>
+              <a:rPr lang="en-US" altLang="ja-JP" sz="2400" baseline="-25000" dirty="0" smtClean="0">
+                <a:latin typeface="Meiryo" charset="-128"/>
+                <a:ea typeface="Meiryo" charset="-128"/>
+                <a:cs typeface="Meiryo" charset="-128"/>
+              </a:rPr>
+              <a:t> </a:t>
+            </a:r>
+            <a:r>
+              <a:rPr lang="ja-JP" altLang="en-US" sz="2400" dirty="0" smtClean="0">
+                <a:latin typeface="Meiryo" charset="-128"/>
+                <a:ea typeface="Meiryo" charset="-128"/>
+                <a:cs typeface="Meiryo" charset="-128"/>
+              </a:rPr>
+              <a:t>を</a:t>
+            </a:r>
+            <a:r>
+              <a:rPr lang="ja-JP" altLang="en-US" sz="2400" dirty="0">
+                <a:latin typeface="Meiryo" charset="-128"/>
+                <a:ea typeface="Meiryo" charset="-128"/>
+                <a:cs typeface="Meiryo" charset="-128"/>
+              </a:rPr>
+              <a:t>計算する</a:t>
+            </a:r>
+            <a:r>
+              <a:rPr lang="ja-JP" altLang="en-US" sz="2400" dirty="0" smtClean="0">
+                <a:latin typeface="Meiryo" charset="-128"/>
+                <a:ea typeface="Meiryo" charset="-128"/>
+                <a:cs typeface="Meiryo" charset="-128"/>
+              </a:rPr>
+              <a:t>．</a:t>
+            </a:r>
+            <a:endParaRPr lang="en-US" altLang="ja-JP" sz="2400" dirty="0" smtClean="0">
+              <a:latin typeface="Meiryo" charset="-128"/>
+              <a:ea typeface="Meiryo" charset="-128"/>
+              <a:cs typeface="Meiryo" charset="-128"/>
+            </a:endParaRPr>
+          </a:p>
+          <a:p>
+            <a:pPr>
+              <a:lnSpc>
+                <a:spcPct val="150000"/>
+              </a:lnSpc>
+            </a:pPr>
+            <a:r>
+              <a:rPr lang="en-US" altLang="ja-JP" sz="2400" dirty="0">
+                <a:latin typeface="Meiryo" charset="-128"/>
+                <a:ea typeface="Meiryo" charset="-128"/>
+                <a:cs typeface="Meiryo" charset="-128"/>
+              </a:rPr>
+              <a:t>	</a:t>
+            </a:r>
+            <a:r>
+              <a:rPr lang="en-US" altLang="ja-JP" sz="2400" dirty="0" smtClean="0">
+                <a:latin typeface="Meiryo" charset="-128"/>
+                <a:ea typeface="Meiryo" charset="-128"/>
+                <a:cs typeface="Meiryo" charset="-128"/>
+              </a:rPr>
+              <a:t>(b) </a:t>
+            </a:r>
+            <a:r>
+              <a:rPr lang="ja-JP" altLang="en-US" sz="2400" dirty="0" smtClean="0">
+                <a:latin typeface="Meiryo" charset="-128"/>
+                <a:ea typeface="Meiryo" charset="-128"/>
+                <a:cs typeface="Meiryo" charset="-128"/>
+              </a:rPr>
+              <a:t>クラスタ</a:t>
+            </a:r>
+            <a:r>
+              <a:rPr lang="en-US" altLang="ja-JP" sz="2400" dirty="0" smtClean="0">
+                <a:latin typeface="Meiryo" charset="-128"/>
+                <a:ea typeface="Meiryo" charset="-128"/>
+                <a:cs typeface="Meiryo" charset="-128"/>
+              </a:rPr>
+              <a:t> </a:t>
+            </a:r>
+            <a:r>
+              <a:rPr lang="ja-JP" altLang="en-US" sz="2400" i="1" dirty="0" smtClean="0">
+                <a:latin typeface="Times New Roman" charset="0"/>
+                <a:ea typeface="Times New Roman" charset="0"/>
+                <a:cs typeface="Times New Roman" charset="0"/>
+              </a:rPr>
+              <a:t>j</a:t>
+            </a:r>
+            <a:r>
+              <a:rPr lang="en-US" altLang="ja-JP" sz="2400" dirty="0" smtClean="0">
+                <a:latin typeface="Times New Roman" charset="0"/>
+                <a:ea typeface="Times New Roman" charset="0"/>
+                <a:cs typeface="Times New Roman" charset="0"/>
+              </a:rPr>
+              <a:t> </a:t>
+            </a:r>
+            <a:r>
+              <a:rPr lang="ja-JP" altLang="en-US" sz="2400" dirty="0" smtClean="0">
+                <a:latin typeface="Meiryo" charset="-128"/>
+                <a:ea typeface="Meiryo" charset="-128"/>
+                <a:cs typeface="Meiryo" charset="-128"/>
+              </a:rPr>
+              <a:t>に</a:t>
+            </a:r>
+            <a:r>
+              <a:rPr lang="ja-JP" altLang="en-US" sz="2400" dirty="0">
+                <a:latin typeface="Meiryo" charset="-128"/>
+                <a:ea typeface="Meiryo" charset="-128"/>
+                <a:cs typeface="Meiryo" charset="-128"/>
+              </a:rPr>
+              <a:t>所属するデータに対し，クラスタ数2と</a:t>
+            </a:r>
+            <a:r>
+              <a:rPr lang="ja-JP" altLang="en-US" sz="2400" dirty="0" smtClean="0">
+                <a:latin typeface="Meiryo" charset="-128"/>
+                <a:ea typeface="Meiryo" charset="-128"/>
+                <a:cs typeface="Meiryo" charset="-128"/>
+              </a:rPr>
+              <a:t>して</a:t>
+            </a:r>
+            <a:r>
+              <a:rPr lang="en-US" altLang="ja-JP" sz="2400" dirty="0" smtClean="0">
+                <a:latin typeface="Meiryo" charset="-128"/>
+                <a:ea typeface="Meiryo" charset="-128"/>
+                <a:cs typeface="Meiryo" charset="-128"/>
+              </a:rPr>
+              <a:t> </a:t>
+            </a:r>
+            <a:r>
+              <a:rPr lang="ja-JP" altLang="en-US" sz="2400" i="1" dirty="0" smtClean="0">
+                <a:latin typeface="Meiryo" charset="-128"/>
+                <a:ea typeface="Meiryo" charset="-128"/>
+                <a:cs typeface="Meiryo" charset="-128"/>
+              </a:rPr>
+              <a:t>k</a:t>
+            </a:r>
+            <a:r>
+              <a:rPr lang="ja-JP" altLang="en-US" sz="2400" dirty="0" smtClean="0">
+                <a:latin typeface="Meiryo" charset="-128"/>
+                <a:ea typeface="Meiryo" charset="-128"/>
+                <a:cs typeface="Meiryo" charset="-128"/>
+              </a:rPr>
+              <a:t>-means</a:t>
+            </a:r>
+            <a:r>
+              <a:rPr lang="en-US" altLang="ja-JP" sz="2400" dirty="0" smtClean="0">
+                <a:latin typeface="Meiryo" charset="-128"/>
+                <a:ea typeface="Meiryo" charset="-128"/>
+                <a:cs typeface="Meiryo" charset="-128"/>
+              </a:rPr>
+              <a:t> </a:t>
+            </a:r>
+            <a:r>
+              <a:rPr lang="ja-JP" altLang="en-US" sz="2400" dirty="0" smtClean="0">
+                <a:latin typeface="Meiryo" charset="-128"/>
+                <a:ea typeface="Meiryo" charset="-128"/>
+                <a:cs typeface="Meiryo" charset="-128"/>
+              </a:rPr>
+              <a:t>を</a:t>
+            </a:r>
+            <a:r>
+              <a:rPr lang="ja-JP" altLang="en-US" sz="2400" dirty="0">
+                <a:latin typeface="Meiryo" charset="-128"/>
+                <a:ea typeface="Meiryo" charset="-128"/>
+                <a:cs typeface="Meiryo" charset="-128"/>
+              </a:rPr>
+              <a:t>行う</a:t>
+            </a:r>
+            <a:r>
+              <a:rPr lang="ja-JP" altLang="en-US" sz="2400" dirty="0" smtClean="0">
+                <a:latin typeface="Meiryo" charset="-128"/>
+                <a:ea typeface="Meiryo" charset="-128"/>
+                <a:cs typeface="Meiryo" charset="-128"/>
+              </a:rPr>
+              <a:t>．</a:t>
+            </a:r>
+            <a:endParaRPr lang="en-US" altLang="ja-JP" sz="2400" dirty="0" smtClean="0">
+              <a:latin typeface="Meiryo" charset="-128"/>
+              <a:ea typeface="Meiryo" charset="-128"/>
+              <a:cs typeface="Meiryo" charset="-128"/>
+            </a:endParaRPr>
+          </a:p>
+          <a:p>
+            <a:pPr>
+              <a:lnSpc>
+                <a:spcPct val="150000"/>
+              </a:lnSpc>
+            </a:pPr>
+            <a:r>
+              <a:rPr lang="en-US" altLang="ja-JP" sz="2400" dirty="0" smtClean="0">
+                <a:latin typeface="Meiryo" charset="-128"/>
+                <a:ea typeface="Meiryo" charset="-128"/>
+                <a:cs typeface="Meiryo" charset="-128"/>
+              </a:rPr>
+              <a:t>	</a:t>
+            </a:r>
+            <a:r>
+              <a:rPr lang="de-DE" altLang="ja-JP" sz="2400" dirty="0" smtClean="0">
+                <a:latin typeface="Meiryo" charset="-128"/>
+                <a:ea typeface="Meiryo" charset="-128"/>
+                <a:cs typeface="Meiryo" charset="-128"/>
+              </a:rPr>
+              <a:t>(c) </a:t>
+            </a:r>
+            <a:r>
+              <a:rPr lang="ja-JP" altLang="en-US" sz="2400" dirty="0" smtClean="0">
+                <a:latin typeface="Meiryo" charset="-128"/>
+                <a:ea typeface="Meiryo" charset="-128"/>
+                <a:cs typeface="Meiryo" charset="-128"/>
+              </a:rPr>
+              <a:t>クラスタ</a:t>
+            </a:r>
+            <a:r>
+              <a:rPr lang="ja-JP" altLang="en-US" sz="2400" dirty="0">
+                <a:latin typeface="Meiryo" charset="-128"/>
+                <a:ea typeface="Meiryo" charset="-128"/>
+                <a:cs typeface="Meiryo" charset="-128"/>
+              </a:rPr>
+              <a:t>数2としてクラスタリングした結果に</a:t>
+            </a:r>
+            <a:r>
+              <a:rPr lang="ja-JP" altLang="en-US" sz="2400" dirty="0" smtClean="0">
+                <a:latin typeface="Meiryo" charset="-128"/>
+                <a:ea typeface="Meiryo" charset="-128"/>
+                <a:cs typeface="Meiryo" charset="-128"/>
+              </a:rPr>
+              <a:t>対し</a:t>
+            </a:r>
+            <a:r>
+              <a:rPr lang="en-US" altLang="ja-JP" sz="2400" dirty="0" smtClean="0">
+                <a:latin typeface="Meiryo" charset="-128"/>
+                <a:ea typeface="Meiryo" charset="-128"/>
+                <a:cs typeface="Meiryo" charset="-128"/>
+              </a:rPr>
+              <a:t> </a:t>
+            </a:r>
+            <a:r>
+              <a:rPr lang="ja-JP" altLang="en-US" sz="2400" dirty="0" smtClean="0">
+                <a:latin typeface="Meiryo" charset="-128"/>
+                <a:ea typeface="Meiryo" charset="-128"/>
+                <a:cs typeface="Meiryo" charset="-128"/>
+              </a:rPr>
+              <a:t>BIC'</a:t>
+            </a:r>
+            <a:r>
+              <a:rPr lang="ja-JP" altLang="en-US" sz="2400" i="1" baseline="-25000" dirty="0" smtClean="0">
+                <a:latin typeface="Meiryo" charset="-128"/>
+                <a:ea typeface="Meiryo" charset="-128"/>
+                <a:cs typeface="Meiryo" charset="-128"/>
+              </a:rPr>
+              <a:t>j</a:t>
+            </a:r>
+            <a:r>
+              <a:rPr lang="en-US" altLang="ja-JP" sz="2400" i="1" baseline="-25000" dirty="0" smtClean="0">
+                <a:latin typeface="Meiryo" charset="-128"/>
+                <a:ea typeface="Meiryo" charset="-128"/>
+                <a:cs typeface="Meiryo" charset="-128"/>
+              </a:rPr>
+              <a:t> </a:t>
+            </a:r>
+            <a:r>
+              <a:rPr lang="ja-JP" altLang="en-US" sz="2400" dirty="0" smtClean="0">
+                <a:latin typeface="Meiryo" charset="-128"/>
+                <a:ea typeface="Meiryo" charset="-128"/>
+                <a:cs typeface="Meiryo" charset="-128"/>
+              </a:rPr>
+              <a:t>を</a:t>
+            </a:r>
+            <a:r>
+              <a:rPr lang="ja-JP" altLang="en-US" sz="2400" dirty="0">
+                <a:latin typeface="Meiryo" charset="-128"/>
+                <a:ea typeface="Meiryo" charset="-128"/>
+                <a:cs typeface="Meiryo" charset="-128"/>
+              </a:rPr>
+              <a:t>計算する</a:t>
+            </a:r>
+            <a:r>
+              <a:rPr lang="ja-JP" altLang="en-US" sz="2400" dirty="0" smtClean="0">
+                <a:latin typeface="Meiryo" charset="-128"/>
+                <a:ea typeface="Meiryo" charset="-128"/>
+                <a:cs typeface="Meiryo" charset="-128"/>
+              </a:rPr>
+              <a:t>．</a:t>
+            </a:r>
+            <a:endParaRPr lang="en-US" altLang="ja-JP" sz="2400" dirty="0" smtClean="0">
+              <a:latin typeface="Meiryo" charset="-128"/>
+              <a:ea typeface="Meiryo" charset="-128"/>
+              <a:cs typeface="Meiryo" charset="-128"/>
+            </a:endParaRPr>
+          </a:p>
+          <a:p>
+            <a:pPr>
+              <a:lnSpc>
+                <a:spcPct val="150000"/>
+              </a:lnSpc>
+            </a:pPr>
+            <a:r>
+              <a:rPr lang="en-US" altLang="ja-JP" sz="2400" dirty="0" smtClean="0">
+                <a:latin typeface="Meiryo" charset="-128"/>
+                <a:ea typeface="Meiryo" charset="-128"/>
+                <a:cs typeface="Meiryo" charset="-128"/>
+              </a:rPr>
+              <a:t>	(d) </a:t>
+            </a:r>
+            <a:r>
+              <a:rPr lang="ja-JP" altLang="en-US" sz="2400" dirty="0" smtClean="0">
+                <a:latin typeface="Meiryo" charset="-128"/>
+                <a:ea typeface="Meiryo" charset="-128"/>
+                <a:cs typeface="Meiryo" charset="-128"/>
+              </a:rPr>
+              <a:t>BIC</a:t>
+            </a:r>
+            <a:r>
+              <a:rPr lang="ja-JP" altLang="en-US" sz="2400" i="1" baseline="-25000" dirty="0" smtClean="0">
+                <a:latin typeface="Meiryo" charset="-128"/>
+                <a:ea typeface="Meiryo" charset="-128"/>
+                <a:cs typeface="Meiryo" charset="-128"/>
+              </a:rPr>
+              <a:t>j</a:t>
+            </a:r>
+            <a:r>
+              <a:rPr lang="en-US" altLang="ja-JP" sz="2400" i="1" baseline="-25000" dirty="0" smtClean="0">
+                <a:latin typeface="Meiryo" charset="-128"/>
+                <a:ea typeface="Meiryo" charset="-128"/>
+                <a:cs typeface="Meiryo" charset="-128"/>
+              </a:rPr>
+              <a:t> </a:t>
+            </a:r>
+            <a:r>
+              <a:rPr lang="ja-JP" altLang="en-US" sz="2400" dirty="0" smtClean="0">
+                <a:latin typeface="Meiryo" charset="-128"/>
+                <a:ea typeface="Meiryo" charset="-128"/>
+                <a:cs typeface="Meiryo" charset="-128"/>
+              </a:rPr>
+              <a:t>と</a:t>
+            </a:r>
+            <a:r>
+              <a:rPr lang="en-US" altLang="ja-JP" sz="2400" dirty="0" smtClean="0">
+                <a:latin typeface="Meiryo" charset="-128"/>
+                <a:ea typeface="Meiryo" charset="-128"/>
+                <a:cs typeface="Meiryo" charset="-128"/>
+              </a:rPr>
+              <a:t> </a:t>
+            </a:r>
+            <a:r>
+              <a:rPr lang="ja-JP" altLang="en-US" sz="2400" dirty="0" smtClean="0">
+                <a:latin typeface="Meiryo" charset="-128"/>
+                <a:ea typeface="Meiryo" charset="-128"/>
+                <a:cs typeface="Meiryo" charset="-128"/>
+              </a:rPr>
+              <a:t>BIC‘</a:t>
+            </a:r>
+            <a:r>
+              <a:rPr lang="ja-JP" altLang="en-US" sz="2400" i="1" baseline="-25000" dirty="0" smtClean="0">
+                <a:latin typeface="Meiryo" charset="-128"/>
+                <a:ea typeface="Meiryo" charset="-128"/>
+                <a:cs typeface="Meiryo" charset="-128"/>
+              </a:rPr>
+              <a:t>j</a:t>
+            </a:r>
+            <a:r>
+              <a:rPr lang="en-US" altLang="ja-JP" sz="2400" i="1" baseline="-25000" dirty="0" smtClean="0">
+                <a:latin typeface="Meiryo" charset="-128"/>
+                <a:ea typeface="Meiryo" charset="-128"/>
+                <a:cs typeface="Meiryo" charset="-128"/>
+              </a:rPr>
+              <a:t> </a:t>
+            </a:r>
+            <a:r>
+              <a:rPr lang="ja-JP" altLang="en-US" sz="2400" dirty="0" smtClean="0">
+                <a:latin typeface="Meiryo" charset="-128"/>
+                <a:ea typeface="Meiryo" charset="-128"/>
+                <a:cs typeface="Meiryo" charset="-128"/>
+              </a:rPr>
+              <a:t>を</a:t>
+            </a:r>
+            <a:r>
+              <a:rPr lang="ja-JP" altLang="en-US" sz="2400" dirty="0">
+                <a:latin typeface="Meiryo" charset="-128"/>
+                <a:ea typeface="Meiryo" charset="-128"/>
+                <a:cs typeface="Meiryo" charset="-128"/>
+              </a:rPr>
+              <a:t>比較し，</a:t>
+            </a:r>
+            <a:r>
+              <a:rPr lang="ja-JP" altLang="en-US" sz="2400" dirty="0" smtClean="0">
+                <a:latin typeface="Meiryo" charset="-128"/>
+                <a:ea typeface="Meiryo" charset="-128"/>
+                <a:cs typeface="Meiryo" charset="-128"/>
+              </a:rPr>
+              <a:t>BIC’</a:t>
+            </a:r>
+            <a:r>
+              <a:rPr lang="ja-JP" altLang="en-US" sz="2400" i="1" baseline="-25000" dirty="0" smtClean="0">
+                <a:latin typeface="Meiryo" charset="-128"/>
+                <a:ea typeface="Meiryo" charset="-128"/>
+                <a:cs typeface="Meiryo" charset="-128"/>
+              </a:rPr>
+              <a:t>j</a:t>
+            </a:r>
+            <a:r>
+              <a:rPr lang="en-US" altLang="ja-JP" sz="2400" i="1" baseline="-25000" dirty="0" smtClean="0">
+                <a:latin typeface="Meiryo" charset="-128"/>
+                <a:ea typeface="Meiryo" charset="-128"/>
+                <a:cs typeface="Meiryo" charset="-128"/>
+              </a:rPr>
+              <a:t> </a:t>
+            </a:r>
+            <a:r>
+              <a:rPr lang="ja-JP" altLang="en-US" sz="2400" dirty="0" smtClean="0">
+                <a:latin typeface="Meiryo" charset="-128"/>
+                <a:ea typeface="Meiryo" charset="-128"/>
+                <a:cs typeface="Meiryo" charset="-128"/>
+              </a:rPr>
+              <a:t>が</a:t>
+            </a:r>
+            <a:r>
+              <a:rPr lang="ja-JP" altLang="en-US" sz="2400" dirty="0">
+                <a:latin typeface="Meiryo" charset="-128"/>
+                <a:ea typeface="Meiryo" charset="-128"/>
+                <a:cs typeface="Meiryo" charset="-128"/>
+              </a:rPr>
+              <a:t>大きければ</a:t>
+            </a:r>
+            <a:r>
+              <a:rPr lang="ja-JP" altLang="en-US" sz="2400" dirty="0" smtClean="0">
+                <a:latin typeface="Meiryo" charset="-128"/>
+                <a:ea typeface="Meiryo" charset="-128"/>
+                <a:cs typeface="Meiryo" charset="-128"/>
+              </a:rPr>
+              <a:t>クラスタ数</a:t>
+            </a:r>
+            <a:r>
+              <a:rPr lang="ja-JP" altLang="en-US" sz="2400" i="1" dirty="0" smtClean="0">
+                <a:latin typeface="Times New Roman" charset="0"/>
+                <a:ea typeface="Times New Roman" charset="0"/>
+                <a:cs typeface="Times New Roman" charset="0"/>
+              </a:rPr>
+              <a:t>k</a:t>
+            </a:r>
+            <a:r>
+              <a:rPr lang="ja-JP" altLang="en-US" sz="2400" dirty="0" smtClean="0">
+                <a:latin typeface="Meiryo" charset="-128"/>
+                <a:ea typeface="Meiryo" charset="-128"/>
+                <a:cs typeface="Meiryo" charset="-128"/>
+              </a:rPr>
+              <a:t>に</a:t>
+            </a:r>
+            <a:r>
+              <a:rPr lang="ja-JP" altLang="en-US" sz="2400" dirty="0">
+                <a:latin typeface="Meiryo" charset="-128"/>
+                <a:ea typeface="Meiryo" charset="-128"/>
+                <a:cs typeface="Meiryo" charset="-128"/>
+              </a:rPr>
+              <a:t>1を</a:t>
+            </a:r>
+            <a:r>
+              <a:rPr lang="ja-JP" altLang="en-US" sz="2400" dirty="0" smtClean="0">
+                <a:latin typeface="Meiryo" charset="-128"/>
+                <a:ea typeface="Meiryo" charset="-128"/>
+                <a:cs typeface="Meiryo" charset="-128"/>
+              </a:rPr>
+              <a:t>足す．</a:t>
+            </a:r>
+            <a:endParaRPr lang="en-US" altLang="ja-JP" sz="2400" dirty="0" smtClean="0">
+              <a:latin typeface="Meiryo" charset="-128"/>
+              <a:ea typeface="Meiryo" charset="-128"/>
+              <a:cs typeface="Meiryo" charset="-128"/>
+            </a:endParaRPr>
+          </a:p>
+          <a:p>
+            <a:pPr>
+              <a:lnSpc>
+                <a:spcPct val="150000"/>
+              </a:lnSpc>
+            </a:pPr>
+            <a:r>
+              <a:rPr lang="en-US" altLang="ja-JP" sz="2400" dirty="0" smtClean="0">
+                <a:latin typeface="Meiryo" charset="-128"/>
+                <a:ea typeface="Meiryo" charset="-128"/>
+                <a:cs typeface="Meiryo" charset="-128"/>
+              </a:rPr>
+              <a:t>(4) </a:t>
+            </a:r>
+            <a:r>
+              <a:rPr lang="ja-JP" altLang="en-US" sz="2400" dirty="0" smtClean="0">
+                <a:latin typeface="Meiryo" charset="-128"/>
+                <a:ea typeface="Meiryo" charset="-128"/>
+                <a:cs typeface="Meiryo" charset="-128"/>
+              </a:rPr>
+              <a:t>前</a:t>
+            </a:r>
+            <a:r>
+              <a:rPr lang="ja-JP" altLang="en-US" sz="2400" dirty="0">
+                <a:latin typeface="Meiryo" charset="-128"/>
+                <a:ea typeface="Meiryo" charset="-128"/>
+                <a:cs typeface="Meiryo" charset="-128"/>
+              </a:rPr>
+              <a:t>の処理</a:t>
+            </a:r>
+            <a:r>
+              <a:rPr lang="ja-JP" altLang="en-US" sz="2400" dirty="0" smtClean="0">
+                <a:latin typeface="Meiryo" charset="-128"/>
+                <a:ea typeface="Meiryo" charset="-128"/>
+                <a:cs typeface="Meiryo" charset="-128"/>
+              </a:rPr>
+              <a:t>で</a:t>
+            </a:r>
+            <a:r>
+              <a:rPr lang="en-US" altLang="ja-JP" sz="2400" dirty="0" smtClean="0">
+                <a:latin typeface="Meiryo" charset="-128"/>
+                <a:ea typeface="Meiryo" charset="-128"/>
+                <a:cs typeface="Meiryo" charset="-128"/>
+              </a:rPr>
+              <a:t> </a:t>
+            </a:r>
+            <a:r>
+              <a:rPr lang="ja-JP" altLang="en-US" sz="2400" i="1" dirty="0" smtClean="0">
+                <a:latin typeface="Times New Roman" charset="0"/>
+                <a:ea typeface="Times New Roman" charset="0"/>
+                <a:cs typeface="Times New Roman" charset="0"/>
+              </a:rPr>
+              <a:t>k</a:t>
+            </a:r>
+            <a:r>
+              <a:rPr lang="en-US" altLang="ja-JP" sz="2400" dirty="0" smtClean="0">
+                <a:latin typeface="Meiryo" charset="-128"/>
+                <a:ea typeface="Meiryo" charset="-128"/>
+                <a:cs typeface="Meiryo" charset="-128"/>
+              </a:rPr>
+              <a:t> </a:t>
+            </a:r>
+            <a:r>
+              <a:rPr lang="ja-JP" altLang="en-US" sz="2400" dirty="0" smtClean="0">
+                <a:latin typeface="Meiryo" charset="-128"/>
+                <a:ea typeface="Meiryo" charset="-128"/>
+                <a:cs typeface="Meiryo" charset="-128"/>
+              </a:rPr>
+              <a:t>が</a:t>
+            </a:r>
+            <a:r>
+              <a:rPr lang="ja-JP" altLang="en-US" sz="2400" dirty="0">
+                <a:latin typeface="Meiryo" charset="-128"/>
+                <a:ea typeface="Meiryo" charset="-128"/>
+                <a:cs typeface="Meiryo" charset="-128"/>
+              </a:rPr>
+              <a:t>増加した場合は処理2へ戻る．そうでない場合は終了する</a:t>
+            </a:r>
+            <a:r>
+              <a:rPr lang="ja-JP" altLang="en-US" sz="2400" dirty="0" smtClean="0">
+                <a:latin typeface="Meiryo" charset="-128"/>
+                <a:ea typeface="Meiryo" charset="-128"/>
+                <a:cs typeface="Meiryo" charset="-128"/>
+              </a:rPr>
+              <a:t>．</a:t>
+            </a:r>
+            <a:endParaRPr lang="ja-JP" altLang="en-US" sz="2400" dirty="0">
+              <a:latin typeface="Meiryo" charset="-128"/>
+              <a:ea typeface="Meiryo" charset="-128"/>
+              <a:cs typeface="Meiryo" charset="-128"/>
+            </a:endParaRPr>
+          </a:p>
+        </p:txBody>
+      </p:sp>
+    </p:spTree>
+    <p:extLst>
+      <p:ext uri="{BB962C8B-B14F-4D97-AF65-F5344CB8AC3E}">
+        <p14:creationId xmlns:p14="http://schemas.microsoft.com/office/powerpoint/2010/main" val="1960684047"/>
+      </p:ext>
+    </p:extLst>
+  </p:cSld>
+  <p:clrMapOvr>
+    <a:masterClrMapping/>
+  </p:clrMapOvr>
+  <p:timing>
+    <p:tnLst>
+      <p:par>
+        <p:cTn id="1" dur="indefinite" restart="never" nodeType="tmRoot"/>
+      </p:par>
+    </p:tnLst>
+  </p:timing>
+</p:sld>
+</file>
+
+<file path=ppt/slides/slide7.xml><?xml version="1.0" encoding="utf-8"?>
+<p:sld xmlns:a="http://schemas.openxmlformats.org/drawingml/2006/main" xmlns:r="http://schemas.openxmlformats.org/officeDocument/2006/relationships" xmlns:p="http://schemas.openxmlformats.org/presentationml/2006/main">
+  <p:cSld>
+    <p:spTree>
+      <p:nvGrpSpPr>
+        <p:cNvPr id="1" name=""/>
+        <p:cNvGrpSpPr/>
+        <p:nvPr/>
+      </p:nvGrpSpPr>
+      <p:grpSpPr>
+        <a:xfrm>
+          <a:off x="0" y="0"/>
+          <a:ext cx="0" cy="0"/>
+          <a:chOff x="0" y="0"/>
+          <a:chExt cx="0" cy="0"/>
+        </a:xfrm>
+      </p:grpSpPr>
+      <p:sp>
+        <p:nvSpPr>
+          <p:cNvPr id="2" name="タイトル 1"/>
+          <p:cNvSpPr>
+            <a:spLocks noGrp="1"/>
+          </p:cNvSpPr>
+          <p:nvPr>
+            <p:ph type="title"/>
+          </p:nvPr>
+        </p:nvSpPr>
+        <p:spPr/>
+        <p:txBody>
+          <a:bodyPr/>
+          <a:lstStyle/>
+          <a:p>
+            <a:r>
+              <a:rPr kumimoji="1" lang="ja-JP" altLang="en-US" dirty="0" smtClean="0"/>
+              <a:t>情報量規準</a:t>
+            </a:r>
+            <a:endParaRPr kumimoji="1" lang="ja-JP" altLang="en-US" dirty="0"/>
           </a:p>
         </p:txBody>
       </p:sp>
@@ -2169,8 +6327,8 @@
         </p:nvSpPr>
         <p:spPr>
           <a:xfrm>
-            <a:off x="628650" y="4106174"/>
-            <a:ext cx="7886700" cy="2130572"/>
+            <a:off x="838200" y="1807459"/>
+            <a:ext cx="10515600" cy="3311080"/>
           </a:xfrm>
           <a:prstGeom prst="rect">
             <a:avLst/>
@@ -2178,24 +6336,21 @@
         </p:spPr>
         <p:txBody>
           <a:bodyPr vert="horz" lIns="91440" tIns="45720" rIns="91440" bIns="45720" rtlCol="0">
-            <a:normAutofit/>
+            <a:noAutofit/>
           </a:bodyPr>
           <a:lstStyle>
             <a:lvl1pPr marL="228600" indent="-228600" algn="l" defTabSz="914400" rtl="0" eaLnBrk="1" latinLnBrk="0" hangingPunct="1">
               <a:lnSpc>
-                <a:spcPct val="150000"/>
+                <a:spcPct val="200000"/>
               </a:lnSpc>
               <a:spcBef>
                 <a:spcPts val="1000"/>
               </a:spcBef>
               <a:buFont typeface="Arial" panose="020B0604020202020204" pitchFamily="34" charset="0"/>
               <a:buChar char="•"/>
-              <a:defRPr kumimoji="1" sz="2800" kern="1200">
+              <a:defRPr kumimoji="1" sz="3200" kern="1200">
                 <a:solidFill>
-                  <a:schemeClr val="tx1">
-                    <a:lumMod val="85000"/>
-                    <a:lumOff val="15000"/>
-                  </a:schemeClr>
+                  <a:schemeClr val="tx1"/>
                 </a:solidFill>
                 <a:latin typeface="Meiryo" charset="-128"/>
                 <a:ea typeface="Meiryo" charset="-128"/>
@@ -2204,7 +6359,7 @@
             </a:lvl1pPr>
             <a:lvl2pPr marL="685800" indent="-228600" algn="l" defTabSz="914400" rtl="0" eaLnBrk="1" latinLnBrk="0" hangingPunct="1">
               <a:lnSpc>
-                <a:spcPct val="150000"/>
+                <a:spcPct val="200000"/>
               </a:lnSpc>
               <a:spcBef>
                 <a:spcPts val="500"/>
@@ -2213,10 +6368,7 @@
               <a:buChar char="•"/>
               <a:defRPr kumimoji="1" sz="2800" kern="1200">
                 <a:solidFill>
-                  <a:schemeClr val="tx1">
-                    <a:lumMod val="85000"/>
-                    <a:lumOff val="15000"/>
-                  </a:schemeClr>
+                  <a:schemeClr val="tx1"/>
                 </a:solidFill>
                 <a:latin typeface="Meiryo" charset="-128"/>
                 <a:ea typeface="Meiryo" charset="-128"/>
@@ -2225,7 +6377,7 @@
             </a:lvl2pPr>
             <a:lvl3pPr marL="1143000" indent="-228600" algn="l" defTabSz="914400" rtl="0" eaLnBrk="1" latinLnBrk="0" hangingPunct="1">
               <a:lnSpc>
-                <a:spcPct val="150000"/>
+                <a:spcPct val="200000"/>
               </a:lnSpc>
               <a:spcBef>
                 <a:spcPts val="500"/>
@@ -2234,10 +6386,7 @@
               <a:buChar char="•"/>
               <a:defRPr kumimoji="1" sz="2400" kern="1200">
                 <a:solidFill>
-                  <a:schemeClr val="tx1">
-                    <a:lumMod val="85000"/>
-                    <a:lumOff val="15000"/>
-                  </a:schemeClr>
+                  <a:schemeClr val="tx1"/>
                 </a:solidFill>
                 <a:latin typeface="Meiryo" charset="-128"/>
                 <a:ea typeface="Meiryo" charset="-128"/>
@@ -2246,7 +6395,7 @@
             </a:lvl3pPr>
             <a:lvl4pPr marL="1600200" indent="-228600" algn="l" defTabSz="914400" rtl="0" eaLnBrk="1" latinLnBrk="0" hangingPunct="1">
               <a:lnSpc>
-                <a:spcPct val="150000"/>
+                <a:spcPct val="200000"/>
               </a:lnSpc>
               <a:spcBef>
                 <a:spcPts val="500"/>
@@ -2255,10 +6404,7 @@
               <a:buChar char="•"/>
               <a:defRPr kumimoji="1" sz="2000" kern="1200">
                 <a:solidFill>
-                  <a:schemeClr val="tx1">
-                    <a:lumMod val="85000"/>
-                    <a:lumOff val="15000"/>
-                  </a:schemeClr>
+                  <a:schemeClr val="tx1"/>
                 </a:solidFill>
                 <a:latin typeface="Meiryo" charset="-128"/>
                 <a:ea typeface="Meiryo" charset="-128"/>
@@ -2267,7 +6413,7 @@
             </a:lvl4pPr>
             <a:lvl5pPr marL="2057400" indent="-228600" algn="l" defTabSz="914400" rtl="0" eaLnBrk="1" latinLnBrk="0" hangingPunct="1">
               <a:lnSpc>
-                <a:spcPct val="150000"/>
+                <a:spcPct val="200000"/>
               </a:lnSpc>
               <a:spcBef>
                 <a:spcPts val="500"/>
@@ -2276,10 +6422,7 @@
               <a:buChar char="•"/>
               <a:defRPr kumimoji="1" sz="2000" kern="1200">
                 <a:solidFill>
-                  <a:schemeClr val="tx1">
-                    <a:lumMod val="85000"/>
-                    <a:lumOff val="15000"/>
-                  </a:schemeClr>
+                  <a:schemeClr val="tx1"/>
                 </a:solidFill>
                 <a:latin typeface="Meiryo" charset="-128"/>
                 <a:ea typeface="Meiryo" charset="-128"/>
@@ -2360,6 +6503,250 @@
             </a:lvl9pPr>
           </a:lstStyle>
           <a:p>
+            <a:pPr marL="0" indent="0">
+              <a:spcBef>
+                <a:spcPts val="0"/>
+              </a:spcBef>
+              <a:buNone/>
+            </a:pPr>
+            <a:r>
+              <a:rPr lang="ja-JP" altLang="en-US" b="1" dirty="0" smtClean="0"/>
+              <a:t>モデルの良し悪し</a:t>
+            </a:r>
+            <a:endParaRPr lang="en-US" altLang="ja-JP" b="1" dirty="0" smtClean="0"/>
+          </a:p>
+          <a:p>
+            <a:pPr>
+              <a:spcBef>
+                <a:spcPts val="0"/>
+              </a:spcBef>
+              <a:buFont typeface="Wingdings" charset="2"/>
+              <a:buChar char="Ø"/>
+            </a:pPr>
+            <a:r>
+              <a:rPr lang="ja-JP" altLang="en-US" b="1" dirty="0"/>
+              <a:t> </a:t>
+            </a:r>
+            <a:r>
+              <a:rPr lang="ja-JP" altLang="en-US" dirty="0" smtClean="0"/>
+              <a:t>データに対するモデルの当てはまり度</a:t>
+            </a:r>
+            <a:endParaRPr lang="en-US" altLang="ja-JP" dirty="0" smtClean="0"/>
+          </a:p>
+          <a:p>
+            <a:pPr>
+              <a:spcBef>
+                <a:spcPts val="0"/>
+              </a:spcBef>
+              <a:buFont typeface="Wingdings" charset="2"/>
+              <a:buChar char="Ø"/>
+            </a:pPr>
+            <a:r>
+              <a:rPr lang="ja-JP" altLang="en-US" b="1" dirty="0" smtClean="0"/>
+              <a:t>（</a:t>
+            </a:r>
+            <a:r>
+              <a:rPr lang="ja-JP" altLang="en-US" b="1" dirty="0"/>
+              <a:t>モデルの最大対数尤度）ー （罰則項</a:t>
+            </a:r>
+            <a:r>
+              <a:rPr lang="ja-JP" altLang="en-US" b="1" dirty="0" smtClean="0"/>
+              <a:t>）</a:t>
+            </a:r>
+            <a:r>
+              <a:rPr lang="ja-JP" altLang="en-US" dirty="0" smtClean="0"/>
+              <a:t>で近似</a:t>
+            </a:r>
+            <a:endParaRPr lang="en-US" altLang="ja-JP" dirty="0" smtClean="0"/>
+          </a:p>
+        </p:txBody>
+      </p:sp>
+      <p:sp>
+        <p:nvSpPr>
+          <p:cNvPr id="14" name="コンテンツ プレースホルダー 2"/>
+          <p:cNvSpPr txBox="1">
+            <a:spLocks/>
+          </p:cNvSpPr>
+          <p:nvPr/>
+        </p:nvSpPr>
+        <p:spPr>
+          <a:xfrm>
+            <a:off x="664066" y="5194824"/>
+            <a:ext cx="10515600" cy="1135437"/>
+          </a:xfrm>
+          <a:prstGeom prst="rect">
+            <a:avLst/>
+          </a:prstGeom>
+        </p:spPr>
+        <p:txBody>
+          <a:bodyPr vert="horz" lIns="91440" tIns="45720" rIns="91440" bIns="45720" rtlCol="0">
+            <a:noAutofit/>
+          </a:bodyPr>
+          <a:lstStyle>
+            <a:lvl1pPr marL="228600" indent="-228600" algn="l" defTabSz="914400" rtl="0" eaLnBrk="1" latinLnBrk="0" hangingPunct="1">
+              <a:lnSpc>
+                <a:spcPct val="200000"/>
+              </a:lnSpc>
+              <a:spcBef>
+                <a:spcPts val="1000"/>
+              </a:spcBef>
+              <a:buFont typeface="Arial" panose="020B0604020202020204" pitchFamily="34" charset="0"/>
+              <a:buChar char="•"/>
+              <a:defRPr kumimoji="1" sz="3200" kern="1200">
+                <a:solidFill>
+                  <a:schemeClr val="tx1"/>
+                </a:solidFill>
+                <a:latin typeface="Meiryo" charset="-128"/>
+                <a:ea typeface="Meiryo" charset="-128"/>
+                <a:cs typeface="Meiryo" charset="-128"/>
+              </a:defRPr>
+            </a:lvl1pPr>
+            <a:lvl2pPr marL="685800" indent="-228600" algn="l" defTabSz="914400" rtl="0" eaLnBrk="1" latinLnBrk="0" hangingPunct="1">
+              <a:lnSpc>
+                <a:spcPct val="200000"/>
+              </a:lnSpc>
+              <a:spcBef>
+                <a:spcPts val="500"/>
+              </a:spcBef>
+              <a:buFont typeface="Arial" panose="020B0604020202020204" pitchFamily="34" charset="0"/>
+              <a:buChar char="•"/>
+              <a:defRPr kumimoji="1" sz="2800" kern="1200">
+                <a:solidFill>
+                  <a:schemeClr val="tx1"/>
+                </a:solidFill>
+                <a:latin typeface="Meiryo" charset="-128"/>
+                <a:ea typeface="Meiryo" charset="-128"/>
+                <a:cs typeface="Meiryo" charset="-128"/>
+              </a:defRPr>
+            </a:lvl2pPr>
+            <a:lvl3pPr marL="1143000" indent="-228600" algn="l" defTabSz="914400" rtl="0" eaLnBrk="1" latinLnBrk="0" hangingPunct="1">
+              <a:lnSpc>
+                <a:spcPct val="200000"/>
+              </a:lnSpc>
+              <a:spcBef>
+                <a:spcPts val="500"/>
+              </a:spcBef>
+              <a:buFont typeface="Arial" panose="020B0604020202020204" pitchFamily="34" charset="0"/>
+              <a:buChar char="•"/>
+              <a:defRPr kumimoji="1" sz="2400" kern="1200">
+                <a:solidFill>
+                  <a:schemeClr val="tx1"/>
+                </a:solidFill>
+                <a:latin typeface="Meiryo" charset="-128"/>
+                <a:ea typeface="Meiryo" charset="-128"/>
+                <a:cs typeface="Meiryo" charset="-128"/>
+              </a:defRPr>
+            </a:lvl3pPr>
+            <a:lvl4pPr marL="1600200" indent="-228600" algn="l" defTabSz="914400" rtl="0" eaLnBrk="1" latinLnBrk="0" hangingPunct="1">
+              <a:lnSpc>
+                <a:spcPct val="200000"/>
+              </a:lnSpc>
+              <a:spcBef>
+                <a:spcPts val="500"/>
+              </a:spcBef>
+              <a:buFont typeface="Arial" panose="020B0604020202020204" pitchFamily="34" charset="0"/>
+              <a:buChar char="•"/>
+              <a:defRPr kumimoji="1" sz="2000" kern="1200">
+                <a:solidFill>
+                  <a:schemeClr val="tx1"/>
+                </a:solidFill>
+                <a:latin typeface="Meiryo" charset="-128"/>
+                <a:ea typeface="Meiryo" charset="-128"/>
+                <a:cs typeface="Meiryo" charset="-128"/>
+              </a:defRPr>
+            </a:lvl4pPr>
+            <a:lvl5pPr marL="2057400" indent="-228600" algn="l" defTabSz="914400" rtl="0" eaLnBrk="1" latinLnBrk="0" hangingPunct="1">
+              <a:lnSpc>
+                <a:spcPct val="200000"/>
+              </a:lnSpc>
+              <a:spcBef>
+                <a:spcPts val="500"/>
+              </a:spcBef>
+              <a:buFont typeface="Arial" panose="020B0604020202020204" pitchFamily="34" charset="0"/>
+              <a:buChar char="•"/>
+              <a:defRPr kumimoji="1" sz="2000" kern="1200">
+                <a:solidFill>
+                  <a:schemeClr val="tx1"/>
+                </a:solidFill>
+                <a:latin typeface="Meiryo" charset="-128"/>
+                <a:ea typeface="Meiryo" charset="-128"/>
+                <a:cs typeface="Meiryo" charset="-128"/>
+              </a:defRPr>
+            </a:lvl5pPr>
+            <a:lvl6pPr marL="2514600" indent="-228600" algn="l" defTabSz="914400" rtl="0" eaLnBrk="1" latinLnBrk="0" hangingPunct="1">
+              <a:lnSpc>
+                <a:spcPct val="90000"/>
+              </a:lnSpc>
+              <a:spcBef>
+                <a:spcPts val="500"/>
+              </a:spcBef>
+              <a:buFont typeface="Arial" panose="020B0604020202020204" pitchFamily="34" charset="0"/>
+              <a:buChar char="•"/>
+              <a:defRPr kumimoji="1" sz="1800" kern="1200">
+                <a:solidFill>
+                  <a:schemeClr val="tx1"/>
+                </a:solidFill>
+                <a:latin typeface="+mn-lt"/>
+                <a:ea typeface="+mn-ea"/>
+                <a:cs typeface="+mn-cs"/>
+              </a:defRPr>
+            </a:lvl6pPr>
+            <a:lvl7pPr marL="2971800" indent="-228600" algn="l" defTabSz="914400" rtl="0" eaLnBrk="1" latinLnBrk="0" hangingPunct="1">
+              <a:lnSpc>
+                <a:spcPct val="90000"/>
+              </a:lnSpc>
+              <a:spcBef>
+                <a:spcPts val="500"/>
+              </a:spcBef>
+              <a:buFont typeface="Arial" panose="020B0604020202020204" pitchFamily="34" charset="0"/>
+              <a:buChar char="•"/>
+              <a:defRPr kumimoji="1" sz="1800" kern="1200">
+                <a:solidFill>
+                  <a:schemeClr val="tx1"/>
+                </a:solidFill>
+                <a:latin typeface="+mn-lt"/>
+                <a:ea typeface="+mn-ea"/>
+                <a:cs typeface="+mn-cs"/>
+              </a:defRPr>
+            </a:lvl7pPr>
+            <a:lvl8pPr marL="3429000" indent="-228600" algn="l" defTabSz="914400" rtl="0" eaLnBrk="1" latinLnBrk="0" hangingPunct="1">
+              <a:lnSpc>
+                <a:spcPct val="90000"/>
+              </a:lnSpc>
+              <a:spcBef>
+                <a:spcPts val="500"/>
+              </a:spcBef>
+              <a:buFont typeface="Arial" panose="020B0604020202020204" pitchFamily="34" charset="0"/>
+              <a:buChar char="•"/>
+              <a:defRPr kumimoji="1" sz="1800" kern="1200">
+                <a:solidFill>
+                  <a:schemeClr val="tx1"/>
+                </a:solidFill>
+                <a:latin typeface="+mn-lt"/>
+                <a:ea typeface="+mn-ea"/>
+                <a:cs typeface="+mn-cs"/>
+              </a:defRPr>
+            </a:lvl8pPr>
+            <a:lvl9pPr marL="3886200" indent="-228600" algn="l" defTabSz="914400" rtl="0" eaLnBrk="1" latinLnBrk="0" hangingPunct="1">
+              <a:lnSpc>
+                <a:spcPct val="90000"/>
+              </a:lnSpc>
+              <a:spcBef>
+                <a:spcPts val="500"/>
+              </a:spcBef>
+              <a:buFont typeface="Arial" panose="020B0604020202020204" pitchFamily="34" charset="0"/>
+              <a:buChar char="•"/>
+              <a:defRPr kumimoji="1" sz="1800" kern="1200">
+                <a:solidFill>
+                  <a:schemeClr val="tx1"/>
+                </a:solidFill>
+                <a:latin typeface="+mn-lt"/>
+                <a:ea typeface="+mn-ea"/>
+                <a:cs typeface="+mn-cs"/>
+              </a:defRPr>
+            </a:lvl9pPr>
+          </a:lstStyle>
+          <a:p>
             <a:pPr marL="0" indent="0" algn="ctr">
               <a:spcBef>
                 <a:spcPts val="0"/>
@@ -2368,52 +6755,16 @@
               <a:buNone/>
             </a:pPr>
             <a:r>
-              <a:rPr lang="en-US" altLang="ja-JP" i="1" dirty="0" smtClean="0">
-                <a:latin typeface="Times New Roman" charset="0"/>
-                <a:ea typeface="Times New Roman" charset="0"/>
-                <a:cs typeface="Times New Roman" charset="0"/>
-              </a:rPr>
-              <a:t>k</a:t>
-            </a:r>
-            <a:r>
-              <a:rPr lang="en-US" altLang="ja-JP" dirty="0" smtClean="0">
-                <a:latin typeface="Times New Roman" charset="0"/>
-                <a:ea typeface="Times New Roman" charset="0"/>
-                <a:cs typeface="Times New Roman" charset="0"/>
-              </a:rPr>
-              <a:t>-means</a:t>
-            </a:r>
-            <a:r>
               <a:rPr lang="ja-JP" altLang="en-US" dirty="0" smtClean="0"/>
-              <a:t>など，多くのクラスタリング手法は</a:t>
-            </a:r>
-            <a:endParaRPr lang="en-US" altLang="ja-JP" dirty="0" smtClean="0"/>
-          </a:p>
-          <a:p>
-            <a:pPr marL="0" indent="0" algn="ctr">
-              <a:spcBef>
-                <a:spcPts val="0"/>
-              </a:spcBef>
-              <a:buFontTx/>
-              <a:buNone/>
-            </a:pPr>
+              <a:t>これを「</a:t>
+            </a:r>
             <a:r>
               <a:rPr lang="ja-JP" altLang="en-US" b="1" dirty="0" smtClean="0"/>
-              <a:t>予めクラスタ数がわかっているものとして</a:t>
-            </a:r>
-            <a:endParaRPr lang="en-US" altLang="ja-JP" dirty="0" smtClean="0"/>
-          </a:p>
-          <a:p>
-            <a:pPr marL="0" indent="0" algn="ctr">
-              <a:spcBef>
-                <a:spcPts val="0"/>
-              </a:spcBef>
-              <a:buFontTx/>
-              <a:buNone/>
-            </a:pPr>
+              <a:t>情報量規準</a:t>
+            </a:r>
             <a:r>
               <a:rPr lang="ja-JP" altLang="en-US" dirty="0" smtClean="0"/>
-              <a:t>クラスタ数を指定してクラスタリング</a:t>
+              <a:t>」とよぶ</a:t>
             </a:r>
             <a:endParaRPr lang="en-US" altLang="ja-JP" dirty="0" smtClean="0"/>
           </a:p>
@@ -2422,7 +6773,7 @@
     </p:spTree>
     <p:extLst>
       <p:ext uri="{BB962C8B-B14F-4D97-AF65-F5344CB8AC3E}">
-        <p14:creationId xmlns:p14="http://schemas.microsoft.com/office/powerpoint/2010/main" val="157739261"/>
+        <p14:creationId xmlns:p14="http://schemas.microsoft.com/office/powerpoint/2010/main" val="622240455"/>
       </p:ext>
     </p:extLst>
   </p:cSld>
@@ -2439,7 +6790,7 @@
 </p:sld>
 </file>
 
-<file path=ppt/slides/slide3.xml><?xml version="1.0" encoding="utf-8"?>
+<file path=ppt/slides/slide8.xml><?xml version="1.0" encoding="utf-8"?>
 <p:sld xmlns:a="http://schemas.openxmlformats.org/drawingml/2006/main" xmlns:r="http://schemas.openxmlformats.org/officeDocument/2006/relationships" xmlns:p="http://schemas.openxmlformats.org/presentationml/2006/main">
   <p:cSld>
     <p:spTree>
@@ -2473,7 +6824,7 @@
           <a:p>
             <a:r>
               <a:rPr kumimoji="1" lang="ja-JP" altLang="en-US" dirty="0" smtClean="0"/>
-              <a:t>研究目標</a:t>
+              <a:t>情報量規準の例</a:t>
             </a:r>
             <a:endParaRPr kumimoji="1" lang="ja-JP" altLang="en-US" dirty="0"/>
           </a:p>
@@ -2481,7 +6832,7 @@
       </p:sp>
       <p:sp>
         <p:nvSpPr>
-          <p:cNvPr id="3" name="コンテンツ プレースホルダー 2"/>
+          <p:cNvPr id="4" name="コンテンツ プレースホルダー 2"/>
           <p:cNvSpPr>
             <a:spLocks noGrp="1"/>
           </p:cNvSpPr>
@@ -2489,12 +6840,20 @@
             <p:ph idx="1"/>
           </p:nvPr>
         </p:nvSpPr>
-        <p:spPr/>
+        <p:spPr>
+          <a:xfrm>
+            <a:off x="1007240" y="1754444"/>
+            <a:ext cx="7827579" cy="803055"/>
+          </a:xfrm>
+        </p:spPr>
         <p:txBody>
           <a:bodyPr/>
           <a:lstStyle/>
           <a:p>
-            <a:pPr marL="0" marR="0" lvl="0" indent="0" algn="ctr" defTabSz="914400" eaLnBrk="1" fontAlgn="auto" latinLnBrk="0" hangingPunct="1">
+            <a:pPr marL="0" marR="0" lvl="0" indent="0" defTabSz="914400" eaLnBrk="1" fontAlgn="auto" latinLnBrk="0" hangingPunct="1">
+              <a:lnSpc>
+                <a:spcPct val="150000"/>
+              </a:lnSpc>
               <a:spcBef>
                 <a:spcPts val="0"/>
               </a:spcBef>
@@ -2509,46 +6868,1007 @@
               <a:defRPr/>
             </a:pPr>
             <a:r>
-              <a:rPr kumimoji="1" lang="ja-JP" altLang="en-US" b="1" dirty="0" smtClean="0"/>
-              <a:t>クラスタ数推定を行う手法</a:t>
-            </a:r>
-            <a:r>
-              <a:rPr lang="en-US" altLang="ja-JP" b="1" dirty="0"/>
-              <a:t>:</a:t>
-            </a:r>
-            <a:r>
-              <a:rPr kumimoji="1" lang="ja-JP" altLang="en-US" b="1" dirty="0" smtClean="0"/>
-              <a:t> </a:t>
-            </a:r>
-            <a:r>
               <a:rPr kumimoji="1" lang="en-US" altLang="ja-JP" b="1" dirty="0" smtClean="0"/>
-              <a:t>X-means</a:t>
-            </a:r>
-            <a:endParaRPr lang="en-US" altLang="ja-JP" b="1" dirty="0" smtClean="0"/>
-          </a:p>
-          <a:p>
-            <a:pPr marL="0" marR="0" lvl="0" indent="0" defTabSz="914400" eaLnBrk="1" fontAlgn="auto" latinLnBrk="0" hangingPunct="1">
+              <a:t>AIC</a:t>
+            </a:r>
+            <a:r>
+              <a:rPr lang="en-US" altLang="ja-JP" b="1" dirty="0" smtClean="0">
+                <a:sym typeface="Wingdings"/>
+              </a:rPr>
+              <a:t> (</a:t>
+            </a:r>
+            <a:r>
+              <a:rPr lang="en-US" altLang="ja-JP" b="1" dirty="0" err="1" smtClean="0">
+                <a:sym typeface="Wingdings"/>
+              </a:rPr>
+              <a:t>Akaike</a:t>
+            </a:r>
+            <a:r>
+              <a:rPr lang="en-US" altLang="ja-JP" b="1" dirty="0" smtClean="0">
+                <a:sym typeface="Wingdings"/>
+              </a:rPr>
+              <a:t> Information Criterion)</a:t>
+            </a:r>
+            <a:endParaRPr lang="en-US" altLang="ja-JP" b="1" dirty="0"/>
+          </a:p>
+        </p:txBody>
+      </p:sp>
+      <p:pic>
+        <p:nvPicPr>
+          <p:cNvPr id="5" name="図 4"/>
+          <p:cNvPicPr>
+            <a:picLocks noChangeAspect="1"/>
+          </p:cNvPicPr>
+          <p:nvPr/>
+        </p:nvPicPr>
+        <p:blipFill>
+          <a:blip r:embed="rId2"/>
+          <a:stretch>
+            <a:fillRect/>
+          </a:stretch>
+        </p:blipFill>
+        <p:spPr>
+          <a:xfrm>
+            <a:off x="4415219" y="2557499"/>
+            <a:ext cx="4419600" cy="571500"/>
+          </a:xfrm>
+          <a:prstGeom prst="rect">
+            <a:avLst/>
+          </a:prstGeom>
+        </p:spPr>
+      </p:pic>
+      <p:sp>
+        <p:nvSpPr>
+          <p:cNvPr id="6" name="コンテンツ プレースホルダー 2"/>
+          <p:cNvSpPr txBox="1">
+            <a:spLocks/>
+          </p:cNvSpPr>
+          <p:nvPr/>
+        </p:nvSpPr>
+        <p:spPr>
+          <a:xfrm>
+            <a:off x="985345" y="3260965"/>
+            <a:ext cx="10844048" cy="803055"/>
+          </a:xfrm>
+          <a:prstGeom prst="rect">
+            <a:avLst/>
+          </a:prstGeom>
+        </p:spPr>
+        <p:txBody>
+          <a:bodyPr vert="horz" lIns="91440" tIns="45720" rIns="91440" bIns="45720" rtlCol="0">
+            <a:noAutofit/>
+          </a:bodyPr>
+          <a:lstStyle>
+            <a:lvl1pPr marL="228600" indent="-228600" algn="l" defTabSz="914400" rtl="0" eaLnBrk="1" latinLnBrk="0" hangingPunct="1">
+              <a:lnSpc>
+                <a:spcPct val="200000"/>
+              </a:lnSpc>
+              <a:spcBef>
+                <a:spcPts val="1000"/>
+              </a:spcBef>
+              <a:buFont typeface="Arial" panose="020B0604020202020204" pitchFamily="34" charset="0"/>
+              <a:buChar char="•"/>
+              <a:defRPr kumimoji="1" sz="3200" kern="1200">
+                <a:solidFill>
+                  <a:schemeClr val="tx1"/>
+                </a:solidFill>
+                <a:latin typeface="Meiryo" charset="-128"/>
+                <a:ea typeface="Meiryo" charset="-128"/>
+                <a:cs typeface="Meiryo" charset="-128"/>
+              </a:defRPr>
+            </a:lvl1pPr>
+            <a:lvl2pPr marL="685800" indent="-228600" algn="l" defTabSz="914400" rtl="0" eaLnBrk="1" latinLnBrk="0" hangingPunct="1">
+              <a:lnSpc>
+                <a:spcPct val="200000"/>
+              </a:lnSpc>
+              <a:spcBef>
+                <a:spcPts val="500"/>
+              </a:spcBef>
+              <a:buFont typeface="Arial" panose="020B0604020202020204" pitchFamily="34" charset="0"/>
+              <a:buChar char="•"/>
+              <a:defRPr kumimoji="1" sz="2800" kern="1200">
+                <a:solidFill>
+                  <a:schemeClr val="tx1"/>
+                </a:solidFill>
+                <a:latin typeface="Meiryo" charset="-128"/>
+                <a:ea typeface="Meiryo" charset="-128"/>
+                <a:cs typeface="Meiryo" charset="-128"/>
+              </a:defRPr>
+            </a:lvl2pPr>
+            <a:lvl3pPr marL="1143000" indent="-228600" algn="l" defTabSz="914400" rtl="0" eaLnBrk="1" latinLnBrk="0" hangingPunct="1">
+              <a:lnSpc>
+                <a:spcPct val="200000"/>
+              </a:lnSpc>
+              <a:spcBef>
+                <a:spcPts val="500"/>
+              </a:spcBef>
+              <a:buFont typeface="Arial" panose="020B0604020202020204" pitchFamily="34" charset="0"/>
+              <a:buChar char="•"/>
+              <a:defRPr kumimoji="1" sz="2400" kern="1200">
+                <a:solidFill>
+                  <a:schemeClr val="tx1"/>
+                </a:solidFill>
+                <a:latin typeface="Meiryo" charset="-128"/>
+                <a:ea typeface="Meiryo" charset="-128"/>
+                <a:cs typeface="Meiryo" charset="-128"/>
+              </a:defRPr>
+            </a:lvl3pPr>
+            <a:lvl4pPr marL="1600200" indent="-228600" algn="l" defTabSz="914400" rtl="0" eaLnBrk="1" latinLnBrk="0" hangingPunct="1">
+              <a:lnSpc>
+                <a:spcPct val="200000"/>
+              </a:lnSpc>
+              <a:spcBef>
+                <a:spcPts val="500"/>
+              </a:spcBef>
+              <a:buFont typeface="Arial" panose="020B0604020202020204" pitchFamily="34" charset="0"/>
+              <a:buChar char="•"/>
+              <a:defRPr kumimoji="1" sz="2000" kern="1200">
+                <a:solidFill>
+                  <a:schemeClr val="tx1"/>
+                </a:solidFill>
+                <a:latin typeface="Meiryo" charset="-128"/>
+                <a:ea typeface="Meiryo" charset="-128"/>
+                <a:cs typeface="Meiryo" charset="-128"/>
+              </a:defRPr>
+            </a:lvl4pPr>
+            <a:lvl5pPr marL="2057400" indent="-228600" algn="l" defTabSz="914400" rtl="0" eaLnBrk="1" latinLnBrk="0" hangingPunct="1">
+              <a:lnSpc>
+                <a:spcPct val="200000"/>
+              </a:lnSpc>
+              <a:spcBef>
+                <a:spcPts val="500"/>
+              </a:spcBef>
+              <a:buFont typeface="Arial" panose="020B0604020202020204" pitchFamily="34" charset="0"/>
+              <a:buChar char="•"/>
+              <a:defRPr kumimoji="1" sz="2000" kern="1200">
+                <a:solidFill>
+                  <a:schemeClr val="tx1"/>
+                </a:solidFill>
+                <a:latin typeface="Meiryo" charset="-128"/>
+                <a:ea typeface="Meiryo" charset="-128"/>
+                <a:cs typeface="Meiryo" charset="-128"/>
+              </a:defRPr>
+            </a:lvl5pPr>
+            <a:lvl6pPr marL="2514600" indent="-228600" algn="l" defTabSz="914400" rtl="0" eaLnBrk="1" latinLnBrk="0" hangingPunct="1">
+              <a:lnSpc>
+                <a:spcPct val="90000"/>
+              </a:lnSpc>
+              <a:spcBef>
+                <a:spcPts val="500"/>
+              </a:spcBef>
+              <a:buFont typeface="Arial" panose="020B0604020202020204" pitchFamily="34" charset="0"/>
+              <a:buChar char="•"/>
+              <a:defRPr kumimoji="1" sz="1800" kern="1200">
+                <a:solidFill>
+                  <a:schemeClr val="tx1"/>
+                </a:solidFill>
+                <a:latin typeface="+mn-lt"/>
+                <a:ea typeface="+mn-ea"/>
+                <a:cs typeface="+mn-cs"/>
+              </a:defRPr>
+            </a:lvl6pPr>
+            <a:lvl7pPr marL="2971800" indent="-228600" algn="l" defTabSz="914400" rtl="0" eaLnBrk="1" latinLnBrk="0" hangingPunct="1">
+              <a:lnSpc>
+                <a:spcPct val="90000"/>
+              </a:lnSpc>
+              <a:spcBef>
+                <a:spcPts val="500"/>
+              </a:spcBef>
+              <a:buFont typeface="Arial" panose="020B0604020202020204" pitchFamily="34" charset="0"/>
+              <a:buChar char="•"/>
+              <a:defRPr kumimoji="1" sz="1800" kern="1200">
+                <a:solidFill>
+                  <a:schemeClr val="tx1"/>
+                </a:solidFill>
+                <a:latin typeface="+mn-lt"/>
+                <a:ea typeface="+mn-ea"/>
+                <a:cs typeface="+mn-cs"/>
+              </a:defRPr>
+            </a:lvl7pPr>
+            <a:lvl8pPr marL="3429000" indent="-228600" algn="l" defTabSz="914400" rtl="0" eaLnBrk="1" latinLnBrk="0" hangingPunct="1">
+              <a:lnSpc>
+                <a:spcPct val="90000"/>
+              </a:lnSpc>
+              <a:spcBef>
+                <a:spcPts val="500"/>
+              </a:spcBef>
+              <a:buFont typeface="Arial" panose="020B0604020202020204" pitchFamily="34" charset="0"/>
+              <a:buChar char="•"/>
+              <a:defRPr kumimoji="1" sz="1800" kern="1200">
+                <a:solidFill>
+                  <a:schemeClr val="tx1"/>
+                </a:solidFill>
+                <a:latin typeface="+mn-lt"/>
+                <a:ea typeface="+mn-ea"/>
+                <a:cs typeface="+mn-cs"/>
+              </a:defRPr>
+            </a:lvl8pPr>
+            <a:lvl9pPr marL="3886200" indent="-228600" algn="l" defTabSz="914400" rtl="0" eaLnBrk="1" latinLnBrk="0" hangingPunct="1">
+              <a:lnSpc>
+                <a:spcPct val="90000"/>
+              </a:lnSpc>
+              <a:spcBef>
+                <a:spcPts val="500"/>
+              </a:spcBef>
+              <a:buFont typeface="Arial" panose="020B0604020202020204" pitchFamily="34" charset="0"/>
+              <a:buChar char="•"/>
+              <a:defRPr kumimoji="1" sz="1800" kern="1200">
+                <a:solidFill>
+                  <a:schemeClr val="tx1"/>
+                </a:solidFill>
+                <a:latin typeface="+mn-lt"/>
+                <a:ea typeface="+mn-ea"/>
+                <a:cs typeface="+mn-cs"/>
+              </a:defRPr>
+            </a:lvl9pPr>
+          </a:lstStyle>
+          <a:p>
+            <a:pPr marL="0" indent="0">
+              <a:lnSpc>
+                <a:spcPct val="150000"/>
+              </a:lnSpc>
               <a:spcBef>
                 <a:spcPts val="0"/>
               </a:spcBef>
-              <a:spcAft>
-                <a:spcPts val="0"/>
-              </a:spcAft>
-              <a:buClrTx/>
-              <a:buSzTx/>
               <a:buFontTx/>
               <a:buNone/>
-              <a:tabLst/>
-              <a:defRPr/>
             </a:pPr>
+            <a:r>
+              <a:rPr lang="en-US" altLang="ja-JP" b="1" dirty="0" err="1" smtClean="0"/>
+              <a:t>cAIC</a:t>
+            </a:r>
+            <a:r>
+              <a:rPr lang="en-US" altLang="ja-JP" b="1" dirty="0" smtClean="0">
+                <a:sym typeface="Wingdings"/>
+              </a:rPr>
+              <a:t> (Conditional </a:t>
+            </a:r>
+            <a:r>
+              <a:rPr lang="en-US" altLang="ja-JP" b="1" dirty="0" err="1" smtClean="0">
+                <a:sym typeface="Wingdings"/>
+              </a:rPr>
+              <a:t>Akaike</a:t>
+            </a:r>
+            <a:r>
+              <a:rPr lang="en-US" altLang="ja-JP" b="1" dirty="0" smtClean="0">
+                <a:sym typeface="Wingdings"/>
+              </a:rPr>
+              <a:t> Information Criterion)</a:t>
+            </a:r>
+            <a:endParaRPr lang="en-US" altLang="ja-JP" b="1" dirty="0"/>
+          </a:p>
+        </p:txBody>
+      </p:sp>
+      <p:pic>
+        <p:nvPicPr>
+          <p:cNvPr id="7" name="図 6"/>
+          <p:cNvPicPr>
+            <a:picLocks noChangeAspect="1"/>
+          </p:cNvPicPr>
+          <p:nvPr/>
+        </p:nvPicPr>
+        <p:blipFill>
+          <a:blip r:embed="rId3"/>
+          <a:stretch>
+            <a:fillRect/>
+          </a:stretch>
+        </p:blipFill>
+        <p:spPr>
+          <a:xfrm>
+            <a:off x="3379514" y="4064020"/>
+            <a:ext cx="6426200" cy="1079500"/>
+          </a:xfrm>
+          <a:prstGeom prst="rect">
+            <a:avLst/>
+          </a:prstGeom>
+        </p:spPr>
+      </p:pic>
+      <p:sp>
+        <p:nvSpPr>
+          <p:cNvPr id="8" name="コンテンツ プレースホルダー 2"/>
+          <p:cNvSpPr txBox="1">
+            <a:spLocks/>
+          </p:cNvSpPr>
+          <p:nvPr/>
+        </p:nvSpPr>
+        <p:spPr>
+          <a:xfrm>
+            <a:off x="985345" y="5143520"/>
+            <a:ext cx="10844048" cy="803055"/>
+          </a:xfrm>
+          <a:prstGeom prst="rect">
+            <a:avLst/>
+          </a:prstGeom>
+        </p:spPr>
+        <p:txBody>
+          <a:bodyPr vert="horz" lIns="91440" tIns="45720" rIns="91440" bIns="45720" rtlCol="0">
+            <a:noAutofit/>
+          </a:bodyPr>
+          <a:lstStyle>
+            <a:lvl1pPr marL="228600" indent="-228600" algn="l" defTabSz="914400" rtl="0" eaLnBrk="1" latinLnBrk="0" hangingPunct="1">
+              <a:lnSpc>
+                <a:spcPct val="200000"/>
+              </a:lnSpc>
+              <a:spcBef>
+                <a:spcPts val="1000"/>
+              </a:spcBef>
+              <a:buFont typeface="Arial" panose="020B0604020202020204" pitchFamily="34" charset="0"/>
+              <a:buChar char="•"/>
+              <a:defRPr kumimoji="1" sz="3200" kern="1200">
+                <a:solidFill>
+                  <a:schemeClr val="tx1"/>
+                </a:solidFill>
+                <a:latin typeface="Meiryo" charset="-128"/>
+                <a:ea typeface="Meiryo" charset="-128"/>
+                <a:cs typeface="Meiryo" charset="-128"/>
+              </a:defRPr>
+            </a:lvl1pPr>
+            <a:lvl2pPr marL="685800" indent="-228600" algn="l" defTabSz="914400" rtl="0" eaLnBrk="1" latinLnBrk="0" hangingPunct="1">
+              <a:lnSpc>
+                <a:spcPct val="200000"/>
+              </a:lnSpc>
+              <a:spcBef>
+                <a:spcPts val="500"/>
+              </a:spcBef>
+              <a:buFont typeface="Arial" panose="020B0604020202020204" pitchFamily="34" charset="0"/>
+              <a:buChar char="•"/>
+              <a:defRPr kumimoji="1" sz="2800" kern="1200">
+                <a:solidFill>
+                  <a:schemeClr val="tx1"/>
+                </a:solidFill>
+                <a:latin typeface="Meiryo" charset="-128"/>
+                <a:ea typeface="Meiryo" charset="-128"/>
+                <a:cs typeface="Meiryo" charset="-128"/>
+              </a:defRPr>
+            </a:lvl2pPr>
+            <a:lvl3pPr marL="1143000" indent="-228600" algn="l" defTabSz="914400" rtl="0" eaLnBrk="1" latinLnBrk="0" hangingPunct="1">
+              <a:lnSpc>
+                <a:spcPct val="200000"/>
+              </a:lnSpc>
+              <a:spcBef>
+                <a:spcPts val="500"/>
+              </a:spcBef>
+              <a:buFont typeface="Arial" panose="020B0604020202020204" pitchFamily="34" charset="0"/>
+              <a:buChar char="•"/>
+              <a:defRPr kumimoji="1" sz="2400" kern="1200">
+                <a:solidFill>
+                  <a:schemeClr val="tx1"/>
+                </a:solidFill>
+                <a:latin typeface="Meiryo" charset="-128"/>
+                <a:ea typeface="Meiryo" charset="-128"/>
+                <a:cs typeface="Meiryo" charset="-128"/>
+              </a:defRPr>
+            </a:lvl3pPr>
+            <a:lvl4pPr marL="1600200" indent="-228600" algn="l" defTabSz="914400" rtl="0" eaLnBrk="1" latinLnBrk="0" hangingPunct="1">
+              <a:lnSpc>
+                <a:spcPct val="200000"/>
+              </a:lnSpc>
+              <a:spcBef>
+                <a:spcPts val="500"/>
+              </a:spcBef>
+              <a:buFont typeface="Arial" panose="020B0604020202020204" pitchFamily="34" charset="0"/>
+              <a:buChar char="•"/>
+              <a:defRPr kumimoji="1" sz="2000" kern="1200">
+                <a:solidFill>
+                  <a:schemeClr val="tx1"/>
+                </a:solidFill>
+                <a:latin typeface="Meiryo" charset="-128"/>
+                <a:ea typeface="Meiryo" charset="-128"/>
+                <a:cs typeface="Meiryo" charset="-128"/>
+              </a:defRPr>
+            </a:lvl4pPr>
+            <a:lvl5pPr marL="2057400" indent="-228600" algn="l" defTabSz="914400" rtl="0" eaLnBrk="1" latinLnBrk="0" hangingPunct="1">
+              <a:lnSpc>
+                <a:spcPct val="200000"/>
+              </a:lnSpc>
+              <a:spcBef>
+                <a:spcPts val="500"/>
+              </a:spcBef>
+              <a:buFont typeface="Arial" panose="020B0604020202020204" pitchFamily="34" charset="0"/>
+              <a:buChar char="•"/>
+              <a:defRPr kumimoji="1" sz="2000" kern="1200">
+                <a:solidFill>
+                  <a:schemeClr val="tx1"/>
+                </a:solidFill>
+                <a:latin typeface="Meiryo" charset="-128"/>
+                <a:ea typeface="Meiryo" charset="-128"/>
+                <a:cs typeface="Meiryo" charset="-128"/>
+              </a:defRPr>
+            </a:lvl5pPr>
+            <a:lvl6pPr marL="2514600" indent="-228600" algn="l" defTabSz="914400" rtl="0" eaLnBrk="1" latinLnBrk="0" hangingPunct="1">
+              <a:lnSpc>
+                <a:spcPct val="90000"/>
+              </a:lnSpc>
+              <a:spcBef>
+                <a:spcPts val="500"/>
+              </a:spcBef>
+              <a:buFont typeface="Arial" panose="020B0604020202020204" pitchFamily="34" charset="0"/>
+              <a:buChar char="•"/>
+              <a:defRPr kumimoji="1" sz="1800" kern="1200">
+                <a:solidFill>
+                  <a:schemeClr val="tx1"/>
+                </a:solidFill>
+                <a:latin typeface="+mn-lt"/>
+                <a:ea typeface="+mn-ea"/>
+                <a:cs typeface="+mn-cs"/>
+              </a:defRPr>
+            </a:lvl6pPr>
+            <a:lvl7pPr marL="2971800" indent="-228600" algn="l" defTabSz="914400" rtl="0" eaLnBrk="1" latinLnBrk="0" hangingPunct="1">
+              <a:lnSpc>
+                <a:spcPct val="90000"/>
+              </a:lnSpc>
+              <a:spcBef>
+                <a:spcPts val="500"/>
+              </a:spcBef>
+              <a:buFont typeface="Arial" panose="020B0604020202020204" pitchFamily="34" charset="0"/>
+              <a:buChar char="•"/>
+              <a:defRPr kumimoji="1" sz="1800" kern="1200">
+                <a:solidFill>
+                  <a:schemeClr val="tx1"/>
+                </a:solidFill>
+                <a:latin typeface="+mn-lt"/>
+                <a:ea typeface="+mn-ea"/>
+                <a:cs typeface="+mn-cs"/>
+              </a:defRPr>
+            </a:lvl7pPr>
+            <a:lvl8pPr marL="3429000" indent="-228600" algn="l" defTabSz="914400" rtl="0" eaLnBrk="1" latinLnBrk="0" hangingPunct="1">
+              <a:lnSpc>
+                <a:spcPct val="90000"/>
+              </a:lnSpc>
+              <a:spcBef>
+                <a:spcPts val="500"/>
+              </a:spcBef>
+              <a:buFont typeface="Arial" panose="020B0604020202020204" pitchFamily="34" charset="0"/>
+              <a:buChar char="•"/>
+              <a:defRPr kumimoji="1" sz="1800" kern="1200">
+                <a:solidFill>
+                  <a:schemeClr val="tx1"/>
+                </a:solidFill>
+                <a:latin typeface="+mn-lt"/>
+                <a:ea typeface="+mn-ea"/>
+                <a:cs typeface="+mn-cs"/>
+              </a:defRPr>
+            </a:lvl8pPr>
+            <a:lvl9pPr marL="3886200" indent="-228600" algn="l" defTabSz="914400" rtl="0" eaLnBrk="1" latinLnBrk="0" hangingPunct="1">
+              <a:lnSpc>
+                <a:spcPct val="90000"/>
+              </a:lnSpc>
+              <a:spcBef>
+                <a:spcPts val="500"/>
+              </a:spcBef>
+              <a:buFont typeface="Arial" panose="020B0604020202020204" pitchFamily="34" charset="0"/>
+              <a:buChar char="•"/>
+              <a:defRPr kumimoji="1" sz="1800" kern="1200">
+                <a:solidFill>
+                  <a:schemeClr val="tx1"/>
+                </a:solidFill>
+                <a:latin typeface="+mn-lt"/>
+                <a:ea typeface="+mn-ea"/>
+                <a:cs typeface="+mn-cs"/>
+              </a:defRPr>
+            </a:lvl9pPr>
+          </a:lstStyle>
+          <a:p>
+            <a:pPr marL="0" indent="0">
+              <a:lnSpc>
+                <a:spcPct val="150000"/>
+              </a:lnSpc>
+              <a:spcBef>
+                <a:spcPts val="0"/>
+              </a:spcBef>
+              <a:buFontTx/>
+              <a:buNone/>
+            </a:pPr>
+            <a:r>
+              <a:rPr lang="en-US" altLang="ja-JP" b="1" dirty="0" smtClean="0"/>
+              <a:t>BIC</a:t>
+            </a:r>
+            <a:r>
+              <a:rPr lang="en-US" altLang="ja-JP" b="1" dirty="0" smtClean="0">
+                <a:sym typeface="Wingdings"/>
+              </a:rPr>
+              <a:t> (</a:t>
+            </a:r>
+            <a:r>
+              <a:rPr lang="en-US" altLang="ja-JP" b="1" dirty="0" err="1" smtClean="0">
+                <a:sym typeface="Wingdings"/>
+              </a:rPr>
+              <a:t>Beysian</a:t>
+            </a:r>
+            <a:r>
+              <a:rPr lang="en-US" altLang="ja-JP" b="1" dirty="0" smtClean="0">
+                <a:sym typeface="Wingdings"/>
+              </a:rPr>
+              <a:t> </a:t>
+            </a:r>
+            <a:r>
+              <a:rPr lang="en-US" altLang="ja-JP" b="1" dirty="0" err="1" smtClean="0">
+                <a:sym typeface="Wingdings"/>
+              </a:rPr>
+              <a:t>Akaike</a:t>
+            </a:r>
+            <a:r>
+              <a:rPr lang="en-US" altLang="ja-JP" b="1" dirty="0" smtClean="0">
+                <a:sym typeface="Wingdings"/>
+              </a:rPr>
+              <a:t> Information Criterion)</a:t>
+            </a:r>
+            <a:endParaRPr lang="en-US" altLang="ja-JP" b="1" dirty="0"/>
+          </a:p>
+        </p:txBody>
+      </p:sp>
+      <p:pic>
+        <p:nvPicPr>
+          <p:cNvPr id="10" name="図 9"/>
+          <p:cNvPicPr>
+            <a:picLocks noChangeAspect="1"/>
+          </p:cNvPicPr>
+          <p:nvPr/>
+        </p:nvPicPr>
+        <p:blipFill>
+          <a:blip r:embed="rId4"/>
+          <a:stretch>
+            <a:fillRect/>
+          </a:stretch>
+        </p:blipFill>
+        <p:spPr>
+          <a:xfrm>
+            <a:off x="3885324" y="5946575"/>
+            <a:ext cx="5435600" cy="838200"/>
+          </a:xfrm>
+          <a:prstGeom prst="rect">
+            <a:avLst/>
+          </a:prstGeom>
+        </p:spPr>
+      </p:pic>
+      <p:grpSp>
+        <p:nvGrpSpPr>
+          <p:cNvPr id="13" name="図形グループ 12"/>
+          <p:cNvGrpSpPr/>
+          <p:nvPr/>
+        </p:nvGrpSpPr>
+        <p:grpSpPr>
+          <a:xfrm>
+            <a:off x="157655" y="1059063"/>
+            <a:ext cx="11876690" cy="646331"/>
+            <a:chOff x="315311" y="1126884"/>
+            <a:chExt cx="11876690" cy="646331"/>
+          </a:xfrm>
+        </p:grpSpPr>
+        <p:sp>
+          <p:nvSpPr>
+            <p:cNvPr id="11" name="正方形/長方形 10"/>
+            <p:cNvSpPr/>
+            <p:nvPr/>
+          </p:nvSpPr>
+          <p:spPr>
+            <a:xfrm>
+              <a:off x="315311" y="1126884"/>
+              <a:ext cx="11876690" cy="646331"/>
+            </a:xfrm>
+            <a:prstGeom prst="rect">
+              <a:avLst/>
+            </a:prstGeom>
+          </p:spPr>
+          <p:txBody>
+            <a:bodyPr wrap="square">
+              <a:spAutoFit/>
+            </a:bodyPr>
+            <a:lstStyle/>
+            <a:p>
+              <a:pPr>
+                <a:lnSpc>
+                  <a:spcPct val="150000"/>
+                </a:lnSpc>
+              </a:pPr>
+              <a:r>
+                <a:rPr lang="ja-JP" altLang="en-US" sz="2400" dirty="0">
+                  <a:latin typeface="Meiryo" charset="-128"/>
+                  <a:ea typeface="Meiryo" charset="-128"/>
+                  <a:cs typeface="Meiryo" charset="-128"/>
+                </a:rPr>
+                <a:t>モデル</a:t>
+              </a:r>
+              <a:r>
+                <a:rPr lang="en-US" altLang="ja-JP" sz="2400" i="1" dirty="0" err="1">
+                  <a:latin typeface="Times New Roman" charset="0"/>
+                  <a:ea typeface="Times New Roman" charset="0"/>
+                  <a:cs typeface="Times New Roman" charset="0"/>
+                </a:rPr>
+                <a:t>M</a:t>
+              </a:r>
+              <a:r>
+                <a:rPr lang="en-US" altLang="ja-JP" sz="2400" i="1" baseline="-25000" dirty="0" err="1">
+                  <a:latin typeface="Times New Roman" charset="0"/>
+                  <a:ea typeface="Times New Roman" charset="0"/>
+                  <a:cs typeface="Times New Roman" charset="0"/>
+                </a:rPr>
+                <a:t>j</a:t>
+              </a:r>
+              <a:r>
+                <a:rPr lang="ja-JP" altLang="en-US" sz="2400" dirty="0">
+                  <a:latin typeface="Meiryo" charset="-128"/>
+                  <a:ea typeface="Meiryo" charset="-128"/>
+                  <a:cs typeface="Meiryo" charset="-128"/>
+                </a:rPr>
+                <a:t>の</a:t>
+              </a:r>
+              <a:r>
+                <a:rPr lang="en-US" altLang="ja-JP" sz="2400" i="1" dirty="0" err="1">
+                  <a:latin typeface="Times New Roman" charset="0"/>
+                  <a:ea typeface="Times New Roman" charset="0"/>
+                  <a:cs typeface="Times New Roman" charset="0"/>
+                </a:rPr>
+                <a:t>p</a:t>
+              </a:r>
+              <a:r>
+                <a:rPr lang="en-US" altLang="ja-JP" sz="2400" i="1" baseline="-25000" dirty="0" err="1">
+                  <a:latin typeface="Times New Roman" charset="0"/>
+                  <a:ea typeface="Times New Roman" charset="0"/>
+                  <a:cs typeface="Times New Roman" charset="0"/>
+                </a:rPr>
+                <a:t>j</a:t>
+              </a:r>
+              <a:r>
+                <a:rPr lang="ja-JP" altLang="en-US" sz="2400" dirty="0">
+                  <a:latin typeface="Meiryo" charset="-128"/>
+                  <a:ea typeface="Meiryo" charset="-128"/>
+                  <a:cs typeface="Meiryo" charset="-128"/>
+                </a:rPr>
+                <a:t>変量等方</a:t>
+              </a:r>
+              <a:r>
+                <a:rPr lang="en-US" altLang="ja-JP" sz="2400" dirty="0">
+                  <a:latin typeface="Meiryo" charset="-128"/>
+                  <a:ea typeface="Meiryo" charset="-128"/>
+                  <a:cs typeface="Meiryo" charset="-128"/>
+                </a:rPr>
+                <a:t>Gauss</a:t>
+              </a:r>
+              <a:r>
+                <a:rPr lang="ja-JP" altLang="en-US" sz="2400" dirty="0">
+                  <a:latin typeface="Meiryo" charset="-128"/>
+                  <a:ea typeface="Meiryo" charset="-128"/>
+                  <a:cs typeface="Meiryo" charset="-128"/>
+                </a:rPr>
+                <a:t>分布の対数尤度関数を   </a:t>
+              </a:r>
+              <a:r>
+                <a:rPr lang="en-US" altLang="ja-JP" sz="2400" dirty="0" smtClean="0">
+                  <a:latin typeface="Meiryo" charset="-128"/>
+                  <a:ea typeface="Meiryo" charset="-128"/>
+                  <a:cs typeface="Meiryo" charset="-128"/>
+                </a:rPr>
+                <a:t>    , </a:t>
+              </a:r>
+              <a:r>
+                <a:rPr lang="ja-JP" altLang="en-US" sz="2400" dirty="0" smtClean="0">
+                  <a:latin typeface="Meiryo" charset="-128"/>
+                  <a:ea typeface="Meiryo" charset="-128"/>
+                  <a:cs typeface="Meiryo" charset="-128"/>
+                </a:rPr>
+                <a:t>モデル</a:t>
+              </a:r>
+              <a:r>
+                <a:rPr lang="ja-JP" altLang="en-US" sz="2400" dirty="0">
+                  <a:latin typeface="Meiryo" charset="-128"/>
+                  <a:ea typeface="Meiryo" charset="-128"/>
+                  <a:cs typeface="Meiryo" charset="-128"/>
+                </a:rPr>
+                <a:t>のデータ数を</a:t>
+              </a:r>
+              <a:r>
+                <a:rPr lang="en-US" altLang="ja-JP" sz="2400" i="1" dirty="0">
+                  <a:latin typeface="Times New Roman" charset="0"/>
+                  <a:ea typeface="Times New Roman" charset="0"/>
+                  <a:cs typeface="Times New Roman" charset="0"/>
+                </a:rPr>
+                <a:t>R</a:t>
+              </a:r>
+              <a:r>
+                <a:rPr lang="ja-JP" altLang="en-US" sz="2400" dirty="0">
+                  <a:latin typeface="Meiryo" charset="-128"/>
+                  <a:ea typeface="Meiryo" charset="-128"/>
+                  <a:cs typeface="Meiryo" charset="-128"/>
+                </a:rPr>
+                <a:t>と表す．</a:t>
+              </a:r>
+              <a:endParaRPr lang="en-US" altLang="ja-JP" sz="2400" dirty="0">
+                <a:latin typeface="Meiryo" charset="-128"/>
+                <a:ea typeface="Meiryo" charset="-128"/>
+                <a:cs typeface="Meiryo" charset="-128"/>
+              </a:endParaRPr>
+            </a:p>
+          </p:txBody>
+        </p:sp>
+        <p:pic>
+          <p:nvPicPr>
+            <p:cNvPr id="12" name="図 11"/>
+            <p:cNvPicPr>
+              <a:picLocks noChangeAspect="1"/>
+            </p:cNvPicPr>
+            <p:nvPr/>
+          </p:nvPicPr>
+          <p:blipFill>
+            <a:blip r:embed="rId5"/>
+            <a:stretch>
+              <a:fillRect/>
+            </a:stretch>
+          </p:blipFill>
+          <p:spPr>
+            <a:xfrm>
+              <a:off x="7379137" y="1298636"/>
+              <a:ext cx="625559" cy="351877"/>
+            </a:xfrm>
+            <a:prstGeom prst="rect">
+              <a:avLst/>
+            </a:prstGeom>
+          </p:spPr>
+        </p:pic>
+      </p:grpSp>
+    </p:spTree>
+    <p:extLst>
+      <p:ext uri="{BB962C8B-B14F-4D97-AF65-F5344CB8AC3E}">
+        <p14:creationId xmlns:p14="http://schemas.microsoft.com/office/powerpoint/2010/main" val="1608844801"/>
+      </p:ext>
+    </p:extLst>
+  </p:cSld>
+  <p:clrMapOvr>
+    <a:masterClrMapping/>
+  </p:clrMapOvr>
+  <p:timing>
+    <p:tnLst>
+      <p:par>
+        <p:cTn id="1" dur="indefinite" restart="never" nodeType="tmRoot"/>
+      </p:par>
+    </p:tnLst>
+  </p:timing>
+</p:sld>
+</file>
+
+<file path=ppt/slides/slide9.xml><?xml version="1.0" encoding="utf-8"?>
+<p:sld xmlns:a="http://schemas.openxmlformats.org/drawingml/2006/main" xmlns:r="http://schemas.openxmlformats.org/officeDocument/2006/relationships" xmlns:p="http://schemas.openxmlformats.org/presentationml/2006/main">
+  <p:cSld>
+    <p:spTree>
+      <p:nvGrpSpPr>
+        <p:cNvPr id="1" name=""/>
+        <p:cNvGrpSpPr/>
+        <p:nvPr/>
+      </p:nvGrpSpPr>
+      <p:grpSpPr>
+        <a:xfrm>
+          <a:off x="0" y="0"/>
+          <a:ext cx="0" cy="0"/>
+          <a:chOff x="0" y="0"/>
+          <a:chExt cx="0" cy="0"/>
+        </a:xfrm>
+      </p:grpSpPr>
+      <p:sp>
+        <p:nvSpPr>
+          <p:cNvPr id="2" name="タイトル 1"/>
+          <p:cNvSpPr>
+            <a:spLocks noGrp="1"/>
+          </p:cNvSpPr>
+          <p:nvPr>
+            <p:ph type="title"/>
+          </p:nvPr>
+        </p:nvSpPr>
+        <p:spPr/>
+        <p:txBody>
+          <a:bodyPr/>
+          <a:lstStyle/>
+          <a:p>
+            <a:r>
+              <a:rPr lang="ja-JP" altLang="en-US" dirty="0" smtClean="0"/>
+              <a:t>実験</a:t>
+            </a:r>
+            <a:endParaRPr kumimoji="1" lang="ja-JP" altLang="en-US" dirty="0"/>
+          </a:p>
+        </p:txBody>
+      </p:sp>
+      <p:sp>
+        <p:nvSpPr>
+          <p:cNvPr id="3" name="コンテンツ プレースホルダー 2"/>
+          <p:cNvSpPr>
+            <a:spLocks noGrp="1"/>
+          </p:cNvSpPr>
+          <p:nvPr>
+            <p:ph idx="1"/>
+          </p:nvPr>
+        </p:nvSpPr>
+        <p:spPr>
+          <a:xfrm>
+            <a:off x="838200" y="987972"/>
+            <a:ext cx="10515600" cy="5870028"/>
+          </a:xfrm>
+        </p:spPr>
+        <p:txBody>
+          <a:bodyPr/>
+          <a:lstStyle/>
+          <a:p>
+            <a:pPr>
+              <a:lnSpc>
+                <a:spcPct val="150000"/>
+              </a:lnSpc>
+            </a:pPr>
+            <a:r>
+              <a:rPr lang="en-US" altLang="ja-JP" dirty="0" smtClean="0"/>
+              <a:t>2</a:t>
+            </a:r>
+            <a:r>
+              <a:rPr kumimoji="1" lang="ja-JP" altLang="en-US" dirty="0" smtClean="0"/>
+              <a:t>次元・</a:t>
+            </a:r>
+            <a:r>
+              <a:rPr kumimoji="1" lang="en-US" altLang="ja-JP" dirty="0" smtClean="0"/>
+              <a:t>3</a:t>
+            </a:r>
+            <a:r>
+              <a:rPr kumimoji="1" lang="ja-JP" altLang="en-US" dirty="0" smtClean="0"/>
+              <a:t>次元</a:t>
+            </a:r>
+            <a:r>
+              <a:rPr lang="ja-JP" altLang="en-US" dirty="0" smtClean="0"/>
+              <a:t>空間に人工データを生成</a:t>
+            </a:r>
+            <a:endParaRPr lang="en-US" altLang="ja-JP" dirty="0" smtClean="0"/>
+          </a:p>
+          <a:p>
+            <a:pPr lvl="1">
+              <a:buFont typeface="Wingdings" charset="2"/>
+              <a:buChar char="Ø"/>
+            </a:pPr>
+            <a:r>
+              <a:rPr kumimoji="1" lang="ja-JP" altLang="en-US" dirty="0" smtClean="0"/>
+              <a:t> 分散</a:t>
+            </a:r>
+            <a:r>
+              <a:rPr kumimoji="1" lang="en-US" altLang="ja-JP" dirty="0" smtClean="0"/>
+              <a:t> </a:t>
+            </a:r>
+            <a:r>
+              <a:rPr kumimoji="1" lang="en-US" altLang="ja-JP" i="1" dirty="0" smtClean="0">
+                <a:latin typeface="Times New Roman" charset="0"/>
+                <a:ea typeface="Times New Roman" charset="0"/>
+                <a:cs typeface="Times New Roman" charset="0"/>
+              </a:rPr>
+              <a:t>σ</a:t>
+            </a:r>
+            <a:r>
+              <a:rPr kumimoji="1" lang="en-US" altLang="ja-JP" baseline="30000" dirty="0" smtClean="0">
+                <a:latin typeface="Times New Roman" charset="0"/>
+                <a:ea typeface="Times New Roman" charset="0"/>
+                <a:cs typeface="Times New Roman" charset="0"/>
+              </a:rPr>
+              <a:t>2</a:t>
+            </a:r>
+            <a:r>
+              <a:rPr lang="en-US" altLang="ja-JP" dirty="0" smtClean="0">
+                <a:latin typeface="Times New Roman" charset="0"/>
+                <a:ea typeface="Times New Roman" charset="0"/>
+                <a:cs typeface="Times New Roman" charset="0"/>
+              </a:rPr>
+              <a:t>=1 </a:t>
+            </a:r>
+            <a:r>
+              <a:rPr lang="ja-JP" altLang="en-US" dirty="0" smtClean="0"/>
+              <a:t>の</a:t>
+            </a:r>
+            <a:r>
+              <a:rPr lang="en-US" altLang="ja-JP" dirty="0" smtClean="0"/>
+              <a:t>5</a:t>
+            </a:r>
+            <a:r>
+              <a:rPr lang="ja-JP" altLang="en-US" dirty="0" smtClean="0"/>
+              <a:t>つの等方</a:t>
+            </a:r>
+            <a:r>
+              <a:rPr lang="en-US" altLang="ja-JP" dirty="0" smtClean="0"/>
+              <a:t>Gauss</a:t>
+            </a:r>
+            <a:r>
+              <a:rPr lang="ja-JP" altLang="en-US" dirty="0" smtClean="0"/>
+              <a:t>分布で構成</a:t>
+            </a:r>
+            <a:endParaRPr lang="en-US" altLang="ja-JP" dirty="0"/>
+          </a:p>
+          <a:p>
+            <a:pPr lvl="1">
+              <a:buFont typeface="Wingdings" charset="2"/>
+              <a:buChar char="Ø"/>
+            </a:pPr>
+            <a:r>
+              <a:rPr kumimoji="1" lang="ja-JP" altLang="en-US" dirty="0" smtClean="0"/>
+              <a:t> 各クラスタは</a:t>
+            </a:r>
+            <a:r>
+              <a:rPr kumimoji="1" lang="en-US" altLang="ja-JP" dirty="0" smtClean="0"/>
+              <a:t>500</a:t>
+            </a:r>
+            <a:r>
+              <a:rPr kumimoji="1" lang="ja-JP" altLang="en-US" dirty="0" smtClean="0"/>
+              <a:t>個のデータ点からなる</a:t>
+            </a:r>
             <a:endParaRPr kumimoji="1" lang="en-US" altLang="ja-JP" dirty="0" smtClean="0"/>
+          </a:p>
+          <a:p>
+            <a:pPr>
+              <a:buFont typeface="Arial" charset="0"/>
+              <a:buChar char="•"/>
+            </a:pPr>
+            <a:r>
+              <a:rPr lang="ja-JP" altLang="en-US" dirty="0" smtClean="0"/>
+              <a:t>分割停止規準に 対数尤度関数</a:t>
+            </a:r>
+            <a:r>
+              <a:rPr lang="en-US" altLang="ja-JP" dirty="0" smtClean="0"/>
+              <a:t>, AIC, </a:t>
+            </a:r>
+            <a:r>
+              <a:rPr lang="en-US" altLang="ja-JP" dirty="0" err="1" smtClean="0"/>
+              <a:t>cAIC</a:t>
+            </a:r>
+            <a:r>
+              <a:rPr lang="en-US" altLang="ja-JP" dirty="0" smtClean="0"/>
+              <a:t>, BIC</a:t>
+            </a:r>
+            <a:r>
+              <a:rPr lang="ja-JP" altLang="en-US" dirty="0" smtClean="0"/>
+              <a:t>を採用</a:t>
+            </a:r>
+            <a:endParaRPr lang="en-US" altLang="ja-JP" dirty="0" smtClean="0"/>
+          </a:p>
+          <a:p>
+            <a:pPr>
+              <a:buFont typeface="Arial" charset="0"/>
+              <a:buChar char="•"/>
+            </a:pPr>
+            <a:r>
+              <a:rPr kumimoji="1" lang="ja-JP" altLang="en-US" dirty="0" smtClean="0"/>
+              <a:t>性能評価は</a:t>
+            </a:r>
+            <a:r>
+              <a:rPr kumimoji="1" lang="en-US" altLang="ja-JP" dirty="0" smtClean="0"/>
+              <a:t>ARI, NMI, Purity</a:t>
+            </a:r>
+            <a:r>
+              <a:rPr kumimoji="1" lang="ja-JP" altLang="en-US" dirty="0" smtClean="0"/>
+              <a:t>を使用</a:t>
+            </a:r>
+            <a:r>
+              <a:rPr kumimoji="1" lang="en-US" altLang="ja-JP" dirty="0" smtClean="0"/>
+              <a:t> (1</a:t>
+            </a:r>
+            <a:r>
+              <a:rPr kumimoji="1" lang="ja-JP" altLang="en-US" dirty="0" smtClean="0"/>
+              <a:t>になるほど良い</a:t>
+            </a:r>
+            <a:r>
+              <a:rPr kumimoji="1" lang="en-US" altLang="ja-JP" dirty="0" smtClean="0"/>
+              <a:t>)</a:t>
+            </a:r>
+          </a:p>
+          <a:p>
+            <a:pPr>
+              <a:buFont typeface="Arial" charset="0"/>
+              <a:buChar char="•"/>
+            </a:pPr>
+            <a:r>
+              <a:rPr lang="en-US" altLang="ja-JP" dirty="0" smtClean="0"/>
+              <a:t>100</a:t>
+            </a:r>
+            <a:r>
+              <a:rPr lang="ja-JP" altLang="en-US" dirty="0" smtClean="0"/>
+              <a:t>回のクラスタリング結果の平均を算出</a:t>
+            </a:r>
+            <a:endParaRPr kumimoji="1" lang="ja-JP" altLang="en-US" dirty="0"/>
           </a:p>
         </p:txBody>
       </p:sp>
     </p:spTree>
     <p:extLst>
       <p:ext uri="{BB962C8B-B14F-4D97-AF65-F5344CB8AC3E}">
-        <p14:creationId xmlns:p14="http://schemas.microsoft.com/office/powerpoint/2010/main" val="245199164"/>
+        <p14:creationId xmlns:p14="http://schemas.microsoft.com/office/powerpoint/2010/main" val="2067280417"/>
       </p:ext>
     </p:extLst>
   </p:cSld>

--- a/docs/interim-presen/interim_hagihara.pptx
+++ b/docs/interim-presen/interim_hagihara.pptx
@@ -5,7 +5,7 @@
     <p:sldMasterId id="2147483668" r:id="rId1"/>
   </p:sldMasterIdLst>
   <p:notesMasterIdLst>
-    <p:notesMasterId r:id="rId16"/>
+    <p:notesMasterId r:id="rId18"/>
   </p:notesMasterIdLst>
   <p:sldIdLst>
     <p:sldId id="256" r:id="rId2"/>
@@ -14,14 +14,16 @@
     <p:sldId id="258" r:id="rId5"/>
     <p:sldId id="260" r:id="rId6"/>
     <p:sldId id="261" r:id="rId7"/>
-    <p:sldId id="262" r:id="rId8"/>
-    <p:sldId id="263" r:id="rId9"/>
-    <p:sldId id="264" r:id="rId10"/>
-    <p:sldId id="265" r:id="rId11"/>
-    <p:sldId id="266" r:id="rId12"/>
-    <p:sldId id="267" r:id="rId13"/>
-    <p:sldId id="268" r:id="rId14"/>
-    <p:sldId id="269" r:id="rId15"/>
+    <p:sldId id="271" r:id="rId8"/>
+    <p:sldId id="262" r:id="rId9"/>
+    <p:sldId id="263" r:id="rId10"/>
+    <p:sldId id="264" r:id="rId11"/>
+    <p:sldId id="265" r:id="rId12"/>
+    <p:sldId id="266" r:id="rId13"/>
+    <p:sldId id="267" r:id="rId14"/>
+    <p:sldId id="268" r:id="rId15"/>
+    <p:sldId id="269" r:id="rId16"/>
+    <p:sldId id="270" r:id="rId17"/>
   </p:sldIdLst>
   <p:sldSz cx="12192000" cy="6858000"/>
   <p:notesSz cx="6858000" cy="9144000"/>
@@ -659,7 +661,7 @@
           <a:p>
             <a:fld id="{F78381A3-C678-7B48-BA42-399B1155E4C3}" type="slidenum">
               <a:rPr kumimoji="1" lang="ja-JP" altLang="en-US" smtClean="0"/>
-              <a:t>7</a:t>
+              <a:t>8</a:t>
             </a:fld>
             <a:endParaRPr kumimoji="1" lang="ja-JP" altLang="en-US"/>
           </a:p>
@@ -2281,6 +2283,265 @@
 </file>
 
 <file path=ppt/slides/slide10.xml><?xml version="1.0" encoding="utf-8"?>
+<p:sld xmlns:a="http://schemas.openxmlformats.org/drawingml/2006/main" xmlns:r="http://schemas.openxmlformats.org/officeDocument/2006/relationships" xmlns:p="http://schemas.openxmlformats.org/presentationml/2006/main">
+  <p:cSld>
+    <p:spTree>
+      <p:nvGrpSpPr>
+        <p:cNvPr id="1" name=""/>
+        <p:cNvGrpSpPr/>
+        <p:nvPr/>
+      </p:nvGrpSpPr>
+      <p:grpSpPr>
+        <a:xfrm>
+          <a:off x="0" y="0"/>
+          <a:ext cx="0" cy="0"/>
+          <a:chOff x="0" y="0"/>
+          <a:chExt cx="0" cy="0"/>
+        </a:xfrm>
+      </p:grpSpPr>
+      <p:sp>
+        <p:nvSpPr>
+          <p:cNvPr id="2" name="タイトル 1"/>
+          <p:cNvSpPr>
+            <a:spLocks noGrp="1"/>
+          </p:cNvSpPr>
+          <p:nvPr>
+            <p:ph type="title"/>
+          </p:nvPr>
+        </p:nvSpPr>
+        <p:spPr/>
+        <p:txBody>
+          <a:bodyPr/>
+          <a:lstStyle/>
+          <a:p>
+            <a:r>
+              <a:rPr lang="ja-JP" altLang="en-US" dirty="0" smtClean="0"/>
+              <a:t>実験</a:t>
+            </a:r>
+            <a:endParaRPr kumimoji="1" lang="ja-JP" altLang="en-US" dirty="0"/>
+          </a:p>
+        </p:txBody>
+      </p:sp>
+      <p:sp>
+        <p:nvSpPr>
+          <p:cNvPr id="3" name="コンテンツ プレースホルダー 2"/>
+          <p:cNvSpPr>
+            <a:spLocks noGrp="1"/>
+          </p:cNvSpPr>
+          <p:nvPr>
+            <p:ph idx="1"/>
+          </p:nvPr>
+        </p:nvSpPr>
+        <p:spPr>
+          <a:xfrm>
+            <a:off x="838200" y="987972"/>
+            <a:ext cx="10515600" cy="5870028"/>
+          </a:xfrm>
+        </p:spPr>
+        <p:txBody>
+          <a:bodyPr/>
+          <a:lstStyle/>
+          <a:p>
+            <a:pPr>
+              <a:lnSpc>
+                <a:spcPct val="150000"/>
+              </a:lnSpc>
+            </a:pPr>
+            <a:r>
+              <a:rPr lang="en-US" altLang="ja-JP" dirty="0" smtClean="0"/>
+              <a:t>2</a:t>
+            </a:r>
+            <a:r>
+              <a:rPr kumimoji="1" lang="ja-JP" altLang="en-US" dirty="0" smtClean="0"/>
+              <a:t>次元・</a:t>
+            </a:r>
+            <a:r>
+              <a:rPr kumimoji="1" lang="en-US" altLang="ja-JP" dirty="0" smtClean="0"/>
+              <a:t>3</a:t>
+            </a:r>
+            <a:r>
+              <a:rPr kumimoji="1" lang="ja-JP" altLang="en-US" dirty="0" smtClean="0"/>
+              <a:t>次元</a:t>
+            </a:r>
+            <a:r>
+              <a:rPr lang="ja-JP" altLang="en-US" dirty="0" smtClean="0"/>
+              <a:t>空間に人工データを生成</a:t>
+            </a:r>
+            <a:endParaRPr lang="en-US" altLang="ja-JP" dirty="0" smtClean="0"/>
+          </a:p>
+          <a:p>
+            <a:pPr lvl="1">
+              <a:buFont typeface="Wingdings" charset="2"/>
+              <a:buChar char="Ø"/>
+            </a:pPr>
+            <a:r>
+              <a:rPr kumimoji="1" lang="ja-JP" altLang="en-US" dirty="0" smtClean="0"/>
+              <a:t> 分散</a:t>
+            </a:r>
+            <a:r>
+              <a:rPr kumimoji="1" lang="en-US" altLang="ja-JP" dirty="0" smtClean="0"/>
+              <a:t> </a:t>
+            </a:r>
+            <a:r>
+              <a:rPr kumimoji="1" lang="en-US" altLang="ja-JP" i="1" dirty="0" smtClean="0">
+                <a:latin typeface="Times New Roman" charset="0"/>
+                <a:ea typeface="Times New Roman" charset="0"/>
+                <a:cs typeface="Times New Roman" charset="0"/>
+              </a:rPr>
+              <a:t>σ</a:t>
+            </a:r>
+            <a:r>
+              <a:rPr kumimoji="1" lang="en-US" altLang="ja-JP" baseline="30000" dirty="0" smtClean="0">
+                <a:latin typeface="Times New Roman" charset="0"/>
+                <a:ea typeface="Times New Roman" charset="0"/>
+                <a:cs typeface="Times New Roman" charset="0"/>
+              </a:rPr>
+              <a:t>2</a:t>
+            </a:r>
+            <a:r>
+              <a:rPr lang="en-US" altLang="ja-JP" dirty="0" smtClean="0">
+                <a:latin typeface="Times New Roman" charset="0"/>
+                <a:ea typeface="Times New Roman" charset="0"/>
+                <a:cs typeface="Times New Roman" charset="0"/>
+              </a:rPr>
+              <a:t>=1 </a:t>
+            </a:r>
+            <a:r>
+              <a:rPr lang="ja-JP" altLang="en-US" dirty="0" smtClean="0"/>
+              <a:t>の</a:t>
+            </a:r>
+            <a:r>
+              <a:rPr lang="en-US" altLang="ja-JP" dirty="0" smtClean="0"/>
+              <a:t>5</a:t>
+            </a:r>
+            <a:r>
+              <a:rPr lang="ja-JP" altLang="en-US" dirty="0" smtClean="0"/>
+              <a:t>つの等方</a:t>
+            </a:r>
+            <a:r>
+              <a:rPr lang="en-US" altLang="ja-JP" dirty="0" smtClean="0"/>
+              <a:t>Gauss</a:t>
+            </a:r>
+            <a:r>
+              <a:rPr lang="ja-JP" altLang="en-US" dirty="0" smtClean="0"/>
+              <a:t>分布で構成</a:t>
+            </a:r>
+            <a:endParaRPr lang="en-US" altLang="ja-JP" dirty="0"/>
+          </a:p>
+          <a:p>
+            <a:pPr lvl="1">
+              <a:buFont typeface="Wingdings" charset="2"/>
+              <a:buChar char="Ø"/>
+            </a:pPr>
+            <a:r>
+              <a:rPr kumimoji="1" lang="ja-JP" altLang="en-US" dirty="0" smtClean="0"/>
+              <a:t> 各クラスタは</a:t>
+            </a:r>
+            <a:r>
+              <a:rPr kumimoji="1" lang="en-US" altLang="ja-JP" dirty="0" smtClean="0"/>
+              <a:t>500</a:t>
+            </a:r>
+            <a:r>
+              <a:rPr kumimoji="1" lang="ja-JP" altLang="en-US" dirty="0" smtClean="0"/>
+              <a:t>個のデータ点からなる</a:t>
+            </a:r>
+            <a:endParaRPr kumimoji="1" lang="en-US" altLang="ja-JP" dirty="0" smtClean="0"/>
+          </a:p>
+          <a:p>
+            <a:pPr>
+              <a:buFont typeface="Arial" charset="0"/>
+              <a:buChar char="•"/>
+            </a:pPr>
+            <a:r>
+              <a:rPr lang="ja-JP" altLang="en-US" dirty="0" smtClean="0"/>
+              <a:t>分割停止規準に 対数尤度関数</a:t>
+            </a:r>
+            <a:r>
+              <a:rPr lang="en-US" altLang="ja-JP" dirty="0" smtClean="0"/>
+              <a:t>, AIC, </a:t>
+            </a:r>
+            <a:r>
+              <a:rPr lang="en-US" altLang="ja-JP" dirty="0" err="1" smtClean="0"/>
+              <a:t>cAIC</a:t>
+            </a:r>
+            <a:r>
+              <a:rPr lang="en-US" altLang="ja-JP" dirty="0" smtClean="0"/>
+              <a:t>, BIC</a:t>
+            </a:r>
+            <a:r>
+              <a:rPr lang="ja-JP" altLang="en-US" dirty="0" smtClean="0"/>
+              <a:t>を採用</a:t>
+            </a:r>
+            <a:endParaRPr lang="en-US" altLang="ja-JP" dirty="0" smtClean="0"/>
+          </a:p>
+          <a:p>
+            <a:pPr>
+              <a:buFont typeface="Arial" charset="0"/>
+              <a:buChar char="•"/>
+            </a:pPr>
+            <a:r>
+              <a:rPr kumimoji="1" lang="ja-JP" altLang="en-US" dirty="0" smtClean="0"/>
+              <a:t>性能評価は</a:t>
+            </a:r>
+            <a:r>
+              <a:rPr kumimoji="1" lang="en-US" altLang="ja-JP" dirty="0" smtClean="0"/>
+              <a:t>ARI, NMI, Purity</a:t>
+            </a:r>
+            <a:r>
+              <a:rPr kumimoji="1" lang="ja-JP" altLang="en-US" dirty="0" smtClean="0"/>
+              <a:t>を使用</a:t>
+            </a:r>
+            <a:r>
+              <a:rPr kumimoji="1" lang="en-US" altLang="ja-JP" dirty="0" smtClean="0"/>
+              <a:t> (1</a:t>
+            </a:r>
+            <a:r>
+              <a:rPr kumimoji="1" lang="ja-JP" altLang="en-US" dirty="0" smtClean="0"/>
+              <a:t>になるほど良い</a:t>
+            </a:r>
+            <a:r>
+              <a:rPr kumimoji="1" lang="en-US" altLang="ja-JP" dirty="0" smtClean="0"/>
+              <a:t>)</a:t>
+            </a:r>
+          </a:p>
+          <a:p>
+            <a:pPr>
+              <a:buFont typeface="Arial" charset="0"/>
+              <a:buChar char="•"/>
+            </a:pPr>
+            <a:r>
+              <a:rPr lang="en-US" altLang="ja-JP" dirty="0" smtClean="0"/>
+              <a:t>100</a:t>
+            </a:r>
+            <a:r>
+              <a:rPr lang="ja-JP" altLang="en-US" dirty="0" smtClean="0"/>
+              <a:t>回のクラスタリング結果の平均を算出</a:t>
+            </a:r>
+            <a:endParaRPr kumimoji="1" lang="ja-JP" altLang="en-US" dirty="0"/>
+          </a:p>
+        </p:txBody>
+      </p:sp>
+    </p:spTree>
+    <p:extLst>
+      <p:ext uri="{BB962C8B-B14F-4D97-AF65-F5344CB8AC3E}">
+        <p14:creationId xmlns:p14="http://schemas.microsoft.com/office/powerpoint/2010/main" val="2067280417"/>
+      </p:ext>
+    </p:extLst>
+  </p:cSld>
+  <p:clrMapOvr>
+    <a:masterClrMapping/>
+  </p:clrMapOvr>
+  <p:timing>
+    <p:tnLst>
+      <p:par>
+        <p:cTn id="1" dur="indefinite" restart="never" nodeType="tmRoot"/>
+      </p:par>
+    </p:tnLst>
+  </p:timing>
+</p:sld>
+</file>
+
+<file path=ppt/slides/slide11.xml><?xml version="1.0" encoding="utf-8"?>
 <p:sld xmlns:a="http://schemas.openxmlformats.org/drawingml/2006/main" xmlns:r="http://schemas.openxmlformats.org/officeDocument/2006/relationships" xmlns:p="http://schemas.openxmlformats.org/presentationml/2006/main">
   <p:cSld>
     <p:spTree>
@@ -3127,7 +3388,7 @@
 </p:sld>
 </file>
 
-<file path=ppt/slides/slide11.xml><?xml version="1.0" encoding="utf-8"?>
+<file path=ppt/slides/slide12.xml><?xml version="1.0" encoding="utf-8"?>
 <p:sld xmlns:a="http://schemas.openxmlformats.org/drawingml/2006/main" xmlns:r="http://schemas.openxmlformats.org/officeDocument/2006/relationships" xmlns:p="http://schemas.openxmlformats.org/presentationml/2006/main">
   <p:cSld>
     <p:spTree>
@@ -3951,7 +4212,7 @@
 </p:sld>
 </file>
 
-<file path=ppt/slides/slide12.xml><?xml version="1.0" encoding="utf-8"?>
+<file path=ppt/slides/slide13.xml><?xml version="1.0" encoding="utf-8"?>
 <p:sld xmlns:a="http://schemas.openxmlformats.org/drawingml/2006/main" xmlns:r="http://schemas.openxmlformats.org/officeDocument/2006/relationships" xmlns:p="http://schemas.openxmlformats.org/presentationml/2006/main">
   <p:cSld>
     <p:spTree>
@@ -4108,85 +4369,6 @@
     <p:extLst>
       <p:ext uri="{BB962C8B-B14F-4D97-AF65-F5344CB8AC3E}">
         <p14:creationId xmlns:p14="http://schemas.microsoft.com/office/powerpoint/2010/main" val="2139596300"/>
-      </p:ext>
-    </p:extLst>
-  </p:cSld>
-  <p:clrMapOvr>
-    <a:masterClrMapping/>
-  </p:clrMapOvr>
-  <p:timing>
-    <p:tnLst>
-      <p:par>
-        <p:cTn id="1" dur="indefinite" restart="never" nodeType="tmRoot"/>
-      </p:par>
-    </p:tnLst>
-  </p:timing>
-</p:sld>
-</file>
-
-<file path=ppt/slides/slide13.xml><?xml version="1.0" encoding="utf-8"?>
-<p:sld xmlns:a="http://schemas.openxmlformats.org/drawingml/2006/main" xmlns:r="http://schemas.openxmlformats.org/officeDocument/2006/relationships" xmlns:p="http://schemas.openxmlformats.org/presentationml/2006/main">
-  <p:cSld>
-    <p:spTree>
-      <p:nvGrpSpPr>
-        <p:cNvPr id="1" name=""/>
-        <p:cNvGrpSpPr/>
-        <p:nvPr/>
-      </p:nvGrpSpPr>
-      <p:grpSpPr>
-        <a:xfrm>
-          <a:off x="0" y="0"/>
-          <a:ext cx="0" cy="0"/>
-          <a:chOff x="0" y="0"/>
-          <a:chExt cx="0" cy="0"/>
-        </a:xfrm>
-      </p:grpSpPr>
-      <p:sp>
-        <p:nvSpPr>
-          <p:cNvPr id="2" name="タイトル 1"/>
-          <p:cNvSpPr>
-            <a:spLocks noGrp="1"/>
-          </p:cNvSpPr>
-          <p:nvPr>
-            <p:ph type="title"/>
-          </p:nvPr>
-        </p:nvSpPr>
-        <p:spPr>
-          <a:xfrm>
-            <a:off x="922283" y="3356686"/>
-            <a:ext cx="10515600" cy="636925"/>
-          </a:xfrm>
-        </p:spPr>
-        <p:txBody>
-          <a:bodyPr/>
-          <a:lstStyle/>
-          <a:p>
-            <a:r>
-              <a:rPr kumimoji="1" lang="en-US" altLang="ja-JP" smtClean="0">
-                <a:solidFill>
-                  <a:schemeClr val="tx1">
-                    <a:lumMod val="85000"/>
-                    <a:lumOff val="15000"/>
-                  </a:schemeClr>
-                </a:solidFill>
-              </a:rPr>
-              <a:t>Appendix</a:t>
-            </a:r>
-            <a:endParaRPr kumimoji="1" lang="ja-JP" altLang="en-US" dirty="0">
-              <a:solidFill>
-                <a:schemeClr val="tx1">
-                  <a:lumMod val="85000"/>
-                  <a:lumOff val="15000"/>
-                </a:schemeClr>
-              </a:solidFill>
-            </a:endParaRPr>
-          </a:p>
-        </p:txBody>
-      </p:sp>
-    </p:spTree>
-    <p:extLst>
-      <p:ext uri="{BB962C8B-B14F-4D97-AF65-F5344CB8AC3E}">
-        <p14:creationId xmlns:p14="http://schemas.microsoft.com/office/powerpoint/2010/main" val="647820641"/>
       </p:ext>
     </p:extLst>
   </p:cSld>
@@ -4230,6 +4412,85 @@
             <p:ph type="title"/>
           </p:nvPr>
         </p:nvSpPr>
+        <p:spPr>
+          <a:xfrm>
+            <a:off x="922283" y="3356686"/>
+            <a:ext cx="10515600" cy="636925"/>
+          </a:xfrm>
+        </p:spPr>
+        <p:txBody>
+          <a:bodyPr/>
+          <a:lstStyle/>
+          <a:p>
+            <a:r>
+              <a:rPr kumimoji="1" lang="en-US" altLang="ja-JP" smtClean="0">
+                <a:solidFill>
+                  <a:schemeClr val="tx1">
+                    <a:lumMod val="85000"/>
+                    <a:lumOff val="15000"/>
+                  </a:schemeClr>
+                </a:solidFill>
+              </a:rPr>
+              <a:t>Appendix</a:t>
+            </a:r>
+            <a:endParaRPr kumimoji="1" lang="ja-JP" altLang="en-US" dirty="0">
+              <a:solidFill>
+                <a:schemeClr val="tx1">
+                  <a:lumMod val="85000"/>
+                  <a:lumOff val="15000"/>
+                </a:schemeClr>
+              </a:solidFill>
+            </a:endParaRPr>
+          </a:p>
+        </p:txBody>
+      </p:sp>
+    </p:spTree>
+    <p:extLst>
+      <p:ext uri="{BB962C8B-B14F-4D97-AF65-F5344CB8AC3E}">
+        <p14:creationId xmlns:p14="http://schemas.microsoft.com/office/powerpoint/2010/main" val="647820641"/>
+      </p:ext>
+    </p:extLst>
+  </p:cSld>
+  <p:clrMapOvr>
+    <a:masterClrMapping/>
+  </p:clrMapOvr>
+  <p:timing>
+    <p:tnLst>
+      <p:par>
+        <p:cTn id="1" dur="indefinite" restart="never" nodeType="tmRoot"/>
+      </p:par>
+    </p:tnLst>
+  </p:timing>
+</p:sld>
+</file>
+
+<file path=ppt/slides/slide15.xml><?xml version="1.0" encoding="utf-8"?>
+<p:sld xmlns:a="http://schemas.openxmlformats.org/drawingml/2006/main" xmlns:r="http://schemas.openxmlformats.org/officeDocument/2006/relationships" xmlns:p="http://schemas.openxmlformats.org/presentationml/2006/main">
+  <p:cSld>
+    <p:spTree>
+      <p:nvGrpSpPr>
+        <p:cNvPr id="1" name=""/>
+        <p:cNvGrpSpPr/>
+        <p:nvPr/>
+      </p:nvGrpSpPr>
+      <p:grpSpPr>
+        <a:xfrm>
+          <a:off x="0" y="0"/>
+          <a:ext cx="0" cy="0"/>
+          <a:chOff x="0" y="0"/>
+          <a:chExt cx="0" cy="0"/>
+        </a:xfrm>
+      </p:grpSpPr>
+      <p:sp>
+        <p:nvSpPr>
+          <p:cNvPr id="2" name="タイトル 1"/>
+          <p:cNvSpPr>
+            <a:spLocks noGrp="1"/>
+          </p:cNvSpPr>
+          <p:nvPr>
+            <p:ph type="title"/>
+          </p:nvPr>
+        </p:nvSpPr>
         <p:spPr/>
         <p:txBody>
           <a:bodyPr/>
@@ -4263,22 +4524,28 @@
           <a:bodyPr/>
           <a:lstStyle/>
           <a:p>
-            <a:pPr marL="0" marR="0" lvl="0" indent="0" defTabSz="914400" eaLnBrk="1" fontAlgn="auto" latinLnBrk="0" hangingPunct="1">
+            <a:pPr>
               <a:lnSpc>
-                <a:spcPct val="100000"/>
+                <a:spcPct val="150000"/>
               </a:lnSpc>
               <a:spcBef>
                 <a:spcPts val="0"/>
               </a:spcBef>
-              <a:spcAft>
+            </a:pPr>
+            <a:r>
+              <a:rPr kumimoji="1" lang="ja-JP" altLang="en-US" dirty="0" smtClean="0"/>
+              <a:t>精度の評価指標について</a:t>
+            </a:r>
+            <a:endParaRPr kumimoji="1" lang="en-US" altLang="ja-JP" dirty="0" smtClean="0"/>
+          </a:p>
+          <a:p>
+            <a:pPr>
+              <a:lnSpc>
+                <a:spcPct val="150000"/>
+              </a:lnSpc>
+              <a:spcBef>
                 <a:spcPts val="0"/>
-              </a:spcAft>
-              <a:buClrTx/>
-              <a:buSzTx/>
-              <a:buFontTx/>
-              <a:buNone/>
-              <a:tabLst/>
-              <a:defRPr/>
+              </a:spcBef>
             </a:pPr>
             <a:endParaRPr kumimoji="1" lang="ja-JP" altLang="en-US" dirty="0"/>
           </a:p>
@@ -4288,6 +4555,158 @@
     <p:extLst>
       <p:ext uri="{BB962C8B-B14F-4D97-AF65-F5344CB8AC3E}">
         <p14:creationId xmlns:p14="http://schemas.microsoft.com/office/powerpoint/2010/main" val="1723619600"/>
+      </p:ext>
+    </p:extLst>
+  </p:cSld>
+  <p:clrMapOvr>
+    <a:masterClrMapping/>
+  </p:clrMapOvr>
+  <p:timing>
+    <p:tnLst>
+      <p:par>
+        <p:cTn id="1" dur="indefinite" restart="never" nodeType="tmRoot"/>
+      </p:par>
+    </p:tnLst>
+  </p:timing>
+</p:sld>
+</file>
+
+<file path=ppt/slides/slide16.xml><?xml version="1.0" encoding="utf-8"?>
+<p:sld xmlns:a="http://schemas.openxmlformats.org/drawingml/2006/main" xmlns:r="http://schemas.openxmlformats.org/officeDocument/2006/relationships" xmlns:p="http://schemas.openxmlformats.org/presentationml/2006/main">
+  <p:cSld>
+    <p:spTree>
+      <p:nvGrpSpPr>
+        <p:cNvPr id="1" name=""/>
+        <p:cNvGrpSpPr/>
+        <p:nvPr/>
+      </p:nvGrpSpPr>
+      <p:grpSpPr>
+        <a:xfrm>
+          <a:off x="0" y="0"/>
+          <a:ext cx="0" cy="0"/>
+          <a:chOff x="0" y="0"/>
+          <a:chExt cx="0" cy="0"/>
+        </a:xfrm>
+      </p:grpSpPr>
+      <p:sp>
+        <p:nvSpPr>
+          <p:cNvPr id="2" name="タイトル 1"/>
+          <p:cNvSpPr>
+            <a:spLocks noGrp="1"/>
+          </p:cNvSpPr>
+          <p:nvPr>
+            <p:ph type="title"/>
+          </p:nvPr>
+        </p:nvSpPr>
+        <p:spPr/>
+        <p:txBody>
+          <a:bodyPr/>
+          <a:lstStyle/>
+          <a:p>
+            <a:r>
+              <a:rPr kumimoji="1" lang="ja-JP" altLang="en-US" dirty="0" smtClean="0"/>
+              <a:t>精度の評価指数について</a:t>
+            </a:r>
+            <a:endParaRPr kumimoji="1" lang="ja-JP" altLang="en-US" dirty="0"/>
+          </a:p>
+        </p:txBody>
+      </p:sp>
+      <p:sp>
+        <p:nvSpPr>
+          <p:cNvPr id="3" name="コンテンツ プレースホルダー 2"/>
+          <p:cNvSpPr>
+            <a:spLocks noGrp="1"/>
+          </p:cNvSpPr>
+          <p:nvPr>
+            <p:ph idx="1"/>
+          </p:nvPr>
+        </p:nvSpPr>
+        <p:spPr>
+          <a:xfrm>
+            <a:off x="441434" y="1184610"/>
+            <a:ext cx="11498318" cy="5531500"/>
+          </a:xfrm>
+        </p:spPr>
+        <p:txBody>
+          <a:bodyPr anchor="ctr"/>
+          <a:lstStyle/>
+          <a:p>
+            <a:pPr marL="0" indent="0">
+              <a:lnSpc>
+                <a:spcPct val="150000"/>
+              </a:lnSpc>
+              <a:buNone/>
+            </a:pPr>
+            <a:r>
+              <a:rPr kumimoji="1" lang="en-US" altLang="ja-JP" sz="2800" b="1" dirty="0" smtClean="0"/>
+              <a:t>ARI; Adjusted Rand Index</a:t>
+            </a:r>
+            <a:br>
+              <a:rPr kumimoji="1" lang="en-US" altLang="ja-JP" sz="2800" b="1" dirty="0" smtClean="0"/>
+            </a:br>
+            <a:r>
+              <a:rPr kumimoji="1" lang="ja-JP" altLang="en-US" sz="2800" dirty="0" smtClean="0"/>
+              <a:t>クラスタの正解ラベルに対してクラスタリング結果の一致度を</a:t>
+            </a:r>
+            <a:r>
+              <a:rPr kumimoji="1" lang="en-US" altLang="ja-JP" sz="2800" dirty="0" smtClean="0"/>
+              <a:t/>
+            </a:r>
+            <a:br>
+              <a:rPr kumimoji="1" lang="en-US" altLang="ja-JP" sz="2800" dirty="0" smtClean="0"/>
+            </a:br>
+            <a:r>
+              <a:rPr kumimoji="1" lang="ja-JP" altLang="en-US" sz="2800" dirty="0" smtClean="0"/>
+              <a:t>評価する指標</a:t>
+            </a:r>
+            <a:endParaRPr kumimoji="1" lang="en-US" altLang="ja-JP" sz="2800" dirty="0" smtClean="0"/>
+          </a:p>
+          <a:p>
+            <a:pPr marL="0" indent="0">
+              <a:lnSpc>
+                <a:spcPct val="150000"/>
+              </a:lnSpc>
+              <a:buNone/>
+            </a:pPr>
+            <a:r>
+              <a:rPr lang="en-US" altLang="ja-JP" sz="2800" b="1" dirty="0" smtClean="0"/>
+              <a:t>NMI; Normalized Mutual Information</a:t>
+            </a:r>
+            <a:br>
+              <a:rPr lang="en-US" altLang="ja-JP" sz="2800" b="1" dirty="0" smtClean="0"/>
+            </a:br>
+            <a:r>
+              <a:rPr lang="ja-JP" altLang="en-US" sz="2800" dirty="0" smtClean="0"/>
+              <a:t>相互情報量を正規化した指標</a:t>
+            </a:r>
+            <a:endParaRPr lang="en-US" altLang="ja-JP" sz="2800" dirty="0"/>
+          </a:p>
+          <a:p>
+            <a:pPr marL="0" indent="0">
+              <a:lnSpc>
+                <a:spcPct val="150000"/>
+              </a:lnSpc>
+              <a:buNone/>
+            </a:pPr>
+            <a:r>
+              <a:rPr kumimoji="1" lang="en-US" altLang="ja-JP" sz="2800" b="1" dirty="0" smtClean="0"/>
+              <a:t>Purity</a:t>
+            </a:r>
+            <a:br>
+              <a:rPr kumimoji="1" lang="en-US" altLang="ja-JP" sz="2800" b="1" dirty="0" smtClean="0"/>
+            </a:br>
+            <a:r>
+              <a:rPr lang="ja-JP" altLang="en-US" sz="2800" dirty="0" smtClean="0"/>
+              <a:t>生成されたクラスタがどれだけ多数派で占められているかを表す指標</a:t>
+            </a:r>
+            <a:endParaRPr kumimoji="1" lang="ja-JP" altLang="en-US" sz="2800" dirty="0"/>
+          </a:p>
+        </p:txBody>
+      </p:sp>
+    </p:spTree>
+    <p:extLst>
+      <p:ext uri="{BB962C8B-B14F-4D97-AF65-F5344CB8AC3E}">
+        <p14:creationId xmlns:p14="http://schemas.microsoft.com/office/powerpoint/2010/main" val="1273741567"/>
       </p:ext>
     </p:extLst>
   </p:cSld>
@@ -6310,6 +6729,156 @@
           <a:lstStyle/>
           <a:p>
             <a:r>
+              <a:rPr kumimoji="1" lang="en-US" altLang="ja-JP" dirty="0" smtClean="0"/>
+              <a:t>X-means</a:t>
+            </a:r>
+            <a:endParaRPr kumimoji="1" lang="ja-JP" altLang="en-US" dirty="0"/>
+          </a:p>
+        </p:txBody>
+      </p:sp>
+      <p:pic>
+        <p:nvPicPr>
+          <p:cNvPr id="4" name="図 3"/>
+          <p:cNvPicPr>
+            <a:picLocks noChangeAspect="1"/>
+          </p:cNvPicPr>
+          <p:nvPr/>
+        </p:nvPicPr>
+        <p:blipFill>
+          <a:blip r:embed="rId2">
+            <a:extLst>
+              <a:ext uri="{28A0092B-C50C-407E-A947-70E740481C1C}">
+                <a14:useLocalDpi xmlns:a14="http://schemas.microsoft.com/office/drawing/2010/main" val="0"/>
+              </a:ext>
+            </a:extLst>
+          </a:blip>
+          <a:stretch>
+            <a:fillRect/>
+          </a:stretch>
+        </p:blipFill>
+        <p:spPr>
+          <a:xfrm>
+            <a:off x="71116" y="2257374"/>
+            <a:ext cx="4294802" cy="3223431"/>
+          </a:xfrm>
+          <a:prstGeom prst="rect">
+            <a:avLst/>
+          </a:prstGeom>
+        </p:spPr>
+      </p:pic>
+      <p:pic>
+        <p:nvPicPr>
+          <p:cNvPr id="5" name="図 4"/>
+          <p:cNvPicPr>
+            <a:picLocks noChangeAspect="1"/>
+          </p:cNvPicPr>
+          <p:nvPr/>
+        </p:nvPicPr>
+        <p:blipFill>
+          <a:blip r:embed="rId3">
+            <a:extLst>
+              <a:ext uri="{28A0092B-C50C-407E-A947-70E740481C1C}">
+                <a14:useLocalDpi xmlns:a14="http://schemas.microsoft.com/office/drawing/2010/main" val="0"/>
+              </a:ext>
+            </a:extLst>
+          </a:blip>
+          <a:stretch>
+            <a:fillRect/>
+          </a:stretch>
+        </p:blipFill>
+        <p:spPr>
+          <a:xfrm>
+            <a:off x="4245359" y="2257374"/>
+            <a:ext cx="4234743" cy="3178354"/>
+          </a:xfrm>
+          <a:prstGeom prst="rect">
+            <a:avLst/>
+          </a:prstGeom>
+        </p:spPr>
+      </p:pic>
+      <p:pic>
+        <p:nvPicPr>
+          <p:cNvPr id="8" name="図 7"/>
+          <p:cNvPicPr>
+            <a:picLocks noChangeAspect="1"/>
+          </p:cNvPicPr>
+          <p:nvPr/>
+        </p:nvPicPr>
+        <p:blipFill>
+          <a:blip r:embed="rId4">
+            <a:extLst>
+              <a:ext uri="{28A0092B-C50C-407E-A947-70E740481C1C}">
+                <a14:useLocalDpi xmlns:a14="http://schemas.microsoft.com/office/drawing/2010/main" val="0"/>
+              </a:ext>
+            </a:extLst>
+          </a:blip>
+          <a:stretch>
+            <a:fillRect/>
+          </a:stretch>
+        </p:blipFill>
+        <p:spPr>
+          <a:xfrm>
+            <a:off x="8359542" y="2363128"/>
+            <a:ext cx="3952935" cy="2966845"/>
+          </a:xfrm>
+          <a:prstGeom prst="rect">
+            <a:avLst/>
+          </a:prstGeom>
+        </p:spPr>
+      </p:pic>
+    </p:spTree>
+    <p:extLst>
+      <p:ext uri="{BB962C8B-B14F-4D97-AF65-F5344CB8AC3E}">
+        <p14:creationId xmlns:p14="http://schemas.microsoft.com/office/powerpoint/2010/main" val="32361171"/>
+      </p:ext>
+    </p:extLst>
+  </p:cSld>
+  <p:clrMapOvr>
+    <a:masterClrMapping/>
+  </p:clrMapOvr>
+  <p:timing>
+    <p:tnLst>
+      <p:par>
+        <p:cTn id="1" dur="indefinite" restart="never" nodeType="tmRoot"/>
+      </p:par>
+    </p:tnLst>
+  </p:timing>
+</p:sld>
+</file>
+
+<file path=ppt/slides/slide8.xml><?xml version="1.0" encoding="utf-8"?>
+<p:sld xmlns:a="http://schemas.openxmlformats.org/drawingml/2006/main" xmlns:r="http://schemas.openxmlformats.org/officeDocument/2006/relationships" xmlns:p="http://schemas.openxmlformats.org/presentationml/2006/main">
+  <p:cSld>
+    <p:spTree>
+      <p:nvGrpSpPr>
+        <p:cNvPr id="1" name=""/>
+        <p:cNvGrpSpPr/>
+        <p:nvPr/>
+      </p:nvGrpSpPr>
+      <p:grpSpPr>
+        <a:xfrm>
+          <a:off x="0" y="0"/>
+          <a:ext cx="0" cy="0"/>
+          <a:chOff x="0" y="0"/>
+          <a:chExt cx="0" cy="0"/>
+        </a:xfrm>
+      </p:grpSpPr>
+      <p:sp>
+        <p:nvSpPr>
+          <p:cNvPr id="2" name="タイトル 1"/>
+          <p:cNvSpPr>
+            <a:spLocks noGrp="1"/>
+          </p:cNvSpPr>
+          <p:nvPr>
+            <p:ph type="title"/>
+          </p:nvPr>
+        </p:nvSpPr>
+        <p:spPr/>
+        <p:txBody>
+          <a:bodyPr/>
+          <a:lstStyle/>
+          <a:p>
+            <a:r>
               <a:rPr kumimoji="1" lang="ja-JP" altLang="en-US" dirty="0" smtClean="0"/>
               <a:t>情報量規準</a:t>
             </a:r>
@@ -6790,7 +7359,7 @@
 </p:sld>
 </file>
 
-<file path=ppt/slides/slide8.xml><?xml version="1.0" encoding="utf-8"?>
+<file path=ppt/slides/slide9.xml><?xml version="1.0" encoding="utf-8"?>
 <p:sld xmlns:a="http://schemas.openxmlformats.org/drawingml/2006/main" xmlns:r="http://schemas.openxmlformats.org/officeDocument/2006/relationships" xmlns:p="http://schemas.openxmlformats.org/presentationml/2006/main">
   <p:cSld>
     <p:spTree>
@@ -7610,265 +8179,6 @@
     <p:extLst>
       <p:ext uri="{BB962C8B-B14F-4D97-AF65-F5344CB8AC3E}">
         <p14:creationId xmlns:p14="http://schemas.microsoft.com/office/powerpoint/2010/main" val="1608844801"/>
-      </p:ext>
-    </p:extLst>
-  </p:cSld>
-  <p:clrMapOvr>
-    <a:masterClrMapping/>
-  </p:clrMapOvr>
-  <p:timing>
-    <p:tnLst>
-      <p:par>
-        <p:cTn id="1" dur="indefinite" restart="never" nodeType="tmRoot"/>
-      </p:par>
-    </p:tnLst>
-  </p:timing>
-</p:sld>
-</file>
-
-<file path=ppt/slides/slide9.xml><?xml version="1.0" encoding="utf-8"?>
-<p:sld xmlns:a="http://schemas.openxmlformats.org/drawingml/2006/main" xmlns:r="http://schemas.openxmlformats.org/officeDocument/2006/relationships" xmlns:p="http://schemas.openxmlformats.org/presentationml/2006/main">
-  <p:cSld>
-    <p:spTree>
-      <p:nvGrpSpPr>
-        <p:cNvPr id="1" name=""/>
-        <p:cNvGrpSpPr/>
-        <p:nvPr/>
-      </p:nvGrpSpPr>
-      <p:grpSpPr>
-        <a:xfrm>
-          <a:off x="0" y="0"/>
-          <a:ext cx="0" cy="0"/>
-          <a:chOff x="0" y="0"/>
-          <a:chExt cx="0" cy="0"/>
-        </a:xfrm>
-      </p:grpSpPr>
-      <p:sp>
-        <p:nvSpPr>
-          <p:cNvPr id="2" name="タイトル 1"/>
-          <p:cNvSpPr>
-            <a:spLocks noGrp="1"/>
-          </p:cNvSpPr>
-          <p:nvPr>
-            <p:ph type="title"/>
-          </p:nvPr>
-        </p:nvSpPr>
-        <p:spPr/>
-        <p:txBody>
-          <a:bodyPr/>
-          <a:lstStyle/>
-          <a:p>
-            <a:r>
-              <a:rPr lang="ja-JP" altLang="en-US" dirty="0" smtClean="0"/>
-              <a:t>実験</a:t>
-            </a:r>
-            <a:endParaRPr kumimoji="1" lang="ja-JP" altLang="en-US" dirty="0"/>
-          </a:p>
-        </p:txBody>
-      </p:sp>
-      <p:sp>
-        <p:nvSpPr>
-          <p:cNvPr id="3" name="コンテンツ プレースホルダー 2"/>
-          <p:cNvSpPr>
-            <a:spLocks noGrp="1"/>
-          </p:cNvSpPr>
-          <p:nvPr>
-            <p:ph idx="1"/>
-          </p:nvPr>
-        </p:nvSpPr>
-        <p:spPr>
-          <a:xfrm>
-            <a:off x="838200" y="987972"/>
-            <a:ext cx="10515600" cy="5870028"/>
-          </a:xfrm>
-        </p:spPr>
-        <p:txBody>
-          <a:bodyPr/>
-          <a:lstStyle/>
-          <a:p>
-            <a:pPr>
-              <a:lnSpc>
-                <a:spcPct val="150000"/>
-              </a:lnSpc>
-            </a:pPr>
-            <a:r>
-              <a:rPr lang="en-US" altLang="ja-JP" dirty="0" smtClean="0"/>
-              <a:t>2</a:t>
-            </a:r>
-            <a:r>
-              <a:rPr kumimoji="1" lang="ja-JP" altLang="en-US" dirty="0" smtClean="0"/>
-              <a:t>次元・</a:t>
-            </a:r>
-            <a:r>
-              <a:rPr kumimoji="1" lang="en-US" altLang="ja-JP" dirty="0" smtClean="0"/>
-              <a:t>3</a:t>
-            </a:r>
-            <a:r>
-              <a:rPr kumimoji="1" lang="ja-JP" altLang="en-US" dirty="0" smtClean="0"/>
-              <a:t>次元</a:t>
-            </a:r>
-            <a:r>
-              <a:rPr lang="ja-JP" altLang="en-US" dirty="0" smtClean="0"/>
-              <a:t>空間に人工データを生成</a:t>
-            </a:r>
-            <a:endParaRPr lang="en-US" altLang="ja-JP" dirty="0" smtClean="0"/>
-          </a:p>
-          <a:p>
-            <a:pPr lvl="1">
-              <a:buFont typeface="Wingdings" charset="2"/>
-              <a:buChar char="Ø"/>
-            </a:pPr>
-            <a:r>
-              <a:rPr kumimoji="1" lang="ja-JP" altLang="en-US" dirty="0" smtClean="0"/>
-              <a:t> 分散</a:t>
-            </a:r>
-            <a:r>
-              <a:rPr kumimoji="1" lang="en-US" altLang="ja-JP" dirty="0" smtClean="0"/>
-              <a:t> </a:t>
-            </a:r>
-            <a:r>
-              <a:rPr kumimoji="1" lang="en-US" altLang="ja-JP" i="1" dirty="0" smtClean="0">
-                <a:latin typeface="Times New Roman" charset="0"/>
-                <a:ea typeface="Times New Roman" charset="0"/>
-                <a:cs typeface="Times New Roman" charset="0"/>
-              </a:rPr>
-              <a:t>σ</a:t>
-            </a:r>
-            <a:r>
-              <a:rPr kumimoji="1" lang="en-US" altLang="ja-JP" baseline="30000" dirty="0" smtClean="0">
-                <a:latin typeface="Times New Roman" charset="0"/>
-                <a:ea typeface="Times New Roman" charset="0"/>
-                <a:cs typeface="Times New Roman" charset="0"/>
-              </a:rPr>
-              <a:t>2</a:t>
-            </a:r>
-            <a:r>
-              <a:rPr lang="en-US" altLang="ja-JP" dirty="0" smtClean="0">
-                <a:latin typeface="Times New Roman" charset="0"/>
-                <a:ea typeface="Times New Roman" charset="0"/>
-                <a:cs typeface="Times New Roman" charset="0"/>
-              </a:rPr>
-              <a:t>=1 </a:t>
-            </a:r>
-            <a:r>
-              <a:rPr lang="ja-JP" altLang="en-US" dirty="0" smtClean="0"/>
-              <a:t>の</a:t>
-            </a:r>
-            <a:r>
-              <a:rPr lang="en-US" altLang="ja-JP" dirty="0" smtClean="0"/>
-              <a:t>5</a:t>
-            </a:r>
-            <a:r>
-              <a:rPr lang="ja-JP" altLang="en-US" dirty="0" smtClean="0"/>
-              <a:t>つの等方</a:t>
-            </a:r>
-            <a:r>
-              <a:rPr lang="en-US" altLang="ja-JP" dirty="0" smtClean="0"/>
-              <a:t>Gauss</a:t>
-            </a:r>
-            <a:r>
-              <a:rPr lang="ja-JP" altLang="en-US" dirty="0" smtClean="0"/>
-              <a:t>分布で構成</a:t>
-            </a:r>
-            <a:endParaRPr lang="en-US" altLang="ja-JP" dirty="0"/>
-          </a:p>
-          <a:p>
-            <a:pPr lvl="1">
-              <a:buFont typeface="Wingdings" charset="2"/>
-              <a:buChar char="Ø"/>
-            </a:pPr>
-            <a:r>
-              <a:rPr kumimoji="1" lang="ja-JP" altLang="en-US" dirty="0" smtClean="0"/>
-              <a:t> 各クラスタは</a:t>
-            </a:r>
-            <a:r>
-              <a:rPr kumimoji="1" lang="en-US" altLang="ja-JP" dirty="0" smtClean="0"/>
-              <a:t>500</a:t>
-            </a:r>
-            <a:r>
-              <a:rPr kumimoji="1" lang="ja-JP" altLang="en-US" dirty="0" smtClean="0"/>
-              <a:t>個のデータ点からなる</a:t>
-            </a:r>
-            <a:endParaRPr kumimoji="1" lang="en-US" altLang="ja-JP" dirty="0" smtClean="0"/>
-          </a:p>
-          <a:p>
-            <a:pPr>
-              <a:buFont typeface="Arial" charset="0"/>
-              <a:buChar char="•"/>
-            </a:pPr>
-            <a:r>
-              <a:rPr lang="ja-JP" altLang="en-US" dirty="0" smtClean="0"/>
-              <a:t>分割停止規準に 対数尤度関数</a:t>
-            </a:r>
-            <a:r>
-              <a:rPr lang="en-US" altLang="ja-JP" dirty="0" smtClean="0"/>
-              <a:t>, AIC, </a:t>
-            </a:r>
-            <a:r>
-              <a:rPr lang="en-US" altLang="ja-JP" dirty="0" err="1" smtClean="0"/>
-              <a:t>cAIC</a:t>
-            </a:r>
-            <a:r>
-              <a:rPr lang="en-US" altLang="ja-JP" dirty="0" smtClean="0"/>
-              <a:t>, BIC</a:t>
-            </a:r>
-            <a:r>
-              <a:rPr lang="ja-JP" altLang="en-US" dirty="0" smtClean="0"/>
-              <a:t>を採用</a:t>
-            </a:r>
-            <a:endParaRPr lang="en-US" altLang="ja-JP" dirty="0" smtClean="0"/>
-          </a:p>
-          <a:p>
-            <a:pPr>
-              <a:buFont typeface="Arial" charset="0"/>
-              <a:buChar char="•"/>
-            </a:pPr>
-            <a:r>
-              <a:rPr kumimoji="1" lang="ja-JP" altLang="en-US" dirty="0" smtClean="0"/>
-              <a:t>性能評価は</a:t>
-            </a:r>
-            <a:r>
-              <a:rPr kumimoji="1" lang="en-US" altLang="ja-JP" dirty="0" smtClean="0"/>
-              <a:t>ARI, NMI, Purity</a:t>
-            </a:r>
-            <a:r>
-              <a:rPr kumimoji="1" lang="ja-JP" altLang="en-US" dirty="0" smtClean="0"/>
-              <a:t>を使用</a:t>
-            </a:r>
-            <a:r>
-              <a:rPr kumimoji="1" lang="en-US" altLang="ja-JP" dirty="0" smtClean="0"/>
-              <a:t> (1</a:t>
-            </a:r>
-            <a:r>
-              <a:rPr kumimoji="1" lang="ja-JP" altLang="en-US" dirty="0" smtClean="0"/>
-              <a:t>になるほど良い</a:t>
-            </a:r>
-            <a:r>
-              <a:rPr kumimoji="1" lang="en-US" altLang="ja-JP" dirty="0" smtClean="0"/>
-              <a:t>)</a:t>
-            </a:r>
-          </a:p>
-          <a:p>
-            <a:pPr>
-              <a:buFont typeface="Arial" charset="0"/>
-              <a:buChar char="•"/>
-            </a:pPr>
-            <a:r>
-              <a:rPr lang="en-US" altLang="ja-JP" dirty="0" smtClean="0"/>
-              <a:t>100</a:t>
-            </a:r>
-            <a:r>
-              <a:rPr lang="ja-JP" altLang="en-US" dirty="0" smtClean="0"/>
-              <a:t>回のクラスタリング結果の平均を算出</a:t>
-            </a:r>
-            <a:endParaRPr kumimoji="1" lang="ja-JP" altLang="en-US" dirty="0"/>
-          </a:p>
-        </p:txBody>
-      </p:sp>
-    </p:spTree>
-    <p:extLst>
-      <p:ext uri="{BB962C8B-B14F-4D97-AF65-F5344CB8AC3E}">
-        <p14:creationId xmlns:p14="http://schemas.microsoft.com/office/powerpoint/2010/main" val="2067280417"/>
       </p:ext>
     </p:extLst>
   </p:cSld>

--- a/docs/interim-presen/interim_hagihara.pptx
+++ b/docs/interim-presen/interim_hagihara.pptx
@@ -212,7 +212,7 @@
           <a:p>
             <a:fld id="{B4646E02-4AB7-8D40-B256-3920728DD310}" type="datetimeFigureOut">
               <a:rPr kumimoji="1" lang="ja-JP" altLang="en-US" smtClean="0"/>
-              <a:t>2017/10/12</a:t>
+              <a:t>2017/10/13</a:t>
             </a:fld>
             <a:endParaRPr kumimoji="1" lang="ja-JP" altLang="en-US"/>
           </a:p>
@@ -811,7 +811,7 @@
           <a:p>
             <a:fld id="{C764DE79-268F-4C1A-8933-263129D2AF90}" type="datetimeFigureOut">
               <a:rPr lang="en-US" dirty="0"/>
-              <a:t>10/12/17</a:t>
+              <a:t>10/13/17</a:t>
             </a:fld>
             <a:endParaRPr lang="en-US" dirty="0"/>
           </a:p>
@@ -1169,7 +1169,7 @@
           <a:p>
             <a:fld id="{FEADE02B-27BC-6D48-8820-5A877B98ECB7}" type="datetimeFigureOut">
               <a:rPr kumimoji="1" lang="ja-JP" altLang="en-US" smtClean="0"/>
-              <a:t>2017/10/12</a:t>
+              <a:t>2017/10/13</a:t>
             </a:fld>
             <a:endParaRPr kumimoji="1" lang="ja-JP" altLang="en-US"/>
           </a:p>
@@ -1289,7 +1289,7 @@
           <a:p>
             <a:fld id="{C764DE79-268F-4C1A-8933-263129D2AF90}" type="datetimeFigureOut">
               <a:rPr lang="en-US" dirty="0"/>
-              <a:t>10/12/17</a:t>
+              <a:t>10/13/17</a:t>
             </a:fld>
             <a:endParaRPr lang="en-US" dirty="0"/>
           </a:p>
@@ -1584,7 +1584,7 @@
           <a:p>
             <a:fld id="{FEADE02B-27BC-6D48-8820-5A877B98ECB7}" type="datetimeFigureOut">
               <a:rPr kumimoji="1" lang="ja-JP" altLang="en-US" smtClean="0"/>
-              <a:t>2017/10/12</a:t>
+              <a:t>2017/10/13</a:t>
             </a:fld>
             <a:endParaRPr kumimoji="1" lang="ja-JP" altLang="en-US"/>
           </a:p>
@@ -2193,11 +2193,6 @@
               </a:rPr>
               <a:t>卒業研究 予備審査会</a:t>
             </a:r>
-            <a:endParaRPr lang="ja-JP" altLang="en-US" dirty="0">
-              <a:latin typeface="Meiryo" charset="-128"/>
-              <a:ea typeface="Meiryo" charset="-128"/>
-              <a:cs typeface="Meiryo" charset="-128"/>
-            </a:endParaRPr>
           </a:p>
         </p:txBody>
       </p:sp>
@@ -2334,8 +2329,8 @@
         </p:nvSpPr>
         <p:spPr>
           <a:xfrm>
-            <a:off x="838200" y="987972"/>
-            <a:ext cx="10515600" cy="5870028"/>
+            <a:off x="838200" y="1088181"/>
+            <a:ext cx="10515600" cy="5575666"/>
           </a:xfrm>
         </p:spPr>
         <p:txBody>
@@ -2371,6 +2366,9 @@
           </a:p>
           <a:p>
             <a:pPr lvl="1">
+              <a:lnSpc>
+                <a:spcPct val="150000"/>
+              </a:lnSpc>
               <a:buFont typeface="Wingdings" charset="2"/>
               <a:buChar char="Ø"/>
             </a:pPr>
@@ -2430,6 +2428,9 @@
           </a:p>
           <a:p>
             <a:pPr lvl="1">
+              <a:lnSpc>
+                <a:spcPct val="150000"/>
+              </a:lnSpc>
               <a:buFont typeface="Wingdings" charset="2"/>
               <a:buChar char="Ø"/>
             </a:pPr>
@@ -4778,7 +4779,7 @@
         <p:spPr>
           <a:xfrm>
             <a:off x="165538" y="998483"/>
-            <a:ext cx="10515600" cy="5859517"/>
+            <a:ext cx="11188262" cy="5859517"/>
           </a:xfrm>
         </p:spPr>
         <p:txBody>
@@ -4865,20 +4866,19 @@
             </a:r>
             <a:r>
               <a:rPr lang="ja-JP" altLang="en-US" b="1" dirty="0" smtClean="0"/>
-              <a:t>ではクラスタ数を事前に決める必要</a:t>
-            </a:r>
-            <a:endParaRPr lang="en-US" altLang="ja-JP" b="1" dirty="0" smtClean="0"/>
-          </a:p>
-          <a:p>
-            <a:pPr marL="0" indent="0">
-              <a:spcBef>
-                <a:spcPts val="0"/>
-              </a:spcBef>
-              <a:buNone/>
-            </a:pPr>
+              <a:t>ではクラスタ数を事前</a:t>
+            </a:r>
+            <a:r>
+              <a:rPr lang="ja-JP" altLang="en-US" b="1" dirty="0" smtClean="0"/>
+              <a:t>に指定しなければならない</a:t>
+            </a:r>
             <a:r>
               <a:rPr kumimoji="1" lang="ja-JP" altLang="en-US" dirty="0" smtClean="0"/>
-              <a:t>⇒ クラスタ数が未知の場合「</a:t>
+              <a:t>⇒ </a:t>
+            </a:r>
+            <a:r>
+              <a:rPr kumimoji="1" lang="ja-JP" altLang="en-US" dirty="0" smtClean="0"/>
+              <a:t>クラスタ数が未知の場合「</a:t>
             </a:r>
             <a:r>
               <a:rPr kumimoji="1" lang="ja-JP" altLang="en-US" b="1" dirty="0" smtClean="0"/>
@@ -4886,7 +4886,7 @@
             </a:r>
             <a:r>
               <a:rPr kumimoji="1" lang="ja-JP" altLang="en-US" dirty="0" smtClean="0"/>
-              <a:t>」</a:t>
+              <a:t>」が必要</a:t>
             </a:r>
             <a:endParaRPr kumimoji="1" lang="ja-JP" altLang="en-US" dirty="0"/>
           </a:p>
@@ -7936,31 +7936,19 @@
               <a:rPr lang="en-US" altLang="ja-JP" b="1" dirty="0" smtClean="0">
                 <a:sym typeface="Wingdings"/>
               </a:rPr>
-              <a:t> (</a:t>
-            </a:r>
-            <a:r>
-              <a:rPr lang="en-US" altLang="ja-JP" b="1" dirty="0" err="1" smtClean="0">
-                <a:sym typeface="Wingdings"/>
-              </a:rPr>
-              <a:t>Beysian</a:t>
+              <a:t> </a:t>
             </a:r>
             <a:r>
               <a:rPr lang="en-US" altLang="ja-JP" b="1" dirty="0" smtClean="0">
                 <a:sym typeface="Wingdings"/>
               </a:rPr>
-              <a:t> </a:t>
-            </a:r>
-            <a:r>
-              <a:rPr lang="en-US" altLang="ja-JP" b="1" dirty="0" err="1" smtClean="0">
-                <a:sym typeface="Wingdings"/>
-              </a:rPr>
-              <a:t>Akaike</a:t>
+              <a:t>(Bayesian Information </a:t>
             </a:r>
             <a:r>
               <a:rPr lang="en-US" altLang="ja-JP" b="1" dirty="0" smtClean="0">
                 <a:sym typeface="Wingdings"/>
               </a:rPr>
-              <a:t> Information Criterion)</a:t>
+              <a:t>Criterion)</a:t>
             </a:r>
             <a:endParaRPr lang="en-US" altLang="ja-JP" b="1" dirty="0"/>
           </a:p>

--- a/docs/interim-presen/interim_hagihara.pptx
+++ b/docs/interim-presen/interim_hagihara.pptx
@@ -5,7 +5,7 @@
     <p:sldMasterId id="2147483668" r:id="rId1"/>
   </p:sldMasterIdLst>
   <p:notesMasterIdLst>
-    <p:notesMasterId r:id="rId18"/>
+    <p:notesMasterId r:id="rId23"/>
   </p:notesMasterIdLst>
   <p:sldIdLst>
     <p:sldId id="256" r:id="rId2"/>
@@ -18,12 +18,17 @@
     <p:sldId id="262" r:id="rId9"/>
     <p:sldId id="263" r:id="rId10"/>
     <p:sldId id="264" r:id="rId11"/>
-    <p:sldId id="265" r:id="rId12"/>
-    <p:sldId id="266" r:id="rId13"/>
-    <p:sldId id="267" r:id="rId14"/>
-    <p:sldId id="268" r:id="rId15"/>
-    <p:sldId id="269" r:id="rId16"/>
-    <p:sldId id="270" r:id="rId17"/>
+    <p:sldId id="273" r:id="rId12"/>
+    <p:sldId id="265" r:id="rId13"/>
+    <p:sldId id="274" r:id="rId14"/>
+    <p:sldId id="266" r:id="rId15"/>
+    <p:sldId id="267" r:id="rId16"/>
+    <p:sldId id="268" r:id="rId17"/>
+    <p:sldId id="269" r:id="rId18"/>
+    <p:sldId id="270" r:id="rId19"/>
+    <p:sldId id="272" r:id="rId20"/>
+    <p:sldId id="275" r:id="rId21"/>
+    <p:sldId id="276" r:id="rId22"/>
   </p:sldIdLst>
   <p:sldSz cx="12192000" cy="6858000"/>
   <p:notesSz cx="6858000" cy="9144000"/>
@@ -212,7 +217,7 @@
           <a:p>
             <a:fld id="{B4646E02-4AB7-8D40-B256-3920728DD310}" type="datetimeFigureOut">
               <a:rPr kumimoji="1" lang="ja-JP" altLang="en-US" smtClean="0"/>
-              <a:t>2017/10/13</a:t>
+              <a:t>2017/10/15</a:t>
             </a:fld>
             <a:endParaRPr kumimoji="1" lang="ja-JP" altLang="en-US"/>
           </a:p>
@@ -680,6 +685,90 @@
 </p:notes>
 </file>
 
+<file path=ppt/notesSlides/notesSlide3.xml><?xml version="1.0" encoding="utf-8"?>
+<p:notes xmlns:a="http://schemas.openxmlformats.org/drawingml/2006/main" xmlns:r="http://schemas.openxmlformats.org/officeDocument/2006/relationships" xmlns:p="http://schemas.openxmlformats.org/presentationml/2006/main">
+  <p:cSld>
+    <p:spTree>
+      <p:nvGrpSpPr>
+        <p:cNvPr id="1" name=""/>
+        <p:cNvGrpSpPr/>
+        <p:nvPr/>
+      </p:nvGrpSpPr>
+      <p:grpSpPr>
+        <a:xfrm>
+          <a:off x="0" y="0"/>
+          <a:ext cx="0" cy="0"/>
+          <a:chOff x="0" y="0"/>
+          <a:chExt cx="0" cy="0"/>
+        </a:xfrm>
+      </p:grpSpPr>
+      <p:sp>
+        <p:nvSpPr>
+          <p:cNvPr id="2" name="スライド イメージ プレースホルダー 1"/>
+          <p:cNvSpPr>
+            <a:spLocks noGrp="1" noRot="1" noChangeAspect="1"/>
+          </p:cNvSpPr>
+          <p:nvPr>
+            <p:ph type="sldImg"/>
+          </p:nvPr>
+        </p:nvSpPr>
+        <p:spPr/>
+      </p:sp>
+      <p:sp>
+        <p:nvSpPr>
+          <p:cNvPr id="3" name="ノート プレースホルダー 2"/>
+          <p:cNvSpPr>
+            <a:spLocks noGrp="1"/>
+          </p:cNvSpPr>
+          <p:nvPr>
+            <p:ph type="body" idx="1"/>
+          </p:nvPr>
+        </p:nvSpPr>
+        <p:spPr/>
+        <p:txBody>
+          <a:bodyPr/>
+          <a:lstStyle/>
+          <a:p>
+            <a:endParaRPr kumimoji="1" lang="ja-JP" altLang="en-US" dirty="0"/>
+          </a:p>
+        </p:txBody>
+      </p:sp>
+      <p:sp>
+        <p:nvSpPr>
+          <p:cNvPr id="4" name="スライド番号プレースホルダー 3"/>
+          <p:cNvSpPr>
+            <a:spLocks noGrp="1"/>
+          </p:cNvSpPr>
+          <p:nvPr>
+            <p:ph type="sldNum" sz="quarter" idx="10"/>
+          </p:nvPr>
+        </p:nvSpPr>
+        <p:spPr/>
+        <p:txBody>
+          <a:bodyPr/>
+          <a:lstStyle/>
+          <a:p>
+            <a:fld id="{F78381A3-C678-7B48-BA42-399B1155E4C3}" type="slidenum">
+              <a:rPr kumimoji="1" lang="ja-JP" altLang="en-US" smtClean="0"/>
+              <a:t>21</a:t>
+            </a:fld>
+            <a:endParaRPr kumimoji="1" lang="ja-JP" altLang="en-US"/>
+          </a:p>
+        </p:txBody>
+      </p:sp>
+    </p:spTree>
+    <p:extLst>
+      <p:ext uri="{BB962C8B-B14F-4D97-AF65-F5344CB8AC3E}">
+        <p14:creationId xmlns:p14="http://schemas.microsoft.com/office/powerpoint/2010/main" val="1961651389"/>
+      </p:ext>
+    </p:extLst>
+  </p:cSld>
+  <p:clrMapOvr>
+    <a:masterClrMapping/>
+  </p:clrMapOvr>
+</p:notes>
+</file>
+
 <file path=ppt/slideLayouts/slideLayout1.xml><?xml version="1.0" encoding="utf-8"?>
 <p:sldLayout xmlns:a="http://schemas.openxmlformats.org/drawingml/2006/main" xmlns:r="http://schemas.openxmlformats.org/officeDocument/2006/relationships" xmlns:p="http://schemas.openxmlformats.org/presentationml/2006/main" type="title" preserve="1">
   <p:cSld name="タイトル スライド">
@@ -811,7 +900,7 @@
           <a:p>
             <a:fld id="{C764DE79-268F-4C1A-8933-263129D2AF90}" type="datetimeFigureOut">
               <a:rPr lang="en-US" dirty="0"/>
-              <a:t>10/13/17</a:t>
+              <a:t>10/15/17</a:t>
             </a:fld>
             <a:endParaRPr lang="en-US" dirty="0"/>
           </a:p>
@@ -1169,7 +1258,7 @@
           <a:p>
             <a:fld id="{FEADE02B-27BC-6D48-8820-5A877B98ECB7}" type="datetimeFigureOut">
               <a:rPr kumimoji="1" lang="ja-JP" altLang="en-US" smtClean="0"/>
-              <a:t>2017/10/13</a:t>
+              <a:t>2017/10/15</a:t>
             </a:fld>
             <a:endParaRPr kumimoji="1" lang="ja-JP" altLang="en-US"/>
           </a:p>
@@ -1289,7 +1378,7 @@
           <a:p>
             <a:fld id="{C764DE79-268F-4C1A-8933-263129D2AF90}" type="datetimeFigureOut">
               <a:rPr lang="en-US" dirty="0"/>
-              <a:t>10/13/17</a:t>
+              <a:t>10/15/17</a:t>
             </a:fld>
             <a:endParaRPr lang="en-US" dirty="0"/>
           </a:p>
@@ -1584,7 +1673,7 @@
           <a:p>
             <a:fld id="{FEADE02B-27BC-6D48-8820-5A877B98ECB7}" type="datetimeFigureOut">
               <a:rPr kumimoji="1" lang="ja-JP" altLang="en-US" smtClean="0"/>
-              <a:t>2017/10/13</a:t>
+              <a:t>2017/10/15</a:t>
             </a:fld>
             <a:endParaRPr kumimoji="1" lang="ja-JP" altLang="en-US"/>
           </a:p>
@@ -2370,7 +2459,7 @@
                 <a:spcPct val="150000"/>
               </a:lnSpc>
               <a:buFont typeface="Wingdings" charset="2"/>
-              <a:buChar char="Ø"/>
+              <a:buChar char="u"/>
             </a:pPr>
             <a:r>
               <a:rPr kumimoji="1" lang="ja-JP" altLang="en-US" dirty="0" smtClean="0"/>
@@ -2432,7 +2521,7 @@
                 <a:spcPct val="150000"/>
               </a:lnSpc>
               <a:buFont typeface="Wingdings" charset="2"/>
-              <a:buChar char="Ø"/>
+              <a:buChar char="u"/>
             </a:pPr>
             <a:r>
               <a:rPr kumimoji="1" lang="ja-JP" altLang="en-US" dirty="0" smtClean="0"/>
@@ -2543,6 +2632,92 @@
 </file>
 
 <file path=ppt/slides/slide11.xml><?xml version="1.0" encoding="utf-8"?>
+<p:sld xmlns:a="http://schemas.openxmlformats.org/drawingml/2006/main" xmlns:r="http://schemas.openxmlformats.org/officeDocument/2006/relationships" xmlns:p="http://schemas.openxmlformats.org/presentationml/2006/main">
+  <p:cSld>
+    <p:spTree>
+      <p:nvGrpSpPr>
+        <p:cNvPr id="1" name=""/>
+        <p:cNvGrpSpPr/>
+        <p:nvPr/>
+      </p:nvGrpSpPr>
+      <p:grpSpPr>
+        <a:xfrm>
+          <a:off x="0" y="0"/>
+          <a:ext cx="0" cy="0"/>
+          <a:chOff x="0" y="0"/>
+          <a:chExt cx="0" cy="0"/>
+        </a:xfrm>
+      </p:grpSpPr>
+      <p:sp>
+        <p:nvSpPr>
+          <p:cNvPr id="2" name="タイトル 1"/>
+          <p:cNvSpPr>
+            <a:spLocks noGrp="1"/>
+          </p:cNvSpPr>
+          <p:nvPr>
+            <p:ph type="title"/>
+          </p:nvPr>
+        </p:nvSpPr>
+        <p:spPr/>
+        <p:txBody>
+          <a:bodyPr/>
+          <a:lstStyle/>
+          <a:p>
+            <a:r>
+              <a:rPr lang="en-US" altLang="ja-JP" dirty="0" smtClean="0"/>
+              <a:t>2</a:t>
+            </a:r>
+            <a:r>
+              <a:rPr lang="ja-JP" altLang="en-US" dirty="0" smtClean="0"/>
+              <a:t>次元空間におけるクラスタリング例</a:t>
+            </a:r>
+            <a:endParaRPr kumimoji="1" lang="ja-JP" altLang="en-US" dirty="0"/>
+          </a:p>
+        </p:txBody>
+      </p:sp>
+      <p:pic>
+        <p:nvPicPr>
+          <p:cNvPr id="4" name="コンテンツ プレースホルダー 3"/>
+          <p:cNvPicPr>
+            <a:picLocks noGrp="1" noChangeAspect="1"/>
+          </p:cNvPicPr>
+          <p:nvPr>
+            <p:ph idx="1"/>
+          </p:nvPr>
+        </p:nvPicPr>
+        <p:blipFill>
+          <a:blip r:embed="rId2">
+            <a:extLst>
+              <a:ext uri="{28A0092B-C50C-407E-A947-70E740481C1C}">
+                <a14:useLocalDpi xmlns:a14="http://schemas.microsoft.com/office/drawing/2010/main" val="0"/>
+              </a:ext>
+            </a:extLst>
+          </a:blip>
+          <a:stretch>
+            <a:fillRect/>
+          </a:stretch>
+        </p:blipFill>
+        <p:spPr>
+          <a:xfrm>
+            <a:off x="2674732" y="1221597"/>
+            <a:ext cx="6842535" cy="5135613"/>
+          </a:xfrm>
+        </p:spPr>
+      </p:pic>
+    </p:spTree>
+    <p:extLst>
+      <p:ext uri="{BB962C8B-B14F-4D97-AF65-F5344CB8AC3E}">
+        <p14:creationId xmlns:p14="http://schemas.microsoft.com/office/powerpoint/2010/main" val="1365725158"/>
+      </p:ext>
+    </p:extLst>
+  </p:cSld>
+  <p:clrMapOvr>
+    <a:masterClrMapping/>
+  </p:clrMapOvr>
+</p:sld>
+</file>
+
+<file path=ppt/slides/slide12.xml><?xml version="1.0" encoding="utf-8"?>
 <p:sld xmlns:a="http://schemas.openxmlformats.org/drawingml/2006/main" xmlns:r="http://schemas.openxmlformats.org/officeDocument/2006/relationships" xmlns:p="http://schemas.openxmlformats.org/presentationml/2006/main">
   <p:cSld>
     <p:spTree>
@@ -3389,7 +3564,7 @@
 </p:sld>
 </file>
 
-<file path=ppt/slides/slide12.xml><?xml version="1.0" encoding="utf-8"?>
+<file path=ppt/slides/slide13.xml><?xml version="1.0" encoding="utf-8"?>
 <p:sld xmlns:a="http://schemas.openxmlformats.org/drawingml/2006/main" xmlns:r="http://schemas.openxmlformats.org/officeDocument/2006/relationships" xmlns:p="http://schemas.openxmlformats.org/presentationml/2006/main">
   <p:cSld>
     <p:spTree>
@@ -3427,7 +3602,93 @@
             </a:r>
             <a:r>
               <a:rPr kumimoji="1" lang="ja-JP" altLang="en-US" dirty="0" smtClean="0"/>
-              <a:t>次元におけるのクラスタリング結果</a:t>
+              <a:t>次元空間におけるクラスタリング例</a:t>
+            </a:r>
+            <a:endParaRPr kumimoji="1" lang="ja-JP" altLang="en-US" dirty="0"/>
+          </a:p>
+        </p:txBody>
+      </p:sp>
+      <p:pic>
+        <p:nvPicPr>
+          <p:cNvPr id="4" name="コンテンツ プレースホルダー 3"/>
+          <p:cNvPicPr>
+            <a:picLocks noGrp="1" noChangeAspect="1"/>
+          </p:cNvPicPr>
+          <p:nvPr>
+            <p:ph idx="1"/>
+          </p:nvPr>
+        </p:nvPicPr>
+        <p:blipFill>
+          <a:blip r:embed="rId2">
+            <a:extLst>
+              <a:ext uri="{28A0092B-C50C-407E-A947-70E740481C1C}">
+                <a14:useLocalDpi xmlns:a14="http://schemas.microsoft.com/office/drawing/2010/main" val="0"/>
+              </a:ext>
+            </a:extLst>
+          </a:blip>
+          <a:stretch>
+            <a:fillRect/>
+          </a:stretch>
+        </p:blipFill>
+        <p:spPr>
+          <a:xfrm>
+            <a:off x="2394857" y="1025464"/>
+            <a:ext cx="7402286" cy="5555730"/>
+          </a:xfrm>
+        </p:spPr>
+      </p:pic>
+    </p:spTree>
+    <p:extLst>
+      <p:ext uri="{BB962C8B-B14F-4D97-AF65-F5344CB8AC3E}">
+        <p14:creationId xmlns:p14="http://schemas.microsoft.com/office/powerpoint/2010/main" val="1278981836"/>
+      </p:ext>
+    </p:extLst>
+  </p:cSld>
+  <p:clrMapOvr>
+    <a:masterClrMapping/>
+  </p:clrMapOvr>
+</p:sld>
+</file>
+
+<file path=ppt/slides/slide14.xml><?xml version="1.0" encoding="utf-8"?>
+<p:sld xmlns:a="http://schemas.openxmlformats.org/drawingml/2006/main" xmlns:r="http://schemas.openxmlformats.org/officeDocument/2006/relationships" xmlns:p="http://schemas.openxmlformats.org/presentationml/2006/main">
+  <p:cSld>
+    <p:spTree>
+      <p:nvGrpSpPr>
+        <p:cNvPr id="1" name=""/>
+        <p:cNvGrpSpPr/>
+        <p:nvPr/>
+      </p:nvGrpSpPr>
+      <p:grpSpPr>
+        <a:xfrm>
+          <a:off x="0" y="0"/>
+          <a:ext cx="0" cy="0"/>
+          <a:chOff x="0" y="0"/>
+          <a:chExt cx="0" cy="0"/>
+        </a:xfrm>
+      </p:grpSpPr>
+      <p:sp>
+        <p:nvSpPr>
+          <p:cNvPr id="2" name="タイトル 1"/>
+          <p:cNvSpPr>
+            <a:spLocks noGrp="1"/>
+          </p:cNvSpPr>
+          <p:nvPr>
+            <p:ph type="title"/>
+          </p:nvPr>
+        </p:nvSpPr>
+        <p:spPr/>
+        <p:txBody>
+          <a:bodyPr/>
+          <a:lstStyle/>
+          <a:p>
+            <a:r>
+              <a:rPr kumimoji="1" lang="en-US" altLang="ja-JP" dirty="0" smtClean="0"/>
+              <a:t>3</a:t>
+            </a:r>
+            <a:r>
+              <a:rPr kumimoji="1" lang="ja-JP" altLang="en-US" dirty="0" smtClean="0"/>
+              <a:t>次元におけるクラスタリング結果</a:t>
             </a:r>
             <a:endParaRPr kumimoji="1" lang="ja-JP" altLang="en-US" dirty="0"/>
           </a:p>
@@ -4213,258 +4474,6 @@
 </p:sld>
 </file>
 
-<file path=ppt/slides/slide13.xml><?xml version="1.0" encoding="utf-8"?>
-<p:sld xmlns:a="http://schemas.openxmlformats.org/drawingml/2006/main" xmlns:r="http://schemas.openxmlformats.org/officeDocument/2006/relationships" xmlns:p="http://schemas.openxmlformats.org/presentationml/2006/main">
-  <p:cSld>
-    <p:spTree>
-      <p:nvGrpSpPr>
-        <p:cNvPr id="1" name=""/>
-        <p:cNvGrpSpPr/>
-        <p:nvPr/>
-      </p:nvGrpSpPr>
-      <p:grpSpPr>
-        <a:xfrm>
-          <a:off x="0" y="0"/>
-          <a:ext cx="0" cy="0"/>
-          <a:chOff x="0" y="0"/>
-          <a:chExt cx="0" cy="0"/>
-        </a:xfrm>
-      </p:grpSpPr>
-      <p:sp>
-        <p:nvSpPr>
-          <p:cNvPr id="2" name="タイトル 1"/>
-          <p:cNvSpPr>
-            <a:spLocks noGrp="1"/>
-          </p:cNvSpPr>
-          <p:nvPr>
-            <p:ph type="title"/>
-          </p:nvPr>
-        </p:nvSpPr>
-        <p:spPr/>
-        <p:txBody>
-          <a:bodyPr/>
-          <a:lstStyle/>
-          <a:p>
-            <a:r>
-              <a:rPr kumimoji="1" lang="ja-JP" altLang="en-US" dirty="0" smtClean="0"/>
-              <a:t>まとめ</a:t>
-            </a:r>
-            <a:endParaRPr kumimoji="1" lang="ja-JP" altLang="en-US" dirty="0"/>
-          </a:p>
-        </p:txBody>
-      </p:sp>
-      <p:sp>
-        <p:nvSpPr>
-          <p:cNvPr id="3" name="コンテンツ プレースホルダー 2"/>
-          <p:cNvSpPr>
-            <a:spLocks noGrp="1"/>
-          </p:cNvSpPr>
-          <p:nvPr>
-            <p:ph idx="1"/>
-          </p:nvPr>
-        </p:nvSpPr>
-        <p:spPr>
-          <a:xfrm>
-            <a:off x="838200" y="1184611"/>
-            <a:ext cx="10515600" cy="5363334"/>
-          </a:xfrm>
-        </p:spPr>
-        <p:txBody>
-          <a:bodyPr anchor="ctr"/>
-          <a:lstStyle/>
-          <a:p>
-            <a:pPr>
-              <a:lnSpc>
-                <a:spcPct val="150000"/>
-              </a:lnSpc>
-            </a:pPr>
-            <a:r>
-              <a:rPr lang="ja-JP" altLang="en-US" dirty="0" smtClean="0"/>
-              <a:t>混合等方</a:t>
-            </a:r>
-            <a:r>
-              <a:rPr lang="en-US" altLang="ja-JP" dirty="0" smtClean="0"/>
-              <a:t>Gauss</a:t>
-            </a:r>
-            <a:r>
-              <a:rPr lang="ja-JP" altLang="en-US" dirty="0" smtClean="0"/>
-              <a:t>分布は</a:t>
-            </a:r>
-            <a:r>
-              <a:rPr lang="en-US" altLang="ja-JP" b="1" dirty="0" smtClean="0"/>
-              <a:t>BIC</a:t>
-            </a:r>
-            <a:r>
-              <a:rPr lang="ja-JP" altLang="en-US" b="1" dirty="0" smtClean="0"/>
-              <a:t>を採用する</a:t>
-            </a:r>
-            <a:r>
-              <a:rPr lang="ja-JP" altLang="en-US" dirty="0" smtClean="0"/>
-              <a:t>ことで</a:t>
-            </a:r>
-            <a:r>
-              <a:rPr lang="en-US" altLang="ja-JP" dirty="0" smtClean="0"/>
-              <a:t/>
-            </a:r>
-            <a:br>
-              <a:rPr lang="en-US" altLang="ja-JP" dirty="0" smtClean="0"/>
-            </a:br>
-            <a:r>
-              <a:rPr lang="en-US" altLang="ja-JP" dirty="0" smtClean="0"/>
-              <a:t>		</a:t>
-            </a:r>
-            <a:r>
-              <a:rPr lang="ja-JP" altLang="en-US" dirty="0" smtClean="0"/>
-              <a:t>適切にクラスタリングを行うことができる</a:t>
-            </a:r>
-            <a:endParaRPr lang="en-US" altLang="ja-JP" dirty="0" smtClean="0"/>
-          </a:p>
-          <a:p>
-            <a:r>
-              <a:rPr lang="ja-JP" altLang="en-US" dirty="0" smtClean="0"/>
-              <a:t>今後の課題</a:t>
-            </a:r>
-            <a:endParaRPr lang="en-US" altLang="ja-JP" dirty="0"/>
-          </a:p>
-          <a:p>
-            <a:pPr lvl="1">
-              <a:buFont typeface="Wingdings" charset="2"/>
-              <a:buChar char="Ø"/>
-            </a:pPr>
-            <a:r>
-              <a:rPr kumimoji="1" lang="ja-JP" altLang="en-US" dirty="0" smtClean="0"/>
-              <a:t> </a:t>
-            </a:r>
-            <a:r>
-              <a:rPr kumimoji="1" lang="en-US" altLang="ja-JP" dirty="0" smtClean="0"/>
-              <a:t>AIC, </a:t>
-            </a:r>
-            <a:r>
-              <a:rPr kumimoji="1" lang="en-US" altLang="ja-JP" dirty="0" err="1" smtClean="0"/>
-              <a:t>cAIC</a:t>
-            </a:r>
-            <a:r>
-              <a:rPr kumimoji="1" lang="en-US" altLang="ja-JP" dirty="0" smtClean="0"/>
-              <a:t>, BIC</a:t>
-            </a:r>
-            <a:r>
-              <a:rPr kumimoji="1" lang="ja-JP" altLang="en-US" dirty="0" smtClean="0"/>
-              <a:t>以外の情報量規準を用いたクラスタリング</a:t>
-            </a:r>
-            <a:endParaRPr kumimoji="1" lang="en-US" altLang="ja-JP" dirty="0" smtClean="0"/>
-          </a:p>
-          <a:p>
-            <a:pPr lvl="1">
-              <a:buFont typeface="Wingdings" charset="2"/>
-              <a:buChar char="Ø"/>
-            </a:pPr>
-            <a:r>
-              <a:rPr lang="ja-JP" altLang="en-US" dirty="0" smtClean="0"/>
-              <a:t>クラスタリング対象のデータを変更する</a:t>
-            </a:r>
-            <a:endParaRPr kumimoji="1" lang="ja-JP" altLang="en-US" dirty="0"/>
-          </a:p>
-        </p:txBody>
-      </p:sp>
-    </p:spTree>
-    <p:extLst>
-      <p:ext uri="{BB962C8B-B14F-4D97-AF65-F5344CB8AC3E}">
-        <p14:creationId xmlns:p14="http://schemas.microsoft.com/office/powerpoint/2010/main" val="2139596300"/>
-      </p:ext>
-    </p:extLst>
-  </p:cSld>
-  <p:clrMapOvr>
-    <a:masterClrMapping/>
-  </p:clrMapOvr>
-  <p:timing>
-    <p:tnLst>
-      <p:par>
-        <p:cTn id="1" dur="indefinite" restart="never" nodeType="tmRoot"/>
-      </p:par>
-    </p:tnLst>
-  </p:timing>
-</p:sld>
-</file>
-
-<file path=ppt/slides/slide14.xml><?xml version="1.0" encoding="utf-8"?>
-<p:sld xmlns:a="http://schemas.openxmlformats.org/drawingml/2006/main" xmlns:r="http://schemas.openxmlformats.org/officeDocument/2006/relationships" xmlns:p="http://schemas.openxmlformats.org/presentationml/2006/main">
-  <p:cSld>
-    <p:spTree>
-      <p:nvGrpSpPr>
-        <p:cNvPr id="1" name=""/>
-        <p:cNvGrpSpPr/>
-        <p:nvPr/>
-      </p:nvGrpSpPr>
-      <p:grpSpPr>
-        <a:xfrm>
-          <a:off x="0" y="0"/>
-          <a:ext cx="0" cy="0"/>
-          <a:chOff x="0" y="0"/>
-          <a:chExt cx="0" cy="0"/>
-        </a:xfrm>
-      </p:grpSpPr>
-      <p:sp>
-        <p:nvSpPr>
-          <p:cNvPr id="2" name="タイトル 1"/>
-          <p:cNvSpPr>
-            <a:spLocks noGrp="1"/>
-          </p:cNvSpPr>
-          <p:nvPr>
-            <p:ph type="title"/>
-          </p:nvPr>
-        </p:nvSpPr>
-        <p:spPr>
-          <a:xfrm>
-            <a:off x="922283" y="3356686"/>
-            <a:ext cx="10515600" cy="636925"/>
-          </a:xfrm>
-        </p:spPr>
-        <p:txBody>
-          <a:bodyPr/>
-          <a:lstStyle/>
-          <a:p>
-            <a:r>
-              <a:rPr kumimoji="1" lang="en-US" altLang="ja-JP" smtClean="0">
-                <a:solidFill>
-                  <a:schemeClr val="tx1">
-                    <a:lumMod val="85000"/>
-                    <a:lumOff val="15000"/>
-                  </a:schemeClr>
-                </a:solidFill>
-              </a:rPr>
-              <a:t>Appendix</a:t>
-            </a:r>
-            <a:endParaRPr kumimoji="1" lang="ja-JP" altLang="en-US" dirty="0">
-              <a:solidFill>
-                <a:schemeClr val="tx1">
-                  <a:lumMod val="85000"/>
-                  <a:lumOff val="15000"/>
-                </a:schemeClr>
-              </a:solidFill>
-            </a:endParaRPr>
-          </a:p>
-        </p:txBody>
-      </p:sp>
-    </p:spTree>
-    <p:extLst>
-      <p:ext uri="{BB962C8B-B14F-4D97-AF65-F5344CB8AC3E}">
-        <p14:creationId xmlns:p14="http://schemas.microsoft.com/office/powerpoint/2010/main" val="647820641"/>
-      </p:ext>
-    </p:extLst>
-  </p:cSld>
-  <p:clrMapOvr>
-    <a:masterClrMapping/>
-  </p:clrMapOvr>
-  <p:timing>
-    <p:tnLst>
-      <p:par>
-        <p:cTn id="1" dur="indefinite" restart="never" nodeType="tmRoot"/>
-      </p:par>
-    </p:tnLst>
-  </p:timing>
-</p:sld>
-</file>
-
 <file path=ppt/slides/slide15.xml><?xml version="1.0" encoding="utf-8"?>
 <p:sld xmlns:a="http://schemas.openxmlformats.org/drawingml/2006/main" xmlns:r="http://schemas.openxmlformats.org/officeDocument/2006/relationships" xmlns:p="http://schemas.openxmlformats.org/presentationml/2006/main">
   <p:cSld>
@@ -4498,8 +4507,8 @@
           <a:lstStyle/>
           <a:p>
             <a:r>
-              <a:rPr kumimoji="1" lang="en-US" altLang="ja-JP" dirty="0" smtClean="0"/>
-              <a:t>Appendix</a:t>
+              <a:rPr kumimoji="1" lang="ja-JP" altLang="en-US" dirty="0" smtClean="0"/>
+              <a:t>まとめ</a:t>
             </a:r>
             <a:endParaRPr kumimoji="1" lang="ja-JP" altLang="en-US" dirty="0"/>
           </a:p>
@@ -4517,37 +4526,103 @@
         </p:nvSpPr>
         <p:spPr>
           <a:xfrm>
-            <a:off x="838200" y="1184610"/>
-            <a:ext cx="10515600" cy="5394866"/>
+            <a:off x="838200" y="1184611"/>
+            <a:ext cx="10515600" cy="5363334"/>
           </a:xfrm>
         </p:spPr>
         <p:txBody>
-          <a:bodyPr/>
+          <a:bodyPr anchor="ctr"/>
           <a:lstStyle/>
           <a:p>
             <a:pPr>
               <a:lnSpc>
                 <a:spcPct val="150000"/>
               </a:lnSpc>
-              <a:spcBef>
-                <a:spcPts val="0"/>
-              </a:spcBef>
             </a:pPr>
             <a:r>
+              <a:rPr lang="ja-JP" altLang="en-US" dirty="0" smtClean="0"/>
+              <a:t>混合等方</a:t>
+            </a:r>
+            <a:r>
+              <a:rPr lang="en-US" altLang="ja-JP" dirty="0" smtClean="0"/>
+              <a:t>Gauss</a:t>
+            </a:r>
+            <a:r>
+              <a:rPr lang="ja-JP" altLang="en-US" dirty="0" smtClean="0"/>
+              <a:t>分布は</a:t>
+            </a:r>
+            <a:r>
+              <a:rPr lang="en-US" altLang="ja-JP" b="1" dirty="0" smtClean="0"/>
+              <a:t>BIC</a:t>
+            </a:r>
+            <a:r>
+              <a:rPr lang="ja-JP" altLang="en-US" b="1" dirty="0" smtClean="0"/>
+              <a:t>を採用する</a:t>
+            </a:r>
+            <a:r>
+              <a:rPr lang="ja-JP" altLang="en-US" dirty="0" smtClean="0"/>
+              <a:t>ことで</a:t>
+            </a:r>
+            <a:r>
+              <a:rPr lang="en-US" altLang="ja-JP" dirty="0" smtClean="0"/>
+              <a:t/>
+            </a:r>
+            <a:br>
+              <a:rPr lang="en-US" altLang="ja-JP" dirty="0" smtClean="0"/>
+            </a:br>
+            <a:r>
+              <a:rPr lang="en-US" altLang="ja-JP" dirty="0" smtClean="0"/>
+              <a:t>		</a:t>
+            </a:r>
+            <a:r>
+              <a:rPr lang="ja-JP" altLang="en-US" dirty="0" smtClean="0"/>
+              <a:t>適切にクラスタリングを行うことができる</a:t>
+            </a:r>
+            <a:endParaRPr lang="en-US" altLang="ja-JP" dirty="0" smtClean="0"/>
+          </a:p>
+          <a:p>
+            <a:r>
+              <a:rPr lang="ja-JP" altLang="en-US" dirty="0" smtClean="0"/>
+              <a:t>今後の課題</a:t>
+            </a:r>
+            <a:endParaRPr lang="en-US" altLang="ja-JP" dirty="0"/>
+          </a:p>
+          <a:p>
+            <a:pPr lvl="1">
+              <a:buFont typeface="Wingdings" charset="2"/>
+              <a:buChar char="Ø"/>
+            </a:pPr>
+            <a:r>
               <a:rPr kumimoji="1" lang="ja-JP" altLang="en-US" dirty="0" smtClean="0"/>
-              <a:t>精度の評価指標について</a:t>
+              <a:t> </a:t>
+            </a:r>
+            <a:r>
+              <a:rPr kumimoji="1" lang="en-US" altLang="ja-JP" dirty="0" smtClean="0"/>
+              <a:t>AIC, </a:t>
+            </a:r>
+            <a:r>
+              <a:rPr kumimoji="1" lang="en-US" altLang="ja-JP" dirty="0" err="1" smtClean="0"/>
+              <a:t>cAIC</a:t>
+            </a:r>
+            <a:r>
+              <a:rPr kumimoji="1" lang="en-US" altLang="ja-JP" dirty="0" smtClean="0"/>
+              <a:t>, BIC</a:t>
+            </a:r>
+            <a:r>
+              <a:rPr kumimoji="1" lang="ja-JP" altLang="en-US" dirty="0" smtClean="0"/>
+              <a:t>以外の情報量規準を用いたクラスタリング</a:t>
             </a:r>
             <a:endParaRPr kumimoji="1" lang="en-US" altLang="ja-JP" dirty="0" smtClean="0"/>
           </a:p>
           <a:p>
-            <a:pPr>
-              <a:lnSpc>
-                <a:spcPct val="150000"/>
-              </a:lnSpc>
-              <a:spcBef>
-                <a:spcPts val="0"/>
-              </a:spcBef>
+            <a:pPr lvl="1">
+              <a:buFont typeface="Wingdings" charset="2"/>
+              <a:buChar char="Ø"/>
             </a:pPr>
+            <a:r>
+              <a:rPr lang="ja-JP" altLang="en-US" dirty="0" smtClean="0"/>
+              <a:t>クラスタリング対象のデータを変更する</a:t>
+            </a:r>
             <a:endParaRPr kumimoji="1" lang="ja-JP" altLang="en-US" dirty="0"/>
           </a:p>
         </p:txBody>
@@ -4555,7 +4630,7 @@
     </p:spTree>
     <p:extLst>
       <p:ext uri="{BB962C8B-B14F-4D97-AF65-F5344CB8AC3E}">
-        <p14:creationId xmlns:p14="http://schemas.microsoft.com/office/powerpoint/2010/main" val="1723619600"/>
+        <p14:creationId xmlns:p14="http://schemas.microsoft.com/office/powerpoint/2010/main" val="2139596300"/>
       </p:ext>
     </p:extLst>
   </p:cSld>
@@ -4599,6 +4674,196 @@
             <p:ph type="title"/>
           </p:nvPr>
         </p:nvSpPr>
+        <p:spPr>
+          <a:xfrm>
+            <a:off x="922283" y="3356686"/>
+            <a:ext cx="10515600" cy="636925"/>
+          </a:xfrm>
+        </p:spPr>
+        <p:txBody>
+          <a:bodyPr/>
+          <a:lstStyle/>
+          <a:p>
+            <a:r>
+              <a:rPr kumimoji="1" lang="en-US" altLang="ja-JP" smtClean="0">
+                <a:solidFill>
+                  <a:schemeClr val="tx1">
+                    <a:lumMod val="85000"/>
+                    <a:lumOff val="15000"/>
+                  </a:schemeClr>
+                </a:solidFill>
+              </a:rPr>
+              <a:t>Appendix</a:t>
+            </a:r>
+            <a:endParaRPr kumimoji="1" lang="ja-JP" altLang="en-US" dirty="0">
+              <a:solidFill>
+                <a:schemeClr val="tx1">
+                  <a:lumMod val="85000"/>
+                  <a:lumOff val="15000"/>
+                </a:schemeClr>
+              </a:solidFill>
+            </a:endParaRPr>
+          </a:p>
+        </p:txBody>
+      </p:sp>
+    </p:spTree>
+    <p:extLst>
+      <p:ext uri="{BB962C8B-B14F-4D97-AF65-F5344CB8AC3E}">
+        <p14:creationId xmlns:p14="http://schemas.microsoft.com/office/powerpoint/2010/main" val="647820641"/>
+      </p:ext>
+    </p:extLst>
+  </p:cSld>
+  <p:clrMapOvr>
+    <a:masterClrMapping/>
+  </p:clrMapOvr>
+  <p:timing>
+    <p:tnLst>
+      <p:par>
+        <p:cTn id="1" dur="indefinite" restart="never" nodeType="tmRoot"/>
+      </p:par>
+    </p:tnLst>
+  </p:timing>
+</p:sld>
+</file>
+
+<file path=ppt/slides/slide17.xml><?xml version="1.0" encoding="utf-8"?>
+<p:sld xmlns:a="http://schemas.openxmlformats.org/drawingml/2006/main" xmlns:r="http://schemas.openxmlformats.org/officeDocument/2006/relationships" xmlns:p="http://schemas.openxmlformats.org/presentationml/2006/main">
+  <p:cSld>
+    <p:spTree>
+      <p:nvGrpSpPr>
+        <p:cNvPr id="1" name=""/>
+        <p:cNvGrpSpPr/>
+        <p:nvPr/>
+      </p:nvGrpSpPr>
+      <p:grpSpPr>
+        <a:xfrm>
+          <a:off x="0" y="0"/>
+          <a:ext cx="0" cy="0"/>
+          <a:chOff x="0" y="0"/>
+          <a:chExt cx="0" cy="0"/>
+        </a:xfrm>
+      </p:grpSpPr>
+      <p:sp>
+        <p:nvSpPr>
+          <p:cNvPr id="2" name="タイトル 1"/>
+          <p:cNvSpPr>
+            <a:spLocks noGrp="1"/>
+          </p:cNvSpPr>
+          <p:nvPr>
+            <p:ph type="title"/>
+          </p:nvPr>
+        </p:nvSpPr>
+        <p:spPr/>
+        <p:txBody>
+          <a:bodyPr/>
+          <a:lstStyle/>
+          <a:p>
+            <a:r>
+              <a:rPr kumimoji="1" lang="en-US" altLang="ja-JP" dirty="0" smtClean="0"/>
+              <a:t>Appendix</a:t>
+            </a:r>
+            <a:endParaRPr kumimoji="1" lang="ja-JP" altLang="en-US" dirty="0"/>
+          </a:p>
+        </p:txBody>
+      </p:sp>
+      <p:sp>
+        <p:nvSpPr>
+          <p:cNvPr id="3" name="コンテンツ プレースホルダー 2"/>
+          <p:cNvSpPr>
+            <a:spLocks noGrp="1"/>
+          </p:cNvSpPr>
+          <p:nvPr>
+            <p:ph idx="1"/>
+          </p:nvPr>
+        </p:nvSpPr>
+        <p:spPr>
+          <a:xfrm>
+            <a:off x="838200" y="1184610"/>
+            <a:ext cx="10515600" cy="5394866"/>
+          </a:xfrm>
+        </p:spPr>
+        <p:txBody>
+          <a:bodyPr/>
+          <a:lstStyle/>
+          <a:p>
+            <a:pPr>
+              <a:lnSpc>
+                <a:spcPct val="150000"/>
+              </a:lnSpc>
+              <a:spcBef>
+                <a:spcPts val="0"/>
+              </a:spcBef>
+            </a:pPr>
+            <a:r>
+              <a:rPr kumimoji="1" lang="ja-JP" altLang="en-US" dirty="0" smtClean="0"/>
+              <a:t>精度の評価指標について</a:t>
+            </a:r>
+            <a:endParaRPr kumimoji="1" lang="en-US" altLang="ja-JP" dirty="0" smtClean="0"/>
+          </a:p>
+          <a:p>
+            <a:pPr>
+              <a:lnSpc>
+                <a:spcPct val="150000"/>
+              </a:lnSpc>
+              <a:spcBef>
+                <a:spcPts val="0"/>
+              </a:spcBef>
+            </a:pPr>
+            <a:r>
+              <a:rPr kumimoji="1" lang="ja-JP" altLang="en-US" dirty="0" smtClean="0"/>
+              <a:t>最尤法</a:t>
+            </a:r>
+            <a:endParaRPr kumimoji="1" lang="ja-JP" altLang="en-US" dirty="0"/>
+          </a:p>
+        </p:txBody>
+      </p:sp>
+    </p:spTree>
+    <p:extLst>
+      <p:ext uri="{BB962C8B-B14F-4D97-AF65-F5344CB8AC3E}">
+        <p14:creationId xmlns:p14="http://schemas.microsoft.com/office/powerpoint/2010/main" val="1723619600"/>
+      </p:ext>
+    </p:extLst>
+  </p:cSld>
+  <p:clrMapOvr>
+    <a:masterClrMapping/>
+  </p:clrMapOvr>
+  <p:timing>
+    <p:tnLst>
+      <p:par>
+        <p:cTn id="1" dur="indefinite" restart="never" nodeType="tmRoot"/>
+      </p:par>
+    </p:tnLst>
+  </p:timing>
+</p:sld>
+</file>
+
+<file path=ppt/slides/slide18.xml><?xml version="1.0" encoding="utf-8"?>
+<p:sld xmlns:a="http://schemas.openxmlformats.org/drawingml/2006/main" xmlns:r="http://schemas.openxmlformats.org/officeDocument/2006/relationships" xmlns:p="http://schemas.openxmlformats.org/presentationml/2006/main">
+  <p:cSld>
+    <p:spTree>
+      <p:nvGrpSpPr>
+        <p:cNvPr id="1" name=""/>
+        <p:cNvGrpSpPr/>
+        <p:nvPr/>
+      </p:nvGrpSpPr>
+      <p:grpSpPr>
+        <a:xfrm>
+          <a:off x="0" y="0"/>
+          <a:ext cx="0" cy="0"/>
+          <a:chOff x="0" y="0"/>
+          <a:chExt cx="0" cy="0"/>
+        </a:xfrm>
+      </p:grpSpPr>
+      <p:sp>
+        <p:nvSpPr>
+          <p:cNvPr id="2" name="タイトル 1"/>
+          <p:cNvSpPr>
+            <a:spLocks noGrp="1"/>
+          </p:cNvSpPr>
+          <p:nvPr>
+            <p:ph type="title"/>
+          </p:nvPr>
+        </p:nvSpPr>
         <p:spPr/>
         <p:txBody>
           <a:bodyPr/>
@@ -4647,7 +4912,7 @@
             </a:br>
             <a:r>
               <a:rPr kumimoji="1" lang="ja-JP" altLang="en-US" sz="2800" dirty="0" smtClean="0"/>
-              <a:t>クラスタの正解ラベルに対してクラスタリング結果の一致度を</a:t>
+              <a:t>クラスタの正解ラベルに対して</a:t>
             </a:r>
             <a:r>
               <a:rPr kumimoji="1" lang="en-US" altLang="ja-JP" sz="2800" dirty="0" smtClean="0"/>
@@ -4657,8 +4922,12 @@
               <a:rPr kumimoji="1" lang="en-US" altLang="ja-JP" sz="2800" dirty="0" smtClean="0"/>
             </a:br>
             <a:r>
+              <a:rPr kumimoji="1" lang="en-US" altLang="ja-JP" sz="2800" dirty="0" smtClean="0"/>
+              <a:t>				</a:t>
+            </a:r>
+            <a:r>
               <a:rPr kumimoji="1" lang="ja-JP" altLang="en-US" sz="2800" dirty="0" smtClean="0"/>
-              <a:t>評価する指標</a:t>
+              <a:t>クラスタリング結果の一致度を評価する指標</a:t>
             </a:r>
             <a:endParaRPr kumimoji="1" lang="en-US" altLang="ja-JP" sz="2800" dirty="0" smtClean="0"/>
           </a:p>
@@ -4721,6 +4990,407 @@
       </p:par>
     </p:tnLst>
   </p:timing>
+</p:sld>
+</file>
+
+<file path=ppt/slides/slide19.xml><?xml version="1.0" encoding="utf-8"?>
+<p:sld xmlns:a="http://schemas.openxmlformats.org/drawingml/2006/main" xmlns:r="http://schemas.openxmlformats.org/officeDocument/2006/relationships" xmlns:p="http://schemas.openxmlformats.org/presentationml/2006/main">
+  <p:cSld>
+    <p:spTree>
+      <p:nvGrpSpPr>
+        <p:cNvPr id="1" name=""/>
+        <p:cNvGrpSpPr/>
+        <p:nvPr/>
+      </p:nvGrpSpPr>
+      <p:grpSpPr>
+        <a:xfrm>
+          <a:off x="0" y="0"/>
+          <a:ext cx="0" cy="0"/>
+          <a:chOff x="0" y="0"/>
+          <a:chExt cx="0" cy="0"/>
+        </a:xfrm>
+      </p:grpSpPr>
+      <p:sp>
+        <p:nvSpPr>
+          <p:cNvPr id="2" name="タイトル 1"/>
+          <p:cNvSpPr>
+            <a:spLocks noGrp="1"/>
+          </p:cNvSpPr>
+          <p:nvPr>
+            <p:ph type="title"/>
+          </p:nvPr>
+        </p:nvSpPr>
+        <p:spPr/>
+        <p:txBody>
+          <a:bodyPr/>
+          <a:lstStyle/>
+          <a:p>
+            <a:r>
+              <a:rPr kumimoji="1" lang="ja-JP" altLang="en-US" dirty="0" smtClean="0"/>
+              <a:t>尤度</a:t>
+            </a:r>
+            <a:endParaRPr kumimoji="1" lang="ja-JP" altLang="en-US" dirty="0"/>
+          </a:p>
+        </p:txBody>
+      </p:sp>
+      <p:sp>
+        <p:nvSpPr>
+          <p:cNvPr id="3" name="コンテンツ プレースホルダー 2"/>
+          <p:cNvSpPr>
+            <a:spLocks noGrp="1"/>
+          </p:cNvSpPr>
+          <p:nvPr>
+            <p:ph idx="1"/>
+          </p:nvPr>
+        </p:nvSpPr>
+        <p:spPr>
+          <a:xfrm>
+            <a:off x="838200" y="1109965"/>
+            <a:ext cx="10515600" cy="5122883"/>
+          </a:xfrm>
+        </p:spPr>
+        <p:txBody>
+          <a:bodyPr/>
+          <a:lstStyle/>
+          <a:p>
+            <a:pPr marL="0" marR="0" lvl="0" indent="0" defTabSz="914400" eaLnBrk="1" fontAlgn="auto" latinLnBrk="0" hangingPunct="1">
+              <a:spcBef>
+                <a:spcPts val="0"/>
+              </a:spcBef>
+              <a:spcAft>
+                <a:spcPts val="0"/>
+              </a:spcAft>
+              <a:buClrTx/>
+              <a:buSzTx/>
+              <a:buFontTx/>
+              <a:buNone/>
+              <a:tabLst/>
+              <a:defRPr/>
+            </a:pPr>
+            <a:r>
+              <a:rPr kumimoji="1" lang="ja-JP" altLang="en-US" dirty="0" smtClean="0"/>
+              <a:t>モデルの尤もらしさを表す尺度</a:t>
+            </a:r>
+            <a:endParaRPr kumimoji="1" lang="en-US" altLang="ja-JP" dirty="0" smtClean="0"/>
+          </a:p>
+          <a:p>
+            <a:pPr marL="0" marR="0" lvl="0" indent="0" defTabSz="914400" eaLnBrk="1" fontAlgn="auto" latinLnBrk="0" hangingPunct="1">
+              <a:lnSpc>
+                <a:spcPct val="150000"/>
+              </a:lnSpc>
+              <a:spcBef>
+                <a:spcPts val="0"/>
+              </a:spcBef>
+              <a:spcAft>
+                <a:spcPts val="0"/>
+              </a:spcAft>
+              <a:buClrTx/>
+              <a:buSzTx/>
+              <a:buFontTx/>
+              <a:buNone/>
+              <a:tabLst/>
+              <a:defRPr/>
+            </a:pPr>
+            <a:r>
+              <a:rPr lang="ja-JP" altLang="en-US" dirty="0" smtClean="0"/>
+              <a:t>確率変数 </a:t>
+            </a:r>
+            <a:r>
+              <a:rPr lang="en-US" altLang="ja-JP" dirty="0" smtClean="0">
+                <a:latin typeface="Times New Roman" charset="0"/>
+                <a:ea typeface="Times New Roman" charset="0"/>
+                <a:cs typeface="Times New Roman" charset="0"/>
+              </a:rPr>
+              <a:t>(</a:t>
+            </a:r>
+            <a:r>
+              <a:rPr lang="en-US" altLang="ja-JP" i="1" dirty="0" smtClean="0">
+                <a:latin typeface="Times New Roman" charset="0"/>
+                <a:ea typeface="Times New Roman" charset="0"/>
+                <a:cs typeface="Times New Roman" charset="0"/>
+              </a:rPr>
+              <a:t>X</a:t>
+            </a:r>
+            <a:r>
+              <a:rPr lang="en-US" altLang="ja-JP" baseline="-25000" dirty="0" smtClean="0">
+                <a:latin typeface="Times New Roman" charset="0"/>
+                <a:ea typeface="Times New Roman" charset="0"/>
+                <a:cs typeface="Times New Roman" charset="0"/>
+              </a:rPr>
+              <a:t>1</a:t>
+            </a:r>
+            <a:r>
+              <a:rPr lang="en-US" altLang="ja-JP" dirty="0" smtClean="0">
+                <a:latin typeface="Times New Roman" charset="0"/>
+                <a:ea typeface="Times New Roman" charset="0"/>
+                <a:cs typeface="Times New Roman" charset="0"/>
+              </a:rPr>
+              <a:t>, </a:t>
+            </a:r>
+            <a:r>
+              <a:rPr lang="en-US" altLang="ja-JP" i="1" dirty="0" smtClean="0">
+                <a:latin typeface="Times New Roman" charset="0"/>
+                <a:ea typeface="Times New Roman" charset="0"/>
+                <a:cs typeface="Times New Roman" charset="0"/>
+              </a:rPr>
+              <a:t>X</a:t>
+            </a:r>
+            <a:r>
+              <a:rPr lang="en-US" altLang="ja-JP" baseline="-25000" dirty="0" smtClean="0">
+                <a:latin typeface="Times New Roman" charset="0"/>
+                <a:ea typeface="Times New Roman" charset="0"/>
+                <a:cs typeface="Times New Roman" charset="0"/>
+              </a:rPr>
+              <a:t>2</a:t>
+            </a:r>
+            <a:r>
+              <a:rPr lang="en-US" altLang="ja-JP" dirty="0" smtClean="0">
+                <a:latin typeface="Times New Roman" charset="0"/>
+                <a:ea typeface="Times New Roman" charset="0"/>
+                <a:cs typeface="Times New Roman" charset="0"/>
+              </a:rPr>
+              <a:t>, …, </a:t>
+            </a:r>
+            <a:r>
+              <a:rPr lang="en-US" altLang="ja-JP" i="1" dirty="0" err="1" smtClean="0">
+                <a:latin typeface="Times New Roman" charset="0"/>
+                <a:ea typeface="Times New Roman" charset="0"/>
+                <a:cs typeface="Times New Roman" charset="0"/>
+              </a:rPr>
+              <a:t>X</a:t>
+            </a:r>
+            <a:r>
+              <a:rPr lang="en-US" altLang="ja-JP" i="1" baseline="-25000" dirty="0" err="1" smtClean="0">
+                <a:latin typeface="Times New Roman" charset="0"/>
+                <a:ea typeface="Times New Roman" charset="0"/>
+                <a:cs typeface="Times New Roman" charset="0"/>
+              </a:rPr>
+              <a:t>n</a:t>
+            </a:r>
+            <a:r>
+              <a:rPr lang="en-US" altLang="ja-JP" dirty="0" smtClean="0">
+                <a:latin typeface="Times New Roman" charset="0"/>
+                <a:ea typeface="Times New Roman" charset="0"/>
+                <a:cs typeface="Times New Roman" charset="0"/>
+              </a:rPr>
+              <a:t>)</a:t>
+            </a:r>
+            <a:r>
+              <a:rPr lang="ja-JP" altLang="en-US" dirty="0" smtClean="0">
+                <a:latin typeface="Times New Roman" charset="0"/>
+                <a:ea typeface="Times New Roman" charset="0"/>
+                <a:cs typeface="Times New Roman" charset="0"/>
+              </a:rPr>
+              <a:t>  </a:t>
+            </a:r>
+            <a:r>
+              <a:rPr lang="ja-JP" altLang="en-US" dirty="0" smtClean="0"/>
+              <a:t>（互いに独立）の</a:t>
+            </a:r>
+            <a:r>
+              <a:rPr lang="en-US" altLang="ja-JP" dirty="0" smtClean="0"/>
+              <a:t/>
+            </a:r>
+            <a:br>
+              <a:rPr lang="en-US" altLang="ja-JP" dirty="0" smtClean="0"/>
+            </a:br>
+            <a:r>
+              <a:rPr lang="ja-JP" altLang="en-US" dirty="0" smtClean="0"/>
+              <a:t>同時確率密度関数が</a:t>
+            </a:r>
+            <a:r>
+              <a:rPr lang="en-US" altLang="ja-JP" dirty="0" smtClean="0"/>
+              <a:t> </a:t>
+            </a:r>
+            <a:r>
+              <a:rPr lang="en-US" altLang="ja-JP" i="1" dirty="0" smtClean="0">
+                <a:latin typeface="Times New Roman" charset="0"/>
+                <a:ea typeface="Times New Roman" charset="0"/>
+                <a:cs typeface="Times New Roman" charset="0"/>
+              </a:rPr>
+              <a:t>f</a:t>
+            </a:r>
+            <a:r>
+              <a:rPr lang="en-US" altLang="ja-JP" dirty="0" smtClean="0">
+                <a:latin typeface="Times New Roman" charset="0"/>
+                <a:ea typeface="Times New Roman" charset="0"/>
+                <a:cs typeface="Times New Roman" charset="0"/>
+              </a:rPr>
+              <a:t>(</a:t>
+            </a:r>
+            <a:r>
+              <a:rPr lang="en-US" altLang="ja-JP" i="1" dirty="0" smtClean="0">
+                <a:latin typeface="Times New Roman" charset="0"/>
+                <a:ea typeface="Times New Roman" charset="0"/>
+                <a:cs typeface="Times New Roman" charset="0"/>
+              </a:rPr>
+              <a:t>x</a:t>
+            </a:r>
+            <a:r>
+              <a:rPr lang="en-US" altLang="ja-JP" baseline="-25000" dirty="0" smtClean="0">
+                <a:latin typeface="Times New Roman" charset="0"/>
+                <a:ea typeface="Times New Roman" charset="0"/>
+                <a:cs typeface="Times New Roman" charset="0"/>
+              </a:rPr>
+              <a:t>1</a:t>
+            </a:r>
+            <a:r>
+              <a:rPr lang="en-US" altLang="ja-JP" dirty="0" smtClean="0">
+                <a:latin typeface="Times New Roman" charset="0"/>
+                <a:ea typeface="Times New Roman" charset="0"/>
+                <a:cs typeface="Times New Roman" charset="0"/>
+              </a:rPr>
+              <a:t>, </a:t>
+            </a:r>
+            <a:r>
+              <a:rPr lang="en-US" altLang="ja-JP" i="1" dirty="0" smtClean="0">
+                <a:latin typeface="Times New Roman" charset="0"/>
+                <a:ea typeface="Times New Roman" charset="0"/>
+                <a:cs typeface="Times New Roman" charset="0"/>
+              </a:rPr>
+              <a:t>x</a:t>
+            </a:r>
+            <a:r>
+              <a:rPr lang="en-US" altLang="ja-JP" baseline="-25000" dirty="0" smtClean="0">
+                <a:latin typeface="Times New Roman" charset="0"/>
+                <a:ea typeface="Times New Roman" charset="0"/>
+                <a:cs typeface="Times New Roman" charset="0"/>
+              </a:rPr>
+              <a:t>2</a:t>
+            </a:r>
+            <a:r>
+              <a:rPr lang="en-US" altLang="ja-JP" dirty="0" smtClean="0">
+                <a:latin typeface="Times New Roman" charset="0"/>
+                <a:ea typeface="Times New Roman" charset="0"/>
+                <a:cs typeface="Times New Roman" charset="0"/>
+              </a:rPr>
+              <a:t>, …, </a:t>
+            </a:r>
+            <a:r>
+              <a:rPr lang="en-US" altLang="ja-JP" i="1" dirty="0" err="1" smtClean="0">
+                <a:latin typeface="Times New Roman" charset="0"/>
+                <a:ea typeface="Times New Roman" charset="0"/>
+                <a:cs typeface="Times New Roman" charset="0"/>
+              </a:rPr>
+              <a:t>x</a:t>
+            </a:r>
+            <a:r>
+              <a:rPr lang="en-US" altLang="ja-JP" i="1" baseline="-25000" dirty="0" err="1" smtClean="0">
+                <a:latin typeface="Times New Roman" charset="0"/>
+                <a:ea typeface="Times New Roman" charset="0"/>
+                <a:cs typeface="Times New Roman" charset="0"/>
+              </a:rPr>
+              <a:t>n</a:t>
+            </a:r>
+            <a:r>
+              <a:rPr lang="en-US" altLang="ja-JP" dirty="0" smtClean="0">
+                <a:latin typeface="Times New Roman" charset="0"/>
+                <a:ea typeface="Times New Roman" charset="0"/>
+                <a:cs typeface="Times New Roman" charset="0"/>
+              </a:rPr>
+              <a:t> | </a:t>
+            </a:r>
+            <a:r>
+              <a:rPr lang="en-US" altLang="ja-JP" i="1" dirty="0" err="1" smtClean="0">
+                <a:latin typeface="Times New Roman" charset="0"/>
+                <a:ea typeface="Times New Roman" charset="0"/>
+                <a:cs typeface="Times New Roman" charset="0"/>
+              </a:rPr>
+              <a:t>θ</a:t>
+            </a:r>
+            <a:r>
+              <a:rPr lang="en-US" altLang="ja-JP" dirty="0" smtClean="0">
+                <a:latin typeface="Times New Roman" charset="0"/>
+                <a:ea typeface="Times New Roman" charset="0"/>
+                <a:cs typeface="Times New Roman" charset="0"/>
+              </a:rPr>
+              <a:t>) </a:t>
+            </a:r>
+            <a:r>
+              <a:rPr lang="ja-JP" altLang="en-US" dirty="0" smtClean="0"/>
+              <a:t>として，</a:t>
+            </a:r>
+            <a:r>
+              <a:rPr lang="en-US" altLang="ja-JP" dirty="0" smtClean="0"/>
+              <a:t/>
+            </a:r>
+            <a:br>
+              <a:rPr lang="en-US" altLang="ja-JP" dirty="0" smtClean="0"/>
+            </a:br>
+            <a:r>
+              <a:rPr lang="en-US" altLang="ja-JP" i="1" dirty="0" smtClean="0">
+                <a:latin typeface="Times New Roman" charset="0"/>
+                <a:ea typeface="Times New Roman" charset="0"/>
+                <a:cs typeface="Times New Roman" charset="0"/>
+              </a:rPr>
+              <a:t>f  </a:t>
+            </a:r>
+            <a:r>
+              <a:rPr lang="ja-JP" altLang="en-US" dirty="0" smtClean="0"/>
+              <a:t>をパラメータ</a:t>
+            </a:r>
+            <a:r>
+              <a:rPr lang="en-US" altLang="ja-JP" dirty="0" smtClean="0"/>
+              <a:t> </a:t>
+            </a:r>
+            <a:r>
+              <a:rPr lang="en-US" altLang="ja-JP" i="1" dirty="0" err="1" smtClean="0">
+                <a:latin typeface="Times New Roman" charset="0"/>
+                <a:ea typeface="Times New Roman" charset="0"/>
+                <a:cs typeface="Times New Roman" charset="0"/>
+              </a:rPr>
+              <a:t>θ</a:t>
+            </a:r>
+            <a:r>
+              <a:rPr lang="en-US" altLang="ja-JP" i="1" dirty="0" smtClean="0">
+                <a:latin typeface="Times New Roman" charset="0"/>
+                <a:ea typeface="Times New Roman" charset="0"/>
+                <a:cs typeface="Times New Roman" charset="0"/>
+              </a:rPr>
+              <a:t> </a:t>
+            </a:r>
+            <a:r>
+              <a:rPr lang="ja-JP" altLang="en-US" dirty="0" smtClean="0"/>
+              <a:t>の関数と考えたときの関数</a:t>
+            </a:r>
+            <a:endParaRPr kumimoji="1" lang="ja-JP" altLang="en-US" dirty="0"/>
+          </a:p>
+        </p:txBody>
+      </p:sp>
+      <p:pic>
+        <p:nvPicPr>
+          <p:cNvPr id="5" name="図 4"/>
+          <p:cNvPicPr>
+            <a:picLocks noChangeAspect="1"/>
+          </p:cNvPicPr>
+          <p:nvPr/>
+        </p:nvPicPr>
+        <p:blipFill>
+          <a:blip r:embed="rId2"/>
+          <a:stretch>
+            <a:fillRect/>
+          </a:stretch>
+        </p:blipFill>
+        <p:spPr>
+          <a:xfrm>
+            <a:off x="3397250" y="4678716"/>
+            <a:ext cx="5397500" cy="1993900"/>
+          </a:xfrm>
+          <a:prstGeom prst="rect">
+            <a:avLst/>
+          </a:prstGeom>
+        </p:spPr>
+      </p:pic>
+    </p:spTree>
+    <p:extLst>
+      <p:ext uri="{BB962C8B-B14F-4D97-AF65-F5344CB8AC3E}">
+        <p14:creationId xmlns:p14="http://schemas.microsoft.com/office/powerpoint/2010/main" val="585852389"/>
+      </p:ext>
+    </p:extLst>
+  </p:cSld>
+  <p:clrMapOvr>
+    <a:masterClrMapping/>
+  </p:clrMapOvr>
 </p:sld>
 </file>
 
@@ -4866,19 +5536,11 @@
             </a:r>
             <a:r>
               <a:rPr lang="ja-JP" altLang="en-US" b="1" dirty="0" smtClean="0"/>
-              <a:t>ではクラスタ数を事前</a:t>
-            </a:r>
-            <a:r>
-              <a:rPr lang="ja-JP" altLang="en-US" b="1" dirty="0" smtClean="0"/>
-              <a:t>に指定しなければならない</a:t>
+              <a:t>ではクラスタ数を事前に指定しなければならない</a:t>
             </a:r>
             <a:r>
               <a:rPr kumimoji="1" lang="ja-JP" altLang="en-US" dirty="0" smtClean="0"/>
-              <a:t>⇒ </a:t>
-            </a:r>
-            <a:r>
-              <a:rPr kumimoji="1" lang="ja-JP" altLang="en-US" dirty="0" smtClean="0"/>
-              <a:t>クラスタ数が未知の場合「</a:t>
+              <a:t>⇒ クラスタ数が未知の場合「</a:t>
             </a:r>
             <a:r>
               <a:rPr kumimoji="1" lang="ja-JP" altLang="en-US" b="1" dirty="0" smtClean="0"/>
@@ -4939,6 +5601,951 @@
       </p:par>
     </p:tnLst>
   </p:timing>
+</p:sld>
+</file>
+
+<file path=ppt/slides/slide20.xml><?xml version="1.0" encoding="utf-8"?>
+<p:sld xmlns:a="http://schemas.openxmlformats.org/drawingml/2006/main" xmlns:r="http://schemas.openxmlformats.org/officeDocument/2006/relationships" xmlns:p="http://schemas.openxmlformats.org/presentationml/2006/main">
+  <p:cSld>
+    <p:spTree>
+      <p:nvGrpSpPr>
+        <p:cNvPr id="1" name=""/>
+        <p:cNvGrpSpPr/>
+        <p:nvPr/>
+      </p:nvGrpSpPr>
+      <p:grpSpPr>
+        <a:xfrm>
+          <a:off x="0" y="0"/>
+          <a:ext cx="0" cy="0"/>
+          <a:chOff x="0" y="0"/>
+          <a:chExt cx="0" cy="0"/>
+        </a:xfrm>
+      </p:grpSpPr>
+      <p:sp>
+        <p:nvSpPr>
+          <p:cNvPr id="2" name="タイトル 1"/>
+          <p:cNvSpPr>
+            <a:spLocks noGrp="1"/>
+          </p:cNvSpPr>
+          <p:nvPr>
+            <p:ph type="title"/>
+          </p:nvPr>
+        </p:nvSpPr>
+        <p:spPr/>
+        <p:txBody>
+          <a:bodyPr/>
+          <a:lstStyle/>
+          <a:p>
+            <a:r>
+              <a:rPr kumimoji="1" lang="ja-JP" altLang="en-US" dirty="0" smtClean="0"/>
+              <a:t>対数尤度関数</a:t>
+            </a:r>
+            <a:r>
+              <a:rPr lang="ja-JP" altLang="en-US" dirty="0" smtClean="0"/>
+              <a:t>・最尤法</a:t>
+            </a:r>
+            <a:endParaRPr kumimoji="1" lang="ja-JP" altLang="en-US" dirty="0"/>
+          </a:p>
+        </p:txBody>
+      </p:sp>
+      <p:sp>
+        <p:nvSpPr>
+          <p:cNvPr id="3" name="コンテンツ プレースホルダー 2"/>
+          <p:cNvSpPr>
+            <a:spLocks noGrp="1"/>
+          </p:cNvSpPr>
+          <p:nvPr>
+            <p:ph idx="1"/>
+          </p:nvPr>
+        </p:nvSpPr>
+        <p:spPr>
+          <a:xfrm>
+            <a:off x="838200" y="3311991"/>
+            <a:ext cx="10515600" cy="2958180"/>
+          </a:xfrm>
+        </p:spPr>
+        <p:txBody>
+          <a:bodyPr/>
+          <a:lstStyle/>
+          <a:p>
+            <a:pPr marL="0" marR="0" lvl="0" indent="0" defTabSz="914400" eaLnBrk="1" fontAlgn="auto" latinLnBrk="0" hangingPunct="1">
+              <a:spcBef>
+                <a:spcPts val="0"/>
+              </a:spcBef>
+              <a:spcAft>
+                <a:spcPts val="0"/>
+              </a:spcAft>
+              <a:buClrTx/>
+              <a:buSzTx/>
+              <a:buFontTx/>
+              <a:buNone/>
+              <a:tabLst/>
+              <a:defRPr/>
+            </a:pPr>
+            <a:r>
+              <a:rPr lang="en-US" altLang="ja-JP" i="1" dirty="0">
+                <a:latin typeface="Times New Roman" charset="0"/>
+                <a:ea typeface="Times New Roman" charset="0"/>
+                <a:cs typeface="Times New Roman" charset="0"/>
+              </a:rPr>
+              <a:t>l</a:t>
+            </a:r>
+            <a:r>
+              <a:rPr kumimoji="1" lang="en-US" altLang="ja-JP" dirty="0" smtClean="0">
+                <a:latin typeface="Times New Roman" charset="0"/>
+                <a:ea typeface="Times New Roman" charset="0"/>
+                <a:cs typeface="Times New Roman" charset="0"/>
+              </a:rPr>
+              <a:t>(</a:t>
+            </a:r>
+            <a:r>
+              <a:rPr kumimoji="1" lang="en-US" altLang="ja-JP" i="1" dirty="0" err="1" smtClean="0">
+                <a:latin typeface="Times New Roman" charset="0"/>
+                <a:ea typeface="Times New Roman" charset="0"/>
+                <a:cs typeface="Times New Roman" charset="0"/>
+              </a:rPr>
+              <a:t>θ</a:t>
+            </a:r>
+            <a:r>
+              <a:rPr lang="en-US" altLang="ja-JP" dirty="0" smtClean="0">
+                <a:latin typeface="Times New Roman" charset="0"/>
+                <a:ea typeface="Times New Roman" charset="0"/>
+                <a:cs typeface="Times New Roman" charset="0"/>
+              </a:rPr>
+              <a:t>)</a:t>
+            </a:r>
+            <a:r>
+              <a:rPr lang="en-US" altLang="ja-JP" dirty="0" smtClean="0"/>
+              <a:t> </a:t>
+            </a:r>
+            <a:r>
+              <a:rPr kumimoji="1" lang="ja-JP" altLang="en-US" dirty="0" smtClean="0"/>
+              <a:t>の大小を比較することで</a:t>
+            </a:r>
+            <a:r>
+              <a:rPr kumimoji="1" lang="en-US" altLang="ja-JP" dirty="0" smtClean="0"/>
+              <a:t>K-L</a:t>
+            </a:r>
+            <a:r>
+              <a:rPr kumimoji="1" lang="ja-JP" altLang="en-US" dirty="0" smtClean="0"/>
+              <a:t>情報量</a:t>
+            </a:r>
+            <a:r>
+              <a:rPr lang="ja-JP" altLang="en-US" dirty="0" smtClean="0"/>
+              <a:t>の大小を測る</a:t>
+            </a:r>
+            <a:endParaRPr lang="en-US" altLang="ja-JP" dirty="0" smtClean="0"/>
+          </a:p>
+          <a:p>
+            <a:pPr>
+              <a:spcBef>
+                <a:spcPts val="0"/>
+              </a:spcBef>
+              <a:buFont typeface="Wingdings" charset="2"/>
+              <a:buChar char="u"/>
+            </a:pPr>
+            <a:r>
+              <a:rPr lang="en-US" altLang="ja-JP" dirty="0"/>
+              <a:t> </a:t>
+            </a:r>
+            <a:r>
+              <a:rPr lang="ja-JP" altLang="en-US" dirty="0" smtClean="0"/>
+              <a:t>対数尤度が最大になるモデルを推定</a:t>
+            </a:r>
+            <a:r>
+              <a:rPr lang="ja-JP" altLang="en-US" dirty="0"/>
+              <a:t> </a:t>
+            </a:r>
+            <a:r>
+              <a:rPr lang="ja-JP" altLang="en-US" dirty="0" smtClean="0"/>
+              <a:t>⇒ 最大対数尤度</a:t>
+            </a:r>
+            <a:endParaRPr lang="en-US" altLang="ja-JP" dirty="0" smtClean="0"/>
+          </a:p>
+          <a:p>
+            <a:pPr>
+              <a:spcBef>
+                <a:spcPts val="0"/>
+              </a:spcBef>
+              <a:buFont typeface="Wingdings" charset="2"/>
+              <a:buChar char="u"/>
+            </a:pPr>
+            <a:r>
+              <a:rPr kumimoji="1" lang="ja-JP" altLang="en-US" dirty="0" smtClean="0"/>
+              <a:t> この方法を「最尤法」と呼ぶ</a:t>
+            </a:r>
+            <a:endParaRPr kumimoji="1" lang="ja-JP" altLang="en-US" dirty="0"/>
+          </a:p>
+        </p:txBody>
+      </p:sp>
+      <p:pic>
+        <p:nvPicPr>
+          <p:cNvPr id="4" name="図 3"/>
+          <p:cNvPicPr>
+            <a:picLocks noChangeAspect="1"/>
+          </p:cNvPicPr>
+          <p:nvPr/>
+        </p:nvPicPr>
+        <p:blipFill>
+          <a:blip r:embed="rId2"/>
+          <a:stretch>
+            <a:fillRect/>
+          </a:stretch>
+        </p:blipFill>
+        <p:spPr>
+          <a:xfrm>
+            <a:off x="3473450" y="2112956"/>
+            <a:ext cx="5245100" cy="469900"/>
+          </a:xfrm>
+          <a:prstGeom prst="rect">
+            <a:avLst/>
+          </a:prstGeom>
+        </p:spPr>
+      </p:pic>
+      <p:sp>
+        <p:nvSpPr>
+          <p:cNvPr id="5" name="コンテンツ プレースホルダー 2"/>
+          <p:cNvSpPr txBox="1">
+            <a:spLocks/>
+          </p:cNvSpPr>
+          <p:nvPr/>
+        </p:nvSpPr>
+        <p:spPr>
+          <a:xfrm>
+            <a:off x="990600" y="1337011"/>
+            <a:ext cx="10515600" cy="681511"/>
+          </a:xfrm>
+          <a:prstGeom prst="rect">
+            <a:avLst/>
+          </a:prstGeom>
+        </p:spPr>
+        <p:txBody>
+          <a:bodyPr vert="horz" lIns="91440" tIns="45720" rIns="91440" bIns="45720" rtlCol="0">
+            <a:noAutofit/>
+          </a:bodyPr>
+          <a:lstStyle>
+            <a:lvl1pPr marL="228600" indent="-228600" algn="l" defTabSz="914400" rtl="0" eaLnBrk="1" latinLnBrk="0" hangingPunct="1">
+              <a:lnSpc>
+                <a:spcPct val="200000"/>
+              </a:lnSpc>
+              <a:spcBef>
+                <a:spcPts val="1000"/>
+              </a:spcBef>
+              <a:buFont typeface="Arial" panose="020B0604020202020204" pitchFamily="34" charset="0"/>
+              <a:buChar char="•"/>
+              <a:defRPr kumimoji="1" sz="3200" kern="1200">
+                <a:solidFill>
+                  <a:schemeClr val="tx1"/>
+                </a:solidFill>
+                <a:latin typeface="Meiryo" charset="-128"/>
+                <a:ea typeface="Meiryo" charset="-128"/>
+                <a:cs typeface="Meiryo" charset="-128"/>
+              </a:defRPr>
+            </a:lvl1pPr>
+            <a:lvl2pPr marL="685800" indent="-228600" algn="l" defTabSz="914400" rtl="0" eaLnBrk="1" latinLnBrk="0" hangingPunct="1">
+              <a:lnSpc>
+                <a:spcPct val="200000"/>
+              </a:lnSpc>
+              <a:spcBef>
+                <a:spcPts val="500"/>
+              </a:spcBef>
+              <a:buFont typeface="Arial" panose="020B0604020202020204" pitchFamily="34" charset="0"/>
+              <a:buChar char="•"/>
+              <a:defRPr kumimoji="1" sz="2800" kern="1200">
+                <a:solidFill>
+                  <a:schemeClr val="tx1"/>
+                </a:solidFill>
+                <a:latin typeface="Meiryo" charset="-128"/>
+                <a:ea typeface="Meiryo" charset="-128"/>
+                <a:cs typeface="Meiryo" charset="-128"/>
+              </a:defRPr>
+            </a:lvl2pPr>
+            <a:lvl3pPr marL="1143000" indent="-228600" algn="l" defTabSz="914400" rtl="0" eaLnBrk="1" latinLnBrk="0" hangingPunct="1">
+              <a:lnSpc>
+                <a:spcPct val="200000"/>
+              </a:lnSpc>
+              <a:spcBef>
+                <a:spcPts val="500"/>
+              </a:spcBef>
+              <a:buFont typeface="Arial" panose="020B0604020202020204" pitchFamily="34" charset="0"/>
+              <a:buChar char="•"/>
+              <a:defRPr kumimoji="1" sz="2400" kern="1200">
+                <a:solidFill>
+                  <a:schemeClr val="tx1"/>
+                </a:solidFill>
+                <a:latin typeface="Meiryo" charset="-128"/>
+                <a:ea typeface="Meiryo" charset="-128"/>
+                <a:cs typeface="Meiryo" charset="-128"/>
+              </a:defRPr>
+            </a:lvl3pPr>
+            <a:lvl4pPr marL="1600200" indent="-228600" algn="l" defTabSz="914400" rtl="0" eaLnBrk="1" latinLnBrk="0" hangingPunct="1">
+              <a:lnSpc>
+                <a:spcPct val="200000"/>
+              </a:lnSpc>
+              <a:spcBef>
+                <a:spcPts val="500"/>
+              </a:spcBef>
+              <a:buFont typeface="Arial" panose="020B0604020202020204" pitchFamily="34" charset="0"/>
+              <a:buChar char="•"/>
+              <a:defRPr kumimoji="1" sz="2000" kern="1200">
+                <a:solidFill>
+                  <a:schemeClr val="tx1"/>
+                </a:solidFill>
+                <a:latin typeface="Meiryo" charset="-128"/>
+                <a:ea typeface="Meiryo" charset="-128"/>
+                <a:cs typeface="Meiryo" charset="-128"/>
+              </a:defRPr>
+            </a:lvl4pPr>
+            <a:lvl5pPr marL="2057400" indent="-228600" algn="l" defTabSz="914400" rtl="0" eaLnBrk="1" latinLnBrk="0" hangingPunct="1">
+              <a:lnSpc>
+                <a:spcPct val="200000"/>
+              </a:lnSpc>
+              <a:spcBef>
+                <a:spcPts val="500"/>
+              </a:spcBef>
+              <a:buFont typeface="Arial" panose="020B0604020202020204" pitchFamily="34" charset="0"/>
+              <a:buChar char="•"/>
+              <a:defRPr kumimoji="1" sz="2000" kern="1200">
+                <a:solidFill>
+                  <a:schemeClr val="tx1"/>
+                </a:solidFill>
+                <a:latin typeface="Meiryo" charset="-128"/>
+                <a:ea typeface="Meiryo" charset="-128"/>
+                <a:cs typeface="Meiryo" charset="-128"/>
+              </a:defRPr>
+            </a:lvl5pPr>
+            <a:lvl6pPr marL="2514600" indent="-228600" algn="l" defTabSz="914400" rtl="0" eaLnBrk="1" latinLnBrk="0" hangingPunct="1">
+              <a:lnSpc>
+                <a:spcPct val="90000"/>
+              </a:lnSpc>
+              <a:spcBef>
+                <a:spcPts val="500"/>
+              </a:spcBef>
+              <a:buFont typeface="Arial" panose="020B0604020202020204" pitchFamily="34" charset="0"/>
+              <a:buChar char="•"/>
+              <a:defRPr kumimoji="1" sz="1800" kern="1200">
+                <a:solidFill>
+                  <a:schemeClr val="tx1"/>
+                </a:solidFill>
+                <a:latin typeface="+mn-lt"/>
+                <a:ea typeface="+mn-ea"/>
+                <a:cs typeface="+mn-cs"/>
+              </a:defRPr>
+            </a:lvl6pPr>
+            <a:lvl7pPr marL="2971800" indent="-228600" algn="l" defTabSz="914400" rtl="0" eaLnBrk="1" latinLnBrk="0" hangingPunct="1">
+              <a:lnSpc>
+                <a:spcPct val="90000"/>
+              </a:lnSpc>
+              <a:spcBef>
+                <a:spcPts val="500"/>
+              </a:spcBef>
+              <a:buFont typeface="Arial" panose="020B0604020202020204" pitchFamily="34" charset="0"/>
+              <a:buChar char="•"/>
+              <a:defRPr kumimoji="1" sz="1800" kern="1200">
+                <a:solidFill>
+                  <a:schemeClr val="tx1"/>
+                </a:solidFill>
+                <a:latin typeface="+mn-lt"/>
+                <a:ea typeface="+mn-ea"/>
+                <a:cs typeface="+mn-cs"/>
+              </a:defRPr>
+            </a:lvl7pPr>
+            <a:lvl8pPr marL="3429000" indent="-228600" algn="l" defTabSz="914400" rtl="0" eaLnBrk="1" latinLnBrk="0" hangingPunct="1">
+              <a:lnSpc>
+                <a:spcPct val="90000"/>
+              </a:lnSpc>
+              <a:spcBef>
+                <a:spcPts val="500"/>
+              </a:spcBef>
+              <a:buFont typeface="Arial" panose="020B0604020202020204" pitchFamily="34" charset="0"/>
+              <a:buChar char="•"/>
+              <a:defRPr kumimoji="1" sz="1800" kern="1200">
+                <a:solidFill>
+                  <a:schemeClr val="tx1"/>
+                </a:solidFill>
+                <a:latin typeface="+mn-lt"/>
+                <a:ea typeface="+mn-ea"/>
+                <a:cs typeface="+mn-cs"/>
+              </a:defRPr>
+            </a:lvl8pPr>
+            <a:lvl9pPr marL="3886200" indent="-228600" algn="l" defTabSz="914400" rtl="0" eaLnBrk="1" latinLnBrk="0" hangingPunct="1">
+              <a:lnSpc>
+                <a:spcPct val="90000"/>
+              </a:lnSpc>
+              <a:spcBef>
+                <a:spcPts val="500"/>
+              </a:spcBef>
+              <a:buFont typeface="Arial" panose="020B0604020202020204" pitchFamily="34" charset="0"/>
+              <a:buChar char="•"/>
+              <a:defRPr kumimoji="1" sz="1800" kern="1200">
+                <a:solidFill>
+                  <a:schemeClr val="tx1"/>
+                </a:solidFill>
+                <a:latin typeface="+mn-lt"/>
+                <a:ea typeface="+mn-ea"/>
+                <a:cs typeface="+mn-cs"/>
+              </a:defRPr>
+            </a:lvl9pPr>
+          </a:lstStyle>
+          <a:p>
+            <a:pPr marL="0" indent="0">
+              <a:lnSpc>
+                <a:spcPct val="100000"/>
+              </a:lnSpc>
+              <a:spcBef>
+                <a:spcPts val="0"/>
+              </a:spcBef>
+              <a:buFontTx/>
+              <a:buNone/>
+            </a:pPr>
+            <a:r>
+              <a:rPr lang="ja-JP" altLang="en-US" smtClean="0"/>
+              <a:t>扱いやすくするため，前出の</a:t>
+            </a:r>
+            <a:r>
+              <a:rPr lang="en-US" altLang="ja-JP" smtClean="0"/>
+              <a:t> </a:t>
+            </a:r>
+            <a:r>
+              <a:rPr lang="en-US" altLang="ja-JP" i="1" smtClean="0">
+                <a:latin typeface="Times New Roman" charset="0"/>
+                <a:ea typeface="Times New Roman" charset="0"/>
+                <a:cs typeface="Times New Roman" charset="0"/>
+              </a:rPr>
+              <a:t>L</a:t>
+            </a:r>
+            <a:r>
+              <a:rPr lang="en-US" altLang="ja-JP" smtClean="0">
+                <a:latin typeface="Times New Roman" charset="0"/>
+                <a:ea typeface="Times New Roman" charset="0"/>
+                <a:cs typeface="Times New Roman" charset="0"/>
+              </a:rPr>
+              <a:t>(</a:t>
+            </a:r>
+            <a:r>
+              <a:rPr lang="en-US" altLang="ja-JP" i="1" smtClean="0">
+                <a:latin typeface="Times New Roman" charset="0"/>
+                <a:ea typeface="Times New Roman" charset="0"/>
+                <a:cs typeface="Times New Roman" charset="0"/>
+              </a:rPr>
+              <a:t>θ</a:t>
+            </a:r>
+            <a:r>
+              <a:rPr lang="en-US" altLang="ja-JP" smtClean="0">
+                <a:latin typeface="Times New Roman" charset="0"/>
+                <a:ea typeface="Times New Roman" charset="0"/>
+                <a:cs typeface="Times New Roman" charset="0"/>
+              </a:rPr>
+              <a:t>)</a:t>
+            </a:r>
+            <a:r>
+              <a:rPr lang="ja-JP" altLang="en-US" smtClean="0"/>
+              <a:t> の両辺の対数をとる</a:t>
+            </a:r>
+            <a:endParaRPr lang="ja-JP" altLang="en-US" dirty="0"/>
+          </a:p>
+        </p:txBody>
+      </p:sp>
+    </p:spTree>
+    <p:extLst>
+      <p:ext uri="{BB962C8B-B14F-4D97-AF65-F5344CB8AC3E}">
+        <p14:creationId xmlns:p14="http://schemas.microsoft.com/office/powerpoint/2010/main" val="488336414"/>
+      </p:ext>
+    </p:extLst>
+  </p:cSld>
+  <p:clrMapOvr>
+    <a:masterClrMapping/>
+  </p:clrMapOvr>
+</p:sld>
+</file>
+
+<file path=ppt/slides/slide21.xml><?xml version="1.0" encoding="utf-8"?>
+<p:sld xmlns:a="http://schemas.openxmlformats.org/drawingml/2006/main" xmlns:r="http://schemas.openxmlformats.org/officeDocument/2006/relationships" xmlns:p="http://schemas.openxmlformats.org/presentationml/2006/main">
+  <p:cSld>
+    <p:spTree>
+      <p:nvGrpSpPr>
+        <p:cNvPr id="1" name=""/>
+        <p:cNvGrpSpPr/>
+        <p:nvPr/>
+      </p:nvGrpSpPr>
+      <p:grpSpPr>
+        <a:xfrm>
+          <a:off x="0" y="0"/>
+          <a:ext cx="0" cy="0"/>
+          <a:chOff x="0" y="0"/>
+          <a:chExt cx="0" cy="0"/>
+        </a:xfrm>
+      </p:grpSpPr>
+      <p:sp>
+        <p:nvSpPr>
+          <p:cNvPr id="2" name="タイトル 1"/>
+          <p:cNvSpPr>
+            <a:spLocks noGrp="1"/>
+          </p:cNvSpPr>
+          <p:nvPr>
+            <p:ph type="title"/>
+          </p:nvPr>
+        </p:nvSpPr>
+        <p:spPr/>
+        <p:txBody>
+          <a:bodyPr/>
+          <a:lstStyle/>
+          <a:p>
+            <a:r>
+              <a:rPr kumimoji="1" lang="en-US" altLang="ja-JP" dirty="0" err="1" smtClean="0"/>
+              <a:t>Kullback-Leibler</a:t>
+            </a:r>
+            <a:r>
+              <a:rPr kumimoji="1" lang="ja-JP" altLang="en-US" dirty="0" smtClean="0"/>
+              <a:t>情報量</a:t>
+            </a:r>
+            <a:endParaRPr kumimoji="1" lang="ja-JP" altLang="en-US" dirty="0"/>
+          </a:p>
+        </p:txBody>
+      </p:sp>
+      <p:sp>
+        <p:nvSpPr>
+          <p:cNvPr id="3" name="コンテンツ プレースホルダー 2"/>
+          <p:cNvSpPr>
+            <a:spLocks noGrp="1"/>
+          </p:cNvSpPr>
+          <p:nvPr>
+            <p:ph idx="1"/>
+          </p:nvPr>
+        </p:nvSpPr>
+        <p:spPr>
+          <a:xfrm>
+            <a:off x="261257" y="1184611"/>
+            <a:ext cx="11587859" cy="569544"/>
+          </a:xfrm>
+        </p:spPr>
+        <p:txBody>
+          <a:bodyPr/>
+          <a:lstStyle/>
+          <a:p>
+            <a:pPr marL="0" marR="0" lvl="0" indent="0" defTabSz="914400" eaLnBrk="1" fontAlgn="auto" latinLnBrk="0" hangingPunct="1">
+              <a:lnSpc>
+                <a:spcPct val="100000"/>
+              </a:lnSpc>
+              <a:spcBef>
+                <a:spcPts val="0"/>
+              </a:spcBef>
+              <a:spcAft>
+                <a:spcPts val="0"/>
+              </a:spcAft>
+              <a:buClrTx/>
+              <a:buSzTx/>
+              <a:buFontTx/>
+              <a:buNone/>
+              <a:tabLst/>
+              <a:defRPr/>
+            </a:pPr>
+            <a:r>
+              <a:rPr kumimoji="1" lang="ja-JP" altLang="en-US" dirty="0" smtClean="0"/>
+              <a:t>推定されたモデル</a:t>
+            </a:r>
+            <a:r>
+              <a:rPr kumimoji="1" lang="en-US" altLang="ja-JP" dirty="0" smtClean="0"/>
+              <a:t> </a:t>
+            </a:r>
+            <a:r>
+              <a:rPr kumimoji="1" lang="en-US" altLang="ja-JP" i="1" dirty="0" smtClean="0">
+                <a:latin typeface="Times New Roman" charset="0"/>
+                <a:ea typeface="Times New Roman" charset="0"/>
+                <a:cs typeface="Times New Roman" charset="0"/>
+              </a:rPr>
+              <a:t>f</a:t>
+            </a:r>
+            <a:r>
+              <a:rPr kumimoji="1" lang="en-US" altLang="ja-JP" dirty="0" smtClean="0">
+                <a:latin typeface="Times New Roman" charset="0"/>
+                <a:ea typeface="Times New Roman" charset="0"/>
+                <a:cs typeface="Times New Roman" charset="0"/>
+              </a:rPr>
+              <a:t>(</a:t>
+            </a:r>
+            <a:r>
+              <a:rPr kumimoji="1" lang="en-US" altLang="ja-JP" i="1" dirty="0" smtClean="0">
+                <a:latin typeface="Times New Roman" charset="0"/>
+                <a:ea typeface="Times New Roman" charset="0"/>
+                <a:cs typeface="Times New Roman" charset="0"/>
+              </a:rPr>
+              <a:t>x</a:t>
+            </a:r>
+            <a:r>
+              <a:rPr kumimoji="1" lang="en-US" altLang="ja-JP" dirty="0" smtClean="0">
+                <a:latin typeface="Times New Roman" charset="0"/>
+                <a:ea typeface="Times New Roman" charset="0"/>
+                <a:cs typeface="Times New Roman" charset="0"/>
+              </a:rPr>
+              <a:t>)</a:t>
+            </a:r>
+            <a:r>
+              <a:rPr kumimoji="1" lang="en-US" altLang="ja-JP" dirty="0" smtClean="0"/>
+              <a:t> </a:t>
+            </a:r>
+            <a:r>
+              <a:rPr kumimoji="1" lang="ja-JP" altLang="en-US" dirty="0" smtClean="0"/>
+              <a:t>と，真の確率密度関数</a:t>
+            </a:r>
+            <a:r>
+              <a:rPr kumimoji="1" lang="en-US" altLang="ja-JP" dirty="0" smtClean="0"/>
+              <a:t> </a:t>
+            </a:r>
+            <a:r>
+              <a:rPr kumimoji="1" lang="en-US" altLang="ja-JP" i="1" dirty="0" smtClean="0">
+                <a:latin typeface="Times New Roman" charset="0"/>
+                <a:ea typeface="Times New Roman" charset="0"/>
+                <a:cs typeface="Times New Roman" charset="0"/>
+              </a:rPr>
+              <a:t>g</a:t>
+            </a:r>
+            <a:r>
+              <a:rPr kumimoji="1" lang="en-US" altLang="ja-JP" dirty="0" smtClean="0">
+                <a:latin typeface="Times New Roman" charset="0"/>
+                <a:ea typeface="Times New Roman" charset="0"/>
+                <a:cs typeface="Times New Roman" charset="0"/>
+              </a:rPr>
+              <a:t>(</a:t>
+            </a:r>
+            <a:r>
+              <a:rPr kumimoji="1" lang="en-US" altLang="ja-JP" i="1" dirty="0" smtClean="0">
+                <a:latin typeface="Times New Roman" charset="0"/>
+                <a:ea typeface="Times New Roman" charset="0"/>
+                <a:cs typeface="Times New Roman" charset="0"/>
+              </a:rPr>
+              <a:t>x</a:t>
+            </a:r>
+            <a:r>
+              <a:rPr kumimoji="1" lang="en-US" altLang="ja-JP" dirty="0" smtClean="0">
+                <a:latin typeface="Times New Roman" charset="0"/>
+                <a:ea typeface="Times New Roman" charset="0"/>
+                <a:cs typeface="Times New Roman" charset="0"/>
+              </a:rPr>
+              <a:t>) </a:t>
+            </a:r>
+            <a:r>
+              <a:rPr kumimoji="1" lang="ja-JP" altLang="en-US" dirty="0" smtClean="0"/>
+              <a:t>の近さ</a:t>
+            </a:r>
+            <a:endParaRPr kumimoji="1" lang="ja-JP" altLang="en-US" dirty="0"/>
+          </a:p>
+        </p:txBody>
+      </p:sp>
+      <p:cxnSp>
+        <p:nvCxnSpPr>
+          <p:cNvPr id="6" name="直線コネクタ 5"/>
+          <p:cNvCxnSpPr/>
+          <p:nvPr/>
+        </p:nvCxnSpPr>
+        <p:spPr>
+          <a:xfrm>
+            <a:off x="7235217" y="4329404"/>
+            <a:ext cx="4291320" cy="0"/>
+          </a:xfrm>
+          <a:prstGeom prst="line">
+            <a:avLst/>
+          </a:prstGeom>
+          <a:ln w="57150"/>
+        </p:spPr>
+        <p:style>
+          <a:lnRef idx="1">
+            <a:schemeClr val="accent2"/>
+          </a:lnRef>
+          <a:fillRef idx="0">
+            <a:schemeClr val="accent2"/>
+          </a:fillRef>
+          <a:effectRef idx="0">
+            <a:schemeClr val="accent2"/>
+          </a:effectRef>
+          <a:fontRef idx="minor">
+            <a:schemeClr val="tx1"/>
+          </a:fontRef>
+        </p:style>
+      </p:cxnSp>
+      <p:pic>
+        <p:nvPicPr>
+          <p:cNvPr id="8" name="図 7"/>
+          <p:cNvPicPr>
+            <a:picLocks noChangeAspect="1"/>
+          </p:cNvPicPr>
+          <p:nvPr/>
+        </p:nvPicPr>
+        <p:blipFill>
+          <a:blip r:embed="rId3"/>
+          <a:stretch>
+            <a:fillRect/>
+          </a:stretch>
+        </p:blipFill>
+        <p:spPr>
+          <a:xfrm>
+            <a:off x="838200" y="2119279"/>
+            <a:ext cx="10688337" cy="2008763"/>
+          </a:xfrm>
+          <a:prstGeom prst="rect">
+            <a:avLst/>
+          </a:prstGeom>
+        </p:spPr>
+      </p:pic>
+      <p:cxnSp>
+        <p:nvCxnSpPr>
+          <p:cNvPr id="9" name="直線コネクタ 8"/>
+          <p:cNvCxnSpPr/>
+          <p:nvPr/>
+        </p:nvCxnSpPr>
+        <p:spPr>
+          <a:xfrm>
+            <a:off x="2423731" y="4329404"/>
+            <a:ext cx="4291320" cy="0"/>
+          </a:xfrm>
+          <a:prstGeom prst="line">
+            <a:avLst/>
+          </a:prstGeom>
+          <a:ln w="57150">
+            <a:solidFill>
+              <a:schemeClr val="accent1">
+                <a:lumMod val="50000"/>
+              </a:schemeClr>
+            </a:solidFill>
+          </a:ln>
+        </p:spPr>
+        <p:style>
+          <a:lnRef idx="1">
+            <a:schemeClr val="accent2"/>
+          </a:lnRef>
+          <a:fillRef idx="0">
+            <a:schemeClr val="accent2"/>
+          </a:fillRef>
+          <a:effectRef idx="0">
+            <a:schemeClr val="accent2"/>
+          </a:effectRef>
+          <a:fontRef idx="minor">
+            <a:schemeClr val="tx1"/>
+          </a:fontRef>
+        </p:style>
+      </p:cxnSp>
+      <p:sp>
+        <p:nvSpPr>
+          <p:cNvPr id="10" name="テキスト ボックス 9"/>
+          <p:cNvSpPr txBox="1"/>
+          <p:nvPr/>
+        </p:nvSpPr>
+        <p:spPr>
+          <a:xfrm>
+            <a:off x="7501076" y="4530767"/>
+            <a:ext cx="3706464" cy="461665"/>
+          </a:xfrm>
+          <a:prstGeom prst="rect">
+            <a:avLst/>
+          </a:prstGeom>
+          <a:noFill/>
+        </p:spPr>
+        <p:txBody>
+          <a:bodyPr wrap="none" rtlCol="0">
+            <a:spAutoFit/>
+          </a:bodyPr>
+          <a:lstStyle/>
+          <a:p>
+            <a:r>
+              <a:rPr lang="en-US" altLang="ja-JP" sz="2400" dirty="0">
+                <a:latin typeface="Times New Roman" charset="0"/>
+                <a:ea typeface="Times New Roman" charset="0"/>
+                <a:cs typeface="Times New Roman" charset="0"/>
+              </a:rPr>
+              <a:t>l</a:t>
+            </a:r>
+            <a:r>
+              <a:rPr kumimoji="1" lang="en-US" altLang="ja-JP" sz="2400" dirty="0" smtClean="0">
+                <a:latin typeface="Times New Roman" charset="0"/>
+                <a:ea typeface="Times New Roman" charset="0"/>
+                <a:cs typeface="Times New Roman" charset="0"/>
+              </a:rPr>
+              <a:t>og </a:t>
+            </a:r>
+            <a:r>
+              <a:rPr kumimoji="1" lang="en-US" altLang="ja-JP" sz="2400" i="1" dirty="0" smtClean="0">
+                <a:latin typeface="Times New Roman" charset="0"/>
+                <a:ea typeface="Times New Roman" charset="0"/>
+                <a:cs typeface="Times New Roman" charset="0"/>
+              </a:rPr>
+              <a:t>g</a:t>
+            </a:r>
+            <a:r>
+              <a:rPr kumimoji="1" lang="en-US" altLang="ja-JP" sz="2400" dirty="0" smtClean="0">
+                <a:latin typeface="Times New Roman" charset="0"/>
+                <a:ea typeface="Times New Roman" charset="0"/>
+                <a:cs typeface="Times New Roman" charset="0"/>
+              </a:rPr>
+              <a:t>(</a:t>
+            </a:r>
+            <a:r>
+              <a:rPr kumimoji="1" lang="en-US" altLang="ja-JP" sz="2400" i="1" dirty="0" smtClean="0">
+                <a:latin typeface="Times New Roman" charset="0"/>
+                <a:ea typeface="Times New Roman" charset="0"/>
+                <a:cs typeface="Times New Roman" charset="0"/>
+              </a:rPr>
+              <a:t>x</a:t>
+            </a:r>
+            <a:r>
+              <a:rPr kumimoji="1" lang="en-US" altLang="ja-JP" sz="2400" dirty="0" smtClean="0">
+                <a:latin typeface="Times New Roman" charset="0"/>
+                <a:ea typeface="Times New Roman" charset="0"/>
+                <a:cs typeface="Times New Roman" charset="0"/>
+              </a:rPr>
+              <a:t>)</a:t>
+            </a:r>
+            <a:r>
+              <a:rPr kumimoji="1" lang="ja-JP" altLang="en-US" sz="2400" dirty="0" smtClean="0">
+                <a:latin typeface="Times New Roman" charset="0"/>
+                <a:ea typeface="Times New Roman" charset="0"/>
+                <a:cs typeface="Times New Roman" charset="0"/>
+              </a:rPr>
+              <a:t> </a:t>
+            </a:r>
+            <a:r>
+              <a:rPr kumimoji="1" lang="ja-JP" altLang="en-US" sz="2400" dirty="0" smtClean="0">
+                <a:latin typeface="Meiryo" charset="-128"/>
+                <a:ea typeface="Meiryo" charset="-128"/>
+                <a:cs typeface="Meiryo" charset="-128"/>
+              </a:rPr>
+              <a:t>の期待値（</a:t>
+            </a:r>
+            <a:r>
+              <a:rPr kumimoji="1" lang="ja-JP" altLang="en-US" sz="2400" b="1" dirty="0" smtClean="0">
+                <a:latin typeface="Meiryo" charset="-128"/>
+                <a:ea typeface="Meiryo" charset="-128"/>
+                <a:cs typeface="Meiryo" charset="-128"/>
+              </a:rPr>
+              <a:t>定数</a:t>
+            </a:r>
+            <a:r>
+              <a:rPr kumimoji="1" lang="ja-JP" altLang="en-US" sz="2400" dirty="0" smtClean="0">
+                <a:latin typeface="Meiryo" charset="-128"/>
+                <a:ea typeface="Meiryo" charset="-128"/>
+                <a:cs typeface="Meiryo" charset="-128"/>
+              </a:rPr>
+              <a:t>）</a:t>
+            </a:r>
+            <a:endParaRPr kumimoji="1" lang="ja-JP" altLang="en-US" sz="2400" dirty="0">
+              <a:latin typeface="Meiryo" charset="-128"/>
+              <a:ea typeface="Meiryo" charset="-128"/>
+              <a:cs typeface="Meiryo" charset="-128"/>
+            </a:endParaRPr>
+          </a:p>
+        </p:txBody>
+      </p:sp>
+      <p:sp>
+        <p:nvSpPr>
+          <p:cNvPr id="11" name="テキスト ボックス 10"/>
+          <p:cNvSpPr txBox="1"/>
+          <p:nvPr/>
+        </p:nvSpPr>
+        <p:spPr>
+          <a:xfrm>
+            <a:off x="3336521" y="4530767"/>
+            <a:ext cx="2569934" cy="461665"/>
+          </a:xfrm>
+          <a:prstGeom prst="rect">
+            <a:avLst/>
+          </a:prstGeom>
+          <a:noFill/>
+        </p:spPr>
+        <p:txBody>
+          <a:bodyPr wrap="none" rtlCol="0">
+            <a:spAutoFit/>
+          </a:bodyPr>
+          <a:lstStyle/>
+          <a:p>
+            <a:r>
+              <a:rPr lang="en-US" altLang="ja-JP" sz="2400" dirty="0">
+                <a:latin typeface="Times New Roman" charset="0"/>
+                <a:ea typeface="Times New Roman" charset="0"/>
+                <a:cs typeface="Times New Roman" charset="0"/>
+              </a:rPr>
+              <a:t>l</a:t>
+            </a:r>
+            <a:r>
+              <a:rPr kumimoji="1" lang="en-US" altLang="ja-JP" sz="2400" dirty="0" smtClean="0">
+                <a:latin typeface="Times New Roman" charset="0"/>
+                <a:ea typeface="Times New Roman" charset="0"/>
+                <a:cs typeface="Times New Roman" charset="0"/>
+              </a:rPr>
+              <a:t>og  </a:t>
+            </a:r>
+            <a:r>
+              <a:rPr kumimoji="1" lang="en-US" altLang="ja-JP" sz="2400" i="1" dirty="0" smtClean="0">
+                <a:latin typeface="Times New Roman" charset="0"/>
+                <a:ea typeface="Times New Roman" charset="0"/>
+                <a:cs typeface="Times New Roman" charset="0"/>
+              </a:rPr>
+              <a:t>f</a:t>
+            </a:r>
+            <a:r>
+              <a:rPr kumimoji="1" lang="en-US" altLang="ja-JP" sz="2400" dirty="0" smtClean="0">
+                <a:latin typeface="Times New Roman" charset="0"/>
+                <a:ea typeface="Times New Roman" charset="0"/>
+                <a:cs typeface="Times New Roman" charset="0"/>
+              </a:rPr>
+              <a:t>(</a:t>
+            </a:r>
+            <a:r>
+              <a:rPr kumimoji="1" lang="en-US" altLang="ja-JP" sz="2400" i="1" dirty="0" smtClean="0">
+                <a:latin typeface="Times New Roman" charset="0"/>
+                <a:ea typeface="Times New Roman" charset="0"/>
+                <a:cs typeface="Times New Roman" charset="0"/>
+              </a:rPr>
+              <a:t>x</a:t>
+            </a:r>
+            <a:r>
+              <a:rPr kumimoji="1" lang="en-US" altLang="ja-JP" sz="2400" dirty="0" smtClean="0">
+                <a:latin typeface="Times New Roman" charset="0"/>
+                <a:ea typeface="Times New Roman" charset="0"/>
+                <a:cs typeface="Times New Roman" charset="0"/>
+              </a:rPr>
+              <a:t>)</a:t>
+            </a:r>
+            <a:r>
+              <a:rPr kumimoji="1" lang="ja-JP" altLang="en-US" sz="2400" dirty="0" smtClean="0">
+                <a:latin typeface="Times New Roman" charset="0"/>
+                <a:ea typeface="Times New Roman" charset="0"/>
+                <a:cs typeface="Times New Roman" charset="0"/>
+              </a:rPr>
+              <a:t> </a:t>
+            </a:r>
+            <a:r>
+              <a:rPr kumimoji="1" lang="ja-JP" altLang="en-US" sz="2400" dirty="0" smtClean="0">
+                <a:latin typeface="Meiryo" charset="-128"/>
+                <a:ea typeface="Meiryo" charset="-128"/>
+                <a:cs typeface="Meiryo" charset="-128"/>
+              </a:rPr>
+              <a:t>の</a:t>
+            </a:r>
+            <a:r>
+              <a:rPr kumimoji="1" lang="ja-JP" altLang="en-US" sz="2400" smtClean="0">
+                <a:latin typeface="Meiryo" charset="-128"/>
+                <a:ea typeface="Meiryo" charset="-128"/>
+                <a:cs typeface="Meiryo" charset="-128"/>
+              </a:rPr>
+              <a:t>期待値 </a:t>
+            </a:r>
+            <a:endParaRPr lang="en-US" altLang="ja-JP" sz="2400" dirty="0" smtClean="0">
+              <a:latin typeface="Meiryo" charset="-128"/>
+              <a:ea typeface="Meiryo" charset="-128"/>
+              <a:cs typeface="Meiryo" charset="-128"/>
+            </a:endParaRPr>
+          </a:p>
+        </p:txBody>
+      </p:sp>
+    </p:spTree>
+    <p:extLst>
+      <p:ext uri="{BB962C8B-B14F-4D97-AF65-F5344CB8AC3E}">
+        <p14:creationId xmlns:p14="http://schemas.microsoft.com/office/powerpoint/2010/main" val="455594455"/>
+      </p:ext>
+    </p:extLst>
+  </p:cSld>
+  <p:clrMapOvr>
+    <a:masterClrMapping/>
+  </p:clrMapOvr>
 </p:sld>
 </file>
 
@@ -7090,7 +8697,7 @@
                 <a:spcPts val="0"/>
               </a:spcBef>
               <a:buFont typeface="Wingdings" charset="2"/>
-              <a:buChar char="Ø"/>
+              <a:buChar char="u"/>
             </a:pPr>
             <a:r>
               <a:rPr lang="ja-JP" altLang="en-US" b="1" dirty="0"/>
@@ -7108,7 +8715,7 @@
                 <a:spcPts val="0"/>
               </a:spcBef>
               <a:buFont typeface="Wingdings" charset="2"/>
-              <a:buChar char="Ø"/>
+              <a:buChar char="u"/>
             </a:pPr>
             <a:r>
               <a:rPr lang="ja-JP" altLang="en-US" b="1" dirty="0" smtClean="0"/>
@@ -7936,19 +9543,7 @@
               <a:rPr lang="en-US" altLang="ja-JP" b="1" dirty="0" smtClean="0">
                 <a:sym typeface="Wingdings"/>
               </a:rPr>
-              <a:t> </a:t>
-            </a:r>
-            <a:r>
-              <a:rPr lang="en-US" altLang="ja-JP" b="1" dirty="0" smtClean="0">
-                <a:sym typeface="Wingdings"/>
-              </a:rPr>
-              <a:t>(Bayesian Information </a:t>
-            </a:r>
-            <a:r>
-              <a:rPr lang="en-US" altLang="ja-JP" b="1" dirty="0" smtClean="0">
-                <a:sym typeface="Wingdings"/>
-              </a:rPr>
-              <a:t>Criterion)</a:t>
+              <a:t> (Bayesian Information Criterion)</a:t>
             </a:r>
             <a:endParaRPr lang="en-US" altLang="ja-JP" b="1" dirty="0"/>
           </a:p>

--- a/docs/interim-presen/interim_hagihara.pptx
+++ b/docs/interim-presen/interim_hagihara.pptx
@@ -26,9 +26,9 @@
     <p:sldId id="268" r:id="rId17"/>
     <p:sldId id="269" r:id="rId18"/>
     <p:sldId id="270" r:id="rId19"/>
-    <p:sldId id="272" r:id="rId20"/>
-    <p:sldId id="275" r:id="rId21"/>
-    <p:sldId id="276" r:id="rId22"/>
+    <p:sldId id="276" r:id="rId20"/>
+    <p:sldId id="272" r:id="rId21"/>
+    <p:sldId id="275" r:id="rId22"/>
   </p:sldIdLst>
   <p:sldSz cx="12192000" cy="6858000"/>
   <p:notesSz cx="6858000" cy="9144000"/>
@@ -217,7 +217,7 @@
           <a:p>
             <a:fld id="{B4646E02-4AB7-8D40-B256-3920728DD310}" type="datetimeFigureOut">
               <a:rPr kumimoji="1" lang="ja-JP" altLang="en-US" smtClean="0"/>
-              <a:t>2017/10/15</a:t>
+              <a:t>2017/10/16</a:t>
             </a:fld>
             <a:endParaRPr kumimoji="1" lang="ja-JP" altLang="en-US"/>
           </a:p>
@@ -666,7 +666,7 @@
           <a:p>
             <a:fld id="{F78381A3-C678-7B48-BA42-399B1155E4C3}" type="slidenum">
               <a:rPr kumimoji="1" lang="ja-JP" altLang="en-US" smtClean="0"/>
-              <a:t>8</a:t>
+              <a:t>7</a:t>
             </a:fld>
             <a:endParaRPr kumimoji="1" lang="ja-JP" altLang="en-US"/>
           </a:p>
@@ -675,7 +675,7 @@
     </p:spTree>
     <p:extLst>
       <p:ext uri="{BB962C8B-B14F-4D97-AF65-F5344CB8AC3E}">
-        <p14:creationId xmlns:p14="http://schemas.microsoft.com/office/powerpoint/2010/main" val="72128565"/>
+        <p14:creationId xmlns:p14="http://schemas.microsoft.com/office/powerpoint/2010/main" val="286476815"/>
       </p:ext>
     </p:extLst>
   </p:cSld>
@@ -750,7 +750,91 @@
           <a:p>
             <a:fld id="{F78381A3-C678-7B48-BA42-399B1155E4C3}" type="slidenum">
               <a:rPr kumimoji="1" lang="ja-JP" altLang="en-US" smtClean="0"/>
-              <a:t>21</a:t>
+              <a:t>8</a:t>
+            </a:fld>
+            <a:endParaRPr kumimoji="1" lang="ja-JP" altLang="en-US"/>
+          </a:p>
+        </p:txBody>
+      </p:sp>
+    </p:spTree>
+    <p:extLst>
+      <p:ext uri="{BB962C8B-B14F-4D97-AF65-F5344CB8AC3E}">
+        <p14:creationId xmlns:p14="http://schemas.microsoft.com/office/powerpoint/2010/main" val="72128565"/>
+      </p:ext>
+    </p:extLst>
+  </p:cSld>
+  <p:clrMapOvr>
+    <a:masterClrMapping/>
+  </p:clrMapOvr>
+</p:notes>
+</file>
+
+<file path=ppt/notesSlides/notesSlide4.xml><?xml version="1.0" encoding="utf-8"?>
+<p:notes xmlns:a="http://schemas.openxmlformats.org/drawingml/2006/main" xmlns:r="http://schemas.openxmlformats.org/officeDocument/2006/relationships" xmlns:p="http://schemas.openxmlformats.org/presentationml/2006/main">
+  <p:cSld>
+    <p:spTree>
+      <p:nvGrpSpPr>
+        <p:cNvPr id="1" name=""/>
+        <p:cNvGrpSpPr/>
+        <p:nvPr/>
+      </p:nvGrpSpPr>
+      <p:grpSpPr>
+        <a:xfrm>
+          <a:off x="0" y="0"/>
+          <a:ext cx="0" cy="0"/>
+          <a:chOff x="0" y="0"/>
+          <a:chExt cx="0" cy="0"/>
+        </a:xfrm>
+      </p:grpSpPr>
+      <p:sp>
+        <p:nvSpPr>
+          <p:cNvPr id="2" name="スライド イメージ プレースホルダー 1"/>
+          <p:cNvSpPr>
+            <a:spLocks noGrp="1" noRot="1" noChangeAspect="1"/>
+          </p:cNvSpPr>
+          <p:nvPr>
+            <p:ph type="sldImg"/>
+          </p:nvPr>
+        </p:nvSpPr>
+        <p:spPr/>
+      </p:sp>
+      <p:sp>
+        <p:nvSpPr>
+          <p:cNvPr id="3" name="ノート プレースホルダー 2"/>
+          <p:cNvSpPr>
+            <a:spLocks noGrp="1"/>
+          </p:cNvSpPr>
+          <p:nvPr>
+            <p:ph type="body" idx="1"/>
+          </p:nvPr>
+        </p:nvSpPr>
+        <p:spPr/>
+        <p:txBody>
+          <a:bodyPr/>
+          <a:lstStyle/>
+          <a:p>
+            <a:endParaRPr kumimoji="1" lang="ja-JP" altLang="en-US" dirty="0"/>
+          </a:p>
+        </p:txBody>
+      </p:sp>
+      <p:sp>
+        <p:nvSpPr>
+          <p:cNvPr id="4" name="スライド番号プレースホルダー 3"/>
+          <p:cNvSpPr>
+            <a:spLocks noGrp="1"/>
+          </p:cNvSpPr>
+          <p:nvPr>
+            <p:ph type="sldNum" sz="quarter" idx="10"/>
+          </p:nvPr>
+        </p:nvSpPr>
+        <p:spPr/>
+        <p:txBody>
+          <a:bodyPr/>
+          <a:lstStyle/>
+          <a:p>
+            <a:fld id="{F78381A3-C678-7B48-BA42-399B1155E4C3}" type="slidenum">
+              <a:rPr kumimoji="1" lang="ja-JP" altLang="en-US" smtClean="0"/>
+              <a:t>19</a:t>
             </a:fld>
             <a:endParaRPr kumimoji="1" lang="ja-JP" altLang="en-US"/>
           </a:p>
@@ -900,7 +984,7 @@
           <a:p>
             <a:fld id="{C764DE79-268F-4C1A-8933-263129D2AF90}" type="datetimeFigureOut">
               <a:rPr lang="en-US" dirty="0"/>
-              <a:t>10/15/17</a:t>
+              <a:t>10/16/17</a:t>
             </a:fld>
             <a:endParaRPr lang="en-US" dirty="0"/>
           </a:p>
@@ -1258,7 +1342,7 @@
           <a:p>
             <a:fld id="{FEADE02B-27BC-6D48-8820-5A877B98ECB7}" type="datetimeFigureOut">
               <a:rPr kumimoji="1" lang="ja-JP" altLang="en-US" smtClean="0"/>
-              <a:t>2017/10/15</a:t>
+              <a:t>2017/10/16</a:t>
             </a:fld>
             <a:endParaRPr kumimoji="1" lang="ja-JP" altLang="en-US"/>
           </a:p>
@@ -1378,7 +1462,7 @@
           <a:p>
             <a:fld id="{C764DE79-268F-4C1A-8933-263129D2AF90}" type="datetimeFigureOut">
               <a:rPr lang="en-US" dirty="0"/>
-              <a:t>10/15/17</a:t>
+              <a:t>10/16/17</a:t>
             </a:fld>
             <a:endParaRPr lang="en-US" dirty="0"/>
           </a:p>
@@ -1673,7 +1757,7 @@
           <a:p>
             <a:fld id="{FEADE02B-27BC-6D48-8820-5A877B98ECB7}" type="datetimeFigureOut">
               <a:rPr kumimoji="1" lang="ja-JP" altLang="en-US" smtClean="0"/>
-              <a:t>2017/10/15</a:t>
+              <a:t>2017/10/16</a:t>
             </a:fld>
             <a:endParaRPr kumimoji="1" lang="ja-JP" altLang="en-US"/>
           </a:p>
@@ -2714,6 +2798,13 @@
   <p:clrMapOvr>
     <a:masterClrMapping/>
   </p:clrMapOvr>
+  <p:timing>
+    <p:tnLst>
+      <p:par>
+        <p:cTn id="1" dur="indefinite" restart="never" nodeType="tmRoot"/>
+      </p:par>
+    </p:tnLst>
+  </p:timing>
 </p:sld>
 </file>
 
@@ -3647,6 +3738,13 @@
   <p:clrMapOvr>
     <a:masterClrMapping/>
   </p:clrMapOvr>
+  <p:timing>
+    <p:tnLst>
+      <p:par>
+        <p:cTn id="1" dur="indefinite" restart="never" nodeType="tmRoot"/>
+      </p:par>
+    </p:tnLst>
+  </p:timing>
 </p:sld>
 </file>
 
@@ -4590,7 +4688,7 @@
           <a:p>
             <a:pPr lvl="1">
               <a:buFont typeface="Wingdings" charset="2"/>
-              <a:buChar char="Ø"/>
+              <a:buChar char="u"/>
             </a:pPr>
             <a:r>
               <a:rPr kumimoji="1" lang="ja-JP" altLang="en-US" dirty="0" smtClean="0"/>
@@ -4617,7 +4715,7 @@
           <a:p>
             <a:pPr lvl="1">
               <a:buFont typeface="Wingdings" charset="2"/>
-              <a:buChar char="Ø"/>
+              <a:buChar char="u"/>
             </a:pPr>
             <a:r>
               <a:rPr lang="ja-JP" altLang="en-US" dirty="0" smtClean="0"/>
@@ -4994,1072 +5092,6 @@
 </file>
 
 <file path=ppt/slides/slide19.xml><?xml version="1.0" encoding="utf-8"?>
-<p:sld xmlns:a="http://schemas.openxmlformats.org/drawingml/2006/main" xmlns:r="http://schemas.openxmlformats.org/officeDocument/2006/relationships" xmlns:p="http://schemas.openxmlformats.org/presentationml/2006/main">
-  <p:cSld>
-    <p:spTree>
-      <p:nvGrpSpPr>
-        <p:cNvPr id="1" name=""/>
-        <p:cNvGrpSpPr/>
-        <p:nvPr/>
-      </p:nvGrpSpPr>
-      <p:grpSpPr>
-        <a:xfrm>
-          <a:off x="0" y="0"/>
-          <a:ext cx="0" cy="0"/>
-          <a:chOff x="0" y="0"/>
-          <a:chExt cx="0" cy="0"/>
-        </a:xfrm>
-      </p:grpSpPr>
-      <p:sp>
-        <p:nvSpPr>
-          <p:cNvPr id="2" name="タイトル 1"/>
-          <p:cNvSpPr>
-            <a:spLocks noGrp="1"/>
-          </p:cNvSpPr>
-          <p:nvPr>
-            <p:ph type="title"/>
-          </p:nvPr>
-        </p:nvSpPr>
-        <p:spPr/>
-        <p:txBody>
-          <a:bodyPr/>
-          <a:lstStyle/>
-          <a:p>
-            <a:r>
-              <a:rPr kumimoji="1" lang="ja-JP" altLang="en-US" dirty="0" smtClean="0"/>
-              <a:t>尤度</a:t>
-            </a:r>
-            <a:endParaRPr kumimoji="1" lang="ja-JP" altLang="en-US" dirty="0"/>
-          </a:p>
-        </p:txBody>
-      </p:sp>
-      <p:sp>
-        <p:nvSpPr>
-          <p:cNvPr id="3" name="コンテンツ プレースホルダー 2"/>
-          <p:cNvSpPr>
-            <a:spLocks noGrp="1"/>
-          </p:cNvSpPr>
-          <p:nvPr>
-            <p:ph idx="1"/>
-          </p:nvPr>
-        </p:nvSpPr>
-        <p:spPr>
-          <a:xfrm>
-            <a:off x="838200" y="1109965"/>
-            <a:ext cx="10515600" cy="5122883"/>
-          </a:xfrm>
-        </p:spPr>
-        <p:txBody>
-          <a:bodyPr/>
-          <a:lstStyle/>
-          <a:p>
-            <a:pPr marL="0" marR="0" lvl="0" indent="0" defTabSz="914400" eaLnBrk="1" fontAlgn="auto" latinLnBrk="0" hangingPunct="1">
-              <a:spcBef>
-                <a:spcPts val="0"/>
-              </a:spcBef>
-              <a:spcAft>
-                <a:spcPts val="0"/>
-              </a:spcAft>
-              <a:buClrTx/>
-              <a:buSzTx/>
-              <a:buFontTx/>
-              <a:buNone/>
-              <a:tabLst/>
-              <a:defRPr/>
-            </a:pPr>
-            <a:r>
-              <a:rPr kumimoji="1" lang="ja-JP" altLang="en-US" dirty="0" smtClean="0"/>
-              <a:t>モデルの尤もらしさを表す尺度</a:t>
-            </a:r>
-            <a:endParaRPr kumimoji="1" lang="en-US" altLang="ja-JP" dirty="0" smtClean="0"/>
-          </a:p>
-          <a:p>
-            <a:pPr marL="0" marR="0" lvl="0" indent="0" defTabSz="914400" eaLnBrk="1" fontAlgn="auto" latinLnBrk="0" hangingPunct="1">
-              <a:lnSpc>
-                <a:spcPct val="150000"/>
-              </a:lnSpc>
-              <a:spcBef>
-                <a:spcPts val="0"/>
-              </a:spcBef>
-              <a:spcAft>
-                <a:spcPts val="0"/>
-              </a:spcAft>
-              <a:buClrTx/>
-              <a:buSzTx/>
-              <a:buFontTx/>
-              <a:buNone/>
-              <a:tabLst/>
-              <a:defRPr/>
-            </a:pPr>
-            <a:r>
-              <a:rPr lang="ja-JP" altLang="en-US" dirty="0" smtClean="0"/>
-              <a:t>確率変数 </a:t>
-            </a:r>
-            <a:r>
-              <a:rPr lang="en-US" altLang="ja-JP" dirty="0" smtClean="0">
-                <a:latin typeface="Times New Roman" charset="0"/>
-                <a:ea typeface="Times New Roman" charset="0"/>
-                <a:cs typeface="Times New Roman" charset="0"/>
-              </a:rPr>
-              <a:t>(</a:t>
-            </a:r>
-            <a:r>
-              <a:rPr lang="en-US" altLang="ja-JP" i="1" dirty="0" smtClean="0">
-                <a:latin typeface="Times New Roman" charset="0"/>
-                <a:ea typeface="Times New Roman" charset="0"/>
-                <a:cs typeface="Times New Roman" charset="0"/>
-              </a:rPr>
-              <a:t>X</a:t>
-            </a:r>
-            <a:r>
-              <a:rPr lang="en-US" altLang="ja-JP" baseline="-25000" dirty="0" smtClean="0">
-                <a:latin typeface="Times New Roman" charset="0"/>
-                <a:ea typeface="Times New Roman" charset="0"/>
-                <a:cs typeface="Times New Roman" charset="0"/>
-              </a:rPr>
-              <a:t>1</a:t>
-            </a:r>
-            <a:r>
-              <a:rPr lang="en-US" altLang="ja-JP" dirty="0" smtClean="0">
-                <a:latin typeface="Times New Roman" charset="0"/>
-                <a:ea typeface="Times New Roman" charset="0"/>
-                <a:cs typeface="Times New Roman" charset="0"/>
-              </a:rPr>
-              <a:t>, </a:t>
-            </a:r>
-            <a:r>
-              <a:rPr lang="en-US" altLang="ja-JP" i="1" dirty="0" smtClean="0">
-                <a:latin typeface="Times New Roman" charset="0"/>
-                <a:ea typeface="Times New Roman" charset="0"/>
-                <a:cs typeface="Times New Roman" charset="0"/>
-              </a:rPr>
-              <a:t>X</a:t>
-            </a:r>
-            <a:r>
-              <a:rPr lang="en-US" altLang="ja-JP" baseline="-25000" dirty="0" smtClean="0">
-                <a:latin typeface="Times New Roman" charset="0"/>
-                <a:ea typeface="Times New Roman" charset="0"/>
-                <a:cs typeface="Times New Roman" charset="0"/>
-              </a:rPr>
-              <a:t>2</a:t>
-            </a:r>
-            <a:r>
-              <a:rPr lang="en-US" altLang="ja-JP" dirty="0" smtClean="0">
-                <a:latin typeface="Times New Roman" charset="0"/>
-                <a:ea typeface="Times New Roman" charset="0"/>
-                <a:cs typeface="Times New Roman" charset="0"/>
-              </a:rPr>
-              <a:t>, …, </a:t>
-            </a:r>
-            <a:r>
-              <a:rPr lang="en-US" altLang="ja-JP" i="1" dirty="0" err="1" smtClean="0">
-                <a:latin typeface="Times New Roman" charset="0"/>
-                <a:ea typeface="Times New Roman" charset="0"/>
-                <a:cs typeface="Times New Roman" charset="0"/>
-              </a:rPr>
-              <a:t>X</a:t>
-            </a:r>
-            <a:r>
-              <a:rPr lang="en-US" altLang="ja-JP" i="1" baseline="-25000" dirty="0" err="1" smtClean="0">
-                <a:latin typeface="Times New Roman" charset="0"/>
-                <a:ea typeface="Times New Roman" charset="0"/>
-                <a:cs typeface="Times New Roman" charset="0"/>
-              </a:rPr>
-              <a:t>n</a:t>
-            </a:r>
-            <a:r>
-              <a:rPr lang="en-US" altLang="ja-JP" dirty="0" smtClean="0">
-                <a:latin typeface="Times New Roman" charset="0"/>
-                <a:ea typeface="Times New Roman" charset="0"/>
-                <a:cs typeface="Times New Roman" charset="0"/>
-              </a:rPr>
-              <a:t>)</a:t>
-            </a:r>
-            <a:r>
-              <a:rPr lang="ja-JP" altLang="en-US" dirty="0" smtClean="0">
-                <a:latin typeface="Times New Roman" charset="0"/>
-                <a:ea typeface="Times New Roman" charset="0"/>
-                <a:cs typeface="Times New Roman" charset="0"/>
-              </a:rPr>
-              <a:t>  </a:t>
-            </a:r>
-            <a:r>
-              <a:rPr lang="ja-JP" altLang="en-US" dirty="0" smtClean="0"/>
-              <a:t>（互いに独立）の</a:t>
-            </a:r>
-            <a:r>
-              <a:rPr lang="en-US" altLang="ja-JP" dirty="0" smtClean="0"/>
-              <a:t/>
-            </a:r>
-            <a:br>
-              <a:rPr lang="en-US" altLang="ja-JP" dirty="0" smtClean="0"/>
-            </a:br>
-            <a:r>
-              <a:rPr lang="ja-JP" altLang="en-US" dirty="0" smtClean="0"/>
-              <a:t>同時確率密度関数が</a:t>
-            </a:r>
-            <a:r>
-              <a:rPr lang="en-US" altLang="ja-JP" dirty="0" smtClean="0"/>
-              <a:t> </a:t>
-            </a:r>
-            <a:r>
-              <a:rPr lang="en-US" altLang="ja-JP" i="1" dirty="0" smtClean="0">
-                <a:latin typeface="Times New Roman" charset="0"/>
-                <a:ea typeface="Times New Roman" charset="0"/>
-                <a:cs typeface="Times New Roman" charset="0"/>
-              </a:rPr>
-              <a:t>f</a:t>
-            </a:r>
-            <a:r>
-              <a:rPr lang="en-US" altLang="ja-JP" dirty="0" smtClean="0">
-                <a:latin typeface="Times New Roman" charset="0"/>
-                <a:ea typeface="Times New Roman" charset="0"/>
-                <a:cs typeface="Times New Roman" charset="0"/>
-              </a:rPr>
-              <a:t>(</a:t>
-            </a:r>
-            <a:r>
-              <a:rPr lang="en-US" altLang="ja-JP" i="1" dirty="0" smtClean="0">
-                <a:latin typeface="Times New Roman" charset="0"/>
-                <a:ea typeface="Times New Roman" charset="0"/>
-                <a:cs typeface="Times New Roman" charset="0"/>
-              </a:rPr>
-              <a:t>x</a:t>
-            </a:r>
-            <a:r>
-              <a:rPr lang="en-US" altLang="ja-JP" baseline="-25000" dirty="0" smtClean="0">
-                <a:latin typeface="Times New Roman" charset="0"/>
-                <a:ea typeface="Times New Roman" charset="0"/>
-                <a:cs typeface="Times New Roman" charset="0"/>
-              </a:rPr>
-              <a:t>1</a:t>
-            </a:r>
-            <a:r>
-              <a:rPr lang="en-US" altLang="ja-JP" dirty="0" smtClean="0">
-                <a:latin typeface="Times New Roman" charset="0"/>
-                <a:ea typeface="Times New Roman" charset="0"/>
-                <a:cs typeface="Times New Roman" charset="0"/>
-              </a:rPr>
-              <a:t>, </a:t>
-            </a:r>
-            <a:r>
-              <a:rPr lang="en-US" altLang="ja-JP" i="1" dirty="0" smtClean="0">
-                <a:latin typeface="Times New Roman" charset="0"/>
-                <a:ea typeface="Times New Roman" charset="0"/>
-                <a:cs typeface="Times New Roman" charset="0"/>
-              </a:rPr>
-              <a:t>x</a:t>
-            </a:r>
-            <a:r>
-              <a:rPr lang="en-US" altLang="ja-JP" baseline="-25000" dirty="0" smtClean="0">
-                <a:latin typeface="Times New Roman" charset="0"/>
-                <a:ea typeface="Times New Roman" charset="0"/>
-                <a:cs typeface="Times New Roman" charset="0"/>
-              </a:rPr>
-              <a:t>2</a:t>
-            </a:r>
-            <a:r>
-              <a:rPr lang="en-US" altLang="ja-JP" dirty="0" smtClean="0">
-                <a:latin typeface="Times New Roman" charset="0"/>
-                <a:ea typeface="Times New Roman" charset="0"/>
-                <a:cs typeface="Times New Roman" charset="0"/>
-              </a:rPr>
-              <a:t>, …, </a:t>
-            </a:r>
-            <a:r>
-              <a:rPr lang="en-US" altLang="ja-JP" i="1" dirty="0" err="1" smtClean="0">
-                <a:latin typeface="Times New Roman" charset="0"/>
-                <a:ea typeface="Times New Roman" charset="0"/>
-                <a:cs typeface="Times New Roman" charset="0"/>
-              </a:rPr>
-              <a:t>x</a:t>
-            </a:r>
-            <a:r>
-              <a:rPr lang="en-US" altLang="ja-JP" i="1" baseline="-25000" dirty="0" err="1" smtClean="0">
-                <a:latin typeface="Times New Roman" charset="0"/>
-                <a:ea typeface="Times New Roman" charset="0"/>
-                <a:cs typeface="Times New Roman" charset="0"/>
-              </a:rPr>
-              <a:t>n</a:t>
-            </a:r>
-            <a:r>
-              <a:rPr lang="en-US" altLang="ja-JP" dirty="0" smtClean="0">
-                <a:latin typeface="Times New Roman" charset="0"/>
-                <a:ea typeface="Times New Roman" charset="0"/>
-                <a:cs typeface="Times New Roman" charset="0"/>
-              </a:rPr>
-              <a:t> | </a:t>
-            </a:r>
-            <a:r>
-              <a:rPr lang="en-US" altLang="ja-JP" i="1" dirty="0" err="1" smtClean="0">
-                <a:latin typeface="Times New Roman" charset="0"/>
-                <a:ea typeface="Times New Roman" charset="0"/>
-                <a:cs typeface="Times New Roman" charset="0"/>
-              </a:rPr>
-              <a:t>θ</a:t>
-            </a:r>
-            <a:r>
-              <a:rPr lang="en-US" altLang="ja-JP" dirty="0" smtClean="0">
-                <a:latin typeface="Times New Roman" charset="0"/>
-                <a:ea typeface="Times New Roman" charset="0"/>
-                <a:cs typeface="Times New Roman" charset="0"/>
-              </a:rPr>
-              <a:t>) </a:t>
-            </a:r>
-            <a:r>
-              <a:rPr lang="ja-JP" altLang="en-US" dirty="0" smtClean="0"/>
-              <a:t>として，</a:t>
-            </a:r>
-            <a:r>
-              <a:rPr lang="en-US" altLang="ja-JP" dirty="0" smtClean="0"/>
-              <a:t/>
-            </a:r>
-            <a:br>
-              <a:rPr lang="en-US" altLang="ja-JP" dirty="0" smtClean="0"/>
-            </a:br>
-            <a:r>
-              <a:rPr lang="en-US" altLang="ja-JP" i="1" dirty="0" smtClean="0">
-                <a:latin typeface="Times New Roman" charset="0"/>
-                <a:ea typeface="Times New Roman" charset="0"/>
-                <a:cs typeface="Times New Roman" charset="0"/>
-              </a:rPr>
-              <a:t>f  </a:t>
-            </a:r>
-            <a:r>
-              <a:rPr lang="ja-JP" altLang="en-US" dirty="0" smtClean="0"/>
-              <a:t>をパラメータ</a:t>
-            </a:r>
-            <a:r>
-              <a:rPr lang="en-US" altLang="ja-JP" dirty="0" smtClean="0"/>
-              <a:t> </a:t>
-            </a:r>
-            <a:r>
-              <a:rPr lang="en-US" altLang="ja-JP" i="1" dirty="0" err="1" smtClean="0">
-                <a:latin typeface="Times New Roman" charset="0"/>
-                <a:ea typeface="Times New Roman" charset="0"/>
-                <a:cs typeface="Times New Roman" charset="0"/>
-              </a:rPr>
-              <a:t>θ</a:t>
-            </a:r>
-            <a:r>
-              <a:rPr lang="en-US" altLang="ja-JP" i="1" dirty="0" smtClean="0">
-                <a:latin typeface="Times New Roman" charset="0"/>
-                <a:ea typeface="Times New Roman" charset="0"/>
-                <a:cs typeface="Times New Roman" charset="0"/>
-              </a:rPr>
-              <a:t> </a:t>
-            </a:r>
-            <a:r>
-              <a:rPr lang="ja-JP" altLang="en-US" dirty="0" smtClean="0"/>
-              <a:t>の関数と考えたときの関数</a:t>
-            </a:r>
-            <a:endParaRPr kumimoji="1" lang="ja-JP" altLang="en-US" dirty="0"/>
-          </a:p>
-        </p:txBody>
-      </p:sp>
-      <p:pic>
-        <p:nvPicPr>
-          <p:cNvPr id="5" name="図 4"/>
-          <p:cNvPicPr>
-            <a:picLocks noChangeAspect="1"/>
-          </p:cNvPicPr>
-          <p:nvPr/>
-        </p:nvPicPr>
-        <p:blipFill>
-          <a:blip r:embed="rId2"/>
-          <a:stretch>
-            <a:fillRect/>
-          </a:stretch>
-        </p:blipFill>
-        <p:spPr>
-          <a:xfrm>
-            <a:off x="3397250" y="4678716"/>
-            <a:ext cx="5397500" cy="1993900"/>
-          </a:xfrm>
-          <a:prstGeom prst="rect">
-            <a:avLst/>
-          </a:prstGeom>
-        </p:spPr>
-      </p:pic>
-    </p:spTree>
-    <p:extLst>
-      <p:ext uri="{BB962C8B-B14F-4D97-AF65-F5344CB8AC3E}">
-        <p14:creationId xmlns:p14="http://schemas.microsoft.com/office/powerpoint/2010/main" val="585852389"/>
-      </p:ext>
-    </p:extLst>
-  </p:cSld>
-  <p:clrMapOvr>
-    <a:masterClrMapping/>
-  </p:clrMapOvr>
-</p:sld>
-</file>
-
-<file path=ppt/slides/slide2.xml><?xml version="1.0" encoding="utf-8"?>
-<p:sld xmlns:a="http://schemas.openxmlformats.org/drawingml/2006/main" xmlns:r="http://schemas.openxmlformats.org/officeDocument/2006/relationships" xmlns:p="http://schemas.openxmlformats.org/presentationml/2006/main">
-  <p:cSld>
-    <p:spTree>
-      <p:nvGrpSpPr>
-        <p:cNvPr id="1" name=""/>
-        <p:cNvGrpSpPr/>
-        <p:nvPr/>
-      </p:nvGrpSpPr>
-      <p:grpSpPr>
-        <a:xfrm>
-          <a:off x="0" y="0"/>
-          <a:ext cx="0" cy="0"/>
-          <a:chOff x="0" y="0"/>
-          <a:chExt cx="0" cy="0"/>
-        </a:xfrm>
-      </p:grpSpPr>
-      <p:sp>
-        <p:nvSpPr>
-          <p:cNvPr id="2" name="タイトル 1"/>
-          <p:cNvSpPr>
-            <a:spLocks noGrp="1"/>
-          </p:cNvSpPr>
-          <p:nvPr>
-            <p:ph type="title"/>
-          </p:nvPr>
-        </p:nvSpPr>
-        <p:spPr/>
-        <p:txBody>
-          <a:bodyPr>
-            <a:normAutofit/>
-          </a:bodyPr>
-          <a:lstStyle/>
-          <a:p>
-            <a:r>
-              <a:rPr kumimoji="1" lang="ja-JP" altLang="en-US" dirty="0" smtClean="0"/>
-              <a:t>背景</a:t>
-            </a:r>
-            <a:endParaRPr kumimoji="1" lang="ja-JP" altLang="en-US" dirty="0"/>
-          </a:p>
-        </p:txBody>
-      </p:sp>
-      <p:sp>
-        <p:nvSpPr>
-          <p:cNvPr id="3" name="コンテンツ プレースホルダー 2"/>
-          <p:cNvSpPr>
-            <a:spLocks noGrp="1"/>
-          </p:cNvSpPr>
-          <p:nvPr>
-            <p:ph idx="1"/>
-          </p:nvPr>
-        </p:nvSpPr>
-        <p:spPr>
-          <a:xfrm>
-            <a:off x="165538" y="998483"/>
-            <a:ext cx="11188262" cy="5859517"/>
-          </a:xfrm>
-        </p:spPr>
-        <p:txBody>
-          <a:bodyPr anchor="ctr">
-            <a:normAutofit/>
-          </a:bodyPr>
-          <a:lstStyle/>
-          <a:p>
-            <a:pPr marL="0" indent="0">
-              <a:spcBef>
-                <a:spcPts val="0"/>
-              </a:spcBef>
-              <a:buNone/>
-            </a:pPr>
-            <a:r>
-              <a:rPr kumimoji="1" lang="ja-JP" altLang="en-US" b="1" dirty="0" smtClean="0"/>
-              <a:t>クラスタリング</a:t>
-            </a:r>
-            <a:endParaRPr kumimoji="1" lang="en-US" altLang="ja-JP" b="1" dirty="0" smtClean="0"/>
-          </a:p>
-          <a:p>
-            <a:pPr>
-              <a:spcBef>
-                <a:spcPts val="0"/>
-              </a:spcBef>
-              <a:buFont typeface="Wingdings" charset="2"/>
-              <a:buChar char="u"/>
-            </a:pPr>
-            <a:r>
-              <a:rPr lang="ja-JP" altLang="en-US" dirty="0"/>
-              <a:t> </a:t>
-            </a:r>
-            <a:r>
-              <a:rPr lang="ja-JP" altLang="en-US" dirty="0" smtClean="0"/>
-              <a:t>データを任意の数のクラスタにわける手法</a:t>
-            </a:r>
-            <a:endParaRPr lang="en-US" altLang="ja-JP" dirty="0" smtClean="0"/>
-          </a:p>
-          <a:p>
-            <a:pPr>
-              <a:spcBef>
-                <a:spcPts val="0"/>
-              </a:spcBef>
-              <a:buFont typeface="Wingdings" charset="2"/>
-              <a:buChar char="u"/>
-            </a:pPr>
-            <a:r>
-              <a:rPr lang="ja-JP" altLang="en-US" dirty="0"/>
-              <a:t> </a:t>
-            </a:r>
-            <a:r>
-              <a:rPr lang="ja-JP" altLang="en-US" dirty="0" smtClean="0"/>
-              <a:t>データ解析・画像処理などで利用</a:t>
-            </a:r>
-            <a:endParaRPr lang="en-US" altLang="ja-JP" dirty="0" smtClean="0"/>
-          </a:p>
-          <a:p>
-            <a:pPr>
-              <a:spcBef>
-                <a:spcPts val="0"/>
-              </a:spcBef>
-              <a:buFont typeface="Wingdings" charset="2"/>
-              <a:buChar char="u"/>
-            </a:pPr>
-            <a:r>
-              <a:rPr lang="ja-JP" altLang="en-US" dirty="0"/>
-              <a:t> </a:t>
-            </a:r>
-            <a:r>
-              <a:rPr lang="en-US" altLang="ja-JP" b="1" i="1" dirty="0" smtClean="0">
-                <a:latin typeface="Times New Roman" charset="0"/>
-                <a:ea typeface="Times New Roman" charset="0"/>
-                <a:cs typeface="Times New Roman" charset="0"/>
-              </a:rPr>
-              <a:t>k</a:t>
-            </a:r>
-            <a:r>
-              <a:rPr lang="en-US" altLang="ja-JP" b="1" dirty="0" smtClean="0">
-                <a:latin typeface="Times New Roman" charset="0"/>
-                <a:ea typeface="Times New Roman" charset="0"/>
-                <a:cs typeface="Times New Roman" charset="0"/>
-              </a:rPr>
-              <a:t>-means</a:t>
-            </a:r>
-            <a:r>
-              <a:rPr lang="ja-JP" altLang="en-US" b="1" dirty="0" smtClean="0"/>
-              <a:t>ではクラスタ数を事前に指定しなければならない</a:t>
-            </a:r>
-            <a:r>
-              <a:rPr kumimoji="1" lang="ja-JP" altLang="en-US" dirty="0" smtClean="0"/>
-              <a:t>⇒ クラスタ数が未知の場合「</a:t>
-            </a:r>
-            <a:r>
-              <a:rPr kumimoji="1" lang="ja-JP" altLang="en-US" b="1" dirty="0" smtClean="0"/>
-              <a:t>クラスタ数推定</a:t>
-            </a:r>
-            <a:r>
-              <a:rPr kumimoji="1" lang="ja-JP" altLang="en-US" dirty="0" smtClean="0"/>
-              <a:t>」が必要</a:t>
-            </a:r>
-            <a:endParaRPr kumimoji="1" lang="ja-JP" altLang="en-US" dirty="0"/>
-          </a:p>
-        </p:txBody>
-      </p:sp>
-      <p:pic>
-        <p:nvPicPr>
-          <p:cNvPr id="4" name="図 3"/>
-          <p:cNvPicPr>
-            <a:picLocks noChangeAspect="1"/>
-          </p:cNvPicPr>
-          <p:nvPr/>
-        </p:nvPicPr>
-        <p:blipFill>
-          <a:blip r:embed="rId2">
-            <a:extLst>
-              <a:ext uri="{28A0092B-C50C-407E-A947-70E740481C1C}">
-                <a14:useLocalDpi xmlns:a14="http://schemas.microsoft.com/office/drawing/2010/main" val="0"/>
-              </a:ext>
-            </a:extLst>
-          </a:blip>
-          <a:stretch>
-            <a:fillRect/>
-          </a:stretch>
-        </p:blipFill>
-        <p:spPr>
-          <a:xfrm>
-            <a:off x="8490308" y="1646323"/>
-            <a:ext cx="3701692" cy="2776269"/>
-          </a:xfrm>
-          <a:prstGeom prst="rect">
-            <a:avLst/>
-          </a:prstGeom>
-        </p:spPr>
-      </p:pic>
-    </p:spTree>
-    <p:extLst>
-      <p:ext uri="{BB962C8B-B14F-4D97-AF65-F5344CB8AC3E}">
-        <p14:creationId xmlns:p14="http://schemas.microsoft.com/office/powerpoint/2010/main" val="1377184672"/>
-      </p:ext>
-    </p:extLst>
-  </p:cSld>
-  <p:clrMapOvr>
-    <a:masterClrMapping/>
-  </p:clrMapOvr>
-  <p:timing>
-    <p:tnLst>
-      <p:par>
-        <p:cTn id="1" dur="indefinite" restart="never" nodeType="tmRoot"/>
-      </p:par>
-    </p:tnLst>
-  </p:timing>
-</p:sld>
-</file>
-
-<file path=ppt/slides/slide20.xml><?xml version="1.0" encoding="utf-8"?>
-<p:sld xmlns:a="http://schemas.openxmlformats.org/drawingml/2006/main" xmlns:r="http://schemas.openxmlformats.org/officeDocument/2006/relationships" xmlns:p="http://schemas.openxmlformats.org/presentationml/2006/main">
-  <p:cSld>
-    <p:spTree>
-      <p:nvGrpSpPr>
-        <p:cNvPr id="1" name=""/>
-        <p:cNvGrpSpPr/>
-        <p:nvPr/>
-      </p:nvGrpSpPr>
-      <p:grpSpPr>
-        <a:xfrm>
-          <a:off x="0" y="0"/>
-          <a:ext cx="0" cy="0"/>
-          <a:chOff x="0" y="0"/>
-          <a:chExt cx="0" cy="0"/>
-        </a:xfrm>
-      </p:grpSpPr>
-      <p:sp>
-        <p:nvSpPr>
-          <p:cNvPr id="2" name="タイトル 1"/>
-          <p:cNvSpPr>
-            <a:spLocks noGrp="1"/>
-          </p:cNvSpPr>
-          <p:nvPr>
-            <p:ph type="title"/>
-          </p:nvPr>
-        </p:nvSpPr>
-        <p:spPr/>
-        <p:txBody>
-          <a:bodyPr/>
-          <a:lstStyle/>
-          <a:p>
-            <a:r>
-              <a:rPr kumimoji="1" lang="ja-JP" altLang="en-US" dirty="0" smtClean="0"/>
-              <a:t>対数尤度関数</a:t>
-            </a:r>
-            <a:r>
-              <a:rPr lang="ja-JP" altLang="en-US" dirty="0" smtClean="0"/>
-              <a:t>・最尤法</a:t>
-            </a:r>
-            <a:endParaRPr kumimoji="1" lang="ja-JP" altLang="en-US" dirty="0"/>
-          </a:p>
-        </p:txBody>
-      </p:sp>
-      <p:sp>
-        <p:nvSpPr>
-          <p:cNvPr id="3" name="コンテンツ プレースホルダー 2"/>
-          <p:cNvSpPr>
-            <a:spLocks noGrp="1"/>
-          </p:cNvSpPr>
-          <p:nvPr>
-            <p:ph idx="1"/>
-          </p:nvPr>
-        </p:nvSpPr>
-        <p:spPr>
-          <a:xfrm>
-            <a:off x="838200" y="3311991"/>
-            <a:ext cx="10515600" cy="2958180"/>
-          </a:xfrm>
-        </p:spPr>
-        <p:txBody>
-          <a:bodyPr/>
-          <a:lstStyle/>
-          <a:p>
-            <a:pPr marL="0" marR="0" lvl="0" indent="0" defTabSz="914400" eaLnBrk="1" fontAlgn="auto" latinLnBrk="0" hangingPunct="1">
-              <a:spcBef>
-                <a:spcPts val="0"/>
-              </a:spcBef>
-              <a:spcAft>
-                <a:spcPts val="0"/>
-              </a:spcAft>
-              <a:buClrTx/>
-              <a:buSzTx/>
-              <a:buFontTx/>
-              <a:buNone/>
-              <a:tabLst/>
-              <a:defRPr/>
-            </a:pPr>
-            <a:r>
-              <a:rPr lang="en-US" altLang="ja-JP" i="1" dirty="0">
-                <a:latin typeface="Times New Roman" charset="0"/>
-                <a:ea typeface="Times New Roman" charset="0"/>
-                <a:cs typeface="Times New Roman" charset="0"/>
-              </a:rPr>
-              <a:t>l</a:t>
-            </a:r>
-            <a:r>
-              <a:rPr kumimoji="1" lang="en-US" altLang="ja-JP" dirty="0" smtClean="0">
-                <a:latin typeface="Times New Roman" charset="0"/>
-                <a:ea typeface="Times New Roman" charset="0"/>
-                <a:cs typeface="Times New Roman" charset="0"/>
-              </a:rPr>
-              <a:t>(</a:t>
-            </a:r>
-            <a:r>
-              <a:rPr kumimoji="1" lang="en-US" altLang="ja-JP" i="1" dirty="0" err="1" smtClean="0">
-                <a:latin typeface="Times New Roman" charset="0"/>
-                <a:ea typeface="Times New Roman" charset="0"/>
-                <a:cs typeface="Times New Roman" charset="0"/>
-              </a:rPr>
-              <a:t>θ</a:t>
-            </a:r>
-            <a:r>
-              <a:rPr lang="en-US" altLang="ja-JP" dirty="0" smtClean="0">
-                <a:latin typeface="Times New Roman" charset="0"/>
-                <a:ea typeface="Times New Roman" charset="0"/>
-                <a:cs typeface="Times New Roman" charset="0"/>
-              </a:rPr>
-              <a:t>)</a:t>
-            </a:r>
-            <a:r>
-              <a:rPr lang="en-US" altLang="ja-JP" dirty="0" smtClean="0"/>
-              <a:t> </a:t>
-            </a:r>
-            <a:r>
-              <a:rPr kumimoji="1" lang="ja-JP" altLang="en-US" dirty="0" smtClean="0"/>
-              <a:t>の大小を比較することで</a:t>
-            </a:r>
-            <a:r>
-              <a:rPr kumimoji="1" lang="en-US" altLang="ja-JP" dirty="0" smtClean="0"/>
-              <a:t>K-L</a:t>
-            </a:r>
-            <a:r>
-              <a:rPr kumimoji="1" lang="ja-JP" altLang="en-US" dirty="0" smtClean="0"/>
-              <a:t>情報量</a:t>
-            </a:r>
-            <a:r>
-              <a:rPr lang="ja-JP" altLang="en-US" dirty="0" smtClean="0"/>
-              <a:t>の大小を測る</a:t>
-            </a:r>
-            <a:endParaRPr lang="en-US" altLang="ja-JP" dirty="0" smtClean="0"/>
-          </a:p>
-          <a:p>
-            <a:pPr>
-              <a:spcBef>
-                <a:spcPts val="0"/>
-              </a:spcBef>
-              <a:buFont typeface="Wingdings" charset="2"/>
-              <a:buChar char="u"/>
-            </a:pPr>
-            <a:r>
-              <a:rPr lang="en-US" altLang="ja-JP" dirty="0"/>
-              <a:t> </a:t>
-            </a:r>
-            <a:r>
-              <a:rPr lang="ja-JP" altLang="en-US" dirty="0" smtClean="0"/>
-              <a:t>対数尤度が最大になるモデルを推定</a:t>
-            </a:r>
-            <a:r>
-              <a:rPr lang="ja-JP" altLang="en-US" dirty="0"/>
-              <a:t> </a:t>
-            </a:r>
-            <a:r>
-              <a:rPr lang="ja-JP" altLang="en-US" dirty="0" smtClean="0"/>
-              <a:t>⇒ 最大対数尤度</a:t>
-            </a:r>
-            <a:endParaRPr lang="en-US" altLang="ja-JP" dirty="0" smtClean="0"/>
-          </a:p>
-          <a:p>
-            <a:pPr>
-              <a:spcBef>
-                <a:spcPts val="0"/>
-              </a:spcBef>
-              <a:buFont typeface="Wingdings" charset="2"/>
-              <a:buChar char="u"/>
-            </a:pPr>
-            <a:r>
-              <a:rPr kumimoji="1" lang="ja-JP" altLang="en-US" dirty="0" smtClean="0"/>
-              <a:t> この方法を「最尤法」と呼ぶ</a:t>
-            </a:r>
-            <a:endParaRPr kumimoji="1" lang="ja-JP" altLang="en-US" dirty="0"/>
-          </a:p>
-        </p:txBody>
-      </p:sp>
-      <p:pic>
-        <p:nvPicPr>
-          <p:cNvPr id="4" name="図 3"/>
-          <p:cNvPicPr>
-            <a:picLocks noChangeAspect="1"/>
-          </p:cNvPicPr>
-          <p:nvPr/>
-        </p:nvPicPr>
-        <p:blipFill>
-          <a:blip r:embed="rId2"/>
-          <a:stretch>
-            <a:fillRect/>
-          </a:stretch>
-        </p:blipFill>
-        <p:spPr>
-          <a:xfrm>
-            <a:off x="3473450" y="2112956"/>
-            <a:ext cx="5245100" cy="469900"/>
-          </a:xfrm>
-          <a:prstGeom prst="rect">
-            <a:avLst/>
-          </a:prstGeom>
-        </p:spPr>
-      </p:pic>
-      <p:sp>
-        <p:nvSpPr>
-          <p:cNvPr id="5" name="コンテンツ プレースホルダー 2"/>
-          <p:cNvSpPr txBox="1">
-            <a:spLocks/>
-          </p:cNvSpPr>
-          <p:nvPr/>
-        </p:nvSpPr>
-        <p:spPr>
-          <a:xfrm>
-            <a:off x="990600" y="1337011"/>
-            <a:ext cx="10515600" cy="681511"/>
-          </a:xfrm>
-          <a:prstGeom prst="rect">
-            <a:avLst/>
-          </a:prstGeom>
-        </p:spPr>
-        <p:txBody>
-          <a:bodyPr vert="horz" lIns="91440" tIns="45720" rIns="91440" bIns="45720" rtlCol="0">
-            <a:noAutofit/>
-          </a:bodyPr>
-          <a:lstStyle>
-            <a:lvl1pPr marL="228600" indent="-228600" algn="l" defTabSz="914400" rtl="0" eaLnBrk="1" latinLnBrk="0" hangingPunct="1">
-              <a:lnSpc>
-                <a:spcPct val="200000"/>
-              </a:lnSpc>
-              <a:spcBef>
-                <a:spcPts val="1000"/>
-              </a:spcBef>
-              <a:buFont typeface="Arial" panose="020B0604020202020204" pitchFamily="34" charset="0"/>
-              <a:buChar char="•"/>
-              <a:defRPr kumimoji="1" sz="3200" kern="1200">
-                <a:solidFill>
-                  <a:schemeClr val="tx1"/>
-                </a:solidFill>
-                <a:latin typeface="Meiryo" charset="-128"/>
-                <a:ea typeface="Meiryo" charset="-128"/>
-                <a:cs typeface="Meiryo" charset="-128"/>
-              </a:defRPr>
-            </a:lvl1pPr>
-            <a:lvl2pPr marL="685800" indent="-228600" algn="l" defTabSz="914400" rtl="0" eaLnBrk="1" latinLnBrk="0" hangingPunct="1">
-              <a:lnSpc>
-                <a:spcPct val="200000"/>
-              </a:lnSpc>
-              <a:spcBef>
-                <a:spcPts val="500"/>
-              </a:spcBef>
-              <a:buFont typeface="Arial" panose="020B0604020202020204" pitchFamily="34" charset="0"/>
-              <a:buChar char="•"/>
-              <a:defRPr kumimoji="1" sz="2800" kern="1200">
-                <a:solidFill>
-                  <a:schemeClr val="tx1"/>
-                </a:solidFill>
-                <a:latin typeface="Meiryo" charset="-128"/>
-                <a:ea typeface="Meiryo" charset="-128"/>
-                <a:cs typeface="Meiryo" charset="-128"/>
-              </a:defRPr>
-            </a:lvl2pPr>
-            <a:lvl3pPr marL="1143000" indent="-228600" algn="l" defTabSz="914400" rtl="0" eaLnBrk="1" latinLnBrk="0" hangingPunct="1">
-              <a:lnSpc>
-                <a:spcPct val="200000"/>
-              </a:lnSpc>
-              <a:spcBef>
-                <a:spcPts val="500"/>
-              </a:spcBef>
-              <a:buFont typeface="Arial" panose="020B0604020202020204" pitchFamily="34" charset="0"/>
-              <a:buChar char="•"/>
-              <a:defRPr kumimoji="1" sz="2400" kern="1200">
-                <a:solidFill>
-                  <a:schemeClr val="tx1"/>
-                </a:solidFill>
-                <a:latin typeface="Meiryo" charset="-128"/>
-                <a:ea typeface="Meiryo" charset="-128"/>
-                <a:cs typeface="Meiryo" charset="-128"/>
-              </a:defRPr>
-            </a:lvl3pPr>
-            <a:lvl4pPr marL="1600200" indent="-228600" algn="l" defTabSz="914400" rtl="0" eaLnBrk="1" latinLnBrk="0" hangingPunct="1">
-              <a:lnSpc>
-                <a:spcPct val="200000"/>
-              </a:lnSpc>
-              <a:spcBef>
-                <a:spcPts val="500"/>
-              </a:spcBef>
-              <a:buFont typeface="Arial" panose="020B0604020202020204" pitchFamily="34" charset="0"/>
-              <a:buChar char="•"/>
-              <a:defRPr kumimoji="1" sz="2000" kern="1200">
-                <a:solidFill>
-                  <a:schemeClr val="tx1"/>
-                </a:solidFill>
-                <a:latin typeface="Meiryo" charset="-128"/>
-                <a:ea typeface="Meiryo" charset="-128"/>
-                <a:cs typeface="Meiryo" charset="-128"/>
-              </a:defRPr>
-            </a:lvl4pPr>
-            <a:lvl5pPr marL="2057400" indent="-228600" algn="l" defTabSz="914400" rtl="0" eaLnBrk="1" latinLnBrk="0" hangingPunct="1">
-              <a:lnSpc>
-                <a:spcPct val="200000"/>
-              </a:lnSpc>
-              <a:spcBef>
-                <a:spcPts val="500"/>
-              </a:spcBef>
-              <a:buFont typeface="Arial" panose="020B0604020202020204" pitchFamily="34" charset="0"/>
-              <a:buChar char="•"/>
-              <a:defRPr kumimoji="1" sz="2000" kern="1200">
-                <a:solidFill>
-                  <a:schemeClr val="tx1"/>
-                </a:solidFill>
-                <a:latin typeface="Meiryo" charset="-128"/>
-                <a:ea typeface="Meiryo" charset="-128"/>
-                <a:cs typeface="Meiryo" charset="-128"/>
-              </a:defRPr>
-            </a:lvl5pPr>
-            <a:lvl6pPr marL="2514600" indent="-228600" algn="l" defTabSz="914400" rtl="0" eaLnBrk="1" latinLnBrk="0" hangingPunct="1">
-              <a:lnSpc>
-                <a:spcPct val="90000"/>
-              </a:lnSpc>
-              <a:spcBef>
-                <a:spcPts val="500"/>
-              </a:spcBef>
-              <a:buFont typeface="Arial" panose="020B0604020202020204" pitchFamily="34" charset="0"/>
-              <a:buChar char="•"/>
-              <a:defRPr kumimoji="1" sz="1800" kern="1200">
-                <a:solidFill>
-                  <a:schemeClr val="tx1"/>
-                </a:solidFill>
-                <a:latin typeface="+mn-lt"/>
-                <a:ea typeface="+mn-ea"/>
-                <a:cs typeface="+mn-cs"/>
-              </a:defRPr>
-            </a:lvl6pPr>
-            <a:lvl7pPr marL="2971800" indent="-228600" algn="l" defTabSz="914400" rtl="0" eaLnBrk="1" latinLnBrk="0" hangingPunct="1">
-              <a:lnSpc>
-                <a:spcPct val="90000"/>
-              </a:lnSpc>
-              <a:spcBef>
-                <a:spcPts val="500"/>
-              </a:spcBef>
-              <a:buFont typeface="Arial" panose="020B0604020202020204" pitchFamily="34" charset="0"/>
-              <a:buChar char="•"/>
-              <a:defRPr kumimoji="1" sz="1800" kern="1200">
-                <a:solidFill>
-                  <a:schemeClr val="tx1"/>
-                </a:solidFill>
-                <a:latin typeface="+mn-lt"/>
-                <a:ea typeface="+mn-ea"/>
-                <a:cs typeface="+mn-cs"/>
-              </a:defRPr>
-            </a:lvl7pPr>
-            <a:lvl8pPr marL="3429000" indent="-228600" algn="l" defTabSz="914400" rtl="0" eaLnBrk="1" latinLnBrk="0" hangingPunct="1">
-              <a:lnSpc>
-                <a:spcPct val="90000"/>
-              </a:lnSpc>
-              <a:spcBef>
-                <a:spcPts val="500"/>
-              </a:spcBef>
-              <a:buFont typeface="Arial" panose="020B0604020202020204" pitchFamily="34" charset="0"/>
-              <a:buChar char="•"/>
-              <a:defRPr kumimoji="1" sz="1800" kern="1200">
-                <a:solidFill>
-                  <a:schemeClr val="tx1"/>
-                </a:solidFill>
-                <a:latin typeface="+mn-lt"/>
-                <a:ea typeface="+mn-ea"/>
-                <a:cs typeface="+mn-cs"/>
-              </a:defRPr>
-            </a:lvl8pPr>
-            <a:lvl9pPr marL="3886200" indent="-228600" algn="l" defTabSz="914400" rtl="0" eaLnBrk="1" latinLnBrk="0" hangingPunct="1">
-              <a:lnSpc>
-                <a:spcPct val="90000"/>
-              </a:lnSpc>
-              <a:spcBef>
-                <a:spcPts val="500"/>
-              </a:spcBef>
-              <a:buFont typeface="Arial" panose="020B0604020202020204" pitchFamily="34" charset="0"/>
-              <a:buChar char="•"/>
-              <a:defRPr kumimoji="1" sz="1800" kern="1200">
-                <a:solidFill>
-                  <a:schemeClr val="tx1"/>
-                </a:solidFill>
-                <a:latin typeface="+mn-lt"/>
-                <a:ea typeface="+mn-ea"/>
-                <a:cs typeface="+mn-cs"/>
-              </a:defRPr>
-            </a:lvl9pPr>
-          </a:lstStyle>
-          <a:p>
-            <a:pPr marL="0" indent="0">
-              <a:lnSpc>
-                <a:spcPct val="100000"/>
-              </a:lnSpc>
-              <a:spcBef>
-                <a:spcPts val="0"/>
-              </a:spcBef>
-              <a:buFontTx/>
-              <a:buNone/>
-            </a:pPr>
-            <a:r>
-              <a:rPr lang="ja-JP" altLang="en-US" smtClean="0"/>
-              <a:t>扱いやすくするため，前出の</a:t>
-            </a:r>
-            <a:r>
-              <a:rPr lang="en-US" altLang="ja-JP" smtClean="0"/>
-              <a:t> </a:t>
-            </a:r>
-            <a:r>
-              <a:rPr lang="en-US" altLang="ja-JP" i="1" smtClean="0">
-                <a:latin typeface="Times New Roman" charset="0"/>
-                <a:ea typeface="Times New Roman" charset="0"/>
-                <a:cs typeface="Times New Roman" charset="0"/>
-              </a:rPr>
-              <a:t>L</a:t>
-            </a:r>
-            <a:r>
-              <a:rPr lang="en-US" altLang="ja-JP" smtClean="0">
-                <a:latin typeface="Times New Roman" charset="0"/>
-                <a:ea typeface="Times New Roman" charset="0"/>
-                <a:cs typeface="Times New Roman" charset="0"/>
-              </a:rPr>
-              <a:t>(</a:t>
-            </a:r>
-            <a:r>
-              <a:rPr lang="en-US" altLang="ja-JP" i="1" smtClean="0">
-                <a:latin typeface="Times New Roman" charset="0"/>
-                <a:ea typeface="Times New Roman" charset="0"/>
-                <a:cs typeface="Times New Roman" charset="0"/>
-              </a:rPr>
-              <a:t>θ</a:t>
-            </a:r>
-            <a:r>
-              <a:rPr lang="en-US" altLang="ja-JP" smtClean="0">
-                <a:latin typeface="Times New Roman" charset="0"/>
-                <a:ea typeface="Times New Roman" charset="0"/>
-                <a:cs typeface="Times New Roman" charset="0"/>
-              </a:rPr>
-              <a:t>)</a:t>
-            </a:r>
-            <a:r>
-              <a:rPr lang="ja-JP" altLang="en-US" smtClean="0"/>
-              <a:t> の両辺の対数をとる</a:t>
-            </a:r>
-            <a:endParaRPr lang="ja-JP" altLang="en-US" dirty="0"/>
-          </a:p>
-        </p:txBody>
-      </p:sp>
-    </p:spTree>
-    <p:extLst>
-      <p:ext uri="{BB962C8B-B14F-4D97-AF65-F5344CB8AC3E}">
-        <p14:creationId xmlns:p14="http://schemas.microsoft.com/office/powerpoint/2010/main" val="488336414"/>
-      </p:ext>
-    </p:extLst>
-  </p:cSld>
-  <p:clrMapOvr>
-    <a:masterClrMapping/>
-  </p:clrMapOvr>
-</p:sld>
-</file>
-
-<file path=ppt/slides/slide21.xml><?xml version="1.0" encoding="utf-8"?>
 <p:sld xmlns:a="http://schemas.openxmlformats.org/drawingml/2006/main" xmlns:r="http://schemas.openxmlformats.org/officeDocument/2006/relationships" xmlns:p="http://schemas.openxmlformats.org/presentationml/2006/main">
   <p:cSld>
     <p:spTree>
@@ -6518,17 +5550,359 @@
                 <a:ea typeface="Meiryo" charset="-128"/>
                 <a:cs typeface="Meiryo" charset="-128"/>
               </a:rPr>
-              <a:t>の</a:t>
-            </a:r>
-            <a:r>
-              <a:rPr kumimoji="1" lang="ja-JP" altLang="en-US" sz="2400" smtClean="0">
-                <a:latin typeface="Meiryo" charset="-128"/>
-                <a:ea typeface="Meiryo" charset="-128"/>
-                <a:cs typeface="Meiryo" charset="-128"/>
-              </a:rPr>
-              <a:t>期待値 </a:t>
+              <a:t>の期待値 </a:t>
             </a:r>
             <a:endParaRPr lang="en-US" altLang="ja-JP" sz="2400" dirty="0" smtClean="0">
+              <a:latin typeface="Meiryo" charset="-128"/>
+              <a:ea typeface="Meiryo" charset="-128"/>
+              <a:cs typeface="Meiryo" charset="-128"/>
+            </a:endParaRPr>
+          </a:p>
+        </p:txBody>
+      </p:sp>
+      <p:grpSp>
+        <p:nvGrpSpPr>
+          <p:cNvPr id="13" name="図形グループ 12"/>
+          <p:cNvGrpSpPr/>
+          <p:nvPr/>
+        </p:nvGrpSpPr>
+        <p:grpSpPr>
+          <a:xfrm>
+            <a:off x="85242" y="5193794"/>
+            <a:ext cx="11939887" cy="919167"/>
+            <a:chOff x="114953" y="5076567"/>
+            <a:chExt cx="11939887" cy="919167"/>
+          </a:xfrm>
+        </p:grpSpPr>
+        <p:sp>
+          <p:nvSpPr>
+            <p:cNvPr id="12" name="コンテンツ プレースホルダー 2"/>
+            <p:cNvSpPr txBox="1">
+              <a:spLocks/>
+            </p:cNvSpPr>
+            <p:nvPr/>
+          </p:nvSpPr>
+          <p:spPr>
+            <a:xfrm>
+              <a:off x="1860441" y="5349038"/>
+              <a:ext cx="8374096" cy="374226"/>
+            </a:xfrm>
+            <a:prstGeom prst="rect">
+              <a:avLst/>
+            </a:prstGeom>
+          </p:spPr>
+          <p:txBody>
+            <a:bodyPr vert="horz" lIns="91440" tIns="45720" rIns="91440" bIns="45720" rtlCol="0">
+              <a:noAutofit/>
+            </a:bodyPr>
+            <a:lstStyle>
+              <a:lvl1pPr marL="228600" indent="-228600" algn="l" defTabSz="914400" rtl="0" eaLnBrk="1" latinLnBrk="0" hangingPunct="1">
+                <a:lnSpc>
+                  <a:spcPct val="200000"/>
+                </a:lnSpc>
+                <a:spcBef>
+                  <a:spcPts val="1000"/>
+                </a:spcBef>
+                <a:buFont typeface="Arial" panose="020B0604020202020204" pitchFamily="34" charset="0"/>
+                <a:buChar char="•"/>
+                <a:defRPr kumimoji="1" sz="3200" kern="1200">
+                  <a:solidFill>
+                    <a:schemeClr val="tx1"/>
+                  </a:solidFill>
+                  <a:latin typeface="Meiryo" charset="-128"/>
+                  <a:ea typeface="Meiryo" charset="-128"/>
+                  <a:cs typeface="Meiryo" charset="-128"/>
+                </a:defRPr>
+              </a:lvl1pPr>
+              <a:lvl2pPr marL="685800" indent="-228600" algn="l" defTabSz="914400" rtl="0" eaLnBrk="1" latinLnBrk="0" hangingPunct="1">
+                <a:lnSpc>
+                  <a:spcPct val="200000"/>
+                </a:lnSpc>
+                <a:spcBef>
+                  <a:spcPts val="500"/>
+                </a:spcBef>
+                <a:buFont typeface="Arial" panose="020B0604020202020204" pitchFamily="34" charset="0"/>
+                <a:buChar char="•"/>
+                <a:defRPr kumimoji="1" sz="2800" kern="1200">
+                  <a:solidFill>
+                    <a:schemeClr val="tx1"/>
+                  </a:solidFill>
+                  <a:latin typeface="Meiryo" charset="-128"/>
+                  <a:ea typeface="Meiryo" charset="-128"/>
+                  <a:cs typeface="Meiryo" charset="-128"/>
+                </a:defRPr>
+              </a:lvl2pPr>
+              <a:lvl3pPr marL="1143000" indent="-228600" algn="l" defTabSz="914400" rtl="0" eaLnBrk="1" latinLnBrk="0" hangingPunct="1">
+                <a:lnSpc>
+                  <a:spcPct val="200000"/>
+                </a:lnSpc>
+                <a:spcBef>
+                  <a:spcPts val="500"/>
+                </a:spcBef>
+                <a:buFont typeface="Arial" panose="020B0604020202020204" pitchFamily="34" charset="0"/>
+                <a:buChar char="•"/>
+                <a:defRPr kumimoji="1" sz="2400" kern="1200">
+                  <a:solidFill>
+                    <a:schemeClr val="tx1"/>
+                  </a:solidFill>
+                  <a:latin typeface="Meiryo" charset="-128"/>
+                  <a:ea typeface="Meiryo" charset="-128"/>
+                  <a:cs typeface="Meiryo" charset="-128"/>
+                </a:defRPr>
+              </a:lvl3pPr>
+              <a:lvl4pPr marL="1600200" indent="-228600" algn="l" defTabSz="914400" rtl="0" eaLnBrk="1" latinLnBrk="0" hangingPunct="1">
+                <a:lnSpc>
+                  <a:spcPct val="200000"/>
+                </a:lnSpc>
+                <a:spcBef>
+                  <a:spcPts val="500"/>
+                </a:spcBef>
+                <a:buFont typeface="Arial" panose="020B0604020202020204" pitchFamily="34" charset="0"/>
+                <a:buChar char="•"/>
+                <a:defRPr kumimoji="1" sz="2000" kern="1200">
+                  <a:solidFill>
+                    <a:schemeClr val="tx1"/>
+                  </a:solidFill>
+                  <a:latin typeface="Meiryo" charset="-128"/>
+                  <a:ea typeface="Meiryo" charset="-128"/>
+                  <a:cs typeface="Meiryo" charset="-128"/>
+                </a:defRPr>
+              </a:lvl4pPr>
+              <a:lvl5pPr marL="2057400" indent="-228600" algn="l" defTabSz="914400" rtl="0" eaLnBrk="1" latinLnBrk="0" hangingPunct="1">
+                <a:lnSpc>
+                  <a:spcPct val="200000"/>
+                </a:lnSpc>
+                <a:spcBef>
+                  <a:spcPts val="500"/>
+                </a:spcBef>
+                <a:buFont typeface="Arial" panose="020B0604020202020204" pitchFamily="34" charset="0"/>
+                <a:buChar char="•"/>
+                <a:defRPr kumimoji="1" sz="2000" kern="1200">
+                  <a:solidFill>
+                    <a:schemeClr val="tx1"/>
+                  </a:solidFill>
+                  <a:latin typeface="Meiryo" charset="-128"/>
+                  <a:ea typeface="Meiryo" charset="-128"/>
+                  <a:cs typeface="Meiryo" charset="-128"/>
+                </a:defRPr>
+              </a:lvl5pPr>
+              <a:lvl6pPr marL="2514600" indent="-228600" algn="l" defTabSz="914400" rtl="0" eaLnBrk="1" latinLnBrk="0" hangingPunct="1">
+                <a:lnSpc>
+                  <a:spcPct val="90000"/>
+                </a:lnSpc>
+                <a:spcBef>
+                  <a:spcPts val="500"/>
+                </a:spcBef>
+                <a:buFont typeface="Arial" panose="020B0604020202020204" pitchFamily="34" charset="0"/>
+                <a:buChar char="•"/>
+                <a:defRPr kumimoji="1" sz="1800" kern="1200">
+                  <a:solidFill>
+                    <a:schemeClr val="tx1"/>
+                  </a:solidFill>
+                  <a:latin typeface="+mn-lt"/>
+                  <a:ea typeface="+mn-ea"/>
+                  <a:cs typeface="+mn-cs"/>
+                </a:defRPr>
+              </a:lvl6pPr>
+              <a:lvl7pPr marL="2971800" indent="-228600" algn="l" defTabSz="914400" rtl="0" eaLnBrk="1" latinLnBrk="0" hangingPunct="1">
+                <a:lnSpc>
+                  <a:spcPct val="90000"/>
+                </a:lnSpc>
+                <a:spcBef>
+                  <a:spcPts val="500"/>
+                </a:spcBef>
+                <a:buFont typeface="Arial" panose="020B0604020202020204" pitchFamily="34" charset="0"/>
+                <a:buChar char="•"/>
+                <a:defRPr kumimoji="1" sz="1800" kern="1200">
+                  <a:solidFill>
+                    <a:schemeClr val="tx1"/>
+                  </a:solidFill>
+                  <a:latin typeface="+mn-lt"/>
+                  <a:ea typeface="+mn-ea"/>
+                  <a:cs typeface="+mn-cs"/>
+                </a:defRPr>
+              </a:lvl7pPr>
+              <a:lvl8pPr marL="3429000" indent="-228600" algn="l" defTabSz="914400" rtl="0" eaLnBrk="1" latinLnBrk="0" hangingPunct="1">
+                <a:lnSpc>
+                  <a:spcPct val="90000"/>
+                </a:lnSpc>
+                <a:spcBef>
+                  <a:spcPts val="500"/>
+                </a:spcBef>
+                <a:buFont typeface="Arial" panose="020B0604020202020204" pitchFamily="34" charset="0"/>
+                <a:buChar char="•"/>
+                <a:defRPr kumimoji="1" sz="1800" kern="1200">
+                  <a:solidFill>
+                    <a:schemeClr val="tx1"/>
+                  </a:solidFill>
+                  <a:latin typeface="+mn-lt"/>
+                  <a:ea typeface="+mn-ea"/>
+                  <a:cs typeface="+mn-cs"/>
+                </a:defRPr>
+              </a:lvl8pPr>
+              <a:lvl9pPr marL="3886200" indent="-228600" algn="l" defTabSz="914400" rtl="0" eaLnBrk="1" latinLnBrk="0" hangingPunct="1">
+                <a:lnSpc>
+                  <a:spcPct val="90000"/>
+                </a:lnSpc>
+                <a:spcBef>
+                  <a:spcPts val="500"/>
+                </a:spcBef>
+                <a:buFont typeface="Arial" panose="020B0604020202020204" pitchFamily="34" charset="0"/>
+                <a:buChar char="•"/>
+                <a:defRPr kumimoji="1" sz="1800" kern="1200">
+                  <a:solidFill>
+                    <a:schemeClr val="tx1"/>
+                  </a:solidFill>
+                  <a:latin typeface="+mn-lt"/>
+                  <a:ea typeface="+mn-ea"/>
+                  <a:cs typeface="+mn-cs"/>
+                </a:defRPr>
+              </a:lvl9pPr>
+            </a:lstStyle>
+            <a:p>
+              <a:pPr marL="0" indent="0">
+                <a:lnSpc>
+                  <a:spcPct val="100000"/>
+                </a:lnSpc>
+                <a:spcBef>
+                  <a:spcPts val="0"/>
+                </a:spcBef>
+                <a:buFontTx/>
+                <a:buNone/>
+                <a:defRPr/>
+              </a:pPr>
+              <a:r>
+                <a:rPr lang="ja-JP" altLang="en-US" sz="2400" dirty="0" smtClean="0"/>
+                <a:t>を</a:t>
+              </a:r>
+              <a:r>
+                <a:rPr lang="ja-JP" altLang="en-US" sz="2400" b="1" dirty="0" smtClean="0"/>
+                <a:t>対数尤度</a:t>
+              </a:r>
+              <a:r>
+                <a:rPr lang="ja-JP" altLang="en-US" sz="2400" dirty="0" smtClean="0"/>
+                <a:t>と呼ぶとすると</a:t>
+              </a:r>
+              <a:r>
+                <a:rPr lang="en-US" altLang="ja-JP" sz="2400" dirty="0" smtClean="0"/>
+                <a:t> </a:t>
+              </a:r>
+              <a:r>
+                <a:rPr lang="en-US" altLang="ja-JP" sz="2400" i="1" dirty="0" smtClean="0">
+                  <a:latin typeface="Times New Roman" charset="0"/>
+                  <a:ea typeface="Times New Roman" charset="0"/>
+                  <a:cs typeface="Times New Roman" charset="0"/>
+                </a:rPr>
+                <a:t>n</a:t>
+              </a:r>
+              <a:r>
+                <a:rPr lang="en-US" altLang="ja-JP" sz="2400" dirty="0" smtClean="0"/>
+                <a:t> </a:t>
+              </a:r>
+              <a:r>
+                <a:rPr lang="ja-JP" altLang="en-US" sz="2400" dirty="0" smtClean="0"/>
+                <a:t>個のデータの平均対数尤度は</a:t>
+              </a:r>
+              <a:endParaRPr lang="ja-JP" altLang="en-US" sz="2400" dirty="0"/>
+            </a:p>
+          </p:txBody>
+        </p:sp>
+        <p:pic>
+          <p:nvPicPr>
+            <p:cNvPr id="5" name="図 4"/>
+            <p:cNvPicPr>
+              <a:picLocks noChangeAspect="1"/>
+            </p:cNvPicPr>
+            <p:nvPr/>
+          </p:nvPicPr>
+          <p:blipFill>
+            <a:blip r:embed="rId4"/>
+            <a:stretch>
+              <a:fillRect/>
+            </a:stretch>
+          </p:blipFill>
+          <p:spPr>
+            <a:xfrm>
+              <a:off x="114953" y="5076567"/>
+              <a:ext cx="1745488" cy="919167"/>
+            </a:xfrm>
+            <a:prstGeom prst="rect">
+              <a:avLst/>
+            </a:prstGeom>
+          </p:spPr>
+        </p:pic>
+        <p:pic>
+          <p:nvPicPr>
+            <p:cNvPr id="7" name="図 6"/>
+            <p:cNvPicPr>
+              <a:picLocks noChangeAspect="1"/>
+            </p:cNvPicPr>
+            <p:nvPr/>
+          </p:nvPicPr>
+          <p:blipFill>
+            <a:blip r:embed="rId5"/>
+            <a:stretch>
+              <a:fillRect/>
+            </a:stretch>
+          </p:blipFill>
+          <p:spPr>
+            <a:xfrm>
+              <a:off x="10109481" y="5100425"/>
+              <a:ext cx="1945359" cy="871450"/>
+            </a:xfrm>
+            <a:prstGeom prst="rect">
+              <a:avLst/>
+            </a:prstGeom>
+          </p:spPr>
+        </p:pic>
+      </p:grpSp>
+      <p:sp>
+        <p:nvSpPr>
+          <p:cNvPr id="14" name="テキスト ボックス 13"/>
+          <p:cNvSpPr txBox="1"/>
+          <p:nvPr/>
+        </p:nvSpPr>
+        <p:spPr>
+          <a:xfrm>
+            <a:off x="1859165" y="6314322"/>
+            <a:ext cx="8392041" cy="461665"/>
+          </a:xfrm>
+          <a:prstGeom prst="rect">
+            <a:avLst/>
+          </a:prstGeom>
+          <a:noFill/>
+        </p:spPr>
+        <p:txBody>
+          <a:bodyPr wrap="none" rtlCol="0">
+            <a:spAutoFit/>
+          </a:bodyPr>
+          <a:lstStyle/>
+          <a:p>
+            <a:r>
+              <a:rPr lang="ja-JP" altLang="en-US" sz="2400" b="1" dirty="0" smtClean="0">
+                <a:latin typeface="Meiryo" charset="-128"/>
+                <a:ea typeface="Meiryo" charset="-128"/>
+                <a:cs typeface="Meiryo" charset="-128"/>
+              </a:rPr>
+              <a:t>対数尤度が大きければおおきいほど，</a:t>
+            </a:r>
+            <a:r>
+              <a:rPr lang="en-US" altLang="ja-JP" sz="2400" b="1" dirty="0" smtClean="0">
+                <a:latin typeface="Meiryo" charset="-128"/>
+                <a:ea typeface="Meiryo" charset="-128"/>
+                <a:cs typeface="Meiryo" charset="-128"/>
+              </a:rPr>
+              <a:t>K-L</a:t>
+            </a:r>
+            <a:r>
+              <a:rPr lang="ja-JP" altLang="en-US" sz="2400" b="1" dirty="0" smtClean="0">
+                <a:latin typeface="Meiryo" charset="-128"/>
+                <a:ea typeface="Meiryo" charset="-128"/>
+                <a:cs typeface="Meiryo" charset="-128"/>
+              </a:rPr>
+              <a:t>情報量が大きい！</a:t>
+            </a:r>
+            <a:endParaRPr lang="en-US" altLang="ja-JP" sz="2400" b="1" dirty="0" smtClean="0">
               <a:latin typeface="Meiryo" charset="-128"/>
               <a:ea typeface="Meiryo" charset="-128"/>
               <a:cs typeface="Meiryo" charset="-128"/>
@@ -6546,10 +5920,17 @@
   <p:clrMapOvr>
     <a:masterClrMapping/>
   </p:clrMapOvr>
+  <p:timing>
+    <p:tnLst>
+      <p:par>
+        <p:cTn id="1" dur="indefinite" restart="never" nodeType="tmRoot"/>
+      </p:par>
+    </p:tnLst>
+  </p:timing>
 </p:sld>
 </file>
 
-<file path=ppt/slides/slide3.xml><?xml version="1.0" encoding="utf-8"?>
+<file path=ppt/slides/slide2.xml><?xml version="1.0" encoding="utf-8"?>
 <p:sld xmlns:a="http://schemas.openxmlformats.org/drawingml/2006/main" xmlns:r="http://schemas.openxmlformats.org/officeDocument/2006/relationships" xmlns:p="http://schemas.openxmlformats.org/presentationml/2006/main">
   <p:cSld>
     <p:spTree>
@@ -6576,14 +5957,11 @@
             <p:ph type="title"/>
           </p:nvPr>
         </p:nvSpPr>
-        <p:spPr>
-          <a:xfrm>
-            <a:off x="838200" y="193072"/>
-            <a:ext cx="10515600" cy="636925"/>
-          </a:xfrm>
-        </p:spPr>
+        <p:spPr/>
         <p:txBody>
-          <a:bodyPr/>
+          <a:bodyPr>
+            <a:normAutofit/>
+          </a:bodyPr>
           <a:lstStyle/>
           <a:p>
             <a:r>
@@ -6606,216 +5984,161 @@
         </p:nvSpPr>
         <p:spPr>
           <a:xfrm>
-            <a:off x="252247" y="1184611"/>
-            <a:ext cx="11540359" cy="3009018"/>
+            <a:off x="165538" y="998483"/>
+            <a:ext cx="11188262" cy="5859517"/>
           </a:xfrm>
         </p:spPr>
         <p:txBody>
-          <a:bodyPr/>
+          <a:bodyPr anchor="ctr">
+            <a:normAutofit/>
+          </a:bodyPr>
           <a:lstStyle/>
           <a:p>
-            <a:pPr marL="0" marR="0" lvl="0" indent="0" defTabSz="914400" eaLnBrk="1" fontAlgn="auto" latinLnBrk="0" hangingPunct="1">
+            <a:pPr marL="0" indent="0">
               <a:spcBef>
                 <a:spcPts val="0"/>
               </a:spcBef>
-              <a:spcAft>
-                <a:spcPts val="0"/>
-              </a:spcAft>
-              <a:buClrTx/>
-              <a:buSzTx/>
-              <a:buFontTx/>
               <a:buNone/>
-              <a:tabLst/>
-              <a:defRPr/>
             </a:pPr>
             <a:r>
-              <a:rPr kumimoji="1" lang="ja-JP" altLang="en-US" dirty="0" smtClean="0"/>
-              <a:t>クラスタ数推定・クラスタリングを行う手法 </a:t>
-            </a:r>
-            <a:r>
-              <a:rPr lang="en-US" altLang="ja-JP" dirty="0" smtClean="0"/>
-              <a:t>”</a:t>
-            </a:r>
-            <a:r>
-              <a:rPr lang="en-US" altLang="ja-JP" b="1" dirty="0" smtClean="0"/>
-              <a:t>X-means</a:t>
-            </a:r>
-            <a:r>
-              <a:rPr lang="en-US" altLang="ja-JP" dirty="0" smtClean="0"/>
-              <a:t>”</a:t>
-            </a:r>
-            <a:endParaRPr kumimoji="1" lang="en-US" altLang="ja-JP" dirty="0" smtClean="0"/>
-          </a:p>
-          <a:p>
-            <a:pPr marR="0" lvl="0" defTabSz="914400" eaLnBrk="1" fontAlgn="auto" latinLnBrk="0" hangingPunct="1">
+              <a:rPr kumimoji="1" lang="ja-JP" altLang="en-US" b="1" dirty="0" smtClean="0"/>
+              <a:t>クラスタリング</a:t>
+            </a:r>
+            <a:endParaRPr kumimoji="1" lang="en-US" altLang="ja-JP" b="1" dirty="0" smtClean="0"/>
+          </a:p>
+          <a:p>
+            <a:pPr>
               <a:spcBef>
                 <a:spcPts val="0"/>
               </a:spcBef>
-              <a:spcAft>
-                <a:spcPts val="0"/>
-              </a:spcAft>
-              <a:buClrTx/>
-              <a:buSzTx/>
               <a:buFont typeface="Wingdings" charset="2"/>
               <a:buChar char="u"/>
-              <a:tabLst/>
-              <a:defRPr/>
             </a:pPr>
             <a:r>
+              <a:rPr lang="ja-JP" altLang="en-US" dirty="0"/>
+              <a:t> </a:t>
+            </a:r>
+            <a:r>
               <a:rPr lang="ja-JP" altLang="en-US" dirty="0" smtClean="0"/>
-              <a:t> データが混合等方</a:t>
-            </a:r>
-            <a:r>
-              <a:rPr lang="en-US" altLang="ja-JP" dirty="0" smtClean="0"/>
-              <a:t>Gauss</a:t>
-            </a:r>
-            <a:r>
-              <a:rPr lang="ja-JP" altLang="en-US" dirty="0" smtClean="0"/>
-              <a:t>分布から生成されたと想定</a:t>
+              <a:t>データを任意の数のクラスタにわける手法</a:t>
             </a:r>
             <a:endParaRPr lang="en-US" altLang="ja-JP" dirty="0" smtClean="0"/>
           </a:p>
           <a:p>
-            <a:pPr marR="0" lvl="0" defTabSz="914400" eaLnBrk="1" fontAlgn="auto" latinLnBrk="0" hangingPunct="1">
+            <a:pPr>
               <a:spcBef>
                 <a:spcPts val="0"/>
               </a:spcBef>
-              <a:spcAft>
-                <a:spcPts val="0"/>
-              </a:spcAft>
-              <a:buClrTx/>
-              <a:buSzTx/>
               <a:buFont typeface="Wingdings" charset="2"/>
               <a:buChar char="u"/>
-              <a:tabLst/>
-              <a:defRPr/>
             </a:pPr>
             <a:r>
+              <a:rPr lang="ja-JP" altLang="en-US" dirty="0"/>
+              <a:t> </a:t>
+            </a:r>
+            <a:r>
               <a:rPr lang="ja-JP" altLang="en-US" dirty="0" smtClean="0"/>
+              <a:t>データ解析・画像処理などで利用</a:t>
+            </a:r>
+            <a:endParaRPr lang="en-US" altLang="ja-JP" dirty="0" smtClean="0"/>
+          </a:p>
+          <a:p>
+            <a:pPr>
+              <a:spcBef>
+                <a:spcPts val="0"/>
+              </a:spcBef>
+              <a:buFont typeface="Wingdings" charset="2"/>
+              <a:buChar char="u"/>
+            </a:pPr>
+            <a:r>
+              <a:rPr lang="ja-JP" altLang="en-US" dirty="0"/>
               <a:t> </a:t>
             </a:r>
             <a:r>
+              <a:rPr lang="en-US" altLang="ja-JP" b="1" i="1" dirty="0" smtClean="0">
+                <a:latin typeface="Times New Roman" charset="0"/>
+                <a:ea typeface="Times New Roman" charset="0"/>
+                <a:cs typeface="Times New Roman" charset="0"/>
+              </a:rPr>
+              <a:t>k</a:t>
+            </a:r>
+            <a:r>
+              <a:rPr lang="en-US" altLang="ja-JP" b="1" dirty="0" smtClean="0">
+                <a:latin typeface="Times New Roman" charset="0"/>
+                <a:ea typeface="Times New Roman" charset="0"/>
+                <a:cs typeface="Times New Roman" charset="0"/>
+              </a:rPr>
+              <a:t>-means</a:t>
+            </a:r>
+            <a:r>
               <a:rPr lang="ja-JP" altLang="en-US" b="1" dirty="0" smtClean="0"/>
-              <a:t>情報量規準</a:t>
-            </a:r>
-            <a:r>
-              <a:rPr lang="ja-JP" altLang="en-US" dirty="0" smtClean="0"/>
-              <a:t>と呼ばれる指標によりクラスタ数推定</a:t>
+              <a:t>ではクラスタ数を事前に</a:t>
+            </a:r>
+            <a:r>
+              <a:rPr lang="ja-JP" altLang="en-US" b="1" dirty="0" smtClean="0"/>
+              <a:t>指定してクラスタリング</a:t>
+            </a:r>
+            <a:r>
+              <a:rPr lang="en-US" altLang="ja-JP" b="1" dirty="0" smtClean="0"/>
+              <a:t/>
+            </a:r>
+            <a:br>
+              <a:rPr lang="en-US" altLang="ja-JP" b="1" dirty="0" smtClean="0"/>
+            </a:br>
+            <a:r>
+              <a:rPr kumimoji="1" lang="ja-JP" altLang="en-US" dirty="0" smtClean="0"/>
+              <a:t>⇒ </a:t>
+            </a:r>
+            <a:r>
+              <a:rPr kumimoji="1" lang="ja-JP" altLang="en-US" dirty="0" smtClean="0"/>
+              <a:t>クラスタ数が未知の場合「</a:t>
+            </a:r>
+            <a:r>
+              <a:rPr kumimoji="1" lang="ja-JP" altLang="en-US" b="1" dirty="0" smtClean="0"/>
+              <a:t>クラスタ数推定</a:t>
+            </a:r>
+            <a:r>
+              <a:rPr kumimoji="1" lang="ja-JP" altLang="en-US" dirty="0" smtClean="0"/>
+              <a:t>」が必要</a:t>
             </a:r>
             <a:endParaRPr kumimoji="1" lang="ja-JP" altLang="en-US" dirty="0"/>
           </a:p>
         </p:txBody>
       </p:sp>
-      <p:sp>
-        <p:nvSpPr>
-          <p:cNvPr id="4" name="正方形/長方形 3"/>
-          <p:cNvSpPr/>
+      <p:pic>
+        <p:nvPicPr>
+          <p:cNvPr id="4" name="図 3"/>
+          <p:cNvPicPr>
+            <a:picLocks noChangeAspect="1"/>
+          </p:cNvPicPr>
           <p:nvPr/>
-        </p:nvSpPr>
+        </p:nvPicPr>
+        <p:blipFill>
+          <a:blip r:embed="rId2">
+            <a:extLst>
+              <a:ext uri="{28A0092B-C50C-407E-A947-70E740481C1C}">
+                <a14:useLocalDpi xmlns:a14="http://schemas.microsoft.com/office/drawing/2010/main" val="0"/>
+              </a:ext>
+            </a:extLst>
+          </a:blip>
+          <a:stretch>
+            <a:fillRect/>
+          </a:stretch>
+        </p:blipFill>
         <p:spPr>
           <a:xfrm>
-            <a:off x="0" y="4390587"/>
-            <a:ext cx="12192000" cy="2309757"/>
+            <a:off x="8490308" y="1646323"/>
+            <a:ext cx="3701692" cy="2776269"/>
           </a:xfrm>
           <a:prstGeom prst="rect">
             <a:avLst/>
           </a:prstGeom>
-          <a:solidFill>
-            <a:schemeClr val="bg2">
-              <a:lumMod val="90000"/>
-            </a:schemeClr>
-          </a:solidFill>
-          <a:ln>
-            <a:noFill/>
-          </a:ln>
         </p:spPr>
-        <p:style>
-          <a:lnRef idx="2">
-            <a:schemeClr val="accent1">
-              <a:shade val="50000"/>
-            </a:schemeClr>
-          </a:lnRef>
-          <a:fillRef idx="1">
-            <a:schemeClr val="accent1"/>
-          </a:fillRef>
-          <a:effectRef idx="0">
-            <a:schemeClr val="accent1"/>
-          </a:effectRef>
-          <a:fontRef idx="minor">
-            <a:schemeClr val="lt1"/>
-          </a:fontRef>
-        </p:style>
-        <p:txBody>
-          <a:bodyPr rtlCol="0" anchor="ctr"/>
-          <a:lstStyle/>
-          <a:p>
-            <a:pPr algn="ctr">
-              <a:lnSpc>
-                <a:spcPct val="150000"/>
-              </a:lnSpc>
-            </a:pPr>
-            <a:r>
-              <a:rPr kumimoji="1" lang="ja-JP" altLang="en-US" sz="2800" b="1" dirty="0" smtClean="0">
-                <a:solidFill>
-                  <a:schemeClr val="accent1">
-                    <a:lumMod val="75000"/>
-                  </a:schemeClr>
-                </a:solidFill>
-                <a:latin typeface="Meiryo" charset="-128"/>
-                <a:ea typeface="Meiryo" charset="-128"/>
-                <a:cs typeface="Meiryo" charset="-128"/>
-              </a:rPr>
-              <a:t>情報量規準</a:t>
-            </a:r>
-            <a:endParaRPr kumimoji="1" lang="en-US" altLang="ja-JP" sz="2800" b="1" dirty="0" smtClean="0">
-              <a:solidFill>
-                <a:schemeClr val="accent1">
-                  <a:lumMod val="75000"/>
-                </a:schemeClr>
-              </a:solidFill>
-              <a:latin typeface="Meiryo" charset="-128"/>
-              <a:ea typeface="Meiryo" charset="-128"/>
-              <a:cs typeface="Meiryo" charset="-128"/>
-            </a:endParaRPr>
-          </a:p>
-          <a:p>
-            <a:pPr algn="ctr">
-              <a:lnSpc>
-                <a:spcPct val="150000"/>
-              </a:lnSpc>
-            </a:pPr>
-            <a:r>
-              <a:rPr kumimoji="1" lang="ja-JP" altLang="en-US" sz="2800" b="1" dirty="0" smtClean="0">
-                <a:solidFill>
-                  <a:schemeClr val="tx1">
-                    <a:lumMod val="75000"/>
-                    <a:lumOff val="25000"/>
-                  </a:schemeClr>
-                </a:solidFill>
-                <a:latin typeface="Meiryo" charset="-128"/>
-                <a:ea typeface="Meiryo" charset="-128"/>
-                <a:cs typeface="Meiryo" charset="-128"/>
-              </a:rPr>
-              <a:t>想定した確率分布（モデル）とデータの当てはまりの良さを表す指標</a:t>
-            </a:r>
-            <a:endParaRPr kumimoji="1" lang="en-US" altLang="ja-JP" sz="2800" b="1" dirty="0" smtClean="0">
-              <a:solidFill>
-                <a:schemeClr val="tx1">
-                  <a:lumMod val="75000"/>
-                  <a:lumOff val="25000"/>
-                </a:schemeClr>
-              </a:solidFill>
-              <a:latin typeface="Meiryo" charset="-128"/>
-              <a:ea typeface="Meiryo" charset="-128"/>
-              <a:cs typeface="Meiryo" charset="-128"/>
-            </a:endParaRPr>
-          </a:p>
-        </p:txBody>
-      </p:sp>
+      </p:pic>
     </p:spTree>
     <p:extLst>
       <p:ext uri="{BB962C8B-B14F-4D97-AF65-F5344CB8AC3E}">
-        <p14:creationId xmlns:p14="http://schemas.microsoft.com/office/powerpoint/2010/main" val="2087143949"/>
+        <p14:creationId xmlns:p14="http://schemas.microsoft.com/office/powerpoint/2010/main" val="1377184672"/>
       </p:ext>
     </p:extLst>
   </p:cSld>
@@ -6832,7 +6155,7 @@
 </p:sld>
 </file>
 
-<file path=ppt/slides/slide4.xml><?xml version="1.0" encoding="utf-8"?>
+<file path=ppt/slides/slide20.xml><?xml version="1.0" encoding="utf-8"?>
 <p:sld xmlns:a="http://schemas.openxmlformats.org/drawingml/2006/main" xmlns:r="http://schemas.openxmlformats.org/officeDocument/2006/relationships" xmlns:p="http://schemas.openxmlformats.org/presentationml/2006/main">
   <p:cSld>
     <p:spTree>
@@ -6865,8 +6188,8 @@
           <a:lstStyle/>
           <a:p>
             <a:r>
-              <a:rPr lang="ja-JP" altLang="en-US" dirty="0" smtClean="0"/>
-              <a:t>目的</a:t>
+              <a:rPr kumimoji="1" lang="ja-JP" altLang="en-US" dirty="0" smtClean="0"/>
+              <a:t>尤度</a:t>
             </a:r>
             <a:endParaRPr kumimoji="1" lang="ja-JP" altLang="en-US" dirty="0"/>
           </a:p>
@@ -6884,51 +6207,346 @@
         </p:nvSpPr>
         <p:spPr>
           <a:xfrm>
-            <a:off x="838200" y="1815232"/>
-            <a:ext cx="10515600" cy="4351338"/>
+            <a:off x="838200" y="1109965"/>
+            <a:ext cx="10515600" cy="5122883"/>
           </a:xfrm>
         </p:spPr>
         <p:txBody>
-          <a:bodyPr anchor="ctr"/>
+          <a:bodyPr/>
           <a:lstStyle/>
           <a:p>
-            <a:pPr marL="0" indent="0" algn="ctr">
+            <a:pPr marL="0" marR="0" lvl="0" indent="0" defTabSz="914400" eaLnBrk="1" fontAlgn="auto" latinLnBrk="0" hangingPunct="1">
               <a:spcBef>
                 <a:spcPts val="0"/>
               </a:spcBef>
+              <a:spcAft>
+                <a:spcPts val="0"/>
+              </a:spcAft>
+              <a:buClrTx/>
+              <a:buSzTx/>
+              <a:buFontTx/>
               <a:buNone/>
+              <a:tabLst/>
+              <a:defRPr/>
             </a:pPr>
             <a:r>
-              <a:rPr lang="ja-JP" altLang="en-US" sz="3600" b="1" dirty="0" smtClean="0"/>
-              <a:t>どの情報量規準</a:t>
-            </a:r>
-            <a:r>
-              <a:rPr lang="ja-JP" altLang="en-US" sz="3600" dirty="0" smtClean="0"/>
-              <a:t>が</a:t>
-            </a:r>
-            <a:r>
-              <a:rPr lang="en-US" altLang="ja-JP" sz="3600" dirty="0" smtClean="0"/>
+              <a:rPr kumimoji="1" lang="ja-JP" altLang="en-US" dirty="0" smtClean="0"/>
+              <a:t>モデルの尤もらしさを表す尺度</a:t>
+            </a:r>
+            <a:endParaRPr kumimoji="1" lang="en-US" altLang="ja-JP" dirty="0" smtClean="0"/>
+          </a:p>
+          <a:p>
+            <a:pPr marL="0" marR="0" lvl="0" indent="0" defTabSz="914400" eaLnBrk="1" fontAlgn="auto" latinLnBrk="0" hangingPunct="1">
+              <a:lnSpc>
+                <a:spcPct val="150000"/>
+              </a:lnSpc>
+              <a:spcBef>
+                <a:spcPts val="0"/>
+              </a:spcBef>
+              <a:spcAft>
+                <a:spcPts val="0"/>
+              </a:spcAft>
+              <a:buClrTx/>
+              <a:buSzTx/>
+              <a:buFontTx/>
+              <a:buNone/>
+              <a:tabLst/>
+              <a:defRPr/>
+            </a:pPr>
+            <a:r>
+              <a:rPr lang="ja-JP" altLang="en-US" dirty="0" smtClean="0"/>
+              <a:t>確率変数 </a:t>
+            </a:r>
+            <a:r>
+              <a:rPr lang="en-US" altLang="ja-JP" dirty="0" smtClean="0">
+                <a:latin typeface="Times New Roman" charset="0"/>
+                <a:ea typeface="Times New Roman" charset="0"/>
+                <a:cs typeface="Times New Roman" charset="0"/>
+              </a:rPr>
+              <a:t>(</a:t>
+            </a:r>
+            <a:r>
+              <a:rPr lang="en-US" altLang="ja-JP" i="1" dirty="0" smtClean="0">
+                <a:latin typeface="Times New Roman" charset="0"/>
+                <a:ea typeface="Times New Roman" charset="0"/>
+                <a:cs typeface="Times New Roman" charset="0"/>
+              </a:rPr>
+              <a:t>X</a:t>
+            </a:r>
+            <a:r>
+              <a:rPr lang="en-US" altLang="ja-JP" baseline="-25000" dirty="0" smtClean="0">
+                <a:latin typeface="Times New Roman" charset="0"/>
+                <a:ea typeface="Times New Roman" charset="0"/>
+                <a:cs typeface="Times New Roman" charset="0"/>
+              </a:rPr>
+              <a:t>1</a:t>
+            </a:r>
+            <a:r>
+              <a:rPr lang="en-US" altLang="ja-JP" dirty="0" smtClean="0">
+                <a:latin typeface="Times New Roman" charset="0"/>
+                <a:ea typeface="Times New Roman" charset="0"/>
+                <a:cs typeface="Times New Roman" charset="0"/>
+              </a:rPr>
+              <a:t>, </a:t>
+            </a:r>
+            <a:r>
+              <a:rPr lang="en-US" altLang="ja-JP" i="1" dirty="0" smtClean="0">
+                <a:latin typeface="Times New Roman" charset="0"/>
+                <a:ea typeface="Times New Roman" charset="0"/>
+                <a:cs typeface="Times New Roman" charset="0"/>
+              </a:rPr>
+              <a:t>X</a:t>
+            </a:r>
+            <a:r>
+              <a:rPr lang="en-US" altLang="ja-JP" baseline="-25000" dirty="0" smtClean="0">
+                <a:latin typeface="Times New Roman" charset="0"/>
+                <a:ea typeface="Times New Roman" charset="0"/>
+                <a:cs typeface="Times New Roman" charset="0"/>
+              </a:rPr>
+              <a:t>2</a:t>
+            </a:r>
+            <a:r>
+              <a:rPr lang="en-US" altLang="ja-JP" dirty="0" smtClean="0">
+                <a:latin typeface="Times New Roman" charset="0"/>
+                <a:ea typeface="Times New Roman" charset="0"/>
+                <a:cs typeface="Times New Roman" charset="0"/>
+              </a:rPr>
+              <a:t>, …, </a:t>
+            </a:r>
+            <a:r>
+              <a:rPr lang="en-US" altLang="ja-JP" i="1" dirty="0" err="1" smtClean="0">
+                <a:latin typeface="Times New Roman" charset="0"/>
+                <a:ea typeface="Times New Roman" charset="0"/>
+                <a:cs typeface="Times New Roman" charset="0"/>
+              </a:rPr>
+              <a:t>X</a:t>
+            </a:r>
+            <a:r>
+              <a:rPr lang="en-US" altLang="ja-JP" i="1" baseline="-25000" dirty="0" err="1" smtClean="0">
+                <a:latin typeface="Times New Roman" charset="0"/>
+                <a:ea typeface="Times New Roman" charset="0"/>
+                <a:cs typeface="Times New Roman" charset="0"/>
+              </a:rPr>
+              <a:t>n</a:t>
+            </a:r>
+            <a:r>
+              <a:rPr lang="en-US" altLang="ja-JP" dirty="0" smtClean="0">
+                <a:latin typeface="Times New Roman" charset="0"/>
+                <a:ea typeface="Times New Roman" charset="0"/>
+                <a:cs typeface="Times New Roman" charset="0"/>
+              </a:rPr>
+              <a:t>)</a:t>
+            </a:r>
+            <a:r>
+              <a:rPr lang="ja-JP" altLang="en-US" dirty="0" smtClean="0">
+                <a:latin typeface="Times New Roman" charset="0"/>
+                <a:ea typeface="Times New Roman" charset="0"/>
+                <a:cs typeface="Times New Roman" charset="0"/>
+              </a:rPr>
+              <a:t>  </a:t>
+            </a:r>
+            <a:r>
+              <a:rPr lang="ja-JP" altLang="en-US" dirty="0" smtClean="0"/>
+              <a:t>（互いに独立）の</a:t>
+            </a:r>
+            <a:r>
+              <a:rPr lang="en-US" altLang="ja-JP" dirty="0" smtClean="0"/>
               <a:t/>
             </a:r>
             <a:br>
-              <a:rPr lang="en-US" altLang="ja-JP" sz="3600" dirty="0" smtClean="0"/>
+              <a:rPr lang="en-US" altLang="ja-JP" dirty="0" smtClean="0"/>
             </a:br>
             <a:r>
-              <a:rPr lang="ja-JP" altLang="en-US" sz="3600" b="1" dirty="0" smtClean="0"/>
-              <a:t>どのようなデータに対して最適か</a:t>
-            </a:r>
-            <a:r>
-              <a:rPr lang="ja-JP" altLang="en-US" sz="3600" dirty="0" smtClean="0"/>
-              <a:t>明らかにする</a:t>
-            </a:r>
-            <a:endParaRPr kumimoji="1" lang="ja-JP" altLang="en-US" sz="3600" dirty="0"/>
+              <a:rPr lang="ja-JP" altLang="en-US" dirty="0" smtClean="0"/>
+              <a:t>同時確率密度関数が</a:t>
+            </a:r>
+            <a:r>
+              <a:rPr lang="en-US" altLang="ja-JP" dirty="0" smtClean="0"/>
+              <a:t> </a:t>
+            </a:r>
+            <a:r>
+              <a:rPr lang="en-US" altLang="ja-JP" i="1" dirty="0" smtClean="0">
+                <a:latin typeface="Times New Roman" charset="0"/>
+                <a:ea typeface="Times New Roman" charset="0"/>
+                <a:cs typeface="Times New Roman" charset="0"/>
+              </a:rPr>
+              <a:t>f </a:t>
+            </a:r>
+            <a:r>
+              <a:rPr lang="en-US" altLang="ja-JP" dirty="0" smtClean="0">
+                <a:latin typeface="Times New Roman" charset="0"/>
+                <a:ea typeface="Times New Roman" charset="0"/>
+                <a:cs typeface="Times New Roman" charset="0"/>
+              </a:rPr>
+              <a:t>(</a:t>
+            </a:r>
+            <a:r>
+              <a:rPr lang="en-US" altLang="ja-JP" i="1" dirty="0" smtClean="0">
+                <a:latin typeface="Times New Roman" charset="0"/>
+                <a:ea typeface="Times New Roman" charset="0"/>
+                <a:cs typeface="Times New Roman" charset="0"/>
+              </a:rPr>
+              <a:t>x</a:t>
+            </a:r>
+            <a:r>
+              <a:rPr lang="en-US" altLang="ja-JP" baseline="-25000" dirty="0" smtClean="0">
+                <a:latin typeface="Times New Roman" charset="0"/>
+                <a:ea typeface="Times New Roman" charset="0"/>
+                <a:cs typeface="Times New Roman" charset="0"/>
+              </a:rPr>
+              <a:t>1</a:t>
+            </a:r>
+            <a:r>
+              <a:rPr lang="en-US" altLang="ja-JP" dirty="0" smtClean="0">
+                <a:latin typeface="Times New Roman" charset="0"/>
+                <a:ea typeface="Times New Roman" charset="0"/>
+                <a:cs typeface="Times New Roman" charset="0"/>
+              </a:rPr>
+              <a:t>, </a:t>
+            </a:r>
+            <a:r>
+              <a:rPr lang="en-US" altLang="ja-JP" i="1" dirty="0" smtClean="0">
+                <a:latin typeface="Times New Roman" charset="0"/>
+                <a:ea typeface="Times New Roman" charset="0"/>
+                <a:cs typeface="Times New Roman" charset="0"/>
+              </a:rPr>
+              <a:t>x</a:t>
+            </a:r>
+            <a:r>
+              <a:rPr lang="en-US" altLang="ja-JP" baseline="-25000" dirty="0" smtClean="0">
+                <a:latin typeface="Times New Roman" charset="0"/>
+                <a:ea typeface="Times New Roman" charset="0"/>
+                <a:cs typeface="Times New Roman" charset="0"/>
+              </a:rPr>
+              <a:t>2</a:t>
+            </a:r>
+            <a:r>
+              <a:rPr lang="en-US" altLang="ja-JP" dirty="0" smtClean="0">
+                <a:latin typeface="Times New Roman" charset="0"/>
+                <a:ea typeface="Times New Roman" charset="0"/>
+                <a:cs typeface="Times New Roman" charset="0"/>
+              </a:rPr>
+              <a:t>, …, </a:t>
+            </a:r>
+            <a:r>
+              <a:rPr lang="en-US" altLang="ja-JP" i="1" dirty="0" err="1" smtClean="0">
+                <a:latin typeface="Times New Roman" charset="0"/>
+                <a:ea typeface="Times New Roman" charset="0"/>
+                <a:cs typeface="Times New Roman" charset="0"/>
+              </a:rPr>
+              <a:t>x</a:t>
+            </a:r>
+            <a:r>
+              <a:rPr lang="en-US" altLang="ja-JP" i="1" baseline="-25000" dirty="0" err="1" smtClean="0">
+                <a:latin typeface="Times New Roman" charset="0"/>
+                <a:ea typeface="Times New Roman" charset="0"/>
+                <a:cs typeface="Times New Roman" charset="0"/>
+              </a:rPr>
+              <a:t>n</a:t>
+            </a:r>
+            <a:r>
+              <a:rPr lang="en-US" altLang="ja-JP" dirty="0" smtClean="0">
+                <a:latin typeface="Times New Roman" charset="0"/>
+                <a:ea typeface="Times New Roman" charset="0"/>
+                <a:cs typeface="Times New Roman" charset="0"/>
+              </a:rPr>
+              <a:t> | </a:t>
+            </a:r>
+            <a:r>
+              <a:rPr lang="en-US" altLang="ja-JP" i="1" dirty="0" err="1" smtClean="0">
+                <a:latin typeface="Times New Roman" charset="0"/>
+                <a:ea typeface="Times New Roman" charset="0"/>
+                <a:cs typeface="Times New Roman" charset="0"/>
+              </a:rPr>
+              <a:t>θ</a:t>
+            </a:r>
+            <a:r>
+              <a:rPr lang="en-US" altLang="ja-JP" dirty="0" smtClean="0">
+                <a:latin typeface="Times New Roman" charset="0"/>
+                <a:ea typeface="Times New Roman" charset="0"/>
+                <a:cs typeface="Times New Roman" charset="0"/>
+              </a:rPr>
+              <a:t>) </a:t>
+            </a:r>
+            <a:r>
+              <a:rPr lang="ja-JP" altLang="en-US" dirty="0" smtClean="0"/>
+              <a:t>として，</a:t>
+            </a:r>
+            <a:r>
+              <a:rPr lang="en-US" altLang="ja-JP" dirty="0" smtClean="0"/>
+              <a:t/>
+            </a:r>
+            <a:br>
+              <a:rPr lang="en-US" altLang="ja-JP" dirty="0" smtClean="0"/>
+            </a:br>
+            <a:r>
+              <a:rPr lang="en-US" altLang="ja-JP" i="1" dirty="0" smtClean="0">
+                <a:latin typeface="Times New Roman" charset="0"/>
+                <a:ea typeface="Times New Roman" charset="0"/>
+                <a:cs typeface="Times New Roman" charset="0"/>
+              </a:rPr>
+              <a:t>f  </a:t>
+            </a:r>
+            <a:r>
+              <a:rPr lang="ja-JP" altLang="en-US" dirty="0" smtClean="0"/>
+              <a:t>をパラメータ</a:t>
+            </a:r>
+            <a:r>
+              <a:rPr lang="en-US" altLang="ja-JP" dirty="0" smtClean="0"/>
+              <a:t> </a:t>
+            </a:r>
+            <a:r>
+              <a:rPr lang="en-US" altLang="ja-JP" i="1" dirty="0" err="1" smtClean="0">
+                <a:latin typeface="Times New Roman" charset="0"/>
+                <a:ea typeface="Times New Roman" charset="0"/>
+                <a:cs typeface="Times New Roman" charset="0"/>
+              </a:rPr>
+              <a:t>θ</a:t>
+            </a:r>
+            <a:r>
+              <a:rPr lang="en-US" altLang="ja-JP" i="1" dirty="0" smtClean="0">
+                <a:latin typeface="Times New Roman" charset="0"/>
+                <a:ea typeface="Times New Roman" charset="0"/>
+                <a:cs typeface="Times New Roman" charset="0"/>
+              </a:rPr>
+              <a:t> </a:t>
+            </a:r>
+            <a:r>
+              <a:rPr lang="ja-JP" altLang="en-US" dirty="0" smtClean="0"/>
+              <a:t>の関数と考えたときの関数</a:t>
+            </a:r>
+            <a:endParaRPr kumimoji="1" lang="ja-JP" altLang="en-US" dirty="0"/>
           </a:p>
         </p:txBody>
       </p:sp>
+      <p:pic>
+        <p:nvPicPr>
+          <p:cNvPr id="5" name="図 4"/>
+          <p:cNvPicPr>
+            <a:picLocks noChangeAspect="1"/>
+          </p:cNvPicPr>
+          <p:nvPr/>
+        </p:nvPicPr>
+        <p:blipFill>
+          <a:blip r:embed="rId2"/>
+          <a:stretch>
+            <a:fillRect/>
+          </a:stretch>
+        </p:blipFill>
+        <p:spPr>
+          <a:xfrm>
+            <a:off x="3397250" y="4678716"/>
+            <a:ext cx="5397500" cy="1993900"/>
+          </a:xfrm>
+          <a:prstGeom prst="rect">
+            <a:avLst/>
+          </a:prstGeom>
+        </p:spPr>
+      </p:pic>
     </p:spTree>
     <p:extLst>
       <p:ext uri="{BB962C8B-B14F-4D97-AF65-F5344CB8AC3E}">
-        <p14:creationId xmlns:p14="http://schemas.microsoft.com/office/powerpoint/2010/main" val="2095859735"/>
+        <p14:creationId xmlns:p14="http://schemas.microsoft.com/office/powerpoint/2010/main" val="585852389"/>
       </p:ext>
     </p:extLst>
   </p:cSld>
@@ -6945,7 +6563,7 @@
 </p:sld>
 </file>
 
-<file path=ppt/slides/slide5.xml><?xml version="1.0" encoding="utf-8"?>
+<file path=ppt/slides/slide21.xml><?xml version="1.0" encoding="utf-8"?>
 <p:sld xmlns:a="http://schemas.openxmlformats.org/drawingml/2006/main" xmlns:r="http://schemas.openxmlformats.org/officeDocument/2006/relationships" xmlns:p="http://schemas.openxmlformats.org/presentationml/2006/main">
   <p:cSld>
     <p:spTree>
@@ -6978,260 +6596,142 @@
           <a:lstStyle/>
           <a:p>
             <a:r>
-              <a:rPr lang="en-US" altLang="ja-JP" i="1" dirty="0"/>
-              <a:t>k</a:t>
-            </a:r>
-            <a:r>
-              <a:rPr kumimoji="1" lang="en-US" altLang="ja-JP" dirty="0" smtClean="0"/>
-              <a:t>-means</a:t>
+              <a:rPr kumimoji="1" lang="ja-JP" altLang="en-US" dirty="0" smtClean="0"/>
+              <a:t>対数尤度関数</a:t>
+            </a:r>
+            <a:r>
+              <a:rPr lang="ja-JP" altLang="en-US" dirty="0" smtClean="0"/>
+              <a:t>・最尤法</a:t>
             </a:r>
             <a:endParaRPr kumimoji="1" lang="ja-JP" altLang="en-US" dirty="0"/>
           </a:p>
         </p:txBody>
       </p:sp>
-      <p:pic>
-        <p:nvPicPr>
-          <p:cNvPr id="4" name="コンテンツ プレースホルダー 3"/>
-          <p:cNvPicPr>
-            <a:picLocks noGrp="1" noChangeAspect="1"/>
-          </p:cNvPicPr>
-          <p:nvPr>
-            <p:ph idx="1"/>
-          </p:nvPr>
-        </p:nvPicPr>
-        <p:blipFill>
-          <a:blip r:embed="rId2"/>
-          <a:stretch>
-            <a:fillRect/>
-          </a:stretch>
-        </p:blipFill>
-        <p:spPr>
-          <a:xfrm>
-            <a:off x="1849821" y="1186457"/>
-            <a:ext cx="8492358" cy="2437156"/>
-          </a:xfrm>
-          <a:prstGeom prst="rect">
-            <a:avLst/>
-          </a:prstGeom>
-        </p:spPr>
-      </p:pic>
       <p:sp>
         <p:nvSpPr>
-          <p:cNvPr id="5" name="テキスト ボックス 4"/>
-          <p:cNvSpPr txBox="1"/>
-          <p:nvPr/>
-        </p:nvSpPr>
-        <p:spPr>
-          <a:xfrm>
-            <a:off x="428297" y="3882131"/>
-            <a:ext cx="11610871" cy="2677656"/>
-          </a:xfrm>
-          <a:prstGeom prst="rect">
-            <a:avLst/>
-          </a:prstGeom>
-          <a:noFill/>
-        </p:spPr>
-        <p:txBody>
-          <a:bodyPr wrap="none" rtlCol="0">
-            <a:spAutoFit/>
-          </a:bodyPr>
-          <a:lstStyle/>
-          <a:p>
-            <a:pPr marL="514350" indent="-514350">
-              <a:lnSpc>
-                <a:spcPct val="150000"/>
-              </a:lnSpc>
-              <a:buAutoNum type="alphaLcParenBoth"/>
-            </a:pPr>
-            <a:r>
-              <a:rPr kumimoji="1" lang="ja-JP" altLang="en-US" sz="2800" dirty="0" smtClean="0">
-                <a:latin typeface="Meiryo" charset="-128"/>
-                <a:ea typeface="Meiryo" charset="-128"/>
-                <a:cs typeface="Meiryo" charset="-128"/>
-              </a:rPr>
-              <a:t> セントロイドの初期値を選ぶ</a:t>
-            </a:r>
-            <a:endParaRPr kumimoji="1" lang="en-US" altLang="ja-JP" sz="2800" dirty="0" smtClean="0">
-              <a:latin typeface="Meiryo" charset="-128"/>
-              <a:ea typeface="Meiryo" charset="-128"/>
-              <a:cs typeface="Meiryo" charset="-128"/>
-            </a:endParaRPr>
-          </a:p>
-          <a:p>
-            <a:pPr marL="514350" indent="-514350">
-              <a:lnSpc>
-                <a:spcPct val="150000"/>
-              </a:lnSpc>
-              <a:buAutoNum type="alphaLcParenBoth"/>
-            </a:pPr>
-            <a:r>
-              <a:rPr kumimoji="1" lang="ja-JP" altLang="en-US" sz="2800" dirty="0" smtClean="0">
-                <a:latin typeface="Meiryo" charset="-128"/>
-                <a:ea typeface="Meiryo" charset="-128"/>
-                <a:cs typeface="Meiryo" charset="-128"/>
-              </a:rPr>
-              <a:t> セントロイドを固定し，</a:t>
-            </a:r>
-            <a:r>
-              <a:rPr kumimoji="1" lang="ja-JP" altLang="en-US" sz="2800" b="1" dirty="0" smtClean="0">
-                <a:latin typeface="Meiryo" charset="-128"/>
-                <a:ea typeface="Meiryo" charset="-128"/>
-                <a:cs typeface="Meiryo" charset="-128"/>
-              </a:rPr>
-              <a:t>最も近いセントロイドにデータを割り当て</a:t>
-            </a:r>
-            <a:endParaRPr kumimoji="1" lang="en-US" altLang="ja-JP" sz="2800" b="1" dirty="0" smtClean="0">
-              <a:latin typeface="Meiryo" charset="-128"/>
-              <a:ea typeface="Meiryo" charset="-128"/>
-              <a:cs typeface="Meiryo" charset="-128"/>
-            </a:endParaRPr>
-          </a:p>
-          <a:p>
-            <a:pPr marL="514350" indent="-514350">
-              <a:lnSpc>
-                <a:spcPct val="150000"/>
-              </a:lnSpc>
-              <a:buAutoNum type="alphaLcParenBoth"/>
-            </a:pPr>
-            <a:r>
-              <a:rPr lang="ja-JP" altLang="en-US" sz="2800" dirty="0">
-                <a:latin typeface="Meiryo" charset="-128"/>
-                <a:ea typeface="Meiryo" charset="-128"/>
-                <a:cs typeface="Meiryo" charset="-128"/>
-              </a:rPr>
-              <a:t> </a:t>
-            </a:r>
-            <a:r>
-              <a:rPr lang="ja-JP" altLang="en-US" sz="2800" dirty="0" smtClean="0">
-                <a:latin typeface="Meiryo" charset="-128"/>
-                <a:ea typeface="Meiryo" charset="-128"/>
-                <a:cs typeface="Meiryo" charset="-128"/>
-              </a:rPr>
-              <a:t>割り当てられた</a:t>
-            </a:r>
-            <a:r>
-              <a:rPr lang="ja-JP" altLang="en-US" sz="2800" b="1" dirty="0" smtClean="0">
-                <a:latin typeface="Meiryo" charset="-128"/>
-                <a:ea typeface="Meiryo" charset="-128"/>
-                <a:cs typeface="Meiryo" charset="-128"/>
-              </a:rPr>
-              <a:t>データの重心にセントロイドを移動</a:t>
-            </a:r>
-            <a:endParaRPr lang="en-US" altLang="ja-JP" sz="2800" b="1" dirty="0" smtClean="0">
-              <a:latin typeface="Meiryo" charset="-128"/>
-              <a:ea typeface="Meiryo" charset="-128"/>
-              <a:cs typeface="Meiryo" charset="-128"/>
-            </a:endParaRPr>
-          </a:p>
-          <a:p>
-            <a:pPr>
-              <a:lnSpc>
-                <a:spcPct val="150000"/>
-              </a:lnSpc>
-            </a:pPr>
-            <a:r>
-              <a:rPr lang="en-US" altLang="ja-JP" sz="2800" dirty="0" smtClean="0">
-                <a:latin typeface="Meiryo" charset="-128"/>
-                <a:ea typeface="Meiryo" charset="-128"/>
-                <a:cs typeface="Meiryo" charset="-128"/>
-              </a:rPr>
-              <a:t>(*) </a:t>
-            </a:r>
-            <a:r>
-              <a:rPr lang="ja-JP" altLang="en-US" sz="2800" dirty="0" smtClean="0">
-                <a:latin typeface="Meiryo" charset="-128"/>
-                <a:ea typeface="Meiryo" charset="-128"/>
-                <a:cs typeface="Meiryo" charset="-128"/>
-              </a:rPr>
-              <a:t>再割り当てが起こらなくなるまで</a:t>
-            </a:r>
-            <a:r>
-              <a:rPr lang="en-US" altLang="ja-JP" sz="2800" dirty="0" smtClean="0">
-                <a:latin typeface="Meiryo" charset="-128"/>
-                <a:ea typeface="Meiryo" charset="-128"/>
-                <a:cs typeface="Meiryo" charset="-128"/>
-              </a:rPr>
-              <a:t> (b), </a:t>
-            </a:r>
-            <a:r>
-              <a:rPr lang="de-DE" altLang="ja-JP" sz="2800" dirty="0" smtClean="0">
-                <a:latin typeface="Meiryo" charset="-128"/>
-                <a:ea typeface="Meiryo" charset="-128"/>
-                <a:cs typeface="Meiryo" charset="-128"/>
-              </a:rPr>
-              <a:t>(c)</a:t>
-            </a:r>
-            <a:r>
-              <a:rPr lang="ja-JP" altLang="en-US" sz="2800" dirty="0" smtClean="0">
-                <a:latin typeface="Meiryo" charset="-128"/>
-                <a:ea typeface="Meiryo" charset="-128"/>
-                <a:cs typeface="Meiryo" charset="-128"/>
-              </a:rPr>
-              <a:t>を繰り返す</a:t>
-            </a:r>
-            <a:endParaRPr kumimoji="1" lang="ja-JP" altLang="en-US" sz="2800" dirty="0">
-              <a:latin typeface="Meiryo" charset="-128"/>
-              <a:ea typeface="Meiryo" charset="-128"/>
-              <a:cs typeface="Meiryo" charset="-128"/>
-            </a:endParaRPr>
-          </a:p>
-        </p:txBody>
-      </p:sp>
-    </p:spTree>
-    <p:extLst>
-      <p:ext uri="{BB962C8B-B14F-4D97-AF65-F5344CB8AC3E}">
-        <p14:creationId xmlns:p14="http://schemas.microsoft.com/office/powerpoint/2010/main" val="887420006"/>
-      </p:ext>
-    </p:extLst>
-  </p:cSld>
-  <p:clrMapOvr>
-    <a:masterClrMapping/>
-  </p:clrMapOvr>
-  <p:timing>
-    <p:tnLst>
-      <p:par>
-        <p:cTn id="1" dur="indefinite" restart="never" nodeType="tmRoot"/>
-      </p:par>
-    </p:tnLst>
-  </p:timing>
-</p:sld>
-</file>
-
-<file path=ppt/slides/slide6.xml><?xml version="1.0" encoding="utf-8"?>
-<p:sld xmlns:a="http://schemas.openxmlformats.org/drawingml/2006/main" xmlns:r="http://schemas.openxmlformats.org/officeDocument/2006/relationships" xmlns:p="http://schemas.openxmlformats.org/presentationml/2006/main">
-  <p:cSld>
-    <p:spTree>
-      <p:nvGrpSpPr>
-        <p:cNvPr id="1" name=""/>
-        <p:cNvGrpSpPr/>
-        <p:nvPr/>
-      </p:nvGrpSpPr>
-      <p:grpSpPr>
-        <a:xfrm>
-          <a:off x="0" y="0"/>
-          <a:ext cx="0" cy="0"/>
-          <a:chOff x="0" y="0"/>
-          <a:chExt cx="0" cy="0"/>
-        </a:xfrm>
-      </p:grpSpPr>
-      <p:sp>
-        <p:nvSpPr>
-          <p:cNvPr id="2" name="タイトル 1"/>
+          <p:cNvPr id="3" name="コンテンツ プレースホルダー 2"/>
           <p:cNvSpPr>
             <a:spLocks noGrp="1"/>
           </p:cNvSpPr>
           <p:nvPr>
-            <p:ph type="title"/>
+            <p:ph idx="1"/>
           </p:nvPr>
         </p:nvSpPr>
-        <p:spPr/>
+        <p:spPr>
+          <a:xfrm>
+            <a:off x="838200" y="3311991"/>
+            <a:ext cx="10515600" cy="2958180"/>
+          </a:xfrm>
+        </p:spPr>
         <p:txBody>
           <a:bodyPr/>
           <a:lstStyle/>
           <a:p>
+            <a:pPr marL="0" marR="0" lvl="0" indent="0" defTabSz="914400" eaLnBrk="1" fontAlgn="auto" latinLnBrk="0" hangingPunct="1">
+              <a:spcBef>
+                <a:spcPts val="0"/>
+              </a:spcBef>
+              <a:spcAft>
+                <a:spcPts val="0"/>
+              </a:spcAft>
+              <a:buClrTx/>
+              <a:buSzTx/>
+              <a:buFontTx/>
+              <a:buNone/>
+              <a:tabLst/>
+              <a:defRPr/>
+            </a:pPr>
+            <a:r>
+              <a:rPr lang="en-US" altLang="ja-JP" i="1" dirty="0">
+                <a:latin typeface="Times New Roman" charset="0"/>
+                <a:ea typeface="Times New Roman" charset="0"/>
+                <a:cs typeface="Times New Roman" charset="0"/>
+              </a:rPr>
+              <a:t>l</a:t>
+            </a:r>
+            <a:r>
+              <a:rPr kumimoji="1" lang="en-US" altLang="ja-JP" dirty="0" smtClean="0">
+                <a:latin typeface="Times New Roman" charset="0"/>
+                <a:ea typeface="Times New Roman" charset="0"/>
+                <a:cs typeface="Times New Roman" charset="0"/>
+              </a:rPr>
+              <a:t>(</a:t>
+            </a:r>
+            <a:r>
+              <a:rPr kumimoji="1" lang="en-US" altLang="ja-JP" i="1" dirty="0" err="1" smtClean="0">
+                <a:latin typeface="Times New Roman" charset="0"/>
+                <a:ea typeface="Times New Roman" charset="0"/>
+                <a:cs typeface="Times New Roman" charset="0"/>
+              </a:rPr>
+              <a:t>θ</a:t>
+            </a:r>
+            <a:r>
+              <a:rPr lang="en-US" altLang="ja-JP" dirty="0" smtClean="0">
+                <a:latin typeface="Times New Roman" charset="0"/>
+                <a:ea typeface="Times New Roman" charset="0"/>
+                <a:cs typeface="Times New Roman" charset="0"/>
+              </a:rPr>
+              <a:t>)</a:t>
+            </a:r>
             <a:r>
               <a:rPr lang="en-US" altLang="ja-JP" dirty="0" smtClean="0"/>
-              <a:t>X-means</a:t>
+              <a:t> </a:t>
+            </a:r>
+            <a:r>
+              <a:rPr kumimoji="1" lang="ja-JP" altLang="en-US" dirty="0" smtClean="0"/>
+              <a:t>の大小を比較することで</a:t>
+            </a:r>
+            <a:r>
+              <a:rPr kumimoji="1" lang="en-US" altLang="ja-JP" dirty="0" smtClean="0"/>
+              <a:t>K-L</a:t>
+            </a:r>
+            <a:r>
+              <a:rPr kumimoji="1" lang="ja-JP" altLang="en-US" dirty="0" smtClean="0"/>
+              <a:t>情報量</a:t>
+            </a:r>
+            <a:r>
+              <a:rPr lang="ja-JP" altLang="en-US" dirty="0" smtClean="0"/>
+              <a:t>の大小を測る</a:t>
+            </a:r>
+            <a:endParaRPr lang="en-US" altLang="ja-JP" dirty="0" smtClean="0"/>
+          </a:p>
+          <a:p>
+            <a:pPr>
+              <a:spcBef>
+                <a:spcPts val="0"/>
+              </a:spcBef>
+              <a:buFont typeface="Wingdings" charset="2"/>
+              <a:buChar char="u"/>
+            </a:pPr>
+            <a:r>
+              <a:rPr lang="en-US" altLang="ja-JP" dirty="0"/>
+              <a:t> </a:t>
+            </a:r>
+            <a:r>
+              <a:rPr lang="ja-JP" altLang="en-US" dirty="0" smtClean="0"/>
+              <a:t>対数尤度が最大になるモデルを推定</a:t>
+            </a:r>
+            <a:r>
+              <a:rPr lang="ja-JP" altLang="en-US" dirty="0"/>
+              <a:t> </a:t>
+            </a:r>
+            <a:r>
+              <a:rPr lang="ja-JP" altLang="en-US" dirty="0" smtClean="0"/>
+              <a:t>⇒ 最大対数尤度</a:t>
+            </a:r>
+            <a:endParaRPr lang="en-US" altLang="ja-JP" dirty="0" smtClean="0"/>
+          </a:p>
+          <a:p>
+            <a:pPr>
+              <a:spcBef>
+                <a:spcPts val="0"/>
+              </a:spcBef>
+              <a:buFont typeface="Wingdings" charset="2"/>
+              <a:buChar char="u"/>
+            </a:pPr>
+            <a:r>
+              <a:rPr kumimoji="1" lang="ja-JP" altLang="en-US" dirty="0" smtClean="0"/>
+              <a:t> この方法を「最尤法」と呼ぶ</a:t>
             </a:r>
             <a:endParaRPr kumimoji="1" lang="ja-JP" altLang="en-US" dirty="0"/>
           </a:p>
@@ -7239,1263 +6739,7 @@
       </p:sp>
       <p:sp>
         <p:nvSpPr>
-          <p:cNvPr id="126" name="正方形/長方形 125"/>
-          <p:cNvSpPr/>
-          <p:nvPr/>
-        </p:nvSpPr>
-        <p:spPr>
-          <a:xfrm>
-            <a:off x="0" y="1587063"/>
-            <a:ext cx="12349655" cy="4524315"/>
-          </a:xfrm>
-          <a:prstGeom prst="rect">
-            <a:avLst/>
-          </a:prstGeom>
-        </p:spPr>
-        <p:txBody>
-          <a:bodyPr wrap="square">
-            <a:spAutoFit/>
-          </a:bodyPr>
-          <a:lstStyle/>
-          <a:p>
-            <a:pPr>
-              <a:lnSpc>
-                <a:spcPct val="150000"/>
-              </a:lnSpc>
-            </a:pPr>
-            <a:r>
-              <a:rPr lang="en-US" altLang="ja-JP" sz="2400" dirty="0" smtClean="0">
-                <a:latin typeface="Meiryo" charset="-128"/>
-                <a:ea typeface="Meiryo" charset="-128"/>
-                <a:cs typeface="Meiryo" charset="-128"/>
-              </a:rPr>
-              <a:t>(1) </a:t>
-            </a:r>
-            <a:r>
-              <a:rPr lang="ja-JP" altLang="en-US" sz="2400" dirty="0" smtClean="0">
-                <a:latin typeface="Meiryo" charset="-128"/>
-                <a:ea typeface="Meiryo" charset="-128"/>
-                <a:cs typeface="Meiryo" charset="-128"/>
-              </a:rPr>
-              <a:t>クラスタ数</a:t>
-            </a:r>
-            <a:r>
-              <a:rPr lang="en-US" altLang="ja-JP" sz="2400" dirty="0" smtClean="0">
-                <a:latin typeface="Meiryo" charset="-128"/>
-                <a:ea typeface="Meiryo" charset="-128"/>
-                <a:cs typeface="Meiryo" charset="-128"/>
-              </a:rPr>
-              <a:t> </a:t>
-            </a:r>
-            <a:r>
-              <a:rPr lang="ja-JP" altLang="en-US" sz="2400" i="1" dirty="0" smtClean="0">
-                <a:latin typeface="Times New Roman" charset="0"/>
-                <a:ea typeface="Times New Roman" charset="0"/>
-                <a:cs typeface="Times New Roman" charset="0"/>
-              </a:rPr>
-              <a:t>k</a:t>
-            </a:r>
-            <a:r>
-              <a:rPr lang="en-US" altLang="ja-JP" sz="2400" i="1" dirty="0" smtClean="0">
-                <a:latin typeface="Times New Roman" charset="0"/>
-                <a:ea typeface="Times New Roman" charset="0"/>
-                <a:cs typeface="Times New Roman" charset="0"/>
-              </a:rPr>
-              <a:t> </a:t>
-            </a:r>
-            <a:r>
-              <a:rPr lang="ja-JP" altLang="en-US" sz="2400" dirty="0" smtClean="0">
-                <a:latin typeface="Meiryo" charset="-128"/>
-                <a:ea typeface="Meiryo" charset="-128"/>
-                <a:cs typeface="Meiryo" charset="-128"/>
-              </a:rPr>
-              <a:t>を</a:t>
-            </a:r>
-            <a:r>
-              <a:rPr lang="ja-JP" altLang="en-US" sz="2400" dirty="0">
-                <a:latin typeface="Meiryo" charset="-128"/>
-                <a:ea typeface="Meiryo" charset="-128"/>
-                <a:cs typeface="Meiryo" charset="-128"/>
-              </a:rPr>
-              <a:t>初期化する (通常</a:t>
-            </a:r>
-            <a:r>
-              <a:rPr lang="ja-JP" altLang="en-US" sz="2400" dirty="0" smtClean="0">
-                <a:latin typeface="Meiryo" charset="-128"/>
-                <a:ea typeface="Meiryo" charset="-128"/>
-                <a:cs typeface="Meiryo" charset="-128"/>
-              </a:rPr>
-              <a:t>は</a:t>
-            </a:r>
-            <a:r>
-              <a:rPr lang="en-US" altLang="ja-JP" sz="2400" dirty="0" smtClean="0">
-                <a:latin typeface="Meiryo" charset="-128"/>
-                <a:ea typeface="Meiryo" charset="-128"/>
-                <a:cs typeface="Meiryo" charset="-128"/>
-              </a:rPr>
-              <a:t> </a:t>
-            </a:r>
-            <a:r>
-              <a:rPr lang="ja-JP" altLang="en-US" sz="2400" i="1" dirty="0" smtClean="0">
-                <a:latin typeface="Times New Roman" charset="0"/>
-                <a:ea typeface="Times New Roman" charset="0"/>
-                <a:cs typeface="Times New Roman" charset="0"/>
-              </a:rPr>
-              <a:t>k</a:t>
-            </a:r>
-            <a:r>
-              <a:rPr lang="en-US" altLang="ja-JP" sz="2400" i="1" dirty="0" smtClean="0">
-                <a:latin typeface="Times New Roman" charset="0"/>
-                <a:ea typeface="Times New Roman" charset="0"/>
-                <a:cs typeface="Times New Roman" charset="0"/>
-              </a:rPr>
-              <a:t> </a:t>
-            </a:r>
-            <a:r>
-              <a:rPr lang="ja-JP" altLang="en-US" sz="2400" dirty="0" smtClean="0">
-                <a:latin typeface="Times New Roman" charset="0"/>
-                <a:ea typeface="Times New Roman" charset="0"/>
-                <a:cs typeface="Times New Roman" charset="0"/>
-              </a:rPr>
-              <a:t>=</a:t>
-            </a:r>
-            <a:r>
-              <a:rPr lang="en-US" altLang="ja-JP" sz="2400" dirty="0" smtClean="0">
-                <a:latin typeface="Times New Roman" charset="0"/>
-                <a:ea typeface="Times New Roman" charset="0"/>
-                <a:cs typeface="Times New Roman" charset="0"/>
-              </a:rPr>
-              <a:t> </a:t>
-            </a:r>
-            <a:r>
-              <a:rPr lang="ja-JP" altLang="en-US" sz="2400" dirty="0" smtClean="0">
-                <a:latin typeface="Times New Roman" charset="0"/>
-                <a:ea typeface="Times New Roman" charset="0"/>
-                <a:cs typeface="Times New Roman" charset="0"/>
-              </a:rPr>
-              <a:t>2</a:t>
-            </a:r>
-            <a:r>
-              <a:rPr lang="ja-JP" altLang="en-US" sz="2400" dirty="0" smtClean="0">
-                <a:latin typeface="Meiryo" charset="-128"/>
-                <a:ea typeface="Meiryo" charset="-128"/>
-                <a:cs typeface="Meiryo" charset="-128"/>
-              </a:rPr>
-              <a:t>) ．</a:t>
-            </a:r>
-            <a:endParaRPr lang="en-US" altLang="ja-JP" sz="2400" dirty="0" smtClean="0">
-              <a:latin typeface="Meiryo" charset="-128"/>
-              <a:ea typeface="Meiryo" charset="-128"/>
-              <a:cs typeface="Meiryo" charset="-128"/>
-            </a:endParaRPr>
-          </a:p>
-          <a:p>
-            <a:pPr>
-              <a:lnSpc>
-                <a:spcPct val="150000"/>
-              </a:lnSpc>
-            </a:pPr>
-            <a:r>
-              <a:rPr lang="en-US" altLang="ja-JP" sz="2400" dirty="0" smtClean="0">
-                <a:latin typeface="Meiryo" charset="-128"/>
-                <a:ea typeface="Meiryo" charset="-128"/>
-                <a:cs typeface="Meiryo" charset="-128"/>
-              </a:rPr>
-              <a:t>(2)</a:t>
-            </a:r>
-            <a:r>
-              <a:rPr lang="en-US" altLang="ja-JP" sz="2400" i="1" dirty="0" smtClean="0">
-                <a:latin typeface="Meiryo" charset="-128"/>
-                <a:ea typeface="Meiryo" charset="-128"/>
-                <a:cs typeface="Meiryo" charset="-128"/>
-              </a:rPr>
-              <a:t> </a:t>
-            </a:r>
-            <a:r>
-              <a:rPr lang="ja-JP" altLang="en-US" sz="2400" i="1" dirty="0" smtClean="0">
-                <a:latin typeface="Meiryo" charset="-128"/>
-                <a:ea typeface="Meiryo" charset="-128"/>
-                <a:cs typeface="Meiryo" charset="-128"/>
-              </a:rPr>
-              <a:t>k</a:t>
-            </a:r>
-            <a:r>
-              <a:rPr lang="ja-JP" altLang="en-US" sz="2400" dirty="0" smtClean="0">
-                <a:latin typeface="Meiryo" charset="-128"/>
-                <a:ea typeface="Meiryo" charset="-128"/>
-                <a:cs typeface="Meiryo" charset="-128"/>
-              </a:rPr>
-              <a:t>-means</a:t>
-            </a:r>
-            <a:r>
-              <a:rPr lang="en-US" altLang="ja-JP" sz="2400" dirty="0" smtClean="0">
-                <a:latin typeface="Meiryo" charset="-128"/>
-                <a:ea typeface="Meiryo" charset="-128"/>
-                <a:cs typeface="Meiryo" charset="-128"/>
-              </a:rPr>
-              <a:t> </a:t>
-            </a:r>
-            <a:r>
-              <a:rPr lang="ja-JP" altLang="en-US" sz="2400" dirty="0" smtClean="0">
-                <a:latin typeface="Meiryo" charset="-128"/>
-                <a:ea typeface="Meiryo" charset="-128"/>
-                <a:cs typeface="Meiryo" charset="-128"/>
-              </a:rPr>
-              <a:t>を</a:t>
-            </a:r>
-            <a:r>
-              <a:rPr lang="ja-JP" altLang="en-US" sz="2400" dirty="0">
-                <a:latin typeface="Meiryo" charset="-128"/>
-                <a:ea typeface="Meiryo" charset="-128"/>
-                <a:cs typeface="Meiryo" charset="-128"/>
-              </a:rPr>
-              <a:t>実行</a:t>
-            </a:r>
-            <a:r>
-              <a:rPr lang="ja-JP" altLang="en-US" sz="2400" dirty="0" smtClean="0">
-                <a:latin typeface="Meiryo" charset="-128"/>
-                <a:ea typeface="Meiryo" charset="-128"/>
-                <a:cs typeface="Meiryo" charset="-128"/>
-              </a:rPr>
-              <a:t>する．</a:t>
-            </a:r>
-            <a:endParaRPr lang="en-US" altLang="ja-JP" sz="2400" dirty="0" smtClean="0">
-              <a:latin typeface="Meiryo" charset="-128"/>
-              <a:ea typeface="Meiryo" charset="-128"/>
-              <a:cs typeface="Meiryo" charset="-128"/>
-            </a:endParaRPr>
-          </a:p>
-          <a:p>
-            <a:pPr>
-              <a:lnSpc>
-                <a:spcPct val="150000"/>
-              </a:lnSpc>
-            </a:pPr>
-            <a:r>
-              <a:rPr lang="en-US" altLang="ja-JP" sz="2400" dirty="0" smtClean="0">
-                <a:latin typeface="Meiryo" charset="-128"/>
-                <a:ea typeface="Meiryo" charset="-128"/>
-                <a:cs typeface="Meiryo" charset="-128"/>
-              </a:rPr>
-              <a:t>(3) </a:t>
-            </a:r>
-            <a:r>
-              <a:rPr lang="ja-JP" altLang="en-US" sz="2400" dirty="0" smtClean="0">
-                <a:latin typeface="Meiryo" charset="-128"/>
-                <a:ea typeface="Meiryo" charset="-128"/>
-                <a:cs typeface="Meiryo" charset="-128"/>
-              </a:rPr>
-              <a:t>次</a:t>
-            </a:r>
-            <a:r>
-              <a:rPr lang="ja-JP" altLang="en-US" sz="2400" dirty="0">
-                <a:latin typeface="Meiryo" charset="-128"/>
-                <a:ea typeface="Meiryo" charset="-128"/>
-                <a:cs typeface="Meiryo" charset="-128"/>
-              </a:rPr>
-              <a:t>の処理</a:t>
-            </a:r>
-            <a:r>
-              <a:rPr lang="ja-JP" altLang="en-US" sz="2400" dirty="0" smtClean="0">
-                <a:latin typeface="Meiryo" charset="-128"/>
-                <a:ea typeface="Meiryo" charset="-128"/>
-                <a:cs typeface="Meiryo" charset="-128"/>
-              </a:rPr>
-              <a:t>を</a:t>
-            </a:r>
-            <a:r>
-              <a:rPr lang="en-US" altLang="ja-JP" sz="2400" dirty="0" smtClean="0">
-                <a:latin typeface="Meiryo" charset="-128"/>
-                <a:ea typeface="Meiryo" charset="-128"/>
-                <a:cs typeface="Meiryo" charset="-128"/>
-              </a:rPr>
-              <a:t> </a:t>
-            </a:r>
-            <a:r>
-              <a:rPr lang="ja-JP" altLang="en-US" sz="2400" i="1" dirty="0" smtClean="0">
-                <a:latin typeface="Times New Roman" charset="0"/>
-                <a:ea typeface="Times New Roman" charset="0"/>
-                <a:cs typeface="Times New Roman" charset="0"/>
-              </a:rPr>
-              <a:t>j</a:t>
-            </a:r>
-            <a:r>
-              <a:rPr lang="en-US" altLang="ja-JP" sz="2400" i="1" dirty="0" smtClean="0">
-                <a:latin typeface="Times New Roman" charset="0"/>
-                <a:ea typeface="Times New Roman" charset="0"/>
-                <a:cs typeface="Times New Roman" charset="0"/>
-              </a:rPr>
-              <a:t> </a:t>
-            </a:r>
-            <a:r>
-              <a:rPr lang="ja-JP" altLang="en-US" sz="2400" dirty="0" smtClean="0">
-                <a:latin typeface="Times New Roman" charset="0"/>
-                <a:ea typeface="Times New Roman" charset="0"/>
-                <a:cs typeface="Times New Roman" charset="0"/>
-              </a:rPr>
-              <a:t>=</a:t>
-            </a:r>
-            <a:r>
-              <a:rPr lang="en-US" altLang="ja-JP" sz="2400" dirty="0" smtClean="0">
-                <a:latin typeface="Times New Roman" charset="0"/>
-                <a:ea typeface="Times New Roman" charset="0"/>
-                <a:cs typeface="Times New Roman" charset="0"/>
-              </a:rPr>
-              <a:t> </a:t>
-            </a:r>
-            <a:r>
-              <a:rPr lang="ja-JP" altLang="en-US" sz="2400" dirty="0" smtClean="0">
-                <a:latin typeface="Times New Roman" charset="0"/>
-                <a:ea typeface="Times New Roman" charset="0"/>
-                <a:cs typeface="Times New Roman" charset="0"/>
-              </a:rPr>
-              <a:t>1</a:t>
-            </a:r>
-            <a:r>
-              <a:rPr lang="en-US" altLang="ja-JP" sz="2400" dirty="0" smtClean="0">
-                <a:latin typeface="Times New Roman" charset="0"/>
-                <a:ea typeface="Times New Roman" charset="0"/>
-                <a:cs typeface="Times New Roman" charset="0"/>
-              </a:rPr>
-              <a:t> </a:t>
-            </a:r>
-            <a:r>
-              <a:rPr lang="ja-JP" altLang="en-US" sz="2400" dirty="0" smtClean="0">
-                <a:latin typeface="Meiryo" charset="-128"/>
-                <a:ea typeface="Meiryo" charset="-128"/>
-                <a:cs typeface="Meiryo" charset="-128"/>
-              </a:rPr>
-              <a:t>から</a:t>
-            </a:r>
-            <a:r>
-              <a:rPr lang="en-US" altLang="ja-JP" sz="2400" dirty="0" smtClean="0">
-                <a:latin typeface="Meiryo" charset="-128"/>
-                <a:ea typeface="Meiryo" charset="-128"/>
-                <a:cs typeface="Meiryo" charset="-128"/>
-              </a:rPr>
-              <a:t> </a:t>
-            </a:r>
-            <a:r>
-              <a:rPr lang="ja-JP" altLang="en-US" sz="2400" i="1" dirty="0" smtClean="0">
-                <a:latin typeface="Times New Roman" charset="0"/>
-                <a:ea typeface="Times New Roman" charset="0"/>
-                <a:cs typeface="Times New Roman" charset="0"/>
-              </a:rPr>
-              <a:t>j</a:t>
-            </a:r>
-            <a:r>
-              <a:rPr lang="en-US" altLang="ja-JP" sz="2400" dirty="0" smtClean="0">
-                <a:latin typeface="Times New Roman" charset="0"/>
-                <a:ea typeface="Times New Roman" charset="0"/>
-                <a:cs typeface="Times New Roman" charset="0"/>
-              </a:rPr>
-              <a:t> </a:t>
-            </a:r>
-            <a:r>
-              <a:rPr lang="ja-JP" altLang="en-US" sz="2400" dirty="0" smtClean="0">
-                <a:latin typeface="Times New Roman" charset="0"/>
-                <a:ea typeface="Times New Roman" charset="0"/>
-                <a:cs typeface="Times New Roman" charset="0"/>
-              </a:rPr>
-              <a:t>=</a:t>
-            </a:r>
-            <a:r>
-              <a:rPr lang="en-US" altLang="ja-JP" sz="2400" dirty="0" smtClean="0">
-                <a:latin typeface="Times New Roman" charset="0"/>
-                <a:ea typeface="Times New Roman" charset="0"/>
-                <a:cs typeface="Times New Roman" charset="0"/>
-              </a:rPr>
-              <a:t> </a:t>
-            </a:r>
-            <a:r>
-              <a:rPr lang="ja-JP" altLang="en-US" sz="2400" i="1" dirty="0" smtClean="0">
-                <a:latin typeface="Times New Roman" charset="0"/>
-                <a:ea typeface="Times New Roman" charset="0"/>
-                <a:cs typeface="Times New Roman" charset="0"/>
-              </a:rPr>
-              <a:t>k</a:t>
-            </a:r>
-            <a:r>
-              <a:rPr lang="en-US" altLang="ja-JP" sz="2400" i="1" dirty="0" smtClean="0">
-                <a:latin typeface="Times New Roman" charset="0"/>
-                <a:ea typeface="Times New Roman" charset="0"/>
-                <a:cs typeface="Times New Roman" charset="0"/>
-              </a:rPr>
-              <a:t> </a:t>
-            </a:r>
-            <a:r>
-              <a:rPr lang="ja-JP" altLang="en-US" sz="2400" dirty="0" smtClean="0">
-                <a:latin typeface="Meiryo" charset="-128"/>
-                <a:ea typeface="Meiryo" charset="-128"/>
-                <a:cs typeface="Meiryo" charset="-128"/>
-              </a:rPr>
-              <a:t>まで繰り返す．</a:t>
-            </a:r>
-            <a:endParaRPr lang="en-US" altLang="ja-JP" sz="2400" dirty="0" smtClean="0">
-              <a:latin typeface="Meiryo" charset="-128"/>
-              <a:ea typeface="Meiryo" charset="-128"/>
-              <a:cs typeface="Meiryo" charset="-128"/>
-            </a:endParaRPr>
-          </a:p>
-          <a:p>
-            <a:pPr>
-              <a:lnSpc>
-                <a:spcPct val="150000"/>
-              </a:lnSpc>
-            </a:pPr>
-            <a:r>
-              <a:rPr lang="en-US" altLang="ja-JP" sz="2400" dirty="0">
-                <a:latin typeface="Meiryo" charset="-128"/>
-                <a:ea typeface="Meiryo" charset="-128"/>
-                <a:cs typeface="Meiryo" charset="-128"/>
-              </a:rPr>
-              <a:t>	</a:t>
-            </a:r>
-            <a:r>
-              <a:rPr lang="en-US" altLang="ja-JP" sz="2400" dirty="0" smtClean="0">
-                <a:latin typeface="Meiryo" charset="-128"/>
-                <a:ea typeface="Meiryo" charset="-128"/>
-                <a:cs typeface="Meiryo" charset="-128"/>
-              </a:rPr>
-              <a:t>(a) </a:t>
-            </a:r>
-            <a:r>
-              <a:rPr lang="ja-JP" altLang="en-US" sz="2400" dirty="0" smtClean="0">
-                <a:latin typeface="Meiryo" charset="-128"/>
-                <a:ea typeface="Meiryo" charset="-128"/>
-                <a:cs typeface="Meiryo" charset="-128"/>
-              </a:rPr>
-              <a:t>クラスタ</a:t>
-            </a:r>
-            <a:r>
-              <a:rPr lang="en-US" altLang="ja-JP" sz="2400" dirty="0" smtClean="0">
-                <a:latin typeface="Meiryo" charset="-128"/>
-                <a:ea typeface="Meiryo" charset="-128"/>
-                <a:cs typeface="Meiryo" charset="-128"/>
-              </a:rPr>
-              <a:t> </a:t>
-            </a:r>
-            <a:r>
-              <a:rPr lang="ja-JP" altLang="en-US" sz="2400" i="1" dirty="0" smtClean="0">
-                <a:latin typeface="Times New Roman" charset="0"/>
-                <a:ea typeface="Times New Roman" charset="0"/>
-                <a:cs typeface="Times New Roman" charset="0"/>
-              </a:rPr>
-              <a:t>j</a:t>
-            </a:r>
-            <a:r>
-              <a:rPr lang="en-US" altLang="ja-JP" sz="2400" dirty="0" smtClean="0">
-                <a:latin typeface="Times New Roman" charset="0"/>
-                <a:ea typeface="Times New Roman" charset="0"/>
-                <a:cs typeface="Times New Roman" charset="0"/>
-              </a:rPr>
-              <a:t> </a:t>
-            </a:r>
-            <a:r>
-              <a:rPr lang="ja-JP" altLang="en-US" sz="2400" dirty="0" smtClean="0">
-                <a:latin typeface="Meiryo" charset="-128"/>
-                <a:ea typeface="Meiryo" charset="-128"/>
-                <a:cs typeface="Meiryo" charset="-128"/>
-              </a:rPr>
-              <a:t>の</a:t>
-            </a:r>
-            <a:r>
-              <a:rPr lang="en-US" altLang="ja-JP" sz="2400" dirty="0" smtClean="0">
-                <a:latin typeface="Meiryo" charset="-128"/>
-                <a:ea typeface="Meiryo" charset="-128"/>
-                <a:cs typeface="Meiryo" charset="-128"/>
-              </a:rPr>
-              <a:t> </a:t>
-            </a:r>
-            <a:r>
-              <a:rPr lang="ja-JP" altLang="en-US" sz="2400" dirty="0" smtClean="0">
-                <a:latin typeface="Meiryo" charset="-128"/>
-                <a:ea typeface="Meiryo" charset="-128"/>
-                <a:cs typeface="Meiryo" charset="-128"/>
-              </a:rPr>
-              <a:t>BIC</a:t>
-            </a:r>
-            <a:r>
-              <a:rPr lang="ja-JP" altLang="en-US" sz="2400" baseline="-25000" dirty="0" smtClean="0">
-                <a:latin typeface="Meiryo" charset="-128"/>
-                <a:ea typeface="Meiryo" charset="-128"/>
-                <a:cs typeface="Meiryo" charset="-128"/>
-              </a:rPr>
-              <a:t>j</a:t>
-            </a:r>
-            <a:r>
-              <a:rPr lang="en-US" altLang="ja-JP" sz="2400" baseline="-25000" dirty="0" smtClean="0">
-                <a:latin typeface="Meiryo" charset="-128"/>
-                <a:ea typeface="Meiryo" charset="-128"/>
-                <a:cs typeface="Meiryo" charset="-128"/>
-              </a:rPr>
-              <a:t> </a:t>
-            </a:r>
-            <a:r>
-              <a:rPr lang="ja-JP" altLang="en-US" sz="2400" dirty="0" smtClean="0">
-                <a:latin typeface="Meiryo" charset="-128"/>
-                <a:ea typeface="Meiryo" charset="-128"/>
-                <a:cs typeface="Meiryo" charset="-128"/>
-              </a:rPr>
-              <a:t>を</a:t>
-            </a:r>
-            <a:r>
-              <a:rPr lang="ja-JP" altLang="en-US" sz="2400" dirty="0">
-                <a:latin typeface="Meiryo" charset="-128"/>
-                <a:ea typeface="Meiryo" charset="-128"/>
-                <a:cs typeface="Meiryo" charset="-128"/>
-              </a:rPr>
-              <a:t>計算する</a:t>
-            </a:r>
-            <a:r>
-              <a:rPr lang="ja-JP" altLang="en-US" sz="2400" dirty="0" smtClean="0">
-                <a:latin typeface="Meiryo" charset="-128"/>
-                <a:ea typeface="Meiryo" charset="-128"/>
-                <a:cs typeface="Meiryo" charset="-128"/>
-              </a:rPr>
-              <a:t>．</a:t>
-            </a:r>
-            <a:endParaRPr lang="en-US" altLang="ja-JP" sz="2400" dirty="0" smtClean="0">
-              <a:latin typeface="Meiryo" charset="-128"/>
-              <a:ea typeface="Meiryo" charset="-128"/>
-              <a:cs typeface="Meiryo" charset="-128"/>
-            </a:endParaRPr>
-          </a:p>
-          <a:p>
-            <a:pPr>
-              <a:lnSpc>
-                <a:spcPct val="150000"/>
-              </a:lnSpc>
-            </a:pPr>
-            <a:r>
-              <a:rPr lang="en-US" altLang="ja-JP" sz="2400" dirty="0">
-                <a:latin typeface="Meiryo" charset="-128"/>
-                <a:ea typeface="Meiryo" charset="-128"/>
-                <a:cs typeface="Meiryo" charset="-128"/>
-              </a:rPr>
-              <a:t>	</a:t>
-            </a:r>
-            <a:r>
-              <a:rPr lang="en-US" altLang="ja-JP" sz="2400" dirty="0" smtClean="0">
-                <a:latin typeface="Meiryo" charset="-128"/>
-                <a:ea typeface="Meiryo" charset="-128"/>
-                <a:cs typeface="Meiryo" charset="-128"/>
-              </a:rPr>
-              <a:t>(b) </a:t>
-            </a:r>
-            <a:r>
-              <a:rPr lang="ja-JP" altLang="en-US" sz="2400" dirty="0" smtClean="0">
-                <a:latin typeface="Meiryo" charset="-128"/>
-                <a:ea typeface="Meiryo" charset="-128"/>
-                <a:cs typeface="Meiryo" charset="-128"/>
-              </a:rPr>
-              <a:t>クラスタ</a:t>
-            </a:r>
-            <a:r>
-              <a:rPr lang="en-US" altLang="ja-JP" sz="2400" dirty="0" smtClean="0">
-                <a:latin typeface="Meiryo" charset="-128"/>
-                <a:ea typeface="Meiryo" charset="-128"/>
-                <a:cs typeface="Meiryo" charset="-128"/>
-              </a:rPr>
-              <a:t> </a:t>
-            </a:r>
-            <a:r>
-              <a:rPr lang="ja-JP" altLang="en-US" sz="2400" i="1" dirty="0" smtClean="0">
-                <a:latin typeface="Times New Roman" charset="0"/>
-                <a:ea typeface="Times New Roman" charset="0"/>
-                <a:cs typeface="Times New Roman" charset="0"/>
-              </a:rPr>
-              <a:t>j</a:t>
-            </a:r>
-            <a:r>
-              <a:rPr lang="en-US" altLang="ja-JP" sz="2400" dirty="0" smtClean="0">
-                <a:latin typeface="Times New Roman" charset="0"/>
-                <a:ea typeface="Times New Roman" charset="0"/>
-                <a:cs typeface="Times New Roman" charset="0"/>
-              </a:rPr>
-              <a:t> </a:t>
-            </a:r>
-            <a:r>
-              <a:rPr lang="ja-JP" altLang="en-US" sz="2400" dirty="0" smtClean="0">
-                <a:latin typeface="Meiryo" charset="-128"/>
-                <a:ea typeface="Meiryo" charset="-128"/>
-                <a:cs typeface="Meiryo" charset="-128"/>
-              </a:rPr>
-              <a:t>に</a:t>
-            </a:r>
-            <a:r>
-              <a:rPr lang="ja-JP" altLang="en-US" sz="2400" dirty="0">
-                <a:latin typeface="Meiryo" charset="-128"/>
-                <a:ea typeface="Meiryo" charset="-128"/>
-                <a:cs typeface="Meiryo" charset="-128"/>
-              </a:rPr>
-              <a:t>所属するデータに対し，クラスタ数2と</a:t>
-            </a:r>
-            <a:r>
-              <a:rPr lang="ja-JP" altLang="en-US" sz="2400" dirty="0" smtClean="0">
-                <a:latin typeface="Meiryo" charset="-128"/>
-                <a:ea typeface="Meiryo" charset="-128"/>
-                <a:cs typeface="Meiryo" charset="-128"/>
-              </a:rPr>
-              <a:t>して</a:t>
-            </a:r>
-            <a:r>
-              <a:rPr lang="en-US" altLang="ja-JP" sz="2400" dirty="0" smtClean="0">
-                <a:latin typeface="Meiryo" charset="-128"/>
-                <a:ea typeface="Meiryo" charset="-128"/>
-                <a:cs typeface="Meiryo" charset="-128"/>
-              </a:rPr>
-              <a:t> </a:t>
-            </a:r>
-            <a:r>
-              <a:rPr lang="ja-JP" altLang="en-US" sz="2400" i="1" dirty="0" smtClean="0">
-                <a:latin typeface="Meiryo" charset="-128"/>
-                <a:ea typeface="Meiryo" charset="-128"/>
-                <a:cs typeface="Meiryo" charset="-128"/>
-              </a:rPr>
-              <a:t>k</a:t>
-            </a:r>
-            <a:r>
-              <a:rPr lang="ja-JP" altLang="en-US" sz="2400" dirty="0" smtClean="0">
-                <a:latin typeface="Meiryo" charset="-128"/>
-                <a:ea typeface="Meiryo" charset="-128"/>
-                <a:cs typeface="Meiryo" charset="-128"/>
-              </a:rPr>
-              <a:t>-means</a:t>
-            </a:r>
-            <a:r>
-              <a:rPr lang="en-US" altLang="ja-JP" sz="2400" dirty="0" smtClean="0">
-                <a:latin typeface="Meiryo" charset="-128"/>
-                <a:ea typeface="Meiryo" charset="-128"/>
-                <a:cs typeface="Meiryo" charset="-128"/>
-              </a:rPr>
-              <a:t> </a:t>
-            </a:r>
-            <a:r>
-              <a:rPr lang="ja-JP" altLang="en-US" sz="2400" dirty="0" smtClean="0">
-                <a:latin typeface="Meiryo" charset="-128"/>
-                <a:ea typeface="Meiryo" charset="-128"/>
-                <a:cs typeface="Meiryo" charset="-128"/>
-              </a:rPr>
-              <a:t>を</a:t>
-            </a:r>
-            <a:r>
-              <a:rPr lang="ja-JP" altLang="en-US" sz="2400" dirty="0">
-                <a:latin typeface="Meiryo" charset="-128"/>
-                <a:ea typeface="Meiryo" charset="-128"/>
-                <a:cs typeface="Meiryo" charset="-128"/>
-              </a:rPr>
-              <a:t>行う</a:t>
-            </a:r>
-            <a:r>
-              <a:rPr lang="ja-JP" altLang="en-US" sz="2400" dirty="0" smtClean="0">
-                <a:latin typeface="Meiryo" charset="-128"/>
-                <a:ea typeface="Meiryo" charset="-128"/>
-                <a:cs typeface="Meiryo" charset="-128"/>
-              </a:rPr>
-              <a:t>．</a:t>
-            </a:r>
-            <a:endParaRPr lang="en-US" altLang="ja-JP" sz="2400" dirty="0" smtClean="0">
-              <a:latin typeface="Meiryo" charset="-128"/>
-              <a:ea typeface="Meiryo" charset="-128"/>
-              <a:cs typeface="Meiryo" charset="-128"/>
-            </a:endParaRPr>
-          </a:p>
-          <a:p>
-            <a:pPr>
-              <a:lnSpc>
-                <a:spcPct val="150000"/>
-              </a:lnSpc>
-            </a:pPr>
-            <a:r>
-              <a:rPr lang="en-US" altLang="ja-JP" sz="2400" dirty="0" smtClean="0">
-                <a:latin typeface="Meiryo" charset="-128"/>
-                <a:ea typeface="Meiryo" charset="-128"/>
-                <a:cs typeface="Meiryo" charset="-128"/>
-              </a:rPr>
-              <a:t>	</a:t>
-            </a:r>
-            <a:r>
-              <a:rPr lang="de-DE" altLang="ja-JP" sz="2400" dirty="0" smtClean="0">
-                <a:latin typeface="Meiryo" charset="-128"/>
-                <a:ea typeface="Meiryo" charset="-128"/>
-                <a:cs typeface="Meiryo" charset="-128"/>
-              </a:rPr>
-              <a:t>(c) </a:t>
-            </a:r>
-            <a:r>
-              <a:rPr lang="ja-JP" altLang="en-US" sz="2400" dirty="0" smtClean="0">
-                <a:latin typeface="Meiryo" charset="-128"/>
-                <a:ea typeface="Meiryo" charset="-128"/>
-                <a:cs typeface="Meiryo" charset="-128"/>
-              </a:rPr>
-              <a:t>クラスタ</a:t>
-            </a:r>
-            <a:r>
-              <a:rPr lang="ja-JP" altLang="en-US" sz="2400" dirty="0">
-                <a:latin typeface="Meiryo" charset="-128"/>
-                <a:ea typeface="Meiryo" charset="-128"/>
-                <a:cs typeface="Meiryo" charset="-128"/>
-              </a:rPr>
-              <a:t>数2としてクラスタリングした結果に</a:t>
-            </a:r>
-            <a:r>
-              <a:rPr lang="ja-JP" altLang="en-US" sz="2400" dirty="0" smtClean="0">
-                <a:latin typeface="Meiryo" charset="-128"/>
-                <a:ea typeface="Meiryo" charset="-128"/>
-                <a:cs typeface="Meiryo" charset="-128"/>
-              </a:rPr>
-              <a:t>対し</a:t>
-            </a:r>
-            <a:r>
-              <a:rPr lang="en-US" altLang="ja-JP" sz="2400" dirty="0" smtClean="0">
-                <a:latin typeface="Meiryo" charset="-128"/>
-                <a:ea typeface="Meiryo" charset="-128"/>
-                <a:cs typeface="Meiryo" charset="-128"/>
-              </a:rPr>
-              <a:t> </a:t>
-            </a:r>
-            <a:r>
-              <a:rPr lang="ja-JP" altLang="en-US" sz="2400" dirty="0" smtClean="0">
-                <a:latin typeface="Meiryo" charset="-128"/>
-                <a:ea typeface="Meiryo" charset="-128"/>
-                <a:cs typeface="Meiryo" charset="-128"/>
-              </a:rPr>
-              <a:t>BIC'</a:t>
-            </a:r>
-            <a:r>
-              <a:rPr lang="ja-JP" altLang="en-US" sz="2400" i="1" baseline="-25000" dirty="0" smtClean="0">
-                <a:latin typeface="Meiryo" charset="-128"/>
-                <a:ea typeface="Meiryo" charset="-128"/>
-                <a:cs typeface="Meiryo" charset="-128"/>
-              </a:rPr>
-              <a:t>j</a:t>
-            </a:r>
-            <a:r>
-              <a:rPr lang="en-US" altLang="ja-JP" sz="2400" i="1" baseline="-25000" dirty="0" smtClean="0">
-                <a:latin typeface="Meiryo" charset="-128"/>
-                <a:ea typeface="Meiryo" charset="-128"/>
-                <a:cs typeface="Meiryo" charset="-128"/>
-              </a:rPr>
-              <a:t> </a:t>
-            </a:r>
-            <a:r>
-              <a:rPr lang="ja-JP" altLang="en-US" sz="2400" dirty="0" smtClean="0">
-                <a:latin typeface="Meiryo" charset="-128"/>
-                <a:ea typeface="Meiryo" charset="-128"/>
-                <a:cs typeface="Meiryo" charset="-128"/>
-              </a:rPr>
-              <a:t>を</a:t>
-            </a:r>
-            <a:r>
-              <a:rPr lang="ja-JP" altLang="en-US" sz="2400" dirty="0">
-                <a:latin typeface="Meiryo" charset="-128"/>
-                <a:ea typeface="Meiryo" charset="-128"/>
-                <a:cs typeface="Meiryo" charset="-128"/>
-              </a:rPr>
-              <a:t>計算する</a:t>
-            </a:r>
-            <a:r>
-              <a:rPr lang="ja-JP" altLang="en-US" sz="2400" dirty="0" smtClean="0">
-                <a:latin typeface="Meiryo" charset="-128"/>
-                <a:ea typeface="Meiryo" charset="-128"/>
-                <a:cs typeface="Meiryo" charset="-128"/>
-              </a:rPr>
-              <a:t>．</a:t>
-            </a:r>
-            <a:endParaRPr lang="en-US" altLang="ja-JP" sz="2400" dirty="0" smtClean="0">
-              <a:latin typeface="Meiryo" charset="-128"/>
-              <a:ea typeface="Meiryo" charset="-128"/>
-              <a:cs typeface="Meiryo" charset="-128"/>
-            </a:endParaRPr>
-          </a:p>
-          <a:p>
-            <a:pPr>
-              <a:lnSpc>
-                <a:spcPct val="150000"/>
-              </a:lnSpc>
-            </a:pPr>
-            <a:r>
-              <a:rPr lang="en-US" altLang="ja-JP" sz="2400" dirty="0" smtClean="0">
-                <a:latin typeface="Meiryo" charset="-128"/>
-                <a:ea typeface="Meiryo" charset="-128"/>
-                <a:cs typeface="Meiryo" charset="-128"/>
-              </a:rPr>
-              <a:t>	(d) </a:t>
-            </a:r>
-            <a:r>
-              <a:rPr lang="ja-JP" altLang="en-US" sz="2400" dirty="0" smtClean="0">
-                <a:latin typeface="Meiryo" charset="-128"/>
-                <a:ea typeface="Meiryo" charset="-128"/>
-                <a:cs typeface="Meiryo" charset="-128"/>
-              </a:rPr>
-              <a:t>BIC</a:t>
-            </a:r>
-            <a:r>
-              <a:rPr lang="ja-JP" altLang="en-US" sz="2400" i="1" baseline="-25000" dirty="0" smtClean="0">
-                <a:latin typeface="Meiryo" charset="-128"/>
-                <a:ea typeface="Meiryo" charset="-128"/>
-                <a:cs typeface="Meiryo" charset="-128"/>
-              </a:rPr>
-              <a:t>j</a:t>
-            </a:r>
-            <a:r>
-              <a:rPr lang="en-US" altLang="ja-JP" sz="2400" i="1" baseline="-25000" dirty="0" smtClean="0">
-                <a:latin typeface="Meiryo" charset="-128"/>
-                <a:ea typeface="Meiryo" charset="-128"/>
-                <a:cs typeface="Meiryo" charset="-128"/>
-              </a:rPr>
-              <a:t> </a:t>
-            </a:r>
-            <a:r>
-              <a:rPr lang="ja-JP" altLang="en-US" sz="2400" dirty="0" smtClean="0">
-                <a:latin typeface="Meiryo" charset="-128"/>
-                <a:ea typeface="Meiryo" charset="-128"/>
-                <a:cs typeface="Meiryo" charset="-128"/>
-              </a:rPr>
-              <a:t>と</a:t>
-            </a:r>
-            <a:r>
-              <a:rPr lang="en-US" altLang="ja-JP" sz="2400" dirty="0" smtClean="0">
-                <a:latin typeface="Meiryo" charset="-128"/>
-                <a:ea typeface="Meiryo" charset="-128"/>
-                <a:cs typeface="Meiryo" charset="-128"/>
-              </a:rPr>
-              <a:t> </a:t>
-            </a:r>
-            <a:r>
-              <a:rPr lang="ja-JP" altLang="en-US" sz="2400" dirty="0" smtClean="0">
-                <a:latin typeface="Meiryo" charset="-128"/>
-                <a:ea typeface="Meiryo" charset="-128"/>
-                <a:cs typeface="Meiryo" charset="-128"/>
-              </a:rPr>
-              <a:t>BIC‘</a:t>
-            </a:r>
-            <a:r>
-              <a:rPr lang="ja-JP" altLang="en-US" sz="2400" i="1" baseline="-25000" dirty="0" smtClean="0">
-                <a:latin typeface="Meiryo" charset="-128"/>
-                <a:ea typeface="Meiryo" charset="-128"/>
-                <a:cs typeface="Meiryo" charset="-128"/>
-              </a:rPr>
-              <a:t>j</a:t>
-            </a:r>
-            <a:r>
-              <a:rPr lang="en-US" altLang="ja-JP" sz="2400" i="1" baseline="-25000" dirty="0" smtClean="0">
-                <a:latin typeface="Meiryo" charset="-128"/>
-                <a:ea typeface="Meiryo" charset="-128"/>
-                <a:cs typeface="Meiryo" charset="-128"/>
-              </a:rPr>
-              <a:t> </a:t>
-            </a:r>
-            <a:r>
-              <a:rPr lang="ja-JP" altLang="en-US" sz="2400" dirty="0" smtClean="0">
-                <a:latin typeface="Meiryo" charset="-128"/>
-                <a:ea typeface="Meiryo" charset="-128"/>
-                <a:cs typeface="Meiryo" charset="-128"/>
-              </a:rPr>
-              <a:t>を</a:t>
-            </a:r>
-            <a:r>
-              <a:rPr lang="ja-JP" altLang="en-US" sz="2400" dirty="0">
-                <a:latin typeface="Meiryo" charset="-128"/>
-                <a:ea typeface="Meiryo" charset="-128"/>
-                <a:cs typeface="Meiryo" charset="-128"/>
-              </a:rPr>
-              <a:t>比較し，</a:t>
-            </a:r>
-            <a:r>
-              <a:rPr lang="ja-JP" altLang="en-US" sz="2400" dirty="0" smtClean="0">
-                <a:latin typeface="Meiryo" charset="-128"/>
-                <a:ea typeface="Meiryo" charset="-128"/>
-                <a:cs typeface="Meiryo" charset="-128"/>
-              </a:rPr>
-              <a:t>BIC’</a:t>
-            </a:r>
-            <a:r>
-              <a:rPr lang="ja-JP" altLang="en-US" sz="2400" i="1" baseline="-25000" dirty="0" smtClean="0">
-                <a:latin typeface="Meiryo" charset="-128"/>
-                <a:ea typeface="Meiryo" charset="-128"/>
-                <a:cs typeface="Meiryo" charset="-128"/>
-              </a:rPr>
-              <a:t>j</a:t>
-            </a:r>
-            <a:r>
-              <a:rPr lang="en-US" altLang="ja-JP" sz="2400" i="1" baseline="-25000" dirty="0" smtClean="0">
-                <a:latin typeface="Meiryo" charset="-128"/>
-                <a:ea typeface="Meiryo" charset="-128"/>
-                <a:cs typeface="Meiryo" charset="-128"/>
-              </a:rPr>
-              <a:t> </a:t>
-            </a:r>
-            <a:r>
-              <a:rPr lang="ja-JP" altLang="en-US" sz="2400" dirty="0" smtClean="0">
-                <a:latin typeface="Meiryo" charset="-128"/>
-                <a:ea typeface="Meiryo" charset="-128"/>
-                <a:cs typeface="Meiryo" charset="-128"/>
-              </a:rPr>
-              <a:t>が</a:t>
-            </a:r>
-            <a:r>
-              <a:rPr lang="ja-JP" altLang="en-US" sz="2400" dirty="0">
-                <a:latin typeface="Meiryo" charset="-128"/>
-                <a:ea typeface="Meiryo" charset="-128"/>
-                <a:cs typeface="Meiryo" charset="-128"/>
-              </a:rPr>
-              <a:t>大きければ</a:t>
-            </a:r>
-            <a:r>
-              <a:rPr lang="ja-JP" altLang="en-US" sz="2400" dirty="0" smtClean="0">
-                <a:latin typeface="Meiryo" charset="-128"/>
-                <a:ea typeface="Meiryo" charset="-128"/>
-                <a:cs typeface="Meiryo" charset="-128"/>
-              </a:rPr>
-              <a:t>クラスタ数</a:t>
-            </a:r>
-            <a:r>
-              <a:rPr lang="ja-JP" altLang="en-US" sz="2400" i="1" dirty="0" smtClean="0">
-                <a:latin typeface="Times New Roman" charset="0"/>
-                <a:ea typeface="Times New Roman" charset="0"/>
-                <a:cs typeface="Times New Roman" charset="0"/>
-              </a:rPr>
-              <a:t>k</a:t>
-            </a:r>
-            <a:r>
-              <a:rPr lang="ja-JP" altLang="en-US" sz="2400" dirty="0" smtClean="0">
-                <a:latin typeface="Meiryo" charset="-128"/>
-                <a:ea typeface="Meiryo" charset="-128"/>
-                <a:cs typeface="Meiryo" charset="-128"/>
-              </a:rPr>
-              <a:t>に</a:t>
-            </a:r>
-            <a:r>
-              <a:rPr lang="ja-JP" altLang="en-US" sz="2400" dirty="0">
-                <a:latin typeface="Meiryo" charset="-128"/>
-                <a:ea typeface="Meiryo" charset="-128"/>
-                <a:cs typeface="Meiryo" charset="-128"/>
-              </a:rPr>
-              <a:t>1を</a:t>
-            </a:r>
-            <a:r>
-              <a:rPr lang="ja-JP" altLang="en-US" sz="2400" dirty="0" smtClean="0">
-                <a:latin typeface="Meiryo" charset="-128"/>
-                <a:ea typeface="Meiryo" charset="-128"/>
-                <a:cs typeface="Meiryo" charset="-128"/>
-              </a:rPr>
-              <a:t>足す．</a:t>
-            </a:r>
-            <a:endParaRPr lang="en-US" altLang="ja-JP" sz="2400" dirty="0" smtClean="0">
-              <a:latin typeface="Meiryo" charset="-128"/>
-              <a:ea typeface="Meiryo" charset="-128"/>
-              <a:cs typeface="Meiryo" charset="-128"/>
-            </a:endParaRPr>
-          </a:p>
-          <a:p>
-            <a:pPr>
-              <a:lnSpc>
-                <a:spcPct val="150000"/>
-              </a:lnSpc>
-            </a:pPr>
-            <a:r>
-              <a:rPr lang="en-US" altLang="ja-JP" sz="2400" dirty="0" smtClean="0">
-                <a:latin typeface="Meiryo" charset="-128"/>
-                <a:ea typeface="Meiryo" charset="-128"/>
-                <a:cs typeface="Meiryo" charset="-128"/>
-              </a:rPr>
-              <a:t>(4) </a:t>
-            </a:r>
-            <a:r>
-              <a:rPr lang="ja-JP" altLang="en-US" sz="2400" dirty="0" smtClean="0">
-                <a:latin typeface="Meiryo" charset="-128"/>
-                <a:ea typeface="Meiryo" charset="-128"/>
-                <a:cs typeface="Meiryo" charset="-128"/>
-              </a:rPr>
-              <a:t>前</a:t>
-            </a:r>
-            <a:r>
-              <a:rPr lang="ja-JP" altLang="en-US" sz="2400" dirty="0">
-                <a:latin typeface="Meiryo" charset="-128"/>
-                <a:ea typeface="Meiryo" charset="-128"/>
-                <a:cs typeface="Meiryo" charset="-128"/>
-              </a:rPr>
-              <a:t>の処理</a:t>
-            </a:r>
-            <a:r>
-              <a:rPr lang="ja-JP" altLang="en-US" sz="2400" dirty="0" smtClean="0">
-                <a:latin typeface="Meiryo" charset="-128"/>
-                <a:ea typeface="Meiryo" charset="-128"/>
-                <a:cs typeface="Meiryo" charset="-128"/>
-              </a:rPr>
-              <a:t>で</a:t>
-            </a:r>
-            <a:r>
-              <a:rPr lang="en-US" altLang="ja-JP" sz="2400" dirty="0" smtClean="0">
-                <a:latin typeface="Meiryo" charset="-128"/>
-                <a:ea typeface="Meiryo" charset="-128"/>
-                <a:cs typeface="Meiryo" charset="-128"/>
-              </a:rPr>
-              <a:t> </a:t>
-            </a:r>
-            <a:r>
-              <a:rPr lang="ja-JP" altLang="en-US" sz="2400" i="1" dirty="0" smtClean="0">
-                <a:latin typeface="Times New Roman" charset="0"/>
-                <a:ea typeface="Times New Roman" charset="0"/>
-                <a:cs typeface="Times New Roman" charset="0"/>
-              </a:rPr>
-              <a:t>k</a:t>
-            </a:r>
-            <a:r>
-              <a:rPr lang="en-US" altLang="ja-JP" sz="2400" dirty="0" smtClean="0">
-                <a:latin typeface="Meiryo" charset="-128"/>
-                <a:ea typeface="Meiryo" charset="-128"/>
-                <a:cs typeface="Meiryo" charset="-128"/>
-              </a:rPr>
-              <a:t> </a:t>
-            </a:r>
-            <a:r>
-              <a:rPr lang="ja-JP" altLang="en-US" sz="2400" dirty="0" smtClean="0">
-                <a:latin typeface="Meiryo" charset="-128"/>
-                <a:ea typeface="Meiryo" charset="-128"/>
-                <a:cs typeface="Meiryo" charset="-128"/>
-              </a:rPr>
-              <a:t>が</a:t>
-            </a:r>
-            <a:r>
-              <a:rPr lang="ja-JP" altLang="en-US" sz="2400" dirty="0">
-                <a:latin typeface="Meiryo" charset="-128"/>
-                <a:ea typeface="Meiryo" charset="-128"/>
-                <a:cs typeface="Meiryo" charset="-128"/>
-              </a:rPr>
-              <a:t>増加した場合は処理2へ戻る．そうでない場合は終了する</a:t>
-            </a:r>
-            <a:r>
-              <a:rPr lang="ja-JP" altLang="en-US" sz="2400" dirty="0" smtClean="0">
-                <a:latin typeface="Meiryo" charset="-128"/>
-                <a:ea typeface="Meiryo" charset="-128"/>
-                <a:cs typeface="Meiryo" charset="-128"/>
-              </a:rPr>
-              <a:t>．</a:t>
-            </a:r>
-            <a:endParaRPr lang="ja-JP" altLang="en-US" sz="2400" dirty="0">
-              <a:latin typeface="Meiryo" charset="-128"/>
-              <a:ea typeface="Meiryo" charset="-128"/>
-              <a:cs typeface="Meiryo" charset="-128"/>
-            </a:endParaRPr>
-          </a:p>
-        </p:txBody>
-      </p:sp>
-    </p:spTree>
-    <p:extLst>
-      <p:ext uri="{BB962C8B-B14F-4D97-AF65-F5344CB8AC3E}">
-        <p14:creationId xmlns:p14="http://schemas.microsoft.com/office/powerpoint/2010/main" val="1960684047"/>
-      </p:ext>
-    </p:extLst>
-  </p:cSld>
-  <p:clrMapOvr>
-    <a:masterClrMapping/>
-  </p:clrMapOvr>
-  <p:timing>
-    <p:tnLst>
-      <p:par>
-        <p:cTn id="1" dur="indefinite" restart="never" nodeType="tmRoot"/>
-      </p:par>
-    </p:tnLst>
-  </p:timing>
-</p:sld>
-</file>
-
-<file path=ppt/slides/slide7.xml><?xml version="1.0" encoding="utf-8"?>
-<p:sld xmlns:a="http://schemas.openxmlformats.org/drawingml/2006/main" xmlns:r="http://schemas.openxmlformats.org/officeDocument/2006/relationships" xmlns:p="http://schemas.openxmlformats.org/presentationml/2006/main">
-  <p:cSld>
-    <p:spTree>
-      <p:nvGrpSpPr>
-        <p:cNvPr id="1" name=""/>
-        <p:cNvGrpSpPr/>
-        <p:nvPr/>
-      </p:nvGrpSpPr>
-      <p:grpSpPr>
-        <a:xfrm>
-          <a:off x="0" y="0"/>
-          <a:ext cx="0" cy="0"/>
-          <a:chOff x="0" y="0"/>
-          <a:chExt cx="0" cy="0"/>
-        </a:xfrm>
-      </p:grpSpPr>
-      <p:sp>
-        <p:nvSpPr>
-          <p:cNvPr id="2" name="タイトル 1"/>
-          <p:cNvSpPr>
-            <a:spLocks noGrp="1"/>
-          </p:cNvSpPr>
-          <p:nvPr>
-            <p:ph type="title"/>
-          </p:nvPr>
-        </p:nvSpPr>
-        <p:spPr/>
-        <p:txBody>
-          <a:bodyPr/>
-          <a:lstStyle/>
-          <a:p>
-            <a:r>
-              <a:rPr kumimoji="1" lang="en-US" altLang="ja-JP" dirty="0" smtClean="0"/>
-              <a:t>X-means</a:t>
-            </a:r>
-            <a:endParaRPr kumimoji="1" lang="ja-JP" altLang="en-US" dirty="0"/>
-          </a:p>
-        </p:txBody>
-      </p:sp>
-      <p:pic>
-        <p:nvPicPr>
-          <p:cNvPr id="4" name="図 3"/>
-          <p:cNvPicPr>
-            <a:picLocks noChangeAspect="1"/>
-          </p:cNvPicPr>
-          <p:nvPr/>
-        </p:nvPicPr>
-        <p:blipFill>
-          <a:blip r:embed="rId2">
-            <a:extLst>
-              <a:ext uri="{28A0092B-C50C-407E-A947-70E740481C1C}">
-                <a14:useLocalDpi xmlns:a14="http://schemas.microsoft.com/office/drawing/2010/main" val="0"/>
-              </a:ext>
-            </a:extLst>
-          </a:blip>
-          <a:stretch>
-            <a:fillRect/>
-          </a:stretch>
-        </p:blipFill>
-        <p:spPr>
-          <a:xfrm>
-            <a:off x="71116" y="2257374"/>
-            <a:ext cx="4294802" cy="3223431"/>
-          </a:xfrm>
-          <a:prstGeom prst="rect">
-            <a:avLst/>
-          </a:prstGeom>
-        </p:spPr>
-      </p:pic>
-      <p:pic>
-        <p:nvPicPr>
-          <p:cNvPr id="5" name="図 4"/>
-          <p:cNvPicPr>
-            <a:picLocks noChangeAspect="1"/>
-          </p:cNvPicPr>
-          <p:nvPr/>
-        </p:nvPicPr>
-        <p:blipFill>
-          <a:blip r:embed="rId3">
-            <a:extLst>
-              <a:ext uri="{28A0092B-C50C-407E-A947-70E740481C1C}">
-                <a14:useLocalDpi xmlns:a14="http://schemas.microsoft.com/office/drawing/2010/main" val="0"/>
-              </a:ext>
-            </a:extLst>
-          </a:blip>
-          <a:stretch>
-            <a:fillRect/>
-          </a:stretch>
-        </p:blipFill>
-        <p:spPr>
-          <a:xfrm>
-            <a:off x="4245359" y="2257374"/>
-            <a:ext cx="4234743" cy="3178354"/>
-          </a:xfrm>
-          <a:prstGeom prst="rect">
-            <a:avLst/>
-          </a:prstGeom>
-        </p:spPr>
-      </p:pic>
-      <p:pic>
-        <p:nvPicPr>
-          <p:cNvPr id="8" name="図 7"/>
-          <p:cNvPicPr>
-            <a:picLocks noChangeAspect="1"/>
-          </p:cNvPicPr>
-          <p:nvPr/>
-        </p:nvPicPr>
-        <p:blipFill>
-          <a:blip r:embed="rId4">
-            <a:extLst>
-              <a:ext uri="{28A0092B-C50C-407E-A947-70E740481C1C}">
-                <a14:useLocalDpi xmlns:a14="http://schemas.microsoft.com/office/drawing/2010/main" val="0"/>
-              </a:ext>
-            </a:extLst>
-          </a:blip>
-          <a:stretch>
-            <a:fillRect/>
-          </a:stretch>
-        </p:blipFill>
-        <p:spPr>
-          <a:xfrm>
-            <a:off x="8359542" y="2363128"/>
-            <a:ext cx="3952935" cy="2966845"/>
-          </a:xfrm>
-          <a:prstGeom prst="rect">
-            <a:avLst/>
-          </a:prstGeom>
-        </p:spPr>
-      </p:pic>
-    </p:spTree>
-    <p:extLst>
-      <p:ext uri="{BB962C8B-B14F-4D97-AF65-F5344CB8AC3E}">
-        <p14:creationId xmlns:p14="http://schemas.microsoft.com/office/powerpoint/2010/main" val="32361171"/>
-      </p:ext>
-    </p:extLst>
-  </p:cSld>
-  <p:clrMapOvr>
-    <a:masterClrMapping/>
-  </p:clrMapOvr>
-  <p:timing>
-    <p:tnLst>
-      <p:par>
-        <p:cTn id="1" dur="indefinite" restart="never" nodeType="tmRoot"/>
-      </p:par>
-    </p:tnLst>
-  </p:timing>
-</p:sld>
-</file>
-
-<file path=ppt/slides/slide8.xml><?xml version="1.0" encoding="utf-8"?>
-<p:sld xmlns:a="http://schemas.openxmlformats.org/drawingml/2006/main" xmlns:r="http://schemas.openxmlformats.org/officeDocument/2006/relationships" xmlns:p="http://schemas.openxmlformats.org/presentationml/2006/main">
-  <p:cSld>
-    <p:spTree>
-      <p:nvGrpSpPr>
-        <p:cNvPr id="1" name=""/>
-        <p:cNvGrpSpPr/>
-        <p:nvPr/>
-      </p:nvGrpSpPr>
-      <p:grpSpPr>
-        <a:xfrm>
-          <a:off x="0" y="0"/>
-          <a:ext cx="0" cy="0"/>
-          <a:chOff x="0" y="0"/>
-          <a:chExt cx="0" cy="0"/>
-        </a:xfrm>
-      </p:grpSpPr>
-      <p:sp>
-        <p:nvSpPr>
-          <p:cNvPr id="2" name="タイトル 1"/>
-          <p:cNvSpPr>
-            <a:spLocks noGrp="1"/>
-          </p:cNvSpPr>
-          <p:nvPr>
-            <p:ph type="title"/>
-          </p:nvPr>
-        </p:nvSpPr>
-        <p:spPr/>
-        <p:txBody>
-          <a:bodyPr/>
-          <a:lstStyle/>
-          <a:p>
-            <a:r>
-              <a:rPr kumimoji="1" lang="ja-JP" altLang="en-US" dirty="0" smtClean="0"/>
-              <a:t>情報量規準</a:t>
-            </a:r>
-            <a:endParaRPr kumimoji="1" lang="ja-JP" altLang="en-US" dirty="0"/>
-          </a:p>
-        </p:txBody>
-      </p:sp>
-      <p:sp>
-        <p:nvSpPr>
-          <p:cNvPr id="6" name="コンテンツ プレースホルダー 2"/>
+          <p:cNvPr id="5" name="コンテンツ プレースホルダー 2"/>
           <p:cNvSpPr txBox="1">
             <a:spLocks/>
           </p:cNvSpPr>
@@ -8503,8 +6747,8 @@
         </p:nvSpPr>
         <p:spPr>
           <a:xfrm>
-            <a:off x="838200" y="1807459"/>
-            <a:ext cx="10515600" cy="3311080"/>
+            <a:off x="990600" y="1657051"/>
+            <a:ext cx="10515600" cy="681511"/>
           </a:xfrm>
           <a:prstGeom prst="rect">
             <a:avLst/>
@@ -8680,66 +6924,3916 @@
           </a:lstStyle>
           <a:p>
             <a:pPr marL="0" indent="0">
+              <a:lnSpc>
+                <a:spcPct val="100000"/>
+              </a:lnSpc>
+              <a:spcBef>
+                <a:spcPts val="0"/>
+              </a:spcBef>
+              <a:buFontTx/>
+              <a:buNone/>
+            </a:pPr>
+            <a:r>
+              <a:rPr lang="ja-JP" altLang="en-US" smtClean="0"/>
+              <a:t>扱いやすくするため，前出の</a:t>
+            </a:r>
+            <a:r>
+              <a:rPr lang="en-US" altLang="ja-JP" smtClean="0"/>
+              <a:t> </a:t>
+            </a:r>
+            <a:r>
+              <a:rPr lang="en-US" altLang="ja-JP" i="1" smtClean="0">
+                <a:latin typeface="Times New Roman" charset="0"/>
+                <a:ea typeface="Times New Roman" charset="0"/>
+                <a:cs typeface="Times New Roman" charset="0"/>
+              </a:rPr>
+              <a:t>L</a:t>
+            </a:r>
+            <a:r>
+              <a:rPr lang="en-US" altLang="ja-JP" smtClean="0">
+                <a:latin typeface="Times New Roman" charset="0"/>
+                <a:ea typeface="Times New Roman" charset="0"/>
+                <a:cs typeface="Times New Roman" charset="0"/>
+              </a:rPr>
+              <a:t>(</a:t>
+            </a:r>
+            <a:r>
+              <a:rPr lang="en-US" altLang="ja-JP" i="1" smtClean="0">
+                <a:latin typeface="Times New Roman" charset="0"/>
+                <a:ea typeface="Times New Roman" charset="0"/>
+                <a:cs typeface="Times New Roman" charset="0"/>
+              </a:rPr>
+              <a:t>θ</a:t>
+            </a:r>
+            <a:r>
+              <a:rPr lang="en-US" altLang="ja-JP" smtClean="0">
+                <a:latin typeface="Times New Roman" charset="0"/>
+                <a:ea typeface="Times New Roman" charset="0"/>
+                <a:cs typeface="Times New Roman" charset="0"/>
+              </a:rPr>
+              <a:t>)</a:t>
+            </a:r>
+            <a:r>
+              <a:rPr lang="ja-JP" altLang="en-US" smtClean="0"/>
+              <a:t> の両辺の対数をとる</a:t>
+            </a:r>
+            <a:endParaRPr lang="ja-JP" altLang="en-US" dirty="0"/>
+          </a:p>
+        </p:txBody>
+      </p:sp>
+      <p:pic>
+        <p:nvPicPr>
+          <p:cNvPr id="6" name="図 5"/>
+          <p:cNvPicPr>
+            <a:picLocks noChangeAspect="1"/>
+          </p:cNvPicPr>
+          <p:nvPr/>
+        </p:nvPicPr>
+        <p:blipFill>
+          <a:blip r:embed="rId2"/>
+          <a:stretch>
+            <a:fillRect/>
+          </a:stretch>
+        </p:blipFill>
+        <p:spPr>
+          <a:xfrm>
+            <a:off x="3930650" y="2274554"/>
+            <a:ext cx="4330700" cy="1257300"/>
+          </a:xfrm>
+          <a:prstGeom prst="rect">
+            <a:avLst/>
+          </a:prstGeom>
+        </p:spPr>
+      </p:pic>
+    </p:spTree>
+    <p:extLst>
+      <p:ext uri="{BB962C8B-B14F-4D97-AF65-F5344CB8AC3E}">
+        <p14:creationId xmlns:p14="http://schemas.microsoft.com/office/powerpoint/2010/main" val="488336414"/>
+      </p:ext>
+    </p:extLst>
+  </p:cSld>
+  <p:clrMapOvr>
+    <a:masterClrMapping/>
+  </p:clrMapOvr>
+  <p:timing>
+    <p:tnLst>
+      <p:par>
+        <p:cTn id="1" dur="indefinite" restart="never" nodeType="tmRoot"/>
+      </p:par>
+    </p:tnLst>
+  </p:timing>
+</p:sld>
+</file>
+
+<file path=ppt/slides/slide3.xml><?xml version="1.0" encoding="utf-8"?>
+<p:sld xmlns:a="http://schemas.openxmlformats.org/drawingml/2006/main" xmlns:r="http://schemas.openxmlformats.org/officeDocument/2006/relationships" xmlns:p="http://schemas.openxmlformats.org/presentationml/2006/main">
+  <p:cSld>
+    <p:spTree>
+      <p:nvGrpSpPr>
+        <p:cNvPr id="1" name=""/>
+        <p:cNvGrpSpPr/>
+        <p:nvPr/>
+      </p:nvGrpSpPr>
+      <p:grpSpPr>
+        <a:xfrm>
+          <a:off x="0" y="0"/>
+          <a:ext cx="0" cy="0"/>
+          <a:chOff x="0" y="0"/>
+          <a:chExt cx="0" cy="0"/>
+        </a:xfrm>
+      </p:grpSpPr>
+      <p:sp>
+        <p:nvSpPr>
+          <p:cNvPr id="2" name="タイトル 1"/>
+          <p:cNvSpPr>
+            <a:spLocks noGrp="1"/>
+          </p:cNvSpPr>
+          <p:nvPr>
+            <p:ph type="title"/>
+          </p:nvPr>
+        </p:nvSpPr>
+        <p:spPr>
+          <a:xfrm>
+            <a:off x="838200" y="193072"/>
+            <a:ext cx="10515600" cy="636925"/>
+          </a:xfrm>
+        </p:spPr>
+        <p:txBody>
+          <a:bodyPr/>
+          <a:lstStyle/>
+          <a:p>
+            <a:r>
+              <a:rPr kumimoji="1" lang="ja-JP" altLang="en-US" dirty="0" smtClean="0"/>
+              <a:t>背景</a:t>
+            </a:r>
+            <a:endParaRPr kumimoji="1" lang="ja-JP" altLang="en-US" dirty="0"/>
+          </a:p>
+        </p:txBody>
+      </p:sp>
+      <p:sp>
+        <p:nvSpPr>
+          <p:cNvPr id="3" name="コンテンツ プレースホルダー 2"/>
+          <p:cNvSpPr>
+            <a:spLocks noGrp="1"/>
+          </p:cNvSpPr>
+          <p:nvPr>
+            <p:ph idx="1"/>
+          </p:nvPr>
+        </p:nvSpPr>
+        <p:spPr>
+          <a:xfrm>
+            <a:off x="252247" y="1184611"/>
+            <a:ext cx="11540359" cy="3009018"/>
+          </a:xfrm>
+        </p:spPr>
+        <p:txBody>
+          <a:bodyPr/>
+          <a:lstStyle/>
+          <a:p>
+            <a:pPr marL="0" marR="0" lvl="0" indent="0" defTabSz="914400" eaLnBrk="1" fontAlgn="auto" latinLnBrk="0" hangingPunct="1">
+              <a:spcBef>
+                <a:spcPts val="0"/>
+              </a:spcBef>
+              <a:spcAft>
+                <a:spcPts val="0"/>
+              </a:spcAft>
+              <a:buClrTx/>
+              <a:buSzTx/>
+              <a:buFontTx/>
+              <a:buNone/>
+              <a:tabLst/>
+              <a:defRPr/>
+            </a:pPr>
+            <a:r>
+              <a:rPr kumimoji="1" lang="ja-JP" altLang="en-US" dirty="0" smtClean="0"/>
+              <a:t>クラスタ数推定・クラスタリングを行う手法 </a:t>
+            </a:r>
+            <a:r>
+              <a:rPr lang="en-US" altLang="ja-JP" dirty="0" smtClean="0"/>
+              <a:t>”</a:t>
+            </a:r>
+            <a:r>
+              <a:rPr lang="en-US" altLang="ja-JP" b="1" dirty="0" smtClean="0"/>
+              <a:t>X-means</a:t>
+            </a:r>
+            <a:r>
+              <a:rPr lang="en-US" altLang="ja-JP" dirty="0" smtClean="0"/>
+              <a:t>”</a:t>
+            </a:r>
+            <a:endParaRPr kumimoji="1" lang="en-US" altLang="ja-JP" dirty="0" smtClean="0"/>
+          </a:p>
+          <a:p>
+            <a:pPr marR="0" lvl="0" defTabSz="914400" eaLnBrk="1" fontAlgn="auto" latinLnBrk="0" hangingPunct="1">
+              <a:spcBef>
+                <a:spcPts val="0"/>
+              </a:spcBef>
+              <a:spcAft>
+                <a:spcPts val="0"/>
+              </a:spcAft>
+              <a:buClrTx/>
+              <a:buSzTx/>
+              <a:buFont typeface="Wingdings" charset="2"/>
+              <a:buChar char="u"/>
+              <a:tabLst/>
+              <a:defRPr/>
+            </a:pPr>
+            <a:r>
+              <a:rPr lang="ja-JP" altLang="en-US" dirty="0" smtClean="0"/>
+              <a:t> データが混合等方</a:t>
+            </a:r>
+            <a:r>
+              <a:rPr lang="en-US" altLang="ja-JP" dirty="0" smtClean="0"/>
+              <a:t>Gauss</a:t>
+            </a:r>
+            <a:r>
+              <a:rPr lang="ja-JP" altLang="en-US" dirty="0" smtClean="0"/>
+              <a:t>分布から生成されたと想定</a:t>
+            </a:r>
+            <a:endParaRPr lang="en-US" altLang="ja-JP" dirty="0" smtClean="0"/>
+          </a:p>
+          <a:p>
+            <a:pPr marR="0" lvl="0" defTabSz="914400" eaLnBrk="1" fontAlgn="auto" latinLnBrk="0" hangingPunct="1">
+              <a:spcBef>
+                <a:spcPts val="0"/>
+              </a:spcBef>
+              <a:spcAft>
+                <a:spcPts val="0"/>
+              </a:spcAft>
+              <a:buClrTx/>
+              <a:buSzTx/>
+              <a:buFont typeface="Wingdings" charset="2"/>
+              <a:buChar char="u"/>
+              <a:tabLst/>
+              <a:defRPr/>
+            </a:pPr>
+            <a:r>
+              <a:rPr lang="ja-JP" altLang="en-US" dirty="0" smtClean="0"/>
+              <a:t> </a:t>
+            </a:r>
+            <a:r>
+              <a:rPr lang="ja-JP" altLang="en-US" b="1" dirty="0" smtClean="0"/>
+              <a:t>情報量規準</a:t>
+            </a:r>
+            <a:r>
+              <a:rPr lang="ja-JP" altLang="en-US" dirty="0" smtClean="0"/>
+              <a:t>と呼ばれる指標により</a:t>
+            </a:r>
+            <a:r>
+              <a:rPr lang="ja-JP" altLang="en-US" dirty="0" smtClean="0"/>
+              <a:t>クラスタ数</a:t>
+            </a:r>
+            <a:r>
+              <a:rPr lang="ja-JP" altLang="en-US" dirty="0" smtClean="0"/>
+              <a:t>を</a:t>
+            </a:r>
+            <a:r>
+              <a:rPr lang="ja-JP" altLang="en-US" dirty="0" smtClean="0"/>
+              <a:t>推定</a:t>
+            </a:r>
+            <a:endParaRPr kumimoji="1" lang="ja-JP" altLang="en-US" dirty="0"/>
+          </a:p>
+        </p:txBody>
+      </p:sp>
+      <p:sp>
+        <p:nvSpPr>
+          <p:cNvPr id="4" name="正方形/長方形 3"/>
+          <p:cNvSpPr/>
+          <p:nvPr/>
+        </p:nvSpPr>
+        <p:spPr>
+          <a:xfrm>
+            <a:off x="0" y="4390587"/>
+            <a:ext cx="12192000" cy="2309757"/>
+          </a:xfrm>
+          <a:prstGeom prst="rect">
+            <a:avLst/>
+          </a:prstGeom>
+          <a:solidFill>
+            <a:schemeClr val="bg2">
+              <a:lumMod val="90000"/>
+            </a:schemeClr>
+          </a:solidFill>
+          <a:ln>
+            <a:noFill/>
+          </a:ln>
+        </p:spPr>
+        <p:style>
+          <a:lnRef idx="2">
+            <a:schemeClr val="accent1">
+              <a:shade val="50000"/>
+            </a:schemeClr>
+          </a:lnRef>
+          <a:fillRef idx="1">
+            <a:schemeClr val="accent1"/>
+          </a:fillRef>
+          <a:effectRef idx="0">
+            <a:schemeClr val="accent1"/>
+          </a:effectRef>
+          <a:fontRef idx="minor">
+            <a:schemeClr val="lt1"/>
+          </a:fontRef>
+        </p:style>
+        <p:txBody>
+          <a:bodyPr rtlCol="0" anchor="ctr"/>
+          <a:lstStyle/>
+          <a:p>
+            <a:pPr algn="ctr">
+              <a:lnSpc>
+                <a:spcPct val="150000"/>
+              </a:lnSpc>
+            </a:pPr>
+            <a:r>
+              <a:rPr kumimoji="1" lang="ja-JP" altLang="en-US" sz="2800" b="1" dirty="0" smtClean="0">
+                <a:solidFill>
+                  <a:schemeClr val="accent1">
+                    <a:lumMod val="75000"/>
+                  </a:schemeClr>
+                </a:solidFill>
+                <a:latin typeface="Meiryo" charset="-128"/>
+                <a:ea typeface="Meiryo" charset="-128"/>
+                <a:cs typeface="Meiryo" charset="-128"/>
+              </a:rPr>
+              <a:t>情報量規準</a:t>
+            </a:r>
+            <a:endParaRPr kumimoji="1" lang="en-US" altLang="ja-JP" sz="2800" b="1" dirty="0" smtClean="0">
+              <a:solidFill>
+                <a:schemeClr val="accent1">
+                  <a:lumMod val="75000"/>
+                </a:schemeClr>
+              </a:solidFill>
+              <a:latin typeface="Meiryo" charset="-128"/>
+              <a:ea typeface="Meiryo" charset="-128"/>
+              <a:cs typeface="Meiryo" charset="-128"/>
+            </a:endParaRPr>
+          </a:p>
+          <a:p>
+            <a:pPr algn="ctr">
+              <a:lnSpc>
+                <a:spcPct val="150000"/>
+              </a:lnSpc>
+            </a:pPr>
+            <a:r>
+              <a:rPr kumimoji="1" lang="ja-JP" altLang="en-US" sz="2800" b="1" dirty="0" smtClean="0">
+                <a:solidFill>
+                  <a:schemeClr val="tx1">
+                    <a:lumMod val="75000"/>
+                    <a:lumOff val="25000"/>
+                  </a:schemeClr>
+                </a:solidFill>
+                <a:latin typeface="Meiryo" charset="-128"/>
+                <a:ea typeface="Meiryo" charset="-128"/>
+                <a:cs typeface="Meiryo" charset="-128"/>
+              </a:rPr>
+              <a:t>想定した確率分布（モデル）とデータの当てはまりの良さを表す指標</a:t>
+            </a:r>
+            <a:endParaRPr kumimoji="1" lang="en-US" altLang="ja-JP" sz="2800" b="1" dirty="0" smtClean="0">
+              <a:solidFill>
+                <a:schemeClr val="tx1">
+                  <a:lumMod val="75000"/>
+                  <a:lumOff val="25000"/>
+                </a:schemeClr>
+              </a:solidFill>
+              <a:latin typeface="Meiryo" charset="-128"/>
+              <a:ea typeface="Meiryo" charset="-128"/>
+              <a:cs typeface="Meiryo" charset="-128"/>
+            </a:endParaRPr>
+          </a:p>
+        </p:txBody>
+      </p:sp>
+    </p:spTree>
+    <p:extLst>
+      <p:ext uri="{BB962C8B-B14F-4D97-AF65-F5344CB8AC3E}">
+        <p14:creationId xmlns:p14="http://schemas.microsoft.com/office/powerpoint/2010/main" val="2087143949"/>
+      </p:ext>
+    </p:extLst>
+  </p:cSld>
+  <p:clrMapOvr>
+    <a:masterClrMapping/>
+  </p:clrMapOvr>
+  <p:timing>
+    <p:tnLst>
+      <p:par>
+        <p:cTn id="1" dur="indefinite" restart="never" nodeType="tmRoot"/>
+      </p:par>
+    </p:tnLst>
+  </p:timing>
+</p:sld>
+</file>
+
+<file path=ppt/slides/slide4.xml><?xml version="1.0" encoding="utf-8"?>
+<p:sld xmlns:a="http://schemas.openxmlformats.org/drawingml/2006/main" xmlns:r="http://schemas.openxmlformats.org/officeDocument/2006/relationships" xmlns:p="http://schemas.openxmlformats.org/presentationml/2006/main">
+  <p:cSld>
+    <p:spTree>
+      <p:nvGrpSpPr>
+        <p:cNvPr id="1" name=""/>
+        <p:cNvGrpSpPr/>
+        <p:nvPr/>
+      </p:nvGrpSpPr>
+      <p:grpSpPr>
+        <a:xfrm>
+          <a:off x="0" y="0"/>
+          <a:ext cx="0" cy="0"/>
+          <a:chOff x="0" y="0"/>
+          <a:chExt cx="0" cy="0"/>
+        </a:xfrm>
+      </p:grpSpPr>
+      <p:sp>
+        <p:nvSpPr>
+          <p:cNvPr id="2" name="タイトル 1"/>
+          <p:cNvSpPr>
+            <a:spLocks noGrp="1"/>
+          </p:cNvSpPr>
+          <p:nvPr>
+            <p:ph type="title"/>
+          </p:nvPr>
+        </p:nvSpPr>
+        <p:spPr/>
+        <p:txBody>
+          <a:bodyPr/>
+          <a:lstStyle/>
+          <a:p>
+            <a:r>
+              <a:rPr lang="ja-JP" altLang="en-US" dirty="0" smtClean="0"/>
+              <a:t>目的</a:t>
+            </a:r>
+            <a:endParaRPr kumimoji="1" lang="ja-JP" altLang="en-US" dirty="0"/>
+          </a:p>
+        </p:txBody>
+      </p:sp>
+      <p:sp>
+        <p:nvSpPr>
+          <p:cNvPr id="3" name="コンテンツ プレースホルダー 2"/>
+          <p:cNvSpPr>
+            <a:spLocks noGrp="1"/>
+          </p:cNvSpPr>
+          <p:nvPr>
+            <p:ph idx="1"/>
+          </p:nvPr>
+        </p:nvSpPr>
+        <p:spPr>
+          <a:xfrm>
+            <a:off x="838200" y="1815232"/>
+            <a:ext cx="10515600" cy="4351338"/>
+          </a:xfrm>
+        </p:spPr>
+        <p:txBody>
+          <a:bodyPr anchor="ctr"/>
+          <a:lstStyle/>
+          <a:p>
+            <a:pPr marL="0" indent="0" algn="ctr">
               <a:spcBef>
                 <a:spcPts val="0"/>
               </a:spcBef>
               <a:buNone/>
             </a:pPr>
             <a:r>
-              <a:rPr lang="ja-JP" altLang="en-US" b="1" dirty="0" smtClean="0"/>
-              <a:t>モデルの良し悪し</a:t>
-            </a:r>
-            <a:endParaRPr lang="en-US" altLang="ja-JP" b="1" dirty="0" smtClean="0"/>
+              <a:rPr lang="ja-JP" altLang="en-US" sz="3600" b="1" dirty="0" smtClean="0"/>
+              <a:t>どの情報量規準</a:t>
+            </a:r>
+            <a:r>
+              <a:rPr lang="ja-JP" altLang="en-US" sz="3600" dirty="0" smtClean="0"/>
+              <a:t>が</a:t>
+            </a:r>
+            <a:r>
+              <a:rPr lang="en-US" altLang="ja-JP" sz="3600" dirty="0" smtClean="0"/>
+              <a:t/>
+            </a:r>
+            <a:br>
+              <a:rPr lang="en-US" altLang="ja-JP" sz="3600" dirty="0" smtClean="0"/>
+            </a:br>
+            <a:r>
+              <a:rPr lang="ja-JP" altLang="en-US" sz="3600" b="1" dirty="0" smtClean="0"/>
+              <a:t>どのようなデータに対して最適か</a:t>
+            </a:r>
+            <a:r>
+              <a:rPr lang="ja-JP" altLang="en-US" sz="3600" dirty="0" smtClean="0"/>
+              <a:t>明らかにする</a:t>
+            </a:r>
+            <a:endParaRPr kumimoji="1" lang="ja-JP" altLang="en-US" sz="3600" dirty="0"/>
+          </a:p>
+        </p:txBody>
+      </p:sp>
+    </p:spTree>
+    <p:extLst>
+      <p:ext uri="{BB962C8B-B14F-4D97-AF65-F5344CB8AC3E}">
+        <p14:creationId xmlns:p14="http://schemas.microsoft.com/office/powerpoint/2010/main" val="2095859735"/>
+      </p:ext>
+    </p:extLst>
+  </p:cSld>
+  <p:clrMapOvr>
+    <a:masterClrMapping/>
+  </p:clrMapOvr>
+  <p:timing>
+    <p:tnLst>
+      <p:par>
+        <p:cTn id="1" dur="indefinite" restart="never" nodeType="tmRoot"/>
+      </p:par>
+    </p:tnLst>
+  </p:timing>
+</p:sld>
+</file>
+
+<file path=ppt/slides/slide5.xml><?xml version="1.0" encoding="utf-8"?>
+<p:sld xmlns:a="http://schemas.openxmlformats.org/drawingml/2006/main" xmlns:r="http://schemas.openxmlformats.org/officeDocument/2006/relationships" xmlns:p="http://schemas.openxmlformats.org/presentationml/2006/main">
+  <p:cSld>
+    <p:spTree>
+      <p:nvGrpSpPr>
+        <p:cNvPr id="1" name=""/>
+        <p:cNvGrpSpPr/>
+        <p:nvPr/>
+      </p:nvGrpSpPr>
+      <p:grpSpPr>
+        <a:xfrm>
+          <a:off x="0" y="0"/>
+          <a:ext cx="0" cy="0"/>
+          <a:chOff x="0" y="0"/>
+          <a:chExt cx="0" cy="0"/>
+        </a:xfrm>
+      </p:grpSpPr>
+      <p:sp>
+        <p:nvSpPr>
+          <p:cNvPr id="2" name="タイトル 1"/>
+          <p:cNvSpPr>
+            <a:spLocks noGrp="1"/>
+          </p:cNvSpPr>
+          <p:nvPr>
+            <p:ph type="title"/>
+          </p:nvPr>
+        </p:nvSpPr>
+        <p:spPr/>
+        <p:txBody>
+          <a:bodyPr/>
+          <a:lstStyle/>
+          <a:p>
+            <a:r>
+              <a:rPr lang="en-US" altLang="ja-JP" i="1" dirty="0">
+                <a:latin typeface="Times New Roman" charset="0"/>
+                <a:ea typeface="Times New Roman" charset="0"/>
+                <a:cs typeface="Times New Roman" charset="0"/>
+              </a:rPr>
+              <a:t>k</a:t>
+            </a:r>
+            <a:r>
+              <a:rPr kumimoji="1" lang="en-US" altLang="ja-JP" dirty="0" smtClean="0"/>
+              <a:t>-means</a:t>
+            </a:r>
+            <a:endParaRPr kumimoji="1" lang="ja-JP" altLang="en-US" dirty="0"/>
+          </a:p>
+        </p:txBody>
+      </p:sp>
+      <p:pic>
+        <p:nvPicPr>
+          <p:cNvPr id="4" name="コンテンツ プレースホルダー 3"/>
+          <p:cNvPicPr>
+            <a:picLocks noGrp="1" noChangeAspect="1"/>
+          </p:cNvPicPr>
+          <p:nvPr>
+            <p:ph idx="1"/>
+          </p:nvPr>
+        </p:nvPicPr>
+        <p:blipFill>
+          <a:blip r:embed="rId2"/>
+          <a:stretch>
+            <a:fillRect/>
+          </a:stretch>
+        </p:blipFill>
+        <p:spPr>
+          <a:xfrm>
+            <a:off x="226074" y="1132231"/>
+            <a:ext cx="8492358" cy="2437156"/>
+          </a:xfrm>
+          <a:prstGeom prst="rect">
+            <a:avLst/>
+          </a:prstGeom>
+        </p:spPr>
+      </p:pic>
+      <p:sp>
+        <p:nvSpPr>
+          <p:cNvPr id="5" name="テキスト ボックス 4"/>
+          <p:cNvSpPr txBox="1"/>
+          <p:nvPr/>
+        </p:nvSpPr>
+        <p:spPr>
+          <a:xfrm>
+            <a:off x="428297" y="3882131"/>
+            <a:ext cx="11610871" cy="2677656"/>
+          </a:xfrm>
+          <a:prstGeom prst="rect">
+            <a:avLst/>
+          </a:prstGeom>
+          <a:noFill/>
+        </p:spPr>
+        <p:txBody>
+          <a:bodyPr wrap="none" rtlCol="0">
+            <a:spAutoFit/>
+          </a:bodyPr>
+          <a:lstStyle/>
+          <a:p>
+            <a:pPr marL="514350" indent="-514350">
+              <a:lnSpc>
+                <a:spcPct val="150000"/>
+              </a:lnSpc>
+              <a:buAutoNum type="alphaLcParenBoth"/>
+            </a:pPr>
+            <a:r>
+              <a:rPr kumimoji="1" lang="ja-JP" altLang="en-US" sz="2800" dirty="0" smtClean="0">
+                <a:latin typeface="Meiryo" charset="-128"/>
+                <a:ea typeface="Meiryo" charset="-128"/>
+                <a:cs typeface="Meiryo" charset="-128"/>
+              </a:rPr>
+              <a:t> セントロイドの初期値を選ぶ</a:t>
+            </a:r>
+            <a:endParaRPr kumimoji="1" lang="en-US" altLang="ja-JP" sz="2800" dirty="0" smtClean="0">
+              <a:latin typeface="Meiryo" charset="-128"/>
+              <a:ea typeface="Meiryo" charset="-128"/>
+              <a:cs typeface="Meiryo" charset="-128"/>
+            </a:endParaRPr>
+          </a:p>
+          <a:p>
+            <a:pPr marL="514350" indent="-514350">
+              <a:lnSpc>
+                <a:spcPct val="150000"/>
+              </a:lnSpc>
+              <a:buAutoNum type="alphaLcParenBoth"/>
+            </a:pPr>
+            <a:r>
+              <a:rPr kumimoji="1" lang="ja-JP" altLang="en-US" sz="2800" dirty="0" smtClean="0">
+                <a:latin typeface="Meiryo" charset="-128"/>
+                <a:ea typeface="Meiryo" charset="-128"/>
+                <a:cs typeface="Meiryo" charset="-128"/>
+              </a:rPr>
+              <a:t> セントロイドを固定し，</a:t>
+            </a:r>
+            <a:r>
+              <a:rPr kumimoji="1" lang="ja-JP" altLang="en-US" sz="2800" b="1" dirty="0" smtClean="0">
+                <a:latin typeface="Meiryo" charset="-128"/>
+                <a:ea typeface="Meiryo" charset="-128"/>
+                <a:cs typeface="Meiryo" charset="-128"/>
+              </a:rPr>
+              <a:t>最も近いセントロイドにデータを割り当て</a:t>
+            </a:r>
+            <a:endParaRPr kumimoji="1" lang="en-US" altLang="ja-JP" sz="2800" b="1" dirty="0" smtClean="0">
+              <a:latin typeface="Meiryo" charset="-128"/>
+              <a:ea typeface="Meiryo" charset="-128"/>
+              <a:cs typeface="Meiryo" charset="-128"/>
+            </a:endParaRPr>
+          </a:p>
+          <a:p>
+            <a:pPr marL="514350" indent="-514350">
+              <a:lnSpc>
+                <a:spcPct val="150000"/>
+              </a:lnSpc>
+              <a:buAutoNum type="alphaLcParenBoth"/>
+            </a:pPr>
+            <a:r>
+              <a:rPr lang="ja-JP" altLang="en-US" sz="2800" dirty="0">
+                <a:latin typeface="Meiryo" charset="-128"/>
+                <a:ea typeface="Meiryo" charset="-128"/>
+                <a:cs typeface="Meiryo" charset="-128"/>
+              </a:rPr>
+              <a:t> </a:t>
+            </a:r>
+            <a:r>
+              <a:rPr lang="ja-JP" altLang="en-US" sz="2800" dirty="0" smtClean="0">
+                <a:latin typeface="Meiryo" charset="-128"/>
+                <a:ea typeface="Meiryo" charset="-128"/>
+                <a:cs typeface="Meiryo" charset="-128"/>
+              </a:rPr>
+              <a:t>割り当てられた</a:t>
+            </a:r>
+            <a:r>
+              <a:rPr lang="ja-JP" altLang="en-US" sz="2800" b="1" dirty="0" smtClean="0">
+                <a:latin typeface="Meiryo" charset="-128"/>
+                <a:ea typeface="Meiryo" charset="-128"/>
+                <a:cs typeface="Meiryo" charset="-128"/>
+              </a:rPr>
+              <a:t>データの重心にセントロイドを移動</a:t>
+            </a:r>
+            <a:endParaRPr lang="en-US" altLang="ja-JP" sz="2800" b="1" dirty="0" smtClean="0">
+              <a:latin typeface="Meiryo" charset="-128"/>
+              <a:ea typeface="Meiryo" charset="-128"/>
+              <a:cs typeface="Meiryo" charset="-128"/>
+            </a:endParaRPr>
           </a:p>
           <a:p>
             <a:pPr>
-              <a:spcBef>
-                <a:spcPts val="0"/>
-              </a:spcBef>
-              <a:buFont typeface="Wingdings" charset="2"/>
-              <a:buChar char="u"/>
+              <a:lnSpc>
+                <a:spcPct val="150000"/>
+              </a:lnSpc>
             </a:pPr>
             <a:r>
-              <a:rPr lang="ja-JP" altLang="en-US" b="1" dirty="0"/>
-              <a:t> </a:t>
-            </a:r>
-            <a:r>
-              <a:rPr lang="ja-JP" altLang="en-US" dirty="0" smtClean="0"/>
-              <a:t>データに対するモデルの当てはまり度</a:t>
-            </a:r>
-            <a:endParaRPr lang="en-US" altLang="ja-JP" dirty="0" smtClean="0"/>
-          </a:p>
-          <a:p>
-            <a:pPr>
-              <a:spcBef>
-                <a:spcPts val="0"/>
-              </a:spcBef>
-              <a:buFont typeface="Wingdings" charset="2"/>
-              <a:buChar char="u"/>
-            </a:pPr>
-            <a:r>
-              <a:rPr lang="ja-JP" altLang="en-US" b="1" dirty="0" smtClean="0"/>
-              <a:t>（</a:t>
-            </a:r>
-            <a:r>
-              <a:rPr lang="ja-JP" altLang="en-US" b="1" dirty="0"/>
-              <a:t>モデルの最大対数尤度）ー （罰則項</a:t>
-            </a:r>
-            <a:r>
-              <a:rPr lang="ja-JP" altLang="en-US" b="1" dirty="0" smtClean="0"/>
-              <a:t>）</a:t>
-            </a:r>
-            <a:r>
-              <a:rPr lang="ja-JP" altLang="en-US" dirty="0" smtClean="0"/>
-              <a:t>で近似</a:t>
-            </a:r>
-            <a:endParaRPr lang="en-US" altLang="ja-JP" dirty="0" smtClean="0"/>
+              <a:rPr lang="en-US" altLang="ja-JP" sz="2800" dirty="0" smtClean="0">
+                <a:latin typeface="Meiryo" charset="-128"/>
+                <a:ea typeface="Meiryo" charset="-128"/>
+                <a:cs typeface="Meiryo" charset="-128"/>
+              </a:rPr>
+              <a:t>(*) </a:t>
+            </a:r>
+            <a:r>
+              <a:rPr lang="ja-JP" altLang="en-US" sz="2800" dirty="0" smtClean="0">
+                <a:latin typeface="Meiryo" charset="-128"/>
+                <a:ea typeface="Meiryo" charset="-128"/>
+                <a:cs typeface="Meiryo" charset="-128"/>
+              </a:rPr>
+              <a:t>再割り当てが起こらなくなるまで</a:t>
+            </a:r>
+            <a:r>
+              <a:rPr lang="en-US" altLang="ja-JP" sz="2800" dirty="0" smtClean="0">
+                <a:latin typeface="Meiryo" charset="-128"/>
+                <a:ea typeface="Meiryo" charset="-128"/>
+                <a:cs typeface="Meiryo" charset="-128"/>
+              </a:rPr>
+              <a:t> (b), </a:t>
+            </a:r>
+            <a:r>
+              <a:rPr lang="de-DE" altLang="ja-JP" sz="2800" dirty="0" smtClean="0">
+                <a:latin typeface="Meiryo" charset="-128"/>
+                <a:ea typeface="Meiryo" charset="-128"/>
+                <a:cs typeface="Meiryo" charset="-128"/>
+              </a:rPr>
+              <a:t>(c)</a:t>
+            </a:r>
+            <a:r>
+              <a:rPr lang="ja-JP" altLang="en-US" sz="2800" dirty="0" smtClean="0">
+                <a:latin typeface="Meiryo" charset="-128"/>
+                <a:ea typeface="Meiryo" charset="-128"/>
+                <a:cs typeface="Meiryo" charset="-128"/>
+              </a:rPr>
+              <a:t>を繰り返す</a:t>
+            </a:r>
+            <a:endParaRPr kumimoji="1" lang="ja-JP" altLang="en-US" sz="2800" dirty="0">
+              <a:latin typeface="Meiryo" charset="-128"/>
+              <a:ea typeface="Meiryo" charset="-128"/>
+              <a:cs typeface="Meiryo" charset="-128"/>
+            </a:endParaRPr>
+          </a:p>
+        </p:txBody>
+      </p:sp>
+      <p:pic>
+        <p:nvPicPr>
+          <p:cNvPr id="7" name="図 6"/>
+          <p:cNvPicPr>
+            <a:picLocks noChangeAspect="1"/>
+          </p:cNvPicPr>
+          <p:nvPr/>
+        </p:nvPicPr>
+        <p:blipFill>
+          <a:blip r:embed="rId3"/>
+          <a:stretch>
+            <a:fillRect/>
+          </a:stretch>
+        </p:blipFill>
+        <p:spPr>
+          <a:xfrm>
+            <a:off x="9634460" y="1221010"/>
+            <a:ext cx="2404708" cy="2255052"/>
+          </a:xfrm>
+          <a:prstGeom prst="rect">
+            <a:avLst/>
+          </a:prstGeom>
+        </p:spPr>
+      </p:pic>
+      <p:sp>
+        <p:nvSpPr>
+          <p:cNvPr id="8" name="テキスト ボックス 7"/>
+          <p:cNvSpPr txBox="1"/>
+          <p:nvPr/>
+        </p:nvSpPr>
+        <p:spPr>
+          <a:xfrm>
+            <a:off x="8737864" y="2166143"/>
+            <a:ext cx="877163" cy="369332"/>
+          </a:xfrm>
+          <a:prstGeom prst="rect">
+            <a:avLst/>
+          </a:prstGeom>
+          <a:noFill/>
+        </p:spPr>
+        <p:txBody>
+          <a:bodyPr wrap="none" rtlCol="0">
+            <a:spAutoFit/>
+          </a:bodyPr>
+          <a:lstStyle/>
+          <a:p>
+            <a:r>
+              <a:rPr kumimoji="1" lang="ja-JP" altLang="en-US" b="1" smtClean="0">
+                <a:latin typeface="Meiryo" charset="-128"/>
+                <a:ea typeface="Meiryo" charset="-128"/>
+                <a:cs typeface="Meiryo" charset="-128"/>
+              </a:rPr>
+              <a:t>・・・</a:t>
+            </a:r>
+            <a:endParaRPr kumimoji="1" lang="ja-JP" altLang="en-US" b="1">
+              <a:latin typeface="Meiryo" charset="-128"/>
+              <a:ea typeface="Meiryo" charset="-128"/>
+              <a:cs typeface="Meiryo" charset="-128"/>
+            </a:endParaRPr>
+          </a:p>
+        </p:txBody>
+      </p:sp>
+    </p:spTree>
+    <p:extLst>
+      <p:ext uri="{BB962C8B-B14F-4D97-AF65-F5344CB8AC3E}">
+        <p14:creationId xmlns:p14="http://schemas.microsoft.com/office/powerpoint/2010/main" val="887420006"/>
+      </p:ext>
+    </p:extLst>
+  </p:cSld>
+  <p:clrMapOvr>
+    <a:masterClrMapping/>
+  </p:clrMapOvr>
+  <p:timing>
+    <p:tnLst>
+      <p:par>
+        <p:cTn id="1" dur="indefinite" restart="never" nodeType="tmRoot"/>
+      </p:par>
+    </p:tnLst>
+  </p:timing>
+</p:sld>
+</file>
+
+<file path=ppt/slides/slide6.xml><?xml version="1.0" encoding="utf-8"?>
+<p:sld xmlns:a="http://schemas.openxmlformats.org/drawingml/2006/main" xmlns:r="http://schemas.openxmlformats.org/officeDocument/2006/relationships" xmlns:p="http://schemas.openxmlformats.org/presentationml/2006/main">
+  <p:cSld>
+    <p:spTree>
+      <p:nvGrpSpPr>
+        <p:cNvPr id="1" name=""/>
+        <p:cNvGrpSpPr/>
+        <p:nvPr/>
+      </p:nvGrpSpPr>
+      <p:grpSpPr>
+        <a:xfrm>
+          <a:off x="0" y="0"/>
+          <a:ext cx="0" cy="0"/>
+          <a:chOff x="0" y="0"/>
+          <a:chExt cx="0" cy="0"/>
+        </a:xfrm>
+      </p:grpSpPr>
+      <p:sp>
+        <p:nvSpPr>
+          <p:cNvPr id="2" name="タイトル 1"/>
+          <p:cNvSpPr>
+            <a:spLocks noGrp="1"/>
+          </p:cNvSpPr>
+          <p:nvPr>
+            <p:ph type="title"/>
+          </p:nvPr>
+        </p:nvSpPr>
+        <p:spPr/>
+        <p:txBody>
+          <a:bodyPr/>
+          <a:lstStyle/>
+          <a:p>
+            <a:r>
+              <a:rPr lang="en-US" altLang="ja-JP" dirty="0" smtClean="0"/>
+              <a:t>X-means</a:t>
+            </a:r>
+            <a:endParaRPr kumimoji="1" lang="ja-JP" altLang="en-US" dirty="0"/>
           </a:p>
         </p:txBody>
       </p:sp>
       <p:sp>
         <p:nvSpPr>
-          <p:cNvPr id="14" name="コンテンツ プレースホルダー 2"/>
+          <p:cNvPr id="126" name="正方形/長方形 125"/>
+          <p:cNvSpPr/>
+          <p:nvPr/>
+        </p:nvSpPr>
+        <p:spPr>
+          <a:xfrm>
+            <a:off x="0" y="1587063"/>
+            <a:ext cx="12349655" cy="4524315"/>
+          </a:xfrm>
+          <a:prstGeom prst="rect">
+            <a:avLst/>
+          </a:prstGeom>
+        </p:spPr>
+        <p:txBody>
+          <a:bodyPr wrap="square">
+            <a:spAutoFit/>
+          </a:bodyPr>
+          <a:lstStyle/>
+          <a:p>
+            <a:pPr>
+              <a:lnSpc>
+                <a:spcPct val="150000"/>
+              </a:lnSpc>
+            </a:pPr>
+            <a:r>
+              <a:rPr lang="en-US" altLang="ja-JP" sz="2400" dirty="0" smtClean="0">
+                <a:latin typeface="Meiryo" charset="-128"/>
+                <a:ea typeface="Meiryo" charset="-128"/>
+                <a:cs typeface="Meiryo" charset="-128"/>
+              </a:rPr>
+              <a:t>(1) </a:t>
+            </a:r>
+            <a:r>
+              <a:rPr lang="ja-JP" altLang="en-US" sz="2400" dirty="0" smtClean="0">
+                <a:latin typeface="Meiryo" charset="-128"/>
+                <a:ea typeface="Meiryo" charset="-128"/>
+                <a:cs typeface="Meiryo" charset="-128"/>
+              </a:rPr>
+              <a:t>クラスタ数</a:t>
+            </a:r>
+            <a:r>
+              <a:rPr lang="en-US" altLang="ja-JP" sz="2400" dirty="0" smtClean="0">
+                <a:latin typeface="Meiryo" charset="-128"/>
+                <a:ea typeface="Meiryo" charset="-128"/>
+                <a:cs typeface="Meiryo" charset="-128"/>
+              </a:rPr>
+              <a:t> </a:t>
+            </a:r>
+            <a:r>
+              <a:rPr lang="ja-JP" altLang="en-US" sz="2400" i="1" dirty="0" smtClean="0">
+                <a:latin typeface="Times New Roman" charset="0"/>
+                <a:ea typeface="Times New Roman" charset="0"/>
+                <a:cs typeface="Times New Roman" charset="0"/>
+              </a:rPr>
+              <a:t>k</a:t>
+            </a:r>
+            <a:r>
+              <a:rPr lang="en-US" altLang="ja-JP" sz="2400" i="1" dirty="0" smtClean="0">
+                <a:latin typeface="Times New Roman" charset="0"/>
+                <a:ea typeface="Times New Roman" charset="0"/>
+                <a:cs typeface="Times New Roman" charset="0"/>
+              </a:rPr>
+              <a:t> </a:t>
+            </a:r>
+            <a:r>
+              <a:rPr lang="ja-JP" altLang="en-US" sz="2400" dirty="0" smtClean="0">
+                <a:latin typeface="Meiryo" charset="-128"/>
+                <a:ea typeface="Meiryo" charset="-128"/>
+                <a:cs typeface="Meiryo" charset="-128"/>
+              </a:rPr>
+              <a:t>を</a:t>
+            </a:r>
+            <a:r>
+              <a:rPr lang="ja-JP" altLang="en-US" sz="2400" dirty="0">
+                <a:latin typeface="Meiryo" charset="-128"/>
+                <a:ea typeface="Meiryo" charset="-128"/>
+                <a:cs typeface="Meiryo" charset="-128"/>
+              </a:rPr>
+              <a:t>初期化する (通常</a:t>
+            </a:r>
+            <a:r>
+              <a:rPr lang="ja-JP" altLang="en-US" sz="2400" dirty="0" smtClean="0">
+                <a:latin typeface="Meiryo" charset="-128"/>
+                <a:ea typeface="Meiryo" charset="-128"/>
+                <a:cs typeface="Meiryo" charset="-128"/>
+              </a:rPr>
+              <a:t>は</a:t>
+            </a:r>
+            <a:r>
+              <a:rPr lang="en-US" altLang="ja-JP" sz="2400" dirty="0" smtClean="0">
+                <a:latin typeface="Meiryo" charset="-128"/>
+                <a:ea typeface="Meiryo" charset="-128"/>
+                <a:cs typeface="Meiryo" charset="-128"/>
+              </a:rPr>
+              <a:t> </a:t>
+            </a:r>
+            <a:r>
+              <a:rPr lang="ja-JP" altLang="en-US" sz="2400" i="1" dirty="0" smtClean="0">
+                <a:latin typeface="Times New Roman" charset="0"/>
+                <a:ea typeface="Times New Roman" charset="0"/>
+                <a:cs typeface="Times New Roman" charset="0"/>
+              </a:rPr>
+              <a:t>k</a:t>
+            </a:r>
+            <a:r>
+              <a:rPr lang="en-US" altLang="ja-JP" sz="2400" i="1" dirty="0" smtClean="0">
+                <a:latin typeface="Times New Roman" charset="0"/>
+                <a:ea typeface="Times New Roman" charset="0"/>
+                <a:cs typeface="Times New Roman" charset="0"/>
+              </a:rPr>
+              <a:t> </a:t>
+            </a:r>
+            <a:r>
+              <a:rPr lang="ja-JP" altLang="en-US" sz="2400" dirty="0" smtClean="0">
+                <a:latin typeface="Times New Roman" charset="0"/>
+                <a:ea typeface="Times New Roman" charset="0"/>
+                <a:cs typeface="Times New Roman" charset="0"/>
+              </a:rPr>
+              <a:t>=</a:t>
+            </a:r>
+            <a:r>
+              <a:rPr lang="en-US" altLang="ja-JP" sz="2400" dirty="0" smtClean="0">
+                <a:latin typeface="Times New Roman" charset="0"/>
+                <a:ea typeface="Times New Roman" charset="0"/>
+                <a:cs typeface="Times New Roman" charset="0"/>
+              </a:rPr>
+              <a:t> </a:t>
+            </a:r>
+            <a:r>
+              <a:rPr lang="ja-JP" altLang="en-US" sz="2400" dirty="0" smtClean="0">
+                <a:latin typeface="Times New Roman" charset="0"/>
+                <a:ea typeface="Times New Roman" charset="0"/>
+                <a:cs typeface="Times New Roman" charset="0"/>
+              </a:rPr>
+              <a:t>2</a:t>
+            </a:r>
+            <a:r>
+              <a:rPr lang="ja-JP" altLang="en-US" sz="2400" dirty="0" smtClean="0">
+                <a:latin typeface="Meiryo" charset="-128"/>
+                <a:ea typeface="Meiryo" charset="-128"/>
+                <a:cs typeface="Meiryo" charset="-128"/>
+              </a:rPr>
+              <a:t>) ．</a:t>
+            </a:r>
+            <a:endParaRPr lang="en-US" altLang="ja-JP" sz="2400" dirty="0" smtClean="0">
+              <a:latin typeface="Meiryo" charset="-128"/>
+              <a:ea typeface="Meiryo" charset="-128"/>
+              <a:cs typeface="Meiryo" charset="-128"/>
+            </a:endParaRPr>
+          </a:p>
+          <a:p>
+            <a:pPr>
+              <a:lnSpc>
+                <a:spcPct val="150000"/>
+              </a:lnSpc>
+            </a:pPr>
+            <a:r>
+              <a:rPr lang="en-US" altLang="ja-JP" sz="2400" dirty="0" smtClean="0">
+                <a:latin typeface="Meiryo" charset="-128"/>
+                <a:ea typeface="Meiryo" charset="-128"/>
+                <a:cs typeface="Meiryo" charset="-128"/>
+              </a:rPr>
+              <a:t>(2)</a:t>
+            </a:r>
+            <a:r>
+              <a:rPr lang="en-US" altLang="ja-JP" sz="2400" i="1" dirty="0" smtClean="0">
+                <a:latin typeface="Meiryo" charset="-128"/>
+                <a:ea typeface="Meiryo" charset="-128"/>
+                <a:cs typeface="Meiryo" charset="-128"/>
+              </a:rPr>
+              <a:t> </a:t>
+            </a:r>
+            <a:r>
+              <a:rPr lang="ja-JP" altLang="en-US" sz="2400" i="1" dirty="0" smtClean="0">
+                <a:latin typeface="Meiryo" charset="-128"/>
+                <a:ea typeface="Meiryo" charset="-128"/>
+                <a:cs typeface="Meiryo" charset="-128"/>
+              </a:rPr>
+              <a:t>k</a:t>
+            </a:r>
+            <a:r>
+              <a:rPr lang="ja-JP" altLang="en-US" sz="2400" dirty="0" smtClean="0">
+                <a:latin typeface="Meiryo" charset="-128"/>
+                <a:ea typeface="Meiryo" charset="-128"/>
+                <a:cs typeface="Meiryo" charset="-128"/>
+              </a:rPr>
+              <a:t>-means</a:t>
+            </a:r>
+            <a:r>
+              <a:rPr lang="en-US" altLang="ja-JP" sz="2400" dirty="0" smtClean="0">
+                <a:latin typeface="Meiryo" charset="-128"/>
+                <a:ea typeface="Meiryo" charset="-128"/>
+                <a:cs typeface="Meiryo" charset="-128"/>
+              </a:rPr>
+              <a:t> </a:t>
+            </a:r>
+            <a:r>
+              <a:rPr lang="ja-JP" altLang="en-US" sz="2400" dirty="0" smtClean="0">
+                <a:latin typeface="Meiryo" charset="-128"/>
+                <a:ea typeface="Meiryo" charset="-128"/>
+                <a:cs typeface="Meiryo" charset="-128"/>
+              </a:rPr>
+              <a:t>を</a:t>
+            </a:r>
+            <a:r>
+              <a:rPr lang="ja-JP" altLang="en-US" sz="2400" dirty="0">
+                <a:latin typeface="Meiryo" charset="-128"/>
+                <a:ea typeface="Meiryo" charset="-128"/>
+                <a:cs typeface="Meiryo" charset="-128"/>
+              </a:rPr>
+              <a:t>実行</a:t>
+            </a:r>
+            <a:r>
+              <a:rPr lang="ja-JP" altLang="en-US" sz="2400" dirty="0" smtClean="0">
+                <a:latin typeface="Meiryo" charset="-128"/>
+                <a:ea typeface="Meiryo" charset="-128"/>
+                <a:cs typeface="Meiryo" charset="-128"/>
+              </a:rPr>
+              <a:t>する．</a:t>
+            </a:r>
+            <a:endParaRPr lang="en-US" altLang="ja-JP" sz="2400" dirty="0" smtClean="0">
+              <a:latin typeface="Meiryo" charset="-128"/>
+              <a:ea typeface="Meiryo" charset="-128"/>
+              <a:cs typeface="Meiryo" charset="-128"/>
+            </a:endParaRPr>
+          </a:p>
+          <a:p>
+            <a:pPr>
+              <a:lnSpc>
+                <a:spcPct val="150000"/>
+              </a:lnSpc>
+            </a:pPr>
+            <a:r>
+              <a:rPr lang="en-US" altLang="ja-JP" sz="2400" dirty="0" smtClean="0">
+                <a:latin typeface="Meiryo" charset="-128"/>
+                <a:ea typeface="Meiryo" charset="-128"/>
+                <a:cs typeface="Meiryo" charset="-128"/>
+              </a:rPr>
+              <a:t>(3) </a:t>
+            </a:r>
+            <a:r>
+              <a:rPr lang="ja-JP" altLang="en-US" sz="2400" dirty="0" smtClean="0">
+                <a:latin typeface="Meiryo" charset="-128"/>
+                <a:ea typeface="Meiryo" charset="-128"/>
+                <a:cs typeface="Meiryo" charset="-128"/>
+              </a:rPr>
+              <a:t>次</a:t>
+            </a:r>
+            <a:r>
+              <a:rPr lang="ja-JP" altLang="en-US" sz="2400" dirty="0">
+                <a:latin typeface="Meiryo" charset="-128"/>
+                <a:ea typeface="Meiryo" charset="-128"/>
+                <a:cs typeface="Meiryo" charset="-128"/>
+              </a:rPr>
+              <a:t>の処理</a:t>
+            </a:r>
+            <a:r>
+              <a:rPr lang="ja-JP" altLang="en-US" sz="2400" dirty="0" smtClean="0">
+                <a:latin typeface="Meiryo" charset="-128"/>
+                <a:ea typeface="Meiryo" charset="-128"/>
+                <a:cs typeface="Meiryo" charset="-128"/>
+              </a:rPr>
+              <a:t>を</a:t>
+            </a:r>
+            <a:r>
+              <a:rPr lang="en-US" altLang="ja-JP" sz="2400" dirty="0" smtClean="0">
+                <a:latin typeface="Meiryo" charset="-128"/>
+                <a:ea typeface="Meiryo" charset="-128"/>
+                <a:cs typeface="Meiryo" charset="-128"/>
+              </a:rPr>
+              <a:t> </a:t>
+            </a:r>
+            <a:r>
+              <a:rPr lang="ja-JP" altLang="en-US" sz="2400" i="1" dirty="0" smtClean="0">
+                <a:latin typeface="Times New Roman" charset="0"/>
+                <a:ea typeface="Times New Roman" charset="0"/>
+                <a:cs typeface="Times New Roman" charset="0"/>
+              </a:rPr>
+              <a:t>j</a:t>
+            </a:r>
+            <a:r>
+              <a:rPr lang="en-US" altLang="ja-JP" sz="2400" i="1" dirty="0" smtClean="0">
+                <a:latin typeface="Times New Roman" charset="0"/>
+                <a:ea typeface="Times New Roman" charset="0"/>
+                <a:cs typeface="Times New Roman" charset="0"/>
+              </a:rPr>
+              <a:t> </a:t>
+            </a:r>
+            <a:r>
+              <a:rPr lang="ja-JP" altLang="en-US" sz="2400" dirty="0" smtClean="0">
+                <a:latin typeface="Times New Roman" charset="0"/>
+                <a:ea typeface="Times New Roman" charset="0"/>
+                <a:cs typeface="Times New Roman" charset="0"/>
+              </a:rPr>
+              <a:t>=</a:t>
+            </a:r>
+            <a:r>
+              <a:rPr lang="en-US" altLang="ja-JP" sz="2400" dirty="0" smtClean="0">
+                <a:latin typeface="Times New Roman" charset="0"/>
+                <a:ea typeface="Times New Roman" charset="0"/>
+                <a:cs typeface="Times New Roman" charset="0"/>
+              </a:rPr>
+              <a:t> </a:t>
+            </a:r>
+            <a:r>
+              <a:rPr lang="ja-JP" altLang="en-US" sz="2400" dirty="0" smtClean="0">
+                <a:latin typeface="Times New Roman" charset="0"/>
+                <a:ea typeface="Times New Roman" charset="0"/>
+                <a:cs typeface="Times New Roman" charset="0"/>
+              </a:rPr>
+              <a:t>1</a:t>
+            </a:r>
+            <a:r>
+              <a:rPr lang="en-US" altLang="ja-JP" sz="2400" dirty="0" smtClean="0">
+                <a:latin typeface="Times New Roman" charset="0"/>
+                <a:ea typeface="Times New Roman" charset="0"/>
+                <a:cs typeface="Times New Roman" charset="0"/>
+              </a:rPr>
+              <a:t> </a:t>
+            </a:r>
+            <a:r>
+              <a:rPr lang="ja-JP" altLang="en-US" sz="2400" dirty="0" smtClean="0">
+                <a:latin typeface="Meiryo" charset="-128"/>
+                <a:ea typeface="Meiryo" charset="-128"/>
+                <a:cs typeface="Meiryo" charset="-128"/>
+              </a:rPr>
+              <a:t>から</a:t>
+            </a:r>
+            <a:r>
+              <a:rPr lang="en-US" altLang="ja-JP" sz="2400" dirty="0" smtClean="0">
+                <a:latin typeface="Meiryo" charset="-128"/>
+                <a:ea typeface="Meiryo" charset="-128"/>
+                <a:cs typeface="Meiryo" charset="-128"/>
+              </a:rPr>
+              <a:t> </a:t>
+            </a:r>
+            <a:r>
+              <a:rPr lang="ja-JP" altLang="en-US" sz="2400" i="1" dirty="0" smtClean="0">
+                <a:latin typeface="Times New Roman" charset="0"/>
+                <a:ea typeface="Times New Roman" charset="0"/>
+                <a:cs typeface="Times New Roman" charset="0"/>
+              </a:rPr>
+              <a:t>j</a:t>
+            </a:r>
+            <a:r>
+              <a:rPr lang="en-US" altLang="ja-JP" sz="2400" dirty="0" smtClean="0">
+                <a:latin typeface="Times New Roman" charset="0"/>
+                <a:ea typeface="Times New Roman" charset="0"/>
+                <a:cs typeface="Times New Roman" charset="0"/>
+              </a:rPr>
+              <a:t> </a:t>
+            </a:r>
+            <a:r>
+              <a:rPr lang="ja-JP" altLang="en-US" sz="2400" dirty="0" smtClean="0">
+                <a:latin typeface="Times New Roman" charset="0"/>
+                <a:ea typeface="Times New Roman" charset="0"/>
+                <a:cs typeface="Times New Roman" charset="0"/>
+              </a:rPr>
+              <a:t>=</a:t>
+            </a:r>
+            <a:r>
+              <a:rPr lang="en-US" altLang="ja-JP" sz="2400" dirty="0" smtClean="0">
+                <a:latin typeface="Times New Roman" charset="0"/>
+                <a:ea typeface="Times New Roman" charset="0"/>
+                <a:cs typeface="Times New Roman" charset="0"/>
+              </a:rPr>
+              <a:t> </a:t>
+            </a:r>
+            <a:r>
+              <a:rPr lang="ja-JP" altLang="en-US" sz="2400" i="1" dirty="0" smtClean="0">
+                <a:latin typeface="Times New Roman" charset="0"/>
+                <a:ea typeface="Times New Roman" charset="0"/>
+                <a:cs typeface="Times New Roman" charset="0"/>
+              </a:rPr>
+              <a:t>k</a:t>
+            </a:r>
+            <a:r>
+              <a:rPr lang="en-US" altLang="ja-JP" sz="2400" i="1" dirty="0" smtClean="0">
+                <a:latin typeface="Times New Roman" charset="0"/>
+                <a:ea typeface="Times New Roman" charset="0"/>
+                <a:cs typeface="Times New Roman" charset="0"/>
+              </a:rPr>
+              <a:t> </a:t>
+            </a:r>
+            <a:r>
+              <a:rPr lang="ja-JP" altLang="en-US" sz="2400" dirty="0" smtClean="0">
+                <a:latin typeface="Meiryo" charset="-128"/>
+                <a:ea typeface="Meiryo" charset="-128"/>
+                <a:cs typeface="Meiryo" charset="-128"/>
+              </a:rPr>
+              <a:t>まで繰り返す．</a:t>
+            </a:r>
+            <a:endParaRPr lang="en-US" altLang="ja-JP" sz="2400" dirty="0" smtClean="0">
+              <a:latin typeface="Meiryo" charset="-128"/>
+              <a:ea typeface="Meiryo" charset="-128"/>
+              <a:cs typeface="Meiryo" charset="-128"/>
+            </a:endParaRPr>
+          </a:p>
+          <a:p>
+            <a:pPr>
+              <a:lnSpc>
+                <a:spcPct val="150000"/>
+              </a:lnSpc>
+            </a:pPr>
+            <a:r>
+              <a:rPr lang="en-US" altLang="ja-JP" sz="2400" dirty="0">
+                <a:latin typeface="Meiryo" charset="-128"/>
+                <a:ea typeface="Meiryo" charset="-128"/>
+                <a:cs typeface="Meiryo" charset="-128"/>
+              </a:rPr>
+              <a:t>	</a:t>
+            </a:r>
+            <a:r>
+              <a:rPr lang="en-US" altLang="ja-JP" sz="2400" dirty="0" smtClean="0">
+                <a:latin typeface="Meiryo" charset="-128"/>
+                <a:ea typeface="Meiryo" charset="-128"/>
+                <a:cs typeface="Meiryo" charset="-128"/>
+              </a:rPr>
+              <a:t>(a) </a:t>
+            </a:r>
+            <a:r>
+              <a:rPr lang="ja-JP" altLang="en-US" sz="2400" dirty="0" smtClean="0">
+                <a:latin typeface="Meiryo" charset="-128"/>
+                <a:ea typeface="Meiryo" charset="-128"/>
+                <a:cs typeface="Meiryo" charset="-128"/>
+              </a:rPr>
+              <a:t>クラスタ</a:t>
+            </a:r>
+            <a:r>
+              <a:rPr lang="en-US" altLang="ja-JP" sz="2400" dirty="0" smtClean="0">
+                <a:latin typeface="Meiryo" charset="-128"/>
+                <a:ea typeface="Meiryo" charset="-128"/>
+                <a:cs typeface="Meiryo" charset="-128"/>
+              </a:rPr>
+              <a:t> </a:t>
+            </a:r>
+            <a:r>
+              <a:rPr lang="ja-JP" altLang="en-US" sz="2400" i="1" dirty="0" smtClean="0">
+                <a:latin typeface="Times New Roman" charset="0"/>
+                <a:ea typeface="Times New Roman" charset="0"/>
+                <a:cs typeface="Times New Roman" charset="0"/>
+              </a:rPr>
+              <a:t>j</a:t>
+            </a:r>
+            <a:r>
+              <a:rPr lang="en-US" altLang="ja-JP" sz="2400" dirty="0" smtClean="0">
+                <a:latin typeface="Times New Roman" charset="0"/>
+                <a:ea typeface="Times New Roman" charset="0"/>
+                <a:cs typeface="Times New Roman" charset="0"/>
+              </a:rPr>
+              <a:t> </a:t>
+            </a:r>
+            <a:r>
+              <a:rPr lang="ja-JP" altLang="en-US" sz="2400" dirty="0" smtClean="0">
+                <a:latin typeface="Meiryo" charset="-128"/>
+                <a:ea typeface="Meiryo" charset="-128"/>
+                <a:cs typeface="Meiryo" charset="-128"/>
+              </a:rPr>
+              <a:t>の</a:t>
+            </a:r>
+            <a:r>
+              <a:rPr lang="en-US" altLang="ja-JP" sz="2400" dirty="0" smtClean="0">
+                <a:latin typeface="Meiryo" charset="-128"/>
+                <a:ea typeface="Meiryo" charset="-128"/>
+                <a:cs typeface="Meiryo" charset="-128"/>
+              </a:rPr>
+              <a:t> </a:t>
+            </a:r>
+            <a:r>
+              <a:rPr lang="ja-JP" altLang="en-US" sz="2400" dirty="0" smtClean="0">
+                <a:latin typeface="Meiryo" charset="-128"/>
+                <a:ea typeface="Meiryo" charset="-128"/>
+                <a:cs typeface="Meiryo" charset="-128"/>
+              </a:rPr>
+              <a:t>BIC</a:t>
+            </a:r>
+            <a:r>
+              <a:rPr lang="ja-JP" altLang="en-US" sz="2400" i="1" baseline="-25000" dirty="0" smtClean="0">
+                <a:latin typeface="Times New Roman" charset="0"/>
+                <a:ea typeface="Times New Roman" charset="0"/>
+                <a:cs typeface="Times New Roman" charset="0"/>
+              </a:rPr>
+              <a:t>j</a:t>
+            </a:r>
+            <a:r>
+              <a:rPr lang="en-US" altLang="ja-JP" sz="2400" baseline="-25000" dirty="0" smtClean="0">
+                <a:latin typeface="Meiryo" charset="-128"/>
+                <a:ea typeface="Meiryo" charset="-128"/>
+                <a:cs typeface="Meiryo" charset="-128"/>
+              </a:rPr>
+              <a:t> </a:t>
+            </a:r>
+            <a:r>
+              <a:rPr lang="ja-JP" altLang="en-US" sz="2400" dirty="0" smtClean="0">
+                <a:latin typeface="Meiryo" charset="-128"/>
+                <a:ea typeface="Meiryo" charset="-128"/>
+                <a:cs typeface="Meiryo" charset="-128"/>
+              </a:rPr>
+              <a:t>を</a:t>
+            </a:r>
+            <a:r>
+              <a:rPr lang="ja-JP" altLang="en-US" sz="2400" dirty="0">
+                <a:latin typeface="Meiryo" charset="-128"/>
+                <a:ea typeface="Meiryo" charset="-128"/>
+                <a:cs typeface="Meiryo" charset="-128"/>
+              </a:rPr>
+              <a:t>計算する</a:t>
+            </a:r>
+            <a:r>
+              <a:rPr lang="ja-JP" altLang="en-US" sz="2400" dirty="0" smtClean="0">
+                <a:latin typeface="Meiryo" charset="-128"/>
+                <a:ea typeface="Meiryo" charset="-128"/>
+                <a:cs typeface="Meiryo" charset="-128"/>
+              </a:rPr>
+              <a:t>．</a:t>
+            </a:r>
+            <a:endParaRPr lang="en-US" altLang="ja-JP" sz="2400" dirty="0" smtClean="0">
+              <a:latin typeface="Meiryo" charset="-128"/>
+              <a:ea typeface="Meiryo" charset="-128"/>
+              <a:cs typeface="Meiryo" charset="-128"/>
+            </a:endParaRPr>
+          </a:p>
+          <a:p>
+            <a:pPr>
+              <a:lnSpc>
+                <a:spcPct val="150000"/>
+              </a:lnSpc>
+            </a:pPr>
+            <a:r>
+              <a:rPr lang="en-US" altLang="ja-JP" sz="2400" dirty="0">
+                <a:latin typeface="Meiryo" charset="-128"/>
+                <a:ea typeface="Meiryo" charset="-128"/>
+                <a:cs typeface="Meiryo" charset="-128"/>
+              </a:rPr>
+              <a:t>	</a:t>
+            </a:r>
+            <a:r>
+              <a:rPr lang="en-US" altLang="ja-JP" sz="2400" dirty="0" smtClean="0">
+                <a:latin typeface="Meiryo" charset="-128"/>
+                <a:ea typeface="Meiryo" charset="-128"/>
+                <a:cs typeface="Meiryo" charset="-128"/>
+              </a:rPr>
+              <a:t>(b) </a:t>
+            </a:r>
+            <a:r>
+              <a:rPr lang="ja-JP" altLang="en-US" sz="2400" dirty="0" smtClean="0">
+                <a:latin typeface="Meiryo" charset="-128"/>
+                <a:ea typeface="Meiryo" charset="-128"/>
+                <a:cs typeface="Meiryo" charset="-128"/>
+              </a:rPr>
+              <a:t>クラスタ</a:t>
+            </a:r>
+            <a:r>
+              <a:rPr lang="en-US" altLang="ja-JP" sz="2400" dirty="0" smtClean="0">
+                <a:latin typeface="Meiryo" charset="-128"/>
+                <a:ea typeface="Meiryo" charset="-128"/>
+                <a:cs typeface="Meiryo" charset="-128"/>
+              </a:rPr>
+              <a:t> </a:t>
+            </a:r>
+            <a:r>
+              <a:rPr lang="ja-JP" altLang="en-US" sz="2400" i="1" dirty="0" smtClean="0">
+                <a:latin typeface="Times New Roman" charset="0"/>
+                <a:ea typeface="Times New Roman" charset="0"/>
+                <a:cs typeface="Times New Roman" charset="0"/>
+              </a:rPr>
+              <a:t>j</a:t>
+            </a:r>
+            <a:r>
+              <a:rPr lang="en-US" altLang="ja-JP" sz="2400" dirty="0" smtClean="0">
+                <a:latin typeface="Times New Roman" charset="0"/>
+                <a:ea typeface="Times New Roman" charset="0"/>
+                <a:cs typeface="Times New Roman" charset="0"/>
+              </a:rPr>
+              <a:t> </a:t>
+            </a:r>
+            <a:r>
+              <a:rPr lang="ja-JP" altLang="en-US" sz="2400" dirty="0" smtClean="0">
+                <a:latin typeface="Meiryo" charset="-128"/>
+                <a:ea typeface="Meiryo" charset="-128"/>
+                <a:cs typeface="Meiryo" charset="-128"/>
+              </a:rPr>
+              <a:t>に</a:t>
+            </a:r>
+            <a:r>
+              <a:rPr lang="ja-JP" altLang="en-US" sz="2400" dirty="0">
+                <a:latin typeface="Meiryo" charset="-128"/>
+                <a:ea typeface="Meiryo" charset="-128"/>
+                <a:cs typeface="Meiryo" charset="-128"/>
+              </a:rPr>
+              <a:t>所属するデータに対し，クラスタ数2と</a:t>
+            </a:r>
+            <a:r>
+              <a:rPr lang="ja-JP" altLang="en-US" sz="2400" dirty="0" smtClean="0">
+                <a:latin typeface="Meiryo" charset="-128"/>
+                <a:ea typeface="Meiryo" charset="-128"/>
+                <a:cs typeface="Meiryo" charset="-128"/>
+              </a:rPr>
+              <a:t>して</a:t>
+            </a:r>
+            <a:r>
+              <a:rPr lang="en-US" altLang="ja-JP" sz="2400" dirty="0" smtClean="0">
+                <a:latin typeface="Meiryo" charset="-128"/>
+                <a:ea typeface="Meiryo" charset="-128"/>
+                <a:cs typeface="Meiryo" charset="-128"/>
+              </a:rPr>
+              <a:t> </a:t>
+            </a:r>
+            <a:r>
+              <a:rPr lang="ja-JP" altLang="en-US" sz="2400" i="1" dirty="0" smtClean="0">
+                <a:latin typeface="Meiryo" charset="-128"/>
+                <a:ea typeface="Meiryo" charset="-128"/>
+                <a:cs typeface="Meiryo" charset="-128"/>
+              </a:rPr>
+              <a:t>k</a:t>
+            </a:r>
+            <a:r>
+              <a:rPr lang="ja-JP" altLang="en-US" sz="2400" dirty="0" smtClean="0">
+                <a:latin typeface="Meiryo" charset="-128"/>
+                <a:ea typeface="Meiryo" charset="-128"/>
+                <a:cs typeface="Meiryo" charset="-128"/>
+              </a:rPr>
+              <a:t>-means</a:t>
+            </a:r>
+            <a:r>
+              <a:rPr lang="en-US" altLang="ja-JP" sz="2400" dirty="0" smtClean="0">
+                <a:latin typeface="Meiryo" charset="-128"/>
+                <a:ea typeface="Meiryo" charset="-128"/>
+                <a:cs typeface="Meiryo" charset="-128"/>
+              </a:rPr>
+              <a:t> </a:t>
+            </a:r>
+            <a:r>
+              <a:rPr lang="ja-JP" altLang="en-US" sz="2400" dirty="0" smtClean="0">
+                <a:latin typeface="Meiryo" charset="-128"/>
+                <a:ea typeface="Meiryo" charset="-128"/>
+                <a:cs typeface="Meiryo" charset="-128"/>
+              </a:rPr>
+              <a:t>を</a:t>
+            </a:r>
+            <a:r>
+              <a:rPr lang="ja-JP" altLang="en-US" sz="2400" dirty="0">
+                <a:latin typeface="Meiryo" charset="-128"/>
+                <a:ea typeface="Meiryo" charset="-128"/>
+                <a:cs typeface="Meiryo" charset="-128"/>
+              </a:rPr>
+              <a:t>行う</a:t>
+            </a:r>
+            <a:r>
+              <a:rPr lang="ja-JP" altLang="en-US" sz="2400" dirty="0" smtClean="0">
+                <a:latin typeface="Meiryo" charset="-128"/>
+                <a:ea typeface="Meiryo" charset="-128"/>
+                <a:cs typeface="Meiryo" charset="-128"/>
+              </a:rPr>
+              <a:t>．</a:t>
+            </a:r>
+            <a:endParaRPr lang="en-US" altLang="ja-JP" sz="2400" dirty="0" smtClean="0">
+              <a:latin typeface="Meiryo" charset="-128"/>
+              <a:ea typeface="Meiryo" charset="-128"/>
+              <a:cs typeface="Meiryo" charset="-128"/>
+            </a:endParaRPr>
+          </a:p>
+          <a:p>
+            <a:pPr>
+              <a:lnSpc>
+                <a:spcPct val="150000"/>
+              </a:lnSpc>
+            </a:pPr>
+            <a:r>
+              <a:rPr lang="en-US" altLang="ja-JP" sz="2400" dirty="0" smtClean="0">
+                <a:latin typeface="Meiryo" charset="-128"/>
+                <a:ea typeface="Meiryo" charset="-128"/>
+                <a:cs typeface="Meiryo" charset="-128"/>
+              </a:rPr>
+              <a:t>	</a:t>
+            </a:r>
+            <a:r>
+              <a:rPr lang="de-DE" altLang="ja-JP" sz="2400" dirty="0" smtClean="0">
+                <a:latin typeface="Meiryo" charset="-128"/>
+                <a:ea typeface="Meiryo" charset="-128"/>
+                <a:cs typeface="Meiryo" charset="-128"/>
+              </a:rPr>
+              <a:t>(c) </a:t>
+            </a:r>
+            <a:r>
+              <a:rPr lang="ja-JP" altLang="en-US" sz="2400" dirty="0" smtClean="0">
+                <a:latin typeface="Meiryo" charset="-128"/>
+                <a:ea typeface="Meiryo" charset="-128"/>
+                <a:cs typeface="Meiryo" charset="-128"/>
+              </a:rPr>
+              <a:t>クラスタ</a:t>
+            </a:r>
+            <a:r>
+              <a:rPr lang="ja-JP" altLang="en-US" sz="2400" dirty="0">
+                <a:latin typeface="Meiryo" charset="-128"/>
+                <a:ea typeface="Meiryo" charset="-128"/>
+                <a:cs typeface="Meiryo" charset="-128"/>
+              </a:rPr>
+              <a:t>数2としてクラスタリングした結果に</a:t>
+            </a:r>
+            <a:r>
+              <a:rPr lang="ja-JP" altLang="en-US" sz="2400" dirty="0" smtClean="0">
+                <a:latin typeface="Meiryo" charset="-128"/>
+                <a:ea typeface="Meiryo" charset="-128"/>
+                <a:cs typeface="Meiryo" charset="-128"/>
+              </a:rPr>
+              <a:t>対し</a:t>
+            </a:r>
+            <a:r>
+              <a:rPr lang="en-US" altLang="ja-JP" sz="2400" dirty="0" smtClean="0">
+                <a:latin typeface="Meiryo" charset="-128"/>
+                <a:ea typeface="Meiryo" charset="-128"/>
+                <a:cs typeface="Meiryo" charset="-128"/>
+              </a:rPr>
+              <a:t> </a:t>
+            </a:r>
+            <a:r>
+              <a:rPr lang="ja-JP" altLang="en-US" sz="2400" dirty="0" smtClean="0">
+                <a:latin typeface="Meiryo" charset="-128"/>
+                <a:ea typeface="Meiryo" charset="-128"/>
+                <a:cs typeface="Meiryo" charset="-128"/>
+              </a:rPr>
+              <a:t>BIC'</a:t>
+            </a:r>
+            <a:r>
+              <a:rPr lang="ja-JP" altLang="en-US" sz="2400" i="1" baseline="-25000" dirty="0" smtClean="0">
+                <a:latin typeface="Meiryo" charset="-128"/>
+                <a:ea typeface="Meiryo" charset="-128"/>
+                <a:cs typeface="Meiryo" charset="-128"/>
+              </a:rPr>
+              <a:t>j</a:t>
+            </a:r>
+            <a:r>
+              <a:rPr lang="en-US" altLang="ja-JP" sz="2400" i="1" baseline="-25000" dirty="0" smtClean="0">
+                <a:latin typeface="Meiryo" charset="-128"/>
+                <a:ea typeface="Meiryo" charset="-128"/>
+                <a:cs typeface="Meiryo" charset="-128"/>
+              </a:rPr>
+              <a:t> </a:t>
+            </a:r>
+            <a:r>
+              <a:rPr lang="ja-JP" altLang="en-US" sz="2400" dirty="0" smtClean="0">
+                <a:latin typeface="Meiryo" charset="-128"/>
+                <a:ea typeface="Meiryo" charset="-128"/>
+                <a:cs typeface="Meiryo" charset="-128"/>
+              </a:rPr>
+              <a:t>を</a:t>
+            </a:r>
+            <a:r>
+              <a:rPr lang="ja-JP" altLang="en-US" sz="2400" dirty="0">
+                <a:latin typeface="Meiryo" charset="-128"/>
+                <a:ea typeface="Meiryo" charset="-128"/>
+                <a:cs typeface="Meiryo" charset="-128"/>
+              </a:rPr>
+              <a:t>計算する</a:t>
+            </a:r>
+            <a:r>
+              <a:rPr lang="ja-JP" altLang="en-US" sz="2400" dirty="0" smtClean="0">
+                <a:latin typeface="Meiryo" charset="-128"/>
+                <a:ea typeface="Meiryo" charset="-128"/>
+                <a:cs typeface="Meiryo" charset="-128"/>
+              </a:rPr>
+              <a:t>．</a:t>
+            </a:r>
+            <a:endParaRPr lang="en-US" altLang="ja-JP" sz="2400" dirty="0" smtClean="0">
+              <a:latin typeface="Meiryo" charset="-128"/>
+              <a:ea typeface="Meiryo" charset="-128"/>
+              <a:cs typeface="Meiryo" charset="-128"/>
+            </a:endParaRPr>
+          </a:p>
+          <a:p>
+            <a:pPr>
+              <a:lnSpc>
+                <a:spcPct val="150000"/>
+              </a:lnSpc>
+            </a:pPr>
+            <a:r>
+              <a:rPr lang="en-US" altLang="ja-JP" sz="2400" dirty="0" smtClean="0">
+                <a:latin typeface="Meiryo" charset="-128"/>
+                <a:ea typeface="Meiryo" charset="-128"/>
+                <a:cs typeface="Meiryo" charset="-128"/>
+              </a:rPr>
+              <a:t>	(d) </a:t>
+            </a:r>
+            <a:r>
+              <a:rPr lang="ja-JP" altLang="en-US" sz="2400" dirty="0" smtClean="0">
+                <a:latin typeface="Meiryo" charset="-128"/>
+                <a:ea typeface="Meiryo" charset="-128"/>
+                <a:cs typeface="Meiryo" charset="-128"/>
+              </a:rPr>
+              <a:t>BIC</a:t>
+            </a:r>
+            <a:r>
+              <a:rPr lang="ja-JP" altLang="en-US" sz="2400" i="1" baseline="-25000" dirty="0" smtClean="0">
+                <a:latin typeface="Meiryo" charset="-128"/>
+                <a:ea typeface="Meiryo" charset="-128"/>
+                <a:cs typeface="Meiryo" charset="-128"/>
+              </a:rPr>
+              <a:t>j</a:t>
+            </a:r>
+            <a:r>
+              <a:rPr lang="en-US" altLang="ja-JP" sz="2400" i="1" baseline="-25000" dirty="0" smtClean="0">
+                <a:latin typeface="Meiryo" charset="-128"/>
+                <a:ea typeface="Meiryo" charset="-128"/>
+                <a:cs typeface="Meiryo" charset="-128"/>
+              </a:rPr>
+              <a:t> </a:t>
+            </a:r>
+            <a:r>
+              <a:rPr lang="ja-JP" altLang="en-US" sz="2400" dirty="0" smtClean="0">
+                <a:latin typeface="Meiryo" charset="-128"/>
+                <a:ea typeface="Meiryo" charset="-128"/>
+                <a:cs typeface="Meiryo" charset="-128"/>
+              </a:rPr>
+              <a:t>と</a:t>
+            </a:r>
+            <a:r>
+              <a:rPr lang="en-US" altLang="ja-JP" sz="2400" dirty="0" smtClean="0">
+                <a:latin typeface="Meiryo" charset="-128"/>
+                <a:ea typeface="Meiryo" charset="-128"/>
+                <a:cs typeface="Meiryo" charset="-128"/>
+              </a:rPr>
+              <a:t> </a:t>
+            </a:r>
+            <a:r>
+              <a:rPr lang="ja-JP" altLang="en-US" sz="2400" dirty="0" smtClean="0">
+                <a:latin typeface="Meiryo" charset="-128"/>
+                <a:ea typeface="Meiryo" charset="-128"/>
+                <a:cs typeface="Meiryo" charset="-128"/>
+              </a:rPr>
+              <a:t>BIC‘</a:t>
+            </a:r>
+            <a:r>
+              <a:rPr lang="ja-JP" altLang="en-US" sz="2400" i="1" baseline="-25000" dirty="0" smtClean="0">
+                <a:latin typeface="Meiryo" charset="-128"/>
+                <a:ea typeface="Meiryo" charset="-128"/>
+                <a:cs typeface="Meiryo" charset="-128"/>
+              </a:rPr>
+              <a:t>j</a:t>
+            </a:r>
+            <a:r>
+              <a:rPr lang="en-US" altLang="ja-JP" sz="2400" i="1" baseline="-25000" dirty="0" smtClean="0">
+                <a:latin typeface="Meiryo" charset="-128"/>
+                <a:ea typeface="Meiryo" charset="-128"/>
+                <a:cs typeface="Meiryo" charset="-128"/>
+              </a:rPr>
+              <a:t> </a:t>
+            </a:r>
+            <a:r>
+              <a:rPr lang="ja-JP" altLang="en-US" sz="2400" dirty="0" smtClean="0">
+                <a:latin typeface="Meiryo" charset="-128"/>
+                <a:ea typeface="Meiryo" charset="-128"/>
+                <a:cs typeface="Meiryo" charset="-128"/>
+              </a:rPr>
+              <a:t>を</a:t>
+            </a:r>
+            <a:r>
+              <a:rPr lang="ja-JP" altLang="en-US" sz="2400" dirty="0">
+                <a:latin typeface="Meiryo" charset="-128"/>
+                <a:ea typeface="Meiryo" charset="-128"/>
+                <a:cs typeface="Meiryo" charset="-128"/>
+              </a:rPr>
+              <a:t>比較し，</a:t>
+            </a:r>
+            <a:r>
+              <a:rPr lang="ja-JP" altLang="en-US" sz="2400" dirty="0" smtClean="0">
+                <a:latin typeface="Meiryo" charset="-128"/>
+                <a:ea typeface="Meiryo" charset="-128"/>
+                <a:cs typeface="Meiryo" charset="-128"/>
+              </a:rPr>
+              <a:t>BIC’</a:t>
+            </a:r>
+            <a:r>
+              <a:rPr lang="ja-JP" altLang="en-US" sz="2400" i="1" baseline="-25000" dirty="0" smtClean="0">
+                <a:latin typeface="Meiryo" charset="-128"/>
+                <a:ea typeface="Meiryo" charset="-128"/>
+                <a:cs typeface="Meiryo" charset="-128"/>
+              </a:rPr>
+              <a:t>j</a:t>
+            </a:r>
+            <a:r>
+              <a:rPr lang="en-US" altLang="ja-JP" sz="2400" i="1" baseline="-25000" dirty="0" smtClean="0">
+                <a:latin typeface="Meiryo" charset="-128"/>
+                <a:ea typeface="Meiryo" charset="-128"/>
+                <a:cs typeface="Meiryo" charset="-128"/>
+              </a:rPr>
+              <a:t> </a:t>
+            </a:r>
+            <a:r>
+              <a:rPr lang="ja-JP" altLang="en-US" sz="2400" dirty="0" smtClean="0">
+                <a:latin typeface="Meiryo" charset="-128"/>
+                <a:ea typeface="Meiryo" charset="-128"/>
+                <a:cs typeface="Meiryo" charset="-128"/>
+              </a:rPr>
+              <a:t>が</a:t>
+            </a:r>
+            <a:r>
+              <a:rPr lang="ja-JP" altLang="en-US" sz="2400" dirty="0">
+                <a:latin typeface="Meiryo" charset="-128"/>
+                <a:ea typeface="Meiryo" charset="-128"/>
+                <a:cs typeface="Meiryo" charset="-128"/>
+              </a:rPr>
+              <a:t>大きければ</a:t>
+            </a:r>
+            <a:r>
+              <a:rPr lang="ja-JP" altLang="en-US" sz="2400" dirty="0" smtClean="0">
+                <a:latin typeface="Meiryo" charset="-128"/>
+                <a:ea typeface="Meiryo" charset="-128"/>
+                <a:cs typeface="Meiryo" charset="-128"/>
+              </a:rPr>
+              <a:t>クラスタ数</a:t>
+            </a:r>
+            <a:r>
+              <a:rPr lang="ja-JP" altLang="en-US" sz="2400" i="1" dirty="0" smtClean="0">
+                <a:latin typeface="Times New Roman" charset="0"/>
+                <a:ea typeface="Times New Roman" charset="0"/>
+                <a:cs typeface="Times New Roman" charset="0"/>
+              </a:rPr>
+              <a:t>k</a:t>
+            </a:r>
+            <a:r>
+              <a:rPr lang="ja-JP" altLang="en-US" sz="2400" dirty="0" smtClean="0">
+                <a:latin typeface="Meiryo" charset="-128"/>
+                <a:ea typeface="Meiryo" charset="-128"/>
+                <a:cs typeface="Meiryo" charset="-128"/>
+              </a:rPr>
+              <a:t>に</a:t>
+            </a:r>
+            <a:r>
+              <a:rPr lang="ja-JP" altLang="en-US" sz="2400" dirty="0">
+                <a:latin typeface="Meiryo" charset="-128"/>
+                <a:ea typeface="Meiryo" charset="-128"/>
+                <a:cs typeface="Meiryo" charset="-128"/>
+              </a:rPr>
+              <a:t>1を</a:t>
+            </a:r>
+            <a:r>
+              <a:rPr lang="ja-JP" altLang="en-US" sz="2400" dirty="0" smtClean="0">
+                <a:latin typeface="Meiryo" charset="-128"/>
+                <a:ea typeface="Meiryo" charset="-128"/>
+                <a:cs typeface="Meiryo" charset="-128"/>
+              </a:rPr>
+              <a:t>足す．</a:t>
+            </a:r>
+            <a:endParaRPr lang="en-US" altLang="ja-JP" sz="2400" dirty="0" smtClean="0">
+              <a:latin typeface="Meiryo" charset="-128"/>
+              <a:ea typeface="Meiryo" charset="-128"/>
+              <a:cs typeface="Meiryo" charset="-128"/>
+            </a:endParaRPr>
+          </a:p>
+          <a:p>
+            <a:pPr>
+              <a:lnSpc>
+                <a:spcPct val="150000"/>
+              </a:lnSpc>
+            </a:pPr>
+            <a:r>
+              <a:rPr lang="en-US" altLang="ja-JP" sz="2400" dirty="0" smtClean="0">
+                <a:latin typeface="Meiryo" charset="-128"/>
+                <a:ea typeface="Meiryo" charset="-128"/>
+                <a:cs typeface="Meiryo" charset="-128"/>
+              </a:rPr>
+              <a:t>(4) </a:t>
+            </a:r>
+            <a:r>
+              <a:rPr lang="ja-JP" altLang="en-US" sz="2400" dirty="0" smtClean="0">
+                <a:latin typeface="Meiryo" charset="-128"/>
+                <a:ea typeface="Meiryo" charset="-128"/>
+                <a:cs typeface="Meiryo" charset="-128"/>
+              </a:rPr>
+              <a:t>前</a:t>
+            </a:r>
+            <a:r>
+              <a:rPr lang="ja-JP" altLang="en-US" sz="2400" dirty="0">
+                <a:latin typeface="Meiryo" charset="-128"/>
+                <a:ea typeface="Meiryo" charset="-128"/>
+                <a:cs typeface="Meiryo" charset="-128"/>
+              </a:rPr>
+              <a:t>の処理</a:t>
+            </a:r>
+            <a:r>
+              <a:rPr lang="ja-JP" altLang="en-US" sz="2400" dirty="0" smtClean="0">
+                <a:latin typeface="Meiryo" charset="-128"/>
+                <a:ea typeface="Meiryo" charset="-128"/>
+                <a:cs typeface="Meiryo" charset="-128"/>
+              </a:rPr>
+              <a:t>で</a:t>
+            </a:r>
+            <a:r>
+              <a:rPr lang="en-US" altLang="ja-JP" sz="2400" dirty="0" smtClean="0">
+                <a:latin typeface="Meiryo" charset="-128"/>
+                <a:ea typeface="Meiryo" charset="-128"/>
+                <a:cs typeface="Meiryo" charset="-128"/>
+              </a:rPr>
+              <a:t> </a:t>
+            </a:r>
+            <a:r>
+              <a:rPr lang="ja-JP" altLang="en-US" sz="2400" i="1" dirty="0" smtClean="0">
+                <a:latin typeface="Times New Roman" charset="0"/>
+                <a:ea typeface="Times New Roman" charset="0"/>
+                <a:cs typeface="Times New Roman" charset="0"/>
+              </a:rPr>
+              <a:t>k</a:t>
+            </a:r>
+            <a:r>
+              <a:rPr lang="en-US" altLang="ja-JP" sz="2400" dirty="0" smtClean="0">
+                <a:latin typeface="Meiryo" charset="-128"/>
+                <a:ea typeface="Meiryo" charset="-128"/>
+                <a:cs typeface="Meiryo" charset="-128"/>
+              </a:rPr>
+              <a:t> </a:t>
+            </a:r>
+            <a:r>
+              <a:rPr lang="ja-JP" altLang="en-US" sz="2400" dirty="0" smtClean="0">
+                <a:latin typeface="Meiryo" charset="-128"/>
+                <a:ea typeface="Meiryo" charset="-128"/>
+                <a:cs typeface="Meiryo" charset="-128"/>
+              </a:rPr>
+              <a:t>が</a:t>
+            </a:r>
+            <a:r>
+              <a:rPr lang="ja-JP" altLang="en-US" sz="2400" dirty="0">
+                <a:latin typeface="Meiryo" charset="-128"/>
+                <a:ea typeface="Meiryo" charset="-128"/>
+                <a:cs typeface="Meiryo" charset="-128"/>
+              </a:rPr>
+              <a:t>増加した場合は処理2へ戻る．そうでない場合は終了する</a:t>
+            </a:r>
+            <a:r>
+              <a:rPr lang="ja-JP" altLang="en-US" sz="2400" dirty="0" smtClean="0">
+                <a:latin typeface="Meiryo" charset="-128"/>
+                <a:ea typeface="Meiryo" charset="-128"/>
+                <a:cs typeface="Meiryo" charset="-128"/>
+              </a:rPr>
+              <a:t>．</a:t>
+            </a:r>
+            <a:endParaRPr lang="ja-JP" altLang="en-US" sz="2400" dirty="0">
+              <a:latin typeface="Meiryo" charset="-128"/>
+              <a:ea typeface="Meiryo" charset="-128"/>
+              <a:cs typeface="Meiryo" charset="-128"/>
+            </a:endParaRPr>
+          </a:p>
+        </p:txBody>
+      </p:sp>
+    </p:spTree>
+    <p:extLst>
+      <p:ext uri="{BB962C8B-B14F-4D97-AF65-F5344CB8AC3E}">
+        <p14:creationId xmlns:p14="http://schemas.microsoft.com/office/powerpoint/2010/main" val="1960684047"/>
+      </p:ext>
+    </p:extLst>
+  </p:cSld>
+  <p:clrMapOvr>
+    <a:masterClrMapping/>
+  </p:clrMapOvr>
+  <p:timing>
+    <p:tnLst>
+      <p:par>
+        <p:cTn id="1" dur="indefinite" restart="never" nodeType="tmRoot"/>
+      </p:par>
+    </p:tnLst>
+  </p:timing>
+</p:sld>
+</file>
+
+<file path=ppt/slides/slide7.xml><?xml version="1.0" encoding="utf-8"?>
+<p:sld xmlns:a="http://schemas.openxmlformats.org/drawingml/2006/main" xmlns:r="http://schemas.openxmlformats.org/officeDocument/2006/relationships" xmlns:p="http://schemas.openxmlformats.org/presentationml/2006/main">
+  <p:cSld>
+    <p:spTree>
+      <p:nvGrpSpPr>
+        <p:cNvPr id="1" name=""/>
+        <p:cNvGrpSpPr/>
+        <p:nvPr/>
+      </p:nvGrpSpPr>
+      <p:grpSpPr>
+        <a:xfrm>
+          <a:off x="0" y="0"/>
+          <a:ext cx="0" cy="0"/>
+          <a:chOff x="0" y="0"/>
+          <a:chExt cx="0" cy="0"/>
+        </a:xfrm>
+      </p:grpSpPr>
+      <p:sp>
+        <p:nvSpPr>
+          <p:cNvPr id="2" name="タイトル 1"/>
+          <p:cNvSpPr>
+            <a:spLocks noGrp="1"/>
+          </p:cNvSpPr>
+          <p:nvPr>
+            <p:ph type="title"/>
+          </p:nvPr>
+        </p:nvSpPr>
+        <p:spPr/>
+        <p:txBody>
+          <a:bodyPr/>
+          <a:lstStyle/>
+          <a:p>
+            <a:r>
+              <a:rPr kumimoji="1" lang="en-US" altLang="ja-JP" dirty="0" smtClean="0"/>
+              <a:t>X-means</a:t>
+            </a:r>
+            <a:endParaRPr kumimoji="1" lang="ja-JP" altLang="en-US" dirty="0"/>
+          </a:p>
+        </p:txBody>
+      </p:sp>
+      <p:pic>
+        <p:nvPicPr>
+          <p:cNvPr id="8" name="図 7"/>
+          <p:cNvPicPr>
+            <a:picLocks noChangeAspect="1"/>
+          </p:cNvPicPr>
+          <p:nvPr/>
+        </p:nvPicPr>
+        <p:blipFill>
+          <a:blip r:embed="rId3">
+            <a:extLst>
+              <a:ext uri="{28A0092B-C50C-407E-A947-70E740481C1C}">
+                <a14:useLocalDpi xmlns:a14="http://schemas.microsoft.com/office/drawing/2010/main" val="0"/>
+              </a:ext>
+            </a:extLst>
+          </a:blip>
+          <a:stretch>
+            <a:fillRect/>
+          </a:stretch>
+        </p:blipFill>
+        <p:spPr>
+          <a:xfrm>
+            <a:off x="8359542" y="2363127"/>
+            <a:ext cx="3952935" cy="2966845"/>
+          </a:xfrm>
+          <a:prstGeom prst="rect">
+            <a:avLst/>
+          </a:prstGeom>
+        </p:spPr>
+      </p:pic>
+      <p:sp>
+        <p:nvSpPr>
+          <p:cNvPr id="12" name="三角形 11"/>
+          <p:cNvSpPr/>
+          <p:nvPr/>
+        </p:nvSpPr>
+        <p:spPr>
+          <a:xfrm>
+            <a:off x="9331921" y="3846550"/>
+            <a:ext cx="164969" cy="142215"/>
+          </a:xfrm>
+          <a:prstGeom prst="triangle">
+            <a:avLst/>
+          </a:prstGeom>
+          <a:solidFill>
+            <a:schemeClr val="bg1"/>
+          </a:solidFill>
+          <a:ln w="28575">
+            <a:solidFill>
+              <a:schemeClr val="tx1"/>
+            </a:solidFill>
+          </a:ln>
+        </p:spPr>
+        <p:style>
+          <a:lnRef idx="2">
+            <a:schemeClr val="accent1">
+              <a:shade val="50000"/>
+            </a:schemeClr>
+          </a:lnRef>
+          <a:fillRef idx="1">
+            <a:schemeClr val="accent1"/>
+          </a:fillRef>
+          <a:effectRef idx="0">
+            <a:schemeClr val="accent1"/>
+          </a:effectRef>
+          <a:fontRef idx="minor">
+            <a:schemeClr val="lt1"/>
+          </a:fontRef>
+        </p:style>
+        <p:txBody>
+          <a:bodyPr rtlCol="0" anchor="ctr"/>
+          <a:lstStyle/>
+          <a:p>
+            <a:pPr algn="ctr"/>
+            <a:endParaRPr kumimoji="1" lang="ja-JP" altLang="en-US"/>
+          </a:p>
+        </p:txBody>
+      </p:sp>
+      <p:sp>
+        <p:nvSpPr>
+          <p:cNvPr id="13" name="三角形 12"/>
+          <p:cNvSpPr/>
+          <p:nvPr/>
+        </p:nvSpPr>
+        <p:spPr>
+          <a:xfrm>
+            <a:off x="9541299" y="3627085"/>
+            <a:ext cx="164969" cy="142215"/>
+          </a:xfrm>
+          <a:prstGeom prst="triangle">
+            <a:avLst/>
+          </a:prstGeom>
+          <a:solidFill>
+            <a:schemeClr val="bg1"/>
+          </a:solidFill>
+          <a:ln w="28575">
+            <a:solidFill>
+              <a:schemeClr val="tx1"/>
+            </a:solidFill>
+          </a:ln>
+        </p:spPr>
+        <p:style>
+          <a:lnRef idx="2">
+            <a:schemeClr val="accent1">
+              <a:shade val="50000"/>
+            </a:schemeClr>
+          </a:lnRef>
+          <a:fillRef idx="1">
+            <a:schemeClr val="accent1"/>
+          </a:fillRef>
+          <a:effectRef idx="0">
+            <a:schemeClr val="accent1"/>
+          </a:effectRef>
+          <a:fontRef idx="minor">
+            <a:schemeClr val="lt1"/>
+          </a:fontRef>
+        </p:style>
+        <p:txBody>
+          <a:bodyPr rtlCol="0" anchor="ctr"/>
+          <a:lstStyle/>
+          <a:p>
+            <a:pPr algn="ctr"/>
+            <a:endParaRPr kumimoji="1" lang="ja-JP" altLang="en-US"/>
+          </a:p>
+        </p:txBody>
+      </p:sp>
+      <p:sp>
+        <p:nvSpPr>
+          <p:cNvPr id="14" name="三角形 13"/>
+          <p:cNvSpPr/>
+          <p:nvPr/>
+        </p:nvSpPr>
+        <p:spPr>
+          <a:xfrm>
+            <a:off x="10035789" y="3296346"/>
+            <a:ext cx="164969" cy="142215"/>
+          </a:xfrm>
+          <a:prstGeom prst="triangle">
+            <a:avLst/>
+          </a:prstGeom>
+          <a:solidFill>
+            <a:schemeClr val="bg1"/>
+          </a:solidFill>
+          <a:ln w="28575">
+            <a:solidFill>
+              <a:schemeClr val="tx1"/>
+            </a:solidFill>
+          </a:ln>
+        </p:spPr>
+        <p:style>
+          <a:lnRef idx="2">
+            <a:schemeClr val="accent1">
+              <a:shade val="50000"/>
+            </a:schemeClr>
+          </a:lnRef>
+          <a:fillRef idx="1">
+            <a:schemeClr val="accent1"/>
+          </a:fillRef>
+          <a:effectRef idx="0">
+            <a:schemeClr val="accent1"/>
+          </a:effectRef>
+          <a:fontRef idx="minor">
+            <a:schemeClr val="lt1"/>
+          </a:fontRef>
+        </p:style>
+        <p:txBody>
+          <a:bodyPr rtlCol="0" anchor="ctr"/>
+          <a:lstStyle/>
+          <a:p>
+            <a:pPr algn="ctr"/>
+            <a:endParaRPr kumimoji="1" lang="ja-JP" altLang="en-US"/>
+          </a:p>
+        </p:txBody>
+      </p:sp>
+      <p:sp>
+        <p:nvSpPr>
+          <p:cNvPr id="15" name="三角形 14"/>
+          <p:cNvSpPr/>
+          <p:nvPr/>
+        </p:nvSpPr>
+        <p:spPr>
+          <a:xfrm>
+            <a:off x="10200758" y="3030147"/>
+            <a:ext cx="164969" cy="142215"/>
+          </a:xfrm>
+          <a:prstGeom prst="triangle">
+            <a:avLst/>
+          </a:prstGeom>
+          <a:solidFill>
+            <a:schemeClr val="bg1"/>
+          </a:solidFill>
+          <a:ln w="28575">
+            <a:solidFill>
+              <a:schemeClr val="tx1"/>
+            </a:solidFill>
+          </a:ln>
+        </p:spPr>
+        <p:style>
+          <a:lnRef idx="2">
+            <a:schemeClr val="accent1">
+              <a:shade val="50000"/>
+            </a:schemeClr>
+          </a:lnRef>
+          <a:fillRef idx="1">
+            <a:schemeClr val="accent1"/>
+          </a:fillRef>
+          <a:effectRef idx="0">
+            <a:schemeClr val="accent1"/>
+          </a:effectRef>
+          <a:fontRef idx="minor">
+            <a:schemeClr val="lt1"/>
+          </a:fontRef>
+        </p:style>
+        <p:txBody>
+          <a:bodyPr rtlCol="0" anchor="ctr"/>
+          <a:lstStyle/>
+          <a:p>
+            <a:pPr algn="ctr"/>
+            <a:endParaRPr kumimoji="1" lang="ja-JP" altLang="en-US"/>
+          </a:p>
+        </p:txBody>
+      </p:sp>
+      <p:sp>
+        <p:nvSpPr>
+          <p:cNvPr id="16" name="三角形 15"/>
+          <p:cNvSpPr/>
+          <p:nvPr/>
+        </p:nvSpPr>
+        <p:spPr>
+          <a:xfrm>
+            <a:off x="10983183" y="2834740"/>
+            <a:ext cx="164969" cy="142215"/>
+          </a:xfrm>
+          <a:prstGeom prst="triangle">
+            <a:avLst/>
+          </a:prstGeom>
+          <a:solidFill>
+            <a:schemeClr val="bg1"/>
+          </a:solidFill>
+          <a:ln w="28575">
+            <a:solidFill>
+              <a:schemeClr val="tx1"/>
+            </a:solidFill>
+          </a:ln>
+        </p:spPr>
+        <p:style>
+          <a:lnRef idx="2">
+            <a:schemeClr val="accent1">
+              <a:shade val="50000"/>
+            </a:schemeClr>
+          </a:lnRef>
+          <a:fillRef idx="1">
+            <a:schemeClr val="accent1"/>
+          </a:fillRef>
+          <a:effectRef idx="0">
+            <a:schemeClr val="accent1"/>
+          </a:effectRef>
+          <a:fontRef idx="minor">
+            <a:schemeClr val="lt1"/>
+          </a:fontRef>
+        </p:style>
+        <p:txBody>
+          <a:bodyPr rtlCol="0" anchor="ctr"/>
+          <a:lstStyle/>
+          <a:p>
+            <a:pPr algn="ctr"/>
+            <a:endParaRPr kumimoji="1" lang="ja-JP" altLang="en-US"/>
+          </a:p>
+        </p:txBody>
+      </p:sp>
+      <p:sp>
+        <p:nvSpPr>
+          <p:cNvPr id="17" name="三角形 16"/>
+          <p:cNvSpPr/>
+          <p:nvPr/>
+        </p:nvSpPr>
+        <p:spPr>
+          <a:xfrm>
+            <a:off x="11188831" y="3101254"/>
+            <a:ext cx="164969" cy="142215"/>
+          </a:xfrm>
+          <a:prstGeom prst="triangle">
+            <a:avLst/>
+          </a:prstGeom>
+          <a:solidFill>
+            <a:schemeClr val="bg1"/>
+          </a:solidFill>
+          <a:ln w="28575">
+            <a:solidFill>
+              <a:schemeClr val="tx1"/>
+            </a:solidFill>
+          </a:ln>
+        </p:spPr>
+        <p:style>
+          <a:lnRef idx="2">
+            <a:schemeClr val="accent1">
+              <a:shade val="50000"/>
+            </a:schemeClr>
+          </a:lnRef>
+          <a:fillRef idx="1">
+            <a:schemeClr val="accent1"/>
+          </a:fillRef>
+          <a:effectRef idx="0">
+            <a:schemeClr val="accent1"/>
+          </a:effectRef>
+          <a:fontRef idx="minor">
+            <a:schemeClr val="lt1"/>
+          </a:fontRef>
+        </p:style>
+        <p:txBody>
+          <a:bodyPr rtlCol="0" anchor="ctr"/>
+          <a:lstStyle/>
+          <a:p>
+            <a:pPr algn="ctr"/>
+            <a:endParaRPr kumimoji="1" lang="ja-JP" altLang="en-US"/>
+          </a:p>
+        </p:txBody>
+      </p:sp>
+      <p:sp>
+        <p:nvSpPr>
+          <p:cNvPr id="18" name="三角形 17"/>
+          <p:cNvSpPr/>
+          <p:nvPr/>
+        </p:nvSpPr>
+        <p:spPr>
+          <a:xfrm>
+            <a:off x="10954904" y="3627085"/>
+            <a:ext cx="164969" cy="142215"/>
+          </a:xfrm>
+          <a:prstGeom prst="triangle">
+            <a:avLst/>
+          </a:prstGeom>
+          <a:solidFill>
+            <a:schemeClr val="bg1"/>
+          </a:solidFill>
+          <a:ln w="28575">
+            <a:solidFill>
+              <a:schemeClr val="tx1"/>
+            </a:solidFill>
+          </a:ln>
+        </p:spPr>
+        <p:style>
+          <a:lnRef idx="2">
+            <a:schemeClr val="accent1">
+              <a:shade val="50000"/>
+            </a:schemeClr>
+          </a:lnRef>
+          <a:fillRef idx="1">
+            <a:schemeClr val="accent1"/>
+          </a:fillRef>
+          <a:effectRef idx="0">
+            <a:schemeClr val="accent1"/>
+          </a:effectRef>
+          <a:fontRef idx="minor">
+            <a:schemeClr val="lt1"/>
+          </a:fontRef>
+        </p:style>
+        <p:txBody>
+          <a:bodyPr rtlCol="0" anchor="ctr"/>
+          <a:lstStyle/>
+          <a:p>
+            <a:pPr algn="ctr"/>
+            <a:endParaRPr kumimoji="1" lang="ja-JP" altLang="en-US"/>
+          </a:p>
+        </p:txBody>
+      </p:sp>
+      <p:sp>
+        <p:nvSpPr>
+          <p:cNvPr id="19" name="三角形 18"/>
+          <p:cNvSpPr/>
+          <p:nvPr/>
+        </p:nvSpPr>
+        <p:spPr>
+          <a:xfrm>
+            <a:off x="10822199" y="3872374"/>
+            <a:ext cx="164969" cy="142215"/>
+          </a:xfrm>
+          <a:prstGeom prst="triangle">
+            <a:avLst/>
+          </a:prstGeom>
+          <a:solidFill>
+            <a:schemeClr val="bg1"/>
+          </a:solidFill>
+          <a:ln w="28575">
+            <a:solidFill>
+              <a:schemeClr val="tx1"/>
+            </a:solidFill>
+          </a:ln>
+        </p:spPr>
+        <p:style>
+          <a:lnRef idx="2">
+            <a:schemeClr val="accent1">
+              <a:shade val="50000"/>
+            </a:schemeClr>
+          </a:lnRef>
+          <a:fillRef idx="1">
+            <a:schemeClr val="accent1"/>
+          </a:fillRef>
+          <a:effectRef idx="0">
+            <a:schemeClr val="accent1"/>
+          </a:effectRef>
+          <a:fontRef idx="minor">
+            <a:schemeClr val="lt1"/>
+          </a:fontRef>
+        </p:style>
+        <p:txBody>
+          <a:bodyPr rtlCol="0" anchor="ctr"/>
+          <a:lstStyle/>
+          <a:p>
+            <a:pPr algn="ctr"/>
+            <a:endParaRPr kumimoji="1" lang="ja-JP" altLang="en-US"/>
+          </a:p>
+        </p:txBody>
+      </p:sp>
+      <p:sp>
+        <p:nvSpPr>
+          <p:cNvPr id="20" name="三角形 19"/>
+          <p:cNvSpPr/>
+          <p:nvPr/>
+        </p:nvSpPr>
+        <p:spPr>
+          <a:xfrm>
+            <a:off x="11248208" y="4671858"/>
+            <a:ext cx="164969" cy="142215"/>
+          </a:xfrm>
+          <a:prstGeom prst="triangle">
+            <a:avLst/>
+          </a:prstGeom>
+          <a:solidFill>
+            <a:schemeClr val="bg1"/>
+          </a:solidFill>
+          <a:ln w="28575">
+            <a:solidFill>
+              <a:schemeClr val="tx1"/>
+            </a:solidFill>
+          </a:ln>
+        </p:spPr>
+        <p:style>
+          <a:lnRef idx="2">
+            <a:schemeClr val="accent1">
+              <a:shade val="50000"/>
+            </a:schemeClr>
+          </a:lnRef>
+          <a:fillRef idx="1">
+            <a:schemeClr val="accent1"/>
+          </a:fillRef>
+          <a:effectRef idx="0">
+            <a:schemeClr val="accent1"/>
+          </a:effectRef>
+          <a:fontRef idx="minor">
+            <a:schemeClr val="lt1"/>
+          </a:fontRef>
+        </p:style>
+        <p:txBody>
+          <a:bodyPr rtlCol="0" anchor="ctr"/>
+          <a:lstStyle/>
+          <a:p>
+            <a:pPr algn="ctr"/>
+            <a:endParaRPr kumimoji="1" lang="ja-JP" altLang="en-US"/>
+          </a:p>
+        </p:txBody>
+      </p:sp>
+      <p:sp>
+        <p:nvSpPr>
+          <p:cNvPr id="21" name="三角形 20"/>
+          <p:cNvSpPr/>
+          <p:nvPr/>
+        </p:nvSpPr>
+        <p:spPr>
+          <a:xfrm>
+            <a:off x="11504568" y="4532369"/>
+            <a:ext cx="164969" cy="142215"/>
+          </a:xfrm>
+          <a:prstGeom prst="triangle">
+            <a:avLst/>
+          </a:prstGeom>
+          <a:solidFill>
+            <a:schemeClr val="bg1"/>
+          </a:solidFill>
+          <a:ln w="28575">
+            <a:solidFill>
+              <a:schemeClr val="tx1"/>
+            </a:solidFill>
+          </a:ln>
+        </p:spPr>
+        <p:style>
+          <a:lnRef idx="2">
+            <a:schemeClr val="accent1">
+              <a:shade val="50000"/>
+            </a:schemeClr>
+          </a:lnRef>
+          <a:fillRef idx="1">
+            <a:schemeClr val="accent1"/>
+          </a:fillRef>
+          <a:effectRef idx="0">
+            <a:schemeClr val="accent1"/>
+          </a:effectRef>
+          <a:fontRef idx="minor">
+            <a:schemeClr val="lt1"/>
+          </a:fontRef>
+        </p:style>
+        <p:txBody>
+          <a:bodyPr rtlCol="0" anchor="ctr"/>
+          <a:lstStyle/>
+          <a:p>
+            <a:pPr algn="ctr"/>
+            <a:endParaRPr kumimoji="1" lang="ja-JP" altLang="en-US"/>
+          </a:p>
+        </p:txBody>
+      </p:sp>
+      <p:sp>
+        <p:nvSpPr>
+          <p:cNvPr id="22" name="円/楕円 21"/>
+          <p:cNvSpPr/>
+          <p:nvPr/>
+        </p:nvSpPr>
+        <p:spPr>
+          <a:xfrm>
+            <a:off x="9419104" y="3738240"/>
+            <a:ext cx="157686" cy="157687"/>
+          </a:xfrm>
+          <a:prstGeom prst="ellipse">
+            <a:avLst/>
+          </a:prstGeom>
+          <a:solidFill>
+            <a:schemeClr val="bg1"/>
+          </a:solidFill>
+          <a:ln w="38100">
+            <a:solidFill>
+              <a:schemeClr val="tx1"/>
+            </a:solidFill>
+          </a:ln>
+        </p:spPr>
+        <p:style>
+          <a:lnRef idx="2">
+            <a:schemeClr val="accent1">
+              <a:shade val="50000"/>
+            </a:schemeClr>
+          </a:lnRef>
+          <a:fillRef idx="1">
+            <a:schemeClr val="accent1"/>
+          </a:fillRef>
+          <a:effectRef idx="0">
+            <a:schemeClr val="accent1"/>
+          </a:effectRef>
+          <a:fontRef idx="minor">
+            <a:schemeClr val="lt1"/>
+          </a:fontRef>
+        </p:style>
+        <p:txBody>
+          <a:bodyPr rtlCol="0" anchor="ctr"/>
+          <a:lstStyle/>
+          <a:p>
+            <a:pPr algn="ctr"/>
+            <a:endParaRPr kumimoji="1" lang="ja-JP" altLang="en-US"/>
+          </a:p>
+        </p:txBody>
+      </p:sp>
+      <p:sp>
+        <p:nvSpPr>
+          <p:cNvPr id="23" name="円/楕円 22"/>
+          <p:cNvSpPr/>
+          <p:nvPr/>
+        </p:nvSpPr>
+        <p:spPr>
+          <a:xfrm>
+            <a:off x="10118273" y="3184002"/>
+            <a:ext cx="157686" cy="157687"/>
+          </a:xfrm>
+          <a:prstGeom prst="ellipse">
+            <a:avLst/>
+          </a:prstGeom>
+          <a:solidFill>
+            <a:schemeClr val="bg1"/>
+          </a:solidFill>
+          <a:ln w="38100">
+            <a:solidFill>
+              <a:schemeClr val="tx1"/>
+            </a:solidFill>
+          </a:ln>
+        </p:spPr>
+        <p:style>
+          <a:lnRef idx="2">
+            <a:schemeClr val="accent1">
+              <a:shade val="50000"/>
+            </a:schemeClr>
+          </a:lnRef>
+          <a:fillRef idx="1">
+            <a:schemeClr val="accent1"/>
+          </a:fillRef>
+          <a:effectRef idx="0">
+            <a:schemeClr val="accent1"/>
+          </a:effectRef>
+          <a:fontRef idx="minor">
+            <a:schemeClr val="lt1"/>
+          </a:fontRef>
+        </p:style>
+        <p:txBody>
+          <a:bodyPr rtlCol="0" anchor="ctr"/>
+          <a:lstStyle/>
+          <a:p>
+            <a:pPr algn="ctr"/>
+            <a:endParaRPr kumimoji="1" lang="ja-JP" altLang="en-US"/>
+          </a:p>
+        </p:txBody>
+      </p:sp>
+      <p:sp>
+        <p:nvSpPr>
+          <p:cNvPr id="24" name="円/楕円 23"/>
+          <p:cNvSpPr/>
+          <p:nvPr/>
+        </p:nvSpPr>
+        <p:spPr>
+          <a:xfrm>
+            <a:off x="11094715" y="2995498"/>
+            <a:ext cx="157686" cy="157687"/>
+          </a:xfrm>
+          <a:prstGeom prst="ellipse">
+            <a:avLst/>
+          </a:prstGeom>
+          <a:solidFill>
+            <a:schemeClr val="bg1"/>
+          </a:solidFill>
+          <a:ln w="38100">
+            <a:solidFill>
+              <a:schemeClr val="tx1"/>
+            </a:solidFill>
+          </a:ln>
+        </p:spPr>
+        <p:style>
+          <a:lnRef idx="2">
+            <a:schemeClr val="accent1">
+              <a:shade val="50000"/>
+            </a:schemeClr>
+          </a:lnRef>
+          <a:fillRef idx="1">
+            <a:schemeClr val="accent1"/>
+          </a:fillRef>
+          <a:effectRef idx="0">
+            <a:schemeClr val="accent1"/>
+          </a:effectRef>
+          <a:fontRef idx="minor">
+            <a:schemeClr val="lt1"/>
+          </a:fontRef>
+        </p:style>
+        <p:txBody>
+          <a:bodyPr rtlCol="0" anchor="ctr"/>
+          <a:lstStyle/>
+          <a:p>
+            <a:pPr algn="ctr"/>
+            <a:endParaRPr kumimoji="1" lang="ja-JP" altLang="en-US"/>
+          </a:p>
+        </p:txBody>
+      </p:sp>
+      <p:sp>
+        <p:nvSpPr>
+          <p:cNvPr id="25" name="円/楕円 24"/>
+          <p:cNvSpPr/>
+          <p:nvPr/>
+        </p:nvSpPr>
+        <p:spPr>
+          <a:xfrm>
+            <a:off x="10912446" y="3781985"/>
+            <a:ext cx="157686" cy="157687"/>
+          </a:xfrm>
+          <a:prstGeom prst="ellipse">
+            <a:avLst/>
+          </a:prstGeom>
+          <a:solidFill>
+            <a:schemeClr val="bg1"/>
+          </a:solidFill>
+          <a:ln w="38100">
+            <a:solidFill>
+              <a:schemeClr val="tx1"/>
+            </a:solidFill>
+          </a:ln>
+        </p:spPr>
+        <p:style>
+          <a:lnRef idx="2">
+            <a:schemeClr val="accent1">
+              <a:shade val="50000"/>
+            </a:schemeClr>
+          </a:lnRef>
+          <a:fillRef idx="1">
+            <a:schemeClr val="accent1"/>
+          </a:fillRef>
+          <a:effectRef idx="0">
+            <a:schemeClr val="accent1"/>
+          </a:effectRef>
+          <a:fontRef idx="minor">
+            <a:schemeClr val="lt1"/>
+          </a:fontRef>
+        </p:style>
+        <p:txBody>
+          <a:bodyPr rtlCol="0" anchor="ctr"/>
+          <a:lstStyle/>
+          <a:p>
+            <a:pPr algn="ctr"/>
+            <a:endParaRPr kumimoji="1" lang="ja-JP" altLang="en-US"/>
+          </a:p>
+        </p:txBody>
+      </p:sp>
+      <p:sp>
+        <p:nvSpPr>
+          <p:cNvPr id="26" name="円/楕円 25"/>
+          <p:cNvSpPr/>
+          <p:nvPr/>
+        </p:nvSpPr>
+        <p:spPr>
+          <a:xfrm>
+            <a:off x="11367389" y="4619046"/>
+            <a:ext cx="157686" cy="157687"/>
+          </a:xfrm>
+          <a:prstGeom prst="ellipse">
+            <a:avLst/>
+          </a:prstGeom>
+          <a:solidFill>
+            <a:schemeClr val="bg1"/>
+          </a:solidFill>
+          <a:ln w="38100">
+            <a:solidFill>
+              <a:schemeClr val="tx1"/>
+            </a:solidFill>
+          </a:ln>
+        </p:spPr>
+        <p:style>
+          <a:lnRef idx="2">
+            <a:schemeClr val="accent1">
+              <a:shade val="50000"/>
+            </a:schemeClr>
+          </a:lnRef>
+          <a:fillRef idx="1">
+            <a:schemeClr val="accent1"/>
+          </a:fillRef>
+          <a:effectRef idx="0">
+            <a:schemeClr val="accent1"/>
+          </a:effectRef>
+          <a:fontRef idx="minor">
+            <a:schemeClr val="lt1"/>
+          </a:fontRef>
+        </p:style>
+        <p:txBody>
+          <a:bodyPr rtlCol="0" anchor="ctr"/>
+          <a:lstStyle/>
+          <a:p>
+            <a:pPr algn="ctr"/>
+            <a:endParaRPr kumimoji="1" lang="ja-JP" altLang="en-US"/>
+          </a:p>
+        </p:txBody>
+      </p:sp>
+      <p:grpSp>
+        <p:nvGrpSpPr>
+          <p:cNvPr id="38" name="図形グループ 37"/>
+          <p:cNvGrpSpPr/>
+          <p:nvPr/>
+        </p:nvGrpSpPr>
+        <p:grpSpPr>
+          <a:xfrm>
+            <a:off x="47878" y="2171713"/>
+            <a:ext cx="4234743" cy="4461936"/>
+            <a:chOff x="4072556" y="2271651"/>
+            <a:chExt cx="4234743" cy="4461936"/>
+          </a:xfrm>
+        </p:grpSpPr>
+        <p:pic>
+          <p:nvPicPr>
+            <p:cNvPr id="5" name="図 4"/>
+            <p:cNvPicPr>
+              <a:picLocks noChangeAspect="1"/>
+            </p:cNvPicPr>
+            <p:nvPr/>
+          </p:nvPicPr>
+          <p:blipFill>
+            <a:blip r:embed="rId4">
+              <a:extLst>
+                <a:ext uri="{28A0092B-C50C-407E-A947-70E740481C1C}">
+                  <a14:useLocalDpi xmlns:a14="http://schemas.microsoft.com/office/drawing/2010/main" val="0"/>
+                </a:ext>
+              </a:extLst>
+            </a:blip>
+            <a:stretch>
+              <a:fillRect/>
+            </a:stretch>
+          </p:blipFill>
+          <p:spPr>
+            <a:xfrm>
+              <a:off x="4072556" y="2271651"/>
+              <a:ext cx="4234743" cy="3178354"/>
+            </a:xfrm>
+            <a:prstGeom prst="rect">
+              <a:avLst/>
+            </a:prstGeom>
+          </p:spPr>
+        </p:pic>
+        <p:sp>
+          <p:nvSpPr>
+            <p:cNvPr id="3" name="円/楕円 2"/>
+            <p:cNvSpPr/>
+            <p:nvPr/>
+          </p:nvSpPr>
+          <p:spPr>
+            <a:xfrm>
+              <a:off x="6221018" y="3390046"/>
+              <a:ext cx="184638" cy="184639"/>
+            </a:xfrm>
+            <a:prstGeom prst="ellipse">
+              <a:avLst/>
+            </a:prstGeom>
+            <a:solidFill>
+              <a:schemeClr val="bg1"/>
+            </a:solidFill>
+            <a:ln w="38100">
+              <a:solidFill>
+                <a:schemeClr val="tx1"/>
+              </a:solidFill>
+            </a:ln>
+          </p:spPr>
+          <p:style>
+            <a:lnRef idx="2">
+              <a:schemeClr val="accent1">
+                <a:shade val="50000"/>
+              </a:schemeClr>
+            </a:lnRef>
+            <a:fillRef idx="1">
+              <a:schemeClr val="accent1"/>
+            </a:fillRef>
+            <a:effectRef idx="0">
+              <a:schemeClr val="accent1"/>
+            </a:effectRef>
+            <a:fontRef idx="minor">
+              <a:schemeClr val="lt1"/>
+            </a:fontRef>
+          </p:style>
+          <p:txBody>
+            <a:bodyPr rtlCol="0" anchor="ctr"/>
+            <a:lstStyle/>
+            <a:p>
+              <a:pPr algn="ctr"/>
+              <a:endParaRPr kumimoji="1" lang="ja-JP" altLang="en-US"/>
+            </a:p>
+          </p:txBody>
+        </p:sp>
+        <p:sp>
+          <p:nvSpPr>
+            <p:cNvPr id="7" name="円/楕円 6"/>
+            <p:cNvSpPr/>
+            <p:nvPr/>
+          </p:nvSpPr>
+          <p:spPr>
+            <a:xfrm>
+              <a:off x="7302556" y="4700609"/>
+              <a:ext cx="157686" cy="157687"/>
+            </a:xfrm>
+            <a:prstGeom prst="ellipse">
+              <a:avLst/>
+            </a:prstGeom>
+            <a:solidFill>
+              <a:schemeClr val="bg1"/>
+            </a:solidFill>
+            <a:ln w="38100">
+              <a:solidFill>
+                <a:schemeClr val="tx1"/>
+              </a:solidFill>
+            </a:ln>
+          </p:spPr>
+          <p:style>
+            <a:lnRef idx="2">
+              <a:schemeClr val="accent1">
+                <a:shade val="50000"/>
+              </a:schemeClr>
+            </a:lnRef>
+            <a:fillRef idx="1">
+              <a:schemeClr val="accent1"/>
+            </a:fillRef>
+            <a:effectRef idx="0">
+              <a:schemeClr val="accent1"/>
+            </a:effectRef>
+            <a:fontRef idx="minor">
+              <a:schemeClr val="lt1"/>
+            </a:fontRef>
+          </p:style>
+          <p:txBody>
+            <a:bodyPr rtlCol="0" anchor="ctr"/>
+            <a:lstStyle/>
+            <a:p>
+              <a:pPr algn="ctr"/>
+              <a:endParaRPr kumimoji="1" lang="ja-JP" altLang="en-US"/>
+            </a:p>
+          </p:txBody>
+        </p:sp>
+        <p:sp>
+          <p:nvSpPr>
+            <p:cNvPr id="6" name="三角形 5"/>
+            <p:cNvSpPr/>
+            <p:nvPr/>
+          </p:nvSpPr>
+          <p:spPr>
+            <a:xfrm>
+              <a:off x="5201268" y="3704335"/>
+              <a:ext cx="164969" cy="142215"/>
+            </a:xfrm>
+            <a:prstGeom prst="triangle">
+              <a:avLst/>
+            </a:prstGeom>
+            <a:solidFill>
+              <a:schemeClr val="bg1"/>
+            </a:solidFill>
+            <a:ln w="28575">
+              <a:solidFill>
+                <a:schemeClr val="tx1"/>
+              </a:solidFill>
+            </a:ln>
+          </p:spPr>
+          <p:style>
+            <a:lnRef idx="2">
+              <a:schemeClr val="accent1">
+                <a:shade val="50000"/>
+              </a:schemeClr>
+            </a:lnRef>
+            <a:fillRef idx="1">
+              <a:schemeClr val="accent1"/>
+            </a:fillRef>
+            <a:effectRef idx="0">
+              <a:schemeClr val="accent1"/>
+            </a:effectRef>
+            <a:fontRef idx="minor">
+              <a:schemeClr val="lt1"/>
+            </a:fontRef>
+          </p:style>
+          <p:txBody>
+            <a:bodyPr rtlCol="0" anchor="ctr"/>
+            <a:lstStyle/>
+            <a:p>
+              <a:pPr algn="ctr"/>
+              <a:endParaRPr kumimoji="1" lang="ja-JP" altLang="en-US"/>
+            </a:p>
+          </p:txBody>
+        </p:sp>
+        <p:sp>
+          <p:nvSpPr>
+            <p:cNvPr id="9" name="三角形 8"/>
+            <p:cNvSpPr/>
+            <p:nvPr/>
+          </p:nvSpPr>
+          <p:spPr>
+            <a:xfrm>
+              <a:off x="6568439" y="3272299"/>
+              <a:ext cx="164969" cy="142215"/>
+            </a:xfrm>
+            <a:prstGeom prst="triangle">
+              <a:avLst/>
+            </a:prstGeom>
+            <a:solidFill>
+              <a:schemeClr val="bg1"/>
+            </a:solidFill>
+            <a:ln w="28575">
+              <a:solidFill>
+                <a:schemeClr val="tx1"/>
+              </a:solidFill>
+            </a:ln>
+          </p:spPr>
+          <p:style>
+            <a:lnRef idx="2">
+              <a:schemeClr val="accent1">
+                <a:shade val="50000"/>
+              </a:schemeClr>
+            </a:lnRef>
+            <a:fillRef idx="1">
+              <a:schemeClr val="accent1"/>
+            </a:fillRef>
+            <a:effectRef idx="0">
+              <a:schemeClr val="accent1"/>
+            </a:effectRef>
+            <a:fontRef idx="minor">
+              <a:schemeClr val="lt1"/>
+            </a:fontRef>
+          </p:style>
+          <p:txBody>
+            <a:bodyPr rtlCol="0" anchor="ctr"/>
+            <a:lstStyle/>
+            <a:p>
+              <a:pPr algn="ctr"/>
+              <a:endParaRPr kumimoji="1" lang="ja-JP" altLang="en-US"/>
+            </a:p>
+          </p:txBody>
+        </p:sp>
+        <p:sp>
+          <p:nvSpPr>
+            <p:cNvPr id="10" name="三角形 9"/>
+            <p:cNvSpPr/>
+            <p:nvPr/>
+          </p:nvSpPr>
+          <p:spPr>
+            <a:xfrm>
+              <a:off x="7244737" y="4508353"/>
+              <a:ext cx="164969" cy="142215"/>
+            </a:xfrm>
+            <a:prstGeom prst="triangle">
+              <a:avLst/>
+            </a:prstGeom>
+            <a:solidFill>
+              <a:schemeClr val="bg1"/>
+            </a:solidFill>
+            <a:ln w="28575">
+              <a:solidFill>
+                <a:schemeClr val="tx1"/>
+              </a:solidFill>
+            </a:ln>
+          </p:spPr>
+          <p:style>
+            <a:lnRef idx="2">
+              <a:schemeClr val="accent1">
+                <a:shade val="50000"/>
+              </a:schemeClr>
+            </a:lnRef>
+            <a:fillRef idx="1">
+              <a:schemeClr val="accent1"/>
+            </a:fillRef>
+            <a:effectRef idx="0">
+              <a:schemeClr val="accent1"/>
+            </a:effectRef>
+            <a:fontRef idx="minor">
+              <a:schemeClr val="lt1"/>
+            </a:fontRef>
+          </p:style>
+          <p:txBody>
+            <a:bodyPr rtlCol="0" anchor="ctr"/>
+            <a:lstStyle/>
+            <a:p>
+              <a:pPr algn="ctr"/>
+              <a:endParaRPr kumimoji="1" lang="ja-JP" altLang="en-US"/>
+            </a:p>
+          </p:txBody>
+        </p:sp>
+        <p:sp>
+          <p:nvSpPr>
+            <p:cNvPr id="11" name="三角形 10"/>
+            <p:cNvSpPr/>
+            <p:nvPr/>
+          </p:nvSpPr>
+          <p:spPr>
+            <a:xfrm>
+              <a:off x="7409706" y="4891076"/>
+              <a:ext cx="164969" cy="142215"/>
+            </a:xfrm>
+            <a:prstGeom prst="triangle">
+              <a:avLst/>
+            </a:prstGeom>
+            <a:solidFill>
+              <a:schemeClr val="bg1"/>
+            </a:solidFill>
+            <a:ln w="28575">
+              <a:solidFill>
+                <a:schemeClr val="tx1"/>
+              </a:solidFill>
+            </a:ln>
+          </p:spPr>
+          <p:style>
+            <a:lnRef idx="2">
+              <a:schemeClr val="accent1">
+                <a:shade val="50000"/>
+              </a:schemeClr>
+            </a:lnRef>
+            <a:fillRef idx="1">
+              <a:schemeClr val="accent1"/>
+            </a:fillRef>
+            <a:effectRef idx="0">
+              <a:schemeClr val="accent1"/>
+            </a:effectRef>
+            <a:fontRef idx="minor">
+              <a:schemeClr val="lt1"/>
+            </a:fontRef>
+          </p:style>
+          <p:txBody>
+            <a:bodyPr rtlCol="0" anchor="ctr"/>
+            <a:lstStyle/>
+            <a:p>
+              <a:pPr algn="ctr"/>
+              <a:endParaRPr kumimoji="1" lang="ja-JP" altLang="en-US"/>
+            </a:p>
+          </p:txBody>
+        </p:sp>
+        <p:pic>
+          <p:nvPicPr>
+            <p:cNvPr id="29" name="図 28"/>
+            <p:cNvPicPr>
+              <a:picLocks noChangeAspect="1"/>
+            </p:cNvPicPr>
+            <p:nvPr/>
+          </p:nvPicPr>
+          <p:blipFill>
+            <a:blip r:embed="rId5"/>
+            <a:stretch>
+              <a:fillRect/>
+            </a:stretch>
+          </p:blipFill>
+          <p:spPr>
+            <a:xfrm>
+              <a:off x="5221674" y="5515656"/>
+              <a:ext cx="1748654" cy="491134"/>
+            </a:xfrm>
+            <a:prstGeom prst="rect">
+              <a:avLst/>
+            </a:prstGeom>
+            <a:ln w="28575">
+              <a:solidFill>
+                <a:srgbClr val="FF0000"/>
+              </a:solidFill>
+            </a:ln>
+          </p:spPr>
+        </p:pic>
+        <p:pic>
+          <p:nvPicPr>
+            <p:cNvPr id="30" name="図 29"/>
+            <p:cNvPicPr>
+              <a:picLocks noChangeAspect="1"/>
+            </p:cNvPicPr>
+            <p:nvPr/>
+          </p:nvPicPr>
+          <p:blipFill>
+            <a:blip r:embed="rId6"/>
+            <a:stretch>
+              <a:fillRect/>
+            </a:stretch>
+          </p:blipFill>
+          <p:spPr>
+            <a:xfrm>
+              <a:off x="5221673" y="6211857"/>
+              <a:ext cx="1748654" cy="521730"/>
+            </a:xfrm>
+            <a:prstGeom prst="rect">
+              <a:avLst/>
+            </a:prstGeom>
+            <a:ln w="28575">
+              <a:solidFill>
+                <a:srgbClr val="8000FF"/>
+              </a:solidFill>
+            </a:ln>
+          </p:spPr>
+        </p:pic>
+      </p:grpSp>
+      <p:pic>
+        <p:nvPicPr>
+          <p:cNvPr id="31" name="図 30"/>
+          <p:cNvPicPr>
+            <a:picLocks noChangeAspect="1"/>
+          </p:cNvPicPr>
+          <p:nvPr/>
+        </p:nvPicPr>
+        <p:blipFill>
+          <a:blip r:embed="rId7"/>
+          <a:stretch>
+            <a:fillRect/>
+          </a:stretch>
+        </p:blipFill>
+        <p:spPr>
+          <a:xfrm>
+            <a:off x="8378498" y="1789637"/>
+            <a:ext cx="1744259" cy="520418"/>
+          </a:xfrm>
+          <a:prstGeom prst="rect">
+            <a:avLst/>
+          </a:prstGeom>
+          <a:ln w="28575">
+            <a:solidFill>
+              <a:srgbClr val="80FFB4"/>
+            </a:solidFill>
+          </a:ln>
+        </p:spPr>
+      </p:pic>
+      <p:pic>
+        <p:nvPicPr>
+          <p:cNvPr id="33" name="図 32"/>
+          <p:cNvPicPr>
+            <a:picLocks noChangeAspect="1"/>
+          </p:cNvPicPr>
+          <p:nvPr/>
+        </p:nvPicPr>
+        <p:blipFill>
+          <a:blip r:embed="rId8"/>
+          <a:stretch>
+            <a:fillRect/>
+          </a:stretch>
+        </p:blipFill>
+        <p:spPr>
+          <a:xfrm>
+            <a:off x="10265155" y="1785871"/>
+            <a:ext cx="1744260" cy="520420"/>
+          </a:xfrm>
+          <a:prstGeom prst="rect">
+            <a:avLst/>
+          </a:prstGeom>
+          <a:ln w="28575">
+            <a:solidFill>
+              <a:srgbClr val="00B5EC"/>
+            </a:solidFill>
+          </a:ln>
+        </p:spPr>
+      </p:pic>
+      <p:pic>
+        <p:nvPicPr>
+          <p:cNvPr id="34" name="図 33"/>
+          <p:cNvPicPr>
+            <a:picLocks noChangeAspect="1"/>
+          </p:cNvPicPr>
+          <p:nvPr/>
+        </p:nvPicPr>
+        <p:blipFill>
+          <a:blip r:embed="rId9"/>
+          <a:stretch>
+            <a:fillRect/>
+          </a:stretch>
+        </p:blipFill>
+        <p:spPr>
+          <a:xfrm>
+            <a:off x="8355872" y="5452147"/>
+            <a:ext cx="1762401" cy="525831"/>
+          </a:xfrm>
+          <a:prstGeom prst="rect">
+            <a:avLst/>
+          </a:prstGeom>
+          <a:ln w="28575">
+            <a:solidFill>
+              <a:srgbClr val="FFB360"/>
+            </a:solidFill>
+          </a:ln>
+        </p:spPr>
+      </p:pic>
+      <p:pic>
+        <p:nvPicPr>
+          <p:cNvPr id="35" name="図 34"/>
+          <p:cNvPicPr>
+            <a:picLocks noChangeAspect="1"/>
+          </p:cNvPicPr>
+          <p:nvPr/>
+        </p:nvPicPr>
+        <p:blipFill>
+          <a:blip r:embed="rId10"/>
+          <a:stretch>
+            <a:fillRect/>
+          </a:stretch>
+        </p:blipFill>
+        <p:spPr>
+          <a:xfrm>
+            <a:off x="10336009" y="5442978"/>
+            <a:ext cx="1784050" cy="532290"/>
+          </a:xfrm>
+          <a:prstGeom prst="rect">
+            <a:avLst/>
+          </a:prstGeom>
+          <a:ln w="28575">
+            <a:solidFill>
+              <a:srgbClr val="FF0000"/>
+            </a:solidFill>
+          </a:ln>
+        </p:spPr>
+      </p:pic>
+      <p:pic>
+        <p:nvPicPr>
+          <p:cNvPr id="36" name="図 35"/>
+          <p:cNvPicPr>
+            <a:picLocks noChangeAspect="1"/>
+          </p:cNvPicPr>
+          <p:nvPr/>
+        </p:nvPicPr>
+        <p:blipFill>
+          <a:blip r:embed="rId11"/>
+          <a:stretch>
+            <a:fillRect/>
+          </a:stretch>
+        </p:blipFill>
+        <p:spPr>
+          <a:xfrm>
+            <a:off x="10295292" y="6186749"/>
+            <a:ext cx="1833798" cy="547134"/>
+          </a:xfrm>
+          <a:prstGeom prst="rect">
+            <a:avLst/>
+          </a:prstGeom>
+          <a:ln w="28575">
+            <a:solidFill>
+              <a:srgbClr val="8000FF"/>
+            </a:solidFill>
+          </a:ln>
+        </p:spPr>
+      </p:pic>
+      <p:grpSp>
+        <p:nvGrpSpPr>
+          <p:cNvPr id="56" name="図形グループ 55"/>
+          <p:cNvGrpSpPr/>
+          <p:nvPr/>
+        </p:nvGrpSpPr>
+        <p:grpSpPr>
+          <a:xfrm>
+            <a:off x="3914931" y="2167007"/>
+            <a:ext cx="4264750" cy="4466642"/>
+            <a:chOff x="3871927" y="2167007"/>
+            <a:chExt cx="4264750" cy="4466642"/>
+          </a:xfrm>
+        </p:grpSpPr>
+        <p:grpSp>
+          <p:nvGrpSpPr>
+            <p:cNvPr id="49" name="図形グループ 48"/>
+            <p:cNvGrpSpPr/>
+            <p:nvPr/>
+          </p:nvGrpSpPr>
+          <p:grpSpPr>
+            <a:xfrm>
+              <a:off x="3871927" y="2167007"/>
+              <a:ext cx="4264750" cy="3200874"/>
+              <a:chOff x="3871927" y="2167007"/>
+              <a:chExt cx="4264750" cy="3200874"/>
+            </a:xfrm>
+          </p:grpSpPr>
+          <p:pic>
+            <p:nvPicPr>
+              <p:cNvPr id="40" name="図 39"/>
+              <p:cNvPicPr>
+                <a:picLocks noChangeAspect="1"/>
+              </p:cNvPicPr>
+              <p:nvPr/>
+            </p:nvPicPr>
+            <p:blipFill>
+              <a:blip r:embed="rId12">
+                <a:extLst>
+                  <a:ext uri="{28A0092B-C50C-407E-A947-70E740481C1C}">
+                    <a14:useLocalDpi xmlns:a14="http://schemas.microsoft.com/office/drawing/2010/main" val="0"/>
+                  </a:ext>
+                </a:extLst>
+              </a:blip>
+              <a:stretch>
+                <a:fillRect/>
+              </a:stretch>
+            </p:blipFill>
+            <p:spPr>
+              <a:xfrm>
+                <a:off x="3871927" y="2167007"/>
+                <a:ext cx="4264750" cy="3200874"/>
+              </a:xfrm>
+              <a:prstGeom prst="rect">
+                <a:avLst/>
+              </a:prstGeom>
+            </p:spPr>
+          </p:pic>
+          <p:sp>
+            <p:nvSpPr>
+              <p:cNvPr id="41" name="円/楕円 40"/>
+              <p:cNvSpPr/>
+              <p:nvPr/>
+            </p:nvSpPr>
+            <p:spPr>
+              <a:xfrm>
+                <a:off x="5099567" y="3583293"/>
+                <a:ext cx="184638" cy="184639"/>
+              </a:xfrm>
+              <a:prstGeom prst="ellipse">
+                <a:avLst/>
+              </a:prstGeom>
+              <a:solidFill>
+                <a:schemeClr val="bg1"/>
+              </a:solidFill>
+              <a:ln w="38100">
+                <a:solidFill>
+                  <a:schemeClr val="tx1"/>
+                </a:solidFill>
+              </a:ln>
+            </p:spPr>
+            <p:style>
+              <a:lnRef idx="2">
+                <a:schemeClr val="accent1">
+                  <a:shade val="50000"/>
+                </a:schemeClr>
+              </a:lnRef>
+              <a:fillRef idx="1">
+                <a:schemeClr val="accent1"/>
+              </a:fillRef>
+              <a:effectRef idx="0">
+                <a:schemeClr val="accent1"/>
+              </a:effectRef>
+              <a:fontRef idx="minor">
+                <a:schemeClr val="lt1"/>
+              </a:fontRef>
+            </p:style>
+            <p:txBody>
+              <a:bodyPr rtlCol="0" anchor="ctr"/>
+              <a:lstStyle/>
+              <a:p>
+                <a:pPr algn="ctr"/>
+                <a:endParaRPr kumimoji="1" lang="ja-JP" altLang="en-US"/>
+              </a:p>
+            </p:txBody>
+          </p:sp>
+          <p:sp>
+            <p:nvSpPr>
+              <p:cNvPr id="42" name="円/楕円 41"/>
+              <p:cNvSpPr/>
+              <p:nvPr/>
+            </p:nvSpPr>
+            <p:spPr>
+              <a:xfrm>
+                <a:off x="7109831" y="4507496"/>
+                <a:ext cx="157686" cy="157687"/>
+              </a:xfrm>
+              <a:prstGeom prst="ellipse">
+                <a:avLst/>
+              </a:prstGeom>
+              <a:solidFill>
+                <a:schemeClr val="bg1"/>
+              </a:solidFill>
+              <a:ln w="38100">
+                <a:solidFill>
+                  <a:schemeClr val="tx1"/>
+                </a:solidFill>
+              </a:ln>
+            </p:spPr>
+            <p:style>
+              <a:lnRef idx="2">
+                <a:schemeClr val="accent1">
+                  <a:shade val="50000"/>
+                </a:schemeClr>
+              </a:lnRef>
+              <a:fillRef idx="1">
+                <a:schemeClr val="accent1"/>
+              </a:fillRef>
+              <a:effectRef idx="0">
+                <a:schemeClr val="accent1"/>
+              </a:effectRef>
+              <a:fontRef idx="minor">
+                <a:schemeClr val="lt1"/>
+              </a:fontRef>
+            </p:style>
+            <p:txBody>
+              <a:bodyPr rtlCol="0" anchor="ctr"/>
+              <a:lstStyle/>
+              <a:p>
+                <a:pPr algn="ctr"/>
+                <a:endParaRPr kumimoji="1" lang="ja-JP" altLang="en-US"/>
+              </a:p>
+            </p:txBody>
+          </p:sp>
+          <p:sp>
+            <p:nvSpPr>
+              <p:cNvPr id="43" name="三角形 42"/>
+              <p:cNvSpPr/>
+              <p:nvPr/>
+            </p:nvSpPr>
+            <p:spPr>
+              <a:xfrm>
+                <a:off x="4964883" y="3737621"/>
+                <a:ext cx="164969" cy="142215"/>
+              </a:xfrm>
+              <a:prstGeom prst="triangle">
+                <a:avLst/>
+              </a:prstGeom>
+              <a:solidFill>
+                <a:schemeClr val="bg1"/>
+              </a:solidFill>
+              <a:ln w="28575">
+                <a:solidFill>
+                  <a:schemeClr val="tx1"/>
+                </a:solidFill>
+              </a:ln>
+            </p:spPr>
+            <p:style>
+              <a:lnRef idx="2">
+                <a:schemeClr val="accent1">
+                  <a:shade val="50000"/>
+                </a:schemeClr>
+              </a:lnRef>
+              <a:fillRef idx="1">
+                <a:schemeClr val="accent1"/>
+              </a:fillRef>
+              <a:effectRef idx="0">
+                <a:schemeClr val="accent1"/>
+              </a:effectRef>
+              <a:fontRef idx="minor">
+                <a:schemeClr val="lt1"/>
+              </a:fontRef>
+            </p:style>
+            <p:txBody>
+              <a:bodyPr rtlCol="0" anchor="ctr"/>
+              <a:lstStyle/>
+              <a:p>
+                <a:pPr algn="ctr"/>
+                <a:endParaRPr kumimoji="1" lang="ja-JP" altLang="en-US"/>
+              </a:p>
+            </p:txBody>
+          </p:sp>
+          <p:sp>
+            <p:nvSpPr>
+              <p:cNvPr id="44" name="三角形 43"/>
+              <p:cNvSpPr/>
+              <p:nvPr/>
+            </p:nvSpPr>
+            <p:spPr>
+              <a:xfrm>
+                <a:off x="5153966" y="3383023"/>
+                <a:ext cx="164969" cy="142215"/>
+              </a:xfrm>
+              <a:prstGeom prst="triangle">
+                <a:avLst/>
+              </a:prstGeom>
+              <a:solidFill>
+                <a:schemeClr val="bg1"/>
+              </a:solidFill>
+              <a:ln w="28575">
+                <a:solidFill>
+                  <a:schemeClr val="tx1"/>
+                </a:solidFill>
+              </a:ln>
+            </p:spPr>
+            <p:style>
+              <a:lnRef idx="2">
+                <a:schemeClr val="accent1">
+                  <a:shade val="50000"/>
+                </a:schemeClr>
+              </a:lnRef>
+              <a:fillRef idx="1">
+                <a:schemeClr val="accent1"/>
+              </a:fillRef>
+              <a:effectRef idx="0">
+                <a:schemeClr val="accent1"/>
+              </a:effectRef>
+              <a:fontRef idx="minor">
+                <a:schemeClr val="lt1"/>
+              </a:fontRef>
+            </p:style>
+            <p:txBody>
+              <a:bodyPr rtlCol="0" anchor="ctr"/>
+              <a:lstStyle/>
+              <a:p>
+                <a:pPr algn="ctr"/>
+                <a:endParaRPr kumimoji="1" lang="ja-JP" altLang="en-US"/>
+              </a:p>
+            </p:txBody>
+          </p:sp>
+          <p:sp>
+            <p:nvSpPr>
+              <p:cNvPr id="45" name="三角形 44"/>
+              <p:cNvSpPr/>
+              <p:nvPr/>
+            </p:nvSpPr>
+            <p:spPr>
+              <a:xfrm>
+                <a:off x="7052012" y="4337307"/>
+                <a:ext cx="164969" cy="142215"/>
+              </a:xfrm>
+              <a:prstGeom prst="triangle">
+                <a:avLst/>
+              </a:prstGeom>
+              <a:solidFill>
+                <a:schemeClr val="bg1"/>
+              </a:solidFill>
+              <a:ln w="28575">
+                <a:solidFill>
+                  <a:schemeClr val="tx1"/>
+                </a:solidFill>
+              </a:ln>
+            </p:spPr>
+            <p:style>
+              <a:lnRef idx="2">
+                <a:schemeClr val="accent1">
+                  <a:shade val="50000"/>
+                </a:schemeClr>
+              </a:lnRef>
+              <a:fillRef idx="1">
+                <a:schemeClr val="accent1"/>
+              </a:fillRef>
+              <a:effectRef idx="0">
+                <a:schemeClr val="accent1"/>
+              </a:effectRef>
+              <a:fontRef idx="minor">
+                <a:schemeClr val="lt1"/>
+              </a:fontRef>
+            </p:style>
+            <p:txBody>
+              <a:bodyPr rtlCol="0" anchor="ctr"/>
+              <a:lstStyle/>
+              <a:p>
+                <a:pPr algn="ctr"/>
+                <a:endParaRPr kumimoji="1" lang="ja-JP" altLang="en-US"/>
+              </a:p>
+            </p:txBody>
+          </p:sp>
+          <p:sp>
+            <p:nvSpPr>
+              <p:cNvPr id="46" name="三角形 45"/>
+              <p:cNvSpPr/>
+              <p:nvPr/>
+            </p:nvSpPr>
+            <p:spPr>
+              <a:xfrm>
+                <a:off x="7216981" y="4720030"/>
+                <a:ext cx="164969" cy="142215"/>
+              </a:xfrm>
+              <a:prstGeom prst="triangle">
+                <a:avLst/>
+              </a:prstGeom>
+              <a:solidFill>
+                <a:schemeClr val="bg1"/>
+              </a:solidFill>
+              <a:ln w="28575">
+                <a:solidFill>
+                  <a:schemeClr val="tx1"/>
+                </a:solidFill>
+              </a:ln>
+            </p:spPr>
+            <p:style>
+              <a:lnRef idx="2">
+                <a:schemeClr val="accent1">
+                  <a:shade val="50000"/>
+                </a:schemeClr>
+              </a:lnRef>
+              <a:fillRef idx="1">
+                <a:schemeClr val="accent1"/>
+              </a:fillRef>
+              <a:effectRef idx="0">
+                <a:schemeClr val="accent1"/>
+              </a:effectRef>
+              <a:fontRef idx="minor">
+                <a:schemeClr val="lt1"/>
+              </a:fontRef>
+            </p:style>
+            <p:txBody>
+              <a:bodyPr rtlCol="0" anchor="ctr"/>
+              <a:lstStyle/>
+              <a:p>
+                <a:pPr algn="ctr"/>
+                <a:endParaRPr kumimoji="1" lang="ja-JP" altLang="en-US"/>
+              </a:p>
+            </p:txBody>
+          </p:sp>
+        </p:grpSp>
+        <p:sp>
+          <p:nvSpPr>
+            <p:cNvPr id="50" name="円/楕円 49"/>
+            <p:cNvSpPr/>
+            <p:nvPr/>
+          </p:nvSpPr>
+          <p:spPr>
+            <a:xfrm>
+              <a:off x="6394340" y="3194538"/>
+              <a:ext cx="184638" cy="184639"/>
+            </a:xfrm>
+            <a:prstGeom prst="ellipse">
+              <a:avLst/>
+            </a:prstGeom>
+            <a:solidFill>
+              <a:schemeClr val="bg1"/>
+            </a:solidFill>
+            <a:ln w="38100">
+              <a:solidFill>
+                <a:schemeClr val="tx1"/>
+              </a:solidFill>
+            </a:ln>
+          </p:spPr>
+          <p:style>
+            <a:lnRef idx="2">
+              <a:schemeClr val="accent1">
+                <a:shade val="50000"/>
+              </a:schemeClr>
+            </a:lnRef>
+            <a:fillRef idx="1">
+              <a:schemeClr val="accent1"/>
+            </a:fillRef>
+            <a:effectRef idx="0">
+              <a:schemeClr val="accent1"/>
+            </a:effectRef>
+            <a:fontRef idx="minor">
+              <a:schemeClr val="lt1"/>
+            </a:fontRef>
+          </p:style>
+          <p:txBody>
+            <a:bodyPr rtlCol="0" anchor="ctr"/>
+            <a:lstStyle/>
+            <a:p>
+              <a:pPr algn="ctr"/>
+              <a:endParaRPr kumimoji="1" lang="ja-JP" altLang="en-US"/>
+            </a:p>
+          </p:txBody>
+        </p:sp>
+        <p:sp>
+          <p:nvSpPr>
+            <p:cNvPr id="51" name="三角形 50"/>
+            <p:cNvSpPr/>
+            <p:nvPr/>
+          </p:nvSpPr>
+          <p:spPr>
+            <a:xfrm>
+              <a:off x="6574824" y="3674868"/>
+              <a:ext cx="164969" cy="142215"/>
+            </a:xfrm>
+            <a:prstGeom prst="triangle">
+              <a:avLst/>
+            </a:prstGeom>
+            <a:solidFill>
+              <a:schemeClr val="bg1"/>
+            </a:solidFill>
+            <a:ln w="28575">
+              <a:solidFill>
+                <a:schemeClr val="tx1"/>
+              </a:solidFill>
+            </a:ln>
+          </p:spPr>
+          <p:style>
+            <a:lnRef idx="2">
+              <a:schemeClr val="accent1">
+                <a:shade val="50000"/>
+              </a:schemeClr>
+            </a:lnRef>
+            <a:fillRef idx="1">
+              <a:schemeClr val="accent1"/>
+            </a:fillRef>
+            <a:effectRef idx="0">
+              <a:schemeClr val="accent1"/>
+            </a:effectRef>
+            <a:fontRef idx="minor">
+              <a:schemeClr val="lt1"/>
+            </a:fontRef>
+          </p:style>
+          <p:txBody>
+            <a:bodyPr rtlCol="0" anchor="ctr"/>
+            <a:lstStyle/>
+            <a:p>
+              <a:pPr algn="ctr"/>
+              <a:endParaRPr kumimoji="1" lang="ja-JP" altLang="en-US"/>
+            </a:p>
+          </p:txBody>
+        </p:sp>
+        <p:sp>
+          <p:nvSpPr>
+            <p:cNvPr id="52" name="三角形 51"/>
+            <p:cNvSpPr/>
+            <p:nvPr/>
+          </p:nvSpPr>
+          <p:spPr>
+            <a:xfrm>
+              <a:off x="6311855" y="2918363"/>
+              <a:ext cx="164969" cy="142215"/>
+            </a:xfrm>
+            <a:prstGeom prst="triangle">
+              <a:avLst/>
+            </a:prstGeom>
+            <a:solidFill>
+              <a:schemeClr val="bg1"/>
+            </a:solidFill>
+            <a:ln w="28575">
+              <a:solidFill>
+                <a:schemeClr val="tx1"/>
+              </a:solidFill>
+            </a:ln>
+          </p:spPr>
+          <p:style>
+            <a:lnRef idx="2">
+              <a:schemeClr val="accent1">
+                <a:shade val="50000"/>
+              </a:schemeClr>
+            </a:lnRef>
+            <a:fillRef idx="1">
+              <a:schemeClr val="accent1"/>
+            </a:fillRef>
+            <a:effectRef idx="0">
+              <a:schemeClr val="accent1"/>
+            </a:effectRef>
+            <a:fontRef idx="minor">
+              <a:schemeClr val="lt1"/>
+            </a:fontRef>
+          </p:style>
+          <p:txBody>
+            <a:bodyPr rtlCol="0" anchor="ctr"/>
+            <a:lstStyle/>
+            <a:p>
+              <a:pPr algn="ctr"/>
+              <a:endParaRPr kumimoji="1" lang="ja-JP" altLang="en-US"/>
+            </a:p>
+          </p:txBody>
+        </p:sp>
+        <p:pic>
+          <p:nvPicPr>
+            <p:cNvPr id="53" name="図 52"/>
+            <p:cNvPicPr>
+              <a:picLocks noChangeAspect="1"/>
+            </p:cNvPicPr>
+            <p:nvPr/>
+          </p:nvPicPr>
+          <p:blipFill>
+            <a:blip r:embed="rId13"/>
+            <a:stretch>
+              <a:fillRect/>
+            </a:stretch>
+          </p:blipFill>
+          <p:spPr>
+            <a:xfrm>
+              <a:off x="5136928" y="5416313"/>
+              <a:ext cx="1765692" cy="497454"/>
+            </a:xfrm>
+            <a:prstGeom prst="rect">
+              <a:avLst/>
+            </a:prstGeom>
+            <a:ln w="28575">
+              <a:solidFill>
+                <a:srgbClr val="FF0000"/>
+              </a:solidFill>
+            </a:ln>
+          </p:spPr>
+        </p:pic>
+        <p:pic>
+          <p:nvPicPr>
+            <p:cNvPr id="54" name="図 53"/>
+            <p:cNvPicPr>
+              <a:picLocks noChangeAspect="1"/>
+            </p:cNvPicPr>
+            <p:nvPr/>
+          </p:nvPicPr>
+          <p:blipFill>
+            <a:blip r:embed="rId14"/>
+            <a:stretch>
+              <a:fillRect/>
+            </a:stretch>
+          </p:blipFill>
+          <p:spPr>
+            <a:xfrm>
+              <a:off x="5099567" y="6101257"/>
+              <a:ext cx="1895552" cy="532392"/>
+            </a:xfrm>
+            <a:prstGeom prst="rect">
+              <a:avLst/>
+            </a:prstGeom>
+            <a:ln w="28575">
+              <a:solidFill>
+                <a:srgbClr val="8000FF"/>
+              </a:solidFill>
+            </a:ln>
+          </p:spPr>
+        </p:pic>
+      </p:grpSp>
+      <p:sp>
+        <p:nvSpPr>
+          <p:cNvPr id="37" name="テキスト ボックス 36"/>
+          <p:cNvSpPr txBox="1"/>
+          <p:nvPr/>
+        </p:nvSpPr>
+        <p:spPr>
+          <a:xfrm>
+            <a:off x="7905945" y="3755006"/>
+            <a:ext cx="877163" cy="369332"/>
+          </a:xfrm>
+          <a:prstGeom prst="rect">
+            <a:avLst/>
+          </a:prstGeom>
+          <a:noFill/>
+        </p:spPr>
+        <p:txBody>
+          <a:bodyPr wrap="none" rtlCol="0">
+            <a:spAutoFit/>
+          </a:bodyPr>
+          <a:lstStyle/>
+          <a:p>
+            <a:r>
+              <a:rPr kumimoji="1" lang="ja-JP" altLang="en-US" b="1" smtClean="0">
+                <a:latin typeface="Meiryo" charset="-128"/>
+                <a:ea typeface="Meiryo" charset="-128"/>
+                <a:cs typeface="Meiryo" charset="-128"/>
+              </a:rPr>
+              <a:t>・・・</a:t>
+            </a:r>
+            <a:endParaRPr kumimoji="1" lang="ja-JP" altLang="en-US" b="1">
+              <a:latin typeface="Meiryo" charset="-128"/>
+              <a:ea typeface="Meiryo" charset="-128"/>
+              <a:cs typeface="Meiryo" charset="-128"/>
+            </a:endParaRPr>
+          </a:p>
+        </p:txBody>
+      </p:sp>
+    </p:spTree>
+    <p:extLst>
+      <p:ext uri="{BB962C8B-B14F-4D97-AF65-F5344CB8AC3E}">
+        <p14:creationId xmlns:p14="http://schemas.microsoft.com/office/powerpoint/2010/main" val="32361171"/>
+      </p:ext>
+    </p:extLst>
+  </p:cSld>
+  <p:clrMapOvr>
+    <a:masterClrMapping/>
+  </p:clrMapOvr>
+  <p:timing>
+    <p:tnLst>
+      <p:par>
+        <p:cTn id="1" dur="indefinite" restart="never" nodeType="tmRoot"/>
+      </p:par>
+    </p:tnLst>
+  </p:timing>
+</p:sld>
+</file>
+
+<file path=ppt/slides/slide8.xml><?xml version="1.0" encoding="utf-8"?>
+<p:sld xmlns:a="http://schemas.openxmlformats.org/drawingml/2006/main" xmlns:r="http://schemas.openxmlformats.org/officeDocument/2006/relationships" xmlns:p="http://schemas.openxmlformats.org/presentationml/2006/main">
+  <p:cSld>
+    <p:spTree>
+      <p:nvGrpSpPr>
+        <p:cNvPr id="1" name=""/>
+        <p:cNvGrpSpPr/>
+        <p:nvPr/>
+      </p:nvGrpSpPr>
+      <p:grpSpPr>
+        <a:xfrm>
+          <a:off x="0" y="0"/>
+          <a:ext cx="0" cy="0"/>
+          <a:chOff x="0" y="0"/>
+          <a:chExt cx="0" cy="0"/>
+        </a:xfrm>
+      </p:grpSpPr>
+      <p:sp>
+        <p:nvSpPr>
+          <p:cNvPr id="2" name="タイトル 1"/>
+          <p:cNvSpPr>
+            <a:spLocks noGrp="1"/>
+          </p:cNvSpPr>
+          <p:nvPr>
+            <p:ph type="title"/>
+          </p:nvPr>
+        </p:nvSpPr>
+        <p:spPr/>
+        <p:txBody>
+          <a:bodyPr/>
+          <a:lstStyle/>
+          <a:p>
+            <a:r>
+              <a:rPr kumimoji="1" lang="ja-JP" altLang="en-US" dirty="0" smtClean="0"/>
+              <a:t>情報量規準</a:t>
+            </a:r>
+            <a:endParaRPr kumimoji="1" lang="ja-JP" altLang="en-US" dirty="0"/>
+          </a:p>
+        </p:txBody>
+      </p:sp>
+      <p:sp>
+        <p:nvSpPr>
+          <p:cNvPr id="6" name="コンテンツ プレースホルダー 2"/>
           <p:cNvSpPr txBox="1">
             <a:spLocks/>
           </p:cNvSpPr>
@@ -8747,8 +10841,8 @@
         </p:nvSpPr>
         <p:spPr>
           <a:xfrm>
-            <a:off x="664066" y="5194824"/>
-            <a:ext cx="10515600" cy="1135437"/>
+            <a:off x="638556" y="1798315"/>
+            <a:ext cx="10914888" cy="3311080"/>
           </a:xfrm>
           <a:prstGeom prst="rect">
             <a:avLst/>
@@ -8923,6 +11017,278 @@
             </a:lvl9pPr>
           </a:lstStyle>
           <a:p>
+            <a:pPr marL="0" indent="0">
+              <a:spcBef>
+                <a:spcPts val="0"/>
+              </a:spcBef>
+              <a:buNone/>
+            </a:pPr>
+            <a:r>
+              <a:rPr lang="ja-JP" altLang="en-US" b="1" dirty="0" smtClean="0"/>
+              <a:t>モデルの</a:t>
+            </a:r>
+            <a:r>
+              <a:rPr lang="ja-JP" altLang="en-US" b="1" dirty="0" smtClean="0"/>
+              <a:t>良し悪しの判断基準</a:t>
+            </a:r>
+            <a:endParaRPr lang="en-US" altLang="ja-JP" b="1" dirty="0" smtClean="0"/>
+          </a:p>
+          <a:p>
+            <a:pPr>
+              <a:spcBef>
+                <a:spcPts val="0"/>
+              </a:spcBef>
+              <a:buFont typeface="Wingdings" charset="2"/>
+              <a:buChar char="u"/>
+            </a:pPr>
+            <a:r>
+              <a:rPr lang="ja-JP" altLang="en-US" b="1" dirty="0"/>
+              <a:t> </a:t>
+            </a:r>
+            <a:r>
+              <a:rPr lang="ja-JP" altLang="en-US" dirty="0" smtClean="0"/>
+              <a:t>データに対するモデルの</a:t>
+            </a:r>
+            <a:r>
+              <a:rPr lang="ja-JP" altLang="en-US" dirty="0" smtClean="0"/>
+              <a:t>当てはまり度（平均対数尤度）</a:t>
+            </a:r>
+            <a:endParaRPr lang="en-US" altLang="ja-JP" dirty="0" smtClean="0"/>
+          </a:p>
+          <a:p>
+            <a:pPr>
+              <a:spcBef>
+                <a:spcPts val="0"/>
+              </a:spcBef>
+              <a:buFont typeface="Wingdings" charset="2"/>
+              <a:buChar char="u"/>
+            </a:pPr>
+            <a:r>
+              <a:rPr lang="ja-JP" altLang="en-US" b="1" dirty="0" smtClean="0">
+                <a:solidFill>
+                  <a:srgbClr val="2F5597"/>
+                </a:solidFill>
+              </a:rPr>
+              <a:t>（</a:t>
+            </a:r>
+            <a:r>
+              <a:rPr lang="ja-JP" altLang="en-US" b="1" dirty="0">
+                <a:solidFill>
+                  <a:srgbClr val="2F5597"/>
+                </a:solidFill>
+              </a:rPr>
+              <a:t>モデルの最大対数尤度）ー （罰則項</a:t>
+            </a:r>
+            <a:r>
+              <a:rPr lang="ja-JP" altLang="en-US" b="1" dirty="0" smtClean="0">
+                <a:solidFill>
+                  <a:srgbClr val="2F5597"/>
+                </a:solidFill>
+              </a:rPr>
+              <a:t>）</a:t>
+            </a:r>
+            <a:r>
+              <a:rPr lang="ja-JP" altLang="en-US" dirty="0" smtClean="0">
+                <a:solidFill>
+                  <a:srgbClr val="2F5597"/>
+                </a:solidFill>
+              </a:rPr>
+              <a:t>で近似</a:t>
+            </a:r>
+            <a:endParaRPr lang="en-US" altLang="ja-JP" dirty="0" smtClean="0">
+              <a:solidFill>
+                <a:srgbClr val="2F5597"/>
+              </a:solidFill>
+            </a:endParaRPr>
+          </a:p>
+        </p:txBody>
+      </p:sp>
+      <p:sp>
+        <p:nvSpPr>
+          <p:cNvPr id="14" name="コンテンツ プレースホルダー 2"/>
+          <p:cNvSpPr txBox="1">
+            <a:spLocks/>
+          </p:cNvSpPr>
+          <p:nvPr/>
+        </p:nvSpPr>
+        <p:spPr>
+          <a:xfrm>
+            <a:off x="664066" y="5194824"/>
+            <a:ext cx="10515600" cy="1135437"/>
+          </a:xfrm>
+          <a:prstGeom prst="rect">
+            <a:avLst/>
+          </a:prstGeom>
+        </p:spPr>
+        <p:txBody>
+          <a:bodyPr vert="horz" lIns="91440" tIns="45720" rIns="91440" bIns="45720" rtlCol="0">
+            <a:noAutofit/>
+          </a:bodyPr>
+          <a:lstStyle>
+            <a:lvl1pPr marL="228600" indent="-228600" algn="l" defTabSz="914400" rtl="0" eaLnBrk="1" latinLnBrk="0" hangingPunct="1">
+              <a:lnSpc>
+                <a:spcPct val="200000"/>
+              </a:lnSpc>
+              <a:spcBef>
+                <a:spcPts val="1000"/>
+              </a:spcBef>
+              <a:buFont typeface="Arial" panose="020B0604020202020204" pitchFamily="34" charset="0"/>
+              <a:buChar char="•"/>
+              <a:defRPr kumimoji="1" sz="3200" kern="1200">
+                <a:solidFill>
+                  <a:schemeClr val="tx1"/>
+                </a:solidFill>
+                <a:latin typeface="Meiryo" charset="-128"/>
+                <a:ea typeface="Meiryo" charset="-128"/>
+                <a:cs typeface="Meiryo" charset="-128"/>
+              </a:defRPr>
+            </a:lvl1pPr>
+            <a:lvl2pPr marL="685800" indent="-228600" algn="l" defTabSz="914400" rtl="0" eaLnBrk="1" latinLnBrk="0" hangingPunct="1">
+              <a:lnSpc>
+                <a:spcPct val="200000"/>
+              </a:lnSpc>
+              <a:spcBef>
+                <a:spcPts val="500"/>
+              </a:spcBef>
+              <a:buFont typeface="Arial" panose="020B0604020202020204" pitchFamily="34" charset="0"/>
+              <a:buChar char="•"/>
+              <a:defRPr kumimoji="1" sz="2800" kern="1200">
+                <a:solidFill>
+                  <a:schemeClr val="tx1"/>
+                </a:solidFill>
+                <a:latin typeface="Meiryo" charset="-128"/>
+                <a:ea typeface="Meiryo" charset="-128"/>
+                <a:cs typeface="Meiryo" charset="-128"/>
+              </a:defRPr>
+            </a:lvl2pPr>
+            <a:lvl3pPr marL="1143000" indent="-228600" algn="l" defTabSz="914400" rtl="0" eaLnBrk="1" latinLnBrk="0" hangingPunct="1">
+              <a:lnSpc>
+                <a:spcPct val="200000"/>
+              </a:lnSpc>
+              <a:spcBef>
+                <a:spcPts val="500"/>
+              </a:spcBef>
+              <a:buFont typeface="Arial" panose="020B0604020202020204" pitchFamily="34" charset="0"/>
+              <a:buChar char="•"/>
+              <a:defRPr kumimoji="1" sz="2400" kern="1200">
+                <a:solidFill>
+                  <a:schemeClr val="tx1"/>
+                </a:solidFill>
+                <a:latin typeface="Meiryo" charset="-128"/>
+                <a:ea typeface="Meiryo" charset="-128"/>
+                <a:cs typeface="Meiryo" charset="-128"/>
+              </a:defRPr>
+            </a:lvl3pPr>
+            <a:lvl4pPr marL="1600200" indent="-228600" algn="l" defTabSz="914400" rtl="0" eaLnBrk="1" latinLnBrk="0" hangingPunct="1">
+              <a:lnSpc>
+                <a:spcPct val="200000"/>
+              </a:lnSpc>
+              <a:spcBef>
+                <a:spcPts val="500"/>
+              </a:spcBef>
+              <a:buFont typeface="Arial" panose="020B0604020202020204" pitchFamily="34" charset="0"/>
+              <a:buChar char="•"/>
+              <a:defRPr kumimoji="1" sz="2000" kern="1200">
+                <a:solidFill>
+                  <a:schemeClr val="tx1"/>
+                </a:solidFill>
+                <a:latin typeface="Meiryo" charset="-128"/>
+                <a:ea typeface="Meiryo" charset="-128"/>
+                <a:cs typeface="Meiryo" charset="-128"/>
+              </a:defRPr>
+            </a:lvl4pPr>
+            <a:lvl5pPr marL="2057400" indent="-228600" algn="l" defTabSz="914400" rtl="0" eaLnBrk="1" latinLnBrk="0" hangingPunct="1">
+              <a:lnSpc>
+                <a:spcPct val="200000"/>
+              </a:lnSpc>
+              <a:spcBef>
+                <a:spcPts val="500"/>
+              </a:spcBef>
+              <a:buFont typeface="Arial" panose="020B0604020202020204" pitchFamily="34" charset="0"/>
+              <a:buChar char="•"/>
+              <a:defRPr kumimoji="1" sz="2000" kern="1200">
+                <a:solidFill>
+                  <a:schemeClr val="tx1"/>
+                </a:solidFill>
+                <a:latin typeface="Meiryo" charset="-128"/>
+                <a:ea typeface="Meiryo" charset="-128"/>
+                <a:cs typeface="Meiryo" charset="-128"/>
+              </a:defRPr>
+            </a:lvl5pPr>
+            <a:lvl6pPr marL="2514600" indent="-228600" algn="l" defTabSz="914400" rtl="0" eaLnBrk="1" latinLnBrk="0" hangingPunct="1">
+              <a:lnSpc>
+                <a:spcPct val="90000"/>
+              </a:lnSpc>
+              <a:spcBef>
+                <a:spcPts val="500"/>
+              </a:spcBef>
+              <a:buFont typeface="Arial" panose="020B0604020202020204" pitchFamily="34" charset="0"/>
+              <a:buChar char="•"/>
+              <a:defRPr kumimoji="1" sz="1800" kern="1200">
+                <a:solidFill>
+                  <a:schemeClr val="tx1"/>
+                </a:solidFill>
+                <a:latin typeface="+mn-lt"/>
+                <a:ea typeface="+mn-ea"/>
+                <a:cs typeface="+mn-cs"/>
+              </a:defRPr>
+            </a:lvl6pPr>
+            <a:lvl7pPr marL="2971800" indent="-228600" algn="l" defTabSz="914400" rtl="0" eaLnBrk="1" latinLnBrk="0" hangingPunct="1">
+              <a:lnSpc>
+                <a:spcPct val="90000"/>
+              </a:lnSpc>
+              <a:spcBef>
+                <a:spcPts val="500"/>
+              </a:spcBef>
+              <a:buFont typeface="Arial" panose="020B0604020202020204" pitchFamily="34" charset="0"/>
+              <a:buChar char="•"/>
+              <a:defRPr kumimoji="1" sz="1800" kern="1200">
+                <a:solidFill>
+                  <a:schemeClr val="tx1"/>
+                </a:solidFill>
+                <a:latin typeface="+mn-lt"/>
+                <a:ea typeface="+mn-ea"/>
+                <a:cs typeface="+mn-cs"/>
+              </a:defRPr>
+            </a:lvl7pPr>
+            <a:lvl8pPr marL="3429000" indent="-228600" algn="l" defTabSz="914400" rtl="0" eaLnBrk="1" latinLnBrk="0" hangingPunct="1">
+              <a:lnSpc>
+                <a:spcPct val="90000"/>
+              </a:lnSpc>
+              <a:spcBef>
+                <a:spcPts val="500"/>
+              </a:spcBef>
+              <a:buFont typeface="Arial" panose="020B0604020202020204" pitchFamily="34" charset="0"/>
+              <a:buChar char="•"/>
+              <a:defRPr kumimoji="1" sz="1800" kern="1200">
+                <a:solidFill>
+                  <a:schemeClr val="tx1"/>
+                </a:solidFill>
+                <a:latin typeface="+mn-lt"/>
+                <a:ea typeface="+mn-ea"/>
+                <a:cs typeface="+mn-cs"/>
+              </a:defRPr>
+            </a:lvl8pPr>
+            <a:lvl9pPr marL="3886200" indent="-228600" algn="l" defTabSz="914400" rtl="0" eaLnBrk="1" latinLnBrk="0" hangingPunct="1">
+              <a:lnSpc>
+                <a:spcPct val="90000"/>
+              </a:lnSpc>
+              <a:spcBef>
+                <a:spcPts val="500"/>
+              </a:spcBef>
+              <a:buFont typeface="Arial" panose="020B0604020202020204" pitchFamily="34" charset="0"/>
+              <a:buChar char="•"/>
+              <a:defRPr kumimoji="1" sz="1800" kern="1200">
+                <a:solidFill>
+                  <a:schemeClr val="tx1"/>
+                </a:solidFill>
+                <a:latin typeface="+mn-lt"/>
+                <a:ea typeface="+mn-ea"/>
+                <a:cs typeface="+mn-cs"/>
+              </a:defRPr>
+            </a:lvl9pPr>
+          </a:lstStyle>
+          <a:p>
             <a:pPr marL="0" indent="0" algn="ctr">
               <a:spcBef>
                 <a:spcPts val="0"/>
@@ -8935,7 +11301,11 @@
               <a:t>これを「</a:t>
             </a:r>
             <a:r>
-              <a:rPr lang="ja-JP" altLang="en-US" b="1" dirty="0" smtClean="0"/>
+              <a:rPr lang="ja-JP" altLang="en-US" b="1" dirty="0" smtClean="0">
+                <a:solidFill>
+                  <a:srgbClr val="2F5597"/>
+                </a:solidFill>
+              </a:rPr>
               <a:t>情報量規準</a:t>
             </a:r>
             <a:r>

--- a/docs/interim-presen/interim_hagihara.pptx
+++ b/docs/interim-presen/interim_hagihara.pptx
@@ -217,7 +217,7 @@
           <a:p>
             <a:fld id="{B4646E02-4AB7-8D40-B256-3920728DD310}" type="datetimeFigureOut">
               <a:rPr kumimoji="1" lang="ja-JP" altLang="en-US" smtClean="0"/>
-              <a:t>2017/10/16</a:t>
+              <a:t>2017/10/19</a:t>
             </a:fld>
             <a:endParaRPr kumimoji="1" lang="ja-JP" altLang="en-US"/>
           </a:p>
@@ -582,7 +582,7 @@
           <a:p>
             <a:fld id="{F78381A3-C678-7B48-BA42-399B1155E4C3}" type="slidenum">
               <a:rPr kumimoji="1" lang="ja-JP" altLang="en-US" smtClean="0"/>
-              <a:t>6</a:t>
+              <a:t>1</a:t>
             </a:fld>
             <a:endParaRPr kumimoji="1" lang="ja-JP" altLang="en-US"/>
           </a:p>
@@ -591,7 +591,282 @@
     </p:spTree>
     <p:extLst>
       <p:ext uri="{BB962C8B-B14F-4D97-AF65-F5344CB8AC3E}">
-        <p14:creationId xmlns:p14="http://schemas.microsoft.com/office/powerpoint/2010/main" val="741855104"/>
+        <p14:creationId xmlns:p14="http://schemas.microsoft.com/office/powerpoint/2010/main" val="908175873"/>
+      </p:ext>
+    </p:extLst>
+  </p:cSld>
+  <p:clrMapOvr>
+    <a:masterClrMapping/>
+  </p:clrMapOvr>
+</p:notes>
+</file>
+
+<file path=ppt/notesSlides/notesSlide10.xml><?xml version="1.0" encoding="utf-8"?>
+<p:notes xmlns:a="http://schemas.openxmlformats.org/drawingml/2006/main" xmlns:r="http://schemas.openxmlformats.org/officeDocument/2006/relationships" xmlns:p="http://schemas.openxmlformats.org/presentationml/2006/main">
+  <p:cSld>
+    <p:spTree>
+      <p:nvGrpSpPr>
+        <p:cNvPr id="1" name=""/>
+        <p:cNvGrpSpPr/>
+        <p:nvPr/>
+      </p:nvGrpSpPr>
+      <p:grpSpPr>
+        <a:xfrm>
+          <a:off x="0" y="0"/>
+          <a:ext cx="0" cy="0"/>
+          <a:chOff x="0" y="0"/>
+          <a:chExt cx="0" cy="0"/>
+        </a:xfrm>
+      </p:grpSpPr>
+      <p:sp>
+        <p:nvSpPr>
+          <p:cNvPr id="2" name="スライド イメージ プレースホルダー 1"/>
+          <p:cNvSpPr>
+            <a:spLocks noGrp="1" noRot="1" noChangeAspect="1"/>
+          </p:cNvSpPr>
+          <p:nvPr>
+            <p:ph type="sldImg"/>
+          </p:nvPr>
+        </p:nvSpPr>
+        <p:spPr/>
+      </p:sp>
+      <p:sp>
+        <p:nvSpPr>
+          <p:cNvPr id="3" name="ノート プレースホルダー 2"/>
+          <p:cNvSpPr>
+            <a:spLocks noGrp="1"/>
+          </p:cNvSpPr>
+          <p:nvPr>
+            <p:ph type="body" idx="1"/>
+          </p:nvPr>
+        </p:nvSpPr>
+        <p:spPr/>
+        <p:txBody>
+          <a:bodyPr/>
+          <a:lstStyle/>
+          <a:p>
+            <a:r>
+              <a:rPr kumimoji="1" lang="en-US" altLang="ja-JP" dirty="0" smtClean="0"/>
+              <a:t>2</a:t>
+            </a:r>
+            <a:r>
+              <a:rPr kumimoji="1" lang="ja-JP" altLang="en-US" dirty="0" smtClean="0"/>
+              <a:t>次元データに対するクラスタリングの例</a:t>
+            </a:r>
+            <a:endParaRPr kumimoji="1" lang="ja-JP" altLang="en-US" dirty="0"/>
+          </a:p>
+        </p:txBody>
+      </p:sp>
+      <p:sp>
+        <p:nvSpPr>
+          <p:cNvPr id="4" name="スライド番号プレースホルダー 3"/>
+          <p:cNvSpPr>
+            <a:spLocks noGrp="1"/>
+          </p:cNvSpPr>
+          <p:nvPr>
+            <p:ph type="sldNum" sz="quarter" idx="10"/>
+          </p:nvPr>
+        </p:nvSpPr>
+        <p:spPr/>
+        <p:txBody>
+          <a:bodyPr/>
+          <a:lstStyle/>
+          <a:p>
+            <a:fld id="{F78381A3-C678-7B48-BA42-399B1155E4C3}" type="slidenum">
+              <a:rPr kumimoji="1" lang="ja-JP" altLang="en-US" smtClean="0"/>
+              <a:t>11</a:t>
+            </a:fld>
+            <a:endParaRPr kumimoji="1" lang="ja-JP" altLang="en-US"/>
+          </a:p>
+        </p:txBody>
+      </p:sp>
+    </p:spTree>
+    <p:extLst>
+      <p:ext uri="{BB962C8B-B14F-4D97-AF65-F5344CB8AC3E}">
+        <p14:creationId xmlns:p14="http://schemas.microsoft.com/office/powerpoint/2010/main" val="1526610886"/>
+      </p:ext>
+    </p:extLst>
+  </p:cSld>
+  <p:clrMapOvr>
+    <a:masterClrMapping/>
+  </p:clrMapOvr>
+</p:notes>
+</file>
+
+<file path=ppt/notesSlides/notesSlide11.xml><?xml version="1.0" encoding="utf-8"?>
+<p:notes xmlns:a="http://schemas.openxmlformats.org/drawingml/2006/main" xmlns:r="http://schemas.openxmlformats.org/officeDocument/2006/relationships" xmlns:p="http://schemas.openxmlformats.org/presentationml/2006/main">
+  <p:cSld>
+    <p:spTree>
+      <p:nvGrpSpPr>
+        <p:cNvPr id="1" name=""/>
+        <p:cNvGrpSpPr/>
+        <p:nvPr/>
+      </p:nvGrpSpPr>
+      <p:grpSpPr>
+        <a:xfrm>
+          <a:off x="0" y="0"/>
+          <a:ext cx="0" cy="0"/>
+          <a:chOff x="0" y="0"/>
+          <a:chExt cx="0" cy="0"/>
+        </a:xfrm>
+      </p:grpSpPr>
+      <p:sp>
+        <p:nvSpPr>
+          <p:cNvPr id="2" name="スライド イメージ プレースホルダー 1"/>
+          <p:cNvSpPr>
+            <a:spLocks noGrp="1" noRot="1" noChangeAspect="1"/>
+          </p:cNvSpPr>
+          <p:nvPr>
+            <p:ph type="sldImg"/>
+          </p:nvPr>
+        </p:nvSpPr>
+        <p:spPr/>
+      </p:sp>
+      <p:sp>
+        <p:nvSpPr>
+          <p:cNvPr id="3" name="ノート プレースホルダー 2"/>
+          <p:cNvSpPr>
+            <a:spLocks noGrp="1"/>
+          </p:cNvSpPr>
+          <p:nvPr>
+            <p:ph type="body" idx="1"/>
+          </p:nvPr>
+        </p:nvSpPr>
+        <p:spPr/>
+        <p:txBody>
+          <a:bodyPr/>
+          <a:lstStyle/>
+          <a:p>
+            <a:r>
+              <a:rPr kumimoji="1" lang="en-US" altLang="ja-JP" dirty="0" smtClean="0"/>
+              <a:t>AIC</a:t>
+            </a:r>
+            <a:r>
+              <a:rPr kumimoji="1" lang="ja-JP" altLang="en-US" dirty="0" smtClean="0"/>
+              <a:t>はパラメータ数を過大に見積もる傾向があるため，</a:t>
+            </a:r>
+            <a:endParaRPr kumimoji="1" lang="en-US" altLang="ja-JP" dirty="0" smtClean="0"/>
+          </a:p>
+          <a:p>
+            <a:r>
+              <a:rPr kumimoji="1" lang="ja-JP" altLang="en-US" dirty="0" smtClean="0"/>
+              <a:t>ここではクラスタ数を過大に見積もっている</a:t>
+            </a:r>
+            <a:endParaRPr kumimoji="1" lang="ja-JP" altLang="en-US" dirty="0"/>
+          </a:p>
+        </p:txBody>
+      </p:sp>
+      <p:sp>
+        <p:nvSpPr>
+          <p:cNvPr id="4" name="スライド番号プレースホルダー 3"/>
+          <p:cNvSpPr>
+            <a:spLocks noGrp="1"/>
+          </p:cNvSpPr>
+          <p:nvPr>
+            <p:ph type="sldNum" sz="quarter" idx="10"/>
+          </p:nvPr>
+        </p:nvSpPr>
+        <p:spPr/>
+        <p:txBody>
+          <a:bodyPr/>
+          <a:lstStyle/>
+          <a:p>
+            <a:fld id="{F78381A3-C678-7B48-BA42-399B1155E4C3}" type="slidenum">
+              <a:rPr kumimoji="1" lang="ja-JP" altLang="en-US" smtClean="0"/>
+              <a:t>12</a:t>
+            </a:fld>
+            <a:endParaRPr kumimoji="1" lang="ja-JP" altLang="en-US"/>
+          </a:p>
+        </p:txBody>
+      </p:sp>
+    </p:spTree>
+    <p:extLst>
+      <p:ext uri="{BB962C8B-B14F-4D97-AF65-F5344CB8AC3E}">
+        <p14:creationId xmlns:p14="http://schemas.microsoft.com/office/powerpoint/2010/main" val="2015699530"/>
+      </p:ext>
+    </p:extLst>
+  </p:cSld>
+  <p:clrMapOvr>
+    <a:masterClrMapping/>
+  </p:clrMapOvr>
+</p:notes>
+</file>
+
+<file path=ppt/notesSlides/notesSlide12.xml><?xml version="1.0" encoding="utf-8"?>
+<p:notes xmlns:a="http://schemas.openxmlformats.org/drawingml/2006/main" xmlns:r="http://schemas.openxmlformats.org/officeDocument/2006/relationships" xmlns:p="http://schemas.openxmlformats.org/presentationml/2006/main">
+  <p:cSld>
+    <p:spTree>
+      <p:nvGrpSpPr>
+        <p:cNvPr id="1" name=""/>
+        <p:cNvGrpSpPr/>
+        <p:nvPr/>
+      </p:nvGrpSpPr>
+      <p:grpSpPr>
+        <a:xfrm>
+          <a:off x="0" y="0"/>
+          <a:ext cx="0" cy="0"/>
+          <a:chOff x="0" y="0"/>
+          <a:chExt cx="0" cy="0"/>
+        </a:xfrm>
+      </p:grpSpPr>
+      <p:sp>
+        <p:nvSpPr>
+          <p:cNvPr id="2" name="スライド イメージ プレースホルダー 1"/>
+          <p:cNvSpPr>
+            <a:spLocks noGrp="1" noRot="1" noChangeAspect="1"/>
+          </p:cNvSpPr>
+          <p:nvPr>
+            <p:ph type="sldImg"/>
+          </p:nvPr>
+        </p:nvSpPr>
+        <p:spPr/>
+      </p:sp>
+      <p:sp>
+        <p:nvSpPr>
+          <p:cNvPr id="3" name="ノート プレースホルダー 2"/>
+          <p:cNvSpPr>
+            <a:spLocks noGrp="1"/>
+          </p:cNvSpPr>
+          <p:nvPr>
+            <p:ph type="body" idx="1"/>
+          </p:nvPr>
+        </p:nvSpPr>
+        <p:spPr/>
+        <p:txBody>
+          <a:bodyPr/>
+          <a:lstStyle/>
+          <a:p>
+            <a:endParaRPr kumimoji="1" lang="ja-JP" altLang="en-US" dirty="0"/>
+          </a:p>
+        </p:txBody>
+      </p:sp>
+      <p:sp>
+        <p:nvSpPr>
+          <p:cNvPr id="4" name="スライド番号プレースホルダー 3"/>
+          <p:cNvSpPr>
+            <a:spLocks noGrp="1"/>
+          </p:cNvSpPr>
+          <p:nvPr>
+            <p:ph type="sldNum" sz="quarter" idx="10"/>
+          </p:nvPr>
+        </p:nvSpPr>
+        <p:spPr/>
+        <p:txBody>
+          <a:bodyPr/>
+          <a:lstStyle/>
+          <a:p>
+            <a:fld id="{F78381A3-C678-7B48-BA42-399B1155E4C3}" type="slidenum">
+              <a:rPr kumimoji="1" lang="ja-JP" altLang="en-US" smtClean="0"/>
+              <a:t>19</a:t>
+            </a:fld>
+            <a:endParaRPr kumimoji="1" lang="ja-JP" altLang="en-US"/>
+          </a:p>
+        </p:txBody>
+      </p:sp>
+    </p:spTree>
+    <p:extLst>
+      <p:ext uri="{BB962C8B-B14F-4D97-AF65-F5344CB8AC3E}">
+        <p14:creationId xmlns:p14="http://schemas.microsoft.com/office/powerpoint/2010/main" val="1961651389"/>
       </p:ext>
     </p:extLst>
   </p:cSld>
@@ -645,6 +920,14 @@
           <a:bodyPr/>
           <a:lstStyle/>
           <a:p>
+            <a:r>
+              <a:rPr kumimoji="1" lang="en-US" altLang="ja-JP" dirty="0" smtClean="0"/>
+              <a:t>X-means</a:t>
+            </a:r>
+            <a:r>
+              <a:rPr kumimoji="1" lang="ja-JP" altLang="en-US" dirty="0" smtClean="0"/>
+              <a:t>はモデルベースのクラスタ数推定手法であり，なおかつ実装がシンプルでわかりやすいから採用</a:t>
+            </a:r>
             <a:endParaRPr kumimoji="1" lang="ja-JP" altLang="en-US" dirty="0"/>
           </a:p>
         </p:txBody>
@@ -666,7 +949,7 @@
           <a:p>
             <a:fld id="{F78381A3-C678-7B48-BA42-399B1155E4C3}" type="slidenum">
               <a:rPr kumimoji="1" lang="ja-JP" altLang="en-US" smtClean="0"/>
-              <a:t>7</a:t>
+              <a:t>3</a:t>
             </a:fld>
             <a:endParaRPr kumimoji="1" lang="ja-JP" altLang="en-US"/>
           </a:p>
@@ -675,7 +958,7 @@
     </p:spTree>
     <p:extLst>
       <p:ext uri="{BB962C8B-B14F-4D97-AF65-F5344CB8AC3E}">
-        <p14:creationId xmlns:p14="http://schemas.microsoft.com/office/powerpoint/2010/main" val="286476815"/>
+        <p14:creationId xmlns:p14="http://schemas.microsoft.com/office/powerpoint/2010/main" val="1855216568"/>
       </p:ext>
     </p:extLst>
   </p:cSld>
@@ -729,6 +1012,24 @@
           <a:bodyPr/>
           <a:lstStyle/>
           <a:p>
+            <a:r>
+              <a:rPr kumimoji="1" lang="ja-JP" altLang="en-US" dirty="0" smtClean="0"/>
+              <a:t>数値実験に</a:t>
+            </a:r>
+            <a:r>
+              <a:rPr kumimoji="1" lang="ja-JP" altLang="en-US" dirty="0" smtClean="0"/>
+              <a:t>よって</a:t>
+            </a:r>
+            <a:endParaRPr kumimoji="1" lang="en-US" altLang="ja-JP" dirty="0" smtClean="0"/>
+          </a:p>
+          <a:p>
+            <a:endParaRPr kumimoji="1" lang="en-US" altLang="ja-JP" dirty="0" smtClean="0"/>
+          </a:p>
+          <a:p>
+            <a:r>
+              <a:rPr kumimoji="1" lang="ja-JP" altLang="en-US" dirty="0" smtClean="0"/>
+              <a:t>データに合うモデルとはなんなのか</a:t>
+            </a:r>
             <a:endParaRPr kumimoji="1" lang="ja-JP" altLang="en-US" dirty="0"/>
           </a:p>
         </p:txBody>
@@ -750,7 +1051,7 @@
           <a:p>
             <a:fld id="{F78381A3-C678-7B48-BA42-399B1155E4C3}" type="slidenum">
               <a:rPr kumimoji="1" lang="ja-JP" altLang="en-US" smtClean="0"/>
-              <a:t>8</a:t>
+              <a:t>4</a:t>
             </a:fld>
             <a:endParaRPr kumimoji="1" lang="ja-JP" altLang="en-US"/>
           </a:p>
@@ -759,7 +1060,7 @@
     </p:spTree>
     <p:extLst>
       <p:ext uri="{BB962C8B-B14F-4D97-AF65-F5344CB8AC3E}">
-        <p14:creationId xmlns:p14="http://schemas.microsoft.com/office/powerpoint/2010/main" val="72128565"/>
+        <p14:creationId xmlns:p14="http://schemas.microsoft.com/office/powerpoint/2010/main" val="1299665200"/>
       </p:ext>
     </p:extLst>
   </p:cSld>
@@ -813,6 +1114,47 @@
           <a:bodyPr/>
           <a:lstStyle/>
           <a:p>
+            <a:r>
+              <a:rPr kumimoji="1" lang="en-US" altLang="ja-JP" dirty="0" smtClean="0"/>
+              <a:t>×</a:t>
+            </a:r>
+            <a:r>
+              <a:rPr kumimoji="1" lang="ja-JP" altLang="en-US" dirty="0" smtClean="0"/>
+              <a:t>が</a:t>
+            </a:r>
+            <a:r>
+              <a:rPr kumimoji="1" lang="ja-JP" altLang="en-US" dirty="0" smtClean="0"/>
+              <a:t>セントロイド</a:t>
+            </a:r>
+            <a:endParaRPr kumimoji="1" lang="en-US" altLang="ja-JP" dirty="0" smtClean="0"/>
+          </a:p>
+          <a:p>
+            <a:endParaRPr kumimoji="1" lang="en-US" altLang="ja-JP" dirty="0" smtClean="0"/>
+          </a:p>
+          <a:p>
+            <a:r>
+              <a:rPr kumimoji="1" lang="en-US" altLang="ja-JP" dirty="0" smtClean="0"/>
+              <a:t>L2</a:t>
+            </a:r>
+            <a:r>
+              <a:rPr kumimoji="1" lang="ja-JP" altLang="en-US" dirty="0" smtClean="0"/>
+              <a:t>ノルムだからモデルは混合等方</a:t>
+            </a:r>
+            <a:r>
+              <a:rPr kumimoji="1" lang="en-US" altLang="ja-JP" dirty="0" smtClean="0"/>
+              <a:t>Gauss</a:t>
+            </a:r>
+            <a:r>
+              <a:rPr kumimoji="1" lang="ja-JP" altLang="en-US" dirty="0" smtClean="0"/>
+              <a:t>分布を想定</a:t>
+            </a:r>
+            <a:endParaRPr kumimoji="1" lang="en-US" altLang="ja-JP" dirty="0" smtClean="0"/>
+          </a:p>
+          <a:p>
+            <a:r>
+              <a:rPr kumimoji="1" lang="ja-JP" altLang="en-US" dirty="0" smtClean="0"/>
+              <a:t>距離を変えることで他のモデルも想定することができる</a:t>
+            </a:r>
             <a:endParaRPr kumimoji="1" lang="ja-JP" altLang="en-US" dirty="0"/>
           </a:p>
         </p:txBody>
@@ -834,7 +1176,7 @@
           <a:p>
             <a:fld id="{F78381A3-C678-7B48-BA42-399B1155E4C3}" type="slidenum">
               <a:rPr kumimoji="1" lang="ja-JP" altLang="en-US" smtClean="0"/>
-              <a:t>19</a:t>
+              <a:t>5</a:t>
             </a:fld>
             <a:endParaRPr kumimoji="1" lang="ja-JP" altLang="en-US"/>
           </a:p>
@@ -843,7 +1185,501 @@
     </p:spTree>
     <p:extLst>
       <p:ext uri="{BB962C8B-B14F-4D97-AF65-F5344CB8AC3E}">
-        <p14:creationId xmlns:p14="http://schemas.microsoft.com/office/powerpoint/2010/main" val="1961651389"/>
+        <p14:creationId xmlns:p14="http://schemas.microsoft.com/office/powerpoint/2010/main" val="1995931389"/>
+      </p:ext>
+    </p:extLst>
+  </p:cSld>
+  <p:clrMapOvr>
+    <a:masterClrMapping/>
+  </p:clrMapOvr>
+</p:notes>
+</file>
+
+<file path=ppt/notesSlides/notesSlide5.xml><?xml version="1.0" encoding="utf-8"?>
+<p:notes xmlns:a="http://schemas.openxmlformats.org/drawingml/2006/main" xmlns:r="http://schemas.openxmlformats.org/officeDocument/2006/relationships" xmlns:p="http://schemas.openxmlformats.org/presentationml/2006/main">
+  <p:cSld>
+    <p:spTree>
+      <p:nvGrpSpPr>
+        <p:cNvPr id="1" name=""/>
+        <p:cNvGrpSpPr/>
+        <p:nvPr/>
+      </p:nvGrpSpPr>
+      <p:grpSpPr>
+        <a:xfrm>
+          <a:off x="0" y="0"/>
+          <a:ext cx="0" cy="0"/>
+          <a:chOff x="0" y="0"/>
+          <a:chExt cx="0" cy="0"/>
+        </a:xfrm>
+      </p:grpSpPr>
+      <p:sp>
+        <p:nvSpPr>
+          <p:cNvPr id="2" name="スライド イメージ プレースホルダー 1"/>
+          <p:cNvSpPr>
+            <a:spLocks noGrp="1" noRot="1" noChangeAspect="1"/>
+          </p:cNvSpPr>
+          <p:nvPr>
+            <p:ph type="sldImg"/>
+          </p:nvPr>
+        </p:nvSpPr>
+        <p:spPr/>
+      </p:sp>
+      <p:sp>
+        <p:nvSpPr>
+          <p:cNvPr id="3" name="ノート プレースホルダー 2"/>
+          <p:cNvSpPr>
+            <a:spLocks noGrp="1"/>
+          </p:cNvSpPr>
+          <p:nvPr>
+            <p:ph type="body" idx="1"/>
+          </p:nvPr>
+        </p:nvSpPr>
+        <p:spPr/>
+        <p:txBody>
+          <a:bodyPr/>
+          <a:lstStyle/>
+          <a:p>
+            <a:r>
+              <a:rPr kumimoji="1" lang="en-US" altLang="ja-JP" dirty="0" smtClean="0"/>
+              <a:t>2</a:t>
+            </a:r>
+            <a:r>
+              <a:rPr kumimoji="1" lang="ja-JP" altLang="en-US" dirty="0" smtClean="0"/>
+              <a:t>つにわけていくということを強調</a:t>
+            </a:r>
+            <a:endParaRPr kumimoji="1" lang="en-US" altLang="ja-JP" dirty="0" smtClean="0"/>
+          </a:p>
+          <a:p>
+            <a:r>
+              <a:rPr kumimoji="1" lang="ja-JP" altLang="en-US" dirty="0" smtClean="0"/>
+              <a:t>わけていいかということを情報量規準により判断</a:t>
+            </a:r>
+            <a:endParaRPr kumimoji="1" lang="en-US" altLang="ja-JP" dirty="0" smtClean="0"/>
+          </a:p>
+          <a:p>
+            <a:endParaRPr kumimoji="1" lang="en-US" altLang="ja-JP" dirty="0" smtClean="0"/>
+          </a:p>
+          <a:p>
+            <a:r>
+              <a:rPr kumimoji="1" lang="ja-JP" altLang="en-US" dirty="0" smtClean="0"/>
+              <a:t>次でどのように分けていくかを具体的に説明</a:t>
+            </a:r>
+            <a:endParaRPr kumimoji="1" lang="ja-JP" altLang="en-US" dirty="0"/>
+          </a:p>
+        </p:txBody>
+      </p:sp>
+      <p:sp>
+        <p:nvSpPr>
+          <p:cNvPr id="4" name="スライド番号プレースホルダー 3"/>
+          <p:cNvSpPr>
+            <a:spLocks noGrp="1"/>
+          </p:cNvSpPr>
+          <p:nvPr>
+            <p:ph type="sldNum" sz="quarter" idx="10"/>
+          </p:nvPr>
+        </p:nvSpPr>
+        <p:spPr/>
+        <p:txBody>
+          <a:bodyPr/>
+          <a:lstStyle/>
+          <a:p>
+            <a:fld id="{F78381A3-C678-7B48-BA42-399B1155E4C3}" type="slidenum">
+              <a:rPr kumimoji="1" lang="ja-JP" altLang="en-US" smtClean="0"/>
+              <a:t>6</a:t>
+            </a:fld>
+            <a:endParaRPr kumimoji="1" lang="ja-JP" altLang="en-US"/>
+          </a:p>
+        </p:txBody>
+      </p:sp>
+    </p:spTree>
+    <p:extLst>
+      <p:ext uri="{BB962C8B-B14F-4D97-AF65-F5344CB8AC3E}">
+        <p14:creationId xmlns:p14="http://schemas.microsoft.com/office/powerpoint/2010/main" val="741855104"/>
+      </p:ext>
+    </p:extLst>
+  </p:cSld>
+  <p:clrMapOvr>
+    <a:masterClrMapping/>
+  </p:clrMapOvr>
+</p:notes>
+</file>
+
+<file path=ppt/notesSlides/notesSlide6.xml><?xml version="1.0" encoding="utf-8"?>
+<p:notes xmlns:a="http://schemas.openxmlformats.org/drawingml/2006/main" xmlns:r="http://schemas.openxmlformats.org/officeDocument/2006/relationships" xmlns:p="http://schemas.openxmlformats.org/presentationml/2006/main">
+  <p:cSld>
+    <p:spTree>
+      <p:nvGrpSpPr>
+        <p:cNvPr id="1" name=""/>
+        <p:cNvGrpSpPr/>
+        <p:nvPr/>
+      </p:nvGrpSpPr>
+      <p:grpSpPr>
+        <a:xfrm>
+          <a:off x="0" y="0"/>
+          <a:ext cx="0" cy="0"/>
+          <a:chOff x="0" y="0"/>
+          <a:chExt cx="0" cy="0"/>
+        </a:xfrm>
+      </p:grpSpPr>
+      <p:sp>
+        <p:nvSpPr>
+          <p:cNvPr id="2" name="スライド イメージ プレースホルダー 1"/>
+          <p:cNvSpPr>
+            <a:spLocks noGrp="1" noRot="1" noChangeAspect="1"/>
+          </p:cNvSpPr>
+          <p:nvPr>
+            <p:ph type="sldImg"/>
+          </p:nvPr>
+        </p:nvSpPr>
+        <p:spPr/>
+      </p:sp>
+      <p:sp>
+        <p:nvSpPr>
+          <p:cNvPr id="3" name="ノート プレースホルダー 2"/>
+          <p:cNvSpPr>
+            <a:spLocks noGrp="1"/>
+          </p:cNvSpPr>
+          <p:nvPr>
+            <p:ph type="body" idx="1"/>
+          </p:nvPr>
+        </p:nvSpPr>
+        <p:spPr/>
+        <p:txBody>
+          <a:bodyPr/>
+          <a:lstStyle/>
+          <a:p>
+            <a:r>
+              <a:rPr kumimoji="1" lang="ja-JP" altLang="en-US" dirty="0" smtClean="0"/>
+              <a:t>元のセントロイド</a:t>
+            </a:r>
+            <a:endParaRPr kumimoji="1" lang="en-US" altLang="ja-JP" dirty="0" smtClean="0"/>
+          </a:p>
+          <a:p>
+            <a:r>
+              <a:rPr kumimoji="1" lang="en-US" altLang="ja-JP" dirty="0" smtClean="0"/>
+              <a:t>2</a:t>
+            </a:r>
+            <a:r>
+              <a:rPr kumimoji="1" lang="ja-JP" altLang="en-US" dirty="0" smtClean="0"/>
+              <a:t>つに分けたもののセントロイド</a:t>
+            </a:r>
+            <a:endParaRPr kumimoji="1" lang="ja-JP" altLang="en-US" dirty="0"/>
+          </a:p>
+        </p:txBody>
+      </p:sp>
+      <p:sp>
+        <p:nvSpPr>
+          <p:cNvPr id="4" name="スライド番号プレースホルダー 3"/>
+          <p:cNvSpPr>
+            <a:spLocks noGrp="1"/>
+          </p:cNvSpPr>
+          <p:nvPr>
+            <p:ph type="sldNum" sz="quarter" idx="10"/>
+          </p:nvPr>
+        </p:nvSpPr>
+        <p:spPr/>
+        <p:txBody>
+          <a:bodyPr/>
+          <a:lstStyle/>
+          <a:p>
+            <a:fld id="{F78381A3-C678-7B48-BA42-399B1155E4C3}" type="slidenum">
+              <a:rPr kumimoji="1" lang="ja-JP" altLang="en-US" smtClean="0"/>
+              <a:t>7</a:t>
+            </a:fld>
+            <a:endParaRPr kumimoji="1" lang="ja-JP" altLang="en-US"/>
+          </a:p>
+        </p:txBody>
+      </p:sp>
+    </p:spTree>
+    <p:extLst>
+      <p:ext uri="{BB962C8B-B14F-4D97-AF65-F5344CB8AC3E}">
+        <p14:creationId xmlns:p14="http://schemas.microsoft.com/office/powerpoint/2010/main" val="286476815"/>
+      </p:ext>
+    </p:extLst>
+  </p:cSld>
+  <p:clrMapOvr>
+    <a:masterClrMapping/>
+  </p:clrMapOvr>
+</p:notes>
+</file>
+
+<file path=ppt/notesSlides/notesSlide7.xml><?xml version="1.0" encoding="utf-8"?>
+<p:notes xmlns:a="http://schemas.openxmlformats.org/drawingml/2006/main" xmlns:r="http://schemas.openxmlformats.org/officeDocument/2006/relationships" xmlns:p="http://schemas.openxmlformats.org/presentationml/2006/main">
+  <p:cSld>
+    <p:spTree>
+      <p:nvGrpSpPr>
+        <p:cNvPr id="1" name=""/>
+        <p:cNvGrpSpPr/>
+        <p:nvPr/>
+      </p:nvGrpSpPr>
+      <p:grpSpPr>
+        <a:xfrm>
+          <a:off x="0" y="0"/>
+          <a:ext cx="0" cy="0"/>
+          <a:chOff x="0" y="0"/>
+          <a:chExt cx="0" cy="0"/>
+        </a:xfrm>
+      </p:grpSpPr>
+      <p:sp>
+        <p:nvSpPr>
+          <p:cNvPr id="2" name="スライド イメージ プレースホルダー 1"/>
+          <p:cNvSpPr>
+            <a:spLocks noGrp="1" noRot="1" noChangeAspect="1"/>
+          </p:cNvSpPr>
+          <p:nvPr>
+            <p:ph type="sldImg"/>
+          </p:nvPr>
+        </p:nvSpPr>
+        <p:spPr/>
+      </p:sp>
+      <p:sp>
+        <p:nvSpPr>
+          <p:cNvPr id="3" name="ノート プレースホルダー 2"/>
+          <p:cNvSpPr>
+            <a:spLocks noGrp="1"/>
+          </p:cNvSpPr>
+          <p:nvPr>
+            <p:ph type="body" idx="1"/>
+          </p:nvPr>
+        </p:nvSpPr>
+        <p:spPr/>
+        <p:txBody>
+          <a:bodyPr/>
+          <a:lstStyle/>
+          <a:p>
+            <a:endParaRPr kumimoji="1" lang="ja-JP" altLang="en-US" dirty="0"/>
+          </a:p>
+        </p:txBody>
+      </p:sp>
+      <p:sp>
+        <p:nvSpPr>
+          <p:cNvPr id="4" name="スライド番号プレースホルダー 3"/>
+          <p:cNvSpPr>
+            <a:spLocks noGrp="1"/>
+          </p:cNvSpPr>
+          <p:nvPr>
+            <p:ph type="sldNum" sz="quarter" idx="10"/>
+          </p:nvPr>
+        </p:nvSpPr>
+        <p:spPr/>
+        <p:txBody>
+          <a:bodyPr/>
+          <a:lstStyle/>
+          <a:p>
+            <a:fld id="{F78381A3-C678-7B48-BA42-399B1155E4C3}" type="slidenum">
+              <a:rPr kumimoji="1" lang="ja-JP" altLang="en-US" smtClean="0"/>
+              <a:t>8</a:t>
+            </a:fld>
+            <a:endParaRPr kumimoji="1" lang="ja-JP" altLang="en-US"/>
+          </a:p>
+        </p:txBody>
+      </p:sp>
+    </p:spTree>
+    <p:extLst>
+      <p:ext uri="{BB962C8B-B14F-4D97-AF65-F5344CB8AC3E}">
+        <p14:creationId xmlns:p14="http://schemas.microsoft.com/office/powerpoint/2010/main" val="72128565"/>
+      </p:ext>
+    </p:extLst>
+  </p:cSld>
+  <p:clrMapOvr>
+    <a:masterClrMapping/>
+  </p:clrMapOvr>
+</p:notes>
+</file>
+
+<file path=ppt/notesSlides/notesSlide8.xml><?xml version="1.0" encoding="utf-8"?>
+<p:notes xmlns:a="http://schemas.openxmlformats.org/drawingml/2006/main" xmlns:r="http://schemas.openxmlformats.org/officeDocument/2006/relationships" xmlns:p="http://schemas.openxmlformats.org/presentationml/2006/main">
+  <p:cSld>
+    <p:spTree>
+      <p:nvGrpSpPr>
+        <p:cNvPr id="1" name=""/>
+        <p:cNvGrpSpPr/>
+        <p:nvPr/>
+      </p:nvGrpSpPr>
+      <p:grpSpPr>
+        <a:xfrm>
+          <a:off x="0" y="0"/>
+          <a:ext cx="0" cy="0"/>
+          <a:chOff x="0" y="0"/>
+          <a:chExt cx="0" cy="0"/>
+        </a:xfrm>
+      </p:grpSpPr>
+      <p:sp>
+        <p:nvSpPr>
+          <p:cNvPr id="2" name="スライド イメージ プレースホルダー 1"/>
+          <p:cNvSpPr>
+            <a:spLocks noGrp="1" noRot="1" noChangeAspect="1"/>
+          </p:cNvSpPr>
+          <p:nvPr>
+            <p:ph type="sldImg"/>
+          </p:nvPr>
+        </p:nvSpPr>
+        <p:spPr/>
+      </p:sp>
+      <p:sp>
+        <p:nvSpPr>
+          <p:cNvPr id="3" name="ノート プレースホルダー 2"/>
+          <p:cNvSpPr>
+            <a:spLocks noGrp="1"/>
+          </p:cNvSpPr>
+          <p:nvPr>
+            <p:ph type="body" idx="1"/>
+          </p:nvPr>
+        </p:nvSpPr>
+        <p:spPr/>
+        <p:txBody>
+          <a:bodyPr/>
+          <a:lstStyle/>
+          <a:p>
+            <a:r>
+              <a:rPr kumimoji="1" lang="ja-JP" altLang="en-US" dirty="0" smtClean="0"/>
+              <a:t>正負が逆になっているが，大小関係が逆になるだけ</a:t>
+            </a:r>
+            <a:endParaRPr kumimoji="1" lang="en-US" altLang="ja-JP" dirty="0" smtClean="0"/>
+          </a:p>
+          <a:p>
+            <a:endParaRPr kumimoji="1" lang="en-US" altLang="ja-JP" dirty="0" smtClean="0"/>
+          </a:p>
+          <a:p>
+            <a:r>
+              <a:rPr kumimoji="1" lang="ja-JP" altLang="en-US" dirty="0" smtClean="0"/>
+              <a:t>パラメータ数を過大に見積もる</a:t>
+            </a:r>
+            <a:endParaRPr kumimoji="1" lang="ja-JP" altLang="en-US" dirty="0"/>
+          </a:p>
+        </p:txBody>
+      </p:sp>
+      <p:sp>
+        <p:nvSpPr>
+          <p:cNvPr id="4" name="スライド番号プレースホルダー 3"/>
+          <p:cNvSpPr>
+            <a:spLocks noGrp="1"/>
+          </p:cNvSpPr>
+          <p:nvPr>
+            <p:ph type="sldNum" sz="quarter" idx="10"/>
+          </p:nvPr>
+        </p:nvSpPr>
+        <p:spPr/>
+        <p:txBody>
+          <a:bodyPr/>
+          <a:lstStyle/>
+          <a:p>
+            <a:fld id="{F78381A3-C678-7B48-BA42-399B1155E4C3}" type="slidenum">
+              <a:rPr kumimoji="1" lang="ja-JP" altLang="en-US" smtClean="0"/>
+              <a:t>9</a:t>
+            </a:fld>
+            <a:endParaRPr kumimoji="1" lang="ja-JP" altLang="en-US"/>
+          </a:p>
+        </p:txBody>
+      </p:sp>
+    </p:spTree>
+    <p:extLst>
+      <p:ext uri="{BB962C8B-B14F-4D97-AF65-F5344CB8AC3E}">
+        <p14:creationId xmlns:p14="http://schemas.microsoft.com/office/powerpoint/2010/main" val="151371020"/>
+      </p:ext>
+    </p:extLst>
+  </p:cSld>
+  <p:clrMapOvr>
+    <a:masterClrMapping/>
+  </p:clrMapOvr>
+</p:notes>
+</file>
+
+<file path=ppt/notesSlides/notesSlide9.xml><?xml version="1.0" encoding="utf-8"?>
+<p:notes xmlns:a="http://schemas.openxmlformats.org/drawingml/2006/main" xmlns:r="http://schemas.openxmlformats.org/officeDocument/2006/relationships" xmlns:p="http://schemas.openxmlformats.org/presentationml/2006/main">
+  <p:cSld>
+    <p:spTree>
+      <p:nvGrpSpPr>
+        <p:cNvPr id="1" name=""/>
+        <p:cNvGrpSpPr/>
+        <p:nvPr/>
+      </p:nvGrpSpPr>
+      <p:grpSpPr>
+        <a:xfrm>
+          <a:off x="0" y="0"/>
+          <a:ext cx="0" cy="0"/>
+          <a:chOff x="0" y="0"/>
+          <a:chExt cx="0" cy="0"/>
+        </a:xfrm>
+      </p:grpSpPr>
+      <p:sp>
+        <p:nvSpPr>
+          <p:cNvPr id="2" name="スライド イメージ プレースホルダー 1"/>
+          <p:cNvSpPr>
+            <a:spLocks noGrp="1" noRot="1" noChangeAspect="1"/>
+          </p:cNvSpPr>
+          <p:nvPr>
+            <p:ph type="sldImg"/>
+          </p:nvPr>
+        </p:nvSpPr>
+        <p:spPr/>
+      </p:sp>
+      <p:sp>
+        <p:nvSpPr>
+          <p:cNvPr id="3" name="ノート プレースホルダー 2"/>
+          <p:cNvSpPr>
+            <a:spLocks noGrp="1"/>
+          </p:cNvSpPr>
+          <p:nvPr>
+            <p:ph type="body" idx="1"/>
+          </p:nvPr>
+        </p:nvSpPr>
+        <p:spPr/>
+        <p:txBody>
+          <a:bodyPr/>
+          <a:lstStyle/>
+          <a:p>
+            <a:r>
+              <a:rPr kumimoji="1" lang="ja-JP" altLang="en-US" dirty="0" smtClean="0"/>
+              <a:t>人工的に</a:t>
+            </a:r>
+            <a:r>
+              <a:rPr kumimoji="1" lang="en-US" altLang="ja-JP" dirty="0" smtClean="0"/>
+              <a:t>2</a:t>
+            </a:r>
+            <a:r>
+              <a:rPr kumimoji="1" lang="ja-JP" altLang="en-US" dirty="0" smtClean="0"/>
+              <a:t>次元もしくは</a:t>
+            </a:r>
+            <a:r>
+              <a:rPr kumimoji="1" lang="en-US" altLang="ja-JP" dirty="0" smtClean="0"/>
+              <a:t>3</a:t>
+            </a:r>
+            <a:r>
+              <a:rPr kumimoji="1" lang="ja-JP" altLang="en-US" dirty="0" smtClean="0"/>
+              <a:t>次元のデータを生成</a:t>
+            </a:r>
+            <a:endParaRPr kumimoji="1" lang="ja-JP" altLang="en-US" dirty="0"/>
+          </a:p>
+        </p:txBody>
+      </p:sp>
+      <p:sp>
+        <p:nvSpPr>
+          <p:cNvPr id="4" name="スライド番号プレースホルダー 3"/>
+          <p:cNvSpPr>
+            <a:spLocks noGrp="1"/>
+          </p:cNvSpPr>
+          <p:nvPr>
+            <p:ph type="sldNum" sz="quarter" idx="10"/>
+          </p:nvPr>
+        </p:nvSpPr>
+        <p:spPr/>
+        <p:txBody>
+          <a:bodyPr/>
+          <a:lstStyle/>
+          <a:p>
+            <a:fld id="{F78381A3-C678-7B48-BA42-399B1155E4C3}" type="slidenum">
+              <a:rPr kumimoji="1" lang="ja-JP" altLang="en-US" smtClean="0"/>
+              <a:t>10</a:t>
+            </a:fld>
+            <a:endParaRPr kumimoji="1" lang="ja-JP" altLang="en-US"/>
+          </a:p>
+        </p:txBody>
+      </p:sp>
+    </p:spTree>
+    <p:extLst>
+      <p:ext uri="{BB962C8B-B14F-4D97-AF65-F5344CB8AC3E}">
+        <p14:creationId xmlns:p14="http://schemas.microsoft.com/office/powerpoint/2010/main" val="752522009"/>
       </p:ext>
     </p:extLst>
   </p:cSld>
@@ -984,7 +1820,7 @@
           <a:p>
             <a:fld id="{C764DE79-268F-4C1A-8933-263129D2AF90}" type="datetimeFigureOut">
               <a:rPr lang="en-US" dirty="0"/>
-              <a:t>10/16/17</a:t>
+              <a:t>10/19/17</a:t>
             </a:fld>
             <a:endParaRPr lang="en-US" dirty="0"/>
           </a:p>
@@ -1342,7 +2178,7 @@
           <a:p>
             <a:fld id="{FEADE02B-27BC-6D48-8820-5A877B98ECB7}" type="datetimeFigureOut">
               <a:rPr kumimoji="1" lang="ja-JP" altLang="en-US" smtClean="0"/>
-              <a:t>2017/10/16</a:t>
+              <a:t>2017/10/19</a:t>
             </a:fld>
             <a:endParaRPr kumimoji="1" lang="ja-JP" altLang="en-US"/>
           </a:p>
@@ -1462,7 +2298,7 @@
           <a:p>
             <a:fld id="{C764DE79-268F-4C1A-8933-263129D2AF90}" type="datetimeFigureOut">
               <a:rPr lang="en-US" dirty="0"/>
-              <a:t>10/16/17</a:t>
+              <a:t>10/19/17</a:t>
             </a:fld>
             <a:endParaRPr lang="en-US" dirty="0"/>
           </a:p>
@@ -1757,7 +2593,7 @@
           <a:p>
             <a:fld id="{FEADE02B-27BC-6D48-8820-5A877B98ECB7}" type="datetimeFigureOut">
               <a:rPr kumimoji="1" lang="ja-JP" altLang="en-US" smtClean="0"/>
-              <a:t>2017/10/16</a:t>
+              <a:t>2017/10/19</a:t>
             </a:fld>
             <a:endParaRPr kumimoji="1" lang="ja-JP" altLang="en-US"/>
           </a:p>
@@ -2516,24 +3352,32 @@
               </a:lnSpc>
             </a:pPr>
             <a:r>
-              <a:rPr lang="en-US" altLang="ja-JP" dirty="0" smtClean="0"/>
+              <a:rPr lang="ja-JP" altLang="en-US" dirty="0" smtClean="0"/>
+              <a:t>人工的に</a:t>
+            </a:r>
+            <a:r>
+              <a:rPr lang="en-US" altLang="ja-JP" b="1" dirty="0" smtClean="0"/>
               <a:t>2</a:t>
             </a:r>
             <a:r>
+              <a:rPr kumimoji="1" lang="ja-JP" altLang="en-US" b="1" dirty="0" smtClean="0"/>
+              <a:t>次元</a:t>
+            </a:r>
+            <a:r>
               <a:rPr kumimoji="1" lang="ja-JP" altLang="en-US" dirty="0" smtClean="0"/>
-              <a:t>次元・</a:t>
-            </a:r>
-            <a:r>
-              <a:rPr kumimoji="1" lang="en-US" altLang="ja-JP" dirty="0" smtClean="0"/>
+              <a:t>もしくは</a:t>
+            </a:r>
+            <a:r>
+              <a:rPr kumimoji="1" lang="en-US" altLang="ja-JP" b="1" dirty="0" smtClean="0"/>
               <a:t>3</a:t>
             </a:r>
             <a:r>
-              <a:rPr kumimoji="1" lang="ja-JP" altLang="en-US" dirty="0" smtClean="0"/>
+              <a:rPr kumimoji="1" lang="ja-JP" altLang="en-US" b="1" dirty="0" smtClean="0"/>
               <a:t>次元</a:t>
             </a:r>
             <a:r>
               <a:rPr lang="ja-JP" altLang="en-US" dirty="0" smtClean="0"/>
-              <a:t>空間に人工データを生成</a:t>
+              <a:t>空間のデータを生成</a:t>
             </a:r>
             <a:endParaRPr lang="en-US" altLang="ja-JP" dirty="0" smtClean="0"/>
           </a:p>
@@ -2753,7 +3597,7 @@
             </a:r>
             <a:r>
               <a:rPr lang="ja-JP" altLang="en-US" dirty="0" smtClean="0"/>
-              <a:t>次元空間におけるクラスタリング例</a:t>
+              <a:t>次元データに対するクラスタリングの例</a:t>
             </a:r>
             <a:endParaRPr kumimoji="1" lang="ja-JP" altLang="en-US" dirty="0"/>
           </a:p>
@@ -2770,7 +3614,7 @@
           </p:nvPr>
         </p:nvPicPr>
         <p:blipFill>
-          <a:blip r:embed="rId2">
+          <a:blip r:embed="rId3">
             <a:extLst>
               <a:ext uri="{28A0092B-C50C-407E-A947-70E740481C1C}">
                 <a14:useLocalDpi xmlns:a14="http://schemas.microsoft.com/office/drawing/2010/main" val="0"/>
@@ -2841,12 +3685,16 @@
           <a:lstStyle/>
           <a:p>
             <a:r>
-              <a:rPr kumimoji="1" lang="en-US" altLang="ja-JP" dirty="0" smtClean="0"/>
+              <a:rPr lang="en-US" altLang="ja-JP" dirty="0"/>
               <a:t>2</a:t>
             </a:r>
             <a:r>
-              <a:rPr kumimoji="1" lang="ja-JP" altLang="en-US" dirty="0" smtClean="0"/>
-              <a:t>次元におけるクラスタリング結果</a:t>
+              <a:rPr lang="ja-JP" altLang="en-US" dirty="0"/>
+              <a:t>次元データに対する</a:t>
+            </a:r>
+            <a:r>
+              <a:rPr lang="ja-JP" altLang="en-US" dirty="0" smtClean="0"/>
+              <a:t>クラスタリング結果</a:t>
             </a:r>
             <a:endParaRPr kumimoji="1" lang="ja-JP" altLang="en-US" dirty="0"/>
           </a:p>
@@ -3501,60 +4349,6 @@
       </p:graphicFrame>
       <p:sp>
         <p:nvSpPr>
-          <p:cNvPr id="8" name="テキスト ボックス 7"/>
-          <p:cNvSpPr txBox="1"/>
-          <p:nvPr/>
-        </p:nvSpPr>
-        <p:spPr>
-          <a:xfrm>
-            <a:off x="3975066" y="1199649"/>
-            <a:ext cx="4241867" cy="369332"/>
-          </a:xfrm>
-          <a:prstGeom prst="rect">
-            <a:avLst/>
-          </a:prstGeom>
-          <a:noFill/>
-        </p:spPr>
-        <p:txBody>
-          <a:bodyPr wrap="none" rtlCol="0">
-            <a:spAutoFit/>
-          </a:bodyPr>
-          <a:lstStyle/>
-          <a:p>
-            <a:r>
-              <a:rPr kumimoji="1" lang="ja-JP" altLang="en-US" dirty="0" smtClean="0">
-                <a:latin typeface="Meiryo" charset="-128"/>
-                <a:ea typeface="Meiryo" charset="-128"/>
-                <a:cs typeface="Meiryo" charset="-128"/>
-              </a:rPr>
-              <a:t>表</a:t>
-            </a:r>
-            <a:r>
-              <a:rPr lang="en-US" altLang="ja-JP" dirty="0" smtClean="0">
-                <a:latin typeface="Meiryo" charset="-128"/>
-                <a:ea typeface="Meiryo" charset="-128"/>
-                <a:cs typeface="Meiryo" charset="-128"/>
-              </a:rPr>
-              <a:t>1 2</a:t>
-            </a:r>
-            <a:r>
-              <a:rPr lang="ja-JP" altLang="en-US" dirty="0" smtClean="0">
-                <a:latin typeface="Meiryo" charset="-128"/>
-                <a:ea typeface="Meiryo" charset="-128"/>
-                <a:cs typeface="Meiryo" charset="-128"/>
-              </a:rPr>
-              <a:t>次元空間におけるクラスタリング</a:t>
-            </a:r>
-            <a:endParaRPr kumimoji="1" lang="ja-JP" altLang="en-US" dirty="0">
-              <a:latin typeface="Meiryo" charset="-128"/>
-              <a:ea typeface="Meiryo" charset="-128"/>
-              <a:cs typeface="Meiryo" charset="-128"/>
-            </a:endParaRPr>
-          </a:p>
-        </p:txBody>
-      </p:sp>
-      <p:sp>
-        <p:nvSpPr>
           <p:cNvPr id="11" name="コンテンツ プレースホルダー 2"/>
           <p:cNvSpPr>
             <a:spLocks noGrp="1"/>
@@ -3688,12 +4482,16 @@
           <a:lstStyle/>
           <a:p>
             <a:r>
-              <a:rPr kumimoji="1" lang="en-US" altLang="ja-JP" dirty="0" smtClean="0"/>
+              <a:rPr lang="en-US" altLang="ja-JP" dirty="0" smtClean="0"/>
               <a:t>3</a:t>
             </a:r>
             <a:r>
-              <a:rPr kumimoji="1" lang="ja-JP" altLang="en-US" dirty="0" smtClean="0"/>
-              <a:t>次元空間におけるクラスタリング例</a:t>
+              <a:rPr lang="ja-JP" altLang="en-US" dirty="0" smtClean="0"/>
+              <a:t>次元</a:t>
+            </a:r>
+            <a:r>
+              <a:rPr lang="ja-JP" altLang="en-US" dirty="0"/>
+              <a:t>データに対するクラスタリングの例</a:t>
             </a:r>
             <a:endParaRPr kumimoji="1" lang="ja-JP" altLang="en-US" dirty="0"/>
           </a:p>
@@ -3781,12 +4579,20 @@
           <a:lstStyle/>
           <a:p>
             <a:r>
-              <a:rPr kumimoji="1" lang="en-US" altLang="ja-JP" dirty="0" smtClean="0"/>
+              <a:rPr lang="en-US" altLang="ja-JP" dirty="0" smtClean="0"/>
               <a:t>3</a:t>
             </a:r>
             <a:r>
-              <a:rPr kumimoji="1" lang="ja-JP" altLang="en-US" dirty="0" smtClean="0"/>
-              <a:t>次元におけるクラスタリング結果</a:t>
+              <a:rPr lang="ja-JP" altLang="en-US" dirty="0" smtClean="0"/>
+              <a:t>次元</a:t>
+            </a:r>
+            <a:r>
+              <a:rPr lang="ja-JP" altLang="en-US" dirty="0"/>
+              <a:t>データに対する</a:t>
+            </a:r>
+            <a:r>
+              <a:rPr lang="ja-JP" altLang="en-US" dirty="0" smtClean="0"/>
+              <a:t>クラスタリング結果</a:t>
             </a:r>
             <a:endParaRPr kumimoji="1" lang="ja-JP" altLang="en-US" dirty="0"/>
           </a:p>
@@ -4498,60 +5304,6 @@
           </a:graphicData>
         </a:graphic>
       </p:graphicFrame>
-      <p:sp>
-        <p:nvSpPr>
-          <p:cNvPr id="5" name="テキスト ボックス 4"/>
-          <p:cNvSpPr txBox="1"/>
-          <p:nvPr/>
-        </p:nvSpPr>
-        <p:spPr>
-          <a:xfrm>
-            <a:off x="3975065" y="1184610"/>
-            <a:ext cx="4241867" cy="369332"/>
-          </a:xfrm>
-          <a:prstGeom prst="rect">
-            <a:avLst/>
-          </a:prstGeom>
-          <a:noFill/>
-        </p:spPr>
-        <p:txBody>
-          <a:bodyPr wrap="none" rtlCol="0">
-            <a:spAutoFit/>
-          </a:bodyPr>
-          <a:lstStyle/>
-          <a:p>
-            <a:r>
-              <a:rPr kumimoji="1" lang="ja-JP" altLang="en-US" dirty="0" smtClean="0">
-                <a:latin typeface="Meiryo" charset="-128"/>
-                <a:ea typeface="Meiryo" charset="-128"/>
-                <a:cs typeface="Meiryo" charset="-128"/>
-              </a:rPr>
-              <a:t>表</a:t>
-            </a:r>
-            <a:r>
-              <a:rPr lang="en-US" altLang="ja-JP" dirty="0" smtClean="0">
-                <a:latin typeface="Meiryo" charset="-128"/>
-                <a:ea typeface="Meiryo" charset="-128"/>
-                <a:cs typeface="Meiryo" charset="-128"/>
-              </a:rPr>
-              <a:t>2 3</a:t>
-            </a:r>
-            <a:r>
-              <a:rPr lang="ja-JP" altLang="en-US" dirty="0" smtClean="0">
-                <a:latin typeface="Meiryo" charset="-128"/>
-                <a:ea typeface="Meiryo" charset="-128"/>
-                <a:cs typeface="Meiryo" charset="-128"/>
-              </a:rPr>
-              <a:t>次元空間におけるクラスタリング</a:t>
-            </a:r>
-            <a:endParaRPr kumimoji="1" lang="ja-JP" altLang="en-US" dirty="0">
-              <a:latin typeface="Meiryo" charset="-128"/>
-              <a:ea typeface="Meiryo" charset="-128"/>
-              <a:cs typeface="Meiryo" charset="-128"/>
-            </a:endParaRPr>
-          </a:p>
-        </p:txBody>
-      </p:sp>
     </p:spTree>
     <p:extLst>
       <p:ext uri="{BB962C8B-B14F-4D97-AF65-F5344CB8AC3E}">
@@ -4708,7 +5460,7 @@
             </a:r>
             <a:r>
               <a:rPr kumimoji="1" lang="ja-JP" altLang="en-US" dirty="0" smtClean="0"/>
-              <a:t>以外の情報量規準を用いたクラスタリング</a:t>
+              <a:t>以外の情報量規準を用いたクラスタ数推定</a:t>
             </a:r>
             <a:endParaRPr kumimoji="1" lang="en-US" altLang="ja-JP" dirty="0" smtClean="0"/>
           </a:p>
@@ -4718,8 +5470,12 @@
               <a:buChar char="u"/>
             </a:pPr>
             <a:r>
+              <a:rPr lang="ja-JP" altLang="en-US" smtClean="0"/>
+              <a:t> 実データ</a:t>
+            </a:r>
+            <a:r>
               <a:rPr lang="ja-JP" altLang="en-US" dirty="0" smtClean="0"/>
-              <a:t>クラスタリング対象のデータを変更する</a:t>
+              <a:t>のクラスタ数推定を行う</a:t>
             </a:r>
             <a:endParaRPr kumimoji="1" lang="ja-JP" altLang="en-US" dirty="0"/>
           </a:p>
@@ -5475,7 +6231,7 @@
         <p:spPr>
           <a:xfrm>
             <a:off x="3336521" y="4530767"/>
-            <a:ext cx="2569934" cy="461665"/>
+            <a:ext cx="2646878" cy="461665"/>
           </a:xfrm>
           <a:prstGeom prst="rect">
             <a:avLst/>
@@ -6072,11 +6828,7 @@
             </a:r>
             <a:r>
               <a:rPr lang="ja-JP" altLang="en-US" b="1" dirty="0" smtClean="0"/>
-              <a:t>ではクラスタ数を事前に</a:t>
-            </a:r>
-            <a:r>
-              <a:rPr lang="ja-JP" altLang="en-US" b="1" dirty="0" smtClean="0"/>
-              <a:t>指定してクラスタリング</a:t>
+              <a:t>ではクラスタ数を事前に指定してクラスタリング</a:t>
             </a:r>
             <a:r>
               <a:rPr lang="en-US" altLang="ja-JP" b="1" dirty="0" smtClean="0"/>
@@ -6087,11 +6839,7 @@
             </a:br>
             <a:r>
               <a:rPr kumimoji="1" lang="ja-JP" altLang="en-US" dirty="0" smtClean="0"/>
-              <a:t>⇒ </a:t>
-            </a:r>
-            <a:r>
-              <a:rPr kumimoji="1" lang="ja-JP" altLang="en-US" dirty="0" smtClean="0"/>
-              <a:t>クラスタ数が未知の場合「</a:t>
+              <a:t>⇒ クラスタ数が未知の場合「</a:t>
             </a:r>
             <a:r>
               <a:rPr kumimoji="1" lang="ja-JP" altLang="en-US" b="1" dirty="0" smtClean="0"/>
@@ -7176,19 +7924,7 @@
             </a:r>
             <a:r>
               <a:rPr lang="ja-JP" altLang="en-US" dirty="0" smtClean="0"/>
-              <a:t>と呼ばれる指標により</a:t>
-            </a:r>
-            <a:r>
-              <a:rPr lang="ja-JP" altLang="en-US" dirty="0" smtClean="0"/>
-              <a:t>クラスタ数</a:t>
-            </a:r>
-            <a:r>
-              <a:rPr lang="ja-JP" altLang="en-US" dirty="0" smtClean="0"/>
-              <a:t>を</a:t>
-            </a:r>
-            <a:r>
-              <a:rPr lang="ja-JP" altLang="en-US" dirty="0" smtClean="0"/>
-              <a:t>推定</a:t>
+              <a:t>と呼ばれる指標によりクラスタ数を推定</a:t>
             </a:r>
             <a:endParaRPr kumimoji="1" lang="ja-JP" altLang="en-US" dirty="0"/>
           </a:p>
@@ -7372,8 +8108,8 @@
         </p:nvSpPr>
         <p:spPr>
           <a:xfrm>
-            <a:off x="838200" y="1815232"/>
-            <a:ext cx="10515600" cy="4351338"/>
+            <a:off x="838200" y="1524000"/>
+            <a:ext cx="10515600" cy="4642570"/>
           </a:xfrm>
         </p:spPr>
         <p:txBody>
@@ -7387,29 +8123,40 @@
               <a:buNone/>
             </a:pPr>
             <a:r>
-              <a:rPr lang="ja-JP" altLang="en-US" sz="3600" b="1" dirty="0" smtClean="0"/>
+              <a:rPr lang="ja-JP" altLang="en-US" sz="4000" b="1" dirty="0" smtClean="0"/>
               <a:t>どの情報量規準</a:t>
             </a:r>
             <a:r>
-              <a:rPr lang="ja-JP" altLang="en-US" sz="3600" dirty="0" smtClean="0"/>
+              <a:rPr lang="ja-JP" altLang="en-US" sz="4000" dirty="0" smtClean="0"/>
               <a:t>が</a:t>
             </a:r>
             <a:r>
-              <a:rPr lang="en-US" altLang="ja-JP" sz="3600" dirty="0" smtClean="0"/>
+              <a:rPr lang="en-US" altLang="ja-JP" sz="4000" dirty="0" smtClean="0"/>
               <a:t/>
             </a:r>
             <a:br>
-              <a:rPr lang="en-US" altLang="ja-JP" sz="3600" dirty="0" smtClean="0"/>
+              <a:rPr lang="en-US" altLang="ja-JP" sz="4000" dirty="0" smtClean="0"/>
             </a:br>
             <a:r>
-              <a:rPr lang="ja-JP" altLang="en-US" sz="3600" b="1" dirty="0" smtClean="0"/>
+              <a:rPr lang="ja-JP" altLang="en-US" sz="4000" b="1" dirty="0" smtClean="0"/>
               <a:t>どのようなデータに対して最適か</a:t>
             </a:r>
             <a:r>
-              <a:rPr lang="ja-JP" altLang="en-US" sz="3600" dirty="0" smtClean="0"/>
-              <a:t>明らかにする</a:t>
-            </a:r>
-            <a:endParaRPr kumimoji="1" lang="ja-JP" altLang="en-US" sz="3600" dirty="0"/>
+              <a:rPr lang="ja-JP" altLang="en-US" sz="4000" dirty="0" smtClean="0"/>
+              <a:t>を</a:t>
+            </a:r>
+            <a:r>
+              <a:rPr lang="en-US" altLang="ja-JP" sz="4000" dirty="0" smtClean="0"/>
+              <a:t/>
+            </a:r>
+            <a:br>
+              <a:rPr lang="en-US" altLang="ja-JP" sz="4000" dirty="0" smtClean="0"/>
+            </a:br>
+            <a:r>
+              <a:rPr lang="ja-JP" altLang="en-US" sz="4000" dirty="0" smtClean="0"/>
+              <a:t>数値実験により明らかにする</a:t>
+            </a:r>
+            <a:endParaRPr kumimoji="1" lang="ja-JP" altLang="en-US" sz="4000" dirty="0"/>
           </a:p>
         </p:txBody>
       </p:sp>
@@ -7492,7 +8239,7 @@
           </p:nvPr>
         </p:nvPicPr>
         <p:blipFill>
-          <a:blip r:embed="rId2"/>
+          <a:blip r:embed="rId3"/>
           <a:stretch>
             <a:fillRect/>
           </a:stretch>
@@ -7516,7 +8263,7 @@
         <p:spPr>
           <a:xfrm>
             <a:off x="428297" y="3882131"/>
-            <a:ext cx="11610871" cy="2677656"/>
+            <a:ext cx="11969943" cy="2677656"/>
           </a:xfrm>
           <a:prstGeom prst="rect">
             <a:avLst/>
@@ -7541,7 +8288,23 @@
                 <a:ea typeface="Meiryo" charset="-128"/>
                 <a:cs typeface="Meiryo" charset="-128"/>
               </a:rPr>
-              <a:t> セントロイドの初期値を選ぶ</a:t>
+              <a:t> セントロイドの初期値を選ぶ（</a:t>
+            </a:r>
+            <a:r>
+              <a:rPr kumimoji="1" lang="en-US" altLang="ja-JP" sz="2800" dirty="0" smtClean="0">
+                <a:latin typeface="Meiryo" charset="-128"/>
+                <a:ea typeface="Meiryo" charset="-128"/>
+                <a:cs typeface="Meiryo" charset="-128"/>
+              </a:rPr>
+              <a:t>×</a:t>
+            </a:r>
+            <a:r>
+              <a:rPr kumimoji="1" lang="ja-JP" altLang="en-US" sz="2800" dirty="0" smtClean="0">
+                <a:latin typeface="Meiryo" charset="-128"/>
+                <a:ea typeface="Meiryo" charset="-128"/>
+                <a:cs typeface="Meiryo" charset="-128"/>
+              </a:rPr>
+              <a:t>印）</a:t>
             </a:r>
             <a:endParaRPr kumimoji="1" lang="en-US" altLang="ja-JP" sz="2800" dirty="0" smtClean="0">
               <a:latin typeface="Meiryo" charset="-128"/>
@@ -7678,7 +8441,7 @@
           <p:nvPr/>
         </p:nvPicPr>
         <p:blipFill>
-          <a:blip r:embed="rId3"/>
+          <a:blip r:embed="rId4"/>
           <a:stretch>
             <a:fillRect/>
           </a:stretch>
@@ -8383,10 +9146,18 @@
                 <a:ea typeface="Meiryo" charset="-128"/>
                 <a:cs typeface="Meiryo" charset="-128"/>
               </a:rPr>
-              <a:t>所属するデータに対し，クラスタ数2と</a:t>
-            </a:r>
-            <a:r>
-              <a:rPr lang="ja-JP" altLang="en-US" sz="2400" dirty="0" smtClean="0">
+              <a:t>所属するデータに対し，</a:t>
+            </a:r>
+            <a:r>
+              <a:rPr lang="ja-JP" altLang="en-US" sz="2400" b="1" dirty="0">
+                <a:latin typeface="Meiryo" charset="-128"/>
+                <a:ea typeface="Meiryo" charset="-128"/>
+                <a:cs typeface="Meiryo" charset="-128"/>
+              </a:rPr>
+              <a:t>クラスタ数2と</a:t>
+            </a:r>
+            <a:r>
+              <a:rPr lang="ja-JP" altLang="en-US" sz="2400" b="1" dirty="0" smtClean="0">
                 <a:latin typeface="Meiryo" charset="-128"/>
                 <a:ea typeface="Meiryo" charset="-128"/>
                 <a:cs typeface="Meiryo" charset="-128"/>
@@ -8394,7 +9165,7 @@
               <a:t>して</a:t>
             </a:r>
             <a:r>
-              <a:rPr lang="en-US" altLang="ja-JP" sz="2400" dirty="0" smtClean="0">
+              <a:rPr lang="en-US" altLang="ja-JP" sz="2400" b="1" dirty="0" smtClean="0">
                 <a:latin typeface="Meiryo" charset="-128"/>
                 <a:ea typeface="Meiryo" charset="-128"/>
                 <a:cs typeface="Meiryo" charset="-128"/>
@@ -8402,7 +9173,7 @@
               <a:t> </a:t>
             </a:r>
             <a:r>
-              <a:rPr lang="ja-JP" altLang="en-US" sz="2400" i="1" dirty="0" smtClean="0">
+              <a:rPr lang="ja-JP" altLang="en-US" sz="2400" b="1" i="1" dirty="0" smtClean="0">
                 <a:latin typeface="Meiryo" charset="-128"/>
                 <a:ea typeface="Meiryo" charset="-128"/>
                 <a:cs typeface="Meiryo" charset="-128"/>
@@ -8410,7 +9181,7 @@
               <a:t>k</a:t>
             </a:r>
             <a:r>
-              <a:rPr lang="ja-JP" altLang="en-US" sz="2400" dirty="0" smtClean="0">
+              <a:rPr lang="ja-JP" altLang="en-US" sz="2400" b="1" dirty="0" smtClean="0">
                 <a:latin typeface="Meiryo" charset="-128"/>
                 <a:ea typeface="Meiryo" charset="-128"/>
                 <a:cs typeface="Meiryo" charset="-128"/>
@@ -8418,7 +9189,7 @@
               <a:t>-means</a:t>
             </a:r>
             <a:r>
-              <a:rPr lang="en-US" altLang="ja-JP" sz="2400" dirty="0" smtClean="0">
+              <a:rPr lang="en-US" altLang="ja-JP" sz="2400" b="1" dirty="0" smtClean="0">
                 <a:latin typeface="Meiryo" charset="-128"/>
                 <a:ea typeface="Meiryo" charset="-128"/>
                 <a:cs typeface="Meiryo" charset="-128"/>
@@ -10690,8 +11461,8 @@
           </p:blipFill>
           <p:spPr>
             <a:xfrm>
-              <a:off x="5136928" y="5416313"/>
-              <a:ext cx="1765692" cy="497454"/>
+              <a:off x="5127855" y="5387697"/>
+              <a:ext cx="1867263" cy="526070"/>
             </a:xfrm>
             <a:prstGeom prst="rect">
               <a:avLst/>
@@ -11025,11 +11796,7 @@
             </a:pPr>
             <a:r>
               <a:rPr lang="ja-JP" altLang="en-US" b="1" dirty="0" smtClean="0"/>
-              <a:t>モデルの</a:t>
-            </a:r>
-            <a:r>
-              <a:rPr lang="ja-JP" altLang="en-US" b="1" dirty="0" smtClean="0"/>
-              <a:t>良し悪しの判断基準</a:t>
+              <a:t>モデルの良し悪しの判断基準</a:t>
             </a:r>
             <a:endParaRPr lang="en-US" altLang="ja-JP" b="1" dirty="0" smtClean="0"/>
           </a:p>
@@ -11047,11 +11814,7 @@
             </a:r>
             <a:r>
               <a:rPr lang="ja-JP" altLang="en-US" dirty="0" smtClean="0"/>
-              <a:t>データに対するモデルの</a:t>
-            </a:r>
-            <a:r>
-              <a:rPr lang="ja-JP" altLang="en-US" dirty="0" smtClean="0"/>
-              <a:t>当てはまり度（平均対数尤度）</a:t>
+              <a:t>データに対するモデルの当てはまり度（平均対数尤度）</a:t>
             </a:r>
             <a:endParaRPr lang="en-US" altLang="ja-JP" dirty="0" smtClean="0"/>
           </a:p>
@@ -11448,7 +12211,7 @@
           <p:nvPr/>
         </p:nvPicPr>
         <p:blipFill>
-          <a:blip r:embed="rId2"/>
+          <a:blip r:embed="rId3"/>
           <a:stretch>
             <a:fillRect/>
           </a:stretch>
@@ -11694,7 +12457,7 @@
           <p:nvPr/>
         </p:nvPicPr>
         <p:blipFill>
-          <a:blip r:embed="rId3"/>
+          <a:blip r:embed="rId4"/>
           <a:stretch>
             <a:fillRect/>
           </a:stretch>
@@ -11928,7 +12691,7 @@
           <p:nvPr/>
         </p:nvPicPr>
         <p:blipFill>
-          <a:blip r:embed="rId4"/>
+          <a:blip r:embed="rId5"/>
           <a:stretch>
             <a:fillRect/>
           </a:stretch>
@@ -12112,7 +12875,7 @@
             <p:nvPr/>
           </p:nvPicPr>
           <p:blipFill>
-            <a:blip r:embed="rId5"/>
+            <a:blip r:embed="rId6"/>
             <a:stretch>
               <a:fillRect/>
             </a:stretch>

--- a/docs/interim-presen/interim_hagihara.pptx
+++ b/docs/interim-presen/interim_hagihara.pptx
@@ -5,7 +5,7 @@
     <p:sldMasterId id="2147483668" r:id="rId1"/>
   </p:sldMasterIdLst>
   <p:notesMasterIdLst>
-    <p:notesMasterId r:id="rId23"/>
+    <p:notesMasterId r:id="rId25"/>
   </p:notesMasterIdLst>
   <p:sldIdLst>
     <p:sldId id="256" r:id="rId2"/>
@@ -26,9 +26,11 @@
     <p:sldId id="268" r:id="rId17"/>
     <p:sldId id="269" r:id="rId18"/>
     <p:sldId id="270" r:id="rId19"/>
-    <p:sldId id="276" r:id="rId20"/>
-    <p:sldId id="272" r:id="rId21"/>
-    <p:sldId id="275" r:id="rId22"/>
+    <p:sldId id="272" r:id="rId20"/>
+    <p:sldId id="275" r:id="rId21"/>
+    <p:sldId id="276" r:id="rId22"/>
+    <p:sldId id="278" r:id="rId23"/>
+    <p:sldId id="277" r:id="rId24"/>
   </p:sldIdLst>
   <p:sldSz cx="12192000" cy="6858000"/>
   <p:notesSz cx="6858000" cy="9144000"/>
@@ -217,7 +219,7 @@
           <a:p>
             <a:fld id="{B4646E02-4AB7-8D40-B256-3920728DD310}" type="datetimeFigureOut">
               <a:rPr kumimoji="1" lang="ja-JP" altLang="en-US" smtClean="0"/>
-              <a:t>2017/10/19</a:t>
+              <a:t>2017/10/23</a:t>
             </a:fld>
             <a:endParaRPr kumimoji="1" lang="ja-JP" altLang="en-US"/>
           </a:p>
@@ -857,7 +859,7 @@
           <a:p>
             <a:fld id="{F78381A3-C678-7B48-BA42-399B1155E4C3}" type="slidenum">
               <a:rPr kumimoji="1" lang="ja-JP" altLang="en-US" smtClean="0"/>
-              <a:t>19</a:t>
+              <a:t>21</a:t>
             </a:fld>
             <a:endParaRPr kumimoji="1" lang="ja-JP" altLang="en-US"/>
           </a:p>
@@ -1014,11 +1016,7 @@
           <a:p>
             <a:r>
               <a:rPr kumimoji="1" lang="ja-JP" altLang="en-US" dirty="0" smtClean="0"/>
-              <a:t>数値実験に</a:t>
-            </a:r>
-            <a:r>
-              <a:rPr kumimoji="1" lang="ja-JP" altLang="en-US" dirty="0" smtClean="0"/>
-              <a:t>よって</a:t>
+              <a:t>数値実験によって</a:t>
             </a:r>
             <a:endParaRPr kumimoji="1" lang="en-US" altLang="ja-JP" dirty="0" smtClean="0"/>
           </a:p>
@@ -1120,11 +1118,7 @@
             </a:r>
             <a:r>
               <a:rPr kumimoji="1" lang="ja-JP" altLang="en-US" dirty="0" smtClean="0"/>
-              <a:t>が</a:t>
-            </a:r>
-            <a:r>
-              <a:rPr kumimoji="1" lang="ja-JP" altLang="en-US" dirty="0" smtClean="0"/>
-              <a:t>セントロイド</a:t>
+              <a:t>がセントロイド</a:t>
             </a:r>
             <a:endParaRPr kumimoji="1" lang="en-US" altLang="ja-JP" dirty="0" smtClean="0"/>
           </a:p>
@@ -1820,7 +1814,7 @@
           <a:p>
             <a:fld id="{C764DE79-268F-4C1A-8933-263129D2AF90}" type="datetimeFigureOut">
               <a:rPr lang="en-US" dirty="0"/>
-              <a:t>10/19/17</a:t>
+              <a:t>10/23/17</a:t>
             </a:fld>
             <a:endParaRPr lang="en-US" dirty="0"/>
           </a:p>
@@ -2178,7 +2172,7 @@
           <a:p>
             <a:fld id="{FEADE02B-27BC-6D48-8820-5A877B98ECB7}" type="datetimeFigureOut">
               <a:rPr kumimoji="1" lang="ja-JP" altLang="en-US" smtClean="0"/>
-              <a:t>2017/10/19</a:t>
+              <a:t>2017/10/23</a:t>
             </a:fld>
             <a:endParaRPr kumimoji="1" lang="ja-JP" altLang="en-US"/>
           </a:p>
@@ -2298,7 +2292,7 @@
           <a:p>
             <a:fld id="{C764DE79-268F-4C1A-8933-263129D2AF90}" type="datetimeFigureOut">
               <a:rPr lang="en-US" dirty="0"/>
-              <a:t>10/19/17</a:t>
+              <a:t>10/23/17</a:t>
             </a:fld>
             <a:endParaRPr lang="en-US" dirty="0"/>
           </a:p>
@@ -2593,7 +2587,7 @@
           <a:p>
             <a:fld id="{FEADE02B-27BC-6D48-8820-5A877B98ECB7}" type="datetimeFigureOut">
               <a:rPr kumimoji="1" lang="ja-JP" altLang="en-US" smtClean="0"/>
-              <a:t>2017/10/19</a:t>
+              <a:t>2017/10/23</a:t>
             </a:fld>
             <a:endParaRPr kumimoji="1" lang="ja-JP" altLang="en-US"/>
           </a:p>
@@ -5667,6 +5661,40 @@
               <a:rPr kumimoji="1" lang="ja-JP" altLang="en-US" dirty="0" smtClean="0"/>
               <a:t>最尤法</a:t>
             </a:r>
+            <a:endParaRPr kumimoji="1" lang="en-US" altLang="ja-JP" dirty="0" smtClean="0"/>
+          </a:p>
+          <a:p>
+            <a:pPr>
+              <a:lnSpc>
+                <a:spcPct val="150000"/>
+              </a:lnSpc>
+              <a:spcBef>
+                <a:spcPts val="0"/>
+              </a:spcBef>
+            </a:pPr>
+            <a:r>
+              <a:rPr lang="en-US" altLang="ja-JP" dirty="0" smtClean="0"/>
+              <a:t>Gauss</a:t>
+            </a:r>
+            <a:r>
+              <a:rPr lang="ja-JP" altLang="en-US" dirty="0" smtClean="0"/>
+              <a:t>分布</a:t>
+            </a:r>
+            <a:endParaRPr lang="en-US" altLang="ja-JP" dirty="0" smtClean="0"/>
+          </a:p>
+          <a:p>
+            <a:pPr>
+              <a:lnSpc>
+                <a:spcPct val="150000"/>
+              </a:lnSpc>
+              <a:spcBef>
+                <a:spcPts val="0"/>
+              </a:spcBef>
+            </a:pPr>
+            <a:r>
+              <a:rPr kumimoji="1" lang="ja-JP" altLang="en-US" smtClean="0"/>
+              <a:t>他の情報量規準</a:t>
+            </a:r>
             <a:endParaRPr kumimoji="1" lang="ja-JP" altLang="en-US" dirty="0"/>
           </a:p>
         </p:txBody>
@@ -5848,6 +5876,1093 @@
 </file>
 
 <file path=ppt/slides/slide19.xml><?xml version="1.0" encoding="utf-8"?>
+<p:sld xmlns:a="http://schemas.openxmlformats.org/drawingml/2006/main" xmlns:r="http://schemas.openxmlformats.org/officeDocument/2006/relationships" xmlns:p="http://schemas.openxmlformats.org/presentationml/2006/main">
+  <p:cSld>
+    <p:spTree>
+      <p:nvGrpSpPr>
+        <p:cNvPr id="1" name=""/>
+        <p:cNvGrpSpPr/>
+        <p:nvPr/>
+      </p:nvGrpSpPr>
+      <p:grpSpPr>
+        <a:xfrm>
+          <a:off x="0" y="0"/>
+          <a:ext cx="0" cy="0"/>
+          <a:chOff x="0" y="0"/>
+          <a:chExt cx="0" cy="0"/>
+        </a:xfrm>
+      </p:grpSpPr>
+      <p:sp>
+        <p:nvSpPr>
+          <p:cNvPr id="2" name="タイトル 1"/>
+          <p:cNvSpPr>
+            <a:spLocks noGrp="1"/>
+          </p:cNvSpPr>
+          <p:nvPr>
+            <p:ph type="title"/>
+          </p:nvPr>
+        </p:nvSpPr>
+        <p:spPr/>
+        <p:txBody>
+          <a:bodyPr/>
+          <a:lstStyle/>
+          <a:p>
+            <a:r>
+              <a:rPr kumimoji="1" lang="ja-JP" altLang="en-US" dirty="0" smtClean="0"/>
+              <a:t>尤度</a:t>
+            </a:r>
+            <a:endParaRPr kumimoji="1" lang="ja-JP" altLang="en-US" dirty="0"/>
+          </a:p>
+        </p:txBody>
+      </p:sp>
+      <p:sp>
+        <p:nvSpPr>
+          <p:cNvPr id="3" name="コンテンツ プレースホルダー 2"/>
+          <p:cNvSpPr>
+            <a:spLocks noGrp="1"/>
+          </p:cNvSpPr>
+          <p:nvPr>
+            <p:ph idx="1"/>
+          </p:nvPr>
+        </p:nvSpPr>
+        <p:spPr>
+          <a:xfrm>
+            <a:off x="838200" y="1109965"/>
+            <a:ext cx="10515600" cy="5122883"/>
+          </a:xfrm>
+        </p:spPr>
+        <p:txBody>
+          <a:bodyPr/>
+          <a:lstStyle/>
+          <a:p>
+            <a:pPr marL="0" marR="0" lvl="0" indent="0" defTabSz="914400" eaLnBrk="1" fontAlgn="auto" latinLnBrk="0" hangingPunct="1">
+              <a:spcBef>
+                <a:spcPts val="0"/>
+              </a:spcBef>
+              <a:spcAft>
+                <a:spcPts val="0"/>
+              </a:spcAft>
+              <a:buClrTx/>
+              <a:buSzTx/>
+              <a:buFontTx/>
+              <a:buNone/>
+              <a:tabLst/>
+              <a:defRPr/>
+            </a:pPr>
+            <a:r>
+              <a:rPr kumimoji="1" lang="ja-JP" altLang="en-US" dirty="0" smtClean="0"/>
+              <a:t>モデルの尤もらしさを表す尺度</a:t>
+            </a:r>
+            <a:endParaRPr kumimoji="1" lang="en-US" altLang="ja-JP" dirty="0" smtClean="0"/>
+          </a:p>
+          <a:p>
+            <a:pPr marL="0" marR="0" lvl="0" indent="0" defTabSz="914400" eaLnBrk="1" fontAlgn="auto" latinLnBrk="0" hangingPunct="1">
+              <a:lnSpc>
+                <a:spcPct val="150000"/>
+              </a:lnSpc>
+              <a:spcBef>
+                <a:spcPts val="0"/>
+              </a:spcBef>
+              <a:spcAft>
+                <a:spcPts val="0"/>
+              </a:spcAft>
+              <a:buClrTx/>
+              <a:buSzTx/>
+              <a:buFontTx/>
+              <a:buNone/>
+              <a:tabLst/>
+              <a:defRPr/>
+            </a:pPr>
+            <a:r>
+              <a:rPr lang="ja-JP" altLang="en-US" dirty="0" smtClean="0"/>
+              <a:t>確率変数 </a:t>
+            </a:r>
+            <a:r>
+              <a:rPr lang="en-US" altLang="ja-JP" dirty="0" smtClean="0">
+                <a:latin typeface="Times New Roman" charset="0"/>
+                <a:ea typeface="Times New Roman" charset="0"/>
+                <a:cs typeface="Times New Roman" charset="0"/>
+              </a:rPr>
+              <a:t>(</a:t>
+            </a:r>
+            <a:r>
+              <a:rPr lang="en-US" altLang="ja-JP" i="1" dirty="0" smtClean="0">
+                <a:latin typeface="Times New Roman" charset="0"/>
+                <a:ea typeface="Times New Roman" charset="0"/>
+                <a:cs typeface="Times New Roman" charset="0"/>
+              </a:rPr>
+              <a:t>X</a:t>
+            </a:r>
+            <a:r>
+              <a:rPr lang="en-US" altLang="ja-JP" baseline="-25000" dirty="0" smtClean="0">
+                <a:latin typeface="Times New Roman" charset="0"/>
+                <a:ea typeface="Times New Roman" charset="0"/>
+                <a:cs typeface="Times New Roman" charset="0"/>
+              </a:rPr>
+              <a:t>1</a:t>
+            </a:r>
+            <a:r>
+              <a:rPr lang="en-US" altLang="ja-JP" dirty="0" smtClean="0">
+                <a:latin typeface="Times New Roman" charset="0"/>
+                <a:ea typeface="Times New Roman" charset="0"/>
+                <a:cs typeface="Times New Roman" charset="0"/>
+              </a:rPr>
+              <a:t>, </a:t>
+            </a:r>
+            <a:r>
+              <a:rPr lang="en-US" altLang="ja-JP" i="1" dirty="0" smtClean="0">
+                <a:latin typeface="Times New Roman" charset="0"/>
+                <a:ea typeface="Times New Roman" charset="0"/>
+                <a:cs typeface="Times New Roman" charset="0"/>
+              </a:rPr>
+              <a:t>X</a:t>
+            </a:r>
+            <a:r>
+              <a:rPr lang="en-US" altLang="ja-JP" baseline="-25000" dirty="0" smtClean="0">
+                <a:latin typeface="Times New Roman" charset="0"/>
+                <a:ea typeface="Times New Roman" charset="0"/>
+                <a:cs typeface="Times New Roman" charset="0"/>
+              </a:rPr>
+              <a:t>2</a:t>
+            </a:r>
+            <a:r>
+              <a:rPr lang="en-US" altLang="ja-JP" dirty="0" smtClean="0">
+                <a:latin typeface="Times New Roman" charset="0"/>
+                <a:ea typeface="Times New Roman" charset="0"/>
+                <a:cs typeface="Times New Roman" charset="0"/>
+              </a:rPr>
+              <a:t>, …, </a:t>
+            </a:r>
+            <a:r>
+              <a:rPr lang="en-US" altLang="ja-JP" i="1" dirty="0" err="1" smtClean="0">
+                <a:latin typeface="Times New Roman" charset="0"/>
+                <a:ea typeface="Times New Roman" charset="0"/>
+                <a:cs typeface="Times New Roman" charset="0"/>
+              </a:rPr>
+              <a:t>X</a:t>
+            </a:r>
+            <a:r>
+              <a:rPr lang="en-US" altLang="ja-JP" i="1" baseline="-25000" dirty="0" err="1" smtClean="0">
+                <a:latin typeface="Times New Roman" charset="0"/>
+                <a:ea typeface="Times New Roman" charset="0"/>
+                <a:cs typeface="Times New Roman" charset="0"/>
+              </a:rPr>
+              <a:t>n</a:t>
+            </a:r>
+            <a:r>
+              <a:rPr lang="en-US" altLang="ja-JP" dirty="0" smtClean="0">
+                <a:latin typeface="Times New Roman" charset="0"/>
+                <a:ea typeface="Times New Roman" charset="0"/>
+                <a:cs typeface="Times New Roman" charset="0"/>
+              </a:rPr>
+              <a:t>)</a:t>
+            </a:r>
+            <a:r>
+              <a:rPr lang="ja-JP" altLang="en-US" dirty="0" smtClean="0">
+                <a:latin typeface="Times New Roman" charset="0"/>
+                <a:ea typeface="Times New Roman" charset="0"/>
+                <a:cs typeface="Times New Roman" charset="0"/>
+              </a:rPr>
+              <a:t>  </a:t>
+            </a:r>
+            <a:r>
+              <a:rPr lang="ja-JP" altLang="en-US" dirty="0" smtClean="0"/>
+              <a:t>（互いに独立）の</a:t>
+            </a:r>
+            <a:r>
+              <a:rPr lang="en-US" altLang="ja-JP" dirty="0" smtClean="0"/>
+              <a:t/>
+            </a:r>
+            <a:br>
+              <a:rPr lang="en-US" altLang="ja-JP" dirty="0" smtClean="0"/>
+            </a:br>
+            <a:r>
+              <a:rPr lang="ja-JP" altLang="en-US" dirty="0" smtClean="0"/>
+              <a:t>同時確率密度関数が</a:t>
+            </a:r>
+            <a:r>
+              <a:rPr lang="en-US" altLang="ja-JP" dirty="0" smtClean="0"/>
+              <a:t> </a:t>
+            </a:r>
+            <a:r>
+              <a:rPr lang="en-US" altLang="ja-JP" i="1" dirty="0" smtClean="0">
+                <a:latin typeface="Times New Roman" charset="0"/>
+                <a:ea typeface="Times New Roman" charset="0"/>
+                <a:cs typeface="Times New Roman" charset="0"/>
+              </a:rPr>
+              <a:t>f </a:t>
+            </a:r>
+            <a:r>
+              <a:rPr lang="en-US" altLang="ja-JP" dirty="0" smtClean="0">
+                <a:latin typeface="Times New Roman" charset="0"/>
+                <a:ea typeface="Times New Roman" charset="0"/>
+                <a:cs typeface="Times New Roman" charset="0"/>
+              </a:rPr>
+              <a:t>(</a:t>
+            </a:r>
+            <a:r>
+              <a:rPr lang="en-US" altLang="ja-JP" i="1" dirty="0" smtClean="0">
+                <a:latin typeface="Times New Roman" charset="0"/>
+                <a:ea typeface="Times New Roman" charset="0"/>
+                <a:cs typeface="Times New Roman" charset="0"/>
+              </a:rPr>
+              <a:t>x</a:t>
+            </a:r>
+            <a:r>
+              <a:rPr lang="en-US" altLang="ja-JP" baseline="-25000" dirty="0" smtClean="0">
+                <a:latin typeface="Times New Roman" charset="0"/>
+                <a:ea typeface="Times New Roman" charset="0"/>
+                <a:cs typeface="Times New Roman" charset="0"/>
+              </a:rPr>
+              <a:t>1</a:t>
+            </a:r>
+            <a:r>
+              <a:rPr lang="en-US" altLang="ja-JP" dirty="0" smtClean="0">
+                <a:latin typeface="Times New Roman" charset="0"/>
+                <a:ea typeface="Times New Roman" charset="0"/>
+                <a:cs typeface="Times New Roman" charset="0"/>
+              </a:rPr>
+              <a:t>, </a:t>
+            </a:r>
+            <a:r>
+              <a:rPr lang="en-US" altLang="ja-JP" i="1" dirty="0" smtClean="0">
+                <a:latin typeface="Times New Roman" charset="0"/>
+                <a:ea typeface="Times New Roman" charset="0"/>
+                <a:cs typeface="Times New Roman" charset="0"/>
+              </a:rPr>
+              <a:t>x</a:t>
+            </a:r>
+            <a:r>
+              <a:rPr lang="en-US" altLang="ja-JP" baseline="-25000" dirty="0" smtClean="0">
+                <a:latin typeface="Times New Roman" charset="0"/>
+                <a:ea typeface="Times New Roman" charset="0"/>
+                <a:cs typeface="Times New Roman" charset="0"/>
+              </a:rPr>
+              <a:t>2</a:t>
+            </a:r>
+            <a:r>
+              <a:rPr lang="en-US" altLang="ja-JP" dirty="0" smtClean="0">
+                <a:latin typeface="Times New Roman" charset="0"/>
+                <a:ea typeface="Times New Roman" charset="0"/>
+                <a:cs typeface="Times New Roman" charset="0"/>
+              </a:rPr>
+              <a:t>, …, </a:t>
+            </a:r>
+            <a:r>
+              <a:rPr lang="en-US" altLang="ja-JP" i="1" dirty="0" err="1" smtClean="0">
+                <a:latin typeface="Times New Roman" charset="0"/>
+                <a:ea typeface="Times New Roman" charset="0"/>
+                <a:cs typeface="Times New Roman" charset="0"/>
+              </a:rPr>
+              <a:t>x</a:t>
+            </a:r>
+            <a:r>
+              <a:rPr lang="en-US" altLang="ja-JP" i="1" baseline="-25000" dirty="0" err="1" smtClean="0">
+                <a:latin typeface="Times New Roman" charset="0"/>
+                <a:ea typeface="Times New Roman" charset="0"/>
+                <a:cs typeface="Times New Roman" charset="0"/>
+              </a:rPr>
+              <a:t>n</a:t>
+            </a:r>
+            <a:r>
+              <a:rPr lang="en-US" altLang="ja-JP" dirty="0" smtClean="0">
+                <a:latin typeface="Times New Roman" charset="0"/>
+                <a:ea typeface="Times New Roman" charset="0"/>
+                <a:cs typeface="Times New Roman" charset="0"/>
+              </a:rPr>
+              <a:t> | </a:t>
+            </a:r>
+            <a:r>
+              <a:rPr lang="en-US" altLang="ja-JP" i="1" dirty="0" err="1" smtClean="0">
+                <a:latin typeface="Times New Roman" charset="0"/>
+                <a:ea typeface="Times New Roman" charset="0"/>
+                <a:cs typeface="Times New Roman" charset="0"/>
+              </a:rPr>
+              <a:t>θ</a:t>
+            </a:r>
+            <a:r>
+              <a:rPr lang="en-US" altLang="ja-JP" dirty="0" smtClean="0">
+                <a:latin typeface="Times New Roman" charset="0"/>
+                <a:ea typeface="Times New Roman" charset="0"/>
+                <a:cs typeface="Times New Roman" charset="0"/>
+              </a:rPr>
+              <a:t>) </a:t>
+            </a:r>
+            <a:r>
+              <a:rPr lang="ja-JP" altLang="en-US" dirty="0" smtClean="0"/>
+              <a:t>として，</a:t>
+            </a:r>
+            <a:r>
+              <a:rPr lang="en-US" altLang="ja-JP" dirty="0" smtClean="0"/>
+              <a:t/>
+            </a:r>
+            <a:br>
+              <a:rPr lang="en-US" altLang="ja-JP" dirty="0" smtClean="0"/>
+            </a:br>
+            <a:r>
+              <a:rPr lang="en-US" altLang="ja-JP" i="1" dirty="0" smtClean="0">
+                <a:latin typeface="Times New Roman" charset="0"/>
+                <a:ea typeface="Times New Roman" charset="0"/>
+                <a:cs typeface="Times New Roman" charset="0"/>
+              </a:rPr>
+              <a:t>f  </a:t>
+            </a:r>
+            <a:r>
+              <a:rPr lang="ja-JP" altLang="en-US" dirty="0" smtClean="0"/>
+              <a:t>をパラメータ</a:t>
+            </a:r>
+            <a:r>
+              <a:rPr lang="en-US" altLang="ja-JP" dirty="0" smtClean="0"/>
+              <a:t> </a:t>
+            </a:r>
+            <a:r>
+              <a:rPr lang="en-US" altLang="ja-JP" i="1" dirty="0" err="1" smtClean="0">
+                <a:latin typeface="Times New Roman" charset="0"/>
+                <a:ea typeface="Times New Roman" charset="0"/>
+                <a:cs typeface="Times New Roman" charset="0"/>
+              </a:rPr>
+              <a:t>θ</a:t>
+            </a:r>
+            <a:r>
+              <a:rPr lang="en-US" altLang="ja-JP" i="1" dirty="0" smtClean="0">
+                <a:latin typeface="Times New Roman" charset="0"/>
+                <a:ea typeface="Times New Roman" charset="0"/>
+                <a:cs typeface="Times New Roman" charset="0"/>
+              </a:rPr>
+              <a:t> </a:t>
+            </a:r>
+            <a:r>
+              <a:rPr lang="ja-JP" altLang="en-US" dirty="0" smtClean="0"/>
+              <a:t>の関数と考えたときの関数</a:t>
+            </a:r>
+            <a:endParaRPr kumimoji="1" lang="ja-JP" altLang="en-US" dirty="0"/>
+          </a:p>
+        </p:txBody>
+      </p:sp>
+      <p:pic>
+        <p:nvPicPr>
+          <p:cNvPr id="5" name="図 4"/>
+          <p:cNvPicPr>
+            <a:picLocks noChangeAspect="1"/>
+          </p:cNvPicPr>
+          <p:nvPr/>
+        </p:nvPicPr>
+        <p:blipFill>
+          <a:blip r:embed="rId2"/>
+          <a:stretch>
+            <a:fillRect/>
+          </a:stretch>
+        </p:blipFill>
+        <p:spPr>
+          <a:xfrm>
+            <a:off x="3397250" y="4678716"/>
+            <a:ext cx="5397500" cy="1993900"/>
+          </a:xfrm>
+          <a:prstGeom prst="rect">
+            <a:avLst/>
+          </a:prstGeom>
+        </p:spPr>
+      </p:pic>
+    </p:spTree>
+    <p:extLst>
+      <p:ext uri="{BB962C8B-B14F-4D97-AF65-F5344CB8AC3E}">
+        <p14:creationId xmlns:p14="http://schemas.microsoft.com/office/powerpoint/2010/main" val="585852389"/>
+      </p:ext>
+    </p:extLst>
+  </p:cSld>
+  <p:clrMapOvr>
+    <a:masterClrMapping/>
+  </p:clrMapOvr>
+  <p:timing>
+    <p:tnLst>
+      <p:par>
+        <p:cTn id="1" dur="indefinite" restart="never" nodeType="tmRoot"/>
+      </p:par>
+    </p:tnLst>
+  </p:timing>
+</p:sld>
+</file>
+
+<file path=ppt/slides/slide2.xml><?xml version="1.0" encoding="utf-8"?>
+<p:sld xmlns:a="http://schemas.openxmlformats.org/drawingml/2006/main" xmlns:r="http://schemas.openxmlformats.org/officeDocument/2006/relationships" xmlns:p="http://schemas.openxmlformats.org/presentationml/2006/main">
+  <p:cSld>
+    <p:spTree>
+      <p:nvGrpSpPr>
+        <p:cNvPr id="1" name=""/>
+        <p:cNvGrpSpPr/>
+        <p:nvPr/>
+      </p:nvGrpSpPr>
+      <p:grpSpPr>
+        <a:xfrm>
+          <a:off x="0" y="0"/>
+          <a:ext cx="0" cy="0"/>
+          <a:chOff x="0" y="0"/>
+          <a:chExt cx="0" cy="0"/>
+        </a:xfrm>
+      </p:grpSpPr>
+      <p:sp>
+        <p:nvSpPr>
+          <p:cNvPr id="2" name="タイトル 1"/>
+          <p:cNvSpPr>
+            <a:spLocks noGrp="1"/>
+          </p:cNvSpPr>
+          <p:nvPr>
+            <p:ph type="title"/>
+          </p:nvPr>
+        </p:nvSpPr>
+        <p:spPr/>
+        <p:txBody>
+          <a:bodyPr>
+            <a:normAutofit/>
+          </a:bodyPr>
+          <a:lstStyle/>
+          <a:p>
+            <a:r>
+              <a:rPr kumimoji="1" lang="ja-JP" altLang="en-US" dirty="0" smtClean="0"/>
+              <a:t>背景</a:t>
+            </a:r>
+            <a:endParaRPr kumimoji="1" lang="ja-JP" altLang="en-US" dirty="0"/>
+          </a:p>
+        </p:txBody>
+      </p:sp>
+      <p:sp>
+        <p:nvSpPr>
+          <p:cNvPr id="3" name="コンテンツ プレースホルダー 2"/>
+          <p:cNvSpPr>
+            <a:spLocks noGrp="1"/>
+          </p:cNvSpPr>
+          <p:nvPr>
+            <p:ph idx="1"/>
+          </p:nvPr>
+        </p:nvSpPr>
+        <p:spPr>
+          <a:xfrm>
+            <a:off x="165538" y="998483"/>
+            <a:ext cx="11188262" cy="5859517"/>
+          </a:xfrm>
+        </p:spPr>
+        <p:txBody>
+          <a:bodyPr anchor="ctr">
+            <a:normAutofit/>
+          </a:bodyPr>
+          <a:lstStyle/>
+          <a:p>
+            <a:pPr marL="0" indent="0">
+              <a:spcBef>
+                <a:spcPts val="0"/>
+              </a:spcBef>
+              <a:buNone/>
+            </a:pPr>
+            <a:r>
+              <a:rPr kumimoji="1" lang="ja-JP" altLang="en-US" b="1" dirty="0" smtClean="0"/>
+              <a:t>クラスタリング</a:t>
+            </a:r>
+            <a:endParaRPr kumimoji="1" lang="en-US" altLang="ja-JP" b="1" dirty="0" smtClean="0"/>
+          </a:p>
+          <a:p>
+            <a:pPr>
+              <a:spcBef>
+                <a:spcPts val="0"/>
+              </a:spcBef>
+              <a:buFont typeface="Wingdings" charset="2"/>
+              <a:buChar char="u"/>
+            </a:pPr>
+            <a:r>
+              <a:rPr lang="ja-JP" altLang="en-US" dirty="0"/>
+              <a:t> </a:t>
+            </a:r>
+            <a:r>
+              <a:rPr lang="ja-JP" altLang="en-US" dirty="0" smtClean="0"/>
+              <a:t>データを任意の数のクラスタにわける手法</a:t>
+            </a:r>
+            <a:endParaRPr lang="en-US" altLang="ja-JP" dirty="0" smtClean="0"/>
+          </a:p>
+          <a:p>
+            <a:pPr>
+              <a:spcBef>
+                <a:spcPts val="0"/>
+              </a:spcBef>
+              <a:buFont typeface="Wingdings" charset="2"/>
+              <a:buChar char="u"/>
+            </a:pPr>
+            <a:r>
+              <a:rPr lang="ja-JP" altLang="en-US" dirty="0"/>
+              <a:t> </a:t>
+            </a:r>
+            <a:r>
+              <a:rPr lang="ja-JP" altLang="en-US" dirty="0" smtClean="0"/>
+              <a:t>データ解析・画像処理などで利用</a:t>
+            </a:r>
+            <a:endParaRPr lang="en-US" altLang="ja-JP" dirty="0" smtClean="0"/>
+          </a:p>
+          <a:p>
+            <a:pPr>
+              <a:spcBef>
+                <a:spcPts val="0"/>
+              </a:spcBef>
+              <a:buFont typeface="Wingdings" charset="2"/>
+              <a:buChar char="u"/>
+            </a:pPr>
+            <a:r>
+              <a:rPr lang="ja-JP" altLang="en-US" dirty="0"/>
+              <a:t> </a:t>
+            </a:r>
+            <a:r>
+              <a:rPr lang="en-US" altLang="ja-JP" b="1" i="1" dirty="0" smtClean="0">
+                <a:latin typeface="Times New Roman" charset="0"/>
+                <a:ea typeface="Times New Roman" charset="0"/>
+                <a:cs typeface="Times New Roman" charset="0"/>
+              </a:rPr>
+              <a:t>k</a:t>
+            </a:r>
+            <a:r>
+              <a:rPr lang="en-US" altLang="ja-JP" b="1" dirty="0" smtClean="0">
+                <a:latin typeface="Times New Roman" charset="0"/>
+                <a:ea typeface="Times New Roman" charset="0"/>
+                <a:cs typeface="Times New Roman" charset="0"/>
+              </a:rPr>
+              <a:t>-means</a:t>
+            </a:r>
+            <a:r>
+              <a:rPr lang="ja-JP" altLang="en-US" b="1" dirty="0" smtClean="0"/>
+              <a:t>ではクラスタ数を事前に指定してクラスタリング</a:t>
+            </a:r>
+            <a:r>
+              <a:rPr lang="en-US" altLang="ja-JP" b="1" dirty="0" smtClean="0"/>
+              <a:t/>
+            </a:r>
+            <a:br>
+              <a:rPr lang="en-US" altLang="ja-JP" b="1" dirty="0" smtClean="0"/>
+            </a:br>
+            <a:r>
+              <a:rPr kumimoji="1" lang="ja-JP" altLang="en-US" dirty="0" smtClean="0"/>
+              <a:t>⇒ クラスタ数が未知の場合「</a:t>
+            </a:r>
+            <a:r>
+              <a:rPr kumimoji="1" lang="ja-JP" altLang="en-US" b="1" dirty="0" smtClean="0"/>
+              <a:t>クラスタ数推定</a:t>
+            </a:r>
+            <a:r>
+              <a:rPr kumimoji="1" lang="ja-JP" altLang="en-US" dirty="0" smtClean="0"/>
+              <a:t>」が必要</a:t>
+            </a:r>
+            <a:endParaRPr kumimoji="1" lang="ja-JP" altLang="en-US" dirty="0"/>
+          </a:p>
+        </p:txBody>
+      </p:sp>
+      <p:pic>
+        <p:nvPicPr>
+          <p:cNvPr id="4" name="図 3"/>
+          <p:cNvPicPr>
+            <a:picLocks noChangeAspect="1"/>
+          </p:cNvPicPr>
+          <p:nvPr/>
+        </p:nvPicPr>
+        <p:blipFill>
+          <a:blip r:embed="rId2">
+            <a:extLst>
+              <a:ext uri="{28A0092B-C50C-407E-A947-70E740481C1C}">
+                <a14:useLocalDpi xmlns:a14="http://schemas.microsoft.com/office/drawing/2010/main" val="0"/>
+              </a:ext>
+            </a:extLst>
+          </a:blip>
+          <a:stretch>
+            <a:fillRect/>
+          </a:stretch>
+        </p:blipFill>
+        <p:spPr>
+          <a:xfrm>
+            <a:off x="8490308" y="1646323"/>
+            <a:ext cx="3701692" cy="2776269"/>
+          </a:xfrm>
+          <a:prstGeom prst="rect">
+            <a:avLst/>
+          </a:prstGeom>
+        </p:spPr>
+      </p:pic>
+    </p:spTree>
+    <p:extLst>
+      <p:ext uri="{BB962C8B-B14F-4D97-AF65-F5344CB8AC3E}">
+        <p14:creationId xmlns:p14="http://schemas.microsoft.com/office/powerpoint/2010/main" val="1377184672"/>
+      </p:ext>
+    </p:extLst>
+  </p:cSld>
+  <p:clrMapOvr>
+    <a:masterClrMapping/>
+  </p:clrMapOvr>
+  <p:timing>
+    <p:tnLst>
+      <p:par>
+        <p:cTn id="1" dur="indefinite" restart="never" nodeType="tmRoot"/>
+      </p:par>
+    </p:tnLst>
+  </p:timing>
+</p:sld>
+</file>
+
+<file path=ppt/slides/slide20.xml><?xml version="1.0" encoding="utf-8"?>
+<p:sld xmlns:a="http://schemas.openxmlformats.org/drawingml/2006/main" xmlns:r="http://schemas.openxmlformats.org/officeDocument/2006/relationships" xmlns:p="http://schemas.openxmlformats.org/presentationml/2006/main">
+  <p:cSld>
+    <p:spTree>
+      <p:nvGrpSpPr>
+        <p:cNvPr id="1" name=""/>
+        <p:cNvGrpSpPr/>
+        <p:nvPr/>
+      </p:nvGrpSpPr>
+      <p:grpSpPr>
+        <a:xfrm>
+          <a:off x="0" y="0"/>
+          <a:ext cx="0" cy="0"/>
+          <a:chOff x="0" y="0"/>
+          <a:chExt cx="0" cy="0"/>
+        </a:xfrm>
+      </p:grpSpPr>
+      <p:sp>
+        <p:nvSpPr>
+          <p:cNvPr id="2" name="タイトル 1"/>
+          <p:cNvSpPr>
+            <a:spLocks noGrp="1"/>
+          </p:cNvSpPr>
+          <p:nvPr>
+            <p:ph type="title"/>
+          </p:nvPr>
+        </p:nvSpPr>
+        <p:spPr/>
+        <p:txBody>
+          <a:bodyPr/>
+          <a:lstStyle/>
+          <a:p>
+            <a:r>
+              <a:rPr kumimoji="1" lang="ja-JP" altLang="en-US" dirty="0" smtClean="0"/>
+              <a:t>対数尤度関数</a:t>
+            </a:r>
+            <a:r>
+              <a:rPr lang="ja-JP" altLang="en-US" dirty="0" smtClean="0"/>
+              <a:t>・最尤法</a:t>
+            </a:r>
+            <a:endParaRPr kumimoji="1" lang="ja-JP" altLang="en-US" dirty="0"/>
+          </a:p>
+        </p:txBody>
+      </p:sp>
+      <p:sp>
+        <p:nvSpPr>
+          <p:cNvPr id="3" name="コンテンツ プレースホルダー 2"/>
+          <p:cNvSpPr>
+            <a:spLocks noGrp="1"/>
+          </p:cNvSpPr>
+          <p:nvPr>
+            <p:ph idx="1"/>
+          </p:nvPr>
+        </p:nvSpPr>
+        <p:spPr>
+          <a:xfrm>
+            <a:off x="838200" y="3311991"/>
+            <a:ext cx="10515600" cy="2958180"/>
+          </a:xfrm>
+        </p:spPr>
+        <p:txBody>
+          <a:bodyPr/>
+          <a:lstStyle/>
+          <a:p>
+            <a:pPr marL="0" marR="0" lvl="0" indent="0" defTabSz="914400" eaLnBrk="1" fontAlgn="auto" latinLnBrk="0" hangingPunct="1">
+              <a:spcBef>
+                <a:spcPts val="0"/>
+              </a:spcBef>
+              <a:spcAft>
+                <a:spcPts val="0"/>
+              </a:spcAft>
+              <a:buClrTx/>
+              <a:buSzTx/>
+              <a:buFontTx/>
+              <a:buNone/>
+              <a:tabLst/>
+              <a:defRPr/>
+            </a:pPr>
+            <a:r>
+              <a:rPr lang="en-US" altLang="ja-JP" i="1" dirty="0">
+                <a:latin typeface="Times New Roman" charset="0"/>
+                <a:ea typeface="Times New Roman" charset="0"/>
+                <a:cs typeface="Times New Roman" charset="0"/>
+              </a:rPr>
+              <a:t>l</a:t>
+            </a:r>
+            <a:r>
+              <a:rPr kumimoji="1" lang="en-US" altLang="ja-JP" dirty="0" smtClean="0">
+                <a:latin typeface="Times New Roman" charset="0"/>
+                <a:ea typeface="Times New Roman" charset="0"/>
+                <a:cs typeface="Times New Roman" charset="0"/>
+              </a:rPr>
+              <a:t>(</a:t>
+            </a:r>
+            <a:r>
+              <a:rPr kumimoji="1" lang="en-US" altLang="ja-JP" i="1" dirty="0" err="1" smtClean="0">
+                <a:latin typeface="Times New Roman" charset="0"/>
+                <a:ea typeface="Times New Roman" charset="0"/>
+                <a:cs typeface="Times New Roman" charset="0"/>
+              </a:rPr>
+              <a:t>θ</a:t>
+            </a:r>
+            <a:r>
+              <a:rPr lang="en-US" altLang="ja-JP" dirty="0" smtClean="0">
+                <a:latin typeface="Times New Roman" charset="0"/>
+                <a:ea typeface="Times New Roman" charset="0"/>
+                <a:cs typeface="Times New Roman" charset="0"/>
+              </a:rPr>
+              <a:t>)</a:t>
+            </a:r>
+            <a:r>
+              <a:rPr lang="en-US" altLang="ja-JP" dirty="0" smtClean="0"/>
+              <a:t> </a:t>
+            </a:r>
+            <a:r>
+              <a:rPr kumimoji="1" lang="ja-JP" altLang="en-US" dirty="0" smtClean="0"/>
+              <a:t>の大小を比較することで</a:t>
+            </a:r>
+            <a:r>
+              <a:rPr kumimoji="1" lang="en-US" altLang="ja-JP" dirty="0" smtClean="0"/>
+              <a:t>K-L</a:t>
+            </a:r>
+            <a:r>
+              <a:rPr kumimoji="1" lang="ja-JP" altLang="en-US" dirty="0" smtClean="0"/>
+              <a:t>情報量</a:t>
+            </a:r>
+            <a:r>
+              <a:rPr lang="ja-JP" altLang="en-US" dirty="0" smtClean="0"/>
+              <a:t>の大小を測る</a:t>
+            </a:r>
+            <a:endParaRPr lang="en-US" altLang="ja-JP" dirty="0" smtClean="0"/>
+          </a:p>
+          <a:p>
+            <a:pPr>
+              <a:spcBef>
+                <a:spcPts val="0"/>
+              </a:spcBef>
+              <a:buFont typeface="Wingdings" charset="2"/>
+              <a:buChar char="u"/>
+            </a:pPr>
+            <a:r>
+              <a:rPr lang="en-US" altLang="ja-JP" dirty="0"/>
+              <a:t> </a:t>
+            </a:r>
+            <a:r>
+              <a:rPr lang="ja-JP" altLang="en-US" dirty="0" smtClean="0"/>
+              <a:t>対数尤度が最大になるモデルを推定</a:t>
+            </a:r>
+            <a:r>
+              <a:rPr lang="ja-JP" altLang="en-US" dirty="0"/>
+              <a:t> </a:t>
+            </a:r>
+            <a:r>
+              <a:rPr lang="ja-JP" altLang="en-US" dirty="0" smtClean="0"/>
+              <a:t>⇒ 最大対数尤度</a:t>
+            </a:r>
+            <a:endParaRPr lang="en-US" altLang="ja-JP" dirty="0" smtClean="0"/>
+          </a:p>
+          <a:p>
+            <a:pPr>
+              <a:spcBef>
+                <a:spcPts val="0"/>
+              </a:spcBef>
+              <a:buFont typeface="Wingdings" charset="2"/>
+              <a:buChar char="u"/>
+            </a:pPr>
+            <a:r>
+              <a:rPr kumimoji="1" lang="ja-JP" altLang="en-US" dirty="0" smtClean="0"/>
+              <a:t> この方法を「最尤法」と呼ぶ</a:t>
+            </a:r>
+            <a:endParaRPr kumimoji="1" lang="ja-JP" altLang="en-US" dirty="0"/>
+          </a:p>
+        </p:txBody>
+      </p:sp>
+      <p:sp>
+        <p:nvSpPr>
+          <p:cNvPr id="5" name="コンテンツ プレースホルダー 2"/>
+          <p:cNvSpPr txBox="1">
+            <a:spLocks/>
+          </p:cNvSpPr>
+          <p:nvPr/>
+        </p:nvSpPr>
+        <p:spPr>
+          <a:xfrm>
+            <a:off x="990600" y="1657051"/>
+            <a:ext cx="10515600" cy="681511"/>
+          </a:xfrm>
+          <a:prstGeom prst="rect">
+            <a:avLst/>
+          </a:prstGeom>
+        </p:spPr>
+        <p:txBody>
+          <a:bodyPr vert="horz" lIns="91440" tIns="45720" rIns="91440" bIns="45720" rtlCol="0">
+            <a:noAutofit/>
+          </a:bodyPr>
+          <a:lstStyle>
+            <a:lvl1pPr marL="228600" indent="-228600" algn="l" defTabSz="914400" rtl="0" eaLnBrk="1" latinLnBrk="0" hangingPunct="1">
+              <a:lnSpc>
+                <a:spcPct val="200000"/>
+              </a:lnSpc>
+              <a:spcBef>
+                <a:spcPts val="1000"/>
+              </a:spcBef>
+              <a:buFont typeface="Arial" panose="020B0604020202020204" pitchFamily="34" charset="0"/>
+              <a:buChar char="•"/>
+              <a:defRPr kumimoji="1" sz="3200" kern="1200">
+                <a:solidFill>
+                  <a:schemeClr val="tx1"/>
+                </a:solidFill>
+                <a:latin typeface="Meiryo" charset="-128"/>
+                <a:ea typeface="Meiryo" charset="-128"/>
+                <a:cs typeface="Meiryo" charset="-128"/>
+              </a:defRPr>
+            </a:lvl1pPr>
+            <a:lvl2pPr marL="685800" indent="-228600" algn="l" defTabSz="914400" rtl="0" eaLnBrk="1" latinLnBrk="0" hangingPunct="1">
+              <a:lnSpc>
+                <a:spcPct val="200000"/>
+              </a:lnSpc>
+              <a:spcBef>
+                <a:spcPts val="500"/>
+              </a:spcBef>
+              <a:buFont typeface="Arial" panose="020B0604020202020204" pitchFamily="34" charset="0"/>
+              <a:buChar char="•"/>
+              <a:defRPr kumimoji="1" sz="2800" kern="1200">
+                <a:solidFill>
+                  <a:schemeClr val="tx1"/>
+                </a:solidFill>
+                <a:latin typeface="Meiryo" charset="-128"/>
+                <a:ea typeface="Meiryo" charset="-128"/>
+                <a:cs typeface="Meiryo" charset="-128"/>
+              </a:defRPr>
+            </a:lvl2pPr>
+            <a:lvl3pPr marL="1143000" indent="-228600" algn="l" defTabSz="914400" rtl="0" eaLnBrk="1" latinLnBrk="0" hangingPunct="1">
+              <a:lnSpc>
+                <a:spcPct val="200000"/>
+              </a:lnSpc>
+              <a:spcBef>
+                <a:spcPts val="500"/>
+              </a:spcBef>
+              <a:buFont typeface="Arial" panose="020B0604020202020204" pitchFamily="34" charset="0"/>
+              <a:buChar char="•"/>
+              <a:defRPr kumimoji="1" sz="2400" kern="1200">
+                <a:solidFill>
+                  <a:schemeClr val="tx1"/>
+                </a:solidFill>
+                <a:latin typeface="Meiryo" charset="-128"/>
+                <a:ea typeface="Meiryo" charset="-128"/>
+                <a:cs typeface="Meiryo" charset="-128"/>
+              </a:defRPr>
+            </a:lvl3pPr>
+            <a:lvl4pPr marL="1600200" indent="-228600" algn="l" defTabSz="914400" rtl="0" eaLnBrk="1" latinLnBrk="0" hangingPunct="1">
+              <a:lnSpc>
+                <a:spcPct val="200000"/>
+              </a:lnSpc>
+              <a:spcBef>
+                <a:spcPts val="500"/>
+              </a:spcBef>
+              <a:buFont typeface="Arial" panose="020B0604020202020204" pitchFamily="34" charset="0"/>
+              <a:buChar char="•"/>
+              <a:defRPr kumimoji="1" sz="2000" kern="1200">
+                <a:solidFill>
+                  <a:schemeClr val="tx1"/>
+                </a:solidFill>
+                <a:latin typeface="Meiryo" charset="-128"/>
+                <a:ea typeface="Meiryo" charset="-128"/>
+                <a:cs typeface="Meiryo" charset="-128"/>
+              </a:defRPr>
+            </a:lvl4pPr>
+            <a:lvl5pPr marL="2057400" indent="-228600" algn="l" defTabSz="914400" rtl="0" eaLnBrk="1" latinLnBrk="0" hangingPunct="1">
+              <a:lnSpc>
+                <a:spcPct val="200000"/>
+              </a:lnSpc>
+              <a:spcBef>
+                <a:spcPts val="500"/>
+              </a:spcBef>
+              <a:buFont typeface="Arial" panose="020B0604020202020204" pitchFamily="34" charset="0"/>
+              <a:buChar char="•"/>
+              <a:defRPr kumimoji="1" sz="2000" kern="1200">
+                <a:solidFill>
+                  <a:schemeClr val="tx1"/>
+                </a:solidFill>
+                <a:latin typeface="Meiryo" charset="-128"/>
+                <a:ea typeface="Meiryo" charset="-128"/>
+                <a:cs typeface="Meiryo" charset="-128"/>
+              </a:defRPr>
+            </a:lvl5pPr>
+            <a:lvl6pPr marL="2514600" indent="-228600" algn="l" defTabSz="914400" rtl="0" eaLnBrk="1" latinLnBrk="0" hangingPunct="1">
+              <a:lnSpc>
+                <a:spcPct val="90000"/>
+              </a:lnSpc>
+              <a:spcBef>
+                <a:spcPts val="500"/>
+              </a:spcBef>
+              <a:buFont typeface="Arial" panose="020B0604020202020204" pitchFamily="34" charset="0"/>
+              <a:buChar char="•"/>
+              <a:defRPr kumimoji="1" sz="1800" kern="1200">
+                <a:solidFill>
+                  <a:schemeClr val="tx1"/>
+                </a:solidFill>
+                <a:latin typeface="+mn-lt"/>
+                <a:ea typeface="+mn-ea"/>
+                <a:cs typeface="+mn-cs"/>
+              </a:defRPr>
+            </a:lvl6pPr>
+            <a:lvl7pPr marL="2971800" indent="-228600" algn="l" defTabSz="914400" rtl="0" eaLnBrk="1" latinLnBrk="0" hangingPunct="1">
+              <a:lnSpc>
+                <a:spcPct val="90000"/>
+              </a:lnSpc>
+              <a:spcBef>
+                <a:spcPts val="500"/>
+              </a:spcBef>
+              <a:buFont typeface="Arial" panose="020B0604020202020204" pitchFamily="34" charset="0"/>
+              <a:buChar char="•"/>
+              <a:defRPr kumimoji="1" sz="1800" kern="1200">
+                <a:solidFill>
+                  <a:schemeClr val="tx1"/>
+                </a:solidFill>
+                <a:latin typeface="+mn-lt"/>
+                <a:ea typeface="+mn-ea"/>
+                <a:cs typeface="+mn-cs"/>
+              </a:defRPr>
+            </a:lvl7pPr>
+            <a:lvl8pPr marL="3429000" indent="-228600" algn="l" defTabSz="914400" rtl="0" eaLnBrk="1" latinLnBrk="0" hangingPunct="1">
+              <a:lnSpc>
+                <a:spcPct val="90000"/>
+              </a:lnSpc>
+              <a:spcBef>
+                <a:spcPts val="500"/>
+              </a:spcBef>
+              <a:buFont typeface="Arial" panose="020B0604020202020204" pitchFamily="34" charset="0"/>
+              <a:buChar char="•"/>
+              <a:defRPr kumimoji="1" sz="1800" kern="1200">
+                <a:solidFill>
+                  <a:schemeClr val="tx1"/>
+                </a:solidFill>
+                <a:latin typeface="+mn-lt"/>
+                <a:ea typeface="+mn-ea"/>
+                <a:cs typeface="+mn-cs"/>
+              </a:defRPr>
+            </a:lvl8pPr>
+            <a:lvl9pPr marL="3886200" indent="-228600" algn="l" defTabSz="914400" rtl="0" eaLnBrk="1" latinLnBrk="0" hangingPunct="1">
+              <a:lnSpc>
+                <a:spcPct val="90000"/>
+              </a:lnSpc>
+              <a:spcBef>
+                <a:spcPts val="500"/>
+              </a:spcBef>
+              <a:buFont typeface="Arial" panose="020B0604020202020204" pitchFamily="34" charset="0"/>
+              <a:buChar char="•"/>
+              <a:defRPr kumimoji="1" sz="1800" kern="1200">
+                <a:solidFill>
+                  <a:schemeClr val="tx1"/>
+                </a:solidFill>
+                <a:latin typeface="+mn-lt"/>
+                <a:ea typeface="+mn-ea"/>
+                <a:cs typeface="+mn-cs"/>
+              </a:defRPr>
+            </a:lvl9pPr>
+          </a:lstStyle>
+          <a:p>
+            <a:pPr marL="0" indent="0">
+              <a:lnSpc>
+                <a:spcPct val="100000"/>
+              </a:lnSpc>
+              <a:spcBef>
+                <a:spcPts val="0"/>
+              </a:spcBef>
+              <a:buFontTx/>
+              <a:buNone/>
+            </a:pPr>
+            <a:r>
+              <a:rPr lang="ja-JP" altLang="en-US" smtClean="0"/>
+              <a:t>扱いやすくするため，前出の</a:t>
+            </a:r>
+            <a:r>
+              <a:rPr lang="en-US" altLang="ja-JP" smtClean="0"/>
+              <a:t> </a:t>
+            </a:r>
+            <a:r>
+              <a:rPr lang="en-US" altLang="ja-JP" i="1" smtClean="0">
+                <a:latin typeface="Times New Roman" charset="0"/>
+                <a:ea typeface="Times New Roman" charset="0"/>
+                <a:cs typeface="Times New Roman" charset="0"/>
+              </a:rPr>
+              <a:t>L</a:t>
+            </a:r>
+            <a:r>
+              <a:rPr lang="en-US" altLang="ja-JP" smtClean="0">
+                <a:latin typeface="Times New Roman" charset="0"/>
+                <a:ea typeface="Times New Roman" charset="0"/>
+                <a:cs typeface="Times New Roman" charset="0"/>
+              </a:rPr>
+              <a:t>(</a:t>
+            </a:r>
+            <a:r>
+              <a:rPr lang="en-US" altLang="ja-JP" i="1" smtClean="0">
+                <a:latin typeface="Times New Roman" charset="0"/>
+                <a:ea typeface="Times New Roman" charset="0"/>
+                <a:cs typeface="Times New Roman" charset="0"/>
+              </a:rPr>
+              <a:t>θ</a:t>
+            </a:r>
+            <a:r>
+              <a:rPr lang="en-US" altLang="ja-JP" smtClean="0">
+                <a:latin typeface="Times New Roman" charset="0"/>
+                <a:ea typeface="Times New Roman" charset="0"/>
+                <a:cs typeface="Times New Roman" charset="0"/>
+              </a:rPr>
+              <a:t>)</a:t>
+            </a:r>
+            <a:r>
+              <a:rPr lang="ja-JP" altLang="en-US" smtClean="0"/>
+              <a:t> の両辺の対数をとる</a:t>
+            </a:r>
+            <a:endParaRPr lang="ja-JP" altLang="en-US" dirty="0"/>
+          </a:p>
+        </p:txBody>
+      </p:sp>
+      <p:pic>
+        <p:nvPicPr>
+          <p:cNvPr id="6" name="図 5"/>
+          <p:cNvPicPr>
+            <a:picLocks noChangeAspect="1"/>
+          </p:cNvPicPr>
+          <p:nvPr/>
+        </p:nvPicPr>
+        <p:blipFill>
+          <a:blip r:embed="rId2"/>
+          <a:stretch>
+            <a:fillRect/>
+          </a:stretch>
+        </p:blipFill>
+        <p:spPr>
+          <a:xfrm>
+            <a:off x="3930650" y="2274554"/>
+            <a:ext cx="4330700" cy="1257300"/>
+          </a:xfrm>
+          <a:prstGeom prst="rect">
+            <a:avLst/>
+          </a:prstGeom>
+        </p:spPr>
+      </p:pic>
+    </p:spTree>
+    <p:extLst>
+      <p:ext uri="{BB962C8B-B14F-4D97-AF65-F5344CB8AC3E}">
+        <p14:creationId xmlns:p14="http://schemas.microsoft.com/office/powerpoint/2010/main" val="488336414"/>
+      </p:ext>
+    </p:extLst>
+  </p:cSld>
+  <p:clrMapOvr>
+    <a:masterClrMapping/>
+  </p:clrMapOvr>
+  <p:timing>
+    <p:tnLst>
+      <p:par>
+        <p:cTn id="1" dur="indefinite" restart="never" nodeType="tmRoot"/>
+      </p:par>
+    </p:tnLst>
+  </p:timing>
+</p:sld>
+</file>
+
+<file path=ppt/slides/slide21.xml><?xml version="1.0" encoding="utf-8"?>
 <p:sld xmlns:a="http://schemas.openxmlformats.org/drawingml/2006/main" xmlns:r="http://schemas.openxmlformats.org/officeDocument/2006/relationships" xmlns:p="http://schemas.openxmlformats.org/presentationml/2006/main">
   <p:cSld>
     <p:spTree>
@@ -6686,224 +7801,7 @@
 </p:sld>
 </file>
 
-<file path=ppt/slides/slide2.xml><?xml version="1.0" encoding="utf-8"?>
-<p:sld xmlns:a="http://schemas.openxmlformats.org/drawingml/2006/main" xmlns:r="http://schemas.openxmlformats.org/officeDocument/2006/relationships" xmlns:p="http://schemas.openxmlformats.org/presentationml/2006/main">
-  <p:cSld>
-    <p:spTree>
-      <p:nvGrpSpPr>
-        <p:cNvPr id="1" name=""/>
-        <p:cNvGrpSpPr/>
-        <p:nvPr/>
-      </p:nvGrpSpPr>
-      <p:grpSpPr>
-        <a:xfrm>
-          <a:off x="0" y="0"/>
-          <a:ext cx="0" cy="0"/>
-          <a:chOff x="0" y="0"/>
-          <a:chExt cx="0" cy="0"/>
-        </a:xfrm>
-      </p:grpSpPr>
-      <p:sp>
-        <p:nvSpPr>
-          <p:cNvPr id="2" name="タイトル 1"/>
-          <p:cNvSpPr>
-            <a:spLocks noGrp="1"/>
-          </p:cNvSpPr>
-          <p:nvPr>
-            <p:ph type="title"/>
-          </p:nvPr>
-        </p:nvSpPr>
-        <p:spPr/>
-        <p:txBody>
-          <a:bodyPr>
-            <a:normAutofit/>
-          </a:bodyPr>
-          <a:lstStyle/>
-          <a:p>
-            <a:r>
-              <a:rPr kumimoji="1" lang="ja-JP" altLang="en-US" dirty="0" smtClean="0"/>
-              <a:t>背景</a:t>
-            </a:r>
-            <a:endParaRPr kumimoji="1" lang="ja-JP" altLang="en-US" dirty="0"/>
-          </a:p>
-        </p:txBody>
-      </p:sp>
-      <p:sp>
-        <p:nvSpPr>
-          <p:cNvPr id="3" name="コンテンツ プレースホルダー 2"/>
-          <p:cNvSpPr>
-            <a:spLocks noGrp="1"/>
-          </p:cNvSpPr>
-          <p:nvPr>
-            <p:ph idx="1"/>
-          </p:nvPr>
-        </p:nvSpPr>
-        <p:spPr>
-          <a:xfrm>
-            <a:off x="165538" y="998483"/>
-            <a:ext cx="11188262" cy="5859517"/>
-          </a:xfrm>
-        </p:spPr>
-        <p:txBody>
-          <a:bodyPr anchor="ctr">
-            <a:normAutofit/>
-          </a:bodyPr>
-          <a:lstStyle/>
-          <a:p>
-            <a:pPr marL="0" indent="0">
-              <a:spcBef>
-                <a:spcPts val="0"/>
-              </a:spcBef>
-              <a:buNone/>
-            </a:pPr>
-            <a:r>
-              <a:rPr kumimoji="1" lang="ja-JP" altLang="en-US" b="1" dirty="0" smtClean="0"/>
-              <a:t>クラスタリング</a:t>
-            </a:r>
-            <a:endParaRPr kumimoji="1" lang="en-US" altLang="ja-JP" b="1" dirty="0" smtClean="0"/>
-          </a:p>
-          <a:p>
-            <a:pPr>
-              <a:spcBef>
-                <a:spcPts val="0"/>
-              </a:spcBef>
-              <a:buFont typeface="Wingdings" charset="2"/>
-              <a:buChar char="u"/>
-            </a:pPr>
-            <a:r>
-              <a:rPr lang="ja-JP" altLang="en-US" dirty="0"/>
-              <a:t> </a:t>
-            </a:r>
-            <a:r>
-              <a:rPr lang="ja-JP" altLang="en-US" dirty="0" smtClean="0"/>
-              <a:t>データを任意の数のクラスタにわける手法</a:t>
-            </a:r>
-            <a:endParaRPr lang="en-US" altLang="ja-JP" dirty="0" smtClean="0"/>
-          </a:p>
-          <a:p>
-            <a:pPr>
-              <a:spcBef>
-                <a:spcPts val="0"/>
-              </a:spcBef>
-              <a:buFont typeface="Wingdings" charset="2"/>
-              <a:buChar char="u"/>
-            </a:pPr>
-            <a:r>
-              <a:rPr lang="ja-JP" altLang="en-US" dirty="0"/>
-              <a:t> </a:t>
-            </a:r>
-            <a:r>
-              <a:rPr lang="ja-JP" altLang="en-US" dirty="0" smtClean="0"/>
-              <a:t>データ解析・画像処理などで利用</a:t>
-            </a:r>
-            <a:endParaRPr lang="en-US" altLang="ja-JP" dirty="0" smtClean="0"/>
-          </a:p>
-          <a:p>
-            <a:pPr>
-              <a:spcBef>
-                <a:spcPts val="0"/>
-              </a:spcBef>
-              <a:buFont typeface="Wingdings" charset="2"/>
-              <a:buChar char="u"/>
-            </a:pPr>
-            <a:r>
-              <a:rPr lang="ja-JP" altLang="en-US" dirty="0"/>
-              <a:t> </a:t>
-            </a:r>
-            <a:r>
-              <a:rPr lang="en-US" altLang="ja-JP" b="1" i="1" dirty="0" smtClean="0">
-                <a:latin typeface="Times New Roman" charset="0"/>
-                <a:ea typeface="Times New Roman" charset="0"/>
-                <a:cs typeface="Times New Roman" charset="0"/>
-              </a:rPr>
-              <a:t>k</a:t>
-            </a:r>
-            <a:r>
-              <a:rPr lang="en-US" altLang="ja-JP" b="1" dirty="0" smtClean="0">
-                <a:latin typeface="Times New Roman" charset="0"/>
-                <a:ea typeface="Times New Roman" charset="0"/>
-                <a:cs typeface="Times New Roman" charset="0"/>
-              </a:rPr>
-              <a:t>-means</a:t>
-            </a:r>
-            <a:r>
-              <a:rPr lang="ja-JP" altLang="en-US" b="1" dirty="0" smtClean="0"/>
-              <a:t>ではクラスタ数を事前に指定してクラスタリング</a:t>
-            </a:r>
-            <a:r>
-              <a:rPr lang="en-US" altLang="ja-JP" b="1" dirty="0" smtClean="0"/>
-              <a:t/>
-            </a:r>
-            <a:br>
-              <a:rPr lang="en-US" altLang="ja-JP" b="1" dirty="0" smtClean="0"/>
-            </a:br>
-            <a:r>
-              <a:rPr kumimoji="1" lang="ja-JP" altLang="en-US" dirty="0" smtClean="0"/>
-              <a:t>⇒ クラスタ数が未知の場合「</a:t>
-            </a:r>
-            <a:r>
-              <a:rPr kumimoji="1" lang="ja-JP" altLang="en-US" b="1" dirty="0" smtClean="0"/>
-              <a:t>クラスタ数推定</a:t>
-            </a:r>
-            <a:r>
-              <a:rPr kumimoji="1" lang="ja-JP" altLang="en-US" dirty="0" smtClean="0"/>
-              <a:t>」が必要</a:t>
-            </a:r>
-            <a:endParaRPr kumimoji="1" lang="ja-JP" altLang="en-US" dirty="0"/>
-          </a:p>
-        </p:txBody>
-      </p:sp>
-      <p:pic>
-        <p:nvPicPr>
-          <p:cNvPr id="4" name="図 3"/>
-          <p:cNvPicPr>
-            <a:picLocks noChangeAspect="1"/>
-          </p:cNvPicPr>
-          <p:nvPr/>
-        </p:nvPicPr>
-        <p:blipFill>
-          <a:blip r:embed="rId2">
-            <a:extLst>
-              <a:ext uri="{28A0092B-C50C-407E-A947-70E740481C1C}">
-                <a14:useLocalDpi xmlns:a14="http://schemas.microsoft.com/office/drawing/2010/main" val="0"/>
-              </a:ext>
-            </a:extLst>
-          </a:blip>
-          <a:stretch>
-            <a:fillRect/>
-          </a:stretch>
-        </p:blipFill>
-        <p:spPr>
-          <a:xfrm>
-            <a:off x="8490308" y="1646323"/>
-            <a:ext cx="3701692" cy="2776269"/>
-          </a:xfrm>
-          <a:prstGeom prst="rect">
-            <a:avLst/>
-          </a:prstGeom>
-        </p:spPr>
-      </p:pic>
-    </p:spTree>
-    <p:extLst>
-      <p:ext uri="{BB962C8B-B14F-4D97-AF65-F5344CB8AC3E}">
-        <p14:creationId xmlns:p14="http://schemas.microsoft.com/office/powerpoint/2010/main" val="1377184672"/>
-      </p:ext>
-    </p:extLst>
-  </p:cSld>
-  <p:clrMapOvr>
-    <a:masterClrMapping/>
-  </p:clrMapOvr>
-  <p:timing>
-    <p:tnLst>
-      <p:par>
-        <p:cTn id="1" dur="indefinite" restart="never" nodeType="tmRoot"/>
-      </p:par>
-    </p:tnLst>
-  </p:timing>
-</p:sld>
-</file>
-
-<file path=ppt/slides/slide20.xml><?xml version="1.0" encoding="utf-8"?>
+<file path=ppt/slides/slide22.xml><?xml version="1.0" encoding="utf-8"?>
 <p:sld xmlns:a="http://schemas.openxmlformats.org/drawingml/2006/main" xmlns:r="http://schemas.openxmlformats.org/officeDocument/2006/relationships" xmlns:p="http://schemas.openxmlformats.org/presentationml/2006/main">
   <p:cSld>
     <p:spTree>
@@ -6936,8 +7834,12 @@
           <a:lstStyle/>
           <a:p>
             <a:r>
+              <a:rPr kumimoji="1" lang="en-US" altLang="ja-JP" dirty="0" smtClean="0"/>
+              <a:t>Gauss</a:t>
+            </a:r>
+            <a:r>
               <a:rPr kumimoji="1" lang="ja-JP" altLang="en-US" dirty="0" smtClean="0"/>
-              <a:t>尤度</a:t>
+              <a:t>分布</a:t>
             </a:r>
             <a:endParaRPr kumimoji="1" lang="ja-JP" altLang="en-US" dirty="0"/>
           </a:p>
@@ -6945,331 +7847,192 @@
       </p:sp>
       <p:sp>
         <p:nvSpPr>
-          <p:cNvPr id="3" name="コンテンツ プレースホルダー 2"/>
-          <p:cNvSpPr>
-            <a:spLocks noGrp="1"/>
-          </p:cNvSpPr>
-          <p:nvPr>
-            <p:ph idx="1"/>
-          </p:nvPr>
+          <p:cNvPr id="3" name="正方形/長方形 2"/>
+          <p:cNvSpPr/>
+          <p:nvPr/>
         </p:nvSpPr>
         <p:spPr>
           <a:xfrm>
-            <a:off x="838200" y="1109965"/>
-            <a:ext cx="10515600" cy="5122883"/>
+            <a:off x="171943" y="995851"/>
+            <a:ext cx="11876690" cy="1200329"/>
           </a:xfrm>
+          <a:prstGeom prst="rect">
+            <a:avLst/>
+          </a:prstGeom>
         </p:spPr>
         <p:txBody>
-          <a:bodyPr/>
+          <a:bodyPr wrap="square">
+            <a:spAutoFit/>
+          </a:bodyPr>
           <a:lstStyle/>
           <a:p>
-            <a:pPr marL="0" marR="0" lvl="0" indent="0" defTabSz="914400" eaLnBrk="1" fontAlgn="auto" latinLnBrk="0" hangingPunct="1">
-              <a:spcBef>
-                <a:spcPts val="0"/>
-              </a:spcBef>
-              <a:spcAft>
-                <a:spcPts val="0"/>
-              </a:spcAft>
-              <a:buClrTx/>
-              <a:buSzTx/>
-              <a:buFontTx/>
-              <a:buNone/>
-              <a:tabLst/>
-              <a:defRPr/>
-            </a:pPr>
-            <a:r>
-              <a:rPr kumimoji="1" lang="ja-JP" altLang="en-US" dirty="0" smtClean="0"/>
-              <a:t>モデルの尤もらしさを表す尺度</a:t>
-            </a:r>
-            <a:endParaRPr kumimoji="1" lang="en-US" altLang="ja-JP" dirty="0" smtClean="0"/>
-          </a:p>
-          <a:p>
-            <a:pPr marL="0" marR="0" lvl="0" indent="0" defTabSz="914400" eaLnBrk="1" fontAlgn="auto" latinLnBrk="0" hangingPunct="1">
+            <a:pPr>
               <a:lnSpc>
                 <a:spcPct val="150000"/>
               </a:lnSpc>
-              <a:spcBef>
-                <a:spcPts val="0"/>
-              </a:spcBef>
-              <a:spcAft>
-                <a:spcPts val="0"/>
-              </a:spcAft>
-              <a:buClrTx/>
-              <a:buSzTx/>
-              <a:buFontTx/>
-              <a:buNone/>
-              <a:tabLst/>
-              <a:defRPr/>
             </a:pPr>
             <a:r>
-              <a:rPr lang="ja-JP" altLang="en-US" dirty="0" smtClean="0"/>
-              <a:t>確率変数 </a:t>
-            </a:r>
-            <a:r>
-              <a:rPr lang="en-US" altLang="ja-JP" dirty="0" smtClean="0">
+              <a:rPr lang="en-US" altLang="ja-JP" sz="2400" i="1" dirty="0" smtClean="0">
                 <a:latin typeface="Times New Roman" charset="0"/>
                 <a:ea typeface="Times New Roman" charset="0"/>
                 <a:cs typeface="Times New Roman" charset="0"/>
               </a:rPr>
-              <a:t>(</a:t>
-            </a:r>
-            <a:r>
-              <a:rPr lang="en-US" altLang="ja-JP" i="1" dirty="0" smtClean="0">
+              <a:t>d</a:t>
+            </a:r>
+            <a:r>
+              <a:rPr lang="ja-JP" altLang="en-US" sz="2400" dirty="0" smtClean="0">
+                <a:latin typeface="Meiryo" charset="-128"/>
+                <a:ea typeface="Meiryo" charset="-128"/>
+                <a:cs typeface="Meiryo" charset="-128"/>
+              </a:rPr>
+              <a:t>次元のデータ</a:t>
+            </a:r>
+            <a:r>
+              <a:rPr lang="en-US" altLang="ja-JP" sz="2400" b="1" i="1" dirty="0" smtClean="0">
                 <a:latin typeface="Times New Roman" charset="0"/>
                 <a:ea typeface="Times New Roman" charset="0"/>
                 <a:cs typeface="Times New Roman" charset="0"/>
               </a:rPr>
-              <a:t>X</a:t>
-            </a:r>
-            <a:r>
-              <a:rPr lang="en-US" altLang="ja-JP" baseline="-25000" dirty="0" smtClean="0">
+              <a:t>D</a:t>
+            </a:r>
+            <a:r>
+              <a:rPr lang="ja-JP" altLang="en-US" sz="2400" dirty="0" smtClean="0">
+                <a:latin typeface="Meiryo" charset="-128"/>
+                <a:ea typeface="Meiryo" charset="-128"/>
+                <a:cs typeface="Meiryo" charset="-128"/>
+              </a:rPr>
+              <a:t>を</a:t>
+            </a:r>
+            <a:r>
+              <a:rPr lang="en-US" altLang="ja-JP" sz="2400" i="1" dirty="0" smtClean="0">
                 <a:latin typeface="Times New Roman" charset="0"/>
                 <a:ea typeface="Times New Roman" charset="0"/>
                 <a:cs typeface="Times New Roman" charset="0"/>
               </a:rPr>
-              <a:t>1</a:t>
-            </a:r>
-            <a:r>
-              <a:rPr lang="en-US" altLang="ja-JP" dirty="0" smtClean="0">
+              <a:t>K</a:t>
+            </a:r>
+            <a:r>
+              <a:rPr lang="ja-JP" altLang="en-US" sz="2400" dirty="0" smtClean="0">
+                <a:latin typeface="Meiryo" charset="-128"/>
+                <a:ea typeface="Meiryo" charset="-128"/>
+                <a:cs typeface="Meiryo" charset="-128"/>
+              </a:rPr>
+              <a:t>個のクラスタに分割することを考える．</a:t>
+            </a:r>
+            <a:r>
+              <a:rPr lang="en-US" altLang="ja-JP" sz="2400" dirty="0" smtClean="0">
+                <a:latin typeface="Meiryo" charset="-128"/>
+                <a:ea typeface="Meiryo" charset="-128"/>
+                <a:cs typeface="Meiryo" charset="-128"/>
+              </a:rPr>
+              <a:t/>
+            </a:r>
+            <a:br>
+              <a:rPr lang="en-US" altLang="ja-JP" sz="2400" dirty="0" smtClean="0">
+                <a:latin typeface="Meiryo" charset="-128"/>
+                <a:ea typeface="Meiryo" charset="-128"/>
+                <a:cs typeface="Meiryo" charset="-128"/>
+              </a:rPr>
+            </a:br>
+            <a:r>
+              <a:rPr lang="en-US" altLang="ja-JP" sz="2400" b="1" i="1" dirty="0" err="1" smtClean="0">
                 <a:latin typeface="Times New Roman" charset="0"/>
                 <a:ea typeface="Times New Roman" charset="0"/>
                 <a:cs typeface="Times New Roman" charset="0"/>
               </a:rPr>
-              <a:t>, </a:t>
-            </a:r>
-            <a:r>
-              <a:rPr lang="en-US" altLang="ja-JP" i="1" dirty="0" smtClean="0">
+              <a:t>μ</a:t>
+            </a:r>
+            <a:r>
+              <a:rPr lang="ja-JP" altLang="en-US" sz="2400" dirty="0" smtClean="0">
+                <a:latin typeface="Meiryo" charset="-128"/>
+                <a:ea typeface="Meiryo" charset="-128"/>
+                <a:cs typeface="Meiryo" charset="-128"/>
+              </a:rPr>
+              <a:t>は</a:t>
+            </a:r>
+            <a:r>
+              <a:rPr lang="en-US" altLang="ja-JP" sz="2400" i="1" dirty="0" smtClean="0">
+                <a:latin typeface="Meiryo" charset="-128"/>
+                <a:ea typeface="Meiryo" charset="-128"/>
+                <a:cs typeface="Meiryo" charset="-128"/>
+              </a:rPr>
+              <a:t>d</a:t>
+            </a:r>
+            <a:r>
+              <a:rPr lang="ja-JP" altLang="en-US" sz="2400" dirty="0" smtClean="0">
+                <a:latin typeface="Meiryo" charset="-128"/>
+                <a:ea typeface="Meiryo" charset="-128"/>
+                <a:cs typeface="Meiryo" charset="-128"/>
+              </a:rPr>
+              <a:t>次元の平均ベクトル</a:t>
+            </a:r>
+            <a:r>
+              <a:rPr lang="ja-JP" altLang="en-US" sz="2400" dirty="0" smtClean="0">
+                <a:latin typeface="Meiryo" charset="-128"/>
+                <a:ea typeface="Meiryo" charset="-128"/>
+                <a:cs typeface="Meiryo" charset="-128"/>
+              </a:rPr>
+              <a:t>であり，</a:t>
+            </a:r>
+            <a:r>
+              <a:rPr lang="en-US" altLang="ja-JP" sz="2400" b="1" dirty="0" err="1" smtClean="0">
                 <a:latin typeface="Times New Roman" charset="0"/>
                 <a:ea typeface="Times New Roman" charset="0"/>
                 <a:cs typeface="Times New Roman" charset="0"/>
               </a:rPr>
-              <a:t>X</a:t>
-            </a:r>
-            <a:r>
-              <a:rPr lang="en-US" altLang="ja-JP" baseline="-25000" dirty="0" smtClean="0">
+              <a:t>Σ</a:t>
+            </a:r>
+            <a:r>
+              <a:rPr lang="ja-JP" altLang="en-US" sz="2400" dirty="0" smtClean="0">
+                <a:latin typeface="Meiryo" charset="-128"/>
+                <a:ea typeface="Meiryo" charset="-128"/>
+                <a:cs typeface="Meiryo" charset="-128"/>
+              </a:rPr>
+              <a:t>は</a:t>
+            </a:r>
+            <a:r>
+              <a:rPr lang="en-US" altLang="ja-JP" sz="2400" i="1" dirty="0" err="1" smtClean="0">
                 <a:latin typeface="Times New Roman" charset="0"/>
                 <a:ea typeface="Times New Roman" charset="0"/>
                 <a:cs typeface="Times New Roman" charset="0"/>
               </a:rPr>
-              <a:t>2</a:t>
-            </a:r>
-            <a:r>
-              <a:rPr lang="en-US" altLang="ja-JP" dirty="0" smtClean="0">
+              <a:t>d</a:t>
+            </a:r>
+            <a:r>
+              <a:rPr lang="en-US" altLang="ja-JP" sz="2400" dirty="0" err="1" smtClean="0">
                 <a:latin typeface="Times New Roman" charset="0"/>
                 <a:ea typeface="Times New Roman" charset="0"/>
                 <a:cs typeface="Times New Roman" charset="0"/>
               </a:rPr>
-              <a:t>, …, </a:t>
-            </a:r>
-            <a:r>
-              <a:rPr lang="en-US" altLang="ja-JP" i="1" dirty="0" err="1" smtClean="0">
+              <a:t>×</a:t>
+            </a:r>
+            <a:r>
+              <a:rPr lang="en-US" altLang="ja-JP" sz="2400" i="1" dirty="0" err="1" smtClean="0">
                 <a:latin typeface="Times New Roman" charset="0"/>
                 <a:ea typeface="Times New Roman" charset="0"/>
                 <a:cs typeface="Times New Roman" charset="0"/>
               </a:rPr>
-              <a:t>X</a:t>
-            </a:r>
-            <a:r>
-              <a:rPr lang="en-US" altLang="ja-JP" i="1" baseline="-25000" dirty="0" err="1" smtClean="0">
-                <a:latin typeface="Times New Roman" charset="0"/>
-                <a:ea typeface="Times New Roman" charset="0"/>
-                <a:cs typeface="Times New Roman" charset="0"/>
-              </a:rPr>
-              <a:t>n</a:t>
-            </a:r>
-            <a:r>
-              <a:rPr lang="en-US" altLang="ja-JP" dirty="0" smtClean="0">
-                <a:latin typeface="Times New Roman" charset="0"/>
-                <a:ea typeface="Times New Roman" charset="0"/>
-                <a:cs typeface="Times New Roman" charset="0"/>
-              </a:rPr>
-              <a:t>)</a:t>
-            </a:r>
-            <a:r>
-              <a:rPr lang="ja-JP" altLang="en-US" dirty="0" smtClean="0">
-                <a:latin typeface="Times New Roman" charset="0"/>
-                <a:ea typeface="Times New Roman" charset="0"/>
-                <a:cs typeface="Times New Roman" charset="0"/>
-              </a:rPr>
-              <a:t>  </a:t>
-            </a:r>
-            <a:r>
-              <a:rPr lang="ja-JP" altLang="en-US" dirty="0" smtClean="0"/>
-              <a:t>（互いに独立）の</a:t>
-            </a:r>
-            <a:r>
-              <a:rPr lang="en-US" altLang="ja-JP" dirty="0" smtClean="0"/>
-              <a:t/>
-            </a:r>
-            <a:br>
-              <a:rPr lang="en-US" altLang="ja-JP" dirty="0" smtClean="0"/>
-            </a:br>
-            <a:r>
-              <a:rPr lang="ja-JP" altLang="en-US" dirty="0" smtClean="0"/>
-              <a:t>同時確率密度関数が</a:t>
-            </a:r>
-            <a:r>
-              <a:rPr lang="en-US" altLang="ja-JP" dirty="0" smtClean="0"/>
-              <a:t> </a:t>
-            </a:r>
-            <a:r>
-              <a:rPr lang="en-US" altLang="ja-JP" i="1" dirty="0" smtClean="0">
-                <a:latin typeface="Times New Roman" charset="0"/>
-                <a:ea typeface="Times New Roman" charset="0"/>
-                <a:cs typeface="Times New Roman" charset="0"/>
-              </a:rPr>
-              <a:t>f </a:t>
-            </a:r>
-            <a:r>
-              <a:rPr lang="en-US" altLang="ja-JP" dirty="0" smtClean="0">
-                <a:latin typeface="Times New Roman" charset="0"/>
-                <a:ea typeface="Times New Roman" charset="0"/>
-                <a:cs typeface="Times New Roman" charset="0"/>
-              </a:rPr>
-              <a:t>(</a:t>
-            </a:r>
-            <a:r>
-              <a:rPr lang="en-US" altLang="ja-JP" i="1" dirty="0" smtClean="0">
-                <a:latin typeface="Times New Roman" charset="0"/>
-                <a:ea typeface="Times New Roman" charset="0"/>
-                <a:cs typeface="Times New Roman" charset="0"/>
-              </a:rPr>
-              <a:t>x</a:t>
-            </a:r>
-            <a:r>
-              <a:rPr lang="en-US" altLang="ja-JP" baseline="-25000" dirty="0" smtClean="0">
-                <a:latin typeface="Times New Roman" charset="0"/>
-                <a:ea typeface="Times New Roman" charset="0"/>
-                <a:cs typeface="Times New Roman" charset="0"/>
-              </a:rPr>
-              <a:t>1</a:t>
-            </a:r>
-            <a:r>
-              <a:rPr lang="en-US" altLang="ja-JP" dirty="0" smtClean="0">
-                <a:latin typeface="Times New Roman" charset="0"/>
-                <a:ea typeface="Times New Roman" charset="0"/>
-                <a:cs typeface="Times New Roman" charset="0"/>
-              </a:rPr>
-              <a:t>, </a:t>
-            </a:r>
-            <a:r>
-              <a:rPr lang="en-US" altLang="ja-JP" i="1" dirty="0" smtClean="0">
-                <a:latin typeface="Times New Roman" charset="0"/>
-                <a:ea typeface="Times New Roman" charset="0"/>
-                <a:cs typeface="Times New Roman" charset="0"/>
-              </a:rPr>
-              <a:t>x</a:t>
-            </a:r>
-            <a:r>
-              <a:rPr lang="en-US" altLang="ja-JP" baseline="-25000" dirty="0" smtClean="0">
-                <a:latin typeface="Times New Roman" charset="0"/>
-                <a:ea typeface="Times New Roman" charset="0"/>
-                <a:cs typeface="Times New Roman" charset="0"/>
-              </a:rPr>
-              <a:t>2</a:t>
-            </a:r>
-            <a:r>
-              <a:rPr lang="en-US" altLang="ja-JP" dirty="0" smtClean="0">
-                <a:latin typeface="Times New Roman" charset="0"/>
-                <a:ea typeface="Times New Roman" charset="0"/>
-                <a:cs typeface="Times New Roman" charset="0"/>
-              </a:rPr>
-              <a:t>, …, </a:t>
-            </a:r>
-            <a:r>
-              <a:rPr lang="en-US" altLang="ja-JP" i="1" dirty="0" err="1" smtClean="0">
-                <a:latin typeface="Times New Roman" charset="0"/>
-                <a:ea typeface="Times New Roman" charset="0"/>
-                <a:cs typeface="Times New Roman" charset="0"/>
-              </a:rPr>
-              <a:t>x</a:t>
-            </a:r>
-            <a:r>
-              <a:rPr lang="en-US" altLang="ja-JP" i="1" baseline="-25000" dirty="0" err="1" smtClean="0">
-                <a:latin typeface="Times New Roman" charset="0"/>
-                <a:ea typeface="Times New Roman" charset="0"/>
-                <a:cs typeface="Times New Roman" charset="0"/>
-              </a:rPr>
-              <a:t>n</a:t>
-            </a:r>
-            <a:r>
-              <a:rPr lang="en-US" altLang="ja-JP" dirty="0" smtClean="0">
-                <a:latin typeface="Times New Roman" charset="0"/>
-                <a:ea typeface="Times New Roman" charset="0"/>
-                <a:cs typeface="Times New Roman" charset="0"/>
-              </a:rPr>
-              <a:t> | </a:t>
-            </a:r>
-            <a:r>
-              <a:rPr lang="en-US" altLang="ja-JP" i="1" dirty="0" err="1" smtClean="0">
-                <a:latin typeface="Times New Roman" charset="0"/>
-                <a:ea typeface="Times New Roman" charset="0"/>
-                <a:cs typeface="Times New Roman" charset="0"/>
-              </a:rPr>
-              <a:t>θ</a:t>
-            </a:r>
-            <a:r>
-              <a:rPr lang="en-US" altLang="ja-JP" dirty="0" smtClean="0">
-                <a:latin typeface="Times New Roman" charset="0"/>
-                <a:ea typeface="Times New Roman" charset="0"/>
-                <a:cs typeface="Times New Roman" charset="0"/>
-              </a:rPr>
-              <a:t>) </a:t>
-            </a:r>
-            <a:r>
-              <a:rPr lang="ja-JP" altLang="en-US" dirty="0" smtClean="0"/>
-              <a:t>として，</a:t>
-            </a:r>
-            <a:r>
-              <a:rPr lang="en-US" altLang="ja-JP" dirty="0" smtClean="0"/>
-              <a:t/>
-            </a:r>
-            <a:br>
-              <a:rPr lang="en-US" altLang="ja-JP" dirty="0" smtClean="0"/>
-            </a:br>
-            <a:r>
-              <a:rPr lang="en-US" altLang="ja-JP" i="1" dirty="0" smtClean="0">
-                <a:latin typeface="Times New Roman" charset="0"/>
-                <a:ea typeface="Times New Roman" charset="0"/>
-                <a:cs typeface="Times New Roman" charset="0"/>
-              </a:rPr>
-              <a:t>f  </a:t>
-            </a:r>
-            <a:r>
-              <a:rPr lang="ja-JP" altLang="en-US" dirty="0" smtClean="0"/>
-              <a:t>をパラメータ</a:t>
-            </a:r>
-            <a:r>
-              <a:rPr lang="en-US" altLang="ja-JP" dirty="0" smtClean="0"/>
-              <a:t> </a:t>
-            </a:r>
-            <a:r>
-              <a:rPr lang="en-US" altLang="ja-JP" i="1" dirty="0" err="1" smtClean="0">
-                <a:latin typeface="Times New Roman" charset="0"/>
-                <a:ea typeface="Times New Roman" charset="0"/>
-                <a:cs typeface="Times New Roman" charset="0"/>
-              </a:rPr>
-              <a:t>θ</a:t>
-            </a:r>
-            <a:r>
-              <a:rPr lang="en-US" altLang="ja-JP" i="1" dirty="0" smtClean="0">
-                <a:latin typeface="Times New Roman" charset="0"/>
-                <a:ea typeface="Times New Roman" charset="0"/>
-                <a:cs typeface="Times New Roman" charset="0"/>
-              </a:rPr>
-              <a:t> </a:t>
-            </a:r>
-            <a:r>
-              <a:rPr lang="ja-JP" altLang="en-US" dirty="0" smtClean="0"/>
-              <a:t>の関数と考えたときの関数</a:t>
-            </a:r>
-            <a:endParaRPr kumimoji="1" lang="ja-JP" altLang="en-US" dirty="0"/>
+              <a:t>d</a:t>
+            </a:r>
+            <a:r>
+              <a:rPr lang="ja-JP" altLang="en-US" sz="2400" dirty="0" smtClean="0">
+                <a:latin typeface="Meiryo" charset="-128"/>
+                <a:ea typeface="Meiryo" charset="-128"/>
+                <a:cs typeface="Meiryo" charset="-128"/>
+              </a:rPr>
+              <a:t>の共分散行列</a:t>
+            </a:r>
+            <a:endParaRPr lang="en-US" altLang="ja-JP" sz="2400" dirty="0">
+              <a:latin typeface="Meiryo" charset="-128"/>
+              <a:ea typeface="Meiryo" charset="-128"/>
+              <a:cs typeface="Meiryo" charset="-128"/>
+            </a:endParaRPr>
           </a:p>
         </p:txBody>
       </p:sp>
       <p:pic>
         <p:nvPicPr>
-          <p:cNvPr id="5" name="図 4"/>
+          <p:cNvPr id="4" name="図 3"/>
           <p:cNvPicPr>
             <a:picLocks noChangeAspect="1"/>
           </p:cNvPicPr>
@@ -7283,35 +8046,101 @@
         </p:blipFill>
         <p:spPr>
           <a:xfrm>
-            <a:off x="3397250" y="4678716"/>
-            <a:ext cx="5397500" cy="1993900"/>
+            <a:off x="342900" y="2851150"/>
+            <a:ext cx="11506200" cy="1155700"/>
           </a:xfrm>
           <a:prstGeom prst="rect">
             <a:avLst/>
           </a:prstGeom>
         </p:spPr>
       </p:pic>
+      <p:cxnSp>
+        <p:nvCxnSpPr>
+          <p:cNvPr id="6" name="直線コネクタ 5"/>
+          <p:cNvCxnSpPr/>
+          <p:nvPr/>
+        </p:nvCxnSpPr>
+        <p:spPr>
+          <a:xfrm>
+            <a:off x="6539023" y="4082902"/>
+            <a:ext cx="5061098" cy="0"/>
+          </a:xfrm>
+          <a:prstGeom prst="line">
+            <a:avLst/>
+          </a:prstGeom>
+          <a:ln w="28575">
+            <a:solidFill>
+              <a:schemeClr val="accent2"/>
+            </a:solidFill>
+          </a:ln>
+        </p:spPr>
+        <p:style>
+          <a:lnRef idx="1">
+            <a:schemeClr val="accent1"/>
+          </a:lnRef>
+          <a:fillRef idx="0">
+            <a:schemeClr val="accent1"/>
+          </a:fillRef>
+          <a:effectRef idx="0">
+            <a:schemeClr val="accent1"/>
+          </a:effectRef>
+          <a:fontRef idx="minor">
+            <a:schemeClr val="tx1"/>
+          </a:fontRef>
+        </p:style>
+      </p:cxnSp>
+      <p:sp>
+        <p:nvSpPr>
+          <p:cNvPr id="7" name="テキスト ボックス 6"/>
+          <p:cNvSpPr txBox="1"/>
+          <p:nvPr/>
+        </p:nvSpPr>
+        <p:spPr>
+          <a:xfrm>
+            <a:off x="7746133" y="4430987"/>
+            <a:ext cx="2646878" cy="461665"/>
+          </a:xfrm>
+          <a:prstGeom prst="rect">
+            <a:avLst/>
+          </a:prstGeom>
+          <a:noFill/>
+        </p:spPr>
+        <p:txBody>
+          <a:bodyPr wrap="none" rtlCol="0">
+            <a:spAutoFit/>
+          </a:bodyPr>
+          <a:lstStyle/>
+          <a:p>
+            <a:r>
+              <a:rPr kumimoji="1" lang="ja-JP" altLang="en-US" sz="2400" b="1" dirty="0" smtClean="0">
+                <a:latin typeface="Meiryo" charset="-128"/>
+                <a:ea typeface="Meiryo" charset="-128"/>
+                <a:cs typeface="Meiryo" charset="-128"/>
+              </a:rPr>
+              <a:t>マハラノビス距離</a:t>
+            </a:r>
+            <a:endParaRPr kumimoji="1" lang="ja-JP" altLang="en-US" sz="2400" b="1" dirty="0">
+              <a:latin typeface="Meiryo" charset="-128"/>
+              <a:ea typeface="Meiryo" charset="-128"/>
+              <a:cs typeface="Meiryo" charset="-128"/>
+            </a:endParaRPr>
+          </a:p>
+        </p:txBody>
+      </p:sp>
     </p:spTree>
     <p:extLst>
       <p:ext uri="{BB962C8B-B14F-4D97-AF65-F5344CB8AC3E}">
-        <p14:creationId xmlns:p14="http://schemas.microsoft.com/office/powerpoint/2010/main" val="585852389"/>
+        <p14:creationId xmlns:p14="http://schemas.microsoft.com/office/powerpoint/2010/main" val="169023351"/>
       </p:ext>
     </p:extLst>
   </p:cSld>
   <p:clrMapOvr>
     <a:masterClrMapping/>
   </p:clrMapOvr>
-  <p:timing>
-    <p:tnLst>
-      <p:par>
-        <p:cTn id="1" dur="indefinite" restart="never" nodeType="tmRoot"/>
-      </p:par>
-    </p:tnLst>
-  </p:timing>
 </p:sld>
 </file>
 
-<file path=ppt/slides/slide21.xml><?xml version="1.0" encoding="utf-8"?>
+<file path=ppt/slides/slide23.xml><?xml version="1.0" encoding="utf-8"?>
 <p:sld xmlns:a="http://schemas.openxmlformats.org/drawingml/2006/main" xmlns:r="http://schemas.openxmlformats.org/officeDocument/2006/relationships" xmlns:p="http://schemas.openxmlformats.org/presentationml/2006/main">
   <p:cSld>
     <p:spTree>
@@ -7345,11 +8174,15 @@
           <a:p>
             <a:r>
               <a:rPr kumimoji="1" lang="ja-JP" altLang="en-US" dirty="0" smtClean="0"/>
-              <a:t>対数尤度関数</a:t>
-            </a:r>
-            <a:r>
-              <a:rPr lang="ja-JP" altLang="en-US" dirty="0" smtClean="0"/>
-              <a:t>・最尤法</a:t>
+              <a:t>等方的</a:t>
+            </a:r>
+            <a:r>
+              <a:rPr kumimoji="1" lang="en-US" altLang="ja-JP" dirty="0" smtClean="0"/>
+              <a:t>Gauss</a:t>
+            </a:r>
+            <a:r>
+              <a:rPr kumimoji="1" lang="ja-JP" altLang="en-US" dirty="0" smtClean="0"/>
+              <a:t>分布</a:t>
             </a:r>
             <a:endParaRPr kumimoji="1" lang="ja-JP" altLang="en-US" dirty="0"/>
           </a:p>
@@ -7367,8 +8200,8 @@
         </p:nvSpPr>
         <p:spPr>
           <a:xfrm>
-            <a:off x="838200" y="3311991"/>
-            <a:ext cx="10515600" cy="2958180"/>
+            <a:off x="1004888" y="4816758"/>
+            <a:ext cx="10515600" cy="641068"/>
           </a:xfrm>
         </p:spPr>
         <p:txBody>
@@ -7376,6 +8209,9 @@
           <a:lstStyle/>
           <a:p>
             <a:pPr marL="0" marR="0" lvl="0" indent="0" defTabSz="914400" eaLnBrk="1" fontAlgn="auto" latinLnBrk="0" hangingPunct="1">
+              <a:lnSpc>
+                <a:spcPct val="100000"/>
+              </a:lnSpc>
               <a:spcBef>
                 <a:spcPts val="0"/>
               </a:spcBef>
@@ -7390,104 +8226,225 @@
               <a:defRPr/>
             </a:pPr>
             <a:r>
-              <a:rPr lang="en-US" altLang="ja-JP" i="1" dirty="0">
-                <a:latin typeface="Times New Roman" charset="0"/>
-                <a:ea typeface="Times New Roman" charset="0"/>
-                <a:cs typeface="Times New Roman" charset="0"/>
-              </a:rPr>
-              <a:t>l</a:t>
-            </a:r>
-            <a:r>
-              <a:rPr kumimoji="1" lang="en-US" altLang="ja-JP" dirty="0" smtClean="0">
-                <a:latin typeface="Times New Roman" charset="0"/>
-                <a:ea typeface="Times New Roman" charset="0"/>
-                <a:cs typeface="Times New Roman" charset="0"/>
-              </a:rPr>
-              <a:t>(</a:t>
-            </a:r>
-            <a:r>
-              <a:rPr kumimoji="1" lang="en-US" altLang="ja-JP" i="1" dirty="0" err="1" smtClean="0">
-                <a:latin typeface="Times New Roman" charset="0"/>
-                <a:ea typeface="Times New Roman" charset="0"/>
-                <a:cs typeface="Times New Roman" charset="0"/>
-              </a:rPr>
-              <a:t>θ</a:t>
-            </a:r>
-            <a:r>
-              <a:rPr lang="en-US" altLang="ja-JP" dirty="0" smtClean="0">
-                <a:latin typeface="Times New Roman" charset="0"/>
-                <a:ea typeface="Times New Roman" charset="0"/>
-                <a:cs typeface="Times New Roman" charset="0"/>
-              </a:rPr>
-              <a:t>)</a:t>
-            </a:r>
-            <a:r>
-              <a:rPr lang="en-US" altLang="ja-JP" dirty="0" smtClean="0"/>
-              <a:t> </a:t>
-            </a:r>
-            <a:r>
               <a:rPr kumimoji="1" lang="ja-JP" altLang="en-US" dirty="0" smtClean="0"/>
-              <a:t>の大小を比較することで</a:t>
-            </a:r>
-            <a:r>
-              <a:rPr kumimoji="1" lang="en-US" altLang="ja-JP" dirty="0" smtClean="0"/>
-              <a:t>K-L</a:t>
-            </a:r>
-            <a:r>
-              <a:rPr kumimoji="1" lang="ja-JP" altLang="en-US" dirty="0" smtClean="0"/>
-              <a:t>情報量</a:t>
-            </a:r>
-            <a:r>
-              <a:rPr lang="ja-JP" altLang="en-US" dirty="0" smtClean="0"/>
-              <a:t>の大小を測る</a:t>
+              <a:t>この時の確率は</a:t>
             </a:r>
             <a:endParaRPr lang="en-US" altLang="ja-JP" dirty="0" smtClean="0"/>
-          </a:p>
-          <a:p>
-            <a:pPr>
-              <a:spcBef>
-                <a:spcPts val="0"/>
-              </a:spcBef>
-              <a:buFont typeface="Wingdings" charset="2"/>
-              <a:buChar char="u"/>
-            </a:pPr>
-            <a:r>
-              <a:rPr lang="en-US" altLang="ja-JP" dirty="0"/>
-              <a:t> </a:t>
-            </a:r>
-            <a:r>
-              <a:rPr lang="ja-JP" altLang="en-US" dirty="0" smtClean="0"/>
-              <a:t>対数尤度が最大になるモデルを推定</a:t>
-            </a:r>
-            <a:r>
-              <a:rPr lang="ja-JP" altLang="en-US" dirty="0"/>
-              <a:t> </a:t>
-            </a:r>
-            <a:r>
-              <a:rPr lang="ja-JP" altLang="en-US" dirty="0" smtClean="0"/>
-              <a:t>⇒ 最大対数尤度</a:t>
-            </a:r>
-            <a:endParaRPr lang="en-US" altLang="ja-JP" dirty="0" smtClean="0"/>
-          </a:p>
-          <a:p>
-            <a:pPr>
-              <a:spcBef>
-                <a:spcPts val="0"/>
-              </a:spcBef>
-              <a:buFont typeface="Wingdings" charset="2"/>
-              <a:buChar char="u"/>
-            </a:pPr>
-            <a:r>
-              <a:rPr kumimoji="1" lang="ja-JP" altLang="en-US" dirty="0" smtClean="0"/>
-              <a:t> この方法を「最尤法」と呼ぶ</a:t>
-            </a:r>
-            <a:endParaRPr kumimoji="1" lang="ja-JP" altLang="en-US" dirty="0"/>
           </a:p>
         </p:txBody>
       </p:sp>
+      <p:grpSp>
+        <p:nvGrpSpPr>
+          <p:cNvPr id="8" name="図形グループ 7"/>
+          <p:cNvGrpSpPr/>
+          <p:nvPr/>
+        </p:nvGrpSpPr>
+        <p:grpSpPr>
+          <a:xfrm>
+            <a:off x="171943" y="2144917"/>
+            <a:ext cx="11876690" cy="646331"/>
+            <a:chOff x="329599" y="828786"/>
+            <a:chExt cx="11876690" cy="646331"/>
+          </a:xfrm>
+        </p:grpSpPr>
+        <p:sp>
+          <p:nvSpPr>
+            <p:cNvPr id="9" name="正方形/長方形 8"/>
+            <p:cNvSpPr/>
+            <p:nvPr/>
+          </p:nvSpPr>
+          <p:spPr>
+            <a:xfrm>
+              <a:off x="329599" y="828786"/>
+              <a:ext cx="11876690" cy="646331"/>
+            </a:xfrm>
+            <a:prstGeom prst="rect">
+              <a:avLst/>
+            </a:prstGeom>
+          </p:spPr>
+          <p:txBody>
+            <a:bodyPr wrap="square">
+              <a:spAutoFit/>
+            </a:bodyPr>
+            <a:lstStyle/>
+            <a:p>
+              <a:pPr>
+                <a:lnSpc>
+                  <a:spcPct val="150000"/>
+                </a:lnSpc>
+              </a:pPr>
+              <a:r>
+                <a:rPr lang="ja-JP" altLang="en-US" sz="2400" dirty="0">
+                  <a:latin typeface="Meiryo" charset="-128"/>
+                  <a:ea typeface="Meiryo" charset="-128"/>
+                  <a:cs typeface="Meiryo" charset="-128"/>
+                </a:rPr>
+                <a:t>モデル</a:t>
+              </a:r>
+              <a:r>
+                <a:rPr lang="en-US" altLang="ja-JP" sz="2400" i="1" dirty="0" err="1">
+                  <a:latin typeface="Times New Roman" charset="0"/>
+                  <a:ea typeface="Times New Roman" charset="0"/>
+                  <a:cs typeface="Times New Roman" charset="0"/>
+                </a:rPr>
+                <a:t>M</a:t>
+              </a:r>
+              <a:r>
+                <a:rPr lang="en-US" altLang="ja-JP" sz="2400" i="1" baseline="-25000" dirty="0" err="1">
+                  <a:latin typeface="Times New Roman" charset="0"/>
+                  <a:ea typeface="Times New Roman" charset="0"/>
+                  <a:cs typeface="Times New Roman" charset="0"/>
+                </a:rPr>
+                <a:t>j</a:t>
+              </a:r>
+              <a:r>
+                <a:rPr lang="ja-JP" altLang="en-US" sz="2400" dirty="0">
+                  <a:latin typeface="Meiryo" charset="-128"/>
+                  <a:ea typeface="Meiryo" charset="-128"/>
+                  <a:cs typeface="Meiryo" charset="-128"/>
+                </a:rPr>
+                <a:t>の</a:t>
+              </a:r>
+              <a:r>
+                <a:rPr lang="en-US" altLang="ja-JP" sz="2400" i="1" dirty="0" err="1">
+                  <a:latin typeface="Times New Roman" charset="0"/>
+                  <a:ea typeface="Times New Roman" charset="0"/>
+                  <a:cs typeface="Times New Roman" charset="0"/>
+                </a:rPr>
+                <a:t>p</a:t>
+              </a:r>
+              <a:r>
+                <a:rPr lang="en-US" altLang="ja-JP" sz="2400" i="1" baseline="-25000" dirty="0" err="1">
+                  <a:latin typeface="Times New Roman" charset="0"/>
+                  <a:ea typeface="Times New Roman" charset="0"/>
+                  <a:cs typeface="Times New Roman" charset="0"/>
+                </a:rPr>
+                <a:t>j</a:t>
+              </a:r>
+              <a:r>
+                <a:rPr lang="ja-JP" altLang="en-US" sz="2400" dirty="0">
+                  <a:latin typeface="Meiryo" charset="-128"/>
+                  <a:ea typeface="Meiryo" charset="-128"/>
+                  <a:cs typeface="Meiryo" charset="-128"/>
+                </a:rPr>
+                <a:t>変量等方</a:t>
+              </a:r>
+              <a:r>
+                <a:rPr lang="en-US" altLang="ja-JP" sz="2400" dirty="0">
+                  <a:latin typeface="Meiryo" charset="-128"/>
+                  <a:ea typeface="Meiryo" charset="-128"/>
+                  <a:cs typeface="Meiryo" charset="-128"/>
+                </a:rPr>
+                <a:t>Gauss</a:t>
+              </a:r>
+              <a:r>
+                <a:rPr lang="ja-JP" altLang="en-US" sz="2400" dirty="0">
+                  <a:latin typeface="Meiryo" charset="-128"/>
+                  <a:ea typeface="Meiryo" charset="-128"/>
+                  <a:cs typeface="Meiryo" charset="-128"/>
+                </a:rPr>
+                <a:t>分布の対数尤度関数を   </a:t>
+              </a:r>
+              <a:r>
+                <a:rPr lang="en-US" altLang="ja-JP" sz="2400" dirty="0" smtClean="0">
+                  <a:latin typeface="Meiryo" charset="-128"/>
+                  <a:ea typeface="Meiryo" charset="-128"/>
+                  <a:cs typeface="Meiryo" charset="-128"/>
+                </a:rPr>
+                <a:t>    , </a:t>
+              </a:r>
+              <a:r>
+                <a:rPr lang="ja-JP" altLang="en-US" sz="2400" dirty="0" smtClean="0">
+                  <a:latin typeface="Meiryo" charset="-128"/>
+                  <a:ea typeface="Meiryo" charset="-128"/>
+                  <a:cs typeface="Meiryo" charset="-128"/>
+                </a:rPr>
+                <a:t>モデル</a:t>
+              </a:r>
+              <a:r>
+                <a:rPr lang="ja-JP" altLang="en-US" sz="2400" dirty="0">
+                  <a:latin typeface="Meiryo" charset="-128"/>
+                  <a:ea typeface="Meiryo" charset="-128"/>
+                  <a:cs typeface="Meiryo" charset="-128"/>
+                </a:rPr>
+                <a:t>のデータ数を</a:t>
+              </a:r>
+              <a:r>
+                <a:rPr lang="en-US" altLang="ja-JP" sz="2400" i="1" dirty="0">
+                  <a:latin typeface="Times New Roman" charset="0"/>
+                  <a:ea typeface="Times New Roman" charset="0"/>
+                  <a:cs typeface="Times New Roman" charset="0"/>
+                </a:rPr>
+                <a:t>R</a:t>
+              </a:r>
+              <a:r>
+                <a:rPr lang="ja-JP" altLang="en-US" sz="2400" dirty="0">
+                  <a:latin typeface="Meiryo" charset="-128"/>
+                  <a:ea typeface="Meiryo" charset="-128"/>
+                  <a:cs typeface="Meiryo" charset="-128"/>
+                </a:rPr>
+                <a:t>と表す．</a:t>
+              </a:r>
+              <a:endParaRPr lang="en-US" altLang="ja-JP" sz="2400" dirty="0">
+                <a:latin typeface="Meiryo" charset="-128"/>
+                <a:ea typeface="Meiryo" charset="-128"/>
+                <a:cs typeface="Meiryo" charset="-128"/>
+              </a:endParaRPr>
+            </a:p>
+          </p:txBody>
+        </p:sp>
+        <p:pic>
+          <p:nvPicPr>
+            <p:cNvPr id="10" name="図 9"/>
+            <p:cNvPicPr>
+              <a:picLocks noChangeAspect="1"/>
+            </p:cNvPicPr>
+            <p:nvPr/>
+          </p:nvPicPr>
+          <p:blipFill>
+            <a:blip r:embed="rId2"/>
+            <a:stretch>
+              <a:fillRect/>
+            </a:stretch>
+          </p:blipFill>
+          <p:spPr>
+            <a:xfrm>
+              <a:off x="7393425" y="997087"/>
+              <a:ext cx="625559" cy="351877"/>
+            </a:xfrm>
+            <a:prstGeom prst="rect">
+              <a:avLst/>
+            </a:prstGeom>
+          </p:spPr>
+        </p:pic>
+      </p:grpSp>
+      <p:pic>
+        <p:nvPicPr>
+          <p:cNvPr id="11" name="図 10"/>
+          <p:cNvPicPr>
+            <a:picLocks noChangeAspect="1"/>
+          </p:cNvPicPr>
+          <p:nvPr/>
+        </p:nvPicPr>
+        <p:blipFill>
+          <a:blip r:embed="rId3"/>
+          <a:stretch>
+            <a:fillRect/>
+          </a:stretch>
+        </p:blipFill>
+        <p:spPr>
+          <a:xfrm>
+            <a:off x="3354388" y="3616992"/>
+            <a:ext cx="5511800" cy="1168400"/>
+          </a:xfrm>
+          <a:prstGeom prst="rect">
+            <a:avLst/>
+          </a:prstGeom>
+        </p:spPr>
+      </p:pic>
       <p:sp>
         <p:nvSpPr>
-          <p:cNvPr id="5" name="コンテンツ プレースホルダー 2"/>
+          <p:cNvPr id="12" name="コンテンツ プレースホルダー 2"/>
           <p:cNvSpPr txBox="1">
             <a:spLocks/>
           </p:cNvSpPr>
@@ -7495,8 +8452,8 @@
         </p:nvSpPr>
         <p:spPr>
           <a:xfrm>
-            <a:off x="990600" y="1657051"/>
-            <a:ext cx="10515600" cy="681511"/>
+            <a:off x="852488" y="3066496"/>
+            <a:ext cx="10515600" cy="641068"/>
           </a:xfrm>
           <a:prstGeom prst="rect">
             <a:avLst/>
@@ -7682,81 +8639,202 @@
               <a:buNone/>
             </a:pPr>
             <a:r>
-              <a:rPr lang="ja-JP" altLang="en-US" smtClean="0"/>
-              <a:t>扱いやすくするため，前出の</a:t>
-            </a:r>
-            <a:r>
-              <a:rPr lang="en-US" altLang="ja-JP" smtClean="0"/>
+              <a:rPr lang="ja-JP" altLang="en-US" dirty="0" smtClean="0"/>
+              <a:t> 等方</a:t>
+            </a:r>
+            <a:r>
+              <a:rPr lang="en-US" altLang="ja-JP" dirty="0" smtClean="0"/>
+              <a:t>Gauss</a:t>
+            </a:r>
+            <a:r>
+              <a:rPr lang="ja-JP" altLang="en-US" dirty="0" smtClean="0"/>
+              <a:t>分布を考えると，分散</a:t>
+            </a:r>
+            <a:r>
+              <a:rPr lang="en-US" altLang="ja-JP" dirty="0" smtClean="0"/>
               <a:t> </a:t>
             </a:r>
             <a:r>
-              <a:rPr lang="en-US" altLang="ja-JP" i="1" smtClean="0">
+              <a:rPr lang="en-US" altLang="ja-JP" i="1" dirty="0" smtClean="0">
                 <a:latin typeface="Times New Roman" charset="0"/>
                 <a:ea typeface="Times New Roman" charset="0"/>
                 <a:cs typeface="Times New Roman" charset="0"/>
               </a:rPr>
-              <a:t>L</a:t>
-            </a:r>
-            <a:r>
-              <a:rPr lang="en-US" altLang="ja-JP" smtClean="0">
+              <a:t>σ</a:t>
+            </a:r>
+            <a:r>
+              <a:rPr lang="en-US" altLang="ja-JP" baseline="30000" dirty="0" smtClean="0">
                 <a:latin typeface="Times New Roman" charset="0"/>
                 <a:ea typeface="Times New Roman" charset="0"/>
                 <a:cs typeface="Times New Roman" charset="0"/>
               </a:rPr>
-              <a:t>(</a:t>
-            </a:r>
-            <a:r>
-              <a:rPr lang="en-US" altLang="ja-JP" i="1" smtClean="0">
-                <a:latin typeface="Times New Roman" charset="0"/>
-                <a:ea typeface="Times New Roman" charset="0"/>
-                <a:cs typeface="Times New Roman" charset="0"/>
-              </a:rPr>
-              <a:t>θ</a:t>
-            </a:r>
-            <a:r>
-              <a:rPr lang="en-US" altLang="ja-JP" smtClean="0">
-                <a:latin typeface="Times New Roman" charset="0"/>
-                <a:ea typeface="Times New Roman" charset="0"/>
-                <a:cs typeface="Times New Roman" charset="0"/>
-              </a:rPr>
-              <a:t>)</a:t>
-            </a:r>
-            <a:r>
-              <a:rPr lang="ja-JP" altLang="en-US" smtClean="0"/>
-              <a:t> の両辺の対数をとる</a:t>
-            </a:r>
-            <a:endParaRPr lang="ja-JP" altLang="en-US" dirty="0"/>
+              <a:t>2 </a:t>
+            </a:r>
+            <a:r>
+              <a:rPr lang="ja-JP" altLang="en-US" dirty="0" smtClean="0"/>
+              <a:t>は</a:t>
+            </a:r>
+            <a:endParaRPr lang="en-US" altLang="ja-JP" dirty="0" smtClean="0"/>
           </a:p>
         </p:txBody>
       </p:sp>
       <p:pic>
         <p:nvPicPr>
-          <p:cNvPr id="6" name="図 5"/>
+          <p:cNvPr id="13" name="図 12"/>
           <p:cNvPicPr>
             <a:picLocks noChangeAspect="1"/>
           </p:cNvPicPr>
           <p:nvPr/>
         </p:nvPicPr>
         <p:blipFill>
-          <a:blip r:embed="rId2"/>
+          <a:blip r:embed="rId4"/>
           <a:stretch>
             <a:fillRect/>
           </a:stretch>
         </p:blipFill>
         <p:spPr>
           <a:xfrm>
-            <a:off x="3930650" y="2274554"/>
-            <a:ext cx="4330700" cy="1257300"/>
+            <a:off x="1570038" y="5541963"/>
+            <a:ext cx="9080500" cy="1104900"/>
           </a:xfrm>
           <a:prstGeom prst="rect">
             <a:avLst/>
           </a:prstGeom>
         </p:spPr>
       </p:pic>
+      <p:sp>
+        <p:nvSpPr>
+          <p:cNvPr id="15" name="正方形/長方形 14"/>
+          <p:cNvSpPr/>
+          <p:nvPr/>
+        </p:nvSpPr>
+        <p:spPr>
+          <a:xfrm>
+            <a:off x="171943" y="995851"/>
+            <a:ext cx="11876690" cy="1200329"/>
+          </a:xfrm>
+          <a:prstGeom prst="rect">
+            <a:avLst/>
+          </a:prstGeom>
+        </p:spPr>
+        <p:txBody>
+          <a:bodyPr wrap="square">
+            <a:spAutoFit/>
+          </a:bodyPr>
+          <a:lstStyle/>
+          <a:p>
+            <a:pPr>
+              <a:lnSpc>
+                <a:spcPct val="150000"/>
+              </a:lnSpc>
+            </a:pPr>
+            <a:r>
+              <a:rPr lang="en-US" altLang="ja-JP" sz="2400" i="1" dirty="0" smtClean="0">
+                <a:latin typeface="Times New Roman" charset="0"/>
+                <a:ea typeface="Times New Roman" charset="0"/>
+                <a:cs typeface="Times New Roman" charset="0"/>
+              </a:rPr>
+              <a:t>d</a:t>
+            </a:r>
+            <a:r>
+              <a:rPr lang="ja-JP" altLang="en-US" sz="2400" dirty="0" smtClean="0">
+                <a:latin typeface="Meiryo" charset="-128"/>
+                <a:ea typeface="Meiryo" charset="-128"/>
+                <a:cs typeface="Meiryo" charset="-128"/>
+              </a:rPr>
+              <a:t>次元のデータ</a:t>
+            </a:r>
+            <a:r>
+              <a:rPr lang="en-US" altLang="ja-JP" sz="2400" b="1" i="1" dirty="0" smtClean="0">
+                <a:latin typeface="Times New Roman" charset="0"/>
+                <a:ea typeface="Times New Roman" charset="0"/>
+                <a:cs typeface="Times New Roman" charset="0"/>
+              </a:rPr>
+              <a:t>D</a:t>
+            </a:r>
+            <a:r>
+              <a:rPr lang="ja-JP" altLang="en-US" sz="2400" dirty="0" smtClean="0">
+                <a:latin typeface="Meiryo" charset="-128"/>
+                <a:ea typeface="Meiryo" charset="-128"/>
+                <a:cs typeface="Meiryo" charset="-128"/>
+              </a:rPr>
+              <a:t>を</a:t>
+            </a:r>
+            <a:r>
+              <a:rPr lang="en-US" altLang="ja-JP" sz="2400" i="1" dirty="0" smtClean="0">
+                <a:latin typeface="Times New Roman" charset="0"/>
+                <a:ea typeface="Times New Roman" charset="0"/>
+                <a:cs typeface="Times New Roman" charset="0"/>
+              </a:rPr>
+              <a:t>K</a:t>
+            </a:r>
+            <a:r>
+              <a:rPr lang="ja-JP" altLang="en-US" sz="2400" dirty="0" smtClean="0">
+                <a:latin typeface="Meiryo" charset="-128"/>
+                <a:ea typeface="Meiryo" charset="-128"/>
+                <a:cs typeface="Meiryo" charset="-128"/>
+              </a:rPr>
+              <a:t>個のクラスタに分割することを考える．</a:t>
+            </a:r>
+            <a:r>
+              <a:rPr lang="en-US" altLang="ja-JP" sz="2400" dirty="0" smtClean="0">
+                <a:latin typeface="Meiryo" charset="-128"/>
+                <a:ea typeface="Meiryo" charset="-128"/>
+                <a:cs typeface="Meiryo" charset="-128"/>
+              </a:rPr>
+              <a:t/>
+            </a:r>
+            <a:br>
+              <a:rPr lang="en-US" altLang="ja-JP" sz="2400" dirty="0" smtClean="0">
+                <a:latin typeface="Meiryo" charset="-128"/>
+                <a:ea typeface="Meiryo" charset="-128"/>
+                <a:cs typeface="Meiryo" charset="-128"/>
+              </a:rPr>
+            </a:br>
+            <a:r>
+              <a:rPr lang="en-US" altLang="ja-JP" sz="2400" b="1" i="1" dirty="0" err="1" smtClean="0">
+                <a:latin typeface="Times New Roman" charset="0"/>
+                <a:ea typeface="Times New Roman" charset="0"/>
+                <a:cs typeface="Times New Roman" charset="0"/>
+              </a:rPr>
+              <a:t>μ</a:t>
+            </a:r>
+            <a:r>
+              <a:rPr lang="ja-JP" altLang="en-US" sz="2400" dirty="0" smtClean="0">
+                <a:latin typeface="Meiryo" charset="-128"/>
+                <a:ea typeface="Meiryo" charset="-128"/>
+                <a:cs typeface="Meiryo" charset="-128"/>
+              </a:rPr>
+              <a:t>は</a:t>
+            </a:r>
+            <a:r>
+              <a:rPr lang="en-US" altLang="ja-JP" sz="2400" i="1" dirty="0" smtClean="0">
+                <a:latin typeface="Meiryo" charset="-128"/>
+                <a:ea typeface="Meiryo" charset="-128"/>
+                <a:cs typeface="Meiryo" charset="-128"/>
+              </a:rPr>
+              <a:t>d</a:t>
+            </a:r>
+            <a:r>
+              <a:rPr lang="ja-JP" altLang="en-US" sz="2400" dirty="0" smtClean="0">
+                <a:latin typeface="Meiryo" charset="-128"/>
+                <a:ea typeface="Meiryo" charset="-128"/>
+                <a:cs typeface="Meiryo" charset="-128"/>
+              </a:rPr>
+              <a:t>次元の平均ベクトルである</a:t>
+            </a:r>
+            <a:endParaRPr lang="en-US" altLang="ja-JP" sz="2400" dirty="0">
+              <a:latin typeface="Meiryo" charset="-128"/>
+              <a:ea typeface="Meiryo" charset="-128"/>
+              <a:cs typeface="Meiryo" charset="-128"/>
+            </a:endParaRPr>
+          </a:p>
+        </p:txBody>
+      </p:sp>
     </p:spTree>
     <p:extLst>
       <p:ext uri="{BB962C8B-B14F-4D97-AF65-F5344CB8AC3E}">
-        <p14:creationId xmlns:p14="http://schemas.microsoft.com/office/powerpoint/2010/main" val="488336414"/>
+        <p14:creationId xmlns:p14="http://schemas.microsoft.com/office/powerpoint/2010/main" val="519017789"/>
       </p:ext>
     </p:extLst>
   </p:cSld>
@@ -9281,28 +10359,20 @@
               <a:t> </a:t>
             </a:r>
             <a:r>
-              <a:rPr lang="ja-JP" altLang="en-US" sz="2400" dirty="0" smtClean="0">
-                <a:latin typeface="Meiryo" charset="-128"/>
-                <a:ea typeface="Meiryo" charset="-128"/>
-                <a:cs typeface="Meiryo" charset="-128"/>
-              </a:rPr>
-              <a:t>BIC'</a:t>
-            </a:r>
-            <a:r>
-              <a:rPr lang="ja-JP" altLang="en-US" sz="2400" i="1" baseline="-25000" dirty="0" smtClean="0">
-                <a:latin typeface="Meiryo" charset="-128"/>
-                <a:ea typeface="Meiryo" charset="-128"/>
-                <a:cs typeface="Meiryo" charset="-128"/>
-              </a:rPr>
-              <a:t>j</a:t>
-            </a:r>
-            <a:r>
-              <a:rPr lang="en-US" altLang="ja-JP" sz="2400" i="1" baseline="-25000" dirty="0" smtClean="0">
-                <a:latin typeface="Meiryo" charset="-128"/>
-                <a:ea typeface="Meiryo" charset="-128"/>
-                <a:cs typeface="Meiryo" charset="-128"/>
-              </a:rPr>
-              <a:t> </a:t>
+              <a:rPr lang="ja-JP" altLang="en-US" sz="2400" dirty="0">
+                <a:latin typeface="Meiryo" charset="-128"/>
+                <a:ea typeface="Meiryo" charset="-128"/>
+                <a:cs typeface="Meiryo" charset="-128"/>
+              </a:rPr>
+              <a:t>BIC’</a:t>
+            </a:r>
+            <a:r>
+              <a:rPr lang="ja-JP" altLang="en-US" sz="2400" i="1" baseline="-25000" dirty="0">
+                <a:latin typeface="Meiryo" charset="-128"/>
+                <a:ea typeface="Meiryo" charset="-128"/>
+                <a:cs typeface="Meiryo" charset="-128"/>
+              </a:rPr>
+              <a:t>j </a:t>
             </a:r>
             <a:r>
               <a:rPr lang="ja-JP" altLang="en-US" sz="2400" dirty="0" smtClean="0">

--- a/docs/interim-presen/interim_hagihara.pptx
+++ b/docs/interim-presen/interim_hagihara.pptx
@@ -3174,8 +3174,8 @@
         </p:nvSpPr>
         <p:spPr>
           <a:xfrm>
-            <a:off x="4925650" y="937697"/>
-            <a:ext cx="2340705" cy="369332"/>
+            <a:off x="4766162" y="847200"/>
+            <a:ext cx="3058851" cy="461665"/>
           </a:xfrm>
           <a:prstGeom prst="rect">
             <a:avLst/>
@@ -3189,7 +3189,7 @@
           <a:lstStyle/>
           <a:p>
             <a:r>
-              <a:rPr lang="ja-JP" altLang="en-US" dirty="0">
+              <a:rPr lang="ja-JP" altLang="en-US" sz="2400" dirty="0">
                 <a:latin typeface="Meiryo" charset="-128"/>
                 <a:ea typeface="Meiryo" charset="-128"/>
                 <a:cs typeface="Meiryo" charset="-128"/>
@@ -3207,8 +3207,8 @@
         </p:nvCxnSpPr>
         <p:spPr>
           <a:xfrm>
-            <a:off x="4925650" y="1294219"/>
-            <a:ext cx="2340705" cy="12813"/>
+            <a:off x="4766161" y="1292121"/>
+            <a:ext cx="3058851" cy="16744"/>
           </a:xfrm>
           <a:prstGeom prst="line">
             <a:avLst/>
@@ -3239,7 +3239,7 @@
         <p:spPr>
           <a:xfrm>
             <a:off x="327877" y="269695"/>
-            <a:ext cx="620683" cy="369332"/>
+            <a:ext cx="765979" cy="461665"/>
           </a:xfrm>
           <a:prstGeom prst="rect">
             <a:avLst/>
@@ -3253,10 +3253,10 @@
           <a:lstStyle/>
           <a:p>
             <a:r>
-              <a:rPr lang="en-US" altLang="ja-JP" dirty="0"/>
+              <a:rPr lang="en-US" altLang="ja-JP" sz="2400" dirty="0"/>
               <a:t>A-07</a:t>
             </a:r>
-            <a:endParaRPr lang="ja-JP" altLang="en-US" dirty="0"/>
+            <a:endParaRPr lang="ja-JP" altLang="en-US" sz="2400" dirty="0"/>
           </a:p>
         </p:txBody>
       </p:sp>
@@ -8694,7 +8694,7 @@
         </p:blipFill>
         <p:spPr>
           <a:xfrm>
-            <a:off x="1570038" y="5541963"/>
+            <a:off x="1570038" y="5331987"/>
             <a:ext cx="9080500" cy="1104900"/>
           </a:xfrm>
           <a:prstGeom prst="rect">
@@ -8824,6 +8824,79 @@
               <a:t>次元の平均ベクトルである</a:t>
             </a:r>
             <a:endParaRPr lang="en-US" altLang="ja-JP" sz="2400" dirty="0">
+              <a:latin typeface="Meiryo" charset="-128"/>
+              <a:ea typeface="Meiryo" charset="-128"/>
+              <a:cs typeface="Meiryo" charset="-128"/>
+            </a:endParaRPr>
+          </a:p>
+        </p:txBody>
+      </p:sp>
+      <p:cxnSp>
+        <p:nvCxnSpPr>
+          <p:cNvPr id="14" name="直線コネクタ 13"/>
+          <p:cNvCxnSpPr/>
+          <p:nvPr/>
+        </p:nvCxnSpPr>
+        <p:spPr>
+          <a:xfrm>
+            <a:off x="6517758" y="6463610"/>
+            <a:ext cx="4132780" cy="0"/>
+          </a:xfrm>
+          <a:prstGeom prst="line">
+            <a:avLst/>
+          </a:prstGeom>
+          <a:ln w="28575">
+            <a:solidFill>
+              <a:schemeClr val="accent2"/>
+            </a:solidFill>
+          </a:ln>
+        </p:spPr>
+        <p:style>
+          <a:lnRef idx="1">
+            <a:schemeClr val="accent1"/>
+          </a:lnRef>
+          <a:fillRef idx="0">
+            <a:schemeClr val="accent1"/>
+          </a:fillRef>
+          <a:effectRef idx="0">
+            <a:schemeClr val="accent1"/>
+          </a:effectRef>
+          <a:fontRef idx="minor">
+            <a:schemeClr val="tx1"/>
+          </a:fontRef>
+        </p:style>
+      </p:cxnSp>
+      <p:sp>
+        <p:nvSpPr>
+          <p:cNvPr id="16" name="テキスト ボックス 15"/>
+          <p:cNvSpPr txBox="1"/>
+          <p:nvPr/>
+        </p:nvSpPr>
+        <p:spPr>
+          <a:xfrm>
+            <a:off x="7235769" y="6490451"/>
+            <a:ext cx="2646878" cy="461665"/>
+          </a:xfrm>
+          <a:prstGeom prst="rect">
+            <a:avLst/>
+          </a:prstGeom>
+          <a:noFill/>
+        </p:spPr>
+        <p:txBody>
+          <a:bodyPr wrap="square" rtlCol="0">
+            <a:spAutoFit/>
+          </a:bodyPr>
+          <a:lstStyle/>
+          <a:p>
+            <a:r>
+              <a:rPr kumimoji="1" lang="ja-JP" altLang="en-US" sz="2400" b="1" dirty="0" smtClean="0">
+                <a:latin typeface="Meiryo" charset="-128"/>
+                <a:ea typeface="Meiryo" charset="-128"/>
+                <a:cs typeface="Meiryo" charset="-128"/>
+              </a:rPr>
+              <a:t>ユークリッド距離</a:t>
+            </a:r>
+            <a:endParaRPr kumimoji="1" lang="ja-JP" altLang="en-US" sz="2400" b="1" dirty="0">
               <a:latin typeface="Meiryo" charset="-128"/>
               <a:ea typeface="Meiryo" charset="-128"/>
               <a:cs typeface="Meiryo" charset="-128"/>

--- a/docs/interim-presen/interim_hagihara.pptx
+++ b/docs/interim-presen/interim_hagihara.pptx
@@ -7964,15 +7964,7 @@
                 <a:ea typeface="Meiryo" charset="-128"/>
                 <a:cs typeface="Meiryo" charset="-128"/>
               </a:rPr>
-              <a:t>次元の平均ベクトル</a:t>
-            </a:r>
-            <a:r>
-              <a:rPr lang="ja-JP" altLang="en-US" sz="2400" dirty="0" smtClean="0">
-                <a:latin typeface="Meiryo" charset="-128"/>
-                <a:ea typeface="Meiryo" charset="-128"/>
-                <a:cs typeface="Meiryo" charset="-128"/>
-              </a:rPr>
-              <a:t>であり，</a:t>
+              <a:t>次元の平均ベクトルであり，</a:t>
             </a:r>
             <a:r>
               <a:rPr lang="en-US" altLang="ja-JP" sz="2400" b="1" dirty="0" err="1" smtClean="0">

--- a/docs/interim-presen/interim_hagihara.pptx
+++ b/docs/interim-presen/interim_hagihara.pptx
@@ -5,35 +5,32 @@
     <p:sldMasterId id="2147483668" r:id="rId1"/>
   </p:sldMasterIdLst>
   <p:notesMasterIdLst>
-    <p:notesMasterId r:id="rId28"/>
+    <p:notesMasterId r:id="rId25"/>
   </p:notesMasterIdLst>
   <p:sldIdLst>
     <p:sldId id="256" r:id="rId2"/>
     <p:sldId id="257" r:id="rId3"/>
     <p:sldId id="259" r:id="rId4"/>
     <p:sldId id="258" r:id="rId5"/>
-    <p:sldId id="261" r:id="rId6"/>
-    <p:sldId id="271" r:id="rId7"/>
-    <p:sldId id="262" r:id="rId8"/>
-    <p:sldId id="263" r:id="rId9"/>
-    <p:sldId id="279" r:id="rId10"/>
-    <p:sldId id="273" r:id="rId11"/>
-    <p:sldId id="265" r:id="rId12"/>
-    <p:sldId id="274" r:id="rId13"/>
-    <p:sldId id="266" r:id="rId14"/>
-    <p:sldId id="280" r:id="rId15"/>
-    <p:sldId id="281" r:id="rId16"/>
-    <p:sldId id="267" r:id="rId17"/>
-    <p:sldId id="268" r:id="rId18"/>
-    <p:sldId id="269" r:id="rId19"/>
-    <p:sldId id="264" r:id="rId20"/>
-    <p:sldId id="270" r:id="rId21"/>
-    <p:sldId id="282" r:id="rId22"/>
-    <p:sldId id="272" r:id="rId23"/>
-    <p:sldId id="275" r:id="rId24"/>
-    <p:sldId id="276" r:id="rId25"/>
-    <p:sldId id="278" r:id="rId26"/>
-    <p:sldId id="277" r:id="rId27"/>
+    <p:sldId id="260" r:id="rId6"/>
+    <p:sldId id="261" r:id="rId7"/>
+    <p:sldId id="271" r:id="rId8"/>
+    <p:sldId id="262" r:id="rId9"/>
+    <p:sldId id="263" r:id="rId10"/>
+    <p:sldId id="264" r:id="rId11"/>
+    <p:sldId id="273" r:id="rId12"/>
+    <p:sldId id="265" r:id="rId13"/>
+    <p:sldId id="274" r:id="rId14"/>
+    <p:sldId id="266" r:id="rId15"/>
+    <p:sldId id="267" r:id="rId16"/>
+    <p:sldId id="268" r:id="rId17"/>
+    <p:sldId id="269" r:id="rId18"/>
+    <p:sldId id="270" r:id="rId19"/>
+    <p:sldId id="272" r:id="rId20"/>
+    <p:sldId id="275" r:id="rId21"/>
+    <p:sldId id="276" r:id="rId22"/>
+    <p:sldId id="278" r:id="rId23"/>
+    <p:sldId id="277" r:id="rId24"/>
   </p:sldIdLst>
   <p:sldSz cx="12192000" cy="6858000"/>
   <p:notesSz cx="6858000" cy="9144000"/>
@@ -222,7 +219,7 @@
           <a:p>
             <a:fld id="{B4646E02-4AB7-8D40-B256-3920728DD310}" type="datetimeFigureOut">
               <a:rPr kumimoji="1" lang="ja-JP" altLang="en-US" smtClean="0"/>
-              <a:t>2018/1/23</a:t>
+              <a:t>2018/1/25</a:t>
             </a:fld>
             <a:endParaRPr kumimoji="1" lang="ja-JP" altLang="en-US"/>
           </a:p>
@@ -650,24 +647,12 @@
           <a:lstStyle/>
           <a:p>
             <a:r>
-              <a:rPr kumimoji="1" lang="ja-JP" altLang="en-US" dirty="0"/>
-              <a:t>人工的に</a:t>
-            </a:r>
-            <a:r>
               <a:rPr kumimoji="1" lang="en-US" altLang="ja-JP" dirty="0"/>
               <a:t>2</a:t>
             </a:r>
             <a:r>
               <a:rPr kumimoji="1" lang="ja-JP" altLang="en-US" dirty="0"/>
-              <a:t>次元もしくは</a:t>
-            </a:r>
-            <a:r>
-              <a:rPr kumimoji="1" lang="en-US" altLang="ja-JP" dirty="0"/>
-              <a:t>3</a:t>
-            </a:r>
-            <a:r>
-              <a:rPr kumimoji="1" lang="ja-JP" altLang="en-US" dirty="0"/>
-              <a:t>次元のデータを生成</a:t>
+              <a:t>次元データに対するクラスタリングの例</a:t>
             </a:r>
           </a:p>
         </p:txBody>
@@ -689,7 +674,7 @@
           <a:p>
             <a:fld id="{F78381A3-C678-7B48-BA42-399B1155E4C3}" type="slidenum">
               <a:rPr kumimoji="1" lang="ja-JP" altLang="en-US" smtClean="0"/>
-              <a:t>19</a:t>
+              <a:t>11</a:t>
             </a:fld>
             <a:endParaRPr kumimoji="1" lang="ja-JP" altLang="en-US"/>
           </a:p>
@@ -698,7 +683,7 @@
     </p:spTree>
     <p:extLst>
       <p:ext uri="{BB962C8B-B14F-4D97-AF65-F5344CB8AC3E}">
-        <p14:creationId xmlns:p14="http://schemas.microsoft.com/office/powerpoint/2010/main" val="752522009"/>
+        <p14:creationId xmlns:p14="http://schemas.microsoft.com/office/powerpoint/2010/main" val="1526610886"/>
       </p:ext>
     </p:extLst>
   </p:cSld>
@@ -752,7 +737,21 @@
           <a:bodyPr/>
           <a:lstStyle/>
           <a:p>
-            <a:endParaRPr kumimoji="1" lang="ja-JP" altLang="en-US" dirty="0"/>
+            <a:r>
+              <a:rPr kumimoji="1" lang="en-US" altLang="ja-JP" dirty="0"/>
+              <a:t>AIC</a:t>
+            </a:r>
+            <a:r>
+              <a:rPr kumimoji="1" lang="ja-JP" altLang="en-US" dirty="0"/>
+              <a:t>はパラメータ数を過大に見積もる傾向があるため，</a:t>
+            </a:r>
+            <a:endParaRPr kumimoji="1" lang="en-US" altLang="ja-JP" dirty="0"/>
+          </a:p>
+          <a:p>
+            <a:r>
+              <a:rPr kumimoji="1" lang="ja-JP" altLang="en-US" dirty="0"/>
+              <a:t>ここではクラスタ数を過大に見積もっている</a:t>
+            </a:r>
           </a:p>
         </p:txBody>
       </p:sp>
@@ -773,7 +772,91 @@
           <a:p>
             <a:fld id="{F78381A3-C678-7B48-BA42-399B1155E4C3}" type="slidenum">
               <a:rPr kumimoji="1" lang="ja-JP" altLang="en-US" smtClean="0"/>
-              <a:t>24</a:t>
+              <a:t>12</a:t>
+            </a:fld>
+            <a:endParaRPr kumimoji="1" lang="ja-JP" altLang="en-US"/>
+          </a:p>
+        </p:txBody>
+      </p:sp>
+    </p:spTree>
+    <p:extLst>
+      <p:ext uri="{BB962C8B-B14F-4D97-AF65-F5344CB8AC3E}">
+        <p14:creationId xmlns:p14="http://schemas.microsoft.com/office/powerpoint/2010/main" val="2015699530"/>
+      </p:ext>
+    </p:extLst>
+  </p:cSld>
+  <p:clrMapOvr>
+    <a:masterClrMapping/>
+  </p:clrMapOvr>
+</p:notes>
+</file>
+
+<file path=ppt/notesSlides/notesSlide12.xml><?xml version="1.0" encoding="utf-8"?>
+<p:notes xmlns:a="http://schemas.openxmlformats.org/drawingml/2006/main" xmlns:r="http://schemas.openxmlformats.org/officeDocument/2006/relationships" xmlns:p="http://schemas.openxmlformats.org/presentationml/2006/main">
+  <p:cSld>
+    <p:spTree>
+      <p:nvGrpSpPr>
+        <p:cNvPr id="1" name=""/>
+        <p:cNvGrpSpPr/>
+        <p:nvPr/>
+      </p:nvGrpSpPr>
+      <p:grpSpPr>
+        <a:xfrm>
+          <a:off x="0" y="0"/>
+          <a:ext cx="0" cy="0"/>
+          <a:chOff x="0" y="0"/>
+          <a:chExt cx="0" cy="0"/>
+        </a:xfrm>
+      </p:grpSpPr>
+      <p:sp>
+        <p:nvSpPr>
+          <p:cNvPr id="2" name="スライド イメージ プレースホルダー 1"/>
+          <p:cNvSpPr>
+            <a:spLocks noGrp="1" noRot="1" noChangeAspect="1"/>
+          </p:cNvSpPr>
+          <p:nvPr>
+            <p:ph type="sldImg"/>
+          </p:nvPr>
+        </p:nvSpPr>
+        <p:spPr/>
+      </p:sp>
+      <p:sp>
+        <p:nvSpPr>
+          <p:cNvPr id="3" name="ノート プレースホルダー 2"/>
+          <p:cNvSpPr>
+            <a:spLocks noGrp="1"/>
+          </p:cNvSpPr>
+          <p:nvPr>
+            <p:ph type="body" idx="1"/>
+          </p:nvPr>
+        </p:nvSpPr>
+        <p:spPr/>
+        <p:txBody>
+          <a:bodyPr/>
+          <a:lstStyle/>
+          <a:p>
+            <a:endParaRPr kumimoji="1" lang="ja-JP" altLang="en-US" dirty="0"/>
+          </a:p>
+        </p:txBody>
+      </p:sp>
+      <p:sp>
+        <p:nvSpPr>
+          <p:cNvPr id="4" name="スライド番号プレースホルダー 3"/>
+          <p:cNvSpPr>
+            <a:spLocks noGrp="1"/>
+          </p:cNvSpPr>
+          <p:nvPr>
+            <p:ph type="sldNum" sz="quarter" idx="10"/>
+          </p:nvPr>
+        </p:nvSpPr>
+        <p:spPr/>
+        <p:txBody>
+          <a:bodyPr/>
+          <a:lstStyle/>
+          <a:p>
+            <a:fld id="{F78381A3-C678-7B48-BA42-399B1155E4C3}" type="slidenum">
+              <a:rPr kumimoji="1" lang="ja-JP" altLang="en-US" smtClean="0"/>
+              <a:t>21</a:t>
             </a:fld>
             <a:endParaRPr kumimoji="1" lang="ja-JP" altLang="en-US"/>
           </a:p>
@@ -1026,28 +1109,40 @@
           <a:p>
             <a:r>
               <a:rPr kumimoji="1" lang="en-US" altLang="ja-JP" dirty="0"/>
-              <a:t>2</a:t>
+              <a:t>×</a:t>
             </a:r>
             <a:r>
               <a:rPr kumimoji="1" lang="ja-JP" altLang="en-US" dirty="0"/>
-              <a:t>つにわけていくということを強調</a:t>
+              <a:t>がセントロイド</a:t>
             </a:r>
             <a:endParaRPr kumimoji="1" lang="en-US" altLang="ja-JP" dirty="0"/>
           </a:p>
           <a:p>
+            <a:endParaRPr kumimoji="1" lang="en-US" altLang="ja-JP" dirty="0"/>
+          </a:p>
+          <a:p>
+            <a:r>
+              <a:rPr kumimoji="1" lang="en-US" altLang="ja-JP" dirty="0"/>
+              <a:t>L2</a:t>
+            </a:r>
             <a:r>
               <a:rPr kumimoji="1" lang="ja-JP" altLang="en-US" dirty="0"/>
-              <a:t>わけていいかということを情報量規準により判断</a:t>
+              <a:t>ノルムだからモデルは混合等方</a:t>
+            </a:r>
+            <a:r>
+              <a:rPr kumimoji="1" lang="en-US" altLang="ja-JP" dirty="0"/>
+              <a:t>Gauss</a:t>
+            </a:r>
+            <a:r>
+              <a:rPr kumimoji="1" lang="ja-JP" altLang="en-US" dirty="0"/>
+              <a:t>分布を想定</a:t>
             </a:r>
             <a:endParaRPr kumimoji="1" lang="en-US" altLang="ja-JP" dirty="0"/>
           </a:p>
           <a:p>
-            <a:endParaRPr kumimoji="1" lang="en-US" altLang="ja-JP" dirty="0"/>
-          </a:p>
-          <a:p>
             <a:r>
               <a:rPr kumimoji="1" lang="ja-JP" altLang="en-US" dirty="0"/>
-              <a:t>次でどのように分けていくかを具体的に説明</a:t>
+              <a:t>距離を変えることで他のモデルも想定することができる</a:t>
             </a:r>
           </a:p>
         </p:txBody>
@@ -1078,7 +1173,7 @@
     </p:spTree>
     <p:extLst>
       <p:ext uri="{BB962C8B-B14F-4D97-AF65-F5344CB8AC3E}">
-        <p14:creationId xmlns:p14="http://schemas.microsoft.com/office/powerpoint/2010/main" val="741855104"/>
+        <p14:creationId xmlns:p14="http://schemas.microsoft.com/office/powerpoint/2010/main" val="1995931389"/>
       </p:ext>
     </p:extLst>
   </p:cSld>
@@ -1133,19 +1228,29 @@
           <a:lstStyle/>
           <a:p>
             <a:r>
-              <a:rPr kumimoji="1" lang="ja-JP" altLang="en-US" dirty="0"/>
-              <a:t>元のセントロイド</a:t>
-            </a:r>
-            <a:endParaRPr kumimoji="1" lang="en-US" altLang="ja-JP" dirty="0"/>
-          </a:p>
-          <a:p>
-            <a:r>
               <a:rPr kumimoji="1" lang="en-US" altLang="ja-JP" dirty="0"/>
               <a:t>2</a:t>
             </a:r>
             <a:r>
               <a:rPr kumimoji="1" lang="ja-JP" altLang="en-US" dirty="0"/>
-              <a:t>つに分けたもののセントロイド</a:t>
+              <a:t>つにわけていくということを強調</a:t>
+            </a:r>
+            <a:endParaRPr kumimoji="1" lang="en-US" altLang="ja-JP" dirty="0"/>
+          </a:p>
+          <a:p>
+            <a:r>
+              <a:rPr kumimoji="1" lang="ja-JP" altLang="en-US" dirty="0"/>
+              <a:t>わけていいかということを情報量規準により判断</a:t>
+            </a:r>
+            <a:endParaRPr kumimoji="1" lang="en-US" altLang="ja-JP" dirty="0"/>
+          </a:p>
+          <a:p>
+            <a:endParaRPr kumimoji="1" lang="en-US" altLang="ja-JP" dirty="0"/>
+          </a:p>
+          <a:p>
+            <a:r>
+              <a:rPr kumimoji="1" lang="ja-JP" altLang="en-US" dirty="0"/>
+              <a:t>次でどのように分けていくかを具体的に説明</a:t>
             </a:r>
           </a:p>
         </p:txBody>
@@ -1176,7 +1281,7 @@
     </p:spTree>
     <p:extLst>
       <p:ext uri="{BB962C8B-B14F-4D97-AF65-F5344CB8AC3E}">
-        <p14:creationId xmlns:p14="http://schemas.microsoft.com/office/powerpoint/2010/main" val="286476815"/>
+        <p14:creationId xmlns:p14="http://schemas.microsoft.com/office/powerpoint/2010/main" val="741855104"/>
       </p:ext>
     </p:extLst>
   </p:cSld>
@@ -1230,7 +1335,21 @@
           <a:bodyPr/>
           <a:lstStyle/>
           <a:p>
-            <a:endParaRPr kumimoji="1" lang="ja-JP" altLang="en-US" dirty="0"/>
+            <a:r>
+              <a:rPr kumimoji="1" lang="ja-JP" altLang="en-US" dirty="0"/>
+              <a:t>元のセントロイド</a:t>
+            </a:r>
+            <a:endParaRPr kumimoji="1" lang="en-US" altLang="ja-JP" dirty="0"/>
+          </a:p>
+          <a:p>
+            <a:r>
+              <a:rPr kumimoji="1" lang="en-US" altLang="ja-JP" dirty="0"/>
+              <a:t>2</a:t>
+            </a:r>
+            <a:r>
+              <a:rPr kumimoji="1" lang="ja-JP" altLang="en-US" dirty="0"/>
+              <a:t>つに分けたもののセントロイド</a:t>
+            </a:r>
           </a:p>
         </p:txBody>
       </p:sp>
@@ -1260,7 +1379,7 @@
     </p:spTree>
     <p:extLst>
       <p:ext uri="{BB962C8B-B14F-4D97-AF65-F5344CB8AC3E}">
-        <p14:creationId xmlns:p14="http://schemas.microsoft.com/office/powerpoint/2010/main" val="72128565"/>
+        <p14:creationId xmlns:p14="http://schemas.microsoft.com/office/powerpoint/2010/main" val="286476815"/>
       </p:ext>
     </p:extLst>
   </p:cSld>
@@ -1314,20 +1433,7 @@
           <a:bodyPr/>
           <a:lstStyle/>
           <a:p>
-            <a:r>
-              <a:rPr kumimoji="1" lang="ja-JP" altLang="en-US" dirty="0"/>
-              <a:t>正負が逆になっているが，大小関係が逆になるだけ</a:t>
-            </a:r>
-            <a:endParaRPr kumimoji="1" lang="en-US" altLang="ja-JP" dirty="0"/>
-          </a:p>
-          <a:p>
-            <a:endParaRPr kumimoji="1" lang="en-US" altLang="ja-JP" dirty="0"/>
-          </a:p>
-          <a:p>
-            <a:r>
-              <a:rPr kumimoji="1" lang="ja-JP" altLang="en-US" dirty="0"/>
-              <a:t>パラメータ数を過大に見積もる</a:t>
-            </a:r>
+            <a:endParaRPr kumimoji="1" lang="ja-JP" altLang="en-US" dirty="0"/>
           </a:p>
         </p:txBody>
       </p:sp>
@@ -1357,7 +1463,7 @@
     </p:spTree>
     <p:extLst>
       <p:ext uri="{BB962C8B-B14F-4D97-AF65-F5344CB8AC3E}">
-        <p14:creationId xmlns:p14="http://schemas.microsoft.com/office/powerpoint/2010/main" val="151371020"/>
+        <p14:creationId xmlns:p14="http://schemas.microsoft.com/office/powerpoint/2010/main" val="72128565"/>
       </p:ext>
     </p:extLst>
   </p:cSld>
@@ -1412,12 +1518,18 @@
           <a:lstStyle/>
           <a:p>
             <a:r>
-              <a:rPr kumimoji="1" lang="en-US" altLang="ja-JP" dirty="0"/>
-              <a:t>2</a:t>
-            </a:r>
-            <a:r>
               <a:rPr kumimoji="1" lang="ja-JP" altLang="en-US" dirty="0"/>
-              <a:t>次元データに対するクラスタリングの例</a:t>
+              <a:t>正負が逆になっているが，大小関係が逆になるだけ</a:t>
+            </a:r>
+            <a:endParaRPr kumimoji="1" lang="en-US" altLang="ja-JP" dirty="0"/>
+          </a:p>
+          <a:p>
+            <a:endParaRPr kumimoji="1" lang="en-US" altLang="ja-JP" dirty="0"/>
+          </a:p>
+          <a:p>
+            <a:r>
+              <a:rPr kumimoji="1" lang="ja-JP" altLang="en-US" dirty="0"/>
+              <a:t>パラメータ数を過大に見積もる</a:t>
             </a:r>
           </a:p>
         </p:txBody>
@@ -1439,7 +1551,7 @@
           <a:p>
             <a:fld id="{F78381A3-C678-7B48-BA42-399B1155E4C3}" type="slidenum">
               <a:rPr kumimoji="1" lang="ja-JP" altLang="en-US" smtClean="0"/>
-              <a:t>10</a:t>
+              <a:t>9</a:t>
             </a:fld>
             <a:endParaRPr kumimoji="1" lang="ja-JP" altLang="en-US"/>
           </a:p>
@@ -1448,7 +1560,7 @@
     </p:spTree>
     <p:extLst>
       <p:ext uri="{BB962C8B-B14F-4D97-AF65-F5344CB8AC3E}">
-        <p14:creationId xmlns:p14="http://schemas.microsoft.com/office/powerpoint/2010/main" val="1526610886"/>
+        <p14:creationId xmlns:p14="http://schemas.microsoft.com/office/powerpoint/2010/main" val="151371020"/>
       </p:ext>
     </p:extLst>
   </p:cSld>
@@ -1503,19 +1615,24 @@
           <a:lstStyle/>
           <a:p>
             <a:r>
+              <a:rPr kumimoji="1" lang="ja-JP" altLang="en-US" dirty="0"/>
+              <a:t>人工的に</a:t>
+            </a:r>
+            <a:r>
               <a:rPr kumimoji="1" lang="en-US" altLang="ja-JP" dirty="0"/>
-              <a:t>AIC</a:t>
+              <a:t>2</a:t>
             </a:r>
             <a:r>
               <a:rPr kumimoji="1" lang="ja-JP" altLang="en-US" dirty="0"/>
-              <a:t>はパラメータ数を過大に見積もる傾向があるため，</a:t>
-            </a:r>
-            <a:endParaRPr kumimoji="1" lang="en-US" altLang="ja-JP" dirty="0"/>
-          </a:p>
-          <a:p>
+              <a:t>次元もしくは</a:t>
+            </a:r>
+            <a:r>
+              <a:rPr kumimoji="1" lang="en-US" altLang="ja-JP" dirty="0"/>
+              <a:t>3</a:t>
+            </a:r>
             <a:r>
               <a:rPr kumimoji="1" lang="ja-JP" altLang="en-US" dirty="0"/>
-              <a:t>ここではクラスタ数を過大に見積もっている</a:t>
+              <a:t>次元のデータを生成</a:t>
             </a:r>
           </a:p>
         </p:txBody>
@@ -1537,7 +1654,7 @@
           <a:p>
             <a:fld id="{F78381A3-C678-7B48-BA42-399B1155E4C3}" type="slidenum">
               <a:rPr kumimoji="1" lang="ja-JP" altLang="en-US" smtClean="0"/>
-              <a:t>11</a:t>
+              <a:t>10</a:t>
             </a:fld>
             <a:endParaRPr kumimoji="1" lang="ja-JP" altLang="en-US"/>
           </a:p>
@@ -1546,7 +1663,7 @@
     </p:spTree>
     <p:extLst>
       <p:ext uri="{BB962C8B-B14F-4D97-AF65-F5344CB8AC3E}">
-        <p14:creationId xmlns:p14="http://schemas.microsoft.com/office/powerpoint/2010/main" val="2015699530"/>
+        <p14:creationId xmlns:p14="http://schemas.microsoft.com/office/powerpoint/2010/main" val="752522009"/>
       </p:ext>
     </p:extLst>
   </p:cSld>
@@ -1687,7 +1804,7 @@
           <a:p>
             <a:fld id="{C764DE79-268F-4C1A-8933-263129D2AF90}" type="datetimeFigureOut">
               <a:rPr lang="en-US" dirty="0"/>
-              <a:t>1/23/18</a:t>
+              <a:t>1/25/18</a:t>
             </a:fld>
             <a:endParaRPr lang="en-US" dirty="0"/>
           </a:p>
@@ -2038,7 +2155,7 @@
           <a:p>
             <a:fld id="{FEADE02B-27BC-6D48-8820-5A877B98ECB7}" type="datetimeFigureOut">
               <a:rPr kumimoji="1" lang="ja-JP" altLang="en-US" smtClean="0"/>
-              <a:t>2018/1/23</a:t>
+              <a:t>2018/1/25</a:t>
             </a:fld>
             <a:endParaRPr kumimoji="1" lang="ja-JP" altLang="en-US"/>
           </a:p>
@@ -2151,7 +2268,7 @@
           <a:p>
             <a:fld id="{C764DE79-268F-4C1A-8933-263129D2AF90}" type="datetimeFigureOut">
               <a:rPr lang="en-US" dirty="0"/>
-              <a:t>1/23/18</a:t>
+              <a:t>1/25/18</a:t>
             </a:fld>
             <a:endParaRPr lang="en-US" dirty="0"/>
           </a:p>
@@ -2439,7 +2556,7 @@
           <a:p>
             <a:fld id="{FEADE02B-27BC-6D48-8820-5A877B98ECB7}" type="datetimeFigureOut">
               <a:rPr kumimoji="1" lang="ja-JP" altLang="en-US" smtClean="0"/>
-              <a:t>2018/1/23</a:t>
+              <a:t>2018/1/25</a:t>
             </a:fld>
             <a:endParaRPr kumimoji="1" lang="ja-JP" altLang="en-US"/>
           </a:p>
@@ -3006,8 +3123,8 @@
         </p:nvSpPr>
         <p:spPr>
           <a:xfrm>
-            <a:off x="4874349" y="847200"/>
-            <a:ext cx="2443298" cy="461665"/>
+            <a:off x="4766162" y="847200"/>
+            <a:ext cx="3058851" cy="461665"/>
           </a:xfrm>
           <a:prstGeom prst="rect">
             <a:avLst/>
@@ -3026,7 +3143,7 @@
                 <a:ea typeface="Meiryo" charset="-128"/>
                 <a:cs typeface="Meiryo" charset="-128"/>
               </a:rPr>
-              <a:t>卒業研究 発表会</a:t>
+              <a:t>卒業研究 予備審査会</a:t>
             </a:r>
           </a:p>
         </p:txBody>
@@ -3039,7 +3156,7 @@
         </p:nvCxnSpPr>
         <p:spPr>
           <a:xfrm>
-            <a:off x="4566573" y="1292121"/>
+            <a:off x="4766161" y="1292121"/>
             <a:ext cx="3058851" cy="16744"/>
           </a:xfrm>
           <a:prstGeom prst="line">
@@ -3071,7 +3188,7 @@
         <p:spPr>
           <a:xfrm>
             <a:off x="327877" y="269695"/>
-            <a:ext cx="747962" cy="461665"/>
+            <a:ext cx="765979" cy="461665"/>
           </a:xfrm>
           <a:prstGeom prst="rect">
             <a:avLst/>
@@ -3086,7 +3203,7 @@
           <a:p>
             <a:r>
               <a:rPr lang="en-US" altLang="ja-JP" sz="2400" dirty="0"/>
-              <a:t>X-XX</a:t>
+              <a:t>A-07</a:t>
             </a:r>
             <a:endParaRPr lang="ja-JP" altLang="en-US" sz="2400" dirty="0"/>
           </a:p>
@@ -3138,6 +3255,272 @@
           <a:lstStyle/>
           <a:p>
             <a:r>
+              <a:rPr lang="ja-JP" altLang="en-US" dirty="0"/>
+              <a:t>実験</a:t>
+            </a:r>
+            <a:endParaRPr kumimoji="1" lang="ja-JP" altLang="en-US" dirty="0"/>
+          </a:p>
+        </p:txBody>
+      </p:sp>
+      <p:sp>
+        <p:nvSpPr>
+          <p:cNvPr id="3" name="コンテンツ プレースホルダー 2"/>
+          <p:cNvSpPr>
+            <a:spLocks noGrp="1"/>
+          </p:cNvSpPr>
+          <p:nvPr>
+            <p:ph idx="1"/>
+          </p:nvPr>
+        </p:nvSpPr>
+        <p:spPr>
+          <a:xfrm>
+            <a:off x="838200" y="1088181"/>
+            <a:ext cx="10515600" cy="5575666"/>
+          </a:xfrm>
+        </p:spPr>
+        <p:txBody>
+          <a:bodyPr/>
+          <a:lstStyle/>
+          <a:p>
+            <a:pPr>
+              <a:lnSpc>
+                <a:spcPct val="150000"/>
+              </a:lnSpc>
+            </a:pPr>
+            <a:r>
+              <a:rPr lang="ja-JP" altLang="en-US" dirty="0"/>
+              <a:t>人工的に</a:t>
+            </a:r>
+            <a:r>
+              <a:rPr lang="en-US" altLang="ja-JP" b="1" dirty="0"/>
+              <a:t>2</a:t>
+            </a:r>
+            <a:r>
+              <a:rPr kumimoji="1" lang="ja-JP" altLang="en-US" b="1" dirty="0"/>
+              <a:t>次元</a:t>
+            </a:r>
+            <a:r>
+              <a:rPr kumimoji="1" lang="ja-JP" altLang="en-US" dirty="0"/>
+              <a:t>もしくは</a:t>
+            </a:r>
+            <a:r>
+              <a:rPr kumimoji="1" lang="en-US" altLang="ja-JP" b="1" dirty="0"/>
+              <a:t>3</a:t>
+            </a:r>
+            <a:r>
+              <a:rPr kumimoji="1" lang="ja-JP" altLang="en-US" b="1" dirty="0"/>
+              <a:t>次元</a:t>
+            </a:r>
+            <a:r>
+              <a:rPr lang="ja-JP" altLang="en-US" dirty="0"/>
+              <a:t>空間のデータを生成</a:t>
+            </a:r>
+            <a:endParaRPr lang="en-US" altLang="ja-JP" dirty="0"/>
+          </a:p>
+          <a:p>
+            <a:pPr lvl="1">
+              <a:lnSpc>
+                <a:spcPct val="150000"/>
+              </a:lnSpc>
+              <a:buFont typeface="Wingdings" charset="2"/>
+              <a:buChar char="u"/>
+            </a:pPr>
+            <a:r>
+              <a:rPr kumimoji="1" lang="ja-JP" altLang="en-US" dirty="0"/>
+              <a:t> 分散</a:t>
+            </a:r>
+            <a:r>
+              <a:rPr kumimoji="1" lang="en-US" altLang="ja-JP" dirty="0"/>
+              <a:t> </a:t>
+            </a:r>
+            <a:r>
+              <a:rPr kumimoji="1" lang="en-US" altLang="ja-JP" i="1" dirty="0">
+                <a:latin typeface="Times New Roman" charset="0"/>
+                <a:ea typeface="Times New Roman" charset="0"/>
+                <a:cs typeface="Times New Roman" charset="0"/>
+              </a:rPr>
+              <a:t>σ</a:t>
+            </a:r>
+            <a:r>
+              <a:rPr kumimoji="1" lang="en-US" altLang="ja-JP" baseline="30000" dirty="0">
+                <a:latin typeface="Times New Roman" charset="0"/>
+                <a:ea typeface="Times New Roman" charset="0"/>
+                <a:cs typeface="Times New Roman" charset="0"/>
+              </a:rPr>
+              <a:t>2</a:t>
+            </a:r>
+            <a:r>
+              <a:rPr lang="en-US" altLang="ja-JP" dirty="0">
+                <a:latin typeface="Times New Roman" charset="0"/>
+                <a:ea typeface="Times New Roman" charset="0"/>
+                <a:cs typeface="Times New Roman" charset="0"/>
+              </a:rPr>
+              <a:t>=1 </a:t>
+            </a:r>
+            <a:r>
+              <a:rPr lang="ja-JP" altLang="en-US" dirty="0"/>
+              <a:t>の</a:t>
+            </a:r>
+            <a:r>
+              <a:rPr lang="en-US" altLang="ja-JP" dirty="0"/>
+              <a:t>5</a:t>
+            </a:r>
+            <a:r>
+              <a:rPr lang="ja-JP" altLang="en-US" dirty="0"/>
+              <a:t>つの等方</a:t>
+            </a:r>
+            <a:r>
+              <a:rPr lang="en-US" altLang="ja-JP" dirty="0"/>
+              <a:t>Gauss</a:t>
+            </a:r>
+            <a:r>
+              <a:rPr lang="ja-JP" altLang="en-US" dirty="0"/>
+              <a:t>分布で構成</a:t>
+            </a:r>
+            <a:endParaRPr lang="en-US" altLang="ja-JP" dirty="0"/>
+          </a:p>
+          <a:p>
+            <a:pPr lvl="1">
+              <a:lnSpc>
+                <a:spcPct val="150000"/>
+              </a:lnSpc>
+              <a:buFont typeface="Wingdings" charset="2"/>
+              <a:buChar char="u"/>
+            </a:pPr>
+            <a:r>
+              <a:rPr kumimoji="1" lang="ja-JP" altLang="en-US" dirty="0"/>
+              <a:t> 各クラスタは</a:t>
+            </a:r>
+            <a:r>
+              <a:rPr kumimoji="1" lang="en-US" altLang="ja-JP" dirty="0"/>
+              <a:t>500</a:t>
+            </a:r>
+            <a:r>
+              <a:rPr kumimoji="1" lang="ja-JP" altLang="en-US" dirty="0"/>
+              <a:t>個のデータ点からなる</a:t>
+            </a:r>
+            <a:endParaRPr kumimoji="1" lang="en-US" altLang="ja-JP" dirty="0"/>
+          </a:p>
+          <a:p>
+            <a:pPr>
+              <a:buFont typeface="Arial" charset="0"/>
+              <a:buChar char="•"/>
+            </a:pPr>
+            <a:r>
+              <a:rPr lang="ja-JP" altLang="en-US" dirty="0"/>
+              <a:t>分割停止規準に 対数尤度関数</a:t>
+            </a:r>
+            <a:r>
+              <a:rPr lang="en-US" altLang="ja-JP" dirty="0"/>
+              <a:t>, AIC, </a:t>
+            </a:r>
+            <a:r>
+              <a:rPr lang="en-US" altLang="ja-JP" dirty="0" err="1"/>
+              <a:t>cAIC</a:t>
+            </a:r>
+            <a:r>
+              <a:rPr lang="en-US" altLang="ja-JP" dirty="0"/>
+              <a:t>, BIC</a:t>
+            </a:r>
+            <a:r>
+              <a:rPr lang="ja-JP" altLang="en-US" dirty="0"/>
+              <a:t>を採用</a:t>
+            </a:r>
+            <a:endParaRPr lang="en-US" altLang="ja-JP" dirty="0"/>
+          </a:p>
+          <a:p>
+            <a:pPr>
+              <a:buFont typeface="Arial" charset="0"/>
+              <a:buChar char="•"/>
+            </a:pPr>
+            <a:r>
+              <a:rPr kumimoji="1" lang="ja-JP" altLang="en-US" dirty="0"/>
+              <a:t>性能評価は</a:t>
+            </a:r>
+            <a:r>
+              <a:rPr kumimoji="1" lang="en-US" altLang="ja-JP" dirty="0"/>
+              <a:t>ARI, NMI, Purity</a:t>
+            </a:r>
+            <a:r>
+              <a:rPr kumimoji="1" lang="ja-JP" altLang="en-US" dirty="0"/>
+              <a:t>を使用</a:t>
+            </a:r>
+            <a:r>
+              <a:rPr kumimoji="1" lang="en-US" altLang="ja-JP" dirty="0"/>
+              <a:t> (1</a:t>
+            </a:r>
+            <a:r>
+              <a:rPr kumimoji="1" lang="ja-JP" altLang="en-US" dirty="0"/>
+              <a:t>になるほど良い</a:t>
+            </a:r>
+            <a:r>
+              <a:rPr kumimoji="1" lang="en-US" altLang="ja-JP" dirty="0"/>
+              <a:t>)</a:t>
+            </a:r>
+          </a:p>
+          <a:p>
+            <a:pPr>
+              <a:buFont typeface="Arial" charset="0"/>
+              <a:buChar char="•"/>
+            </a:pPr>
+            <a:r>
+              <a:rPr lang="en-US" altLang="ja-JP" dirty="0"/>
+              <a:t>100</a:t>
+            </a:r>
+            <a:r>
+              <a:rPr lang="ja-JP" altLang="en-US" dirty="0"/>
+              <a:t>回のクラスタリング結果の平均を算出</a:t>
+            </a:r>
+            <a:endParaRPr kumimoji="1" lang="ja-JP" altLang="en-US" dirty="0"/>
+          </a:p>
+        </p:txBody>
+      </p:sp>
+    </p:spTree>
+    <p:extLst>
+      <p:ext uri="{BB962C8B-B14F-4D97-AF65-F5344CB8AC3E}">
+        <p14:creationId xmlns:p14="http://schemas.microsoft.com/office/powerpoint/2010/main" val="2067280417"/>
+      </p:ext>
+    </p:extLst>
+  </p:cSld>
+  <p:clrMapOvr>
+    <a:masterClrMapping/>
+  </p:clrMapOvr>
+</p:sld>
+</file>
+
+<file path=ppt/slides/slide11.xml><?xml version="1.0" encoding="utf-8"?>
+<p:sld xmlns:a="http://schemas.openxmlformats.org/drawingml/2006/main" xmlns:r="http://schemas.openxmlformats.org/officeDocument/2006/relationships" xmlns:p="http://schemas.openxmlformats.org/presentationml/2006/main">
+  <p:cSld>
+    <p:spTree>
+      <p:nvGrpSpPr>
+        <p:cNvPr id="1" name=""/>
+        <p:cNvGrpSpPr/>
+        <p:nvPr/>
+      </p:nvGrpSpPr>
+      <p:grpSpPr>
+        <a:xfrm>
+          <a:off x="0" y="0"/>
+          <a:ext cx="0" cy="0"/>
+          <a:chOff x="0" y="0"/>
+          <a:chExt cx="0" cy="0"/>
+        </a:xfrm>
+      </p:grpSpPr>
+      <p:sp>
+        <p:nvSpPr>
+          <p:cNvPr id="2" name="タイトル 1"/>
+          <p:cNvSpPr>
+            <a:spLocks noGrp="1"/>
+          </p:cNvSpPr>
+          <p:nvPr>
+            <p:ph type="title"/>
+          </p:nvPr>
+        </p:nvSpPr>
+        <p:spPr/>
+        <p:txBody>
+          <a:bodyPr/>
+          <a:lstStyle/>
+          <a:p>
+            <a:r>
               <a:rPr lang="en-US" altLang="ja-JP" dirty="0"/>
               <a:t>2</a:t>
             </a:r>
@@ -3191,7 +3574,7 @@
 </p:sld>
 </file>
 
-<file path=ppt/slides/slide11.xml><?xml version="1.0" encoding="utf-8"?>
+<file path=ppt/slides/slide12.xml><?xml version="1.0" encoding="utf-8"?>
 <p:sld xmlns:a="http://schemas.openxmlformats.org/drawingml/2006/main" xmlns:r="http://schemas.openxmlformats.org/officeDocument/2006/relationships" xmlns:p="http://schemas.openxmlformats.org/presentationml/2006/main">
   <p:cSld>
     <p:spTree>
@@ -3244,14 +3627,14 @@
           <p:nvPr>
             <p:extLst>
               <p:ext uri="{D42A27DB-BD31-4B8C-83A1-F6EECF244321}">
-                <p14:modId xmlns:p14="http://schemas.microsoft.com/office/powerpoint/2010/main" val="1854154938"/>
+                <p14:modId xmlns:p14="http://schemas.microsoft.com/office/powerpoint/2010/main" val="1318523074"/>
               </p:ext>
             </p:extLst>
           </p:nvPr>
         </p:nvGraphicFramePr>
         <p:xfrm>
-          <a:off x="2690649" y="1587270"/>
-          <a:ext cx="6810702" cy="2149991"/>
+          <a:off x="420415" y="1546810"/>
+          <a:ext cx="11351170" cy="2149991"/>
         </p:xfrm>
         <a:graphic>
           <a:graphicData uri="http://schemas.openxmlformats.org/drawingml/2006/table">
@@ -3277,7 +3660,21 @@
                 <a:gridCol w="2270234">
                   <a:extLst>
                     <a:ext uri="{9D8B030D-6E8A-4147-A177-3AD203B41FA5}">
+                      <a16:colId xmlns:a16="http://schemas.microsoft.com/office/drawing/2014/main" val="20002"/>
+                    </a:ext>
+                  </a:extLst>
+                </a:gridCol>
+                <a:gridCol w="2270234">
+                  <a:extLst>
+                    <a:ext uri="{9D8B030D-6E8A-4147-A177-3AD203B41FA5}">
                       <a16:colId xmlns:a16="http://schemas.microsoft.com/office/drawing/2014/main" val="20003"/>
+                    </a:ext>
+                  </a:extLst>
+                </a:gridCol>
+                <a:gridCol w="2270234">
+                  <a:extLst>
+                    <a:ext uri="{9D8B030D-6E8A-4147-A177-3AD203B41FA5}">
+                      <a16:colId xmlns:a16="http://schemas.microsoft.com/office/drawing/2014/main" val="20004"/>
                     </a:ext>
                   </a:extLst>
                 </a:gridCol>
@@ -3363,7 +3760,53 @@
                           <a:ea typeface="Meiryo" charset="-128"/>
                           <a:cs typeface="Meiryo" charset="-128"/>
                         </a:rPr>
+                        <a:t>ARI</a:t>
+                      </a:r>
+                      <a:endParaRPr kumimoji="1" lang="ja-JP" altLang="en-US" b="0" dirty="0">
+                        <a:latin typeface="Meiryo" charset="-128"/>
+                        <a:ea typeface="Meiryo" charset="-128"/>
+                        <a:cs typeface="Meiryo" charset="-128"/>
+                      </a:endParaRPr>
+                    </a:p>
+                  </a:txBody>
+                  <a:tcPr anchor="ctr"/>
+                </a:tc>
+                <a:tc>
+                  <a:txBody>
+                    <a:bodyPr/>
+                    <a:lstStyle/>
+                    <a:p>
+                      <a:pPr algn="ctr"/>
+                      <a:r>
+                        <a:rPr kumimoji="1" lang="en-US" altLang="ja-JP" b="0" dirty="0">
+                          <a:latin typeface="Meiryo" charset="-128"/>
+                          <a:ea typeface="Meiryo" charset="-128"/>
+                          <a:cs typeface="Meiryo" charset="-128"/>
+                        </a:rPr>
                         <a:t>NMI</a:t>
+                      </a:r>
+                      <a:endParaRPr kumimoji="1" lang="ja-JP" altLang="en-US" b="0" dirty="0">
+                        <a:latin typeface="Meiryo" charset="-128"/>
+                        <a:ea typeface="Meiryo" charset="-128"/>
+                        <a:cs typeface="Meiryo" charset="-128"/>
+                      </a:endParaRPr>
+                    </a:p>
+                  </a:txBody>
+                  <a:tcPr anchor="ctr"/>
+                </a:tc>
+                <a:tc>
+                  <a:txBody>
+                    <a:bodyPr/>
+                    <a:lstStyle/>
+                    <a:p>
+                      <a:pPr algn="ctr"/>
+                      <a:r>
+                        <a:rPr kumimoji="1" lang="en-US" altLang="ja-JP" b="0" dirty="0">
+                          <a:latin typeface="Meiryo" charset="-128"/>
+                          <a:ea typeface="Meiryo" charset="-128"/>
+                          <a:cs typeface="Meiryo" charset="-128"/>
+                        </a:rPr>
+                        <a:t>Purity</a:t>
                       </a:r>
                       <a:endParaRPr kumimoji="1" lang="ja-JP" altLang="en-US" b="0" dirty="0">
                         <a:latin typeface="Meiryo" charset="-128"/>
@@ -3439,7 +3882,53 @@
                           <a:ea typeface="Meiryo" charset="-128"/>
                           <a:cs typeface="Meiryo" charset="-128"/>
                         </a:rPr>
+                        <a:t>0.84458792</a:t>
+                      </a:r>
+                      <a:endParaRPr kumimoji="1" lang="ja-JP" altLang="en-US" b="0" dirty="0">
+                        <a:latin typeface="Meiryo" charset="-128"/>
+                        <a:ea typeface="Meiryo" charset="-128"/>
+                        <a:cs typeface="Meiryo" charset="-128"/>
+                      </a:endParaRPr>
+                    </a:p>
+                  </a:txBody>
+                  <a:tcPr anchor="ctr"/>
+                </a:tc>
+                <a:tc>
+                  <a:txBody>
+                    <a:bodyPr/>
+                    <a:lstStyle/>
+                    <a:p>
+                      <a:pPr algn="ctr"/>
+                      <a:r>
+                        <a:rPr kumimoji="1" lang="en-US" altLang="ja-JP" b="0" dirty="0">
+                          <a:latin typeface="Meiryo" charset="-128"/>
+                          <a:ea typeface="Meiryo" charset="-128"/>
+                          <a:cs typeface="Meiryo" charset="-128"/>
+                        </a:rPr>
                         <a:t>0.88281495</a:t>
+                      </a:r>
+                      <a:endParaRPr kumimoji="1" lang="ja-JP" altLang="en-US" b="0" dirty="0">
+                        <a:latin typeface="Meiryo" charset="-128"/>
+                        <a:ea typeface="Meiryo" charset="-128"/>
+                        <a:cs typeface="Meiryo" charset="-128"/>
+                      </a:endParaRPr>
+                    </a:p>
+                  </a:txBody>
+                  <a:tcPr anchor="ctr"/>
+                </a:tc>
+                <a:tc>
+                  <a:txBody>
+                    <a:bodyPr/>
+                    <a:lstStyle/>
+                    <a:p>
+                      <a:pPr algn="ctr"/>
+                      <a:r>
+                        <a:rPr kumimoji="1" lang="en-US" altLang="ja-JP" b="0" dirty="0">
+                          <a:latin typeface="Meiryo" charset="-128"/>
+                          <a:ea typeface="Meiryo" charset="-128"/>
+                          <a:cs typeface="Meiryo" charset="-128"/>
+                        </a:rPr>
+                        <a:t>0.84458792</a:t>
                       </a:r>
                       <a:endParaRPr kumimoji="1" lang="ja-JP" altLang="en-US" b="0" dirty="0">
                         <a:latin typeface="Meiryo" charset="-128"/>
@@ -3515,7 +4004,53 @@
                           <a:ea typeface="Meiryo" charset="-128"/>
                           <a:cs typeface="Meiryo" charset="-128"/>
                         </a:rPr>
+                        <a:t>0.85329139</a:t>
+                      </a:r>
+                      <a:endParaRPr kumimoji="1" lang="ja-JP" altLang="en-US" b="0" dirty="0">
+                        <a:latin typeface="Meiryo" charset="-128"/>
+                        <a:ea typeface="Meiryo" charset="-128"/>
+                        <a:cs typeface="Meiryo" charset="-128"/>
+                      </a:endParaRPr>
+                    </a:p>
+                  </a:txBody>
+                  <a:tcPr anchor="ctr"/>
+                </a:tc>
+                <a:tc>
+                  <a:txBody>
+                    <a:bodyPr/>
+                    <a:lstStyle/>
+                    <a:p>
+                      <a:pPr algn="ctr"/>
+                      <a:r>
+                        <a:rPr kumimoji="1" lang="en-US" altLang="ja-JP" b="0" dirty="0">
+                          <a:latin typeface="Meiryo" charset="-128"/>
+                          <a:ea typeface="Meiryo" charset="-128"/>
+                          <a:cs typeface="Meiryo" charset="-128"/>
+                        </a:rPr>
                         <a:t>0.89992544</a:t>
+                      </a:r>
+                      <a:endParaRPr kumimoji="1" lang="ja-JP" altLang="en-US" b="0" dirty="0">
+                        <a:latin typeface="Meiryo" charset="-128"/>
+                        <a:ea typeface="Meiryo" charset="-128"/>
+                        <a:cs typeface="Meiryo" charset="-128"/>
+                      </a:endParaRPr>
+                    </a:p>
+                  </a:txBody>
+                  <a:tcPr anchor="ctr"/>
+                </a:tc>
+                <a:tc>
+                  <a:txBody>
+                    <a:bodyPr/>
+                    <a:lstStyle/>
+                    <a:p>
+                      <a:pPr algn="ctr"/>
+                      <a:r>
+                        <a:rPr kumimoji="1" lang="en-US" altLang="ja-JP" b="0" dirty="0">
+                          <a:latin typeface="Meiryo" charset="-128"/>
+                          <a:ea typeface="Meiryo" charset="-128"/>
+                          <a:cs typeface="Meiryo" charset="-128"/>
+                        </a:rPr>
+                        <a:t>0.85329139</a:t>
                       </a:r>
                       <a:endParaRPr kumimoji="1" lang="ja-JP" altLang="en-US" b="0" dirty="0">
                         <a:latin typeface="Meiryo" charset="-128"/>
@@ -3591,7 +4126,53 @@
                           <a:ea typeface="Meiryo" charset="-128"/>
                           <a:cs typeface="Meiryo" charset="-128"/>
                         </a:rPr>
+                        <a:t>0.83642236</a:t>
+                      </a:r>
+                      <a:endParaRPr kumimoji="1" lang="ja-JP" altLang="en-US" b="0" dirty="0">
+                        <a:latin typeface="Meiryo" charset="-128"/>
+                        <a:ea typeface="Meiryo" charset="-128"/>
+                        <a:cs typeface="Meiryo" charset="-128"/>
+                      </a:endParaRPr>
+                    </a:p>
+                  </a:txBody>
+                  <a:tcPr anchor="ctr"/>
+                </a:tc>
+                <a:tc>
+                  <a:txBody>
+                    <a:bodyPr/>
+                    <a:lstStyle/>
+                    <a:p>
+                      <a:pPr algn="ctr"/>
+                      <a:r>
+                        <a:rPr kumimoji="1" lang="en-US" altLang="ja-JP" b="0" dirty="0">
+                          <a:latin typeface="Meiryo" charset="-128"/>
+                          <a:ea typeface="Meiryo" charset="-128"/>
+                          <a:cs typeface="Meiryo" charset="-128"/>
+                        </a:rPr>
                         <a:t>0.88147442</a:t>
+                      </a:r>
+                      <a:endParaRPr kumimoji="1" lang="ja-JP" altLang="en-US" b="0" dirty="0">
+                        <a:latin typeface="Meiryo" charset="-128"/>
+                        <a:ea typeface="Meiryo" charset="-128"/>
+                        <a:cs typeface="Meiryo" charset="-128"/>
+                      </a:endParaRPr>
+                    </a:p>
+                  </a:txBody>
+                  <a:tcPr anchor="ctr"/>
+                </a:tc>
+                <a:tc>
+                  <a:txBody>
+                    <a:bodyPr/>
+                    <a:lstStyle/>
+                    <a:p>
+                      <a:pPr algn="ctr"/>
+                      <a:r>
+                        <a:rPr kumimoji="1" lang="en-US" altLang="ja-JP" b="0" dirty="0">
+                          <a:latin typeface="Meiryo" charset="-128"/>
+                          <a:ea typeface="Meiryo" charset="-128"/>
+                          <a:cs typeface="Meiryo" charset="-128"/>
+                        </a:rPr>
+                        <a:t>0.83642236</a:t>
                       </a:r>
                       <a:endParaRPr kumimoji="1" lang="ja-JP" altLang="en-US" b="0" dirty="0">
                         <a:latin typeface="Meiryo" charset="-128"/>
@@ -3667,7 +4248,53 @@
                           <a:ea typeface="Meiryo" charset="-128"/>
                           <a:cs typeface="Meiryo" charset="-128"/>
                         </a:rPr>
+                        <a:t>0.85699618</a:t>
+                      </a:r>
+                      <a:endParaRPr kumimoji="1" lang="ja-JP" altLang="en-US" b="0" dirty="0">
+                        <a:latin typeface="Meiryo" charset="-128"/>
+                        <a:ea typeface="Meiryo" charset="-128"/>
+                        <a:cs typeface="Meiryo" charset="-128"/>
+                      </a:endParaRPr>
+                    </a:p>
+                  </a:txBody>
+                  <a:tcPr anchor="ctr"/>
+                </a:tc>
+                <a:tc>
+                  <a:txBody>
+                    <a:bodyPr/>
+                    <a:lstStyle/>
+                    <a:p>
+                      <a:pPr algn="ctr"/>
+                      <a:r>
+                        <a:rPr kumimoji="1" lang="en-US" altLang="ja-JP" b="0" dirty="0">
+                          <a:latin typeface="Meiryo" charset="-128"/>
+                          <a:ea typeface="Meiryo" charset="-128"/>
+                          <a:cs typeface="Meiryo" charset="-128"/>
+                        </a:rPr>
                         <a:t>0.91572100</a:t>
+                      </a:r>
+                      <a:endParaRPr kumimoji="1" lang="ja-JP" altLang="en-US" b="0" dirty="0">
+                        <a:latin typeface="Meiryo" charset="-128"/>
+                        <a:ea typeface="Meiryo" charset="-128"/>
+                        <a:cs typeface="Meiryo" charset="-128"/>
+                      </a:endParaRPr>
+                    </a:p>
+                  </a:txBody>
+                  <a:tcPr anchor="ctr"/>
+                </a:tc>
+                <a:tc>
+                  <a:txBody>
+                    <a:bodyPr/>
+                    <a:lstStyle/>
+                    <a:p>
+                      <a:pPr algn="ctr"/>
+                      <a:r>
+                        <a:rPr kumimoji="1" lang="en-US" altLang="ja-JP" b="0" dirty="0">
+                          <a:latin typeface="Meiryo" charset="-128"/>
+                          <a:ea typeface="Meiryo" charset="-128"/>
+                          <a:cs typeface="Meiryo" charset="-128"/>
+                        </a:rPr>
+                        <a:t>0.85699618</a:t>
                       </a:r>
                       <a:endParaRPr kumimoji="1" lang="ja-JP" altLang="en-US" b="0" dirty="0">
                         <a:latin typeface="Meiryo" charset="-128"/>
@@ -3782,7 +4409,7 @@
 </p:sld>
 </file>
 
-<file path=ppt/slides/slide12.xml><?xml version="1.0" encoding="utf-8"?>
+<file path=ppt/slides/slide13.xml><?xml version="1.0" encoding="utf-8"?>
 <p:sld xmlns:a="http://schemas.openxmlformats.org/drawingml/2006/main" xmlns:r="http://schemas.openxmlformats.org/officeDocument/2006/relationships" xmlns:p="http://schemas.openxmlformats.org/presentationml/2006/main">
   <p:cSld>
     <p:spTree>
@@ -3868,7 +4495,7 @@
 </p:sld>
 </file>
 
-<file path=ppt/slides/slide13.xml><?xml version="1.0" encoding="utf-8"?>
+<file path=ppt/slides/slide14.xml><?xml version="1.0" encoding="utf-8"?>
 <p:sld xmlns:a="http://schemas.openxmlformats.org/drawingml/2006/main" xmlns:r="http://schemas.openxmlformats.org/officeDocument/2006/relationships" xmlns:p="http://schemas.openxmlformats.org/presentationml/2006/main">
   <p:cSld>
     <p:spTree>
@@ -3980,14 +4607,14 @@
           <p:nvPr>
             <p:extLst>
               <p:ext uri="{D42A27DB-BD31-4B8C-83A1-F6EECF244321}">
-                <p14:modId xmlns:p14="http://schemas.microsoft.com/office/powerpoint/2010/main" val="753018878"/>
+                <p14:modId xmlns:p14="http://schemas.microsoft.com/office/powerpoint/2010/main" val="1668979134"/>
               </p:ext>
             </p:extLst>
           </p:nvPr>
         </p:nvGraphicFramePr>
         <p:xfrm>
           <a:off x="420415" y="1553942"/>
-          <a:ext cx="6810702" cy="2149991"/>
+          <a:ext cx="11351170" cy="2149991"/>
         </p:xfrm>
         <a:graphic>
           <a:graphicData uri="http://schemas.openxmlformats.org/drawingml/2006/table">
@@ -4013,7 +4640,21 @@
                 <a:gridCol w="2270234">
                   <a:extLst>
                     <a:ext uri="{9D8B030D-6E8A-4147-A177-3AD203B41FA5}">
+                      <a16:colId xmlns:a16="http://schemas.microsoft.com/office/drawing/2014/main" val="20002"/>
+                    </a:ext>
+                  </a:extLst>
+                </a:gridCol>
+                <a:gridCol w="2270234">
+                  <a:extLst>
+                    <a:ext uri="{9D8B030D-6E8A-4147-A177-3AD203B41FA5}">
                       <a16:colId xmlns:a16="http://schemas.microsoft.com/office/drawing/2014/main" val="20003"/>
+                    </a:ext>
+                  </a:extLst>
+                </a:gridCol>
+                <a:gridCol w="2270234">
+                  <a:extLst>
+                    <a:ext uri="{9D8B030D-6E8A-4147-A177-3AD203B41FA5}">
+                      <a16:colId xmlns:a16="http://schemas.microsoft.com/office/drawing/2014/main" val="20004"/>
                     </a:ext>
                   </a:extLst>
                 </a:gridCol>
@@ -4099,7 +4740,53 @@
                           <a:ea typeface="Meiryo" charset="-128"/>
                           <a:cs typeface="Meiryo" charset="-128"/>
                         </a:rPr>
+                        <a:t>ARI</a:t>
+                      </a:r>
+                      <a:endParaRPr kumimoji="1" lang="ja-JP" altLang="en-US" b="0" dirty="0">
+                        <a:latin typeface="Meiryo" charset="-128"/>
+                        <a:ea typeface="Meiryo" charset="-128"/>
+                        <a:cs typeface="Meiryo" charset="-128"/>
+                      </a:endParaRPr>
+                    </a:p>
+                  </a:txBody>
+                  <a:tcPr anchor="ctr"/>
+                </a:tc>
+                <a:tc>
+                  <a:txBody>
+                    <a:bodyPr/>
+                    <a:lstStyle/>
+                    <a:p>
+                      <a:pPr algn="ctr"/>
+                      <a:r>
+                        <a:rPr kumimoji="1" lang="en-US" altLang="ja-JP" b="0" dirty="0">
+                          <a:latin typeface="Meiryo" charset="-128"/>
+                          <a:ea typeface="Meiryo" charset="-128"/>
+                          <a:cs typeface="Meiryo" charset="-128"/>
+                        </a:rPr>
                         <a:t>NMI</a:t>
+                      </a:r>
+                      <a:endParaRPr kumimoji="1" lang="ja-JP" altLang="en-US" b="0" dirty="0">
+                        <a:latin typeface="Meiryo" charset="-128"/>
+                        <a:ea typeface="Meiryo" charset="-128"/>
+                        <a:cs typeface="Meiryo" charset="-128"/>
+                      </a:endParaRPr>
+                    </a:p>
+                  </a:txBody>
+                  <a:tcPr anchor="ctr"/>
+                </a:tc>
+                <a:tc>
+                  <a:txBody>
+                    <a:bodyPr/>
+                    <a:lstStyle/>
+                    <a:p>
+                      <a:pPr algn="ctr"/>
+                      <a:r>
+                        <a:rPr kumimoji="1" lang="en-US" altLang="ja-JP" b="0" dirty="0">
+                          <a:latin typeface="Meiryo" charset="-128"/>
+                          <a:ea typeface="Meiryo" charset="-128"/>
+                          <a:cs typeface="Meiryo" charset="-128"/>
+                        </a:rPr>
+                        <a:t>Purity</a:t>
                       </a:r>
                       <a:endParaRPr kumimoji="1" lang="ja-JP" altLang="en-US" b="0" dirty="0">
                         <a:latin typeface="Meiryo" charset="-128"/>
@@ -4175,7 +4862,53 @@
                           <a:ea typeface="Meiryo" charset="-128"/>
                           <a:cs typeface="Meiryo" charset="-128"/>
                         </a:rPr>
+                        <a:t>0.97179074</a:t>
+                      </a:r>
+                      <a:endParaRPr kumimoji="1" lang="ja-JP" altLang="en-US" b="0" dirty="0">
+                        <a:latin typeface="Meiryo" charset="-128"/>
+                        <a:ea typeface="Meiryo" charset="-128"/>
+                        <a:cs typeface="Meiryo" charset="-128"/>
+                      </a:endParaRPr>
+                    </a:p>
+                  </a:txBody>
+                  <a:tcPr anchor="ctr"/>
+                </a:tc>
+                <a:tc>
+                  <a:txBody>
+                    <a:bodyPr/>
+                    <a:lstStyle/>
+                    <a:p>
+                      <a:pPr algn="ctr"/>
+                      <a:r>
+                        <a:rPr kumimoji="1" lang="en-US" altLang="ja-JP" b="0" dirty="0">
+                          <a:latin typeface="Meiryo" charset="-128"/>
+                          <a:ea typeface="Meiryo" charset="-128"/>
+                          <a:cs typeface="Meiryo" charset="-128"/>
+                        </a:rPr>
                         <a:t>0.97913818</a:t>
+                      </a:r>
+                      <a:endParaRPr kumimoji="1" lang="ja-JP" altLang="en-US" b="0" dirty="0">
+                        <a:latin typeface="Meiryo" charset="-128"/>
+                        <a:ea typeface="Meiryo" charset="-128"/>
+                        <a:cs typeface="Meiryo" charset="-128"/>
+                      </a:endParaRPr>
+                    </a:p>
+                  </a:txBody>
+                  <a:tcPr anchor="ctr"/>
+                </a:tc>
+                <a:tc>
+                  <a:txBody>
+                    <a:bodyPr/>
+                    <a:lstStyle/>
+                    <a:p>
+                      <a:pPr algn="ctr"/>
+                      <a:r>
+                        <a:rPr kumimoji="1" lang="en-US" altLang="ja-JP" b="0" dirty="0">
+                          <a:latin typeface="Meiryo" charset="-128"/>
+                          <a:ea typeface="Meiryo" charset="-128"/>
+                          <a:cs typeface="Meiryo" charset="-128"/>
+                        </a:rPr>
+                        <a:t>0.97179074</a:t>
                       </a:r>
                       <a:endParaRPr kumimoji="1" lang="ja-JP" altLang="en-US" b="0" dirty="0">
                         <a:latin typeface="Meiryo" charset="-128"/>
@@ -4251,7 +4984,53 @@
                           <a:ea typeface="Meiryo" charset="-128"/>
                           <a:cs typeface="Meiryo" charset="-128"/>
                         </a:rPr>
+                        <a:t>0.96312702</a:t>
+                      </a:r>
+                      <a:endParaRPr kumimoji="1" lang="ja-JP" altLang="en-US" b="0" dirty="0">
+                        <a:latin typeface="Meiryo" charset="-128"/>
+                        <a:ea typeface="Meiryo" charset="-128"/>
+                        <a:cs typeface="Meiryo" charset="-128"/>
+                      </a:endParaRPr>
+                    </a:p>
+                  </a:txBody>
+                  <a:tcPr anchor="ctr"/>
+                </a:tc>
+                <a:tc>
+                  <a:txBody>
+                    <a:bodyPr/>
+                    <a:lstStyle/>
+                    <a:p>
+                      <a:pPr algn="ctr"/>
+                      <a:r>
+                        <a:rPr kumimoji="1" lang="en-US" altLang="ja-JP" b="0" dirty="0">
+                          <a:latin typeface="Meiryo" charset="-128"/>
+                          <a:ea typeface="Meiryo" charset="-128"/>
+                          <a:cs typeface="Meiryo" charset="-128"/>
+                        </a:rPr>
                         <a:t>0.97023920</a:t>
+                      </a:r>
+                      <a:endParaRPr kumimoji="1" lang="ja-JP" altLang="en-US" b="0" dirty="0">
+                        <a:latin typeface="Meiryo" charset="-128"/>
+                        <a:ea typeface="Meiryo" charset="-128"/>
+                        <a:cs typeface="Meiryo" charset="-128"/>
+                      </a:endParaRPr>
+                    </a:p>
+                  </a:txBody>
+                  <a:tcPr anchor="ctr"/>
+                </a:tc>
+                <a:tc>
+                  <a:txBody>
+                    <a:bodyPr/>
+                    <a:lstStyle/>
+                    <a:p>
+                      <a:pPr algn="ctr"/>
+                      <a:r>
+                        <a:rPr kumimoji="1" lang="en-US" altLang="ja-JP" b="0" dirty="0">
+                          <a:latin typeface="Meiryo" charset="-128"/>
+                          <a:ea typeface="Meiryo" charset="-128"/>
+                          <a:cs typeface="Meiryo" charset="-128"/>
+                        </a:rPr>
+                        <a:t>0.96312702</a:t>
                       </a:r>
                       <a:endParaRPr kumimoji="1" lang="ja-JP" altLang="en-US" b="0" dirty="0">
                         <a:latin typeface="Meiryo" charset="-128"/>
@@ -4327,7 +5106,53 @@
                           <a:ea typeface="Meiryo" charset="-128"/>
                           <a:cs typeface="Meiryo" charset="-128"/>
                         </a:rPr>
+                        <a:t>0.95216819</a:t>
+                      </a:r>
+                      <a:endParaRPr kumimoji="1" lang="ja-JP" altLang="en-US" b="0" dirty="0">
+                        <a:latin typeface="Meiryo" charset="-128"/>
+                        <a:ea typeface="Meiryo" charset="-128"/>
+                        <a:cs typeface="Meiryo" charset="-128"/>
+                      </a:endParaRPr>
+                    </a:p>
+                  </a:txBody>
+                  <a:tcPr anchor="ctr"/>
+                </a:tc>
+                <a:tc>
+                  <a:txBody>
+                    <a:bodyPr/>
+                    <a:lstStyle/>
+                    <a:p>
+                      <a:pPr algn="ctr"/>
+                      <a:r>
+                        <a:rPr kumimoji="1" lang="en-US" altLang="ja-JP" b="0" dirty="0">
+                          <a:latin typeface="Meiryo" charset="-128"/>
+                          <a:ea typeface="Meiryo" charset="-128"/>
+                          <a:cs typeface="Meiryo" charset="-128"/>
+                        </a:rPr>
                         <a:t>0.96855698</a:t>
+                      </a:r>
+                      <a:endParaRPr kumimoji="1" lang="ja-JP" altLang="en-US" b="0" dirty="0">
+                        <a:latin typeface="Meiryo" charset="-128"/>
+                        <a:ea typeface="Meiryo" charset="-128"/>
+                        <a:cs typeface="Meiryo" charset="-128"/>
+                      </a:endParaRPr>
+                    </a:p>
+                  </a:txBody>
+                  <a:tcPr anchor="ctr"/>
+                </a:tc>
+                <a:tc>
+                  <a:txBody>
+                    <a:bodyPr/>
+                    <a:lstStyle/>
+                    <a:p>
+                      <a:pPr algn="ctr"/>
+                      <a:r>
+                        <a:rPr kumimoji="1" lang="en-US" altLang="ja-JP" b="0" dirty="0">
+                          <a:latin typeface="Meiryo" charset="-128"/>
+                          <a:ea typeface="Meiryo" charset="-128"/>
+                          <a:cs typeface="Meiryo" charset="-128"/>
+                        </a:rPr>
+                        <a:t>0.95216819</a:t>
                       </a:r>
                       <a:endParaRPr kumimoji="1" lang="ja-JP" altLang="en-US" b="0" dirty="0">
                         <a:latin typeface="Meiryo" charset="-128"/>
@@ -4403,7 +5228,53 @@
                           <a:ea typeface="Meiryo" charset="-128"/>
                           <a:cs typeface="Meiryo" charset="-128"/>
                         </a:rPr>
+                        <a:t>0.95731637</a:t>
+                      </a:r>
+                      <a:endParaRPr kumimoji="1" lang="ja-JP" altLang="en-US" b="0" dirty="0">
+                        <a:latin typeface="Meiryo" charset="-128"/>
+                        <a:ea typeface="Meiryo" charset="-128"/>
+                        <a:cs typeface="Meiryo" charset="-128"/>
+                      </a:endParaRPr>
+                    </a:p>
+                  </a:txBody>
+                  <a:tcPr anchor="ctr"/>
+                </a:tc>
+                <a:tc>
+                  <a:txBody>
+                    <a:bodyPr/>
+                    <a:lstStyle/>
+                    <a:p>
+                      <a:pPr algn="ctr"/>
+                      <a:r>
+                        <a:rPr kumimoji="1" lang="en-US" altLang="ja-JP" b="0" dirty="0">
+                          <a:latin typeface="Meiryo" charset="-128"/>
+                          <a:ea typeface="Meiryo" charset="-128"/>
+                          <a:cs typeface="Meiryo" charset="-128"/>
+                        </a:rPr>
                         <a:t>0.96541468</a:t>
+                      </a:r>
+                      <a:endParaRPr kumimoji="1" lang="ja-JP" altLang="en-US" b="0" dirty="0">
+                        <a:latin typeface="Meiryo" charset="-128"/>
+                        <a:ea typeface="Meiryo" charset="-128"/>
+                        <a:cs typeface="Meiryo" charset="-128"/>
+                      </a:endParaRPr>
+                    </a:p>
+                  </a:txBody>
+                  <a:tcPr anchor="ctr"/>
+                </a:tc>
+                <a:tc>
+                  <a:txBody>
+                    <a:bodyPr/>
+                    <a:lstStyle/>
+                    <a:p>
+                      <a:pPr algn="ctr"/>
+                      <a:r>
+                        <a:rPr kumimoji="1" lang="en-US" altLang="ja-JP" b="0" dirty="0">
+                          <a:latin typeface="Meiryo" charset="-128"/>
+                          <a:ea typeface="Meiryo" charset="-128"/>
+                          <a:cs typeface="Meiryo" charset="-128"/>
+                        </a:rPr>
+                        <a:t>0.95731637</a:t>
                       </a:r>
                       <a:endParaRPr kumimoji="1" lang="ja-JP" altLang="en-US" b="0" dirty="0">
                         <a:latin typeface="Meiryo" charset="-128"/>
@@ -4428,92 +5299,6 @@
     <p:extLst>
       <p:ext uri="{BB962C8B-B14F-4D97-AF65-F5344CB8AC3E}">
         <p14:creationId xmlns:p14="http://schemas.microsoft.com/office/powerpoint/2010/main" val="461006453"/>
-      </p:ext>
-    </p:extLst>
-  </p:cSld>
-  <p:clrMapOvr>
-    <a:masterClrMapping/>
-  </p:clrMapOvr>
-</p:sld>
-</file>
-
-<file path=ppt/slides/slide14.xml><?xml version="1.0" encoding="utf-8"?>
-<p:sld xmlns:a="http://schemas.openxmlformats.org/drawingml/2006/main" xmlns:r="http://schemas.openxmlformats.org/officeDocument/2006/relationships" xmlns:p="http://schemas.openxmlformats.org/presentationml/2006/main">
-  <p:cSld>
-    <p:spTree>
-      <p:nvGrpSpPr>
-        <p:cNvPr id="1" name=""/>
-        <p:cNvGrpSpPr/>
-        <p:nvPr/>
-      </p:nvGrpSpPr>
-      <p:grpSpPr>
-        <a:xfrm>
-          <a:off x="0" y="0"/>
-          <a:ext cx="0" cy="0"/>
-          <a:chOff x="0" y="0"/>
-          <a:chExt cx="0" cy="0"/>
-        </a:xfrm>
-      </p:grpSpPr>
-      <p:sp>
-        <p:nvSpPr>
-          <p:cNvPr id="2" name="タイトル 1"/>
-          <p:cNvSpPr>
-            <a:spLocks noGrp="1"/>
-          </p:cNvSpPr>
-          <p:nvPr>
-            <p:ph type="title"/>
-          </p:nvPr>
-        </p:nvSpPr>
-        <p:spPr/>
-        <p:txBody>
-          <a:bodyPr/>
-          <a:lstStyle/>
-          <a:p>
-            <a:r>
-              <a:rPr kumimoji="1" lang="en-US" altLang="ja-JP" dirty="0"/>
-              <a:t>MNIST</a:t>
-            </a:r>
-            <a:r>
-              <a:rPr lang="ja-JP" altLang="en-US" dirty="0"/>
-              <a:t> の一部</a:t>
-            </a:r>
-            <a:endParaRPr kumimoji="1" lang="ja-JP" altLang="en-US" dirty="0"/>
-          </a:p>
-        </p:txBody>
-      </p:sp>
-      <p:pic>
-        <p:nvPicPr>
-          <p:cNvPr id="8" name="コンテンツ プレースホルダー 7">
-            <a:extLst>
-              <a:ext uri="{FF2B5EF4-FFF2-40B4-BE49-F238E27FC236}">
-                <a16:creationId xmlns:a16="http://schemas.microsoft.com/office/drawing/2014/main" id="{EFDE2CE6-2B20-4645-92DF-979F99D2A18A}"/>
-              </a:ext>
-            </a:extLst>
-          </p:cNvPr>
-          <p:cNvPicPr>
-            <a:picLocks noGrp="1" noChangeAspect="1"/>
-          </p:cNvPicPr>
-          <p:nvPr>
-            <p:ph idx="1"/>
-          </p:nvPr>
-        </p:nvPicPr>
-        <p:blipFill>
-          <a:blip r:embed="rId2"/>
-          <a:stretch>
-            <a:fillRect/>
-          </a:stretch>
-        </p:blipFill>
-        <p:spPr>
-          <a:xfrm>
-            <a:off x="1880532" y="1498269"/>
-            <a:ext cx="8430935" cy="4724505"/>
-          </a:xfrm>
-        </p:spPr>
-      </p:pic>
-    </p:spTree>
-    <p:extLst>
-      <p:ext uri="{BB962C8B-B14F-4D97-AF65-F5344CB8AC3E}">
-        <p14:creationId xmlns:p14="http://schemas.microsoft.com/office/powerpoint/2010/main" val="1276543607"/>
       </p:ext>
     </p:extLst>
   </p:cSld>
@@ -4556,14 +5341,9 @@
           <a:lstStyle/>
           <a:p>
             <a:r>
-              <a:rPr lang="en-US" altLang="ja-JP" dirty="0"/>
-              <a:t>3</a:t>
-            </a:r>
-            <a:r>
-              <a:rPr lang="ja-JP" altLang="en-US" dirty="0"/>
-              <a:t>次元データに対するクラスタリング結果</a:t>
-            </a:r>
-            <a:endParaRPr kumimoji="1" lang="ja-JP" altLang="en-US" dirty="0"/>
+              <a:rPr kumimoji="1" lang="ja-JP" altLang="en-US" dirty="0"/>
+              <a:t>まとめ</a:t>
+            </a:r>
           </a:p>
         </p:txBody>
       </p:sp>
@@ -4579,655 +5359,111 @@
         </p:nvSpPr>
         <p:spPr>
           <a:xfrm>
-            <a:off x="838200" y="4745886"/>
-            <a:ext cx="10515600" cy="1606362"/>
+            <a:off x="838200" y="1184611"/>
+            <a:ext cx="10515600" cy="5363334"/>
           </a:xfrm>
         </p:spPr>
         <p:txBody>
-          <a:bodyPr/>
+          <a:bodyPr anchor="ctr"/>
           <a:lstStyle/>
           <a:p>
             <a:pPr>
               <a:lnSpc>
                 <a:spcPct val="150000"/>
               </a:lnSpc>
-              <a:spcBef>
-                <a:spcPts val="0"/>
-              </a:spcBef>
             </a:pPr>
             <a:r>
+              <a:rPr lang="ja-JP" altLang="en-US" dirty="0"/>
+              <a:t>混合等方</a:t>
+            </a:r>
+            <a:r>
               <a:rPr lang="en-US" altLang="ja-JP" dirty="0"/>
+              <a:t>Gauss</a:t>
+            </a:r>
+            <a:r>
+              <a:rPr lang="ja-JP" altLang="en-US" dirty="0"/>
+              <a:t>分布は</a:t>
+            </a:r>
+            <a:r>
+              <a:rPr lang="en-US" altLang="ja-JP" b="1" dirty="0"/>
+              <a:t>BIC</a:t>
+            </a:r>
+            <a:r>
+              <a:rPr lang="ja-JP" altLang="en-US" b="1" dirty="0"/>
+              <a:t>を採用する</a:t>
+            </a:r>
+            <a:r>
+              <a:rPr lang="ja-JP" altLang="en-US" dirty="0"/>
+              <a:t>ことで</a:t>
+            </a:r>
+            <a:br>
+              <a:rPr lang="en-US" altLang="ja-JP" dirty="0"/>
+            </a:br>
+            <a:r>
+              <a:rPr lang="en-US" altLang="ja-JP" dirty="0"/>
+              <a:t>		</a:t>
+            </a:r>
+            <a:r>
+              <a:rPr lang="ja-JP" altLang="en-US" dirty="0"/>
+              <a:t>適切にクラスタリングを行うことができる</a:t>
+            </a:r>
+            <a:endParaRPr lang="en-US" altLang="ja-JP" dirty="0"/>
+          </a:p>
+          <a:p>
+            <a:r>
+              <a:rPr lang="ja-JP" altLang="en-US" dirty="0"/>
+              <a:t>今後の課題</a:t>
+            </a:r>
+            <a:endParaRPr lang="en-US" altLang="ja-JP" dirty="0"/>
+          </a:p>
+          <a:p>
+            <a:pPr lvl="1">
+              <a:buFont typeface="Wingdings" charset="2"/>
+              <a:buChar char="u"/>
+            </a:pPr>
+            <a:r>
+              <a:rPr kumimoji="1" lang="ja-JP" altLang="en-US" dirty="0"/>
               <a:t> </a:t>
             </a:r>
             <a:r>
+              <a:rPr kumimoji="1" lang="en-US" altLang="ja-JP" dirty="0"/>
+              <a:t>AIC, </a:t>
+            </a:r>
+            <a:r>
+              <a:rPr kumimoji="1" lang="en-US" altLang="ja-JP" dirty="0" err="1"/>
+              <a:t>cAIC</a:t>
+            </a:r>
+            <a:r>
+              <a:rPr kumimoji="1" lang="en-US" altLang="ja-JP" dirty="0"/>
+              <a:t>, BIC</a:t>
+            </a:r>
+            <a:r>
+              <a:rPr kumimoji="1" lang="ja-JP" altLang="en-US" dirty="0"/>
+              <a:t>以外の情報量規準を用いたクラスタ数推定</a:t>
+            </a:r>
+            <a:endParaRPr kumimoji="1" lang="en-US" altLang="ja-JP" dirty="0"/>
+          </a:p>
+          <a:p>
+            <a:pPr lvl="1">
+              <a:buFont typeface="Wingdings" charset="2"/>
+              <a:buChar char="u"/>
+            </a:pPr>
+            <a:r>
+              <a:rPr lang="ja-JP" altLang="en-US"/>
+              <a:t> 実データ</a:t>
+            </a:r>
+            <a:r>
               <a:rPr lang="ja-JP" altLang="en-US" dirty="0"/>
-              <a:t>どの分割停止規準を用いてもうまくいかなかった</a:t>
-            </a:r>
-            <a:endParaRPr lang="en-US" altLang="ja-JP" dirty="0"/>
-          </a:p>
-          <a:p>
-            <a:pPr>
-              <a:lnSpc>
-                <a:spcPct val="150000"/>
-              </a:lnSpc>
-              <a:spcBef>
-                <a:spcPts val="0"/>
-              </a:spcBef>
-            </a:pPr>
-            <a:r>
-              <a:rPr kumimoji="1" lang="ja-JP" altLang="en-US" dirty="0"/>
-              <a:t> 確率ベースでない</a:t>
-            </a:r>
-            <a:r>
-              <a:rPr kumimoji="1" lang="en-US" altLang="ja-JP" dirty="0"/>
-              <a:t>Mean shift</a:t>
-            </a:r>
-            <a:r>
-              <a:rPr kumimoji="1" lang="ja-JP" altLang="en-US" dirty="0"/>
-              <a:t>でもうまくいかなかった</a:t>
-            </a:r>
+              <a:t>のクラスタ数推定を行う</a:t>
+            </a:r>
+            <a:endParaRPr kumimoji="1" lang="ja-JP" altLang="en-US" dirty="0"/>
           </a:p>
         </p:txBody>
       </p:sp>
-      <p:graphicFrame>
-        <p:nvGraphicFramePr>
-          <p:cNvPr id="4" name="表 3"/>
-          <p:cNvGraphicFramePr>
-            <a:graphicFrameLocks noGrp="1"/>
-          </p:cNvGraphicFramePr>
-          <p:nvPr>
-            <p:extLst>
-              <p:ext uri="{D42A27DB-BD31-4B8C-83A1-F6EECF244321}">
-                <p14:modId xmlns:p14="http://schemas.microsoft.com/office/powerpoint/2010/main" val="3864802922"/>
-              </p:ext>
-            </p:extLst>
-          </p:nvPr>
-        </p:nvGraphicFramePr>
-        <p:xfrm>
-          <a:off x="2690649" y="1610586"/>
-          <a:ext cx="6810702" cy="2790071"/>
-        </p:xfrm>
-        <a:graphic>
-          <a:graphicData uri="http://schemas.openxmlformats.org/drawingml/2006/table">
-            <a:tbl>
-              <a:tblPr firstRow="1" bandRow="1">
-                <a:tableStyleId>{5C22544A-7EE6-4342-B048-85BDC9FD1C3A}</a:tableStyleId>
-              </a:tblPr>
-              <a:tblGrid>
-                <a:gridCol w="2270234">
-                  <a:extLst>
-                    <a:ext uri="{9D8B030D-6E8A-4147-A177-3AD203B41FA5}">
-                      <a16:colId xmlns:a16="http://schemas.microsoft.com/office/drawing/2014/main" val="20000"/>
-                    </a:ext>
-                  </a:extLst>
-                </a:gridCol>
-                <a:gridCol w="2270234">
-                  <a:extLst>
-                    <a:ext uri="{9D8B030D-6E8A-4147-A177-3AD203B41FA5}">
-                      <a16:colId xmlns:a16="http://schemas.microsoft.com/office/drawing/2014/main" val="20001"/>
-                    </a:ext>
-                  </a:extLst>
-                </a:gridCol>
-                <a:gridCol w="2270234">
-                  <a:extLst>
-                    <a:ext uri="{9D8B030D-6E8A-4147-A177-3AD203B41FA5}">
-                      <a16:colId xmlns:a16="http://schemas.microsoft.com/office/drawing/2014/main" val="20003"/>
-                    </a:ext>
-                  </a:extLst>
-                </a:gridCol>
-              </a:tblGrid>
-              <a:tr h="409903">
-                <a:tc>
-                  <a:txBody>
-                    <a:bodyPr/>
-                    <a:lstStyle/>
-                    <a:p>
-                      <a:pPr algn="ctr"/>
-                      <a:r>
-                        <a:rPr kumimoji="1" lang="ja-JP" altLang="en-US" b="0" dirty="0">
-                          <a:latin typeface="Meiryo" charset="-128"/>
-                          <a:ea typeface="Meiryo" charset="-128"/>
-                          <a:cs typeface="Meiryo" charset="-128"/>
-                        </a:rPr>
-                        <a:t>クラスタリング手法</a:t>
-                      </a:r>
-                    </a:p>
-                  </a:txBody>
-                  <a:tcPr anchor="ctr"/>
-                </a:tc>
-                <a:tc>
-                  <a:txBody>
-                    <a:bodyPr/>
-                    <a:lstStyle/>
-                    <a:p>
-                      <a:pPr marL="0" marR="0" indent="0" algn="ctr" defTabSz="914400" rtl="0" eaLnBrk="1" fontAlgn="auto" latinLnBrk="0" hangingPunct="1">
-                        <a:lnSpc>
-                          <a:spcPct val="100000"/>
-                        </a:lnSpc>
-                        <a:spcBef>
-                          <a:spcPts val="0"/>
-                        </a:spcBef>
-                        <a:spcAft>
-                          <a:spcPts val="0"/>
-                        </a:spcAft>
-                        <a:buClrTx/>
-                        <a:buSzTx/>
-                        <a:buFontTx/>
-                        <a:buNone/>
-                        <a:tabLst/>
-                        <a:defRPr/>
-                      </a:pPr>
-                      <a:r>
-                        <a:rPr kumimoji="1" lang="ja-JP" altLang="en-US" b="0" dirty="0">
-                          <a:latin typeface="Meiryo" charset="-128"/>
-                          <a:ea typeface="Meiryo" charset="-128"/>
-                          <a:cs typeface="Meiryo" charset="-128"/>
-                        </a:rPr>
-                        <a:t>クラスタ数</a:t>
-                      </a:r>
-                    </a:p>
-                  </a:txBody>
-                  <a:tcPr anchor="ctr"/>
-                </a:tc>
-                <a:tc>
-                  <a:txBody>
-                    <a:bodyPr/>
-                    <a:lstStyle/>
-                    <a:p>
-                      <a:pPr algn="ctr"/>
-                      <a:r>
-                        <a:rPr kumimoji="1" lang="en-US" altLang="ja-JP" b="0" dirty="0">
-                          <a:latin typeface="Meiryo" charset="-128"/>
-                          <a:ea typeface="Meiryo" charset="-128"/>
-                          <a:cs typeface="Meiryo" charset="-128"/>
-                        </a:rPr>
-                        <a:t>NMI</a:t>
-                      </a:r>
-                      <a:endParaRPr kumimoji="1" lang="ja-JP" altLang="en-US" b="0" dirty="0">
-                        <a:latin typeface="Meiryo" charset="-128"/>
-                        <a:ea typeface="Meiryo" charset="-128"/>
-                        <a:cs typeface="Meiryo" charset="-128"/>
-                      </a:endParaRPr>
-                    </a:p>
-                  </a:txBody>
-                  <a:tcPr anchor="ctr"/>
-                </a:tc>
-                <a:extLst>
-                  <a:ext uri="{0D108BD9-81ED-4DB2-BD59-A6C34878D82A}">
-                    <a16:rowId xmlns:a16="http://schemas.microsoft.com/office/drawing/2014/main" val="10000"/>
-                  </a:ext>
-                </a:extLst>
-              </a:tr>
-              <a:tr h="435022">
-                <a:tc>
-                  <a:txBody>
-                    <a:bodyPr/>
-                    <a:lstStyle/>
-                    <a:p>
-                      <a:pPr algn="ctr"/>
-                      <a:r>
-                        <a:rPr kumimoji="1" lang="en-US" altLang="ja-JP" b="0" dirty="0">
-                          <a:latin typeface="Meiryo" charset="-128"/>
-                          <a:ea typeface="Meiryo" charset="-128"/>
-                          <a:cs typeface="Meiryo" charset="-128"/>
-                        </a:rPr>
-                        <a:t>X-means (AIC)</a:t>
-                      </a:r>
-                      <a:endParaRPr kumimoji="1" lang="ja-JP" altLang="en-US" b="0" dirty="0">
-                        <a:latin typeface="Meiryo" charset="-128"/>
-                        <a:ea typeface="Meiryo" charset="-128"/>
-                        <a:cs typeface="Meiryo" charset="-128"/>
-                      </a:endParaRPr>
-                    </a:p>
-                  </a:txBody>
-                  <a:tcPr anchor="ctr"/>
-                </a:tc>
-                <a:tc>
-                  <a:txBody>
-                    <a:bodyPr/>
-                    <a:lstStyle/>
-                    <a:p>
-                      <a:pPr algn="ctr"/>
-                      <a:r>
-                        <a:rPr kumimoji="1" lang="en-US" altLang="ja-JP" b="0" dirty="0">
-                          <a:latin typeface="Meiryo" charset="-128"/>
-                          <a:ea typeface="Meiryo" charset="-128"/>
-                          <a:cs typeface="Meiryo" charset="-128"/>
-                        </a:rPr>
-                        <a:t>32</a:t>
-                      </a:r>
-                      <a:endParaRPr kumimoji="1" lang="ja-JP" altLang="en-US" b="0" dirty="0">
-                        <a:latin typeface="Meiryo" charset="-128"/>
-                        <a:ea typeface="Meiryo" charset="-128"/>
-                        <a:cs typeface="Meiryo" charset="-128"/>
-                      </a:endParaRPr>
-                    </a:p>
-                  </a:txBody>
-                  <a:tcPr anchor="ctr"/>
-                </a:tc>
-                <a:tc>
-                  <a:txBody>
-                    <a:bodyPr/>
-                    <a:lstStyle/>
-                    <a:p>
-                      <a:pPr algn="ctr"/>
-                      <a:r>
-                        <a:rPr kumimoji="1" lang="ja-JP" altLang="en-US" b="0" dirty="0">
-                          <a:latin typeface="Meiryo" charset="-128"/>
-                          <a:ea typeface="Meiryo" charset="-128"/>
-                          <a:cs typeface="Meiryo" charset="-128"/>
-                        </a:rPr>
-                        <a:t> </a:t>
-                      </a:r>
-                      <a:r>
-                        <a:rPr kumimoji="1" lang="en-US" altLang="ja-JP" b="0" dirty="0">
-                          <a:latin typeface="Meiryo" charset="-128"/>
-                          <a:ea typeface="Meiryo" charset="-128"/>
-                          <a:cs typeface="Meiryo" charset="-128"/>
-                        </a:rPr>
-                        <a:t>0.562954280</a:t>
-                      </a:r>
-                    </a:p>
-                  </a:txBody>
-                  <a:tcPr anchor="ctr"/>
-                </a:tc>
-                <a:extLst>
-                  <a:ext uri="{0D108BD9-81ED-4DB2-BD59-A6C34878D82A}">
-                    <a16:rowId xmlns:a16="http://schemas.microsoft.com/office/drawing/2014/main" val="10001"/>
-                  </a:ext>
-                </a:extLst>
-              </a:tr>
-              <a:tr h="435022">
-                <a:tc>
-                  <a:txBody>
-                    <a:bodyPr/>
-                    <a:lstStyle/>
-                    <a:p>
-                      <a:pPr algn="ctr"/>
-                      <a:r>
-                        <a:rPr kumimoji="1" lang="en-US" altLang="ja-JP" b="0" dirty="0">
-                          <a:latin typeface="Meiryo" charset="-128"/>
-                          <a:ea typeface="Meiryo" charset="-128"/>
-                          <a:cs typeface="Meiryo" charset="-128"/>
-                        </a:rPr>
-                        <a:t>X-means (</a:t>
-                      </a:r>
-                      <a:r>
-                        <a:rPr kumimoji="1" lang="en-US" altLang="ja-JP" b="0" dirty="0" err="1">
-                          <a:latin typeface="Meiryo" charset="-128"/>
-                          <a:ea typeface="Meiryo" charset="-128"/>
-                          <a:cs typeface="Meiryo" charset="-128"/>
-                        </a:rPr>
-                        <a:t>cAIC</a:t>
-                      </a:r>
-                      <a:r>
-                        <a:rPr kumimoji="1" lang="en-US" altLang="ja-JP" b="0" dirty="0">
-                          <a:latin typeface="Meiryo" charset="-128"/>
-                          <a:ea typeface="Meiryo" charset="-128"/>
-                          <a:cs typeface="Meiryo" charset="-128"/>
-                        </a:rPr>
-                        <a:t>)</a:t>
-                      </a:r>
-                      <a:endParaRPr kumimoji="1" lang="ja-JP" altLang="en-US" b="0" dirty="0">
-                        <a:latin typeface="Meiryo" charset="-128"/>
-                        <a:ea typeface="Meiryo" charset="-128"/>
-                        <a:cs typeface="Meiryo" charset="-128"/>
-                      </a:endParaRPr>
-                    </a:p>
-                  </a:txBody>
-                  <a:tcPr anchor="ctr"/>
-                </a:tc>
-                <a:tc>
-                  <a:txBody>
-                    <a:bodyPr/>
-                    <a:lstStyle/>
-                    <a:p>
-                      <a:pPr algn="ctr"/>
-                      <a:r>
-                        <a:rPr kumimoji="1" lang="en-US" altLang="ja-JP" b="0" dirty="0">
-                          <a:latin typeface="Meiryo" charset="-128"/>
-                          <a:ea typeface="Meiryo" charset="-128"/>
-                          <a:cs typeface="Meiryo" charset="-128"/>
-                        </a:rPr>
-                        <a:t>32</a:t>
-                      </a:r>
-                      <a:endParaRPr kumimoji="1" lang="ja-JP" altLang="en-US" b="0" dirty="0">
-                        <a:latin typeface="Meiryo" charset="-128"/>
-                        <a:ea typeface="Meiryo" charset="-128"/>
-                        <a:cs typeface="Meiryo" charset="-128"/>
-                      </a:endParaRPr>
-                    </a:p>
-                  </a:txBody>
-                  <a:tcPr anchor="ctr"/>
-                </a:tc>
-                <a:tc>
-                  <a:txBody>
-                    <a:bodyPr/>
-                    <a:lstStyle/>
-                    <a:p>
-                      <a:pPr algn="ctr"/>
-                      <a:r>
-                        <a:rPr kumimoji="1" lang="ja-JP" altLang="en-US" b="0" dirty="0">
-                          <a:latin typeface="Meiryo" charset="-128"/>
-                          <a:ea typeface="Meiryo" charset="-128"/>
-                          <a:cs typeface="Meiryo" charset="-128"/>
-                        </a:rPr>
-                        <a:t> </a:t>
-                      </a:r>
-                      <a:r>
-                        <a:rPr kumimoji="1" lang="en-US" altLang="ja-JP" b="0" dirty="0">
-                          <a:latin typeface="Meiryo" charset="-128"/>
-                          <a:ea typeface="Meiryo" charset="-128"/>
-                          <a:cs typeface="Meiryo" charset="-128"/>
-                        </a:rPr>
-                        <a:t>0.562243771</a:t>
-                      </a:r>
-                    </a:p>
-                  </a:txBody>
-                  <a:tcPr anchor="ctr"/>
-                </a:tc>
-                <a:extLst>
-                  <a:ext uri="{0D108BD9-81ED-4DB2-BD59-A6C34878D82A}">
-                    <a16:rowId xmlns:a16="http://schemas.microsoft.com/office/drawing/2014/main" val="10002"/>
-                  </a:ext>
-                </a:extLst>
-              </a:tr>
-              <a:tr h="435022">
-                <a:tc>
-                  <a:txBody>
-                    <a:bodyPr/>
-                    <a:lstStyle/>
-                    <a:p>
-                      <a:pPr algn="ctr"/>
-                      <a:r>
-                        <a:rPr kumimoji="1" lang="en-US" altLang="ja-JP" b="0" dirty="0">
-                          <a:latin typeface="Meiryo" charset="-128"/>
-                          <a:ea typeface="Meiryo" charset="-128"/>
-                          <a:cs typeface="Meiryo" charset="-128"/>
-                        </a:rPr>
-                        <a:t>X-means (BIC)</a:t>
-                      </a:r>
-                      <a:endParaRPr kumimoji="1" lang="ja-JP" altLang="en-US" b="0" dirty="0">
-                        <a:latin typeface="Meiryo" charset="-128"/>
-                        <a:ea typeface="Meiryo" charset="-128"/>
-                        <a:cs typeface="Meiryo" charset="-128"/>
-                      </a:endParaRPr>
-                    </a:p>
-                  </a:txBody>
-                  <a:tcPr anchor="ctr"/>
-                </a:tc>
-                <a:tc>
-                  <a:txBody>
-                    <a:bodyPr/>
-                    <a:lstStyle/>
-                    <a:p>
-                      <a:pPr algn="ctr"/>
-                      <a:r>
-                        <a:rPr kumimoji="1" lang="en-US" altLang="ja-JP" b="0" dirty="0">
-                          <a:latin typeface="Meiryo" charset="-128"/>
-                          <a:ea typeface="Meiryo" charset="-128"/>
-                          <a:cs typeface="Meiryo" charset="-128"/>
-                        </a:rPr>
-                        <a:t>32</a:t>
-                      </a:r>
-                      <a:endParaRPr kumimoji="1" lang="ja-JP" altLang="en-US" b="0" dirty="0">
-                        <a:latin typeface="Meiryo" charset="-128"/>
-                        <a:ea typeface="Meiryo" charset="-128"/>
-                        <a:cs typeface="Meiryo" charset="-128"/>
-                      </a:endParaRPr>
-                    </a:p>
-                  </a:txBody>
-                  <a:tcPr anchor="ctr"/>
-                </a:tc>
-                <a:tc>
-                  <a:txBody>
-                    <a:bodyPr/>
-                    <a:lstStyle/>
-                    <a:p>
-                      <a:pPr algn="ctr"/>
-                      <a:r>
-                        <a:rPr kumimoji="1" lang="ja-JP" altLang="en-US" b="0" dirty="0">
-                          <a:latin typeface="Meiryo" charset="-128"/>
-                          <a:ea typeface="Meiryo" charset="-128"/>
-                          <a:cs typeface="Meiryo" charset="-128"/>
-                        </a:rPr>
-                        <a:t> </a:t>
-                      </a:r>
-                      <a:r>
-                        <a:rPr kumimoji="1" lang="en-US" altLang="ja-JP" b="0" dirty="0">
-                          <a:latin typeface="Meiryo" charset="-128"/>
-                          <a:ea typeface="Meiryo" charset="-128"/>
-                          <a:cs typeface="Meiryo" charset="-128"/>
-                        </a:rPr>
-                        <a:t>0.561018890</a:t>
-                      </a:r>
-                    </a:p>
-                  </a:txBody>
-                  <a:tcPr anchor="ctr"/>
-                </a:tc>
-                <a:extLst>
-                  <a:ext uri="{0D108BD9-81ED-4DB2-BD59-A6C34878D82A}">
-                    <a16:rowId xmlns:a16="http://schemas.microsoft.com/office/drawing/2014/main" val="10003"/>
-                  </a:ext>
-                </a:extLst>
-              </a:tr>
-              <a:tr h="435022">
-                <a:tc>
-                  <a:txBody>
-                    <a:bodyPr/>
-                    <a:lstStyle/>
-                    <a:p>
-                      <a:pPr algn="ctr"/>
-                      <a:r>
-                        <a:rPr kumimoji="1" lang="en-US" altLang="ja-JP" b="0" dirty="0">
-                          <a:latin typeface="Meiryo" charset="-128"/>
-                          <a:ea typeface="Meiryo" charset="-128"/>
-                          <a:cs typeface="Meiryo" charset="-128"/>
-                        </a:rPr>
-                        <a:t>X-means</a:t>
-                      </a:r>
-                    </a:p>
-                    <a:p>
-                      <a:pPr algn="ctr"/>
-                      <a:r>
-                        <a:rPr kumimoji="1" lang="en-US" altLang="ja-JP" b="0" dirty="0">
-                          <a:latin typeface="Meiryo" charset="-128"/>
-                          <a:ea typeface="Meiryo" charset="-128"/>
-                          <a:cs typeface="Meiryo" charset="-128"/>
-                        </a:rPr>
-                        <a:t>(</a:t>
-                      </a:r>
-                      <a:r>
-                        <a:rPr kumimoji="1" lang="ja-JP" altLang="en-US" b="0" dirty="0">
-                          <a:latin typeface="Meiryo" charset="-128"/>
-                          <a:ea typeface="Meiryo" charset="-128"/>
-                          <a:cs typeface="Meiryo" charset="-128"/>
-                        </a:rPr>
-                        <a:t>対数尤度関数</a:t>
-                      </a:r>
-                      <a:r>
-                        <a:rPr kumimoji="1" lang="en-US" altLang="ja-JP" b="0" dirty="0">
-                          <a:latin typeface="Meiryo" charset="-128"/>
-                          <a:ea typeface="Meiryo" charset="-128"/>
-                          <a:cs typeface="Meiryo" charset="-128"/>
-                        </a:rPr>
-                        <a:t>)</a:t>
-                      </a:r>
-                      <a:endParaRPr kumimoji="1" lang="ja-JP" altLang="en-US" b="0" dirty="0">
-                        <a:latin typeface="Meiryo" charset="-128"/>
-                        <a:ea typeface="Meiryo" charset="-128"/>
-                        <a:cs typeface="Meiryo" charset="-128"/>
-                      </a:endParaRPr>
-                    </a:p>
-                  </a:txBody>
-                  <a:tcPr anchor="ctr"/>
-                </a:tc>
-                <a:tc>
-                  <a:txBody>
-                    <a:bodyPr/>
-                    <a:lstStyle/>
-                    <a:p>
-                      <a:pPr algn="ctr"/>
-                      <a:r>
-                        <a:rPr kumimoji="1" lang="en-US" altLang="ja-JP" b="0" dirty="0">
-                          <a:latin typeface="Meiryo" charset="-128"/>
-                          <a:ea typeface="Meiryo" charset="-128"/>
-                          <a:cs typeface="Meiryo" charset="-128"/>
-                        </a:rPr>
-                        <a:t>32</a:t>
-                      </a:r>
-                      <a:endParaRPr kumimoji="1" lang="ja-JP" altLang="en-US" b="0" dirty="0">
-                        <a:latin typeface="Meiryo" charset="-128"/>
-                        <a:ea typeface="Meiryo" charset="-128"/>
-                        <a:cs typeface="Meiryo" charset="-128"/>
-                      </a:endParaRPr>
-                    </a:p>
-                  </a:txBody>
-                  <a:tcPr anchor="ctr"/>
-                </a:tc>
-                <a:tc>
-                  <a:txBody>
-                    <a:bodyPr/>
-                    <a:lstStyle/>
-                    <a:p>
-                      <a:pPr algn="ctr"/>
-                      <a:r>
-                        <a:rPr kumimoji="1" lang="ja-JP" altLang="en-US" b="0" dirty="0">
-                          <a:latin typeface="Meiryo" charset="-128"/>
-                          <a:ea typeface="Meiryo" charset="-128"/>
-                          <a:cs typeface="Meiryo" charset="-128"/>
-                        </a:rPr>
-                        <a:t> </a:t>
-                      </a:r>
-                      <a:r>
-                        <a:rPr kumimoji="1" lang="en-US" altLang="ja-JP" b="0" dirty="0">
-                          <a:latin typeface="Meiryo" charset="-128"/>
-                          <a:ea typeface="Meiryo" charset="-128"/>
-                          <a:cs typeface="Meiryo" charset="-128"/>
-                        </a:rPr>
-                        <a:t>0.569692654</a:t>
-                      </a:r>
-                    </a:p>
-                  </a:txBody>
-                  <a:tcPr anchor="ctr"/>
-                </a:tc>
-                <a:extLst>
-                  <a:ext uri="{0D108BD9-81ED-4DB2-BD59-A6C34878D82A}">
-                    <a16:rowId xmlns:a16="http://schemas.microsoft.com/office/drawing/2014/main" val="10004"/>
-                  </a:ext>
-                </a:extLst>
-              </a:tr>
-              <a:tr h="435022">
-                <a:tc>
-                  <a:txBody>
-                    <a:bodyPr/>
-                    <a:lstStyle/>
-                    <a:p>
-                      <a:pPr algn="ctr"/>
-                      <a:r>
-                        <a:rPr kumimoji="1" lang="en-US" altLang="ja-JP" b="0" dirty="0">
-                          <a:latin typeface="Meiryo" charset="-128"/>
-                          <a:ea typeface="Meiryo" charset="-128"/>
-                          <a:cs typeface="Meiryo" charset="-128"/>
-                        </a:rPr>
-                        <a:t>Mean shift</a:t>
-                      </a:r>
-                      <a:endParaRPr kumimoji="1" lang="ja-JP" altLang="en-US" b="0" dirty="0">
-                        <a:latin typeface="Meiryo" charset="-128"/>
-                        <a:ea typeface="Meiryo" charset="-128"/>
-                        <a:cs typeface="Meiryo" charset="-128"/>
-                      </a:endParaRPr>
-                    </a:p>
-                  </a:txBody>
-                  <a:tcPr anchor="ctr"/>
-                </a:tc>
-                <a:tc>
-                  <a:txBody>
-                    <a:bodyPr/>
-                    <a:lstStyle/>
-                    <a:p>
-                      <a:pPr algn="ctr"/>
-                      <a:r>
-                        <a:rPr kumimoji="1" lang="en-US" altLang="ja-JP" b="0" dirty="0">
-                          <a:latin typeface="Meiryo" charset="-128"/>
-                          <a:ea typeface="Meiryo" charset="-128"/>
-                          <a:cs typeface="Meiryo" charset="-128"/>
-                        </a:rPr>
-                        <a:t>1</a:t>
-                      </a:r>
-                      <a:endParaRPr kumimoji="1" lang="ja-JP" altLang="en-US" b="0" dirty="0">
-                        <a:latin typeface="Meiryo" charset="-128"/>
-                        <a:ea typeface="Meiryo" charset="-128"/>
-                        <a:cs typeface="Meiryo" charset="-128"/>
-                      </a:endParaRPr>
-                    </a:p>
-                  </a:txBody>
-                  <a:tcPr anchor="ctr"/>
-                </a:tc>
-                <a:tc>
-                  <a:txBody>
-                    <a:bodyPr/>
-                    <a:lstStyle/>
-                    <a:p>
-                      <a:pPr algn="ctr"/>
-                      <a:r>
-                        <a:rPr kumimoji="1" lang="ja-JP" altLang="en-US" b="0" dirty="0">
-                          <a:latin typeface="Meiryo" charset="-128"/>
-                          <a:ea typeface="Meiryo" charset="-128"/>
-                          <a:cs typeface="Meiryo" charset="-128"/>
-                        </a:rPr>
-                        <a:t> </a:t>
-                      </a:r>
-                      <a:r>
-                        <a:rPr kumimoji="1" lang="en-US" altLang="ja-JP" b="0" dirty="0">
-                          <a:latin typeface="Meiryo" charset="-128"/>
-                          <a:ea typeface="Meiryo" charset="-128"/>
-                          <a:cs typeface="Meiryo" charset="-128"/>
-                        </a:rPr>
-                        <a:t>-6.938893 ×</a:t>
-                      </a:r>
-                      <a:r>
-                        <a:rPr kumimoji="1" lang="ja-JP" altLang="en-US" b="0" dirty="0">
-                          <a:latin typeface="Meiryo" charset="-128"/>
-                          <a:ea typeface="Meiryo" charset="-128"/>
-                          <a:cs typeface="Meiryo" charset="-128"/>
-                        </a:rPr>
-                        <a:t> </a:t>
-                      </a:r>
-                      <a:r>
-                        <a:rPr kumimoji="1" lang="en-US" altLang="ja-JP" b="0" dirty="0">
-                          <a:latin typeface="Meiryo" charset="-128"/>
-                          <a:ea typeface="Meiryo" charset="-128"/>
-                          <a:cs typeface="Meiryo" charset="-128"/>
-                        </a:rPr>
-                        <a:t>10</a:t>
-                      </a:r>
-                      <a:r>
-                        <a:rPr kumimoji="1" lang="en-US" altLang="ja-JP" b="0" baseline="30000" dirty="0">
-                          <a:latin typeface="Meiryo" charset="-128"/>
-                          <a:ea typeface="Meiryo" charset="-128"/>
-                          <a:cs typeface="Meiryo" charset="-128"/>
-                        </a:rPr>
-                        <a:t>-6</a:t>
-                      </a:r>
-                    </a:p>
-                  </a:txBody>
-                  <a:tcPr anchor="ctr"/>
-                </a:tc>
-                <a:extLst>
-                  <a:ext uri="{0D108BD9-81ED-4DB2-BD59-A6C34878D82A}">
-                    <a16:rowId xmlns:a16="http://schemas.microsoft.com/office/drawing/2014/main" val="1967777570"/>
-                  </a:ext>
-                </a:extLst>
-              </a:tr>
-            </a:tbl>
-          </a:graphicData>
-        </a:graphic>
-      </p:graphicFrame>
     </p:spTree>
     <p:extLst>
       <p:ext uri="{BB962C8B-B14F-4D97-AF65-F5344CB8AC3E}">
-        <p14:creationId xmlns:p14="http://schemas.microsoft.com/office/powerpoint/2010/main" val="1919440913"/>
+        <p14:creationId xmlns:p14="http://schemas.microsoft.com/office/powerpoint/2010/main" val="2139596300"/>
       </p:ext>
     </p:extLst>
   </p:cSld>
@@ -5264,115 +5500,42 @@
             <p:ph type="title"/>
           </p:nvPr>
         </p:nvSpPr>
-        <p:spPr/>
+        <p:spPr>
+          <a:xfrm>
+            <a:off x="922283" y="3356686"/>
+            <a:ext cx="10515600" cy="636925"/>
+          </a:xfrm>
+        </p:spPr>
         <p:txBody>
           <a:bodyPr/>
           <a:lstStyle/>
           <a:p>
             <a:r>
-              <a:rPr kumimoji="1" lang="ja-JP" altLang="en-US" dirty="0"/>
-              <a:t>まとめ</a:t>
-            </a:r>
-          </a:p>
-        </p:txBody>
-      </p:sp>
-      <p:sp>
-        <p:nvSpPr>
-          <p:cNvPr id="3" name="コンテンツ プレースホルダー 2"/>
-          <p:cNvSpPr>
-            <a:spLocks noGrp="1"/>
-          </p:cNvSpPr>
-          <p:nvPr>
-            <p:ph idx="1"/>
-          </p:nvPr>
-        </p:nvSpPr>
-        <p:spPr>
-          <a:xfrm>
-            <a:off x="838200" y="1184611"/>
-            <a:ext cx="10515600" cy="5363334"/>
-          </a:xfrm>
-        </p:spPr>
-        <p:txBody>
-          <a:bodyPr anchor="ctr"/>
-          <a:lstStyle/>
-          <a:p>
-            <a:pPr>
-              <a:lnSpc>
-                <a:spcPct val="150000"/>
-              </a:lnSpc>
-            </a:pPr>
-            <a:r>
-              <a:rPr lang="ja-JP" altLang="en-US" dirty="0"/>
-              <a:t>混合等方</a:t>
-            </a:r>
-            <a:r>
-              <a:rPr lang="en-US" altLang="ja-JP" dirty="0"/>
-              <a:t>Gauss</a:t>
-            </a:r>
-            <a:r>
-              <a:rPr lang="ja-JP" altLang="en-US" dirty="0"/>
-              <a:t>分布は</a:t>
-            </a:r>
-            <a:r>
-              <a:rPr lang="en-US" altLang="ja-JP" b="1" dirty="0"/>
-              <a:t>BIC</a:t>
-            </a:r>
-            <a:r>
-              <a:rPr lang="ja-JP" altLang="en-US" b="1" dirty="0"/>
-              <a:t>を採用する</a:t>
-            </a:r>
-            <a:r>
-              <a:rPr lang="ja-JP" altLang="en-US" dirty="0"/>
-              <a:t>ことで</a:t>
-            </a:r>
-            <a:br>
-              <a:rPr lang="en-US" altLang="ja-JP" dirty="0"/>
-            </a:br>
-            <a:r>
-              <a:rPr lang="en-US" altLang="ja-JP" dirty="0"/>
-              <a:t>		</a:t>
-            </a:r>
-            <a:r>
-              <a:rPr lang="ja-JP" altLang="en-US" dirty="0"/>
-              <a:t>適切にクラスタリングを行うことができる</a:t>
-            </a:r>
-            <a:endParaRPr lang="en-US" altLang="ja-JP" dirty="0"/>
-          </a:p>
-          <a:p>
-            <a:r>
-              <a:rPr lang="ja-JP" altLang="en-US" dirty="0"/>
-              <a:t>実データのクラスタリングは困難</a:t>
-            </a:r>
-            <a:endParaRPr lang="en-US" altLang="ja-JP" dirty="0"/>
-          </a:p>
-          <a:p>
-            <a:pPr lvl="1">
-              <a:buFont typeface="Wingdings" pitchFamily="2" charset="2"/>
-              <a:buChar char="u"/>
-            </a:pPr>
-            <a:r>
-              <a:rPr lang="ja-JP" altLang="en-US" dirty="0"/>
-              <a:t> クラスタがきれいにわかれているとは限らない</a:t>
-            </a:r>
-            <a:endParaRPr lang="en-US" altLang="ja-JP" dirty="0"/>
-          </a:p>
-          <a:p>
-            <a:pPr lvl="1">
-              <a:buFont typeface="Wingdings" pitchFamily="2" charset="2"/>
-              <a:buChar char="u"/>
-            </a:pPr>
-            <a:r>
-              <a:rPr lang="ja-JP" altLang="en-US" dirty="0"/>
-              <a:t> 適切なモデルを用いる必要がある</a:t>
-            </a:r>
-            <a:endParaRPr lang="en-US" altLang="ja-JP" dirty="0"/>
+              <a:rPr kumimoji="1" lang="en-US" altLang="ja-JP">
+                <a:solidFill>
+                  <a:schemeClr val="tx1">
+                    <a:lumMod val="85000"/>
+                    <a:lumOff val="15000"/>
+                  </a:schemeClr>
+                </a:solidFill>
+              </a:rPr>
+              <a:t>Appendix</a:t>
+            </a:r>
+            <a:endParaRPr kumimoji="1" lang="ja-JP" altLang="en-US" dirty="0">
+              <a:solidFill>
+                <a:schemeClr val="tx1">
+                  <a:lumMod val="85000"/>
+                  <a:lumOff val="15000"/>
+                </a:schemeClr>
+              </a:solidFill>
+            </a:endParaRPr>
           </a:p>
         </p:txBody>
       </p:sp>
     </p:spTree>
     <p:extLst>
       <p:ext uri="{BB962C8B-B14F-4D97-AF65-F5344CB8AC3E}">
-        <p14:creationId xmlns:p14="http://schemas.microsoft.com/office/powerpoint/2010/main" val="2139596300"/>
+        <p14:creationId xmlns:p14="http://schemas.microsoft.com/office/powerpoint/2010/main" val="647820641"/>
       </p:ext>
     </p:extLst>
   </p:cSld>
@@ -5409,42 +5572,108 @@
             <p:ph type="title"/>
           </p:nvPr>
         </p:nvSpPr>
+        <p:spPr/>
+        <p:txBody>
+          <a:bodyPr/>
+          <a:lstStyle/>
+          <a:p>
+            <a:r>
+              <a:rPr kumimoji="1" lang="en-US" altLang="ja-JP" dirty="0"/>
+              <a:t>Appendix</a:t>
+            </a:r>
+            <a:endParaRPr kumimoji="1" lang="ja-JP" altLang="en-US" dirty="0"/>
+          </a:p>
+        </p:txBody>
+      </p:sp>
+      <p:sp>
+        <p:nvSpPr>
+          <p:cNvPr id="3" name="コンテンツ プレースホルダー 2"/>
+          <p:cNvSpPr>
+            <a:spLocks noGrp="1"/>
+          </p:cNvSpPr>
+          <p:nvPr>
+            <p:ph idx="1"/>
+          </p:nvPr>
+        </p:nvSpPr>
         <p:spPr>
           <a:xfrm>
-            <a:off x="922283" y="3356686"/>
-            <a:ext cx="10515600" cy="636925"/>
+            <a:off x="838200" y="1184610"/>
+            <a:ext cx="10515600" cy="5394866"/>
           </a:xfrm>
         </p:spPr>
         <p:txBody>
           <a:bodyPr/>
           <a:lstStyle/>
           <a:p>
-            <a:r>
-              <a:rPr kumimoji="1" lang="en-US" altLang="ja-JP">
-                <a:solidFill>
-                  <a:schemeClr val="tx1">
-                    <a:lumMod val="85000"/>
-                    <a:lumOff val="15000"/>
-                  </a:schemeClr>
-                </a:solidFill>
-              </a:rPr>
-              <a:t>Appendix</a:t>
-            </a:r>
-            <a:endParaRPr kumimoji="1" lang="ja-JP" altLang="en-US" dirty="0">
-              <a:solidFill>
-                <a:schemeClr val="tx1">
-                  <a:lumMod val="85000"/>
-                  <a:lumOff val="15000"/>
-                </a:schemeClr>
-              </a:solidFill>
-            </a:endParaRPr>
+            <a:pPr>
+              <a:lnSpc>
+                <a:spcPct val="150000"/>
+              </a:lnSpc>
+              <a:spcBef>
+                <a:spcPts val="0"/>
+              </a:spcBef>
+            </a:pPr>
+            <a:r>
+              <a:rPr kumimoji="1" lang="ja-JP" altLang="en-US" dirty="0"/>
+              <a:t>精度の評価指標について</a:t>
+            </a:r>
+            <a:endParaRPr kumimoji="1" lang="en-US" altLang="ja-JP" dirty="0"/>
+          </a:p>
+          <a:p>
+            <a:pPr>
+              <a:lnSpc>
+                <a:spcPct val="150000"/>
+              </a:lnSpc>
+              <a:spcBef>
+                <a:spcPts val="0"/>
+              </a:spcBef>
+            </a:pPr>
+            <a:r>
+              <a:rPr kumimoji="1" lang="ja-JP" altLang="en-US" dirty="0"/>
+              <a:t>最尤法</a:t>
+            </a:r>
+            <a:endParaRPr kumimoji="1" lang="en-US" altLang="ja-JP" dirty="0"/>
+          </a:p>
+          <a:p>
+            <a:pPr>
+              <a:lnSpc>
+                <a:spcPct val="150000"/>
+              </a:lnSpc>
+              <a:spcBef>
+                <a:spcPts val="0"/>
+              </a:spcBef>
+            </a:pPr>
+            <a:r>
+              <a:rPr lang="en-US" altLang="ja-JP" dirty="0"/>
+              <a:t>Gauss</a:t>
+            </a:r>
+            <a:r>
+              <a:rPr lang="ja-JP" altLang="en-US" dirty="0"/>
+              <a:t>分布</a:t>
+            </a:r>
+            <a:endParaRPr lang="en-US" altLang="ja-JP" dirty="0"/>
+          </a:p>
+          <a:p>
+            <a:pPr>
+              <a:lnSpc>
+                <a:spcPct val="150000"/>
+              </a:lnSpc>
+              <a:spcBef>
+                <a:spcPts val="0"/>
+              </a:spcBef>
+            </a:pPr>
+            <a:r>
+              <a:rPr kumimoji="1" lang="ja-JP" altLang="en-US"/>
+              <a:t>他の情報量規準</a:t>
+            </a:r>
+            <a:endParaRPr kumimoji="1" lang="ja-JP" altLang="en-US" dirty="0"/>
           </a:p>
         </p:txBody>
       </p:sp>
     </p:spTree>
     <p:extLst>
       <p:ext uri="{BB962C8B-B14F-4D97-AF65-F5344CB8AC3E}">
-        <p14:creationId xmlns:p14="http://schemas.microsoft.com/office/powerpoint/2010/main" val="647820641"/>
+        <p14:creationId xmlns:p14="http://schemas.microsoft.com/office/powerpoint/2010/main" val="1723619600"/>
       </p:ext>
     </p:extLst>
   </p:cSld>
@@ -5487,10 +5716,9 @@
           <a:lstStyle/>
           <a:p>
             <a:r>
-              <a:rPr kumimoji="1" lang="en-US" altLang="ja-JP" dirty="0"/>
-              <a:t>Appendix</a:t>
-            </a:r>
-            <a:endParaRPr kumimoji="1" lang="ja-JP" altLang="en-US" dirty="0"/>
+              <a:rPr kumimoji="1" lang="ja-JP" altLang="en-US" dirty="0"/>
+              <a:t>精度の評価指数について</a:t>
+            </a:r>
           </a:p>
         </p:txBody>
       </p:sp>
@@ -5506,83 +5734,90 @@
         </p:nvSpPr>
         <p:spPr>
           <a:xfrm>
-            <a:off x="838200" y="1184610"/>
-            <a:ext cx="10515600" cy="5394866"/>
+            <a:off x="441434" y="1184610"/>
+            <a:ext cx="11498318" cy="5531500"/>
           </a:xfrm>
         </p:spPr>
         <p:txBody>
-          <a:bodyPr/>
+          <a:bodyPr anchor="ctr"/>
           <a:lstStyle/>
           <a:p>
-            <a:pPr>
+            <a:pPr marL="0" indent="0">
               <a:lnSpc>
                 <a:spcPct val="150000"/>
               </a:lnSpc>
-              <a:spcBef>
-                <a:spcPts val="0"/>
-              </a:spcBef>
+              <a:buNone/>
             </a:pPr>
             <a:r>
-              <a:rPr kumimoji="1" lang="ja-JP" altLang="en-US" dirty="0"/>
-              <a:t>精度の評価指標について</a:t>
-            </a:r>
-            <a:endParaRPr kumimoji="1" lang="en-US" altLang="ja-JP" dirty="0"/>
-          </a:p>
-          <a:p>
-            <a:pPr>
+              <a:rPr kumimoji="1" lang="en-US" altLang="ja-JP" sz="2800" b="1" dirty="0"/>
+              <a:t>ARI; Adjusted Rand Index</a:t>
+            </a:r>
+            <a:br>
+              <a:rPr kumimoji="1" lang="en-US" altLang="ja-JP" sz="2800" b="1" dirty="0"/>
+            </a:br>
+            <a:r>
+              <a:rPr kumimoji="1" lang="ja-JP" altLang="en-US" sz="2800" dirty="0"/>
+              <a:t>クラスタの正解ラベルに対して</a:t>
+            </a:r>
+            <a:br>
+              <a:rPr kumimoji="1" lang="en-US" altLang="ja-JP" sz="2800" dirty="0"/>
+            </a:br>
+            <a:r>
+              <a:rPr kumimoji="1" lang="en-US" altLang="ja-JP" sz="2800" dirty="0"/>
+              <a:t>				</a:t>
+            </a:r>
+            <a:r>
+              <a:rPr kumimoji="1" lang="ja-JP" altLang="en-US" sz="2800" dirty="0"/>
+              <a:t>クラスタリング結果の一致度を評価する指標</a:t>
+            </a:r>
+            <a:endParaRPr kumimoji="1" lang="en-US" altLang="ja-JP" sz="2800" dirty="0"/>
+          </a:p>
+          <a:p>
+            <a:pPr marL="0" indent="0">
               <a:lnSpc>
                 <a:spcPct val="150000"/>
               </a:lnSpc>
-              <a:spcBef>
-                <a:spcPts val="0"/>
-              </a:spcBef>
+              <a:buNone/>
             </a:pPr>
             <a:r>
-              <a:rPr kumimoji="1" lang="ja-JP" altLang="en-US" dirty="0"/>
-              <a:t>最尤法</a:t>
-            </a:r>
-            <a:endParaRPr kumimoji="1" lang="en-US" altLang="ja-JP" dirty="0"/>
-          </a:p>
-          <a:p>
-            <a:pPr>
+              <a:rPr lang="en-US" altLang="ja-JP" sz="2800" b="1" dirty="0"/>
+              <a:t>NMI; Normalized Mutual Information</a:t>
+            </a:r>
+            <a:br>
+              <a:rPr lang="en-US" altLang="ja-JP" sz="2800" b="1" dirty="0"/>
+            </a:br>
+            <a:r>
+              <a:rPr lang="ja-JP" altLang="en-US" sz="2800" dirty="0"/>
+              <a:t>相互情報量を正規化した指標</a:t>
+            </a:r>
+            <a:endParaRPr lang="en-US" altLang="ja-JP" sz="2800" dirty="0"/>
+          </a:p>
+          <a:p>
+            <a:pPr marL="0" indent="0">
               <a:lnSpc>
                 <a:spcPct val="150000"/>
               </a:lnSpc>
-              <a:spcBef>
-                <a:spcPts val="0"/>
-              </a:spcBef>
+              <a:buNone/>
             </a:pPr>
             <a:r>
-              <a:rPr lang="en-US" altLang="ja-JP" dirty="0"/>
-              <a:t>Gauss</a:t>
-            </a:r>
-            <a:r>
-              <a:rPr lang="ja-JP" altLang="en-US" dirty="0"/>
-              <a:t>分布</a:t>
-            </a:r>
-            <a:endParaRPr lang="en-US" altLang="ja-JP" dirty="0"/>
-          </a:p>
-          <a:p>
-            <a:pPr>
-              <a:lnSpc>
-                <a:spcPct val="150000"/>
-              </a:lnSpc>
-              <a:spcBef>
-                <a:spcPts val="0"/>
-              </a:spcBef>
-            </a:pPr>
-            <a:r>
-              <a:rPr kumimoji="1" lang="ja-JP" altLang="en-US"/>
-              <a:t>他の情報量規準</a:t>
-            </a:r>
-            <a:endParaRPr kumimoji="1" lang="ja-JP" altLang="en-US" dirty="0"/>
+              <a:rPr kumimoji="1" lang="en-US" altLang="ja-JP" sz="2800" b="1" dirty="0"/>
+              <a:t>Purity</a:t>
+            </a:r>
+            <a:br>
+              <a:rPr kumimoji="1" lang="en-US" altLang="ja-JP" sz="2800" b="1" dirty="0"/>
+            </a:br>
+            <a:r>
+              <a:rPr lang="ja-JP" altLang="en-US" sz="2800" dirty="0"/>
+              <a:t>生成されたクラスタがどれだけ多数派で占められているかを表す指標</a:t>
+            </a:r>
+            <a:endParaRPr kumimoji="1" lang="ja-JP" altLang="en-US" sz="2800" dirty="0"/>
           </a:p>
         </p:txBody>
       </p:sp>
     </p:spTree>
     <p:extLst>
       <p:ext uri="{BB962C8B-B14F-4D97-AF65-F5344CB8AC3E}">
-        <p14:creationId xmlns:p14="http://schemas.microsoft.com/office/powerpoint/2010/main" val="1723619600"/>
+        <p14:creationId xmlns:p14="http://schemas.microsoft.com/office/powerpoint/2010/main" val="1273741567"/>
       </p:ext>
     </p:extLst>
   </p:cSld>
@@ -5625,10 +5860,9 @@
           <a:lstStyle/>
           <a:p>
             <a:r>
-              <a:rPr lang="ja-JP" altLang="en-US" dirty="0"/>
-              <a:t>実験</a:t>
-            </a:r>
-            <a:endParaRPr kumimoji="1" lang="ja-JP" altLang="en-US" dirty="0"/>
+              <a:rPr kumimoji="1" lang="ja-JP" altLang="en-US" dirty="0"/>
+              <a:t>尤度</a:t>
+            </a:r>
           </a:p>
         </p:txBody>
       </p:sp>
@@ -5644,91 +5878,338 @@
         </p:nvSpPr>
         <p:spPr>
           <a:xfrm>
-            <a:off x="838200" y="2192940"/>
-            <a:ext cx="10515600" cy="3386573"/>
+            <a:off x="838200" y="1109965"/>
+            <a:ext cx="10515600" cy="5122883"/>
           </a:xfrm>
         </p:spPr>
         <p:txBody>
           <a:bodyPr/>
           <a:lstStyle/>
           <a:p>
-            <a:pPr>
-              <a:buFont typeface="Arial" charset="0"/>
-              <a:buChar char="•"/>
+            <a:pPr marL="0" marR="0" lvl="0" indent="0" defTabSz="914400" eaLnBrk="1" fontAlgn="auto" latinLnBrk="0" hangingPunct="1">
+              <a:spcBef>
+                <a:spcPts val="0"/>
+              </a:spcBef>
+              <a:spcAft>
+                <a:spcPts val="0"/>
+              </a:spcAft>
+              <a:buClrTx/>
+              <a:buSzTx/>
+              <a:buFontTx/>
+              <a:buNone/>
+              <a:tabLst/>
+              <a:defRPr/>
             </a:pPr>
             <a:r>
+              <a:rPr kumimoji="1" lang="ja-JP" altLang="en-US" dirty="0"/>
+              <a:t>モデルの尤もらしさを表す尺度</a:t>
+            </a:r>
+            <a:endParaRPr kumimoji="1" lang="en-US" altLang="ja-JP" dirty="0"/>
+          </a:p>
+          <a:p>
+            <a:pPr marL="0" marR="0" lvl="0" indent="0" defTabSz="914400" eaLnBrk="1" fontAlgn="auto" latinLnBrk="0" hangingPunct="1">
+              <a:lnSpc>
+                <a:spcPct val="150000"/>
+              </a:lnSpc>
+              <a:spcBef>
+                <a:spcPts val="0"/>
+              </a:spcBef>
+              <a:spcAft>
+                <a:spcPts val="0"/>
+              </a:spcAft>
+              <a:buClrTx/>
+              <a:buSzTx/>
+              <a:buFontTx/>
+              <a:buNone/>
+              <a:tabLst/>
+              <a:defRPr/>
+            </a:pPr>
+            <a:r>
               <a:rPr lang="ja-JP" altLang="en-US" dirty="0"/>
-              <a:t>分割停止規準に 対数尤度関数</a:t>
-            </a:r>
-            <a:r>
+              <a:t>確率変数 </a:t>
+            </a:r>
+            <a:r>
+              <a:rPr lang="en-US" altLang="ja-JP" dirty="0">
+                <a:latin typeface="Times New Roman" charset="0"/>
+                <a:ea typeface="Times New Roman" charset="0"/>
+                <a:cs typeface="Times New Roman" charset="0"/>
+              </a:rPr>
+              <a:t>(</a:t>
+            </a:r>
+            <a:r>
+              <a:rPr lang="en-US" altLang="ja-JP" i="1" dirty="0">
+                <a:latin typeface="Times New Roman" charset="0"/>
+                <a:ea typeface="Times New Roman" charset="0"/>
+                <a:cs typeface="Times New Roman" charset="0"/>
+              </a:rPr>
+              <a:t>X</a:t>
+            </a:r>
+            <a:r>
+              <a:rPr lang="en-US" altLang="ja-JP" baseline="-25000" dirty="0">
+                <a:latin typeface="Times New Roman" charset="0"/>
+                <a:ea typeface="Times New Roman" charset="0"/>
+                <a:cs typeface="Times New Roman" charset="0"/>
+              </a:rPr>
+              <a:t>1</a:t>
+            </a:r>
+            <a:r>
+              <a:rPr lang="en-US" altLang="ja-JP" dirty="0">
+                <a:latin typeface="Times New Roman" charset="0"/>
+                <a:ea typeface="Times New Roman" charset="0"/>
+                <a:cs typeface="Times New Roman" charset="0"/>
+              </a:rPr>
+              <a:t>, </a:t>
+            </a:r>
+            <a:r>
+              <a:rPr lang="en-US" altLang="ja-JP" i="1" dirty="0">
+                <a:latin typeface="Times New Roman" charset="0"/>
+                <a:ea typeface="Times New Roman" charset="0"/>
+                <a:cs typeface="Times New Roman" charset="0"/>
+              </a:rPr>
+              <a:t>X</a:t>
+            </a:r>
+            <a:r>
+              <a:rPr lang="en-US" altLang="ja-JP" baseline="-25000" dirty="0">
+                <a:latin typeface="Times New Roman" charset="0"/>
+                <a:ea typeface="Times New Roman" charset="0"/>
+                <a:cs typeface="Times New Roman" charset="0"/>
+              </a:rPr>
+              <a:t>2</a:t>
+            </a:r>
+            <a:r>
+              <a:rPr lang="en-US" altLang="ja-JP" dirty="0">
+                <a:latin typeface="Times New Roman" charset="0"/>
+                <a:ea typeface="Times New Roman" charset="0"/>
+                <a:cs typeface="Times New Roman" charset="0"/>
+              </a:rPr>
+              <a:t>, …, </a:t>
+            </a:r>
+            <a:r>
+              <a:rPr lang="en-US" altLang="ja-JP" i="1" dirty="0" err="1">
+                <a:latin typeface="Times New Roman" charset="0"/>
+                <a:ea typeface="Times New Roman" charset="0"/>
+                <a:cs typeface="Times New Roman" charset="0"/>
+              </a:rPr>
+              <a:t>X</a:t>
+            </a:r>
+            <a:r>
+              <a:rPr lang="en-US" altLang="ja-JP" i="1" baseline="-25000" dirty="0" err="1">
+                <a:latin typeface="Times New Roman" charset="0"/>
+                <a:ea typeface="Times New Roman" charset="0"/>
+                <a:cs typeface="Times New Roman" charset="0"/>
+              </a:rPr>
+              <a:t>n</a:t>
+            </a:r>
+            <a:r>
+              <a:rPr lang="en-US" altLang="ja-JP" dirty="0">
+                <a:latin typeface="Times New Roman" charset="0"/>
+                <a:ea typeface="Times New Roman" charset="0"/>
+                <a:cs typeface="Times New Roman" charset="0"/>
+              </a:rPr>
+              <a:t>)</a:t>
+            </a:r>
+            <a:r>
+              <a:rPr lang="ja-JP" altLang="en-US" dirty="0">
+                <a:latin typeface="Times New Roman" charset="0"/>
+                <a:ea typeface="Times New Roman" charset="0"/>
+                <a:cs typeface="Times New Roman" charset="0"/>
+              </a:rPr>
+              <a:t>  </a:t>
+            </a:r>
+            <a:r>
+              <a:rPr lang="ja-JP" altLang="en-US" dirty="0"/>
+              <a:t>（互いに独立）の</a:t>
+            </a:r>
+            <a:br>
               <a:rPr lang="en-US" altLang="ja-JP" dirty="0"/>
-              <a:t>, AIC, </a:t>
-            </a:r>
-            <a:r>
-              <a:rPr lang="en-US" altLang="ja-JP" dirty="0" err="1"/>
-              <a:t>cAIC</a:t>
+            </a:br>
+            <a:r>
+              <a:rPr lang="ja-JP" altLang="en-US" dirty="0"/>
+              <a:t>同時確率密度関数が</a:t>
             </a:r>
             <a:r>
               <a:rPr lang="en-US" altLang="ja-JP" dirty="0"/>
-              <a:t>, BIC</a:t>
+              <a:t> </a:t>
+            </a:r>
+            <a:r>
+              <a:rPr lang="en-US" altLang="ja-JP" i="1" dirty="0">
+                <a:latin typeface="Times New Roman" charset="0"/>
+                <a:ea typeface="Times New Roman" charset="0"/>
+                <a:cs typeface="Times New Roman" charset="0"/>
+              </a:rPr>
+              <a:t>f </a:t>
+            </a:r>
+            <a:r>
+              <a:rPr lang="en-US" altLang="ja-JP" dirty="0">
+                <a:latin typeface="Times New Roman" charset="0"/>
+                <a:ea typeface="Times New Roman" charset="0"/>
+                <a:cs typeface="Times New Roman" charset="0"/>
+              </a:rPr>
+              <a:t>(</a:t>
+            </a:r>
+            <a:r>
+              <a:rPr lang="en-US" altLang="ja-JP" i="1" dirty="0">
+                <a:latin typeface="Times New Roman" charset="0"/>
+                <a:ea typeface="Times New Roman" charset="0"/>
+                <a:cs typeface="Times New Roman" charset="0"/>
+              </a:rPr>
+              <a:t>x</a:t>
+            </a:r>
+            <a:r>
+              <a:rPr lang="en-US" altLang="ja-JP" baseline="-25000" dirty="0">
+                <a:latin typeface="Times New Roman" charset="0"/>
+                <a:ea typeface="Times New Roman" charset="0"/>
+                <a:cs typeface="Times New Roman" charset="0"/>
+              </a:rPr>
+              <a:t>1</a:t>
+            </a:r>
+            <a:r>
+              <a:rPr lang="en-US" altLang="ja-JP" dirty="0">
+                <a:latin typeface="Times New Roman" charset="0"/>
+                <a:ea typeface="Times New Roman" charset="0"/>
+                <a:cs typeface="Times New Roman" charset="0"/>
+              </a:rPr>
+              <a:t>, </a:t>
+            </a:r>
+            <a:r>
+              <a:rPr lang="en-US" altLang="ja-JP" i="1" dirty="0">
+                <a:latin typeface="Times New Roman" charset="0"/>
+                <a:ea typeface="Times New Roman" charset="0"/>
+                <a:cs typeface="Times New Roman" charset="0"/>
+              </a:rPr>
+              <a:t>x</a:t>
+            </a:r>
+            <a:r>
+              <a:rPr lang="en-US" altLang="ja-JP" baseline="-25000" dirty="0">
+                <a:latin typeface="Times New Roman" charset="0"/>
+                <a:ea typeface="Times New Roman" charset="0"/>
+                <a:cs typeface="Times New Roman" charset="0"/>
+              </a:rPr>
+              <a:t>2</a:t>
+            </a:r>
+            <a:r>
+              <a:rPr lang="en-US" altLang="ja-JP" dirty="0">
+                <a:latin typeface="Times New Roman" charset="0"/>
+                <a:ea typeface="Times New Roman" charset="0"/>
+                <a:cs typeface="Times New Roman" charset="0"/>
+              </a:rPr>
+              <a:t>, …, </a:t>
+            </a:r>
+            <a:r>
+              <a:rPr lang="en-US" altLang="ja-JP" i="1" dirty="0" err="1">
+                <a:latin typeface="Times New Roman" charset="0"/>
+                <a:ea typeface="Times New Roman" charset="0"/>
+                <a:cs typeface="Times New Roman" charset="0"/>
+              </a:rPr>
+              <a:t>x</a:t>
+            </a:r>
+            <a:r>
+              <a:rPr lang="en-US" altLang="ja-JP" i="1" baseline="-25000" dirty="0" err="1">
+                <a:latin typeface="Times New Roman" charset="0"/>
+                <a:ea typeface="Times New Roman" charset="0"/>
+                <a:cs typeface="Times New Roman" charset="0"/>
+              </a:rPr>
+              <a:t>n</a:t>
+            </a:r>
+            <a:r>
+              <a:rPr lang="en-US" altLang="ja-JP" dirty="0">
+                <a:latin typeface="Times New Roman" charset="0"/>
+                <a:ea typeface="Times New Roman" charset="0"/>
+                <a:cs typeface="Times New Roman" charset="0"/>
+              </a:rPr>
+              <a:t> | </a:t>
+            </a:r>
+            <a:r>
+              <a:rPr lang="en-US" altLang="ja-JP" i="1" dirty="0" err="1">
+                <a:latin typeface="Times New Roman" charset="0"/>
+                <a:ea typeface="Times New Roman" charset="0"/>
+                <a:cs typeface="Times New Roman" charset="0"/>
+              </a:rPr>
+              <a:t>θ</a:t>
+            </a:r>
+            <a:r>
+              <a:rPr lang="en-US" altLang="ja-JP" dirty="0">
+                <a:latin typeface="Times New Roman" charset="0"/>
+                <a:ea typeface="Times New Roman" charset="0"/>
+                <a:cs typeface="Times New Roman" charset="0"/>
+              </a:rPr>
+              <a:t>) </a:t>
             </a:r>
             <a:r>
               <a:rPr lang="ja-JP" altLang="en-US" dirty="0"/>
-              <a:t>を採用</a:t>
-            </a:r>
-            <a:endParaRPr lang="en-US" altLang="ja-JP" dirty="0"/>
-          </a:p>
-          <a:p>
-            <a:pPr>
-              <a:buFont typeface="Arial" charset="0"/>
-              <a:buChar char="•"/>
-            </a:pPr>
-            <a:r>
-              <a:rPr kumimoji="1" lang="ja-JP" altLang="en-US" dirty="0"/>
-              <a:t>性能評価は</a:t>
-            </a:r>
-            <a:r>
-              <a:rPr kumimoji="1" lang="en-US" altLang="ja-JP" dirty="0"/>
-              <a:t>ARI, NMI, Purity</a:t>
-            </a:r>
-            <a:r>
-              <a:rPr kumimoji="1" lang="ja-JP" altLang="en-US" dirty="0"/>
-              <a:t>を使用</a:t>
-            </a:r>
-            <a:r>
-              <a:rPr kumimoji="1" lang="en-US" altLang="ja-JP" dirty="0"/>
-              <a:t> (1</a:t>
-            </a:r>
-            <a:r>
-              <a:rPr kumimoji="1" lang="ja-JP" altLang="en-US" dirty="0"/>
-              <a:t>になるほど良い</a:t>
-            </a:r>
-            <a:r>
-              <a:rPr kumimoji="1" lang="en-US" altLang="ja-JP" dirty="0"/>
-              <a:t>)</a:t>
-            </a:r>
-          </a:p>
-          <a:p>
-            <a:pPr>
-              <a:buFont typeface="Arial" charset="0"/>
-              <a:buChar char="•"/>
-            </a:pPr>
-            <a:r>
+              <a:t>として，</a:t>
+            </a:r>
+            <a:br>
               <a:rPr lang="en-US" altLang="ja-JP" dirty="0"/>
-              <a:t>100</a:t>
+            </a:br>
+            <a:r>
+              <a:rPr lang="en-US" altLang="ja-JP" i="1" dirty="0">
+                <a:latin typeface="Times New Roman" charset="0"/>
+                <a:ea typeface="Times New Roman" charset="0"/>
+                <a:cs typeface="Times New Roman" charset="0"/>
+              </a:rPr>
+              <a:t>f  </a:t>
             </a:r>
             <a:r>
               <a:rPr lang="ja-JP" altLang="en-US" dirty="0"/>
-              <a:t>回のクラスタリング結果の平均を算出</a:t>
+              <a:t>をパラメータ</a:t>
+            </a:r>
+            <a:r>
+              <a:rPr lang="en-US" altLang="ja-JP" dirty="0"/>
+              <a:t> </a:t>
+            </a:r>
+            <a:r>
+              <a:rPr lang="en-US" altLang="ja-JP" i="1" dirty="0" err="1">
+                <a:latin typeface="Times New Roman" charset="0"/>
+                <a:ea typeface="Times New Roman" charset="0"/>
+                <a:cs typeface="Times New Roman" charset="0"/>
+              </a:rPr>
+              <a:t>θ</a:t>
+            </a:r>
+            <a:r>
+              <a:rPr lang="en-US" altLang="ja-JP" i="1" dirty="0">
+                <a:latin typeface="Times New Roman" charset="0"/>
+                <a:ea typeface="Times New Roman" charset="0"/>
+                <a:cs typeface="Times New Roman" charset="0"/>
+              </a:rPr>
+              <a:t> </a:t>
+            </a:r>
+            <a:r>
+              <a:rPr lang="ja-JP" altLang="en-US" dirty="0"/>
+              <a:t>の関数と考えたときの関数</a:t>
             </a:r>
             <a:endParaRPr kumimoji="1" lang="ja-JP" altLang="en-US" dirty="0"/>
           </a:p>
         </p:txBody>
       </p:sp>
+      <p:pic>
+        <p:nvPicPr>
+          <p:cNvPr id="5" name="図 4"/>
+          <p:cNvPicPr>
+            <a:picLocks noChangeAspect="1"/>
+          </p:cNvPicPr>
+          <p:nvPr/>
+        </p:nvPicPr>
+        <p:blipFill>
+          <a:blip r:embed="rId2"/>
+          <a:stretch>
+            <a:fillRect/>
+          </a:stretch>
+        </p:blipFill>
+        <p:spPr>
+          <a:xfrm>
+            <a:off x="3397250" y="4678716"/>
+            <a:ext cx="5397500" cy="1993900"/>
+          </a:xfrm>
+          <a:prstGeom prst="rect">
+            <a:avLst/>
+          </a:prstGeom>
+        </p:spPr>
+      </p:pic>
     </p:spTree>
     <p:extLst>
       <p:ext uri="{BB962C8B-B14F-4D97-AF65-F5344CB8AC3E}">
-        <p14:creationId xmlns:p14="http://schemas.microsoft.com/office/powerpoint/2010/main" val="2067280417"/>
+        <p14:creationId xmlns:p14="http://schemas.microsoft.com/office/powerpoint/2010/main" val="585852389"/>
       </p:ext>
     </p:extLst>
   </p:cSld>
@@ -5935,1127 +6416,6 @@
 </file>
 
 <file path=ppt/slides/slide20.xml><?xml version="1.0" encoding="utf-8"?>
-<p:sld xmlns:a="http://schemas.openxmlformats.org/drawingml/2006/main" xmlns:r="http://schemas.openxmlformats.org/officeDocument/2006/relationships" xmlns:p="http://schemas.openxmlformats.org/presentationml/2006/main">
-  <p:cSld>
-    <p:spTree>
-      <p:nvGrpSpPr>
-        <p:cNvPr id="1" name=""/>
-        <p:cNvGrpSpPr/>
-        <p:nvPr/>
-      </p:nvGrpSpPr>
-      <p:grpSpPr>
-        <a:xfrm>
-          <a:off x="0" y="0"/>
-          <a:ext cx="0" cy="0"/>
-          <a:chOff x="0" y="0"/>
-          <a:chExt cx="0" cy="0"/>
-        </a:xfrm>
-      </p:grpSpPr>
-      <p:sp>
-        <p:nvSpPr>
-          <p:cNvPr id="2" name="タイトル 1"/>
-          <p:cNvSpPr>
-            <a:spLocks noGrp="1"/>
-          </p:cNvSpPr>
-          <p:nvPr>
-            <p:ph type="title"/>
-          </p:nvPr>
-        </p:nvSpPr>
-        <p:spPr/>
-        <p:txBody>
-          <a:bodyPr/>
-          <a:lstStyle/>
-          <a:p>
-            <a:r>
-              <a:rPr kumimoji="1" lang="ja-JP" altLang="en-US" dirty="0"/>
-              <a:t>精度の評価指数について</a:t>
-            </a:r>
-          </a:p>
-        </p:txBody>
-      </p:sp>
-      <p:sp>
-        <p:nvSpPr>
-          <p:cNvPr id="3" name="コンテンツ プレースホルダー 2"/>
-          <p:cNvSpPr>
-            <a:spLocks noGrp="1"/>
-          </p:cNvSpPr>
-          <p:nvPr>
-            <p:ph idx="1"/>
-          </p:nvPr>
-        </p:nvSpPr>
-        <p:spPr>
-          <a:xfrm>
-            <a:off x="441434" y="1184610"/>
-            <a:ext cx="11498318" cy="5531500"/>
-          </a:xfrm>
-        </p:spPr>
-        <p:txBody>
-          <a:bodyPr anchor="ctr"/>
-          <a:lstStyle/>
-          <a:p>
-            <a:pPr marL="0" indent="0">
-              <a:lnSpc>
-                <a:spcPct val="150000"/>
-              </a:lnSpc>
-              <a:buNone/>
-            </a:pPr>
-            <a:r>
-              <a:rPr kumimoji="1" lang="en-US" altLang="ja-JP" sz="2800" b="1" dirty="0"/>
-              <a:t>ARI; Adjusted Rand Index</a:t>
-            </a:r>
-            <a:br>
-              <a:rPr kumimoji="1" lang="en-US" altLang="ja-JP" sz="2800" b="1" dirty="0"/>
-            </a:br>
-            <a:r>
-              <a:rPr kumimoji="1" lang="ja-JP" altLang="en-US" sz="2800" dirty="0"/>
-              <a:t>クラスタの正解ラベルに対して</a:t>
-            </a:r>
-            <a:br>
-              <a:rPr kumimoji="1" lang="en-US" altLang="ja-JP" sz="2800" dirty="0"/>
-            </a:br>
-            <a:r>
-              <a:rPr kumimoji="1" lang="en-US" altLang="ja-JP" sz="2800" dirty="0"/>
-              <a:t>				</a:t>
-            </a:r>
-            <a:r>
-              <a:rPr kumimoji="1" lang="ja-JP" altLang="en-US" sz="2800" dirty="0"/>
-              <a:t>クラスタリング結果の一致度を評価する指標</a:t>
-            </a:r>
-            <a:endParaRPr kumimoji="1" lang="en-US" altLang="ja-JP" sz="2800" dirty="0"/>
-          </a:p>
-          <a:p>
-            <a:pPr marL="0" indent="0">
-              <a:lnSpc>
-                <a:spcPct val="150000"/>
-              </a:lnSpc>
-              <a:buNone/>
-            </a:pPr>
-            <a:r>
-              <a:rPr lang="en-US" altLang="ja-JP" sz="2800" b="1" dirty="0"/>
-              <a:t>NMI; Normalized Mutual Information</a:t>
-            </a:r>
-            <a:br>
-              <a:rPr lang="en-US" altLang="ja-JP" sz="2800" b="1" dirty="0"/>
-            </a:br>
-            <a:r>
-              <a:rPr lang="ja-JP" altLang="en-US" sz="2800" dirty="0"/>
-              <a:t>相互情報量を正規化した指標</a:t>
-            </a:r>
-            <a:endParaRPr lang="en-US" altLang="ja-JP" sz="2800" dirty="0"/>
-          </a:p>
-          <a:p>
-            <a:pPr marL="0" indent="0">
-              <a:lnSpc>
-                <a:spcPct val="150000"/>
-              </a:lnSpc>
-              <a:buNone/>
-            </a:pPr>
-            <a:r>
-              <a:rPr kumimoji="1" lang="en-US" altLang="ja-JP" sz="2800" b="1" dirty="0"/>
-              <a:t>Purity</a:t>
-            </a:r>
-            <a:br>
-              <a:rPr kumimoji="1" lang="en-US" altLang="ja-JP" sz="2800" b="1" dirty="0"/>
-            </a:br>
-            <a:r>
-              <a:rPr lang="ja-JP" altLang="en-US" sz="2800" dirty="0"/>
-              <a:t>生成されたクラスタがどれだけ多数派で占められているかを表す指標</a:t>
-            </a:r>
-            <a:endParaRPr kumimoji="1" lang="ja-JP" altLang="en-US" sz="2800" dirty="0"/>
-          </a:p>
-        </p:txBody>
-      </p:sp>
-    </p:spTree>
-    <p:extLst>
-      <p:ext uri="{BB962C8B-B14F-4D97-AF65-F5344CB8AC3E}">
-        <p14:creationId xmlns:p14="http://schemas.microsoft.com/office/powerpoint/2010/main" val="1273741567"/>
-      </p:ext>
-    </p:extLst>
-  </p:cSld>
-  <p:clrMapOvr>
-    <a:masterClrMapping/>
-  </p:clrMapOvr>
-</p:sld>
-</file>
-
-<file path=ppt/slides/slide21.xml><?xml version="1.0" encoding="utf-8"?>
-<p:sld xmlns:a="http://schemas.openxmlformats.org/drawingml/2006/main" xmlns:r="http://schemas.openxmlformats.org/officeDocument/2006/relationships" xmlns:p="http://schemas.openxmlformats.org/presentationml/2006/main">
-  <p:cSld>
-    <p:spTree>
-      <p:nvGrpSpPr>
-        <p:cNvPr id="1" name=""/>
-        <p:cNvGrpSpPr/>
-        <p:nvPr/>
-      </p:nvGrpSpPr>
-      <p:grpSpPr>
-        <a:xfrm>
-          <a:off x="0" y="0"/>
-          <a:ext cx="0" cy="0"/>
-          <a:chOff x="0" y="0"/>
-          <a:chExt cx="0" cy="0"/>
-        </a:xfrm>
-      </p:grpSpPr>
-      <p:sp>
-        <p:nvSpPr>
-          <p:cNvPr id="2" name="タイトル 1">
-            <a:extLst>
-              <a:ext uri="{FF2B5EF4-FFF2-40B4-BE49-F238E27FC236}">
-                <a16:creationId xmlns:a16="http://schemas.microsoft.com/office/drawing/2014/main" id="{44326E86-F943-964F-A20C-045F08FDC88E}"/>
-              </a:ext>
-            </a:extLst>
-          </p:cNvPr>
-          <p:cNvSpPr>
-            <a:spLocks noGrp="1"/>
-          </p:cNvSpPr>
-          <p:nvPr>
-            <p:ph type="title"/>
-          </p:nvPr>
-        </p:nvSpPr>
-        <p:spPr/>
-        <p:txBody>
-          <a:bodyPr/>
-          <a:lstStyle/>
-          <a:p>
-            <a:r>
-              <a:rPr kumimoji="1" lang="en-US" altLang="ja-JP" dirty="0"/>
-              <a:t>Mean-shift</a:t>
-            </a:r>
-            <a:endParaRPr kumimoji="1" lang="ja-JP" altLang="en-US" dirty="0"/>
-          </a:p>
-        </p:txBody>
-      </p:sp>
-      <p:pic>
-        <p:nvPicPr>
-          <p:cNvPr id="5" name="コンテンツ プレースホルダー 4">
-            <a:extLst>
-              <a:ext uri="{FF2B5EF4-FFF2-40B4-BE49-F238E27FC236}">
-                <a16:creationId xmlns:a16="http://schemas.microsoft.com/office/drawing/2014/main" id="{AA386A33-A8BE-9547-A4EA-8D4A7270FE2E}"/>
-              </a:ext>
-            </a:extLst>
-          </p:cNvPr>
-          <p:cNvPicPr>
-            <a:picLocks noGrp="1" noChangeAspect="1"/>
-          </p:cNvPicPr>
-          <p:nvPr>
-            <p:ph idx="1"/>
-          </p:nvPr>
-        </p:nvPicPr>
-        <p:blipFill>
-          <a:blip r:embed="rId2"/>
-          <a:stretch>
-            <a:fillRect/>
-          </a:stretch>
-        </p:blipFill>
-        <p:spPr>
-          <a:xfrm>
-            <a:off x="0" y="1680447"/>
-            <a:ext cx="6864467" cy="4759683"/>
-          </a:xfrm>
-        </p:spPr>
-      </p:pic>
-      <p:sp>
-        <p:nvSpPr>
-          <p:cNvPr id="6" name="テキスト ボックス 5">
-            <a:extLst>
-              <a:ext uri="{FF2B5EF4-FFF2-40B4-BE49-F238E27FC236}">
-                <a16:creationId xmlns:a16="http://schemas.microsoft.com/office/drawing/2014/main" id="{6A658DA5-E860-2447-A51E-DC72E1E57D0D}"/>
-              </a:ext>
-            </a:extLst>
-          </p:cNvPr>
-          <p:cNvSpPr txBox="1"/>
-          <p:nvPr/>
-        </p:nvSpPr>
-        <p:spPr>
-          <a:xfrm>
-            <a:off x="6404091" y="1335488"/>
-            <a:ext cx="5661134" cy="1754326"/>
-          </a:xfrm>
-          <a:prstGeom prst="rect">
-            <a:avLst/>
-          </a:prstGeom>
-          <a:noFill/>
-        </p:spPr>
-        <p:txBody>
-          <a:bodyPr wrap="square" rtlCol="0">
-            <a:spAutoFit/>
-          </a:bodyPr>
-          <a:lstStyle/>
-          <a:p>
-            <a:pPr marL="514350" indent="-514350">
-              <a:lnSpc>
-                <a:spcPct val="150000"/>
-              </a:lnSpc>
-              <a:buAutoNum type="alphaLcParenBoth"/>
-            </a:pPr>
-            <a:r>
-              <a:rPr kumimoji="1" lang="ja-JP" altLang="en-US" sz="2400" dirty="0">
-                <a:latin typeface="Meiryo" charset="-128"/>
-                <a:ea typeface="Meiryo" charset="-128"/>
-                <a:cs typeface="Meiryo" charset="-128"/>
-              </a:rPr>
-              <a:t> 観測点 </a:t>
-            </a:r>
-            <a:r>
-              <a:rPr kumimoji="1" lang="en-US" altLang="ja-JP" sz="2400" i="1" dirty="0" err="1">
-                <a:latin typeface="Times New Roman" panose="02020603050405020304" pitchFamily="18" charset="0"/>
-                <a:ea typeface="Meiryo" charset="-128"/>
-                <a:cs typeface="Times New Roman" panose="02020603050405020304" pitchFamily="18" charset="0"/>
-              </a:rPr>
-              <a:t>y</a:t>
-            </a:r>
-            <a:r>
-              <a:rPr kumimoji="1" lang="en-US" altLang="ja-JP" sz="2400" i="1" baseline="-25000" dirty="0" err="1">
-                <a:latin typeface="Times New Roman" panose="02020603050405020304" pitchFamily="18" charset="0"/>
-                <a:ea typeface="Meiryo" charset="-128"/>
-                <a:cs typeface="Times New Roman" panose="02020603050405020304" pitchFamily="18" charset="0"/>
-              </a:rPr>
-              <a:t>j</a:t>
-            </a:r>
-            <a:r>
-              <a:rPr kumimoji="1" lang="en-US" altLang="ja-JP" sz="2400" i="1" baseline="-25000" dirty="0">
-                <a:latin typeface="Times New Roman" panose="02020603050405020304" pitchFamily="18" charset="0"/>
-                <a:ea typeface="Meiryo" charset="-128"/>
-                <a:cs typeface="Times New Roman" panose="02020603050405020304" pitchFamily="18" charset="0"/>
-              </a:rPr>
-              <a:t> </a:t>
-            </a:r>
-            <a:r>
-              <a:rPr kumimoji="1" lang="ja-JP" altLang="en-US" sz="2400" dirty="0">
-                <a:latin typeface="Meiryo" charset="-128"/>
-                <a:ea typeface="Meiryo" charset="-128"/>
-                <a:cs typeface="Meiryo" charset="-128"/>
-              </a:rPr>
-              <a:t>から半径</a:t>
-            </a:r>
-            <a:r>
-              <a:rPr kumimoji="1" lang="en-US" altLang="ja-JP" sz="2400" i="1" dirty="0">
-                <a:latin typeface="Times New Roman" panose="02020603050405020304" pitchFamily="18" charset="0"/>
-                <a:ea typeface="Meiryo" charset="-128"/>
-                <a:cs typeface="Times New Roman" panose="02020603050405020304" pitchFamily="18" charset="0"/>
-              </a:rPr>
-              <a:t>h</a:t>
-            </a:r>
-            <a:r>
-              <a:rPr kumimoji="1" lang="ja-JP" altLang="en-US" sz="2400" dirty="0">
-                <a:latin typeface="Meiryo" charset="-128"/>
-                <a:ea typeface="Meiryo" charset="-128"/>
-                <a:cs typeface="Meiryo" charset="-128"/>
-              </a:rPr>
-              <a:t>の超球を考える</a:t>
-            </a:r>
-            <a:endParaRPr kumimoji="1" lang="en-US" altLang="ja-JP" sz="2400" dirty="0">
-              <a:latin typeface="Meiryo" charset="-128"/>
-              <a:ea typeface="Meiryo" charset="-128"/>
-              <a:cs typeface="Meiryo" charset="-128"/>
-            </a:endParaRPr>
-          </a:p>
-          <a:p>
-            <a:pPr marL="514350" indent="-514350">
-              <a:lnSpc>
-                <a:spcPct val="150000"/>
-              </a:lnSpc>
-              <a:buAutoNum type="alphaLcParenBoth"/>
-            </a:pPr>
-            <a:r>
-              <a:rPr lang="ja-JP" altLang="en-US" sz="2400" dirty="0">
-                <a:latin typeface="Meiryo" charset="-128"/>
-                <a:ea typeface="Meiryo" charset="-128"/>
-                <a:cs typeface="Meiryo" charset="-128"/>
-              </a:rPr>
-              <a:t> 範囲内にある点群の平均</a:t>
-            </a:r>
-            <a:r>
-              <a:rPr lang="en-US" altLang="ja-JP" sz="2400" i="1" dirty="0">
-                <a:latin typeface="Times New Roman" panose="02020603050405020304" pitchFamily="18" charset="0"/>
-                <a:ea typeface="Meiryo" charset="-128"/>
-                <a:cs typeface="Times New Roman" panose="02020603050405020304" pitchFamily="18" charset="0"/>
-              </a:rPr>
-              <a:t>x</a:t>
-            </a:r>
-            <a:r>
-              <a:rPr lang="en-US" altLang="ja-JP" sz="2400" i="1" baseline="-25000" dirty="0">
-                <a:latin typeface="Times New Roman" panose="02020603050405020304" pitchFamily="18" charset="0"/>
-                <a:ea typeface="Meiryo" charset="-128"/>
-                <a:cs typeface="Times New Roman" panose="02020603050405020304" pitchFamily="18" charset="0"/>
-              </a:rPr>
-              <a:t>c</a:t>
-            </a:r>
-            <a:r>
-              <a:rPr lang="ja-JP" altLang="en-US" sz="2400" dirty="0">
-                <a:latin typeface="Meiryo" charset="-128"/>
-                <a:ea typeface="Meiryo" charset="-128"/>
-                <a:cs typeface="Meiryo" charset="-128"/>
-              </a:rPr>
-              <a:t>を求める</a:t>
-            </a:r>
-            <a:endParaRPr lang="en-US" altLang="ja-JP" sz="2400" dirty="0">
-              <a:latin typeface="Meiryo" charset="-128"/>
-              <a:ea typeface="Meiryo" charset="-128"/>
-              <a:cs typeface="Meiryo" charset="-128"/>
-            </a:endParaRPr>
-          </a:p>
-          <a:p>
-            <a:pPr marL="514350" indent="-514350">
-              <a:lnSpc>
-                <a:spcPct val="150000"/>
-              </a:lnSpc>
-              <a:buAutoNum type="alphaLcParenBoth"/>
-            </a:pPr>
-            <a:r>
-              <a:rPr kumimoji="1" lang="ja-JP" altLang="en-US" sz="2400" dirty="0">
-                <a:latin typeface="Meiryo" charset="-128"/>
-                <a:ea typeface="Meiryo" charset="-128"/>
-                <a:cs typeface="Meiryo" charset="-128"/>
-              </a:rPr>
-              <a:t> 観測点 </a:t>
-            </a:r>
-            <a:r>
-              <a:rPr kumimoji="1" lang="en-US" altLang="ja-JP" sz="2400" i="1" dirty="0">
-                <a:latin typeface="Times New Roman" panose="02020603050405020304" pitchFamily="18" charset="0"/>
-                <a:ea typeface="Meiryo" charset="-128"/>
-                <a:cs typeface="Times New Roman" panose="02020603050405020304" pitchFamily="18" charset="0"/>
-              </a:rPr>
-              <a:t>y</a:t>
-            </a:r>
-            <a:r>
-              <a:rPr kumimoji="1" lang="en-US" altLang="ja-JP" sz="2400" i="1" baseline="-25000" dirty="0">
-                <a:latin typeface="Times New Roman" panose="02020603050405020304" pitchFamily="18" charset="0"/>
-                <a:ea typeface="Meiryo" charset="-128"/>
-                <a:cs typeface="Times New Roman" panose="02020603050405020304" pitchFamily="18" charset="0"/>
-              </a:rPr>
-              <a:t>j+1 </a:t>
-            </a:r>
-            <a:r>
-              <a:rPr kumimoji="1" lang="ja-JP" altLang="en-US" sz="2400" dirty="0">
-                <a:latin typeface="Meiryo" charset="-128"/>
-                <a:ea typeface="Meiryo" charset="-128"/>
-                <a:cs typeface="Meiryo" charset="-128"/>
-              </a:rPr>
-              <a:t>を</a:t>
-            </a:r>
-            <a:r>
-              <a:rPr lang="en-US" altLang="ja-JP" sz="2400" i="1" dirty="0">
-                <a:latin typeface="Times New Roman" panose="02020603050405020304" pitchFamily="18" charset="0"/>
-                <a:ea typeface="Meiryo" charset="-128"/>
-                <a:cs typeface="Times New Roman" panose="02020603050405020304" pitchFamily="18" charset="0"/>
-              </a:rPr>
-              <a:t>x</a:t>
-            </a:r>
-            <a:r>
-              <a:rPr lang="en-US" altLang="ja-JP" sz="2400" i="1" baseline="-25000" dirty="0">
-                <a:latin typeface="Times New Roman" panose="02020603050405020304" pitchFamily="18" charset="0"/>
-                <a:ea typeface="Meiryo" charset="-128"/>
-                <a:cs typeface="Times New Roman" panose="02020603050405020304" pitchFamily="18" charset="0"/>
-              </a:rPr>
-              <a:t>c</a:t>
-            </a:r>
-            <a:r>
-              <a:rPr kumimoji="1" lang="ja-JP" altLang="en-US" sz="2400" dirty="0">
-                <a:latin typeface="Meiryo" charset="-128"/>
-                <a:ea typeface="Meiryo" charset="-128"/>
-                <a:cs typeface="Meiryo" charset="-128"/>
-              </a:rPr>
-              <a:t>に移動する</a:t>
-            </a:r>
-            <a:endParaRPr kumimoji="1" lang="en-US" altLang="ja-JP" sz="2400" dirty="0">
-              <a:latin typeface="Meiryo" charset="-128"/>
-              <a:ea typeface="Meiryo" charset="-128"/>
-              <a:cs typeface="Meiryo" charset="-128"/>
-            </a:endParaRPr>
-          </a:p>
-        </p:txBody>
-      </p:sp>
-      <p:sp>
-        <p:nvSpPr>
-          <p:cNvPr id="7" name="下矢印 6">
-            <a:extLst>
-              <a:ext uri="{FF2B5EF4-FFF2-40B4-BE49-F238E27FC236}">
-                <a16:creationId xmlns:a16="http://schemas.microsoft.com/office/drawing/2014/main" id="{79E2F779-19EE-7342-AE0A-8EB575F77B8B}"/>
-              </a:ext>
-            </a:extLst>
-          </p:cNvPr>
-          <p:cNvSpPr/>
-          <p:nvPr/>
-        </p:nvSpPr>
-        <p:spPr>
-          <a:xfrm>
-            <a:off x="7350806" y="3308796"/>
-            <a:ext cx="817296" cy="1090532"/>
-          </a:xfrm>
-          <a:prstGeom prst="downArrow">
-            <a:avLst/>
-          </a:prstGeom>
-          <a:solidFill>
-            <a:srgbClr val="2F5597"/>
-          </a:solidFill>
-          <a:ln>
-            <a:noFill/>
-          </a:ln>
-        </p:spPr>
-        <p:style>
-          <a:lnRef idx="2">
-            <a:schemeClr val="accent1">
-              <a:shade val="50000"/>
-            </a:schemeClr>
-          </a:lnRef>
-          <a:fillRef idx="1">
-            <a:schemeClr val="accent1"/>
-          </a:fillRef>
-          <a:effectRef idx="0">
-            <a:schemeClr val="accent1"/>
-          </a:effectRef>
-          <a:fontRef idx="minor">
-            <a:schemeClr val="lt1"/>
-          </a:fontRef>
-        </p:style>
-        <p:txBody>
-          <a:bodyPr rtlCol="0" anchor="ctr"/>
-          <a:lstStyle/>
-          <a:p>
-            <a:pPr algn="ctr"/>
-            <a:endParaRPr kumimoji="1" lang="ja-JP" altLang="en-US"/>
-          </a:p>
-        </p:txBody>
-      </p:sp>
-      <p:sp>
-        <p:nvSpPr>
-          <p:cNvPr id="8" name="テキスト ボックス 7">
-            <a:extLst>
-              <a:ext uri="{FF2B5EF4-FFF2-40B4-BE49-F238E27FC236}">
-                <a16:creationId xmlns:a16="http://schemas.microsoft.com/office/drawing/2014/main" id="{73AFA66F-9214-3C41-BD99-C0FDB731527A}"/>
-              </a:ext>
-            </a:extLst>
-          </p:cNvPr>
-          <p:cNvSpPr txBox="1"/>
-          <p:nvPr/>
-        </p:nvSpPr>
-        <p:spPr>
-          <a:xfrm>
-            <a:off x="6404091" y="4481941"/>
-            <a:ext cx="5533773" cy="2308324"/>
-          </a:xfrm>
-          <a:prstGeom prst="rect">
-            <a:avLst/>
-          </a:prstGeom>
-          <a:noFill/>
-        </p:spPr>
-        <p:txBody>
-          <a:bodyPr wrap="square" rtlCol="0">
-            <a:spAutoFit/>
-          </a:bodyPr>
-          <a:lstStyle/>
-          <a:p>
-            <a:pPr marL="514350" indent="-514350">
-              <a:lnSpc>
-                <a:spcPct val="150000"/>
-              </a:lnSpc>
-              <a:buAutoNum type="alphaLcParenBoth"/>
-            </a:pPr>
-            <a:r>
-              <a:rPr lang="ja-JP" altLang="en-US" sz="2400" dirty="0">
-                <a:latin typeface="Meiryo" charset="-128"/>
-                <a:ea typeface="Meiryo" charset="-128"/>
-                <a:cs typeface="Meiryo" charset="-128"/>
-              </a:rPr>
-              <a:t> 各点 </a:t>
-            </a:r>
-            <a:r>
-              <a:rPr lang="en-US" altLang="ja-JP" sz="2400" i="1" dirty="0">
-                <a:latin typeface="Times New Roman" panose="02020603050405020304" pitchFamily="18" charset="0"/>
-                <a:ea typeface="Meiryo" charset="-128"/>
-                <a:cs typeface="Times New Roman" panose="02020603050405020304" pitchFamily="18" charset="0"/>
-              </a:rPr>
-              <a:t>x</a:t>
-            </a:r>
-            <a:r>
-              <a:rPr lang="en-US" altLang="ja-JP" sz="2400" i="1" baseline="-25000" dirty="0">
-                <a:latin typeface="Times New Roman" panose="02020603050405020304" pitchFamily="18" charset="0"/>
-                <a:ea typeface="Meiryo" charset="-128"/>
-                <a:cs typeface="Times New Roman" panose="02020603050405020304" pitchFamily="18" charset="0"/>
-              </a:rPr>
-              <a:t>i </a:t>
-            </a:r>
-            <a:r>
-              <a:rPr lang="ja-JP" altLang="en-US" sz="2400" dirty="0">
-                <a:latin typeface="Meiryo" charset="-128"/>
-                <a:ea typeface="Meiryo" charset="-128"/>
-                <a:cs typeface="Meiryo" charset="-128"/>
-              </a:rPr>
-              <a:t>に</a:t>
-            </a:r>
-            <a:r>
-              <a:rPr lang="en-US" altLang="ja-JP" sz="2400" dirty="0">
-                <a:latin typeface="Meiryo" charset="-128"/>
-                <a:ea typeface="Meiryo" charset="-128"/>
-                <a:cs typeface="Meiryo" charset="-128"/>
-              </a:rPr>
-              <a:t>Mean shift</a:t>
-            </a:r>
-            <a:r>
-              <a:rPr lang="ja-JP" altLang="en-US" sz="2400" dirty="0">
-                <a:latin typeface="Meiryo" charset="-128"/>
-                <a:ea typeface="Meiryo" charset="-128"/>
-                <a:cs typeface="Meiryo" charset="-128"/>
-              </a:rPr>
-              <a:t>を適用する</a:t>
-            </a:r>
-            <a:endParaRPr lang="en-US" altLang="ja-JP" sz="2400" dirty="0">
-              <a:latin typeface="Meiryo" charset="-128"/>
-              <a:ea typeface="Meiryo" charset="-128"/>
-              <a:cs typeface="Meiryo" charset="-128"/>
-            </a:endParaRPr>
-          </a:p>
-          <a:p>
-            <a:pPr marL="514350" indent="-514350">
-              <a:lnSpc>
-                <a:spcPct val="150000"/>
-              </a:lnSpc>
-              <a:buAutoNum type="alphaLcParenBoth"/>
-            </a:pPr>
-            <a:r>
-              <a:rPr lang="ja-JP" altLang="en-US" sz="2400" dirty="0">
-                <a:latin typeface="Meiryo" charset="-128"/>
-                <a:ea typeface="Meiryo" charset="-128"/>
-                <a:cs typeface="Meiryo" charset="-128"/>
-              </a:rPr>
-              <a:t> 任意の</a:t>
-            </a:r>
-            <a:r>
-              <a:rPr lang="en-US" altLang="ja-JP" sz="2400" dirty="0">
-                <a:latin typeface="Meiryo" charset="-128"/>
-                <a:ea typeface="Meiryo" charset="-128"/>
-                <a:cs typeface="Meiryo" charset="-128"/>
-              </a:rPr>
-              <a:t>2</a:t>
-            </a:r>
-            <a:r>
-              <a:rPr lang="ja-JP" altLang="en-US" sz="2400" dirty="0">
-                <a:latin typeface="Meiryo" charset="-128"/>
-                <a:ea typeface="Meiryo" charset="-128"/>
-                <a:cs typeface="Meiryo" charset="-128"/>
-              </a:rPr>
-              <a:t>個の点について，</a:t>
-            </a:r>
-            <a:endParaRPr lang="en-US" altLang="ja-JP" sz="2400" dirty="0">
-              <a:latin typeface="Meiryo" charset="-128"/>
-              <a:ea typeface="Meiryo" charset="-128"/>
-              <a:cs typeface="Meiryo" charset="-128"/>
-            </a:endParaRPr>
-          </a:p>
-          <a:p>
-            <a:pPr>
-              <a:lnSpc>
-                <a:spcPct val="150000"/>
-              </a:lnSpc>
-            </a:pPr>
-            <a:r>
-              <a:rPr lang="ja-JP" altLang="en-US" sz="2400" dirty="0">
-                <a:latin typeface="Meiryo" charset="-128"/>
-                <a:ea typeface="Meiryo" charset="-128"/>
-                <a:cs typeface="Meiryo" charset="-128"/>
-              </a:rPr>
-              <a:t>      距離が閾値未満ならこの</a:t>
-            </a:r>
-            <a:r>
-              <a:rPr lang="en-US" altLang="ja-JP" sz="2400" dirty="0">
-                <a:latin typeface="Meiryo" charset="-128"/>
-                <a:ea typeface="Meiryo" charset="-128"/>
-                <a:cs typeface="Meiryo" charset="-128"/>
-              </a:rPr>
-              <a:t>2</a:t>
-            </a:r>
-            <a:r>
-              <a:rPr lang="ja-JP" altLang="en-US" sz="2400" dirty="0">
-                <a:latin typeface="Meiryo" charset="-128"/>
-                <a:ea typeface="Meiryo" charset="-128"/>
-                <a:cs typeface="Meiryo" charset="-128"/>
-              </a:rPr>
-              <a:t>つの</a:t>
-            </a:r>
-            <a:br>
-              <a:rPr lang="en-US" altLang="ja-JP" sz="2400" dirty="0">
-                <a:latin typeface="Meiryo" charset="-128"/>
-                <a:ea typeface="Meiryo" charset="-128"/>
-                <a:cs typeface="Meiryo" charset="-128"/>
-              </a:rPr>
-            </a:br>
-            <a:r>
-              <a:rPr lang="ja-JP" altLang="en-US" sz="2400" dirty="0">
-                <a:latin typeface="Meiryo" charset="-128"/>
-                <a:ea typeface="Meiryo" charset="-128"/>
-                <a:cs typeface="Meiryo" charset="-128"/>
-              </a:rPr>
-              <a:t>      観測点を同じ極大点として扱う </a:t>
-            </a:r>
-            <a:endParaRPr kumimoji="1" lang="en-US" altLang="ja-JP" sz="2400" dirty="0">
-              <a:latin typeface="Meiryo" charset="-128"/>
-              <a:ea typeface="Meiryo" charset="-128"/>
-              <a:cs typeface="Meiryo" charset="-128"/>
-            </a:endParaRPr>
-          </a:p>
-        </p:txBody>
-      </p:sp>
-      <p:sp>
-        <p:nvSpPr>
-          <p:cNvPr id="9" name="テキスト ボックス 8">
-            <a:extLst>
-              <a:ext uri="{FF2B5EF4-FFF2-40B4-BE49-F238E27FC236}">
-                <a16:creationId xmlns:a16="http://schemas.microsoft.com/office/drawing/2014/main" id="{9FE63C69-2B9C-324F-915E-2608D49DFC99}"/>
-              </a:ext>
-            </a:extLst>
-          </p:cNvPr>
-          <p:cNvSpPr txBox="1"/>
-          <p:nvPr/>
-        </p:nvSpPr>
-        <p:spPr>
-          <a:xfrm>
-            <a:off x="8168102" y="3413957"/>
-            <a:ext cx="3283423" cy="600164"/>
-          </a:xfrm>
-          <a:prstGeom prst="rect">
-            <a:avLst/>
-          </a:prstGeom>
-          <a:noFill/>
-        </p:spPr>
-        <p:txBody>
-          <a:bodyPr wrap="square" rtlCol="0">
-            <a:spAutoFit/>
-          </a:bodyPr>
-          <a:lstStyle/>
-          <a:p>
-            <a:pPr>
-              <a:lnSpc>
-                <a:spcPct val="150000"/>
-              </a:lnSpc>
-            </a:pPr>
-            <a:r>
-              <a:rPr kumimoji="1" lang="ja-JP" altLang="en-US" sz="2400" b="1" dirty="0">
-                <a:solidFill>
-                  <a:srgbClr val="2F5597"/>
-                </a:solidFill>
-                <a:latin typeface="Meiryo" charset="-128"/>
-                <a:ea typeface="Meiryo" charset="-128"/>
-                <a:cs typeface="Meiryo" charset="-128"/>
-              </a:rPr>
-              <a:t>クラスタリングに応用</a:t>
-            </a:r>
-            <a:endParaRPr kumimoji="1" lang="en-US" altLang="ja-JP" sz="2400" b="1" dirty="0">
-              <a:solidFill>
-                <a:srgbClr val="2F5597"/>
-              </a:solidFill>
-              <a:latin typeface="Meiryo" charset="-128"/>
-              <a:ea typeface="Meiryo" charset="-128"/>
-              <a:cs typeface="Meiryo" charset="-128"/>
-            </a:endParaRPr>
-          </a:p>
-        </p:txBody>
-      </p:sp>
-    </p:spTree>
-    <p:extLst>
-      <p:ext uri="{BB962C8B-B14F-4D97-AF65-F5344CB8AC3E}">
-        <p14:creationId xmlns:p14="http://schemas.microsoft.com/office/powerpoint/2010/main" val="2184829500"/>
-      </p:ext>
-    </p:extLst>
-  </p:cSld>
-  <p:clrMapOvr>
-    <a:masterClrMapping/>
-  </p:clrMapOvr>
-</p:sld>
-</file>
-
-<file path=ppt/slides/slide22.xml><?xml version="1.0" encoding="utf-8"?>
-<p:sld xmlns:a="http://schemas.openxmlformats.org/drawingml/2006/main" xmlns:r="http://schemas.openxmlformats.org/officeDocument/2006/relationships" xmlns:p="http://schemas.openxmlformats.org/presentationml/2006/main">
-  <p:cSld>
-    <p:spTree>
-      <p:nvGrpSpPr>
-        <p:cNvPr id="1" name=""/>
-        <p:cNvGrpSpPr/>
-        <p:nvPr/>
-      </p:nvGrpSpPr>
-      <p:grpSpPr>
-        <a:xfrm>
-          <a:off x="0" y="0"/>
-          <a:ext cx="0" cy="0"/>
-          <a:chOff x="0" y="0"/>
-          <a:chExt cx="0" cy="0"/>
-        </a:xfrm>
-      </p:grpSpPr>
-      <p:sp>
-        <p:nvSpPr>
-          <p:cNvPr id="2" name="タイトル 1"/>
-          <p:cNvSpPr>
-            <a:spLocks noGrp="1"/>
-          </p:cNvSpPr>
-          <p:nvPr>
-            <p:ph type="title"/>
-          </p:nvPr>
-        </p:nvSpPr>
-        <p:spPr/>
-        <p:txBody>
-          <a:bodyPr/>
-          <a:lstStyle/>
-          <a:p>
-            <a:r>
-              <a:rPr kumimoji="1" lang="ja-JP" altLang="en-US" dirty="0"/>
-              <a:t>尤度</a:t>
-            </a:r>
-          </a:p>
-        </p:txBody>
-      </p:sp>
-      <p:sp>
-        <p:nvSpPr>
-          <p:cNvPr id="3" name="コンテンツ プレースホルダー 2"/>
-          <p:cNvSpPr>
-            <a:spLocks noGrp="1"/>
-          </p:cNvSpPr>
-          <p:nvPr>
-            <p:ph idx="1"/>
-          </p:nvPr>
-        </p:nvSpPr>
-        <p:spPr>
-          <a:xfrm>
-            <a:off x="838200" y="1109965"/>
-            <a:ext cx="10515600" cy="5122883"/>
-          </a:xfrm>
-        </p:spPr>
-        <p:txBody>
-          <a:bodyPr/>
-          <a:lstStyle/>
-          <a:p>
-            <a:pPr marL="0" marR="0" lvl="0" indent="0" defTabSz="914400" eaLnBrk="1" fontAlgn="auto" latinLnBrk="0" hangingPunct="1">
-              <a:spcBef>
-                <a:spcPts val="0"/>
-              </a:spcBef>
-              <a:spcAft>
-                <a:spcPts val="0"/>
-              </a:spcAft>
-              <a:buClrTx/>
-              <a:buSzTx/>
-              <a:buFontTx/>
-              <a:buNone/>
-              <a:tabLst/>
-              <a:defRPr/>
-            </a:pPr>
-            <a:r>
-              <a:rPr kumimoji="1" lang="ja-JP" altLang="en-US" dirty="0"/>
-              <a:t>モデルの尤もらしさを表す尺度</a:t>
-            </a:r>
-            <a:endParaRPr kumimoji="1" lang="en-US" altLang="ja-JP" dirty="0"/>
-          </a:p>
-          <a:p>
-            <a:pPr marL="0" marR="0" lvl="0" indent="0" defTabSz="914400" eaLnBrk="1" fontAlgn="auto" latinLnBrk="0" hangingPunct="1">
-              <a:lnSpc>
-                <a:spcPct val="150000"/>
-              </a:lnSpc>
-              <a:spcBef>
-                <a:spcPts val="0"/>
-              </a:spcBef>
-              <a:spcAft>
-                <a:spcPts val="0"/>
-              </a:spcAft>
-              <a:buClrTx/>
-              <a:buSzTx/>
-              <a:buFontTx/>
-              <a:buNone/>
-              <a:tabLst/>
-              <a:defRPr/>
-            </a:pPr>
-            <a:r>
-              <a:rPr lang="ja-JP" altLang="en-US" dirty="0"/>
-              <a:t>確率変数 </a:t>
-            </a:r>
-            <a:r>
-              <a:rPr lang="en-US" altLang="ja-JP" dirty="0">
-                <a:latin typeface="Times New Roman" charset="0"/>
-                <a:ea typeface="Times New Roman" charset="0"/>
-                <a:cs typeface="Times New Roman" charset="0"/>
-              </a:rPr>
-              <a:t>(</a:t>
-            </a:r>
-            <a:r>
-              <a:rPr lang="en-US" altLang="ja-JP" i="1" dirty="0">
-                <a:latin typeface="Times New Roman" charset="0"/>
-                <a:ea typeface="Times New Roman" charset="0"/>
-                <a:cs typeface="Times New Roman" charset="0"/>
-              </a:rPr>
-              <a:t>X</a:t>
-            </a:r>
-            <a:r>
-              <a:rPr lang="en-US" altLang="ja-JP" baseline="-25000" dirty="0">
-                <a:latin typeface="Times New Roman" charset="0"/>
-                <a:ea typeface="Times New Roman" charset="0"/>
-                <a:cs typeface="Times New Roman" charset="0"/>
-              </a:rPr>
-              <a:t>1</a:t>
-            </a:r>
-            <a:r>
-              <a:rPr lang="en-US" altLang="ja-JP" dirty="0">
-                <a:latin typeface="Times New Roman" charset="0"/>
-                <a:ea typeface="Times New Roman" charset="0"/>
-                <a:cs typeface="Times New Roman" charset="0"/>
-              </a:rPr>
-              <a:t>, </a:t>
-            </a:r>
-            <a:r>
-              <a:rPr lang="en-US" altLang="ja-JP" i="1" dirty="0">
-                <a:latin typeface="Times New Roman" charset="0"/>
-                <a:ea typeface="Times New Roman" charset="0"/>
-                <a:cs typeface="Times New Roman" charset="0"/>
-              </a:rPr>
-              <a:t>X</a:t>
-            </a:r>
-            <a:r>
-              <a:rPr lang="en-US" altLang="ja-JP" baseline="-25000" dirty="0">
-                <a:latin typeface="Times New Roman" charset="0"/>
-                <a:ea typeface="Times New Roman" charset="0"/>
-                <a:cs typeface="Times New Roman" charset="0"/>
-              </a:rPr>
-              <a:t>2</a:t>
-            </a:r>
-            <a:r>
-              <a:rPr lang="en-US" altLang="ja-JP" dirty="0">
-                <a:latin typeface="Times New Roman" charset="0"/>
-                <a:ea typeface="Times New Roman" charset="0"/>
-                <a:cs typeface="Times New Roman" charset="0"/>
-              </a:rPr>
-              <a:t>, …, </a:t>
-            </a:r>
-            <a:r>
-              <a:rPr lang="en-US" altLang="ja-JP" i="1" dirty="0" err="1">
-                <a:latin typeface="Times New Roman" charset="0"/>
-                <a:ea typeface="Times New Roman" charset="0"/>
-                <a:cs typeface="Times New Roman" charset="0"/>
-              </a:rPr>
-              <a:t>X</a:t>
-            </a:r>
-            <a:r>
-              <a:rPr lang="en-US" altLang="ja-JP" i="1" baseline="-25000" dirty="0" err="1">
-                <a:latin typeface="Times New Roman" charset="0"/>
-                <a:ea typeface="Times New Roman" charset="0"/>
-                <a:cs typeface="Times New Roman" charset="0"/>
-              </a:rPr>
-              <a:t>n</a:t>
-            </a:r>
-            <a:r>
-              <a:rPr lang="en-US" altLang="ja-JP" dirty="0">
-                <a:latin typeface="Times New Roman" charset="0"/>
-                <a:ea typeface="Times New Roman" charset="0"/>
-                <a:cs typeface="Times New Roman" charset="0"/>
-              </a:rPr>
-              <a:t>)</a:t>
-            </a:r>
-            <a:r>
-              <a:rPr lang="ja-JP" altLang="en-US" dirty="0">
-                <a:latin typeface="Times New Roman" charset="0"/>
-                <a:ea typeface="Times New Roman" charset="0"/>
-                <a:cs typeface="Times New Roman" charset="0"/>
-              </a:rPr>
-              <a:t>  </a:t>
-            </a:r>
-            <a:r>
-              <a:rPr lang="ja-JP" altLang="en-US" dirty="0"/>
-              <a:t>（互いに独立）の</a:t>
-            </a:r>
-            <a:br>
-              <a:rPr lang="en-US" altLang="ja-JP" dirty="0"/>
-            </a:br>
-            <a:r>
-              <a:rPr lang="ja-JP" altLang="en-US" dirty="0"/>
-              <a:t>同時確率密度関数が</a:t>
-            </a:r>
-            <a:r>
-              <a:rPr lang="en-US" altLang="ja-JP" dirty="0"/>
-              <a:t> </a:t>
-            </a:r>
-            <a:r>
-              <a:rPr lang="en-US" altLang="ja-JP" i="1" dirty="0">
-                <a:latin typeface="Times New Roman" charset="0"/>
-                <a:ea typeface="Times New Roman" charset="0"/>
-                <a:cs typeface="Times New Roman" charset="0"/>
-              </a:rPr>
-              <a:t>f </a:t>
-            </a:r>
-            <a:r>
-              <a:rPr lang="en-US" altLang="ja-JP" dirty="0">
-                <a:latin typeface="Times New Roman" charset="0"/>
-                <a:ea typeface="Times New Roman" charset="0"/>
-                <a:cs typeface="Times New Roman" charset="0"/>
-              </a:rPr>
-              <a:t>(</a:t>
-            </a:r>
-            <a:r>
-              <a:rPr lang="en-US" altLang="ja-JP" i="1" dirty="0">
-                <a:latin typeface="Times New Roman" charset="0"/>
-                <a:ea typeface="Times New Roman" charset="0"/>
-                <a:cs typeface="Times New Roman" charset="0"/>
-              </a:rPr>
-              <a:t>x</a:t>
-            </a:r>
-            <a:r>
-              <a:rPr lang="en-US" altLang="ja-JP" baseline="-25000" dirty="0">
-                <a:latin typeface="Times New Roman" charset="0"/>
-                <a:ea typeface="Times New Roman" charset="0"/>
-                <a:cs typeface="Times New Roman" charset="0"/>
-              </a:rPr>
-              <a:t>1</a:t>
-            </a:r>
-            <a:r>
-              <a:rPr lang="en-US" altLang="ja-JP" dirty="0">
-                <a:latin typeface="Times New Roman" charset="0"/>
-                <a:ea typeface="Times New Roman" charset="0"/>
-                <a:cs typeface="Times New Roman" charset="0"/>
-              </a:rPr>
-              <a:t>, </a:t>
-            </a:r>
-            <a:r>
-              <a:rPr lang="en-US" altLang="ja-JP" i="1" dirty="0">
-                <a:latin typeface="Times New Roman" charset="0"/>
-                <a:ea typeface="Times New Roman" charset="0"/>
-                <a:cs typeface="Times New Roman" charset="0"/>
-              </a:rPr>
-              <a:t>x</a:t>
-            </a:r>
-            <a:r>
-              <a:rPr lang="en-US" altLang="ja-JP" baseline="-25000" dirty="0">
-                <a:latin typeface="Times New Roman" charset="0"/>
-                <a:ea typeface="Times New Roman" charset="0"/>
-                <a:cs typeface="Times New Roman" charset="0"/>
-              </a:rPr>
-              <a:t>2</a:t>
-            </a:r>
-            <a:r>
-              <a:rPr lang="en-US" altLang="ja-JP" dirty="0">
-                <a:latin typeface="Times New Roman" charset="0"/>
-                <a:ea typeface="Times New Roman" charset="0"/>
-                <a:cs typeface="Times New Roman" charset="0"/>
-              </a:rPr>
-              <a:t>, …, </a:t>
-            </a:r>
-            <a:r>
-              <a:rPr lang="en-US" altLang="ja-JP" i="1" dirty="0" err="1">
-                <a:latin typeface="Times New Roman" charset="0"/>
-                <a:ea typeface="Times New Roman" charset="0"/>
-                <a:cs typeface="Times New Roman" charset="0"/>
-              </a:rPr>
-              <a:t>x</a:t>
-            </a:r>
-            <a:r>
-              <a:rPr lang="en-US" altLang="ja-JP" i="1" baseline="-25000" dirty="0" err="1">
-                <a:latin typeface="Times New Roman" charset="0"/>
-                <a:ea typeface="Times New Roman" charset="0"/>
-                <a:cs typeface="Times New Roman" charset="0"/>
-              </a:rPr>
-              <a:t>n</a:t>
-            </a:r>
-            <a:r>
-              <a:rPr lang="en-US" altLang="ja-JP" dirty="0">
-                <a:latin typeface="Times New Roman" charset="0"/>
-                <a:ea typeface="Times New Roman" charset="0"/>
-                <a:cs typeface="Times New Roman" charset="0"/>
-              </a:rPr>
-              <a:t> | </a:t>
-            </a:r>
-            <a:r>
-              <a:rPr lang="en-US" altLang="ja-JP" i="1" dirty="0" err="1">
-                <a:latin typeface="Times New Roman" charset="0"/>
-                <a:ea typeface="Times New Roman" charset="0"/>
-                <a:cs typeface="Times New Roman" charset="0"/>
-              </a:rPr>
-              <a:t>θ</a:t>
-            </a:r>
-            <a:r>
-              <a:rPr lang="en-US" altLang="ja-JP" dirty="0">
-                <a:latin typeface="Times New Roman" charset="0"/>
-                <a:ea typeface="Times New Roman" charset="0"/>
-                <a:cs typeface="Times New Roman" charset="0"/>
-              </a:rPr>
-              <a:t>) </a:t>
-            </a:r>
-            <a:r>
-              <a:rPr lang="ja-JP" altLang="en-US" dirty="0"/>
-              <a:t>として，</a:t>
-            </a:r>
-            <a:br>
-              <a:rPr lang="en-US" altLang="ja-JP" dirty="0"/>
-            </a:br>
-            <a:r>
-              <a:rPr lang="en-US" altLang="ja-JP" i="1" dirty="0">
-                <a:latin typeface="Times New Roman" charset="0"/>
-                <a:ea typeface="Times New Roman" charset="0"/>
-                <a:cs typeface="Times New Roman" charset="0"/>
-              </a:rPr>
-              <a:t>f  </a:t>
-            </a:r>
-            <a:r>
-              <a:rPr lang="ja-JP" altLang="en-US" dirty="0"/>
-              <a:t>をパラメータ</a:t>
-            </a:r>
-            <a:r>
-              <a:rPr lang="en-US" altLang="ja-JP" dirty="0"/>
-              <a:t> </a:t>
-            </a:r>
-            <a:r>
-              <a:rPr lang="en-US" altLang="ja-JP" i="1" dirty="0" err="1">
-                <a:latin typeface="Times New Roman" charset="0"/>
-                <a:ea typeface="Times New Roman" charset="0"/>
-                <a:cs typeface="Times New Roman" charset="0"/>
-              </a:rPr>
-              <a:t>θ</a:t>
-            </a:r>
-            <a:r>
-              <a:rPr lang="en-US" altLang="ja-JP" i="1" dirty="0">
-                <a:latin typeface="Times New Roman" charset="0"/>
-                <a:ea typeface="Times New Roman" charset="0"/>
-                <a:cs typeface="Times New Roman" charset="0"/>
-              </a:rPr>
-              <a:t> </a:t>
-            </a:r>
-            <a:r>
-              <a:rPr lang="ja-JP" altLang="en-US" dirty="0"/>
-              <a:t>の関数と考えたときの関数</a:t>
-            </a:r>
-            <a:endParaRPr kumimoji="1" lang="ja-JP" altLang="en-US" dirty="0"/>
-          </a:p>
-        </p:txBody>
-      </p:sp>
-      <p:pic>
-        <p:nvPicPr>
-          <p:cNvPr id="5" name="図 4"/>
-          <p:cNvPicPr>
-            <a:picLocks noChangeAspect="1"/>
-          </p:cNvPicPr>
-          <p:nvPr/>
-        </p:nvPicPr>
-        <p:blipFill>
-          <a:blip r:embed="rId2"/>
-          <a:stretch>
-            <a:fillRect/>
-          </a:stretch>
-        </p:blipFill>
-        <p:spPr>
-          <a:xfrm>
-            <a:off x="3397250" y="4678716"/>
-            <a:ext cx="5397500" cy="1993900"/>
-          </a:xfrm>
-          <a:prstGeom prst="rect">
-            <a:avLst/>
-          </a:prstGeom>
-        </p:spPr>
-      </p:pic>
-    </p:spTree>
-    <p:extLst>
-      <p:ext uri="{BB962C8B-B14F-4D97-AF65-F5344CB8AC3E}">
-        <p14:creationId xmlns:p14="http://schemas.microsoft.com/office/powerpoint/2010/main" val="585852389"/>
-      </p:ext>
-    </p:extLst>
-  </p:cSld>
-  <p:clrMapOvr>
-    <a:masterClrMapping/>
-  </p:clrMapOvr>
-</p:sld>
-</file>
-
-<file path=ppt/slides/slide23.xml><?xml version="1.0" encoding="utf-8"?>
 <p:sld xmlns:a="http://schemas.openxmlformats.org/drawingml/2006/main" xmlns:r="http://schemas.openxmlformats.org/officeDocument/2006/relationships" xmlns:p="http://schemas.openxmlformats.org/presentationml/2006/main">
   <p:cSld>
     <p:spTree>
@@ -7501,7 +6861,7 @@
 </p:sld>
 </file>
 
-<file path=ppt/slides/slide24.xml><?xml version="1.0" encoding="utf-8"?>
+<file path=ppt/slides/slide21.xml><?xml version="1.0" encoding="utf-8"?>
 <p:sld xmlns:a="http://schemas.openxmlformats.org/drawingml/2006/main" xmlns:r="http://schemas.openxmlformats.org/officeDocument/2006/relationships" xmlns:p="http://schemas.openxmlformats.org/presentationml/2006/main">
   <p:cSld>
     <p:spTree>
@@ -8325,7 +7685,7 @@
 </p:sld>
 </file>
 
-<file path=ppt/slides/slide25.xml><?xml version="1.0" encoding="utf-8"?>
+<file path=ppt/slides/slide22.xml><?xml version="1.0" encoding="utf-8"?>
 <p:sld xmlns:a="http://schemas.openxmlformats.org/drawingml/2006/main" xmlns:r="http://schemas.openxmlformats.org/officeDocument/2006/relationships" xmlns:p="http://schemas.openxmlformats.org/presentationml/2006/main">
   <p:cSld>
     <p:spTree>
@@ -8642,7 +8002,7 @@
 </p:sld>
 </file>
 
-<file path=ppt/slides/slide26.xml><?xml version="1.0" encoding="utf-8"?>
+<file path=ppt/slides/slide23.xml><?xml version="1.0" encoding="utf-8"?>
 <p:sld xmlns:a="http://schemas.openxmlformats.org/drawingml/2006/main" xmlns:r="http://schemas.openxmlformats.org/officeDocument/2006/relationships" xmlns:p="http://schemas.openxmlformats.org/presentationml/2006/main">
   <p:cSld>
     <p:spTree>
@@ -9814,6 +9174,320 @@
           <a:lstStyle/>
           <a:p>
             <a:r>
+              <a:rPr lang="en-US" altLang="ja-JP" i="1" dirty="0">
+                <a:latin typeface="Times New Roman" charset="0"/>
+                <a:ea typeface="Times New Roman" charset="0"/>
+                <a:cs typeface="Times New Roman" charset="0"/>
+              </a:rPr>
+              <a:t>k</a:t>
+            </a:r>
+            <a:r>
+              <a:rPr kumimoji="1" lang="en-US" altLang="ja-JP" dirty="0"/>
+              <a:t>-means</a:t>
+            </a:r>
+            <a:endParaRPr kumimoji="1" lang="ja-JP" altLang="en-US" dirty="0"/>
+          </a:p>
+        </p:txBody>
+      </p:sp>
+      <p:pic>
+        <p:nvPicPr>
+          <p:cNvPr id="4" name="コンテンツ プレースホルダー 3"/>
+          <p:cNvPicPr>
+            <a:picLocks noGrp="1" noChangeAspect="1"/>
+          </p:cNvPicPr>
+          <p:nvPr>
+            <p:ph idx="1"/>
+          </p:nvPr>
+        </p:nvPicPr>
+        <p:blipFill>
+          <a:blip r:embed="rId3"/>
+          <a:stretch>
+            <a:fillRect/>
+          </a:stretch>
+        </p:blipFill>
+        <p:spPr>
+          <a:xfrm>
+            <a:off x="226074" y="1132231"/>
+            <a:ext cx="8492358" cy="2437156"/>
+          </a:xfrm>
+          <a:prstGeom prst="rect">
+            <a:avLst/>
+          </a:prstGeom>
+        </p:spPr>
+      </p:pic>
+      <p:sp>
+        <p:nvSpPr>
+          <p:cNvPr id="5" name="テキスト ボックス 4"/>
+          <p:cNvSpPr txBox="1"/>
+          <p:nvPr/>
+        </p:nvSpPr>
+        <p:spPr>
+          <a:xfrm>
+            <a:off x="428297" y="3882131"/>
+            <a:ext cx="11969943" cy="2677656"/>
+          </a:xfrm>
+          <a:prstGeom prst="rect">
+            <a:avLst/>
+          </a:prstGeom>
+          <a:noFill/>
+        </p:spPr>
+        <p:txBody>
+          <a:bodyPr wrap="none" rtlCol="0">
+            <a:spAutoFit/>
+          </a:bodyPr>
+          <a:lstStyle/>
+          <a:p>
+            <a:pPr marL="514350" indent="-514350">
+              <a:lnSpc>
+                <a:spcPct val="150000"/>
+              </a:lnSpc>
+              <a:buAutoNum type="alphaLcParenBoth"/>
+            </a:pPr>
+            <a:r>
+              <a:rPr kumimoji="1" lang="ja-JP" altLang="en-US" sz="2800" dirty="0">
+                <a:latin typeface="Meiryo" charset="-128"/>
+                <a:ea typeface="Meiryo" charset="-128"/>
+                <a:cs typeface="Meiryo" charset="-128"/>
+              </a:rPr>
+              <a:t> セントロイドの初期値を選ぶ（</a:t>
+            </a:r>
+            <a:r>
+              <a:rPr kumimoji="1" lang="en-US" altLang="ja-JP" sz="2800" dirty="0">
+                <a:latin typeface="Meiryo" charset="-128"/>
+                <a:ea typeface="Meiryo" charset="-128"/>
+                <a:cs typeface="Meiryo" charset="-128"/>
+              </a:rPr>
+              <a:t>×</a:t>
+            </a:r>
+            <a:r>
+              <a:rPr kumimoji="1" lang="ja-JP" altLang="en-US" sz="2800" dirty="0">
+                <a:latin typeface="Meiryo" charset="-128"/>
+                <a:ea typeface="Meiryo" charset="-128"/>
+                <a:cs typeface="Meiryo" charset="-128"/>
+              </a:rPr>
+              <a:t>印）</a:t>
+            </a:r>
+            <a:endParaRPr kumimoji="1" lang="en-US" altLang="ja-JP" sz="2800" dirty="0">
+              <a:latin typeface="Meiryo" charset="-128"/>
+              <a:ea typeface="Meiryo" charset="-128"/>
+              <a:cs typeface="Meiryo" charset="-128"/>
+            </a:endParaRPr>
+          </a:p>
+          <a:p>
+            <a:pPr marL="514350" indent="-514350">
+              <a:lnSpc>
+                <a:spcPct val="150000"/>
+              </a:lnSpc>
+              <a:buAutoNum type="alphaLcParenBoth"/>
+            </a:pPr>
+            <a:r>
+              <a:rPr kumimoji="1" lang="ja-JP" altLang="en-US" sz="2800" dirty="0">
+                <a:latin typeface="Meiryo" charset="-128"/>
+                <a:ea typeface="Meiryo" charset="-128"/>
+                <a:cs typeface="Meiryo" charset="-128"/>
+              </a:rPr>
+              <a:t> セントロイドを固定し，</a:t>
+            </a:r>
+            <a:r>
+              <a:rPr kumimoji="1" lang="ja-JP" altLang="en-US" sz="2800" b="1" dirty="0">
+                <a:latin typeface="Meiryo" charset="-128"/>
+                <a:ea typeface="Meiryo" charset="-128"/>
+                <a:cs typeface="Meiryo" charset="-128"/>
+              </a:rPr>
+              <a:t>最も近いセントロイドにデータを割り当て</a:t>
+            </a:r>
+            <a:endParaRPr kumimoji="1" lang="en-US" altLang="ja-JP" sz="2800" b="1" dirty="0">
+              <a:latin typeface="Meiryo" charset="-128"/>
+              <a:ea typeface="Meiryo" charset="-128"/>
+              <a:cs typeface="Meiryo" charset="-128"/>
+            </a:endParaRPr>
+          </a:p>
+          <a:p>
+            <a:pPr marL="514350" indent="-514350">
+              <a:lnSpc>
+                <a:spcPct val="150000"/>
+              </a:lnSpc>
+              <a:buAutoNum type="alphaLcParenBoth"/>
+            </a:pPr>
+            <a:r>
+              <a:rPr lang="ja-JP" altLang="en-US" sz="2800" dirty="0">
+                <a:latin typeface="Meiryo" charset="-128"/>
+                <a:ea typeface="Meiryo" charset="-128"/>
+                <a:cs typeface="Meiryo" charset="-128"/>
+              </a:rPr>
+              <a:t> 割り当てられた</a:t>
+            </a:r>
+            <a:r>
+              <a:rPr lang="ja-JP" altLang="en-US" sz="2800" b="1" dirty="0">
+                <a:latin typeface="Meiryo" charset="-128"/>
+                <a:ea typeface="Meiryo" charset="-128"/>
+                <a:cs typeface="Meiryo" charset="-128"/>
+              </a:rPr>
+              <a:t>データの重心にセントロイドを移動</a:t>
+            </a:r>
+            <a:endParaRPr lang="en-US" altLang="ja-JP" sz="2800" b="1" dirty="0">
+              <a:latin typeface="Meiryo" charset="-128"/>
+              <a:ea typeface="Meiryo" charset="-128"/>
+              <a:cs typeface="Meiryo" charset="-128"/>
+            </a:endParaRPr>
+          </a:p>
+          <a:p>
+            <a:pPr>
+              <a:lnSpc>
+                <a:spcPct val="150000"/>
+              </a:lnSpc>
+            </a:pPr>
+            <a:r>
+              <a:rPr lang="en-US" altLang="ja-JP" sz="2800" dirty="0">
+                <a:latin typeface="Meiryo" charset="-128"/>
+                <a:ea typeface="Meiryo" charset="-128"/>
+                <a:cs typeface="Meiryo" charset="-128"/>
+              </a:rPr>
+              <a:t>(*) </a:t>
+            </a:r>
+            <a:r>
+              <a:rPr lang="ja-JP" altLang="en-US" sz="2800" dirty="0">
+                <a:latin typeface="Meiryo" charset="-128"/>
+                <a:ea typeface="Meiryo" charset="-128"/>
+                <a:cs typeface="Meiryo" charset="-128"/>
+              </a:rPr>
+              <a:t>再割り当てが起こらなくなるまで</a:t>
+            </a:r>
+            <a:r>
+              <a:rPr lang="en-US" altLang="ja-JP" sz="2800" dirty="0">
+                <a:latin typeface="Meiryo" charset="-128"/>
+                <a:ea typeface="Meiryo" charset="-128"/>
+                <a:cs typeface="Meiryo" charset="-128"/>
+              </a:rPr>
+              <a:t> (b), </a:t>
+            </a:r>
+            <a:r>
+              <a:rPr lang="de-DE" altLang="ja-JP" sz="2800" dirty="0">
+                <a:latin typeface="Meiryo" charset="-128"/>
+                <a:ea typeface="Meiryo" charset="-128"/>
+                <a:cs typeface="Meiryo" charset="-128"/>
+              </a:rPr>
+              <a:t>(c)</a:t>
+            </a:r>
+            <a:r>
+              <a:rPr lang="ja-JP" altLang="en-US" sz="2800" dirty="0">
+                <a:latin typeface="Meiryo" charset="-128"/>
+                <a:ea typeface="Meiryo" charset="-128"/>
+                <a:cs typeface="Meiryo" charset="-128"/>
+              </a:rPr>
+              <a:t>を繰り返す</a:t>
+            </a:r>
+            <a:endParaRPr kumimoji="1" lang="ja-JP" altLang="en-US" sz="2800" dirty="0">
+              <a:latin typeface="Meiryo" charset="-128"/>
+              <a:ea typeface="Meiryo" charset="-128"/>
+              <a:cs typeface="Meiryo" charset="-128"/>
+            </a:endParaRPr>
+          </a:p>
+        </p:txBody>
+      </p:sp>
+      <p:pic>
+        <p:nvPicPr>
+          <p:cNvPr id="7" name="図 6"/>
+          <p:cNvPicPr>
+            <a:picLocks noChangeAspect="1"/>
+          </p:cNvPicPr>
+          <p:nvPr/>
+        </p:nvPicPr>
+        <p:blipFill>
+          <a:blip r:embed="rId4"/>
+          <a:stretch>
+            <a:fillRect/>
+          </a:stretch>
+        </p:blipFill>
+        <p:spPr>
+          <a:xfrm>
+            <a:off x="9634460" y="1221010"/>
+            <a:ext cx="2404708" cy="2255052"/>
+          </a:xfrm>
+          <a:prstGeom prst="rect">
+            <a:avLst/>
+          </a:prstGeom>
+        </p:spPr>
+      </p:pic>
+      <p:sp>
+        <p:nvSpPr>
+          <p:cNvPr id="8" name="テキスト ボックス 7"/>
+          <p:cNvSpPr txBox="1"/>
+          <p:nvPr/>
+        </p:nvSpPr>
+        <p:spPr>
+          <a:xfrm>
+            <a:off x="8737864" y="2166143"/>
+            <a:ext cx="877163" cy="369332"/>
+          </a:xfrm>
+          <a:prstGeom prst="rect">
+            <a:avLst/>
+          </a:prstGeom>
+          <a:noFill/>
+        </p:spPr>
+        <p:txBody>
+          <a:bodyPr wrap="none" rtlCol="0">
+            <a:spAutoFit/>
+          </a:bodyPr>
+          <a:lstStyle/>
+          <a:p>
+            <a:r>
+              <a:rPr kumimoji="1" lang="ja-JP" altLang="en-US" b="1">
+                <a:latin typeface="Meiryo" charset="-128"/>
+                <a:ea typeface="Meiryo" charset="-128"/>
+                <a:cs typeface="Meiryo" charset="-128"/>
+              </a:rPr>
+              <a:t>・・・</a:t>
+            </a:r>
+          </a:p>
+        </p:txBody>
+      </p:sp>
+    </p:spTree>
+    <p:extLst>
+      <p:ext uri="{BB962C8B-B14F-4D97-AF65-F5344CB8AC3E}">
+        <p14:creationId xmlns:p14="http://schemas.microsoft.com/office/powerpoint/2010/main" val="887420006"/>
+      </p:ext>
+    </p:extLst>
+  </p:cSld>
+  <p:clrMapOvr>
+    <a:masterClrMapping/>
+  </p:clrMapOvr>
+</p:sld>
+</file>
+
+<file path=ppt/slides/slide6.xml><?xml version="1.0" encoding="utf-8"?>
+<p:sld xmlns:a="http://schemas.openxmlformats.org/drawingml/2006/main" xmlns:r="http://schemas.openxmlformats.org/officeDocument/2006/relationships" xmlns:p="http://schemas.openxmlformats.org/presentationml/2006/main">
+  <p:cSld>
+    <p:spTree>
+      <p:nvGrpSpPr>
+        <p:cNvPr id="1" name=""/>
+        <p:cNvGrpSpPr/>
+        <p:nvPr/>
+      </p:nvGrpSpPr>
+      <p:grpSpPr>
+        <a:xfrm>
+          <a:off x="0" y="0"/>
+          <a:ext cx="0" cy="0"/>
+          <a:chOff x="0" y="0"/>
+          <a:chExt cx="0" cy="0"/>
+        </a:xfrm>
+      </p:grpSpPr>
+      <p:sp>
+        <p:nvSpPr>
+          <p:cNvPr id="2" name="タイトル 1"/>
+          <p:cNvSpPr>
+            <a:spLocks noGrp="1"/>
+          </p:cNvSpPr>
+          <p:nvPr>
+            <p:ph type="title"/>
+          </p:nvPr>
+        </p:nvSpPr>
+        <p:spPr/>
+        <p:txBody>
+          <a:bodyPr/>
+          <a:lstStyle/>
+          <a:p>
+            <a:r>
               <a:rPr lang="en-US" altLang="ja-JP" dirty="0"/>
               <a:t>X-means</a:t>
             </a:r>
@@ -10651,7 +10325,7 @@
 </p:sld>
 </file>
 
-<file path=ppt/slides/slide6.xml><?xml version="1.0" encoding="utf-8"?>
+<file path=ppt/slides/slide7.xml><?xml version="1.0" encoding="utf-8"?>
 <p:sld xmlns:a="http://schemas.openxmlformats.org/drawingml/2006/main" xmlns:r="http://schemas.openxmlformats.org/officeDocument/2006/relationships" xmlns:p="http://schemas.openxmlformats.org/presentationml/2006/main">
   <p:cSld>
     <p:spTree>
@@ -12573,7 +12247,7 @@
 </p:sld>
 </file>
 
-<file path=ppt/slides/slide7.xml><?xml version="1.0" encoding="utf-8"?>
+<file path=ppt/slides/slide8.xml><?xml version="1.0" encoding="utf-8"?>
 <p:sld xmlns:a="http://schemas.openxmlformats.org/drawingml/2006/main" xmlns:r="http://schemas.openxmlformats.org/officeDocument/2006/relationships" xmlns:p="http://schemas.openxmlformats.org/presentationml/2006/main">
   <p:cSld>
     <p:spTree>
@@ -13086,7 +12760,7 @@
 </p:sld>
 </file>
 
-<file path=ppt/slides/slide8.xml><?xml version="1.0" encoding="utf-8"?>
+<file path=ppt/slides/slide9.xml><?xml version="1.0" encoding="utf-8"?>
 <p:sld xmlns:a="http://schemas.openxmlformats.org/drawingml/2006/main" xmlns:r="http://schemas.openxmlformats.org/officeDocument/2006/relationships" xmlns:p="http://schemas.openxmlformats.org/presentationml/2006/main">
   <p:cSld>
     <p:spTree>
@@ -13204,7 +12878,7 @@
         </p:blipFill>
         <p:spPr>
           <a:xfrm>
-            <a:off x="4197569" y="2623482"/>
+            <a:off x="4415219" y="2557499"/>
             <a:ext cx="4419600" cy="571500"/>
           </a:xfrm>
           <a:prstGeom prst="rect">
@@ -13873,257 +13547,6 @@
     <p:extLst>
       <p:ext uri="{BB962C8B-B14F-4D97-AF65-F5344CB8AC3E}">
         <p14:creationId xmlns:p14="http://schemas.microsoft.com/office/powerpoint/2010/main" val="1608844801"/>
-      </p:ext>
-    </p:extLst>
-  </p:cSld>
-  <p:clrMapOvr>
-    <a:masterClrMapping/>
-  </p:clrMapOvr>
-</p:sld>
-</file>
-
-<file path=ppt/slides/slide9.xml><?xml version="1.0" encoding="utf-8"?>
-<p:sld xmlns:a="http://schemas.openxmlformats.org/drawingml/2006/main" xmlns:r="http://schemas.openxmlformats.org/officeDocument/2006/relationships" xmlns:p="http://schemas.openxmlformats.org/presentationml/2006/main">
-  <p:cSld>
-    <p:spTree>
-      <p:nvGrpSpPr>
-        <p:cNvPr id="1" name=""/>
-        <p:cNvGrpSpPr/>
-        <p:nvPr/>
-      </p:nvGrpSpPr>
-      <p:grpSpPr>
-        <a:xfrm>
-          <a:off x="0" y="0"/>
-          <a:ext cx="0" cy="0"/>
-          <a:chOff x="0" y="0"/>
-          <a:chExt cx="0" cy="0"/>
-        </a:xfrm>
-      </p:grpSpPr>
-      <p:sp>
-        <p:nvSpPr>
-          <p:cNvPr id="2" name="タイトル 1">
-            <a:extLst>
-              <a:ext uri="{FF2B5EF4-FFF2-40B4-BE49-F238E27FC236}">
-                <a16:creationId xmlns:a16="http://schemas.microsoft.com/office/drawing/2014/main" id="{ECB34EC5-0F94-D840-9BED-848A5BCC5074}"/>
-              </a:ext>
-            </a:extLst>
-          </p:cNvPr>
-          <p:cNvSpPr>
-            <a:spLocks noGrp="1"/>
-          </p:cNvSpPr>
-          <p:nvPr>
-            <p:ph type="title"/>
-          </p:nvPr>
-        </p:nvSpPr>
-        <p:spPr>
-          <a:xfrm>
-            <a:off x="838200" y="182562"/>
-            <a:ext cx="10515600" cy="636925"/>
-          </a:xfrm>
-        </p:spPr>
-        <p:txBody>
-          <a:bodyPr/>
-          <a:lstStyle/>
-          <a:p>
-            <a:r>
-              <a:rPr kumimoji="1" lang="ja-JP" altLang="en-US" dirty="0"/>
-              <a:t>対象とするデータ</a:t>
-            </a:r>
-          </a:p>
-        </p:txBody>
-      </p:sp>
-      <p:sp>
-        <p:nvSpPr>
-          <p:cNvPr id="3" name="コンテンツ プレースホルダー 2">
-            <a:extLst>
-              <a:ext uri="{FF2B5EF4-FFF2-40B4-BE49-F238E27FC236}">
-                <a16:creationId xmlns:a16="http://schemas.microsoft.com/office/drawing/2014/main" id="{124D0E7B-1DB5-1441-B026-39C7CDE3337B}"/>
-              </a:ext>
-            </a:extLst>
-          </p:cNvPr>
-          <p:cNvSpPr>
-            <a:spLocks noGrp="1"/>
-          </p:cNvSpPr>
-          <p:nvPr>
-            <p:ph idx="1"/>
-          </p:nvPr>
-        </p:nvSpPr>
-        <p:spPr>
-          <a:xfrm>
-            <a:off x="838200" y="1993815"/>
-            <a:ext cx="10515600" cy="3921464"/>
-          </a:xfrm>
-        </p:spPr>
-        <p:txBody>
-          <a:bodyPr/>
-          <a:lstStyle/>
-          <a:p>
-            <a:pPr>
-              <a:lnSpc>
-                <a:spcPct val="150000"/>
-              </a:lnSpc>
-            </a:pPr>
-            <a:r>
-              <a:rPr lang="ja-JP" altLang="en-US" dirty="0"/>
-              <a:t>人工的に生成した</a:t>
-            </a:r>
-            <a:r>
-              <a:rPr lang="en-US" altLang="ja-JP" b="1" dirty="0"/>
-              <a:t>2</a:t>
-            </a:r>
-            <a:r>
-              <a:rPr lang="ja-JP" altLang="en-US" b="1" dirty="0"/>
-              <a:t>次元</a:t>
-            </a:r>
-            <a:r>
-              <a:rPr lang="ja-JP" altLang="en-US" dirty="0"/>
-              <a:t>もしくは</a:t>
-            </a:r>
-            <a:r>
-              <a:rPr lang="en-US" altLang="ja-JP" b="1" dirty="0"/>
-              <a:t>3</a:t>
-            </a:r>
-            <a:r>
-              <a:rPr lang="ja-JP" altLang="en-US" b="1" dirty="0"/>
-              <a:t>次元</a:t>
-            </a:r>
-            <a:r>
-              <a:rPr lang="ja-JP" altLang="en-US" dirty="0"/>
-              <a:t>空間のデータ</a:t>
-            </a:r>
-            <a:endParaRPr lang="en-US" altLang="ja-JP" dirty="0"/>
-          </a:p>
-          <a:p>
-            <a:pPr lvl="1">
-              <a:lnSpc>
-                <a:spcPct val="150000"/>
-              </a:lnSpc>
-              <a:buFont typeface="Wingdings" charset="2"/>
-              <a:buChar char="u"/>
-            </a:pPr>
-            <a:r>
-              <a:rPr lang="ja-JP" altLang="en-US" dirty="0"/>
-              <a:t> 分散</a:t>
-            </a:r>
-            <a:r>
-              <a:rPr lang="en-US" altLang="ja-JP" dirty="0"/>
-              <a:t> </a:t>
-            </a:r>
-            <a:r>
-              <a:rPr lang="en-US" altLang="ja-JP" i="1" dirty="0">
-                <a:latin typeface="Times New Roman" charset="0"/>
-                <a:ea typeface="Times New Roman" charset="0"/>
-                <a:cs typeface="Times New Roman" charset="0"/>
-              </a:rPr>
-              <a:t>σ</a:t>
-            </a:r>
-            <a:r>
-              <a:rPr lang="en-US" altLang="ja-JP" baseline="30000" dirty="0">
-                <a:latin typeface="Times New Roman" charset="0"/>
-                <a:ea typeface="Times New Roman" charset="0"/>
-                <a:cs typeface="Times New Roman" charset="0"/>
-              </a:rPr>
-              <a:t>2</a:t>
-            </a:r>
-            <a:r>
-              <a:rPr lang="en-US" altLang="ja-JP" dirty="0">
-                <a:latin typeface="Times New Roman" charset="0"/>
-                <a:ea typeface="Times New Roman" charset="0"/>
-                <a:cs typeface="Times New Roman" charset="0"/>
-              </a:rPr>
-              <a:t>=1 </a:t>
-            </a:r>
-            <a:r>
-              <a:rPr lang="ja-JP" altLang="en-US" dirty="0"/>
-              <a:t>の</a:t>
-            </a:r>
-            <a:r>
-              <a:rPr lang="en-US" altLang="ja-JP" dirty="0"/>
-              <a:t>5</a:t>
-            </a:r>
-            <a:r>
-              <a:rPr lang="ja-JP" altLang="en-US" dirty="0"/>
-              <a:t>つの等方</a:t>
-            </a:r>
-            <a:r>
-              <a:rPr lang="en-US" altLang="ja-JP" dirty="0"/>
-              <a:t>Gauss</a:t>
-            </a:r>
-            <a:r>
-              <a:rPr lang="ja-JP" altLang="en-US" dirty="0"/>
-              <a:t>分布で構成</a:t>
-            </a:r>
-            <a:endParaRPr lang="en-US" altLang="ja-JP" dirty="0"/>
-          </a:p>
-          <a:p>
-            <a:pPr lvl="1">
-              <a:lnSpc>
-                <a:spcPct val="150000"/>
-              </a:lnSpc>
-              <a:buFont typeface="Wingdings" charset="2"/>
-              <a:buChar char="u"/>
-            </a:pPr>
-            <a:r>
-              <a:rPr lang="ja-JP" altLang="en-US" dirty="0"/>
-              <a:t> 各クラスタは</a:t>
-            </a:r>
-            <a:r>
-              <a:rPr lang="en-US" altLang="ja-JP" dirty="0"/>
-              <a:t>500</a:t>
-            </a:r>
-            <a:r>
-              <a:rPr lang="ja-JP" altLang="en-US" dirty="0"/>
-              <a:t>個のデータ点からなる</a:t>
-            </a:r>
-            <a:endParaRPr lang="en-US" altLang="ja-JP" dirty="0"/>
-          </a:p>
-          <a:p>
-            <a:pPr>
-              <a:lnSpc>
-                <a:spcPct val="150000"/>
-              </a:lnSpc>
-            </a:pPr>
-            <a:r>
-              <a:rPr lang="ja-JP" altLang="en-US" dirty="0"/>
-              <a:t>手書き文字データ </a:t>
-            </a:r>
-            <a:r>
-              <a:rPr lang="en-US" altLang="ja-JP" dirty="0"/>
-              <a:t>(MNIST)</a:t>
-            </a:r>
-          </a:p>
-          <a:p>
-            <a:pPr lvl="1">
-              <a:lnSpc>
-                <a:spcPct val="150000"/>
-              </a:lnSpc>
-              <a:buFont typeface="Wingdings" pitchFamily="2" charset="2"/>
-              <a:buChar char="u"/>
-            </a:pPr>
-            <a:r>
-              <a:rPr lang="en-US" altLang="ja-JP" dirty="0"/>
-              <a:t> 70,000</a:t>
-            </a:r>
-            <a:r>
-              <a:rPr lang="ja-JP" altLang="en-US" dirty="0"/>
-              <a:t>枚の手書きアラビア数字 </a:t>
-            </a:r>
-            <a:r>
-              <a:rPr lang="en-US" altLang="ja-JP" dirty="0"/>
-              <a:t>(0 - 9) </a:t>
-            </a:r>
-            <a:r>
-              <a:rPr lang="ja-JP" altLang="en-US" dirty="0"/>
-              <a:t>のデータセット</a:t>
-            </a:r>
-            <a:endParaRPr lang="en-US" altLang="ja-JP" dirty="0"/>
-          </a:p>
-        </p:txBody>
-      </p:sp>
-    </p:spTree>
-    <p:extLst>
-      <p:ext uri="{BB962C8B-B14F-4D97-AF65-F5344CB8AC3E}">
-        <p14:creationId xmlns:p14="http://schemas.microsoft.com/office/powerpoint/2010/main" val="2760854736"/>
       </p:ext>
     </p:extLst>
   </p:cSld>
